--- a/Project1_Presentation.pptx
+++ b/Project1_Presentation.pptx
@@ -8,7 +8,18 @@
     <p:sldId id="256" r:id="rId2"/>
     <p:sldId id="257" r:id="rId3"/>
     <p:sldId id="259" r:id="rId4"/>
-    <p:sldId id="258" r:id="rId5"/>
+    <p:sldId id="260" r:id="rId5"/>
+    <p:sldId id="267" r:id="rId6"/>
+    <p:sldId id="268" r:id="rId7"/>
+    <p:sldId id="258" r:id="rId8"/>
+    <p:sldId id="262" r:id="rId9"/>
+    <p:sldId id="270" r:id="rId10"/>
+    <p:sldId id="271" r:id="rId11"/>
+    <p:sldId id="266" r:id="rId12"/>
+    <p:sldId id="272" r:id="rId13"/>
+    <p:sldId id="265" r:id="rId14"/>
+    <p:sldId id="263" r:id="rId15"/>
+    <p:sldId id="264" r:id="rId16"/>
   </p:sldIdLst>
   <p:sldSz cx="12192000" cy="6858000"/>
   <p:notesSz cx="6858000" cy="9144000"/>
@@ -107,6 +118,11 @@
       </a:defRPr>
     </a:lvl9pPr>
   </p:defaultTextStyle>
+  <p:extLst>
+    <p:ext uri="{EFAFB233-063F-42B5-8137-9DF3F51BA10A}">
+      <p15:sldGuideLst xmlns:p15="http://schemas.microsoft.com/office/powerpoint/2012/main"/>
+    </p:ext>
+  </p:extLst>
 </p:presentation>
 </file>
 
@@ -336,7 +352,7 @@
           <a:p>
             <a:fld id="{F70A646C-22A8-4D69-ACFD-CD88A31D50DB}" type="datetimeFigureOut">
               <a:rPr lang="en-US" smtClean="0"/>
-              <a:t>4/2/2018</a:t>
+              <a:t>4/3/2018</a:t>
             </a:fld>
             <a:endParaRPr lang="en-US"/>
           </a:p>
@@ -544,7 +560,7 @@
           <a:p>
             <a:fld id="{F70A646C-22A8-4D69-ACFD-CD88A31D50DB}" type="datetimeFigureOut">
               <a:rPr lang="en-US" smtClean="0"/>
-              <a:t>4/2/2018</a:t>
+              <a:t>4/3/2018</a:t>
             </a:fld>
             <a:endParaRPr lang="en-US"/>
           </a:p>
@@ -800,7 +816,7 @@
           <a:p>
             <a:fld id="{F70A646C-22A8-4D69-ACFD-CD88A31D50DB}" type="datetimeFigureOut">
               <a:rPr lang="en-US" smtClean="0"/>
-              <a:t>4/2/2018</a:t>
+              <a:t>4/3/2018</a:t>
             </a:fld>
             <a:endParaRPr lang="en-US"/>
           </a:p>
@@ -974,7 +990,7 @@
           <a:p>
             <a:fld id="{F70A646C-22A8-4D69-ACFD-CD88A31D50DB}" type="datetimeFigureOut">
               <a:rPr lang="en-US" smtClean="0"/>
-              <a:t>4/2/2018</a:t>
+              <a:t>4/3/2018</a:t>
             </a:fld>
             <a:endParaRPr lang="en-US"/>
           </a:p>
@@ -1317,7 +1333,7 @@
           <a:p>
             <a:fld id="{F70A646C-22A8-4D69-ACFD-CD88A31D50DB}" type="datetimeFigureOut">
               <a:rPr lang="en-US" smtClean="0"/>
-              <a:t>4/2/2018</a:t>
+              <a:t>4/3/2018</a:t>
             </a:fld>
             <a:endParaRPr lang="en-US"/>
           </a:p>
@@ -1592,7 +1608,7 @@
           <a:p>
             <a:fld id="{F70A646C-22A8-4D69-ACFD-CD88A31D50DB}" type="datetimeFigureOut">
               <a:rPr lang="en-US" smtClean="0"/>
-              <a:t>4/2/2018</a:t>
+              <a:t>4/3/2018</a:t>
             </a:fld>
             <a:endParaRPr lang="en-US"/>
           </a:p>
@@ -1971,7 +1987,7 @@
           <a:p>
             <a:fld id="{F70A646C-22A8-4D69-ACFD-CD88A31D50DB}" type="datetimeFigureOut">
               <a:rPr lang="en-US" smtClean="0"/>
-              <a:t>4/2/2018</a:t>
+              <a:t>4/3/2018</a:t>
             </a:fld>
             <a:endParaRPr lang="en-US"/>
           </a:p>
@@ -2089,7 +2105,7 @@
           <a:p>
             <a:fld id="{F70A646C-22A8-4D69-ACFD-CD88A31D50DB}" type="datetimeFigureOut">
               <a:rPr lang="en-US" smtClean="0"/>
-              <a:t>4/2/2018</a:t>
+              <a:t>4/3/2018</a:t>
             </a:fld>
             <a:endParaRPr lang="en-US"/>
           </a:p>
@@ -2260,7 +2276,7 @@
           <a:p>
             <a:fld id="{F70A646C-22A8-4D69-ACFD-CD88A31D50DB}" type="datetimeFigureOut">
               <a:rPr lang="en-US" smtClean="0"/>
-              <a:t>4/2/2018</a:t>
+              <a:t>4/3/2018</a:t>
             </a:fld>
             <a:endParaRPr lang="en-US"/>
           </a:p>
@@ -2614,7 +2630,7 @@
           <a:p>
             <a:fld id="{F70A646C-22A8-4D69-ACFD-CD88A31D50DB}" type="datetimeFigureOut">
               <a:rPr lang="en-US" smtClean="0"/>
-              <a:t>4/2/2018</a:t>
+              <a:t>4/3/2018</a:t>
             </a:fld>
             <a:endParaRPr lang="en-US"/>
           </a:p>
@@ -2996,7 +3012,7 @@
           <a:p>
             <a:fld id="{F70A646C-22A8-4D69-ACFD-CD88A31D50DB}" type="datetimeFigureOut">
               <a:rPr lang="en-US" smtClean="0"/>
-              <a:t>4/2/2018</a:t>
+              <a:t>4/3/2018</a:t>
             </a:fld>
             <a:endParaRPr lang="en-US"/>
           </a:p>
@@ -3283,7 +3299,7 @@
           <a:p>
             <a:fld id="{F70A646C-22A8-4D69-ACFD-CD88A31D50DB}" type="datetimeFigureOut">
               <a:rPr lang="en-US" smtClean="0"/>
-              <a:t>4/2/2018</a:t>
+              <a:t>4/3/2018</a:t>
             </a:fld>
             <a:endParaRPr lang="en-US"/>
           </a:p>
@@ -3860,7 +3876,7 @@
           <a:p>
             <a:r>
               <a:rPr lang="en-US" sz="3000" b="1" dirty="0"/>
-              <a:t>Project 1 – UCB-DATA ANLYTICS BOOTCAMP</a:t>
+              <a:t>Project 1 – UCB-DATA ANLYTICS BOOTCAMP, 2018</a:t>
             </a:r>
           </a:p>
           <a:p>
@@ -3919,6 +3935,775 @@
     <p:extLst>
       <p:ext uri="{BB962C8B-B14F-4D97-AF65-F5344CB8AC3E}">
         <p14:creationId xmlns:p14="http://schemas.microsoft.com/office/powerpoint/2010/main" val="4098212711"/>
+      </p:ext>
+    </p:extLst>
+  </p:cSld>
+  <p:clrMapOvr>
+    <a:masterClrMapping/>
+  </p:clrMapOvr>
+</p:sld>
+</file>
+
+<file path=ppt/slides/slide10.xml><?xml version="1.0" encoding="utf-8"?>
+<p:sld xmlns:a="http://schemas.openxmlformats.org/drawingml/2006/main" xmlns:r="http://schemas.openxmlformats.org/officeDocument/2006/relationships" xmlns:p="http://schemas.openxmlformats.org/presentationml/2006/main">
+  <p:cSld>
+    <p:spTree>
+      <p:nvGrpSpPr>
+        <p:cNvPr id="1" name=""/>
+        <p:cNvGrpSpPr/>
+        <p:nvPr/>
+      </p:nvGrpSpPr>
+      <p:grpSpPr>
+        <a:xfrm>
+          <a:off x="0" y="0"/>
+          <a:ext cx="0" cy="0"/>
+          <a:chOff x="0" y="0"/>
+          <a:chExt cx="0" cy="0"/>
+        </a:xfrm>
+      </p:grpSpPr>
+      <p:sp>
+        <p:nvSpPr>
+          <p:cNvPr id="2" name="Title 1">
+            <a:extLst>
+              <a:ext uri="{FF2B5EF4-FFF2-40B4-BE49-F238E27FC236}">
+                <a16:creationId xmlns:a16="http://schemas.microsoft.com/office/drawing/2014/main" id="{390EB264-3883-41F9-BACB-285D2229980C}"/>
+              </a:ext>
+            </a:extLst>
+          </p:cNvPr>
+          <p:cNvSpPr>
+            <a:spLocks noGrp="1"/>
+          </p:cNvSpPr>
+          <p:nvPr>
+            <p:ph type="title"/>
+          </p:nvPr>
+        </p:nvSpPr>
+        <p:spPr>
+          <a:xfrm>
+            <a:off x="1066799" y="-376048"/>
+            <a:ext cx="10058400" cy="1450757"/>
+          </a:xfrm>
+        </p:spPr>
+        <p:txBody>
+          <a:bodyPr/>
+          <a:lstStyle/>
+          <a:p>
+            <a:r>
+              <a:rPr lang="en-US" dirty="0"/>
+              <a:t>Talent Pool - Labor Force </a:t>
+            </a:r>
+          </a:p>
+        </p:txBody>
+      </p:sp>
+      <p:cxnSp>
+        <p:nvCxnSpPr>
+          <p:cNvPr id="8" name="Straight Connector 7">
+            <a:extLst>
+              <a:ext uri="{FF2B5EF4-FFF2-40B4-BE49-F238E27FC236}">
+                <a16:creationId xmlns:a16="http://schemas.microsoft.com/office/drawing/2014/main" id="{D5D2E2BC-8AFC-496A-8DAF-5CC075C390DF}"/>
+              </a:ext>
+            </a:extLst>
+          </p:cNvPr>
+          <p:cNvCxnSpPr/>
+          <p:nvPr/>
+        </p:nvCxnSpPr>
+        <p:spPr>
+          <a:xfrm>
+            <a:off x="1186248" y="963827"/>
+            <a:ext cx="9069860" cy="0"/>
+          </a:xfrm>
+          <a:prstGeom prst="line">
+            <a:avLst/>
+          </a:prstGeom>
+          <a:ln>
+            <a:solidFill>
+              <a:srgbClr val="7030A0"/>
+            </a:solidFill>
+          </a:ln>
+        </p:spPr>
+        <p:style>
+          <a:lnRef idx="1">
+            <a:schemeClr val="accent1"/>
+          </a:lnRef>
+          <a:fillRef idx="0">
+            <a:schemeClr val="accent1"/>
+          </a:fillRef>
+          <a:effectRef idx="0">
+            <a:schemeClr val="accent1"/>
+          </a:effectRef>
+          <a:fontRef idx="minor">
+            <a:schemeClr val="tx1"/>
+          </a:fontRef>
+        </p:style>
+      </p:cxnSp>
+      <p:pic>
+        <p:nvPicPr>
+          <p:cNvPr id="4" name="Picture 3">
+            <a:extLst>
+              <a:ext uri="{FF2B5EF4-FFF2-40B4-BE49-F238E27FC236}">
+                <a16:creationId xmlns:a16="http://schemas.microsoft.com/office/drawing/2014/main" id="{81D22637-697C-4CE4-80BF-B73B61AB3F92}"/>
+              </a:ext>
+            </a:extLst>
+          </p:cNvPr>
+          <p:cNvPicPr>
+            <a:picLocks noChangeAspect="1"/>
+          </p:cNvPicPr>
+          <p:nvPr/>
+        </p:nvPicPr>
+        <p:blipFill>
+          <a:blip r:embed="rId2">
+            <a:extLst>
+              <a:ext uri="{28A0092B-C50C-407E-A947-70E740481C1C}">
+                <a14:useLocalDpi xmlns:a14="http://schemas.microsoft.com/office/drawing/2010/main" val="0"/>
+              </a:ext>
+            </a:extLst>
+          </a:blip>
+          <a:stretch>
+            <a:fillRect/>
+          </a:stretch>
+        </p:blipFill>
+        <p:spPr>
+          <a:xfrm>
+            <a:off x="865697" y="1074709"/>
+            <a:ext cx="10460604" cy="5293893"/>
+          </a:xfrm>
+          <a:prstGeom prst="rect">
+            <a:avLst/>
+          </a:prstGeom>
+        </p:spPr>
+      </p:pic>
+    </p:spTree>
+    <p:extLst>
+      <p:ext uri="{BB962C8B-B14F-4D97-AF65-F5344CB8AC3E}">
+        <p14:creationId xmlns:p14="http://schemas.microsoft.com/office/powerpoint/2010/main" val="4187734763"/>
+      </p:ext>
+    </p:extLst>
+  </p:cSld>
+  <p:clrMapOvr>
+    <a:masterClrMapping/>
+  </p:clrMapOvr>
+</p:sld>
+</file>
+
+<file path=ppt/slides/slide11.xml><?xml version="1.0" encoding="utf-8"?>
+<p:sld xmlns:a="http://schemas.openxmlformats.org/drawingml/2006/main" xmlns:r="http://schemas.openxmlformats.org/officeDocument/2006/relationships" xmlns:p="http://schemas.openxmlformats.org/presentationml/2006/main">
+  <p:cSld>
+    <p:spTree>
+      <p:nvGrpSpPr>
+        <p:cNvPr id="1" name=""/>
+        <p:cNvGrpSpPr/>
+        <p:nvPr/>
+      </p:nvGrpSpPr>
+      <p:grpSpPr>
+        <a:xfrm>
+          <a:off x="0" y="0"/>
+          <a:ext cx="0" cy="0"/>
+          <a:chOff x="0" y="0"/>
+          <a:chExt cx="0" cy="0"/>
+        </a:xfrm>
+      </p:grpSpPr>
+      <p:sp>
+        <p:nvSpPr>
+          <p:cNvPr id="2" name="Title 1">
+            <a:extLst>
+              <a:ext uri="{FF2B5EF4-FFF2-40B4-BE49-F238E27FC236}">
+                <a16:creationId xmlns:a16="http://schemas.microsoft.com/office/drawing/2014/main" id="{390EB264-3883-41F9-BACB-285D2229980C}"/>
+              </a:ext>
+            </a:extLst>
+          </p:cNvPr>
+          <p:cNvSpPr>
+            <a:spLocks noGrp="1"/>
+          </p:cNvSpPr>
+          <p:nvPr>
+            <p:ph type="title"/>
+          </p:nvPr>
+        </p:nvSpPr>
+        <p:spPr>
+          <a:xfrm>
+            <a:off x="1097280" y="286603"/>
+            <a:ext cx="10058400" cy="702409"/>
+          </a:xfrm>
+        </p:spPr>
+        <p:txBody>
+          <a:bodyPr>
+            <a:normAutofit fontScale="90000"/>
+          </a:bodyPr>
+          <a:lstStyle/>
+          <a:p>
+            <a:r>
+              <a:rPr lang="en-US" dirty="0"/>
+              <a:t>Diversity</a:t>
+            </a:r>
+          </a:p>
+        </p:txBody>
+      </p:sp>
+      <p:pic>
+        <p:nvPicPr>
+          <p:cNvPr id="5" name="Content Placeholder 4">
+            <a:extLst>
+              <a:ext uri="{FF2B5EF4-FFF2-40B4-BE49-F238E27FC236}">
+                <a16:creationId xmlns:a16="http://schemas.microsoft.com/office/drawing/2014/main" id="{32DB6B62-EE62-410C-87F8-AD994399B3A4}"/>
+              </a:ext>
+            </a:extLst>
+          </p:cNvPr>
+          <p:cNvPicPr>
+            <a:picLocks noGrp="1" noChangeAspect="1"/>
+          </p:cNvPicPr>
+          <p:nvPr>
+            <p:ph idx="1"/>
+          </p:nvPr>
+        </p:nvPicPr>
+        <p:blipFill>
+          <a:blip r:embed="rId2">
+            <a:extLst>
+              <a:ext uri="{28A0092B-C50C-407E-A947-70E740481C1C}">
+                <a14:useLocalDpi xmlns:a14="http://schemas.microsoft.com/office/drawing/2010/main" val="0"/>
+              </a:ext>
+            </a:extLst>
+          </a:blip>
+          <a:stretch>
+            <a:fillRect/>
+          </a:stretch>
+        </p:blipFill>
+        <p:spPr>
+          <a:xfrm>
+            <a:off x="2157800" y="1846263"/>
+            <a:ext cx="7936726" cy="4022725"/>
+          </a:xfrm>
+        </p:spPr>
+      </p:pic>
+      <p:pic>
+        <p:nvPicPr>
+          <p:cNvPr id="7" name="Picture 6">
+            <a:extLst>
+              <a:ext uri="{FF2B5EF4-FFF2-40B4-BE49-F238E27FC236}">
+                <a16:creationId xmlns:a16="http://schemas.microsoft.com/office/drawing/2014/main" id="{D6860BD3-A4FD-4622-8456-4C01DED6E7EA}"/>
+              </a:ext>
+            </a:extLst>
+          </p:cNvPr>
+          <p:cNvPicPr>
+            <a:picLocks noChangeAspect="1"/>
+          </p:cNvPicPr>
+          <p:nvPr/>
+        </p:nvPicPr>
+        <p:blipFill>
+          <a:blip r:embed="rId3">
+            <a:extLst>
+              <a:ext uri="{28A0092B-C50C-407E-A947-70E740481C1C}">
+                <a14:useLocalDpi xmlns:a14="http://schemas.microsoft.com/office/drawing/2010/main" val="0"/>
+              </a:ext>
+            </a:extLst>
+          </a:blip>
+          <a:stretch>
+            <a:fillRect/>
+          </a:stretch>
+        </p:blipFill>
+        <p:spPr>
+          <a:xfrm>
+            <a:off x="30163" y="1371600"/>
+            <a:ext cx="12192000" cy="4557514"/>
+          </a:xfrm>
+          <a:prstGeom prst="rect">
+            <a:avLst/>
+          </a:prstGeom>
+        </p:spPr>
+      </p:pic>
+      <p:cxnSp>
+        <p:nvCxnSpPr>
+          <p:cNvPr id="8" name="Straight Connector 7">
+            <a:extLst>
+              <a:ext uri="{FF2B5EF4-FFF2-40B4-BE49-F238E27FC236}">
+                <a16:creationId xmlns:a16="http://schemas.microsoft.com/office/drawing/2014/main" id="{6C869F70-ECD7-49B6-9EB0-C6173F280BD5}"/>
+              </a:ext>
+            </a:extLst>
+          </p:cNvPr>
+          <p:cNvCxnSpPr/>
+          <p:nvPr/>
+        </p:nvCxnSpPr>
+        <p:spPr>
+          <a:xfrm>
+            <a:off x="1186248" y="963827"/>
+            <a:ext cx="9069860" cy="0"/>
+          </a:xfrm>
+          <a:prstGeom prst="line">
+            <a:avLst/>
+          </a:prstGeom>
+          <a:ln>
+            <a:solidFill>
+              <a:srgbClr val="7030A0"/>
+            </a:solidFill>
+          </a:ln>
+        </p:spPr>
+        <p:style>
+          <a:lnRef idx="1">
+            <a:schemeClr val="accent1"/>
+          </a:lnRef>
+          <a:fillRef idx="0">
+            <a:schemeClr val="accent1"/>
+          </a:fillRef>
+          <a:effectRef idx="0">
+            <a:schemeClr val="accent1"/>
+          </a:effectRef>
+          <a:fontRef idx="minor">
+            <a:schemeClr val="tx1"/>
+          </a:fontRef>
+        </p:style>
+      </p:cxnSp>
+    </p:spTree>
+    <p:extLst>
+      <p:ext uri="{BB962C8B-B14F-4D97-AF65-F5344CB8AC3E}">
+        <p14:creationId xmlns:p14="http://schemas.microsoft.com/office/powerpoint/2010/main" val="3734513438"/>
+      </p:ext>
+    </p:extLst>
+  </p:cSld>
+  <p:clrMapOvr>
+    <a:masterClrMapping/>
+  </p:clrMapOvr>
+</p:sld>
+</file>
+
+<file path=ppt/slides/slide12.xml><?xml version="1.0" encoding="utf-8"?>
+<p:sld xmlns:a="http://schemas.openxmlformats.org/drawingml/2006/main" xmlns:r="http://schemas.openxmlformats.org/officeDocument/2006/relationships" xmlns:p="http://schemas.openxmlformats.org/presentationml/2006/main">
+  <p:cSld>
+    <p:spTree>
+      <p:nvGrpSpPr>
+        <p:cNvPr id="1" name=""/>
+        <p:cNvGrpSpPr/>
+        <p:nvPr/>
+      </p:nvGrpSpPr>
+      <p:grpSpPr>
+        <a:xfrm>
+          <a:off x="0" y="0"/>
+          <a:ext cx="0" cy="0"/>
+          <a:chOff x="0" y="0"/>
+          <a:chExt cx="0" cy="0"/>
+        </a:xfrm>
+      </p:grpSpPr>
+      <p:sp>
+        <p:nvSpPr>
+          <p:cNvPr id="2" name="Title 1">
+            <a:extLst>
+              <a:ext uri="{FF2B5EF4-FFF2-40B4-BE49-F238E27FC236}">
+                <a16:creationId xmlns:a16="http://schemas.microsoft.com/office/drawing/2014/main" id="{390EB264-3883-41F9-BACB-285D2229980C}"/>
+              </a:ext>
+            </a:extLst>
+          </p:cNvPr>
+          <p:cNvSpPr>
+            <a:spLocks noGrp="1"/>
+          </p:cNvSpPr>
+          <p:nvPr>
+            <p:ph type="title"/>
+          </p:nvPr>
+        </p:nvSpPr>
+        <p:spPr>
+          <a:xfrm>
+            <a:off x="1097280" y="286603"/>
+            <a:ext cx="10058400" cy="702409"/>
+          </a:xfrm>
+        </p:spPr>
+        <p:txBody>
+          <a:bodyPr>
+            <a:normAutofit fontScale="90000"/>
+          </a:bodyPr>
+          <a:lstStyle/>
+          <a:p>
+            <a:r>
+              <a:rPr lang="en-US" dirty="0"/>
+              <a:t>Diversity Score</a:t>
+            </a:r>
+          </a:p>
+        </p:txBody>
+      </p:sp>
+      <p:cxnSp>
+        <p:nvCxnSpPr>
+          <p:cNvPr id="8" name="Straight Connector 7">
+            <a:extLst>
+              <a:ext uri="{FF2B5EF4-FFF2-40B4-BE49-F238E27FC236}">
+                <a16:creationId xmlns:a16="http://schemas.microsoft.com/office/drawing/2014/main" id="{6C869F70-ECD7-49B6-9EB0-C6173F280BD5}"/>
+              </a:ext>
+            </a:extLst>
+          </p:cNvPr>
+          <p:cNvCxnSpPr/>
+          <p:nvPr/>
+        </p:nvCxnSpPr>
+        <p:spPr>
+          <a:xfrm>
+            <a:off x="1186248" y="963827"/>
+            <a:ext cx="9069860" cy="0"/>
+          </a:xfrm>
+          <a:prstGeom prst="line">
+            <a:avLst/>
+          </a:prstGeom>
+          <a:ln>
+            <a:solidFill>
+              <a:srgbClr val="7030A0"/>
+            </a:solidFill>
+          </a:ln>
+        </p:spPr>
+        <p:style>
+          <a:lnRef idx="1">
+            <a:schemeClr val="accent1"/>
+          </a:lnRef>
+          <a:fillRef idx="0">
+            <a:schemeClr val="accent1"/>
+          </a:fillRef>
+          <a:effectRef idx="0">
+            <a:schemeClr val="accent1"/>
+          </a:effectRef>
+          <a:fontRef idx="minor">
+            <a:schemeClr val="tx1"/>
+          </a:fontRef>
+        </p:style>
+      </p:cxnSp>
+      <p:pic>
+        <p:nvPicPr>
+          <p:cNvPr id="13" name="Content Placeholder 12">
+            <a:extLst>
+              <a:ext uri="{FF2B5EF4-FFF2-40B4-BE49-F238E27FC236}">
+                <a16:creationId xmlns:a16="http://schemas.microsoft.com/office/drawing/2014/main" id="{00D15E7E-956C-499C-8AE8-ADF260FE0D20}"/>
+              </a:ext>
+            </a:extLst>
+          </p:cNvPr>
+          <p:cNvPicPr>
+            <a:picLocks noGrp="1" noChangeAspect="1"/>
+          </p:cNvPicPr>
+          <p:nvPr>
+            <p:ph idx="1"/>
+          </p:nvPr>
+        </p:nvPicPr>
+        <p:blipFill>
+          <a:blip r:embed="rId2">
+            <a:extLst>
+              <a:ext uri="{28A0092B-C50C-407E-A947-70E740481C1C}">
+                <a14:useLocalDpi xmlns:a14="http://schemas.microsoft.com/office/drawing/2010/main" val="0"/>
+              </a:ext>
+            </a:extLst>
+          </a:blip>
+          <a:stretch>
+            <a:fillRect/>
+          </a:stretch>
+        </p:blipFill>
+        <p:spPr>
+          <a:xfrm>
+            <a:off x="741405" y="1149777"/>
+            <a:ext cx="10565027" cy="4719212"/>
+          </a:xfrm>
+        </p:spPr>
+      </p:pic>
+    </p:spTree>
+    <p:extLst>
+      <p:ext uri="{BB962C8B-B14F-4D97-AF65-F5344CB8AC3E}">
+        <p14:creationId xmlns:p14="http://schemas.microsoft.com/office/powerpoint/2010/main" val="1689202985"/>
+      </p:ext>
+    </p:extLst>
+  </p:cSld>
+  <p:clrMapOvr>
+    <a:masterClrMapping/>
+  </p:clrMapOvr>
+</p:sld>
+</file>
+
+<file path=ppt/slides/slide13.xml><?xml version="1.0" encoding="utf-8"?>
+<p:sld xmlns:a="http://schemas.openxmlformats.org/drawingml/2006/main" xmlns:r="http://schemas.openxmlformats.org/officeDocument/2006/relationships" xmlns:p="http://schemas.openxmlformats.org/presentationml/2006/main">
+  <p:cSld>
+    <p:spTree>
+      <p:nvGrpSpPr>
+        <p:cNvPr id="1" name=""/>
+        <p:cNvGrpSpPr/>
+        <p:nvPr/>
+      </p:nvGrpSpPr>
+      <p:grpSpPr>
+        <a:xfrm>
+          <a:off x="0" y="0"/>
+          <a:ext cx="0" cy="0"/>
+          <a:chOff x="0" y="0"/>
+          <a:chExt cx="0" cy="0"/>
+        </a:xfrm>
+      </p:grpSpPr>
+      <p:sp>
+        <p:nvSpPr>
+          <p:cNvPr id="2" name="Title 1">
+            <a:extLst>
+              <a:ext uri="{FF2B5EF4-FFF2-40B4-BE49-F238E27FC236}">
+                <a16:creationId xmlns:a16="http://schemas.microsoft.com/office/drawing/2014/main" id="{390EB264-3883-41F9-BACB-285D2229980C}"/>
+              </a:ext>
+            </a:extLst>
+          </p:cNvPr>
+          <p:cNvSpPr>
+            <a:spLocks noGrp="1"/>
+          </p:cNvSpPr>
+          <p:nvPr>
+            <p:ph type="title"/>
+          </p:nvPr>
+        </p:nvSpPr>
+        <p:spPr>
+          <a:xfrm>
+            <a:off x="1097280" y="286603"/>
+            <a:ext cx="10058400" cy="702409"/>
+          </a:xfrm>
+        </p:spPr>
+        <p:txBody>
+          <a:bodyPr>
+            <a:normAutofit fontScale="90000"/>
+          </a:bodyPr>
+          <a:lstStyle/>
+          <a:p>
+            <a:r>
+              <a:rPr lang="en-US" dirty="0"/>
+              <a:t>Crime Index  </a:t>
+            </a:r>
+          </a:p>
+        </p:txBody>
+      </p:sp>
+      <p:pic>
+        <p:nvPicPr>
+          <p:cNvPr id="6" name="Content Placeholder 5">
+            <a:extLst>
+              <a:ext uri="{FF2B5EF4-FFF2-40B4-BE49-F238E27FC236}">
+                <a16:creationId xmlns:a16="http://schemas.microsoft.com/office/drawing/2014/main" id="{D784A435-554C-4569-B811-22B3DBBA72D0}"/>
+              </a:ext>
+            </a:extLst>
+          </p:cNvPr>
+          <p:cNvPicPr>
+            <a:picLocks noGrp="1" noChangeAspect="1"/>
+          </p:cNvPicPr>
+          <p:nvPr>
+            <p:ph idx="1"/>
+          </p:nvPr>
+        </p:nvPicPr>
+        <p:blipFill>
+          <a:blip r:embed="rId2">
+            <a:extLst>
+              <a:ext uri="{28A0092B-C50C-407E-A947-70E740481C1C}">
+                <a14:useLocalDpi xmlns:a14="http://schemas.microsoft.com/office/drawing/2010/main" val="0"/>
+              </a:ext>
+            </a:extLst>
+          </a:blip>
+          <a:stretch>
+            <a:fillRect/>
+          </a:stretch>
+        </p:blipFill>
+        <p:spPr>
+          <a:xfrm>
+            <a:off x="321275" y="1099751"/>
+            <a:ext cx="11022227" cy="4769238"/>
+          </a:xfrm>
+        </p:spPr>
+      </p:pic>
+      <p:cxnSp>
+        <p:nvCxnSpPr>
+          <p:cNvPr id="4" name="Straight Connector 3">
+            <a:extLst>
+              <a:ext uri="{FF2B5EF4-FFF2-40B4-BE49-F238E27FC236}">
+                <a16:creationId xmlns:a16="http://schemas.microsoft.com/office/drawing/2014/main" id="{8FECCD07-FFA9-4129-95C2-D2F2CF8AD354}"/>
+              </a:ext>
+            </a:extLst>
+          </p:cNvPr>
+          <p:cNvCxnSpPr/>
+          <p:nvPr/>
+        </p:nvCxnSpPr>
+        <p:spPr>
+          <a:xfrm>
+            <a:off x="1248032" y="902043"/>
+            <a:ext cx="9069860" cy="0"/>
+          </a:xfrm>
+          <a:prstGeom prst="line">
+            <a:avLst/>
+          </a:prstGeom>
+          <a:ln>
+            <a:solidFill>
+              <a:srgbClr val="7030A0"/>
+            </a:solidFill>
+          </a:ln>
+        </p:spPr>
+        <p:style>
+          <a:lnRef idx="1">
+            <a:schemeClr val="accent1"/>
+          </a:lnRef>
+          <a:fillRef idx="0">
+            <a:schemeClr val="accent1"/>
+          </a:fillRef>
+          <a:effectRef idx="0">
+            <a:schemeClr val="accent1"/>
+          </a:effectRef>
+          <a:fontRef idx="minor">
+            <a:schemeClr val="tx1"/>
+          </a:fontRef>
+        </p:style>
+      </p:cxnSp>
+    </p:spTree>
+    <p:extLst>
+      <p:ext uri="{BB962C8B-B14F-4D97-AF65-F5344CB8AC3E}">
+        <p14:creationId xmlns:p14="http://schemas.microsoft.com/office/powerpoint/2010/main" val="1871519548"/>
+      </p:ext>
+    </p:extLst>
+  </p:cSld>
+  <p:clrMapOvr>
+    <a:masterClrMapping/>
+  </p:clrMapOvr>
+</p:sld>
+</file>
+
+<file path=ppt/slides/slide14.xml><?xml version="1.0" encoding="utf-8"?>
+<p:sld xmlns:a="http://schemas.openxmlformats.org/drawingml/2006/main" xmlns:r="http://schemas.openxmlformats.org/officeDocument/2006/relationships" xmlns:p="http://schemas.openxmlformats.org/presentationml/2006/main">
+  <p:cSld>
+    <p:spTree>
+      <p:nvGrpSpPr>
+        <p:cNvPr id="1" name=""/>
+        <p:cNvGrpSpPr/>
+        <p:nvPr/>
+      </p:nvGrpSpPr>
+      <p:grpSpPr>
+        <a:xfrm>
+          <a:off x="0" y="0"/>
+          <a:ext cx="0" cy="0"/>
+          <a:chOff x="0" y="0"/>
+          <a:chExt cx="0" cy="0"/>
+        </a:xfrm>
+      </p:grpSpPr>
+      <p:sp>
+        <p:nvSpPr>
+          <p:cNvPr id="2" name="Title 1">
+            <a:extLst>
+              <a:ext uri="{FF2B5EF4-FFF2-40B4-BE49-F238E27FC236}">
+                <a16:creationId xmlns:a16="http://schemas.microsoft.com/office/drawing/2014/main" id="{390EB264-3883-41F9-BACB-285D2229980C}"/>
+              </a:ext>
+            </a:extLst>
+          </p:cNvPr>
+          <p:cNvSpPr>
+            <a:spLocks noGrp="1"/>
+          </p:cNvSpPr>
+          <p:nvPr>
+            <p:ph type="title"/>
+          </p:nvPr>
+        </p:nvSpPr>
+        <p:spPr/>
+        <p:txBody>
+          <a:bodyPr/>
+          <a:lstStyle/>
+          <a:p>
+            <a:r>
+              <a:rPr lang="en-US" dirty="0"/>
+              <a:t>Findings </a:t>
+            </a:r>
+          </a:p>
+        </p:txBody>
+      </p:sp>
+      <p:sp>
+        <p:nvSpPr>
+          <p:cNvPr id="3" name="Content Placeholder 2">
+            <a:extLst>
+              <a:ext uri="{FF2B5EF4-FFF2-40B4-BE49-F238E27FC236}">
+                <a16:creationId xmlns:a16="http://schemas.microsoft.com/office/drawing/2014/main" id="{BEC8BDDB-FD44-4EB6-BE27-4A708B75BDAB}"/>
+              </a:ext>
+            </a:extLst>
+          </p:cNvPr>
+          <p:cNvSpPr>
+            <a:spLocks noGrp="1"/>
+          </p:cNvSpPr>
+          <p:nvPr>
+            <p:ph idx="1"/>
+          </p:nvPr>
+        </p:nvSpPr>
+        <p:spPr/>
+        <p:txBody>
+          <a:bodyPr/>
+          <a:lstStyle/>
+          <a:p>
+            <a:pPr>
+              <a:buFont typeface="Wingdings" panose="05000000000000000000" pitchFamily="2" charset="2"/>
+              <a:buChar char="§"/>
+            </a:pPr>
+            <a:endParaRPr lang="en-US" dirty="0"/>
+          </a:p>
+        </p:txBody>
+      </p:sp>
+    </p:spTree>
+    <p:extLst>
+      <p:ext uri="{BB962C8B-B14F-4D97-AF65-F5344CB8AC3E}">
+        <p14:creationId xmlns:p14="http://schemas.microsoft.com/office/powerpoint/2010/main" val="1806114423"/>
+      </p:ext>
+    </p:extLst>
+  </p:cSld>
+  <p:clrMapOvr>
+    <a:masterClrMapping/>
+  </p:clrMapOvr>
+</p:sld>
+</file>
+
+<file path=ppt/slides/slide15.xml><?xml version="1.0" encoding="utf-8"?>
+<p:sld xmlns:a="http://schemas.openxmlformats.org/drawingml/2006/main" xmlns:r="http://schemas.openxmlformats.org/officeDocument/2006/relationships" xmlns:p="http://schemas.openxmlformats.org/presentationml/2006/main">
+  <p:cSld>
+    <p:spTree>
+      <p:nvGrpSpPr>
+        <p:cNvPr id="1" name=""/>
+        <p:cNvGrpSpPr/>
+        <p:nvPr/>
+      </p:nvGrpSpPr>
+      <p:grpSpPr>
+        <a:xfrm>
+          <a:off x="0" y="0"/>
+          <a:ext cx="0" cy="0"/>
+          <a:chOff x="0" y="0"/>
+          <a:chExt cx="0" cy="0"/>
+        </a:xfrm>
+      </p:grpSpPr>
+      <p:sp>
+        <p:nvSpPr>
+          <p:cNvPr id="2" name="Title 1">
+            <a:extLst>
+              <a:ext uri="{FF2B5EF4-FFF2-40B4-BE49-F238E27FC236}">
+                <a16:creationId xmlns:a16="http://schemas.microsoft.com/office/drawing/2014/main" id="{390EB264-3883-41F9-BACB-285D2229980C}"/>
+              </a:ext>
+            </a:extLst>
+          </p:cNvPr>
+          <p:cNvSpPr>
+            <a:spLocks noGrp="1"/>
+          </p:cNvSpPr>
+          <p:nvPr>
+            <p:ph type="title"/>
+          </p:nvPr>
+        </p:nvSpPr>
+        <p:spPr/>
+        <p:txBody>
+          <a:bodyPr/>
+          <a:lstStyle/>
+          <a:p>
+            <a:r>
+              <a:rPr lang="en-US" dirty="0"/>
+              <a:t>Lessons learnt </a:t>
+            </a:r>
+          </a:p>
+        </p:txBody>
+      </p:sp>
+      <p:sp>
+        <p:nvSpPr>
+          <p:cNvPr id="3" name="Content Placeholder 2">
+            <a:extLst>
+              <a:ext uri="{FF2B5EF4-FFF2-40B4-BE49-F238E27FC236}">
+                <a16:creationId xmlns:a16="http://schemas.microsoft.com/office/drawing/2014/main" id="{BEC8BDDB-FD44-4EB6-BE27-4A708B75BDAB}"/>
+              </a:ext>
+            </a:extLst>
+          </p:cNvPr>
+          <p:cNvSpPr>
+            <a:spLocks noGrp="1"/>
+          </p:cNvSpPr>
+          <p:nvPr>
+            <p:ph idx="1"/>
+          </p:nvPr>
+        </p:nvSpPr>
+        <p:spPr/>
+        <p:txBody>
+          <a:bodyPr/>
+          <a:lstStyle/>
+          <a:p>
+            <a:endParaRPr lang="en-US" dirty="0"/>
+          </a:p>
+        </p:txBody>
+      </p:sp>
+    </p:spTree>
+    <p:extLst>
+      <p:ext uri="{BB962C8B-B14F-4D97-AF65-F5344CB8AC3E}">
+        <p14:creationId xmlns:p14="http://schemas.microsoft.com/office/powerpoint/2010/main" val="1639100815"/>
       </p:ext>
     </p:extLst>
   </p:cSld>
@@ -4004,7 +4789,7 @@
             </a:pPr>
             <a:r>
               <a:rPr lang="en-US" sz="3200" dirty="0"/>
-              <a:t>Cities across the U.S are competing to attract Amazon’s Second Head Quarters which would bring </a:t>
+              <a:t>Cities across the U.S are competing to attract Amazon’s second head quarters which would bring </a:t>
             </a:r>
             <a:r>
               <a:rPr lang="en-US" sz="3200" b="1" dirty="0"/>
@@ -4143,9 +4928,16 @@
             <p:ph idx="1"/>
           </p:nvPr>
         </p:nvSpPr>
-        <p:spPr/>
-        <p:txBody>
-          <a:bodyPr/>
+        <p:spPr>
+          <a:xfrm>
+            <a:off x="1097280" y="1468057"/>
+            <a:ext cx="10802277" cy="4819135"/>
+          </a:xfrm>
+        </p:spPr>
+        <p:txBody>
+          <a:bodyPr>
+            <a:normAutofit/>
+          </a:bodyPr>
           <a:lstStyle/>
           <a:p>
             <a:endParaRPr lang="en-US" dirty="0"/>
@@ -4227,9 +5019,36 @@
               </a:spcAft>
             </a:pPr>
             <a:r>
+              <a:rPr lang="en-US" sz="2400" b="1" dirty="0"/>
+              <a:t>Communities that think big and creatively when considering locations and real estate options.</a:t>
+            </a:r>
+          </a:p>
+          <a:p>
+            <a:pPr marL="0" indent="0" fontAlgn="base">
+              <a:spcBef>
+                <a:spcPts val="600"/>
+              </a:spcBef>
+              <a:spcAft>
+                <a:spcPts val="0"/>
+              </a:spcAft>
+              <a:buNone/>
+            </a:pPr>
+            <a:r>
               <a:rPr lang="en-US" sz="2400" dirty="0"/>
-              <a:t>A non quantifiable metric. We assumed all the cities are business-friendly.</a:t>
-            </a:r>
+              <a:t> Non quantifiable metrics. We assumed all the cities meet this criteria as well.</a:t>
+            </a:r>
+          </a:p>
+          <a:p>
+            <a:pPr marL="0" indent="0" fontAlgn="base">
+              <a:spcBef>
+                <a:spcPts val="600"/>
+              </a:spcBef>
+              <a:spcAft>
+                <a:spcPts val="0"/>
+              </a:spcAft>
+              <a:buNone/>
+            </a:pPr>
+            <a:endParaRPr lang="en-US" sz="2400" dirty="0"/>
           </a:p>
           <a:p>
             <a:pPr fontAlgn="base">
@@ -4240,19 +5059,14 @@
                 <a:spcPts val="0"/>
               </a:spcAft>
             </a:pPr>
-            <a:endParaRPr lang="en-US" sz="2400" dirty="0"/>
-          </a:p>
-          <a:p>
-            <a:pPr fontAlgn="base">
-              <a:spcBef>
-                <a:spcPts val="600"/>
-              </a:spcBef>
-              <a:spcAft>
-                <a:spcPts val="0"/>
-              </a:spcAft>
-            </a:pPr>
-            <a:r>
-              <a:rPr lang="en-US" sz="2400" b="1" dirty="0"/>
+            <a:r>
+              <a:rPr lang="en-US" sz="2400" b="1" u="sng" dirty="0">
+                <a:solidFill>
+                  <a:schemeClr val="accent1">
+                    <a:lumMod val="50000"/>
+                  </a:schemeClr>
+                </a:solidFill>
+              </a:rPr>
               <a:t>Urban or suburban locations with the potential to attract and retain strong technical talent.</a:t>
             </a:r>
           </a:p>
@@ -4325,7 +5139,7 @@
           <a:p>
             <a:r>
               <a:rPr lang="en-US" dirty="0"/>
-              <a:t>Amazon’s Selection Criteria</a:t>
+              <a:t>Metrics Used/Questions Asked</a:t>
             </a:r>
           </a:p>
         </p:txBody>
@@ -4346,71 +5160,582 @@
             <p:ph idx="1"/>
           </p:nvPr>
         </p:nvSpPr>
+        <p:spPr>
+          <a:xfrm>
+            <a:off x="1036320" y="1752262"/>
+            <a:ext cx="10802277" cy="4819135"/>
+          </a:xfrm>
+        </p:spPr>
+        <p:txBody>
+          <a:bodyPr>
+            <a:normAutofit/>
+          </a:bodyPr>
+          <a:lstStyle/>
+          <a:p>
+            <a:pPr>
+              <a:buFont typeface="Wingdings" panose="05000000000000000000" pitchFamily="2" charset="2"/>
+              <a:buChar char="q"/>
+            </a:pPr>
+            <a:r>
+              <a:rPr lang="en-US" dirty="0"/>
+              <a:t>Educated Talent Pool.</a:t>
+            </a:r>
+          </a:p>
+          <a:p>
+            <a:pPr>
+              <a:buFont typeface="Wingdings" panose="05000000000000000000" pitchFamily="2" charset="2"/>
+              <a:buChar char="q"/>
+            </a:pPr>
+            <a:r>
+              <a:rPr lang="en-US" dirty="0"/>
+              <a:t>Existing Labor Force in Technology, Business and Financial occupations. </a:t>
+            </a:r>
+          </a:p>
+          <a:p>
+            <a:pPr>
+              <a:buFont typeface="Wingdings" panose="05000000000000000000" pitchFamily="2" charset="2"/>
+              <a:buChar char="q"/>
+            </a:pPr>
+            <a:r>
+              <a:rPr lang="en-US" dirty="0"/>
+              <a:t>Diversity /Cultural Community Fit.  </a:t>
+            </a:r>
+          </a:p>
+          <a:p>
+            <a:pPr>
+              <a:buFont typeface="Wingdings" panose="05000000000000000000" pitchFamily="2" charset="2"/>
+              <a:buChar char="q"/>
+            </a:pPr>
+            <a:r>
+              <a:rPr lang="en-US" dirty="0"/>
+              <a:t>Crime Index - How safe is your city?</a:t>
+            </a:r>
+          </a:p>
+          <a:p>
+            <a:pPr>
+              <a:buFont typeface="Wingdings" panose="05000000000000000000" pitchFamily="2" charset="2"/>
+              <a:buChar char="q"/>
+            </a:pPr>
+            <a:r>
+              <a:rPr lang="en-US" dirty="0"/>
+              <a:t>Schools and Colleges -  Does your city have good schools? Do your city have institutions of higher education?</a:t>
+            </a:r>
+          </a:p>
+          <a:p>
+            <a:pPr>
+              <a:buFont typeface="Wingdings" panose="05000000000000000000" pitchFamily="2" charset="2"/>
+              <a:buChar char="q"/>
+            </a:pPr>
+            <a:r>
+              <a:rPr lang="en-US" dirty="0"/>
+              <a:t>Housing Affordability .</a:t>
+            </a:r>
+          </a:p>
+          <a:p>
+            <a:pPr>
+              <a:buFont typeface="Wingdings" panose="05000000000000000000" pitchFamily="2" charset="2"/>
+              <a:buChar char="q"/>
+            </a:pPr>
+            <a:r>
+              <a:rPr lang="en-US" dirty="0"/>
+              <a:t>Community/Quality of Life – What amenities does your city have to offer?</a:t>
+            </a:r>
+          </a:p>
+          <a:p>
+            <a:pPr>
+              <a:buFont typeface="Wingdings" panose="05000000000000000000" pitchFamily="2" charset="2"/>
+              <a:buChar char="q"/>
+            </a:pPr>
+            <a:r>
+              <a:rPr lang="en-US" dirty="0"/>
+              <a:t> Transportation Options – Airport, Transit, Bike and Pedestrian accessibility.</a:t>
+            </a:r>
+          </a:p>
+          <a:p>
+            <a:pPr>
+              <a:buFont typeface="Wingdings" panose="05000000000000000000" pitchFamily="2" charset="2"/>
+              <a:buChar char="q"/>
+            </a:pPr>
+            <a:r>
+              <a:rPr lang="en-US" dirty="0"/>
+              <a:t> Others : Climate, Pollution etc.</a:t>
+            </a:r>
+          </a:p>
+          <a:p>
+            <a:pPr>
+              <a:buFont typeface="Wingdings" panose="05000000000000000000" pitchFamily="2" charset="2"/>
+              <a:buChar char="q"/>
+            </a:pPr>
+            <a:endParaRPr lang="en-US" dirty="0"/>
+          </a:p>
+          <a:p>
+            <a:pPr>
+              <a:buFont typeface="Wingdings" panose="05000000000000000000" pitchFamily="2" charset="2"/>
+              <a:buChar char="q"/>
+            </a:pPr>
+            <a:endParaRPr lang="en-US" dirty="0"/>
+          </a:p>
+          <a:p>
+            <a:pPr marL="0" indent="0">
+              <a:buNone/>
+            </a:pPr>
+            <a:endParaRPr lang="en-US" dirty="0"/>
+          </a:p>
+        </p:txBody>
+      </p:sp>
+    </p:spTree>
+    <p:extLst>
+      <p:ext uri="{BB962C8B-B14F-4D97-AF65-F5344CB8AC3E}">
+        <p14:creationId xmlns:p14="http://schemas.microsoft.com/office/powerpoint/2010/main" val="2944506561"/>
+      </p:ext>
+    </p:extLst>
+  </p:cSld>
+  <p:clrMapOvr>
+    <a:masterClrMapping/>
+  </p:clrMapOvr>
+</p:sld>
+</file>
+
+<file path=ppt/slides/slide5.xml><?xml version="1.0" encoding="utf-8"?>
+<p:sld xmlns:a="http://schemas.openxmlformats.org/drawingml/2006/main" xmlns:r="http://schemas.openxmlformats.org/officeDocument/2006/relationships" xmlns:p="http://schemas.openxmlformats.org/presentationml/2006/main">
+  <p:cSld>
+    <p:spTree>
+      <p:nvGrpSpPr>
+        <p:cNvPr id="1" name=""/>
+        <p:cNvGrpSpPr/>
+        <p:nvPr/>
+      </p:nvGrpSpPr>
+      <p:grpSpPr>
+        <a:xfrm>
+          <a:off x="0" y="0"/>
+          <a:ext cx="0" cy="0"/>
+          <a:chOff x="0" y="0"/>
+          <a:chExt cx="0" cy="0"/>
+        </a:xfrm>
+      </p:grpSpPr>
+      <p:sp>
+        <p:nvSpPr>
+          <p:cNvPr id="2" name="Title 1">
+            <a:extLst>
+              <a:ext uri="{FF2B5EF4-FFF2-40B4-BE49-F238E27FC236}">
+                <a16:creationId xmlns:a16="http://schemas.microsoft.com/office/drawing/2014/main" id="{390EB264-3883-41F9-BACB-285D2229980C}"/>
+              </a:ext>
+            </a:extLst>
+          </p:cNvPr>
+          <p:cNvSpPr>
+            <a:spLocks noGrp="1"/>
+          </p:cNvSpPr>
+          <p:nvPr>
+            <p:ph type="title"/>
+          </p:nvPr>
+        </p:nvSpPr>
         <p:spPr/>
         <p:txBody>
           <a:bodyPr/>
           <a:lstStyle/>
           <a:p>
-            <a:endParaRPr lang="en-US" dirty="0"/>
-          </a:p>
-          <a:p>
-            <a:pPr fontAlgn="base"/>
             <a:r>
               <a:rPr lang="en-US" dirty="0"/>
-              <a:t>Metropolitan areas with more than one million people</a:t>
-            </a:r>
-          </a:p>
-          <a:p>
-            <a:pPr fontAlgn="base"/>
-            <a:r>
-              <a:rPr lang="en-US" dirty="0"/>
-              <a:t> (Spoiler Alert : All the 20 shortlisted cities meet this criteria)</a:t>
-            </a:r>
-          </a:p>
-          <a:p>
-            <a:pPr fontAlgn="base"/>
-            <a:r>
-              <a:rPr lang="en-US" dirty="0"/>
-              <a:t>A stable and </a:t>
-            </a:r>
-            <a:r>
-              <a:rPr lang="en-US" i="1" dirty="0">
+              <a:t>Metrics At The City Level</a:t>
+            </a:r>
+          </a:p>
+        </p:txBody>
+      </p:sp>
+      <p:sp>
+        <p:nvSpPr>
+          <p:cNvPr id="3" name="Content Placeholder 2">
+            <a:extLst>
+              <a:ext uri="{FF2B5EF4-FFF2-40B4-BE49-F238E27FC236}">
+                <a16:creationId xmlns:a16="http://schemas.microsoft.com/office/drawing/2014/main" id="{BEC8BDDB-FD44-4EB6-BE27-4A708B75BDAB}"/>
+              </a:ext>
+            </a:extLst>
+          </p:cNvPr>
+          <p:cNvSpPr>
+            <a:spLocks noGrp="1"/>
+          </p:cNvSpPr>
+          <p:nvPr>
+            <p:ph idx="1"/>
+          </p:nvPr>
+        </p:nvSpPr>
+        <p:spPr>
+          <a:xfrm>
+            <a:off x="1097280" y="2038865"/>
+            <a:ext cx="10802277" cy="4819135"/>
+          </a:xfrm>
+        </p:spPr>
+        <p:txBody>
+          <a:bodyPr>
+            <a:normAutofit/>
+          </a:bodyPr>
+          <a:lstStyle/>
+          <a:p>
+            <a:pPr>
+              <a:buFont typeface="Wingdings" panose="05000000000000000000" pitchFamily="2" charset="2"/>
+              <a:buChar char="q"/>
+            </a:pPr>
+            <a:r>
+              <a:rPr lang="en-US" sz="3200" dirty="0">
                 <a:solidFill>
-                  <a:schemeClr val="accent1">
-                    <a:lumMod val="75000"/>
-                  </a:schemeClr>
+                  <a:schemeClr val="tx1"/>
                 </a:solidFill>
               </a:rPr>
-              <a:t>business-friendly </a:t>
-            </a:r>
+              <a:t>Educated Talent Pool.</a:t>
+            </a:r>
+          </a:p>
+          <a:p>
+            <a:pPr>
+              <a:buFont typeface="Wingdings" panose="05000000000000000000" pitchFamily="2" charset="2"/>
+              <a:buChar char="q"/>
+            </a:pPr>
+            <a:r>
+              <a:rPr lang="en-US" sz="3200" dirty="0">
+                <a:solidFill>
+                  <a:schemeClr val="tx1"/>
+                </a:solidFill>
+              </a:rPr>
+              <a:t>Existing Labor Force in Technology, Business and Financial occupations. </a:t>
+            </a:r>
+          </a:p>
+          <a:p>
+            <a:pPr>
+              <a:buFont typeface="Wingdings" panose="05000000000000000000" pitchFamily="2" charset="2"/>
+              <a:buChar char="q"/>
+            </a:pPr>
+            <a:r>
+              <a:rPr lang="en-US" sz="3200" dirty="0">
+                <a:solidFill>
+                  <a:schemeClr val="tx1"/>
+                </a:solidFill>
+              </a:rPr>
+              <a:t>Diversity /Cultural Community Fit.  </a:t>
+            </a:r>
+          </a:p>
+          <a:p>
+            <a:pPr>
+              <a:buFont typeface="Wingdings" panose="05000000000000000000" pitchFamily="2" charset="2"/>
+              <a:buChar char="q"/>
+            </a:pPr>
+            <a:r>
+              <a:rPr lang="en-US" sz="3200" dirty="0">
+                <a:solidFill>
+                  <a:schemeClr val="tx1"/>
+                </a:solidFill>
+              </a:rPr>
+              <a:t>Crime Index.</a:t>
+            </a:r>
+          </a:p>
+          <a:p>
+            <a:pPr>
+              <a:buFont typeface="Wingdings" panose="05000000000000000000" pitchFamily="2" charset="2"/>
+              <a:buChar char="q"/>
+            </a:pPr>
+            <a:r>
+              <a:rPr lang="en-US" sz="3200" dirty="0">
+                <a:solidFill>
+                  <a:schemeClr val="tx1"/>
+                </a:solidFill>
+              </a:rPr>
+              <a:t>Housing Affordability.</a:t>
+            </a:r>
+          </a:p>
+          <a:p>
+            <a:pPr>
+              <a:buFont typeface="Wingdings" panose="05000000000000000000" pitchFamily="2" charset="2"/>
+              <a:buChar char="q"/>
+            </a:pPr>
+            <a:r>
+              <a:rPr lang="en-US" sz="3200" dirty="0">
+                <a:solidFill>
+                  <a:schemeClr val="tx1"/>
+                </a:solidFill>
+              </a:rPr>
+              <a:t> Others : Climate, Pollution etc.</a:t>
+            </a:r>
+          </a:p>
+          <a:p>
+            <a:pPr>
+              <a:buFont typeface="Wingdings" panose="05000000000000000000" pitchFamily="2" charset="2"/>
+              <a:buChar char="q"/>
+            </a:pPr>
+            <a:endParaRPr lang="en-US" dirty="0"/>
+          </a:p>
+          <a:p>
+            <a:pPr>
+              <a:buFont typeface="Wingdings" panose="05000000000000000000" pitchFamily="2" charset="2"/>
+              <a:buChar char="q"/>
+            </a:pPr>
+            <a:endParaRPr lang="en-US" dirty="0"/>
+          </a:p>
+          <a:p>
+            <a:pPr marL="0" indent="0">
+              <a:buNone/>
+            </a:pPr>
+            <a:endParaRPr lang="en-US" dirty="0"/>
+          </a:p>
+        </p:txBody>
+      </p:sp>
+    </p:spTree>
+    <p:extLst>
+      <p:ext uri="{BB962C8B-B14F-4D97-AF65-F5344CB8AC3E}">
+        <p14:creationId xmlns:p14="http://schemas.microsoft.com/office/powerpoint/2010/main" val="3770134055"/>
+      </p:ext>
+    </p:extLst>
+  </p:cSld>
+  <p:clrMapOvr>
+    <a:masterClrMapping/>
+  </p:clrMapOvr>
+</p:sld>
+</file>
+
+<file path=ppt/slides/slide6.xml><?xml version="1.0" encoding="utf-8"?>
+<p:sld xmlns:a="http://schemas.openxmlformats.org/drawingml/2006/main" xmlns:r="http://schemas.openxmlformats.org/officeDocument/2006/relationships" xmlns:p="http://schemas.openxmlformats.org/presentationml/2006/main">
+  <p:cSld>
+    <p:spTree>
+      <p:nvGrpSpPr>
+        <p:cNvPr id="1" name=""/>
+        <p:cNvGrpSpPr/>
+        <p:nvPr/>
+      </p:nvGrpSpPr>
+      <p:grpSpPr>
+        <a:xfrm>
+          <a:off x="0" y="0"/>
+          <a:ext cx="0" cy="0"/>
+          <a:chOff x="0" y="0"/>
+          <a:chExt cx="0" cy="0"/>
+        </a:xfrm>
+      </p:grpSpPr>
+      <p:sp>
+        <p:nvSpPr>
+          <p:cNvPr id="2" name="Title 1">
+            <a:extLst>
+              <a:ext uri="{FF2B5EF4-FFF2-40B4-BE49-F238E27FC236}">
+                <a16:creationId xmlns:a16="http://schemas.microsoft.com/office/drawing/2014/main" id="{390EB264-3883-41F9-BACB-285D2229980C}"/>
+              </a:ext>
+            </a:extLst>
+          </p:cNvPr>
+          <p:cNvSpPr>
+            <a:spLocks noGrp="1"/>
+          </p:cNvSpPr>
+          <p:nvPr>
+            <p:ph type="title"/>
+          </p:nvPr>
+        </p:nvSpPr>
+        <p:spPr/>
+        <p:txBody>
+          <a:bodyPr/>
+          <a:lstStyle/>
+          <a:p>
             <a:r>
               <a:rPr lang="en-US" dirty="0"/>
-              <a:t>environment</a:t>
-            </a:r>
-          </a:p>
-          <a:p>
-            <a:pPr marL="201168" lvl="1" indent="0" fontAlgn="base">
-              <a:buNone/>
+              <a:t>Metrics At The Site Level</a:t>
+            </a:r>
+          </a:p>
+        </p:txBody>
+      </p:sp>
+      <p:sp>
+        <p:nvSpPr>
+          <p:cNvPr id="3" name="Content Placeholder 2">
+            <a:extLst>
+              <a:ext uri="{FF2B5EF4-FFF2-40B4-BE49-F238E27FC236}">
+                <a16:creationId xmlns:a16="http://schemas.microsoft.com/office/drawing/2014/main" id="{BEC8BDDB-FD44-4EB6-BE27-4A708B75BDAB}"/>
+              </a:ext>
+            </a:extLst>
+          </p:cNvPr>
+          <p:cNvSpPr>
+            <a:spLocks noGrp="1"/>
+          </p:cNvSpPr>
+          <p:nvPr>
+            <p:ph idx="1"/>
+          </p:nvPr>
+        </p:nvSpPr>
+        <p:spPr>
+          <a:xfrm>
+            <a:off x="1097280" y="2382457"/>
+            <a:ext cx="10802277" cy="4819135"/>
+          </a:xfrm>
+        </p:spPr>
+        <p:txBody>
+          <a:bodyPr>
+            <a:normAutofit/>
+          </a:bodyPr>
+          <a:lstStyle/>
+          <a:p>
+            <a:pPr>
+              <a:buFont typeface="Wingdings" panose="05000000000000000000" pitchFamily="2" charset="2"/>
+              <a:buChar char="q"/>
             </a:pPr>
             <a:r>
+              <a:rPr lang="en-US" sz="3200" dirty="0">
+                <a:solidFill>
+                  <a:schemeClr val="tx1"/>
+                </a:solidFill>
+              </a:rPr>
+              <a:t>Schools and Colleges.</a:t>
+            </a:r>
+          </a:p>
+          <a:p>
+            <a:pPr>
+              <a:buFont typeface="Wingdings" panose="05000000000000000000" pitchFamily="2" charset="2"/>
+              <a:buChar char="q"/>
+            </a:pPr>
+            <a:r>
+              <a:rPr lang="en-US" sz="3200" dirty="0">
+                <a:solidFill>
+                  <a:schemeClr val="tx1"/>
+                </a:solidFill>
+              </a:rPr>
+              <a:t>Community/Quality of Life/Amenities. </a:t>
+            </a:r>
+          </a:p>
+          <a:p>
+            <a:pPr>
+              <a:buFont typeface="Wingdings" panose="05000000000000000000" pitchFamily="2" charset="2"/>
+              <a:buChar char="q"/>
+            </a:pPr>
+            <a:r>
+              <a:rPr lang="en-US" sz="3200" dirty="0">
+                <a:solidFill>
+                  <a:schemeClr val="tx1"/>
+                </a:solidFill>
+              </a:rPr>
+              <a:t>Transportation Options.</a:t>
+            </a:r>
+          </a:p>
+          <a:p>
+            <a:pPr marL="0" indent="0">
+              <a:buNone/>
+            </a:pPr>
+            <a:endParaRPr lang="en-US" dirty="0"/>
+          </a:p>
+          <a:p>
+            <a:pPr marL="0" indent="0">
+              <a:buNone/>
+            </a:pPr>
+            <a:r>
               <a:rPr lang="en-US" dirty="0"/>
-              <a:t>Non quantifiable metric. Assuming all the cities are business-friendly.</a:t>
-            </a:r>
-          </a:p>
-          <a:p>
-            <a:pPr fontAlgn="base"/>
-            <a:r>
-              <a:rPr lang="en-US" b="1" dirty="0"/>
-              <a:t>Urban or suburban locations with the potential to attract and retain strong technical talent</a:t>
-            </a:r>
-          </a:p>
-          <a:p>
-            <a:pPr marL="201168" lvl="1" indent="0">
-              <a:buNone/>
+              <a:t>Note: The data is analyzed at the site level and aggregated at the city level in the final analysis.</a:t>
+            </a:r>
+          </a:p>
+        </p:txBody>
+      </p:sp>
+    </p:spTree>
+    <p:extLst>
+      <p:ext uri="{BB962C8B-B14F-4D97-AF65-F5344CB8AC3E}">
+        <p14:creationId xmlns:p14="http://schemas.microsoft.com/office/powerpoint/2010/main" val="28752783"/>
+      </p:ext>
+    </p:extLst>
+  </p:cSld>
+  <p:clrMapOvr>
+    <a:masterClrMapping/>
+  </p:clrMapOvr>
+</p:sld>
+</file>
+
+<file path=ppt/slides/slide7.xml><?xml version="1.0" encoding="utf-8"?>
+<p:sld xmlns:a="http://schemas.openxmlformats.org/drawingml/2006/main" xmlns:r="http://schemas.openxmlformats.org/officeDocument/2006/relationships" xmlns:p="http://schemas.openxmlformats.org/presentationml/2006/main">
+  <p:cSld>
+    <p:spTree>
+      <p:nvGrpSpPr>
+        <p:cNvPr id="1" name=""/>
+        <p:cNvGrpSpPr/>
+        <p:nvPr/>
+      </p:nvGrpSpPr>
+      <p:grpSpPr>
+        <a:xfrm>
+          <a:off x="0" y="0"/>
+          <a:ext cx="0" cy="0"/>
+          <a:chOff x="0" y="0"/>
+          <a:chExt cx="0" cy="0"/>
+        </a:xfrm>
+      </p:grpSpPr>
+      <p:sp>
+        <p:nvSpPr>
+          <p:cNvPr id="2" name="Title 1">
+            <a:extLst>
+              <a:ext uri="{FF2B5EF4-FFF2-40B4-BE49-F238E27FC236}">
+                <a16:creationId xmlns:a16="http://schemas.microsoft.com/office/drawing/2014/main" id="{390EB264-3883-41F9-BACB-285D2229980C}"/>
+              </a:ext>
+            </a:extLst>
+          </p:cNvPr>
+          <p:cNvSpPr>
+            <a:spLocks noGrp="1"/>
+          </p:cNvSpPr>
+          <p:nvPr>
+            <p:ph type="title"/>
+          </p:nvPr>
+        </p:nvSpPr>
+        <p:spPr/>
+        <p:txBody>
+          <a:bodyPr/>
+          <a:lstStyle/>
+          <a:p>
+            <a:r>
+              <a:rPr lang="en-US" dirty="0"/>
+              <a:t>Primary Data Sources</a:t>
+            </a:r>
+          </a:p>
+        </p:txBody>
+      </p:sp>
+      <p:sp>
+        <p:nvSpPr>
+          <p:cNvPr id="3" name="Content Placeholder 2">
+            <a:extLst>
+              <a:ext uri="{FF2B5EF4-FFF2-40B4-BE49-F238E27FC236}">
+                <a16:creationId xmlns:a16="http://schemas.microsoft.com/office/drawing/2014/main" id="{BEC8BDDB-FD44-4EB6-BE27-4A708B75BDAB}"/>
+              </a:ext>
+            </a:extLst>
+          </p:cNvPr>
+          <p:cNvSpPr>
+            <a:spLocks noGrp="1"/>
+          </p:cNvSpPr>
+          <p:nvPr>
+            <p:ph idx="1"/>
+          </p:nvPr>
+        </p:nvSpPr>
+        <p:spPr/>
+        <p:txBody>
+          <a:bodyPr>
+            <a:normAutofit/>
+          </a:bodyPr>
+          <a:lstStyle/>
+          <a:p>
+            <a:pPr>
+              <a:buFont typeface="Wingdings" panose="05000000000000000000" pitchFamily="2" charset="2"/>
+              <a:buChar char="§"/>
             </a:pPr>
             <a:r>
-              <a:rPr lang="en-US" dirty="0"/>
-              <a:t> Measurable Metrics. Criteria we used!</a:t>
+              <a:rPr lang="en-US" sz="3200" dirty="0"/>
+              <a:t> Census API : 2016 American Community 5 Year Survey</a:t>
+            </a:r>
+          </a:p>
+          <a:p>
+            <a:pPr>
+              <a:buFont typeface="Wingdings" panose="05000000000000000000" pitchFamily="2" charset="2"/>
+              <a:buChar char="§"/>
+            </a:pPr>
+            <a:r>
+              <a:rPr lang="en-US" sz="3200" dirty="0"/>
+              <a:t> Greater Schools API</a:t>
+            </a:r>
+          </a:p>
+          <a:p>
+            <a:pPr>
+              <a:buFont typeface="Wingdings" panose="05000000000000000000" pitchFamily="2" charset="2"/>
+              <a:buChar char="§"/>
+            </a:pPr>
+            <a:r>
+              <a:rPr lang="en-US" sz="3200" dirty="0"/>
+              <a:t> Google API </a:t>
+            </a:r>
+          </a:p>
+          <a:p>
+            <a:pPr>
+              <a:buFont typeface="Wingdings" panose="05000000000000000000" pitchFamily="2" charset="2"/>
+              <a:buChar char="§"/>
+            </a:pPr>
+            <a:r>
+              <a:rPr lang="en-US" sz="3200" dirty="0"/>
+              <a:t>Walk Score API</a:t>
             </a:r>
           </a:p>
         </p:txBody>
@@ -4419,6 +5744,288 @@
     <p:extLst>
       <p:ext uri="{BB962C8B-B14F-4D97-AF65-F5344CB8AC3E}">
         <p14:creationId xmlns:p14="http://schemas.microsoft.com/office/powerpoint/2010/main" val="2596179842"/>
+      </p:ext>
+    </p:extLst>
+  </p:cSld>
+  <p:clrMapOvr>
+    <a:masterClrMapping/>
+  </p:clrMapOvr>
+</p:sld>
+</file>
+
+<file path=ppt/slides/slide8.xml><?xml version="1.0" encoding="utf-8"?>
+<p:sld xmlns:a="http://schemas.openxmlformats.org/drawingml/2006/main" xmlns:r="http://schemas.openxmlformats.org/officeDocument/2006/relationships" xmlns:p="http://schemas.openxmlformats.org/presentationml/2006/main">
+  <p:cSld>
+    <p:spTree>
+      <p:nvGrpSpPr>
+        <p:cNvPr id="1" name=""/>
+        <p:cNvGrpSpPr/>
+        <p:nvPr/>
+      </p:nvGrpSpPr>
+      <p:grpSpPr>
+        <a:xfrm>
+          <a:off x="0" y="0"/>
+          <a:ext cx="0" cy="0"/>
+          <a:chOff x="0" y="0"/>
+          <a:chExt cx="0" cy="0"/>
+        </a:xfrm>
+      </p:grpSpPr>
+      <p:sp>
+        <p:nvSpPr>
+          <p:cNvPr id="2" name="Title 1">
+            <a:extLst>
+              <a:ext uri="{FF2B5EF4-FFF2-40B4-BE49-F238E27FC236}">
+                <a16:creationId xmlns:a16="http://schemas.microsoft.com/office/drawing/2014/main" id="{390EB264-3883-41F9-BACB-285D2229980C}"/>
+              </a:ext>
+            </a:extLst>
+          </p:cNvPr>
+          <p:cNvSpPr>
+            <a:spLocks noGrp="1"/>
+          </p:cNvSpPr>
+          <p:nvPr>
+            <p:ph type="title"/>
+          </p:nvPr>
+        </p:nvSpPr>
+        <p:spPr>
+          <a:xfrm>
+            <a:off x="1097280" y="286603"/>
+            <a:ext cx="10058400" cy="702303"/>
+          </a:xfrm>
+        </p:spPr>
+        <p:txBody>
+          <a:bodyPr>
+            <a:normAutofit fontScale="90000"/>
+          </a:bodyPr>
+          <a:lstStyle/>
+          <a:p>
+            <a:r>
+              <a:rPr lang="en-US" dirty="0"/>
+              <a:t>Talent Pool - Education</a:t>
+            </a:r>
+          </a:p>
+        </p:txBody>
+      </p:sp>
+      <p:pic>
+        <p:nvPicPr>
+          <p:cNvPr id="7" name="Picture 6">
+            <a:extLst>
+              <a:ext uri="{FF2B5EF4-FFF2-40B4-BE49-F238E27FC236}">
+                <a16:creationId xmlns:a16="http://schemas.microsoft.com/office/drawing/2014/main" id="{C4CBD56D-EC25-4099-85D8-D780F31B6443}"/>
+              </a:ext>
+            </a:extLst>
+          </p:cNvPr>
+          <p:cNvPicPr>
+            <a:picLocks noChangeAspect="1"/>
+          </p:cNvPicPr>
+          <p:nvPr/>
+        </p:nvPicPr>
+        <p:blipFill>
+          <a:blip r:embed="rId2">
+            <a:extLst>
+              <a:ext uri="{28A0092B-C50C-407E-A947-70E740481C1C}">
+                <a14:useLocalDpi xmlns:a14="http://schemas.microsoft.com/office/drawing/2010/main" val="0"/>
+              </a:ext>
+            </a:extLst>
+          </a:blip>
+          <a:stretch>
+            <a:fillRect/>
+          </a:stretch>
+        </p:blipFill>
+        <p:spPr>
+          <a:xfrm>
+            <a:off x="90807" y="988906"/>
+            <a:ext cx="12010385" cy="5028835"/>
+          </a:xfrm>
+          <a:prstGeom prst="rect">
+            <a:avLst/>
+          </a:prstGeom>
+        </p:spPr>
+      </p:pic>
+      <p:cxnSp>
+        <p:nvCxnSpPr>
+          <p:cNvPr id="13" name="Straight Connector 12">
+            <a:extLst>
+              <a:ext uri="{FF2B5EF4-FFF2-40B4-BE49-F238E27FC236}">
+                <a16:creationId xmlns:a16="http://schemas.microsoft.com/office/drawing/2014/main" id="{5397CA78-2EB2-4868-82DD-39855F7B3B21}"/>
+              </a:ext>
+            </a:extLst>
+          </p:cNvPr>
+          <p:cNvCxnSpPr/>
+          <p:nvPr/>
+        </p:nvCxnSpPr>
+        <p:spPr>
+          <a:xfrm>
+            <a:off x="1248032" y="902043"/>
+            <a:ext cx="9069860" cy="0"/>
+          </a:xfrm>
+          <a:prstGeom prst="line">
+            <a:avLst/>
+          </a:prstGeom>
+          <a:ln>
+            <a:solidFill>
+              <a:srgbClr val="7030A0"/>
+            </a:solidFill>
+          </a:ln>
+        </p:spPr>
+        <p:style>
+          <a:lnRef idx="1">
+            <a:schemeClr val="accent1"/>
+          </a:lnRef>
+          <a:fillRef idx="0">
+            <a:schemeClr val="accent1"/>
+          </a:fillRef>
+          <a:effectRef idx="0">
+            <a:schemeClr val="accent1"/>
+          </a:effectRef>
+          <a:fontRef idx="minor">
+            <a:schemeClr val="tx1"/>
+          </a:fontRef>
+        </p:style>
+      </p:cxnSp>
+    </p:spTree>
+    <p:extLst>
+      <p:ext uri="{BB962C8B-B14F-4D97-AF65-F5344CB8AC3E}">
+        <p14:creationId xmlns:p14="http://schemas.microsoft.com/office/powerpoint/2010/main" val="3259915787"/>
+      </p:ext>
+    </p:extLst>
+  </p:cSld>
+  <p:clrMapOvr>
+    <a:masterClrMapping/>
+  </p:clrMapOvr>
+</p:sld>
+</file>
+
+<file path=ppt/slides/slide9.xml><?xml version="1.0" encoding="utf-8"?>
+<p:sld xmlns:a="http://schemas.openxmlformats.org/drawingml/2006/main" xmlns:r="http://schemas.openxmlformats.org/officeDocument/2006/relationships" xmlns:p="http://schemas.openxmlformats.org/presentationml/2006/main">
+  <p:cSld>
+    <p:spTree>
+      <p:nvGrpSpPr>
+        <p:cNvPr id="1" name=""/>
+        <p:cNvGrpSpPr/>
+        <p:nvPr/>
+      </p:nvGrpSpPr>
+      <p:grpSpPr>
+        <a:xfrm>
+          <a:off x="0" y="0"/>
+          <a:ext cx="0" cy="0"/>
+          <a:chOff x="0" y="0"/>
+          <a:chExt cx="0" cy="0"/>
+        </a:xfrm>
+      </p:grpSpPr>
+      <p:sp>
+        <p:nvSpPr>
+          <p:cNvPr id="2" name="Title 1">
+            <a:extLst>
+              <a:ext uri="{FF2B5EF4-FFF2-40B4-BE49-F238E27FC236}">
+                <a16:creationId xmlns:a16="http://schemas.microsoft.com/office/drawing/2014/main" id="{390EB264-3883-41F9-BACB-285D2229980C}"/>
+              </a:ext>
+            </a:extLst>
+          </p:cNvPr>
+          <p:cNvSpPr>
+            <a:spLocks noGrp="1"/>
+          </p:cNvSpPr>
+          <p:nvPr>
+            <p:ph type="title"/>
+          </p:nvPr>
+        </p:nvSpPr>
+        <p:spPr>
+          <a:xfrm>
+            <a:off x="1066799" y="-376048"/>
+            <a:ext cx="10058400" cy="1450757"/>
+          </a:xfrm>
+        </p:spPr>
+        <p:txBody>
+          <a:bodyPr/>
+          <a:lstStyle/>
+          <a:p>
+            <a:r>
+              <a:rPr lang="en-US" dirty="0"/>
+              <a:t>Talent Pool - Education</a:t>
+            </a:r>
+          </a:p>
+        </p:txBody>
+      </p:sp>
+      <p:pic>
+        <p:nvPicPr>
+          <p:cNvPr id="9" name="Picture 8">
+            <a:extLst>
+              <a:ext uri="{FF2B5EF4-FFF2-40B4-BE49-F238E27FC236}">
+                <a16:creationId xmlns:a16="http://schemas.microsoft.com/office/drawing/2014/main" id="{207048A4-7E15-4A7A-83D4-7F393FDAE879}"/>
+              </a:ext>
+            </a:extLst>
+          </p:cNvPr>
+          <p:cNvPicPr>
+            <a:picLocks noChangeAspect="1"/>
+          </p:cNvPicPr>
+          <p:nvPr/>
+        </p:nvPicPr>
+        <p:blipFill>
+          <a:blip r:embed="rId2">
+            <a:extLst>
+              <a:ext uri="{28A0092B-C50C-407E-A947-70E740481C1C}">
+                <a14:useLocalDpi xmlns:a14="http://schemas.microsoft.com/office/drawing/2010/main" val="0"/>
+              </a:ext>
+            </a:extLst>
+          </a:blip>
+          <a:stretch>
+            <a:fillRect/>
+          </a:stretch>
+        </p:blipFill>
+        <p:spPr>
+          <a:xfrm>
+            <a:off x="766118" y="1161535"/>
+            <a:ext cx="10730874" cy="4993085"/>
+          </a:xfrm>
+          <a:prstGeom prst="rect">
+            <a:avLst/>
+          </a:prstGeom>
+        </p:spPr>
+      </p:pic>
+      <p:cxnSp>
+        <p:nvCxnSpPr>
+          <p:cNvPr id="8" name="Straight Connector 7">
+            <a:extLst>
+              <a:ext uri="{FF2B5EF4-FFF2-40B4-BE49-F238E27FC236}">
+                <a16:creationId xmlns:a16="http://schemas.microsoft.com/office/drawing/2014/main" id="{D5D2E2BC-8AFC-496A-8DAF-5CC075C390DF}"/>
+              </a:ext>
+            </a:extLst>
+          </p:cNvPr>
+          <p:cNvCxnSpPr/>
+          <p:nvPr/>
+        </p:nvCxnSpPr>
+        <p:spPr>
+          <a:xfrm>
+            <a:off x="1186248" y="963827"/>
+            <a:ext cx="9069860" cy="0"/>
+          </a:xfrm>
+          <a:prstGeom prst="line">
+            <a:avLst/>
+          </a:prstGeom>
+          <a:ln>
+            <a:solidFill>
+              <a:srgbClr val="7030A0"/>
+            </a:solidFill>
+          </a:ln>
+        </p:spPr>
+        <p:style>
+          <a:lnRef idx="1">
+            <a:schemeClr val="accent1"/>
+          </a:lnRef>
+          <a:fillRef idx="0">
+            <a:schemeClr val="accent1"/>
+          </a:fillRef>
+          <a:effectRef idx="0">
+            <a:schemeClr val="accent1"/>
+          </a:effectRef>
+          <a:fontRef idx="minor">
+            <a:schemeClr val="tx1"/>
+          </a:fontRef>
+        </p:style>
+      </p:cxnSp>
+    </p:spTree>
+    <p:extLst>
+      <p:ext uri="{BB962C8B-B14F-4D97-AF65-F5344CB8AC3E}">
+        <p14:creationId xmlns:p14="http://schemas.microsoft.com/office/powerpoint/2010/main" val="732841463"/>
       </p:ext>
     </p:extLst>
   </p:cSld>

--- a/Project1_Presentation.pptx
+++ b/Project1_Presentation.pptx
@@ -6,20 +6,25 @@
   </p:sldMasterIdLst>
   <p:sldIdLst>
     <p:sldId id="256" r:id="rId2"/>
-    <p:sldId id="257" r:id="rId3"/>
-    <p:sldId id="259" r:id="rId4"/>
-    <p:sldId id="260" r:id="rId5"/>
-    <p:sldId id="267" r:id="rId6"/>
-    <p:sldId id="268" r:id="rId7"/>
-    <p:sldId id="258" r:id="rId8"/>
-    <p:sldId id="262" r:id="rId9"/>
-    <p:sldId id="270" r:id="rId10"/>
-    <p:sldId id="271" r:id="rId11"/>
-    <p:sldId id="266" r:id="rId12"/>
-    <p:sldId id="272" r:id="rId13"/>
-    <p:sldId id="265" r:id="rId14"/>
-    <p:sldId id="263" r:id="rId15"/>
-    <p:sldId id="264" r:id="rId16"/>
+    <p:sldId id="273" r:id="rId3"/>
+    <p:sldId id="257" r:id="rId4"/>
+    <p:sldId id="259" r:id="rId5"/>
+    <p:sldId id="260" r:id="rId6"/>
+    <p:sldId id="267" r:id="rId7"/>
+    <p:sldId id="268" r:id="rId8"/>
+    <p:sldId id="258" r:id="rId9"/>
+    <p:sldId id="262" r:id="rId10"/>
+    <p:sldId id="270" r:id="rId11"/>
+    <p:sldId id="271" r:id="rId12"/>
+    <p:sldId id="266" r:id="rId13"/>
+    <p:sldId id="272" r:id="rId14"/>
+    <p:sldId id="265" r:id="rId15"/>
+    <p:sldId id="263" r:id="rId16"/>
+    <p:sldId id="264" r:id="rId17"/>
+    <p:sldId id="274" r:id="rId18"/>
+    <p:sldId id="275" r:id="rId19"/>
+    <p:sldId id="261" r:id="rId20"/>
+    <p:sldId id="277" r:id="rId21"/>
   </p:sldIdLst>
   <p:sldSz cx="12192000" cy="6858000"/>
   <p:notesSz cx="6858000" cy="9144000"/>
@@ -352,7 +357,7 @@
           <a:p>
             <a:fld id="{F70A646C-22A8-4D69-ACFD-CD88A31D50DB}" type="datetimeFigureOut">
               <a:rPr lang="en-US" smtClean="0"/>
-              <a:t>4/3/2018</a:t>
+              <a:t>4/3/18</a:t>
             </a:fld>
             <a:endParaRPr lang="en-US"/>
           </a:p>
@@ -560,7 +565,7 @@
           <a:p>
             <a:fld id="{F70A646C-22A8-4D69-ACFD-CD88A31D50DB}" type="datetimeFigureOut">
               <a:rPr lang="en-US" smtClean="0"/>
-              <a:t>4/3/2018</a:t>
+              <a:t>4/3/18</a:t>
             </a:fld>
             <a:endParaRPr lang="en-US"/>
           </a:p>
@@ -816,7 +821,7 @@
           <a:p>
             <a:fld id="{F70A646C-22A8-4D69-ACFD-CD88A31D50DB}" type="datetimeFigureOut">
               <a:rPr lang="en-US" smtClean="0"/>
-              <a:t>4/3/2018</a:t>
+              <a:t>4/3/18</a:t>
             </a:fld>
             <a:endParaRPr lang="en-US"/>
           </a:p>
@@ -990,7 +995,7 @@
           <a:p>
             <a:fld id="{F70A646C-22A8-4D69-ACFD-CD88A31D50DB}" type="datetimeFigureOut">
               <a:rPr lang="en-US" smtClean="0"/>
-              <a:t>4/3/2018</a:t>
+              <a:t>4/3/18</a:t>
             </a:fld>
             <a:endParaRPr lang="en-US"/>
           </a:p>
@@ -1333,7 +1338,7 @@
           <a:p>
             <a:fld id="{F70A646C-22A8-4D69-ACFD-CD88A31D50DB}" type="datetimeFigureOut">
               <a:rPr lang="en-US" smtClean="0"/>
-              <a:t>4/3/2018</a:t>
+              <a:t>4/3/18</a:t>
             </a:fld>
             <a:endParaRPr lang="en-US"/>
           </a:p>
@@ -1608,7 +1613,7 @@
           <a:p>
             <a:fld id="{F70A646C-22A8-4D69-ACFD-CD88A31D50DB}" type="datetimeFigureOut">
               <a:rPr lang="en-US" smtClean="0"/>
-              <a:t>4/3/2018</a:t>
+              <a:t>4/3/18</a:t>
             </a:fld>
             <a:endParaRPr lang="en-US"/>
           </a:p>
@@ -1987,7 +1992,7 @@
           <a:p>
             <a:fld id="{F70A646C-22A8-4D69-ACFD-CD88A31D50DB}" type="datetimeFigureOut">
               <a:rPr lang="en-US" smtClean="0"/>
-              <a:t>4/3/2018</a:t>
+              <a:t>4/3/18</a:t>
             </a:fld>
             <a:endParaRPr lang="en-US"/>
           </a:p>
@@ -2105,7 +2110,7 @@
           <a:p>
             <a:fld id="{F70A646C-22A8-4D69-ACFD-CD88A31D50DB}" type="datetimeFigureOut">
               <a:rPr lang="en-US" smtClean="0"/>
-              <a:t>4/3/2018</a:t>
+              <a:t>4/3/18</a:t>
             </a:fld>
             <a:endParaRPr lang="en-US"/>
           </a:p>
@@ -2276,7 +2281,7 @@
           <a:p>
             <a:fld id="{F70A646C-22A8-4D69-ACFD-CD88A31D50DB}" type="datetimeFigureOut">
               <a:rPr lang="en-US" smtClean="0"/>
-              <a:t>4/3/2018</a:t>
+              <a:t>4/3/18</a:t>
             </a:fld>
             <a:endParaRPr lang="en-US"/>
           </a:p>
@@ -2630,7 +2635,7 @@
           <a:p>
             <a:fld id="{F70A646C-22A8-4D69-ACFD-CD88A31D50DB}" type="datetimeFigureOut">
               <a:rPr lang="en-US" smtClean="0"/>
-              <a:t>4/3/2018</a:t>
+              <a:t>4/3/18</a:t>
             </a:fld>
             <a:endParaRPr lang="en-US"/>
           </a:p>
@@ -3012,7 +3017,7 @@
           <a:p>
             <a:fld id="{F70A646C-22A8-4D69-ACFD-CD88A31D50DB}" type="datetimeFigureOut">
               <a:rPr lang="en-US" smtClean="0"/>
-              <a:t>4/3/2018</a:t>
+              <a:t>4/3/18</a:t>
             </a:fld>
             <a:endParaRPr lang="en-US"/>
           </a:p>
@@ -3299,7 +3304,7 @@
           <a:p>
             <a:fld id="{F70A646C-22A8-4D69-ACFD-CD88A31D50DB}" type="datetimeFigureOut">
               <a:rPr lang="en-US" smtClean="0"/>
-              <a:t>4/3/2018</a:t>
+              <a:t>4/3/18</a:t>
             </a:fld>
             <a:endParaRPr lang="en-US"/>
           </a:p>
@@ -3989,6 +3994,146 @@
           <a:p>
             <a:r>
               <a:rPr lang="en-US" dirty="0"/>
+              <a:t>Talent Pool - Education</a:t>
+            </a:r>
+          </a:p>
+        </p:txBody>
+      </p:sp>
+      <p:pic>
+        <p:nvPicPr>
+          <p:cNvPr id="9" name="Picture 8">
+            <a:extLst>
+              <a:ext uri="{FF2B5EF4-FFF2-40B4-BE49-F238E27FC236}">
+                <a16:creationId xmlns:a16="http://schemas.microsoft.com/office/drawing/2014/main" id="{207048A4-7E15-4A7A-83D4-7F393FDAE879}"/>
+              </a:ext>
+            </a:extLst>
+          </p:cNvPr>
+          <p:cNvPicPr>
+            <a:picLocks noChangeAspect="1"/>
+          </p:cNvPicPr>
+          <p:nvPr/>
+        </p:nvPicPr>
+        <p:blipFill>
+          <a:blip r:embed="rId2">
+            <a:extLst>
+              <a:ext uri="{28A0092B-C50C-407E-A947-70E740481C1C}">
+                <a14:useLocalDpi xmlns:a14="http://schemas.microsoft.com/office/drawing/2010/main" val="0"/>
+              </a:ext>
+            </a:extLst>
+          </a:blip>
+          <a:stretch>
+            <a:fillRect/>
+          </a:stretch>
+        </p:blipFill>
+        <p:spPr>
+          <a:xfrm>
+            <a:off x="766118" y="1161535"/>
+            <a:ext cx="10730874" cy="4993085"/>
+          </a:xfrm>
+          <a:prstGeom prst="rect">
+            <a:avLst/>
+          </a:prstGeom>
+        </p:spPr>
+      </p:pic>
+      <p:cxnSp>
+        <p:nvCxnSpPr>
+          <p:cNvPr id="8" name="Straight Connector 7">
+            <a:extLst>
+              <a:ext uri="{FF2B5EF4-FFF2-40B4-BE49-F238E27FC236}">
+                <a16:creationId xmlns:a16="http://schemas.microsoft.com/office/drawing/2014/main" id="{D5D2E2BC-8AFC-496A-8DAF-5CC075C390DF}"/>
+              </a:ext>
+            </a:extLst>
+          </p:cNvPr>
+          <p:cNvCxnSpPr/>
+          <p:nvPr/>
+        </p:nvCxnSpPr>
+        <p:spPr>
+          <a:xfrm>
+            <a:off x="1186248" y="963827"/>
+            <a:ext cx="9069860" cy="0"/>
+          </a:xfrm>
+          <a:prstGeom prst="line">
+            <a:avLst/>
+          </a:prstGeom>
+          <a:ln>
+            <a:solidFill>
+              <a:srgbClr val="7030A0"/>
+            </a:solidFill>
+          </a:ln>
+        </p:spPr>
+        <p:style>
+          <a:lnRef idx="1">
+            <a:schemeClr val="accent1"/>
+          </a:lnRef>
+          <a:fillRef idx="0">
+            <a:schemeClr val="accent1"/>
+          </a:fillRef>
+          <a:effectRef idx="0">
+            <a:schemeClr val="accent1"/>
+          </a:effectRef>
+          <a:fontRef idx="minor">
+            <a:schemeClr val="tx1"/>
+          </a:fontRef>
+        </p:style>
+      </p:cxnSp>
+    </p:spTree>
+    <p:extLst>
+      <p:ext uri="{BB962C8B-B14F-4D97-AF65-F5344CB8AC3E}">
+        <p14:creationId xmlns:p14="http://schemas.microsoft.com/office/powerpoint/2010/main" val="732841463"/>
+      </p:ext>
+    </p:extLst>
+  </p:cSld>
+  <p:clrMapOvr>
+    <a:masterClrMapping/>
+  </p:clrMapOvr>
+</p:sld>
+</file>
+
+<file path=ppt/slides/slide11.xml><?xml version="1.0" encoding="utf-8"?>
+<p:sld xmlns:a="http://schemas.openxmlformats.org/drawingml/2006/main" xmlns:r="http://schemas.openxmlformats.org/officeDocument/2006/relationships" xmlns:p="http://schemas.openxmlformats.org/presentationml/2006/main">
+  <p:cSld>
+    <p:spTree>
+      <p:nvGrpSpPr>
+        <p:cNvPr id="1" name=""/>
+        <p:cNvGrpSpPr/>
+        <p:nvPr/>
+      </p:nvGrpSpPr>
+      <p:grpSpPr>
+        <a:xfrm>
+          <a:off x="0" y="0"/>
+          <a:ext cx="0" cy="0"/>
+          <a:chOff x="0" y="0"/>
+          <a:chExt cx="0" cy="0"/>
+        </a:xfrm>
+      </p:grpSpPr>
+      <p:sp>
+        <p:nvSpPr>
+          <p:cNvPr id="2" name="Title 1">
+            <a:extLst>
+              <a:ext uri="{FF2B5EF4-FFF2-40B4-BE49-F238E27FC236}">
+                <a16:creationId xmlns:a16="http://schemas.microsoft.com/office/drawing/2014/main" id="{390EB264-3883-41F9-BACB-285D2229980C}"/>
+              </a:ext>
+            </a:extLst>
+          </p:cNvPr>
+          <p:cNvSpPr>
+            <a:spLocks noGrp="1"/>
+          </p:cNvSpPr>
+          <p:nvPr>
+            <p:ph type="title"/>
+          </p:nvPr>
+        </p:nvSpPr>
+        <p:spPr>
+          <a:xfrm>
+            <a:off x="1066799" y="-376048"/>
+            <a:ext cx="10058400" cy="1450757"/>
+          </a:xfrm>
+        </p:spPr>
+        <p:txBody>
+          <a:bodyPr/>
+          <a:lstStyle/>
+          <a:p>
+            <a:r>
+              <a:rPr lang="en-US" dirty="0"/>
               <a:t>Talent Pool - Labor Force </a:t>
             </a:r>
           </a:p>
@@ -4084,7 +4229,7 @@
 </p:sld>
 </file>
 
-<file path=ppt/slides/slide11.xml><?xml version="1.0" encoding="utf-8"?>
+<file path=ppt/slides/slide12.xml><?xml version="1.0" encoding="utf-8"?>
 <p:sld xmlns:a="http://schemas.openxmlformats.org/drawingml/2006/main" xmlns:r="http://schemas.openxmlformats.org/officeDocument/2006/relationships" xmlns:p="http://schemas.openxmlformats.org/presentationml/2006/main">
   <p:cSld>
     <p:spTree>
@@ -4261,7 +4406,7 @@
 </p:sld>
 </file>
 
-<file path=ppt/slides/slide12.xml><?xml version="1.0" encoding="utf-8"?>
+<file path=ppt/slides/slide13.xml><?xml version="1.0" encoding="utf-8"?>
 <p:sld xmlns:a="http://schemas.openxmlformats.org/drawingml/2006/main" xmlns:r="http://schemas.openxmlformats.org/officeDocument/2006/relationships" xmlns:p="http://schemas.openxmlformats.org/presentationml/2006/main">
   <p:cSld>
     <p:spTree>
@@ -4402,7 +4547,7 @@
 </p:sld>
 </file>
 
-<file path=ppt/slides/slide13.xml><?xml version="1.0" encoding="utf-8"?>
+<file path=ppt/slides/slide14.xml><?xml version="1.0" encoding="utf-8"?>
 <p:sld xmlns:a="http://schemas.openxmlformats.org/drawingml/2006/main" xmlns:r="http://schemas.openxmlformats.org/officeDocument/2006/relationships" xmlns:p="http://schemas.openxmlformats.org/presentationml/2006/main">
   <p:cSld>
     <p:spTree>
@@ -4543,93 +4688,6 @@
 </p:sld>
 </file>
 
-<file path=ppt/slides/slide14.xml><?xml version="1.0" encoding="utf-8"?>
-<p:sld xmlns:a="http://schemas.openxmlformats.org/drawingml/2006/main" xmlns:r="http://schemas.openxmlformats.org/officeDocument/2006/relationships" xmlns:p="http://schemas.openxmlformats.org/presentationml/2006/main">
-  <p:cSld>
-    <p:spTree>
-      <p:nvGrpSpPr>
-        <p:cNvPr id="1" name=""/>
-        <p:cNvGrpSpPr/>
-        <p:nvPr/>
-      </p:nvGrpSpPr>
-      <p:grpSpPr>
-        <a:xfrm>
-          <a:off x="0" y="0"/>
-          <a:ext cx="0" cy="0"/>
-          <a:chOff x="0" y="0"/>
-          <a:chExt cx="0" cy="0"/>
-        </a:xfrm>
-      </p:grpSpPr>
-      <p:sp>
-        <p:nvSpPr>
-          <p:cNvPr id="2" name="Title 1">
-            <a:extLst>
-              <a:ext uri="{FF2B5EF4-FFF2-40B4-BE49-F238E27FC236}">
-                <a16:creationId xmlns:a16="http://schemas.microsoft.com/office/drawing/2014/main" id="{390EB264-3883-41F9-BACB-285D2229980C}"/>
-              </a:ext>
-            </a:extLst>
-          </p:cNvPr>
-          <p:cNvSpPr>
-            <a:spLocks noGrp="1"/>
-          </p:cNvSpPr>
-          <p:nvPr>
-            <p:ph type="title"/>
-          </p:nvPr>
-        </p:nvSpPr>
-        <p:spPr/>
-        <p:txBody>
-          <a:bodyPr/>
-          <a:lstStyle/>
-          <a:p>
-            <a:r>
-              <a:rPr lang="en-US" dirty="0"/>
-              <a:t>Findings </a:t>
-            </a:r>
-          </a:p>
-        </p:txBody>
-      </p:sp>
-      <p:sp>
-        <p:nvSpPr>
-          <p:cNvPr id="3" name="Content Placeholder 2">
-            <a:extLst>
-              <a:ext uri="{FF2B5EF4-FFF2-40B4-BE49-F238E27FC236}">
-                <a16:creationId xmlns:a16="http://schemas.microsoft.com/office/drawing/2014/main" id="{BEC8BDDB-FD44-4EB6-BE27-4A708B75BDAB}"/>
-              </a:ext>
-            </a:extLst>
-          </p:cNvPr>
-          <p:cNvSpPr>
-            <a:spLocks noGrp="1"/>
-          </p:cNvSpPr>
-          <p:nvPr>
-            <p:ph idx="1"/>
-          </p:nvPr>
-        </p:nvSpPr>
-        <p:spPr/>
-        <p:txBody>
-          <a:bodyPr/>
-          <a:lstStyle/>
-          <a:p>
-            <a:pPr>
-              <a:buFont typeface="Wingdings" panose="05000000000000000000" pitchFamily="2" charset="2"/>
-              <a:buChar char="§"/>
-            </a:pPr>
-            <a:endParaRPr lang="en-US" dirty="0"/>
-          </a:p>
-        </p:txBody>
-      </p:sp>
-    </p:spTree>
-    <p:extLst>
-      <p:ext uri="{BB962C8B-B14F-4D97-AF65-F5344CB8AC3E}">
-        <p14:creationId xmlns:p14="http://schemas.microsoft.com/office/powerpoint/2010/main" val="1806114423"/>
-      </p:ext>
-    </p:extLst>
-  </p:cSld>
-  <p:clrMapOvr>
-    <a:masterClrMapping/>
-  </p:clrMapOvr>
-</p:sld>
-</file>
-
 <file path=ppt/slides/slide15.xml><?xml version="1.0" encoding="utf-8"?>
 <p:sld xmlns:a="http://schemas.openxmlformats.org/drawingml/2006/main" xmlns:r="http://schemas.openxmlformats.org/officeDocument/2006/relationships" xmlns:p="http://schemas.openxmlformats.org/presentationml/2006/main">
   <p:cSld>
@@ -4670,7 +4728,7 @@
           <a:p>
             <a:r>
               <a:rPr lang="en-US" dirty="0"/>
-              <a:t>Lessons learnt </a:t>
+              <a:t>Findings </a:t>
             </a:r>
           </a:p>
         </p:txBody>
@@ -4696,6 +4754,93 @@
           <a:bodyPr/>
           <a:lstStyle/>
           <a:p>
+            <a:pPr>
+              <a:buFont typeface="Wingdings" panose="05000000000000000000" pitchFamily="2" charset="2"/>
+              <a:buChar char="§"/>
+            </a:pPr>
+            <a:endParaRPr lang="en-US" dirty="0"/>
+          </a:p>
+        </p:txBody>
+      </p:sp>
+    </p:spTree>
+    <p:extLst>
+      <p:ext uri="{BB962C8B-B14F-4D97-AF65-F5344CB8AC3E}">
+        <p14:creationId xmlns:p14="http://schemas.microsoft.com/office/powerpoint/2010/main" val="1806114423"/>
+      </p:ext>
+    </p:extLst>
+  </p:cSld>
+  <p:clrMapOvr>
+    <a:masterClrMapping/>
+  </p:clrMapOvr>
+</p:sld>
+</file>
+
+<file path=ppt/slides/slide16.xml><?xml version="1.0" encoding="utf-8"?>
+<p:sld xmlns:a="http://schemas.openxmlformats.org/drawingml/2006/main" xmlns:r="http://schemas.openxmlformats.org/officeDocument/2006/relationships" xmlns:p="http://schemas.openxmlformats.org/presentationml/2006/main">
+  <p:cSld>
+    <p:spTree>
+      <p:nvGrpSpPr>
+        <p:cNvPr id="1" name=""/>
+        <p:cNvGrpSpPr/>
+        <p:nvPr/>
+      </p:nvGrpSpPr>
+      <p:grpSpPr>
+        <a:xfrm>
+          <a:off x="0" y="0"/>
+          <a:ext cx="0" cy="0"/>
+          <a:chOff x="0" y="0"/>
+          <a:chExt cx="0" cy="0"/>
+        </a:xfrm>
+      </p:grpSpPr>
+      <p:sp>
+        <p:nvSpPr>
+          <p:cNvPr id="2" name="Title 1">
+            <a:extLst>
+              <a:ext uri="{FF2B5EF4-FFF2-40B4-BE49-F238E27FC236}">
+                <a16:creationId xmlns:a16="http://schemas.microsoft.com/office/drawing/2014/main" id="{390EB264-3883-41F9-BACB-285D2229980C}"/>
+              </a:ext>
+            </a:extLst>
+          </p:cNvPr>
+          <p:cNvSpPr>
+            <a:spLocks noGrp="1"/>
+          </p:cNvSpPr>
+          <p:nvPr>
+            <p:ph type="title"/>
+          </p:nvPr>
+        </p:nvSpPr>
+        <p:spPr/>
+        <p:txBody>
+          <a:bodyPr/>
+          <a:lstStyle/>
+          <a:p>
+            <a:r>
+              <a:rPr lang="en-US" dirty="0"/>
+              <a:t>Lessons learnt </a:t>
+            </a:r>
+          </a:p>
+        </p:txBody>
+      </p:sp>
+      <p:sp>
+        <p:nvSpPr>
+          <p:cNvPr id="3" name="Content Placeholder 2">
+            <a:extLst>
+              <a:ext uri="{FF2B5EF4-FFF2-40B4-BE49-F238E27FC236}">
+                <a16:creationId xmlns:a16="http://schemas.microsoft.com/office/drawing/2014/main" id="{BEC8BDDB-FD44-4EB6-BE27-4A708B75BDAB}"/>
+              </a:ext>
+            </a:extLst>
+          </p:cNvPr>
+          <p:cNvSpPr>
+            <a:spLocks noGrp="1"/>
+          </p:cNvSpPr>
+          <p:nvPr>
+            <p:ph idx="1"/>
+          </p:nvPr>
+        </p:nvSpPr>
+        <p:spPr/>
+        <p:txBody>
+          <a:bodyPr/>
+          <a:lstStyle/>
+          <a:p>
             <a:endParaRPr lang="en-US" dirty="0"/>
           </a:p>
         </p:txBody>
@@ -4704,6 +4849,369 @@
     <p:extLst>
       <p:ext uri="{BB962C8B-B14F-4D97-AF65-F5344CB8AC3E}">
         <p14:creationId xmlns:p14="http://schemas.microsoft.com/office/powerpoint/2010/main" val="1639100815"/>
+      </p:ext>
+    </p:extLst>
+  </p:cSld>
+  <p:clrMapOvr>
+    <a:masterClrMapping/>
+  </p:clrMapOvr>
+</p:sld>
+</file>
+
+<file path=ppt/slides/slide17.xml><?xml version="1.0" encoding="utf-8"?>
+<p:sld xmlns:a="http://schemas.openxmlformats.org/drawingml/2006/main" xmlns:r="http://schemas.openxmlformats.org/officeDocument/2006/relationships" xmlns:p="http://schemas.openxmlformats.org/presentationml/2006/main">
+  <p:cSld>
+    <p:spTree>
+      <p:nvGrpSpPr>
+        <p:cNvPr id="1" name=""/>
+        <p:cNvGrpSpPr/>
+        <p:nvPr/>
+      </p:nvGrpSpPr>
+      <p:grpSpPr>
+        <a:xfrm>
+          <a:off x="0" y="0"/>
+          <a:ext cx="0" cy="0"/>
+          <a:chOff x="0" y="0"/>
+          <a:chExt cx="0" cy="0"/>
+        </a:xfrm>
+      </p:grpSpPr>
+      <p:sp>
+        <p:nvSpPr>
+          <p:cNvPr id="2" name="Title 1">
+            <a:extLst>
+              <a:ext uri="{FF2B5EF4-FFF2-40B4-BE49-F238E27FC236}">
+                <a16:creationId xmlns:a16="http://schemas.microsoft.com/office/drawing/2014/main" id="{62B031C5-C960-5B4D-8E2C-2D0F0A1B9FA1}"/>
+              </a:ext>
+            </a:extLst>
+          </p:cNvPr>
+          <p:cNvSpPr>
+            <a:spLocks noGrp="1"/>
+          </p:cNvSpPr>
+          <p:nvPr>
+            <p:ph type="title"/>
+          </p:nvPr>
+        </p:nvSpPr>
+        <p:spPr/>
+        <p:txBody>
+          <a:bodyPr/>
+          <a:lstStyle/>
+          <a:p>
+            <a:endParaRPr lang="en-US"/>
+          </a:p>
+        </p:txBody>
+      </p:sp>
+      <p:sp>
+        <p:nvSpPr>
+          <p:cNvPr id="3" name="Content Placeholder 2">
+            <a:extLst>
+              <a:ext uri="{FF2B5EF4-FFF2-40B4-BE49-F238E27FC236}">
+                <a16:creationId xmlns:a16="http://schemas.microsoft.com/office/drawing/2014/main" id="{DBD9B124-9DE5-7043-8650-84022D10B125}"/>
+              </a:ext>
+            </a:extLst>
+          </p:cNvPr>
+          <p:cNvSpPr>
+            <a:spLocks noGrp="1"/>
+          </p:cNvSpPr>
+          <p:nvPr>
+            <p:ph idx="1"/>
+          </p:nvPr>
+        </p:nvSpPr>
+        <p:spPr/>
+        <p:txBody>
+          <a:bodyPr/>
+          <a:lstStyle/>
+          <a:p>
+            <a:endParaRPr lang="en-US"/>
+          </a:p>
+        </p:txBody>
+      </p:sp>
+    </p:spTree>
+    <p:extLst>
+      <p:ext uri="{BB962C8B-B14F-4D97-AF65-F5344CB8AC3E}">
+        <p14:creationId xmlns:p14="http://schemas.microsoft.com/office/powerpoint/2010/main" val="1611496846"/>
+      </p:ext>
+    </p:extLst>
+  </p:cSld>
+  <p:clrMapOvr>
+    <a:masterClrMapping/>
+  </p:clrMapOvr>
+</p:sld>
+</file>
+
+<file path=ppt/slides/slide18.xml><?xml version="1.0" encoding="utf-8"?>
+<p:sld xmlns:a="http://schemas.openxmlformats.org/drawingml/2006/main" xmlns:r="http://schemas.openxmlformats.org/officeDocument/2006/relationships" xmlns:p="http://schemas.openxmlformats.org/presentationml/2006/main">
+  <p:cSld>
+    <p:spTree>
+      <p:nvGrpSpPr>
+        <p:cNvPr id="1" name=""/>
+        <p:cNvGrpSpPr/>
+        <p:nvPr/>
+      </p:nvGrpSpPr>
+      <p:grpSpPr>
+        <a:xfrm>
+          <a:off x="0" y="0"/>
+          <a:ext cx="0" cy="0"/>
+          <a:chOff x="0" y="0"/>
+          <a:chExt cx="0" cy="0"/>
+        </a:xfrm>
+      </p:grpSpPr>
+      <p:sp>
+        <p:nvSpPr>
+          <p:cNvPr id="2" name="Title 1">
+            <a:extLst>
+              <a:ext uri="{FF2B5EF4-FFF2-40B4-BE49-F238E27FC236}">
+                <a16:creationId xmlns:a16="http://schemas.microsoft.com/office/drawing/2014/main" id="{BD461D94-0D0F-0348-95E5-2A357932C23B}"/>
+              </a:ext>
+            </a:extLst>
+          </p:cNvPr>
+          <p:cNvSpPr>
+            <a:spLocks noGrp="1"/>
+          </p:cNvSpPr>
+          <p:nvPr>
+            <p:ph type="title"/>
+          </p:nvPr>
+        </p:nvSpPr>
+        <p:spPr/>
+        <p:txBody>
+          <a:bodyPr/>
+          <a:lstStyle/>
+          <a:p>
+            <a:r>
+              <a:rPr lang="en-US" dirty="0"/>
+              <a:t>Nearby Amenities</a:t>
+            </a:r>
+          </a:p>
+        </p:txBody>
+      </p:sp>
+      <p:sp>
+        <p:nvSpPr>
+          <p:cNvPr id="3" name="Content Placeholder 2">
+            <a:extLst>
+              <a:ext uri="{FF2B5EF4-FFF2-40B4-BE49-F238E27FC236}">
+                <a16:creationId xmlns:a16="http://schemas.microsoft.com/office/drawing/2014/main" id="{0AA20437-69DD-8C47-91EE-5EC495E32373}"/>
+              </a:ext>
+            </a:extLst>
+          </p:cNvPr>
+          <p:cNvSpPr>
+            <a:spLocks noGrp="1"/>
+          </p:cNvSpPr>
+          <p:nvPr>
+            <p:ph idx="1"/>
+          </p:nvPr>
+        </p:nvSpPr>
+        <p:spPr>
+          <a:xfrm>
+            <a:off x="1097280" y="1845734"/>
+            <a:ext cx="10058400" cy="4463626"/>
+          </a:xfrm>
+        </p:spPr>
+        <p:txBody>
+          <a:bodyPr>
+            <a:normAutofit/>
+          </a:bodyPr>
+          <a:lstStyle/>
+          <a:p>
+            <a:r>
+              <a:rPr lang="en-US" sz="1800" dirty="0"/>
+              <a:t>  A. </a:t>
+            </a:r>
+            <a:r>
+              <a:rPr lang="en-US" sz="1800" b="1" i="1" dirty="0"/>
+              <a:t>Emergency Facilities </a:t>
+            </a:r>
+          </a:p>
+          <a:p>
+            <a:pPr lvl="1"/>
+            <a:r>
+              <a:rPr lang="en-US" dirty="0"/>
+              <a:t>How accessible are these facilities in case of mass emergency on/around sites for containing the situation and resuming business asap. Hospitals, Fire Stations, Doctors.</a:t>
+            </a:r>
+          </a:p>
+          <a:p>
+            <a:pPr marL="201168" lvl="1" indent="0">
+              <a:buNone/>
+            </a:pPr>
+            <a:r>
+              <a:rPr lang="en-US" dirty="0"/>
+              <a:t>B. </a:t>
+            </a:r>
+            <a:r>
+              <a:rPr lang="en-US" b="1" i="1" dirty="0"/>
+              <a:t>Accommodation </a:t>
+            </a:r>
+          </a:p>
+          <a:p>
+            <a:pPr lvl="1"/>
+            <a:r>
+              <a:rPr lang="en-US" dirty="0"/>
+              <a:t>Many executive employees travel from outside the city for few days a week and might need lodging facility as close to the company as possible. Also lot of local/not-local employees use vehicle for commute and will need parking nearby. Lodging, Parking.</a:t>
+            </a:r>
+          </a:p>
+          <a:p>
+            <a:pPr marL="201168" lvl="1" indent="0">
+              <a:buNone/>
+            </a:pPr>
+            <a:r>
+              <a:rPr lang="en-US" dirty="0"/>
+              <a:t>C. </a:t>
+            </a:r>
+            <a:r>
+              <a:rPr lang="en-US" b="1" i="1" dirty="0"/>
+              <a:t>Refreshments </a:t>
+            </a:r>
+          </a:p>
+          <a:p>
+            <a:pPr lvl="1"/>
+            <a:r>
+              <a:rPr lang="en-US" dirty="0"/>
+              <a:t>Basic Refreshment facilities. Café, Restaurants.</a:t>
+            </a:r>
+          </a:p>
+          <a:p>
+            <a:pPr marL="201168" lvl="1" indent="0">
+              <a:buNone/>
+            </a:pPr>
+            <a:r>
+              <a:rPr lang="en-US" dirty="0"/>
+              <a:t>D. </a:t>
+            </a:r>
+            <a:r>
+              <a:rPr lang="en-US" b="1" i="1" dirty="0"/>
+              <a:t>Basic Errands/appointments</a:t>
+            </a:r>
+          </a:p>
+          <a:p>
+            <a:pPr lvl="1"/>
+            <a:r>
+              <a:rPr lang="en-US" dirty="0"/>
+              <a:t>By large employees tend to take care of daily errands and appointments in lunch breaks or before/after work hours and prefer it to be as close to work as possible for obvious reasons. Super markets, Post Office, Doctor.</a:t>
+            </a:r>
+          </a:p>
+          <a:p>
+            <a:pPr marL="201168" lvl="1" indent="0">
+              <a:buNone/>
+            </a:pPr>
+            <a:r>
+              <a:rPr lang="en-US" dirty="0"/>
+              <a:t>E. </a:t>
+            </a:r>
+            <a:r>
+              <a:rPr lang="en-US" b="1" i="1" dirty="0"/>
+              <a:t>Fitness </a:t>
+            </a:r>
+          </a:p>
+          <a:p>
+            <a:pPr lvl="1"/>
+            <a:r>
+              <a:rPr lang="en-US" dirty="0"/>
+              <a:t>Fitness is top on priority list for a significant amount of employees now a days. Gym.</a:t>
+            </a:r>
+          </a:p>
+        </p:txBody>
+      </p:sp>
+    </p:spTree>
+    <p:extLst>
+      <p:ext uri="{BB962C8B-B14F-4D97-AF65-F5344CB8AC3E}">
+        <p14:creationId xmlns:p14="http://schemas.microsoft.com/office/powerpoint/2010/main" val="660619397"/>
+      </p:ext>
+    </p:extLst>
+  </p:cSld>
+  <p:clrMapOvr>
+    <a:masterClrMapping/>
+  </p:clrMapOvr>
+</p:sld>
+</file>
+
+<file path=ppt/slides/slide19.xml><?xml version="1.0" encoding="utf-8"?>
+<p:sld xmlns:a="http://schemas.openxmlformats.org/drawingml/2006/main" xmlns:r="http://schemas.openxmlformats.org/officeDocument/2006/relationships" xmlns:p="http://schemas.openxmlformats.org/presentationml/2006/main">
+  <p:cSld>
+    <p:spTree>
+      <p:nvGrpSpPr>
+        <p:cNvPr id="1" name=""/>
+        <p:cNvGrpSpPr/>
+        <p:nvPr/>
+      </p:nvGrpSpPr>
+      <p:grpSpPr>
+        <a:xfrm>
+          <a:off x="0" y="0"/>
+          <a:ext cx="0" cy="0"/>
+          <a:chOff x="0" y="0"/>
+          <a:chExt cx="0" cy="0"/>
+        </a:xfrm>
+      </p:grpSpPr>
+      <p:pic>
+        <p:nvPicPr>
+          <p:cNvPr id="5" name="Content Placeholder 4">
+            <a:extLst>
+              <a:ext uri="{FF2B5EF4-FFF2-40B4-BE49-F238E27FC236}">
+                <a16:creationId xmlns:a16="http://schemas.microsoft.com/office/drawing/2014/main" id="{E68C87D7-7462-FC4E-AD8D-476C5861BE45}"/>
+              </a:ext>
+            </a:extLst>
+          </p:cNvPr>
+          <p:cNvPicPr>
+            <a:picLocks noGrp="1" noChangeAspect="1"/>
+          </p:cNvPicPr>
+          <p:nvPr>
+            <p:ph idx="1"/>
+          </p:nvPr>
+        </p:nvPicPr>
+        <p:blipFill rotWithShape="1">
+          <a:blip r:embed="rId2">
+            <a:extLst>
+              <a:ext uri="{28A0092B-C50C-407E-A947-70E740481C1C}">
+                <a14:useLocalDpi xmlns:a14="http://schemas.microsoft.com/office/drawing/2010/main" val="0"/>
+              </a:ext>
+            </a:extLst>
+          </a:blip>
+          <a:srcRect b="5163"/>
+          <a:stretch/>
+        </p:blipFill>
+        <p:spPr>
+          <a:xfrm>
+            <a:off x="1497330" y="3371850"/>
+            <a:ext cx="8341355" cy="2948940"/>
+          </a:xfrm>
+        </p:spPr>
+      </p:pic>
+      <p:pic>
+        <p:nvPicPr>
+          <p:cNvPr id="10" name="Picture 9">
+            <a:extLst>
+              <a:ext uri="{FF2B5EF4-FFF2-40B4-BE49-F238E27FC236}">
+                <a16:creationId xmlns:a16="http://schemas.microsoft.com/office/drawing/2014/main" id="{68C90698-9174-B640-B74F-58469ECFAFB4}"/>
+              </a:ext>
+            </a:extLst>
+          </p:cNvPr>
+          <p:cNvPicPr>
+            <a:picLocks noChangeAspect="1"/>
+          </p:cNvPicPr>
+          <p:nvPr/>
+        </p:nvPicPr>
+        <p:blipFill rotWithShape="1">
+          <a:blip r:embed="rId3">
+            <a:extLst>
+              <a:ext uri="{28A0092B-C50C-407E-A947-70E740481C1C}">
+                <a14:useLocalDpi xmlns:a14="http://schemas.microsoft.com/office/drawing/2010/main" val="0"/>
+              </a:ext>
+            </a:extLst>
+          </a:blip>
+          <a:srcRect b="4789"/>
+          <a:stretch/>
+        </p:blipFill>
+        <p:spPr>
+          <a:xfrm>
+            <a:off x="1497330" y="0"/>
+            <a:ext cx="8469630" cy="3009085"/>
+          </a:xfrm>
+          <a:prstGeom prst="rect">
+            <a:avLst/>
+          </a:prstGeom>
+        </p:spPr>
+      </p:pic>
+    </p:spTree>
+    <p:extLst>
+      <p:ext uri="{BB962C8B-B14F-4D97-AF65-F5344CB8AC3E}">
+        <p14:creationId xmlns:p14="http://schemas.microsoft.com/office/powerpoint/2010/main" val="3344394509"/>
       </p:ext>
     </p:extLst>
   </p:cSld>
@@ -4730,12 +5238,48 @@
           <a:chExt cx="0" cy="0"/>
         </a:xfrm>
       </p:grpSpPr>
+      <p:pic>
+        <p:nvPicPr>
+          <p:cNvPr id="5" name="Picture 4">
+            <a:extLst>
+              <a:ext uri="{FF2B5EF4-FFF2-40B4-BE49-F238E27FC236}">
+                <a16:creationId xmlns:a16="http://schemas.microsoft.com/office/drawing/2014/main" id="{06C0ABB1-7187-094A-8DAB-40D99DA19870}"/>
+              </a:ext>
+            </a:extLst>
+          </p:cNvPr>
+          <p:cNvPicPr>
+            <a:picLocks noChangeAspect="1"/>
+          </p:cNvPicPr>
+          <p:nvPr/>
+        </p:nvPicPr>
+        <p:blipFill rotWithShape="1">
+          <a:blip r:embed="rId2">
+            <a:alphaModFix amt="15000"/>
+            <a:extLst>
+              <a:ext uri="{28A0092B-C50C-407E-A947-70E740481C1C}">
+                <a14:useLocalDpi xmlns:a14="http://schemas.microsoft.com/office/drawing/2010/main" val="0"/>
+              </a:ext>
+            </a:extLst>
+          </a:blip>
+          <a:srcRect l="13008" t="17665" r="9506" b="6167"/>
+          <a:stretch/>
+        </p:blipFill>
+        <p:spPr>
+          <a:xfrm>
+            <a:off x="502920" y="0"/>
+            <a:ext cx="11235690" cy="6217150"/>
+          </a:xfrm>
+          <a:prstGeom prst="rect">
+            <a:avLst/>
+          </a:prstGeom>
+        </p:spPr>
+      </p:pic>
       <p:sp>
         <p:nvSpPr>
           <p:cNvPr id="2" name="Title 1">
             <a:extLst>
               <a:ext uri="{FF2B5EF4-FFF2-40B4-BE49-F238E27FC236}">
-                <a16:creationId xmlns:a16="http://schemas.microsoft.com/office/drawing/2014/main" id="{390EB264-3883-41F9-BACB-285D2229980C}"/>
+                <a16:creationId xmlns:a16="http://schemas.microsoft.com/office/drawing/2014/main" id="{B41C06A5-EFAB-4E81-BE16-8703E062FAC9}"/>
               </a:ext>
             </a:extLst>
           </p:cNvPr>
@@ -4743,27 +5287,32 @@
             <a:spLocks noGrp="1"/>
           </p:cNvSpPr>
           <p:nvPr>
-            <p:ph type="title"/>
-          </p:nvPr>
-        </p:nvSpPr>
-        <p:spPr/>
+            <p:ph type="ctrTitle"/>
+          </p:nvPr>
+        </p:nvSpPr>
+        <p:spPr>
+          <a:xfrm>
+            <a:off x="1097280" y="758952"/>
+            <a:ext cx="10058400" cy="3566160"/>
+          </a:xfrm>
+        </p:spPr>
         <p:txBody>
           <a:bodyPr/>
           <a:lstStyle/>
           <a:p>
             <a:r>
               <a:rPr lang="en-US" dirty="0"/>
-              <a:t>The $5 Billion Question</a:t>
-            </a:r>
-          </a:p>
-        </p:txBody>
-      </p:sp>
-      <p:sp>
-        <p:nvSpPr>
-          <p:cNvPr id="3" name="Content Placeholder 2">
+              <a:t>Pick Me Amazon!</a:t>
+            </a:r>
+          </a:p>
+        </p:txBody>
+      </p:sp>
+      <p:sp>
+        <p:nvSpPr>
+          <p:cNvPr id="3" name="Subtitle 2">
             <a:extLst>
               <a:ext uri="{FF2B5EF4-FFF2-40B4-BE49-F238E27FC236}">
-                <a16:creationId xmlns:a16="http://schemas.microsoft.com/office/drawing/2014/main" id="{BEC8BDDB-FD44-4EB6-BE27-4A708B75BDAB}"/>
+                <a16:creationId xmlns:a16="http://schemas.microsoft.com/office/drawing/2014/main" id="{16514017-9304-4743-9F53-4DA92C050D17}"/>
               </a:ext>
             </a:extLst>
           </p:cNvPr>
@@ -4771,84 +5320,61 @@
             <a:spLocks noGrp="1"/>
           </p:cNvSpPr>
           <p:nvPr>
-            <p:ph idx="1"/>
-          </p:nvPr>
-        </p:nvSpPr>
-        <p:spPr>
-          <a:xfrm>
-            <a:off x="1084923" y="1845734"/>
-            <a:ext cx="10058400" cy="4023360"/>
-          </a:xfrm>
-        </p:spPr>
-        <p:txBody>
-          <a:bodyPr/>
-          <a:lstStyle/>
-          <a:p>
-            <a:pPr marL="0" indent="0">
-              <a:buNone/>
-            </a:pPr>
-            <a:r>
-              <a:rPr lang="en-US" sz="3200" dirty="0"/>
-              <a:t>Cities across the U.S are competing to attract Amazon’s second head quarters which would bring </a:t>
-            </a:r>
-            <a:r>
-              <a:rPr lang="en-US" sz="3200" b="1" dirty="0"/>
-              <a:t>50,000 jobs </a:t>
-            </a:r>
-            <a:r>
-              <a:rPr lang="en-US" sz="3200" dirty="0"/>
-              <a:t>and </a:t>
-            </a:r>
-            <a:r>
-              <a:rPr lang="en-US" sz="3200" b="1" dirty="0"/>
-              <a:t>$5 billion investment</a:t>
-            </a:r>
-            <a:r>
-              <a:rPr lang="en-US" sz="3200" dirty="0"/>
-              <a:t>. Out of the original 238 cities, 20 cities made it the final cut.</a:t>
-            </a:r>
-          </a:p>
-          <a:p>
-            <a:pPr marL="0" indent="0">
-              <a:buNone/>
-            </a:pPr>
-            <a:r>
-              <a:rPr lang="en-US" sz="3200" dirty="0"/>
-              <a:t>If Amazon were a person (</a:t>
-            </a:r>
-            <a:r>
-              <a:rPr lang="en-US" sz="3200" dirty="0">
-                <a:solidFill>
-                  <a:schemeClr val="accent1">
-                    <a:lumMod val="75000"/>
-                  </a:schemeClr>
-                </a:solidFill>
-              </a:rPr>
-              <a:t>Yes…corporations are people!) </a:t>
-            </a:r>
-            <a:r>
-              <a:rPr lang="en-US" sz="3200" dirty="0"/>
-              <a:t>which city should he choose? </a:t>
-            </a:r>
-          </a:p>
-          <a:p>
-            <a:pPr marL="0" indent="0">
-              <a:buNone/>
-            </a:pPr>
-            <a:r>
-              <a:rPr lang="en-US" sz="3200" dirty="0"/>
-              <a:t>We are here to help!</a:t>
-            </a:r>
-          </a:p>
-          <a:p>
-            <a:pPr marL="0" indent="0">
-              <a:buNone/>
-            </a:pPr>
-            <a:endParaRPr lang="en-US" dirty="0"/>
-          </a:p>
-          <a:p>
-            <a:endParaRPr lang="en-US" dirty="0"/>
-          </a:p>
+            <p:ph type="subTitle" idx="1"/>
+          </p:nvPr>
+        </p:nvSpPr>
+        <p:spPr>
+          <a:xfrm>
+            <a:off x="1100051" y="4455620"/>
+            <a:ext cx="10058400" cy="1143000"/>
+          </a:xfrm>
+        </p:spPr>
+        <p:txBody>
+          <a:bodyPr>
+            <a:normAutofit fontScale="92500"/>
+          </a:bodyPr>
+          <a:lstStyle/>
+          <a:p>
+            <a:r>
+              <a:rPr lang="en-US" sz="3000" b="1" dirty="0"/>
+              <a:t>Project 1 – UCB-DATA ANLYTICS BOOTCAMP</a:t>
+            </a:r>
+          </a:p>
+          <a:p>
+            <a:r>
+              <a:rPr lang="en-US" b="1" dirty="0"/>
+              <a:t>Guirlyn V Olivar, Helen LeAO, Indrani Kompella and Niyati Desai</a:t>
+            </a:r>
+          </a:p>
+        </p:txBody>
+      </p:sp>
+      <p:sp>
+        <p:nvSpPr>
+          <p:cNvPr id="6" name="TextBox 5">
+            <a:extLst>
+              <a:ext uri="{FF2B5EF4-FFF2-40B4-BE49-F238E27FC236}">
+                <a16:creationId xmlns:a16="http://schemas.microsoft.com/office/drawing/2014/main" id="{016AAC0F-C33A-034E-90E8-8BDFD51AC1BE}"/>
+              </a:ext>
+            </a:extLst>
+          </p:cNvPr>
+          <p:cNvSpPr txBox="1"/>
+          <p:nvPr/>
+        </p:nvSpPr>
+        <p:spPr>
+          <a:xfrm>
+            <a:off x="12070080" y="2743200"/>
+            <a:ext cx="184731" cy="369332"/>
+          </a:xfrm>
+          <a:prstGeom prst="rect">
+            <a:avLst/>
+          </a:prstGeom>
+          <a:noFill/>
+        </p:spPr>
+        <p:txBody>
+          <a:bodyPr wrap="none" rtlCol="0">
+            <a:spAutoFit/>
+          </a:bodyPr>
+          <a:lstStyle/>
           <a:p>
             <a:endParaRPr lang="en-US" dirty="0"/>
           </a:p>
@@ -4857,7 +5383,252 @@
     </p:spTree>
     <p:extLst>
       <p:ext uri="{BB962C8B-B14F-4D97-AF65-F5344CB8AC3E}">
-        <p14:creationId xmlns:p14="http://schemas.microsoft.com/office/powerpoint/2010/main" val="71064535"/>
+        <p14:creationId xmlns:p14="http://schemas.microsoft.com/office/powerpoint/2010/main" val="2713940244"/>
+      </p:ext>
+    </p:extLst>
+  </p:cSld>
+  <p:clrMapOvr>
+    <a:masterClrMapping/>
+  </p:clrMapOvr>
+</p:sld>
+</file>
+
+<file path=ppt/slides/slide20.xml><?xml version="1.0" encoding="utf-8"?>
+<p:sld xmlns:a="http://schemas.openxmlformats.org/drawingml/2006/main" xmlns:r="http://schemas.openxmlformats.org/officeDocument/2006/relationships" xmlns:p="http://schemas.openxmlformats.org/presentationml/2006/main">
+  <p:cSld>
+    <p:spTree>
+      <p:nvGrpSpPr>
+        <p:cNvPr id="1" name=""/>
+        <p:cNvGrpSpPr/>
+        <p:nvPr/>
+      </p:nvGrpSpPr>
+      <p:grpSpPr>
+        <a:xfrm>
+          <a:off x="0" y="0"/>
+          <a:ext cx="0" cy="0"/>
+          <a:chOff x="0" y="0"/>
+          <a:chExt cx="0" cy="0"/>
+        </a:xfrm>
+      </p:grpSpPr>
+      <p:pic>
+        <p:nvPicPr>
+          <p:cNvPr id="5" name="Content Placeholder 4">
+            <a:extLst>
+              <a:ext uri="{FF2B5EF4-FFF2-40B4-BE49-F238E27FC236}">
+                <a16:creationId xmlns:a16="http://schemas.microsoft.com/office/drawing/2014/main" id="{36B990E2-5C8A-CE4F-BA1B-9615A1BA1A1D}"/>
+              </a:ext>
+            </a:extLst>
+          </p:cNvPr>
+          <p:cNvPicPr>
+            <a:picLocks noGrp="1" noChangeAspect="1"/>
+          </p:cNvPicPr>
+          <p:nvPr>
+            <p:ph idx="1"/>
+          </p:nvPr>
+        </p:nvPicPr>
+        <p:blipFill rotWithShape="1">
+          <a:blip r:embed="rId2">
+            <a:extLst>
+              <a:ext uri="{28A0092B-C50C-407E-A947-70E740481C1C}">
+                <a14:useLocalDpi xmlns:a14="http://schemas.microsoft.com/office/drawing/2010/main" val="0"/>
+              </a:ext>
+            </a:extLst>
+          </a:blip>
+          <a:srcRect t="7541" b="6508"/>
+          <a:stretch/>
+        </p:blipFill>
+        <p:spPr>
+          <a:xfrm>
+            <a:off x="2155741" y="3636493"/>
+            <a:ext cx="8089879" cy="2594610"/>
+          </a:xfrm>
+        </p:spPr>
+      </p:pic>
+      <p:pic>
+        <p:nvPicPr>
+          <p:cNvPr id="7" name="Picture 6">
+            <a:extLst>
+              <a:ext uri="{FF2B5EF4-FFF2-40B4-BE49-F238E27FC236}">
+                <a16:creationId xmlns:a16="http://schemas.microsoft.com/office/drawing/2014/main" id="{F0B7390A-C610-2B43-8DC6-788A9A6E46F5}"/>
+              </a:ext>
+            </a:extLst>
+          </p:cNvPr>
+          <p:cNvPicPr>
+            <a:picLocks noChangeAspect="1"/>
+          </p:cNvPicPr>
+          <p:nvPr/>
+        </p:nvPicPr>
+        <p:blipFill rotWithShape="1">
+          <a:blip r:embed="rId3">
+            <a:extLst>
+              <a:ext uri="{28A0092B-C50C-407E-A947-70E740481C1C}">
+                <a14:useLocalDpi xmlns:a14="http://schemas.microsoft.com/office/drawing/2010/main" val="0"/>
+              </a:ext>
+            </a:extLst>
+          </a:blip>
+          <a:srcRect t="7157" r="-1893" b="5449"/>
+          <a:stretch/>
+        </p:blipFill>
+        <p:spPr>
+          <a:xfrm>
+            <a:off x="-1" y="1003783"/>
+            <a:ext cx="6905953" cy="2208047"/>
+          </a:xfrm>
+          <a:prstGeom prst="rect">
+            <a:avLst/>
+          </a:prstGeom>
+        </p:spPr>
+      </p:pic>
+      <p:pic>
+        <p:nvPicPr>
+          <p:cNvPr id="9" name="Picture 8">
+            <a:extLst>
+              <a:ext uri="{FF2B5EF4-FFF2-40B4-BE49-F238E27FC236}">
+                <a16:creationId xmlns:a16="http://schemas.microsoft.com/office/drawing/2014/main" id="{EB8C8D5D-5AF2-7D40-8967-2B74C36CFC4D}"/>
+              </a:ext>
+            </a:extLst>
+          </p:cNvPr>
+          <p:cNvPicPr>
+            <a:picLocks noChangeAspect="1"/>
+          </p:cNvPicPr>
+          <p:nvPr/>
+        </p:nvPicPr>
+        <p:blipFill rotWithShape="1">
+          <a:blip r:embed="rId4">
+            <a:extLst>
+              <a:ext uri="{28A0092B-C50C-407E-A947-70E740481C1C}">
+                <a14:useLocalDpi xmlns:a14="http://schemas.microsoft.com/office/drawing/2010/main" val="0"/>
+              </a:ext>
+            </a:extLst>
+          </a:blip>
+          <a:srcRect l="7238" t="11981" r="8057" b="6871"/>
+          <a:stretch/>
+        </p:blipFill>
+        <p:spPr>
+          <a:xfrm>
+            <a:off x="6767722" y="615163"/>
+            <a:ext cx="5416658" cy="2594610"/>
+          </a:xfrm>
+          <a:prstGeom prst="rect">
+            <a:avLst/>
+          </a:prstGeom>
+        </p:spPr>
+      </p:pic>
+      <p:sp>
+        <p:nvSpPr>
+          <p:cNvPr id="10" name="TextBox 9">
+            <a:extLst>
+              <a:ext uri="{FF2B5EF4-FFF2-40B4-BE49-F238E27FC236}">
+                <a16:creationId xmlns:a16="http://schemas.microsoft.com/office/drawing/2014/main" id="{0BA7F892-9743-8143-96D2-F33A666E5F12}"/>
+              </a:ext>
+            </a:extLst>
+          </p:cNvPr>
+          <p:cNvSpPr txBox="1"/>
+          <p:nvPr/>
+        </p:nvSpPr>
+        <p:spPr>
+          <a:xfrm>
+            <a:off x="8375012" y="338164"/>
+            <a:ext cx="2202078" cy="276999"/>
+          </a:xfrm>
+          <a:prstGeom prst="rect">
+            <a:avLst/>
+          </a:prstGeom>
+          <a:noFill/>
+        </p:spPr>
+        <p:txBody>
+          <a:bodyPr wrap="none" rtlCol="0">
+            <a:spAutoFit/>
+          </a:bodyPr>
+          <a:lstStyle/>
+          <a:p>
+            <a:r>
+              <a:rPr lang="en-US" sz="1200" b="1" dirty="0">
+                <a:latin typeface="Arial Rounded MT Bold" panose="020F0704030504030204" pitchFamily="34" charset="77"/>
+              </a:rPr>
+              <a:t>City Refreshments Ranking</a:t>
+            </a:r>
+          </a:p>
+        </p:txBody>
+      </p:sp>
+      <p:sp>
+        <p:nvSpPr>
+          <p:cNvPr id="11" name="TextBox 10">
+            <a:extLst>
+              <a:ext uri="{FF2B5EF4-FFF2-40B4-BE49-F238E27FC236}">
+                <a16:creationId xmlns:a16="http://schemas.microsoft.com/office/drawing/2014/main" id="{E4867827-C2BD-3A44-9CDA-CADE25064467}"/>
+              </a:ext>
+            </a:extLst>
+          </p:cNvPr>
+          <p:cNvSpPr txBox="1"/>
+          <p:nvPr/>
+        </p:nvSpPr>
+        <p:spPr>
+          <a:xfrm>
+            <a:off x="1257932" y="341974"/>
+            <a:ext cx="2043060" cy="276999"/>
+          </a:xfrm>
+          <a:prstGeom prst="rect">
+            <a:avLst/>
+          </a:prstGeom>
+          <a:noFill/>
+        </p:spPr>
+        <p:txBody>
+          <a:bodyPr wrap="none" rtlCol="0">
+            <a:spAutoFit/>
+          </a:bodyPr>
+          <a:lstStyle/>
+          <a:p>
+            <a:r>
+              <a:rPr lang="en-US" sz="1200" b="1" dirty="0">
+                <a:latin typeface="Arial Rounded MT Bold" panose="020F0704030504030204" pitchFamily="34" charset="77"/>
+              </a:rPr>
+              <a:t>City Gymnasium Ranking</a:t>
+            </a:r>
+          </a:p>
+        </p:txBody>
+      </p:sp>
+      <p:sp>
+        <p:nvSpPr>
+          <p:cNvPr id="12" name="TextBox 11">
+            <a:extLst>
+              <a:ext uri="{FF2B5EF4-FFF2-40B4-BE49-F238E27FC236}">
+                <a16:creationId xmlns:a16="http://schemas.microsoft.com/office/drawing/2014/main" id="{F9429A70-E256-964E-A767-948DBCB84358}"/>
+              </a:ext>
+            </a:extLst>
+          </p:cNvPr>
+          <p:cNvSpPr txBox="1"/>
+          <p:nvPr/>
+        </p:nvSpPr>
+        <p:spPr>
+          <a:xfrm>
+            <a:off x="4972682" y="3359494"/>
+            <a:ext cx="1758238" cy="276999"/>
+          </a:xfrm>
+          <a:prstGeom prst="rect">
+            <a:avLst/>
+          </a:prstGeom>
+          <a:noFill/>
+        </p:spPr>
+        <p:txBody>
+          <a:bodyPr wrap="none" rtlCol="0">
+            <a:spAutoFit/>
+          </a:bodyPr>
+          <a:lstStyle/>
+          <a:p>
+            <a:r>
+              <a:rPr lang="en-US" sz="1200" b="1" dirty="0">
+                <a:latin typeface="Arial Rounded MT Bold" panose="020F0704030504030204" pitchFamily="34" charset="77"/>
+              </a:rPr>
+              <a:t>City Errands Ranking</a:t>
+            </a:r>
+          </a:p>
+        </p:txBody>
+      </p:sp>
+    </p:spTree>
+    <p:extLst>
+      <p:ext uri="{BB962C8B-B14F-4D97-AF65-F5344CB8AC3E}">
+        <p14:creationId xmlns:p14="http://schemas.microsoft.com/office/powerpoint/2010/main" val="1367037543"/>
       </p:ext>
     </p:extLst>
   </p:cSld>
@@ -4907,7 +5678,7 @@
           <a:p>
             <a:r>
               <a:rPr lang="en-US" dirty="0"/>
-              <a:t>Amazon’s Selection Criteria</a:t>
+              <a:t>The $5 Billion Question</a:t>
             </a:r>
           </a:p>
         </p:txBody>
@@ -4930,166 +5701,88 @@
         </p:nvSpPr>
         <p:spPr>
           <a:xfrm>
-            <a:off x="1097280" y="1468057"/>
-            <a:ext cx="10802277" cy="4819135"/>
-          </a:xfrm>
-        </p:spPr>
-        <p:txBody>
-          <a:bodyPr>
-            <a:normAutofit/>
-          </a:bodyPr>
-          <a:lstStyle/>
-          <a:p>
-            <a:endParaRPr lang="en-US" dirty="0"/>
-          </a:p>
-          <a:p>
-            <a:pPr fontAlgn="base">
-              <a:spcBef>
-                <a:spcPts val="600"/>
-              </a:spcBef>
-              <a:spcAft>
-                <a:spcPts val="0"/>
-              </a:spcAft>
+            <a:off x="1084923" y="1845734"/>
+            <a:ext cx="10058400" cy="4023360"/>
+          </a:xfrm>
+        </p:spPr>
+        <p:txBody>
+          <a:bodyPr/>
+          <a:lstStyle/>
+          <a:p>
+            <a:pPr marL="0" indent="0">
+              <a:buNone/>
             </a:pPr>
             <a:r>
-              <a:rPr lang="en-US" sz="2400" b="1" dirty="0"/>
-              <a:t>Metropolitan areas with more than one million people.</a:t>
-            </a:r>
-          </a:p>
-          <a:p>
-            <a:pPr fontAlgn="base">
-              <a:spcBef>
-                <a:spcPts val="600"/>
-              </a:spcBef>
-              <a:spcAft>
-                <a:spcPts val="0"/>
-              </a:spcAft>
+              <a:rPr lang="en-US" sz="3200" dirty="0"/>
+              <a:t>Cities across the U.S are competing to attract Amazon’s second head quarters which would bring </a:t>
+            </a:r>
+            <a:r>
+              <a:rPr lang="en-US" sz="3200" b="1" dirty="0"/>
+              <a:t>50,000 jobs </a:t>
+            </a:r>
+            <a:r>
+              <a:rPr lang="en-US" sz="3200" dirty="0"/>
+              <a:t>and </a:t>
+            </a:r>
+            <a:r>
+              <a:rPr lang="en-US" sz="3200" b="1" dirty="0"/>
+              <a:t>$5 billion investment</a:t>
+            </a:r>
+            <a:r>
+              <a:rPr lang="en-US" sz="3200" dirty="0"/>
+              <a:t>. Out of the original 238 cities, 20 cities made it the final cut.</a:t>
+            </a:r>
+          </a:p>
+          <a:p>
+            <a:pPr marL="0" indent="0">
+              <a:buNone/>
             </a:pPr>
             <a:r>
-              <a:rPr lang="en-US" sz="2400" dirty="0"/>
-              <a:t> (Spoiler Alert : All the 20 shortlisted cities meet this criteria.)</a:t>
-            </a:r>
-          </a:p>
-          <a:p>
-            <a:pPr fontAlgn="base">
-              <a:spcBef>
-                <a:spcPts val="600"/>
-              </a:spcBef>
-              <a:spcAft>
-                <a:spcPts val="0"/>
-              </a:spcAft>
-            </a:pPr>
-            <a:endParaRPr lang="en-US" sz="2400" dirty="0"/>
-          </a:p>
-          <a:p>
-            <a:pPr fontAlgn="base">
-              <a:spcBef>
-                <a:spcPts val="600"/>
-              </a:spcBef>
-              <a:spcAft>
-                <a:spcPts val="0"/>
-              </a:spcAft>
-            </a:pPr>
-            <a:r>
-              <a:rPr lang="en-US" sz="2400" b="1" dirty="0"/>
-              <a:t>A stable and </a:t>
-            </a:r>
-            <a:r>
-              <a:rPr lang="en-US" sz="2400" b="1" i="1" dirty="0">
+              <a:rPr lang="en-US" sz="3200" dirty="0"/>
+              <a:t>If Amazon were a person (</a:t>
+            </a:r>
+            <a:r>
+              <a:rPr lang="en-US" sz="3200" dirty="0">
                 <a:solidFill>
                   <a:schemeClr val="accent1">
                     <a:lumMod val="75000"/>
                   </a:schemeClr>
                 </a:solidFill>
               </a:rPr>
-              <a:t>business-friendly </a:t>
-            </a:r>
-            <a:r>
-              <a:rPr lang="en-US" sz="2400" b="1" dirty="0"/>
-              <a:t>environment.</a:t>
-            </a:r>
-          </a:p>
-          <a:p>
-            <a:pPr fontAlgn="base">
-              <a:spcBef>
-                <a:spcPts val="600"/>
-              </a:spcBef>
-              <a:spcAft>
-                <a:spcPts val="0"/>
-              </a:spcAft>
+              <a:t>Yes…corporations are people!) </a:t>
+            </a:r>
+            <a:r>
+              <a:rPr lang="en-US" sz="3200" dirty="0"/>
+              <a:t>which city should he choose? </a:t>
+            </a:r>
+          </a:p>
+          <a:p>
+            <a:pPr marL="0" indent="0">
+              <a:buNone/>
             </a:pPr>
             <a:r>
-              <a:rPr lang="en-US" sz="2400" b="1" dirty="0"/>
-              <a:t>Communities that think big and creatively when considering locations and real estate options.</a:t>
-            </a:r>
-          </a:p>
-          <a:p>
-            <a:pPr marL="0" indent="0" fontAlgn="base">
-              <a:spcBef>
-                <a:spcPts val="600"/>
-              </a:spcBef>
-              <a:spcAft>
-                <a:spcPts val="0"/>
-              </a:spcAft>
+              <a:rPr lang="en-US" sz="3200" dirty="0"/>
+              <a:t>We are here to help!</a:t>
+            </a:r>
+          </a:p>
+          <a:p>
+            <a:pPr marL="0" indent="0">
               <a:buNone/>
             </a:pPr>
-            <a:r>
-              <a:rPr lang="en-US" sz="2400" dirty="0"/>
-              <a:t> Non quantifiable metrics. We assumed all the cities meet this criteria as well.</a:t>
-            </a:r>
-          </a:p>
-          <a:p>
-            <a:pPr marL="0" indent="0" fontAlgn="base">
-              <a:spcBef>
-                <a:spcPts val="600"/>
-              </a:spcBef>
-              <a:spcAft>
-                <a:spcPts val="0"/>
-              </a:spcAft>
-              <a:buNone/>
-            </a:pPr>
-            <a:endParaRPr lang="en-US" sz="2400" dirty="0"/>
-          </a:p>
-          <a:p>
-            <a:pPr fontAlgn="base">
-              <a:spcBef>
-                <a:spcPts val="600"/>
-              </a:spcBef>
-              <a:spcAft>
-                <a:spcPts val="0"/>
-              </a:spcAft>
-            </a:pPr>
-            <a:r>
-              <a:rPr lang="en-US" sz="2400" b="1" u="sng" dirty="0">
-                <a:solidFill>
-                  <a:schemeClr val="accent1">
-                    <a:lumMod val="50000"/>
-                  </a:schemeClr>
-                </a:solidFill>
-              </a:rPr>
-              <a:t>Urban or suburban locations with the potential to attract and retain strong technical talent.</a:t>
-            </a:r>
-          </a:p>
-          <a:p>
-            <a:pPr fontAlgn="base">
-              <a:spcBef>
-                <a:spcPts val="600"/>
-              </a:spcBef>
-              <a:spcAft>
-                <a:spcPts val="0"/>
-              </a:spcAft>
-            </a:pPr>
-            <a:r>
-              <a:rPr lang="en-US" sz="2400" dirty="0"/>
-              <a:t>Measurable Metrics. Criteria we used!</a:t>
-            </a:r>
+            <a:endParaRPr lang="en-US" dirty="0"/>
+          </a:p>
+          <a:p>
+            <a:endParaRPr lang="en-US" dirty="0"/>
+          </a:p>
+          <a:p>
+            <a:endParaRPr lang="en-US" dirty="0"/>
           </a:p>
         </p:txBody>
       </p:sp>
     </p:spTree>
     <p:extLst>
       <p:ext uri="{BB962C8B-B14F-4D97-AF65-F5344CB8AC3E}">
-        <p14:creationId xmlns:p14="http://schemas.microsoft.com/office/powerpoint/2010/main" val="3288892624"/>
+        <p14:creationId xmlns:p14="http://schemas.microsoft.com/office/powerpoint/2010/main" val="71064535"/>
       </p:ext>
     </p:extLst>
   </p:cSld>
@@ -5139,7 +5832,7 @@
           <a:p>
             <a:r>
               <a:rPr lang="en-US" dirty="0"/>
-              <a:t>Metrics Used/Questions Asked</a:t>
+              <a:t>Amazon’s Selection Criteria</a:t>
             </a:r>
           </a:p>
         </p:txBody>
@@ -5162,7 +5855,7 @@
         </p:nvSpPr>
         <p:spPr>
           <a:xfrm>
-            <a:off x="1036320" y="1752262"/>
+            <a:off x="1097280" y="1468057"/>
             <a:ext cx="10802277" cy="4819135"/>
           </a:xfrm>
         </p:spPr>
@@ -5172,121 +5865,156 @@
           </a:bodyPr>
           <a:lstStyle/>
           <a:p>
-            <a:pPr>
-              <a:buFont typeface="Wingdings" panose="05000000000000000000" pitchFamily="2" charset="2"/>
-              <a:buChar char="q"/>
+            <a:endParaRPr lang="en-US" dirty="0"/>
+          </a:p>
+          <a:p>
+            <a:pPr fontAlgn="base">
+              <a:spcBef>
+                <a:spcPts val="600"/>
+              </a:spcBef>
+              <a:spcAft>
+                <a:spcPts val="0"/>
+              </a:spcAft>
             </a:pPr>
             <a:r>
-              <a:rPr lang="en-US" dirty="0"/>
-              <a:t>Educated Talent Pool.</a:t>
-            </a:r>
-          </a:p>
-          <a:p>
-            <a:pPr>
-              <a:buFont typeface="Wingdings" panose="05000000000000000000" pitchFamily="2" charset="2"/>
-              <a:buChar char="q"/>
+              <a:rPr lang="en-US" sz="2400" b="1" dirty="0"/>
+              <a:t>Metropolitan areas with more than one million people.</a:t>
+            </a:r>
+          </a:p>
+          <a:p>
+            <a:pPr fontAlgn="base">
+              <a:spcBef>
+                <a:spcPts val="600"/>
+              </a:spcBef>
+              <a:spcAft>
+                <a:spcPts val="0"/>
+              </a:spcAft>
             </a:pPr>
             <a:r>
-              <a:rPr lang="en-US" dirty="0"/>
-              <a:t>Existing Labor Force in Technology, Business and Financial occupations. </a:t>
-            </a:r>
-          </a:p>
-          <a:p>
-            <a:pPr>
-              <a:buFont typeface="Wingdings" panose="05000000000000000000" pitchFamily="2" charset="2"/>
-              <a:buChar char="q"/>
+              <a:rPr lang="en-US" sz="2400" dirty="0"/>
+              <a:t> (Spoiler Alert : All the 20 shortlisted cities meet this criteria.)</a:t>
+            </a:r>
+          </a:p>
+          <a:p>
+            <a:pPr fontAlgn="base">
+              <a:spcBef>
+                <a:spcPts val="600"/>
+              </a:spcBef>
+              <a:spcAft>
+                <a:spcPts val="0"/>
+              </a:spcAft>
             </a:pPr>
-            <a:r>
-              <a:rPr lang="en-US" dirty="0"/>
-              <a:t>Diversity /Cultural Community Fit.  </a:t>
-            </a:r>
-          </a:p>
-          <a:p>
-            <a:pPr>
-              <a:buFont typeface="Wingdings" panose="05000000000000000000" pitchFamily="2" charset="2"/>
-              <a:buChar char="q"/>
+            <a:endParaRPr lang="en-US" sz="2400" dirty="0"/>
+          </a:p>
+          <a:p>
+            <a:pPr fontAlgn="base">
+              <a:spcBef>
+                <a:spcPts val="600"/>
+              </a:spcBef>
+              <a:spcAft>
+                <a:spcPts val="0"/>
+              </a:spcAft>
             </a:pPr>
             <a:r>
-              <a:rPr lang="en-US" dirty="0"/>
-              <a:t>Crime Index - How safe is your city?</a:t>
-            </a:r>
-          </a:p>
-          <a:p>
-            <a:pPr>
-              <a:buFont typeface="Wingdings" panose="05000000000000000000" pitchFamily="2" charset="2"/>
-              <a:buChar char="q"/>
+              <a:rPr lang="en-US" sz="2400" b="1" dirty="0"/>
+              <a:t>A stable and </a:t>
+            </a:r>
+            <a:r>
+              <a:rPr lang="en-US" sz="2400" b="1" i="1" dirty="0">
+                <a:solidFill>
+                  <a:schemeClr val="accent1">
+                    <a:lumMod val="75000"/>
+                  </a:schemeClr>
+                </a:solidFill>
+              </a:rPr>
+              <a:t>business-friendly </a:t>
+            </a:r>
+            <a:r>
+              <a:rPr lang="en-US" sz="2400" b="1" dirty="0"/>
+              <a:t>environment.</a:t>
+            </a:r>
+          </a:p>
+          <a:p>
+            <a:pPr fontAlgn="base">
+              <a:spcBef>
+                <a:spcPts val="600"/>
+              </a:spcBef>
+              <a:spcAft>
+                <a:spcPts val="0"/>
+              </a:spcAft>
             </a:pPr>
             <a:r>
-              <a:rPr lang="en-US" dirty="0"/>
-              <a:t>Schools and Colleges -  Does your city have good schools? Do your city have institutions of higher education?</a:t>
-            </a:r>
-          </a:p>
-          <a:p>
-            <a:pPr>
-              <a:buFont typeface="Wingdings" panose="05000000000000000000" pitchFamily="2" charset="2"/>
-              <a:buChar char="q"/>
+              <a:rPr lang="en-US" sz="2400" b="1" dirty="0"/>
+              <a:t>Communities that think big and creatively when considering locations and real estate options.</a:t>
+            </a:r>
+          </a:p>
+          <a:p>
+            <a:pPr marL="0" indent="0" fontAlgn="base">
+              <a:spcBef>
+                <a:spcPts val="600"/>
+              </a:spcBef>
+              <a:spcAft>
+                <a:spcPts val="0"/>
+              </a:spcAft>
+              <a:buNone/>
             </a:pPr>
             <a:r>
-              <a:rPr lang="en-US" dirty="0"/>
-              <a:t>Housing Affordability .</a:t>
-            </a:r>
-          </a:p>
-          <a:p>
-            <a:pPr>
-              <a:buFont typeface="Wingdings" panose="05000000000000000000" pitchFamily="2" charset="2"/>
-              <a:buChar char="q"/>
+              <a:rPr lang="en-US" sz="2400" dirty="0"/>
+              <a:t> Non quantifiable metrics. We assumed all the cities meet this criteria as well.</a:t>
+            </a:r>
+          </a:p>
+          <a:p>
+            <a:pPr marL="0" indent="0" fontAlgn="base">
+              <a:spcBef>
+                <a:spcPts val="600"/>
+              </a:spcBef>
+              <a:spcAft>
+                <a:spcPts val="0"/>
+              </a:spcAft>
+              <a:buNone/>
             </a:pPr>
-            <a:r>
-              <a:rPr lang="en-US" dirty="0"/>
-              <a:t>Community/Quality of Life – What amenities does your city have to offer?</a:t>
-            </a:r>
-          </a:p>
-          <a:p>
-            <a:pPr>
-              <a:buFont typeface="Wingdings" panose="05000000000000000000" pitchFamily="2" charset="2"/>
-              <a:buChar char="q"/>
+            <a:endParaRPr lang="en-US" sz="2400" dirty="0"/>
+          </a:p>
+          <a:p>
+            <a:pPr fontAlgn="base">
+              <a:spcBef>
+                <a:spcPts val="600"/>
+              </a:spcBef>
+              <a:spcAft>
+                <a:spcPts val="0"/>
+              </a:spcAft>
             </a:pPr>
             <a:r>
-              <a:rPr lang="en-US" dirty="0"/>
-              <a:t> Transportation Options – Airport, Transit, Bike and Pedestrian accessibility.</a:t>
-            </a:r>
-          </a:p>
-          <a:p>
-            <a:pPr>
-              <a:buFont typeface="Wingdings" panose="05000000000000000000" pitchFamily="2" charset="2"/>
-              <a:buChar char="q"/>
+              <a:rPr lang="en-US" sz="2400" b="1" u="sng" dirty="0">
+                <a:solidFill>
+                  <a:schemeClr val="accent1">
+                    <a:lumMod val="50000"/>
+                  </a:schemeClr>
+                </a:solidFill>
+              </a:rPr>
+              <a:t>Urban or suburban locations with the potential to attract and retain strong technical talent.</a:t>
+            </a:r>
+          </a:p>
+          <a:p>
+            <a:pPr fontAlgn="base">
+              <a:spcBef>
+                <a:spcPts val="600"/>
+              </a:spcBef>
+              <a:spcAft>
+                <a:spcPts val="0"/>
+              </a:spcAft>
             </a:pPr>
             <a:r>
-              <a:rPr lang="en-US" dirty="0"/>
-              <a:t> Others : Climate, Pollution etc.</a:t>
-            </a:r>
-          </a:p>
-          <a:p>
-            <a:pPr>
-              <a:buFont typeface="Wingdings" panose="05000000000000000000" pitchFamily="2" charset="2"/>
-              <a:buChar char="q"/>
-            </a:pPr>
-            <a:endParaRPr lang="en-US" dirty="0"/>
-          </a:p>
-          <a:p>
-            <a:pPr>
-              <a:buFont typeface="Wingdings" panose="05000000000000000000" pitchFamily="2" charset="2"/>
-              <a:buChar char="q"/>
-            </a:pPr>
-            <a:endParaRPr lang="en-US" dirty="0"/>
-          </a:p>
-          <a:p>
-            <a:pPr marL="0" indent="0">
-              <a:buNone/>
-            </a:pPr>
-            <a:endParaRPr lang="en-US" dirty="0"/>
+              <a:rPr lang="en-US" sz="2400" dirty="0"/>
+              <a:t>Measurable Metrics. Criteria we used!</a:t>
+            </a:r>
           </a:p>
         </p:txBody>
       </p:sp>
     </p:spTree>
     <p:extLst>
       <p:ext uri="{BB962C8B-B14F-4D97-AF65-F5344CB8AC3E}">
-        <p14:creationId xmlns:p14="http://schemas.microsoft.com/office/powerpoint/2010/main" val="2944506561"/>
+        <p14:creationId xmlns:p14="http://schemas.microsoft.com/office/powerpoint/2010/main" val="3288892624"/>
       </p:ext>
     </p:extLst>
   </p:cSld>
@@ -5336,7 +6064,7 @@
           <a:p>
             <a:r>
               <a:rPr lang="en-US" dirty="0"/>
-              <a:t>Metrics At The City Level</a:t>
+              <a:t>Metrics Used/Questions Asked</a:t>
             </a:r>
           </a:p>
         </p:txBody>
@@ -5359,7 +6087,7 @@
         </p:nvSpPr>
         <p:spPr>
           <a:xfrm>
-            <a:off x="1097280" y="2038865"/>
+            <a:off x="1036320" y="1752262"/>
             <a:ext cx="10802277" cy="4819135"/>
           </a:xfrm>
         </p:spPr>
@@ -5374,11 +6102,7 @@
               <a:buChar char="q"/>
             </a:pPr>
             <a:r>
-              <a:rPr lang="en-US" sz="3200" dirty="0">
-                <a:solidFill>
-                  <a:schemeClr val="tx1"/>
-                </a:solidFill>
-              </a:rPr>
+              <a:rPr lang="en-US" dirty="0"/>
               <a:t>Educated Talent Pool.</a:t>
             </a:r>
           </a:p>
@@ -5388,11 +6112,7 @@
               <a:buChar char="q"/>
             </a:pPr>
             <a:r>
-              <a:rPr lang="en-US" sz="3200" dirty="0">
-                <a:solidFill>
-                  <a:schemeClr val="tx1"/>
-                </a:solidFill>
-              </a:rPr>
+              <a:rPr lang="en-US" dirty="0"/>
               <a:t>Existing Labor Force in Technology, Business and Financial occupations. </a:t>
             </a:r>
           </a:p>
@@ -5402,11 +6122,7 @@
               <a:buChar char="q"/>
             </a:pPr>
             <a:r>
-              <a:rPr lang="en-US" sz="3200" dirty="0">
-                <a:solidFill>
-                  <a:schemeClr val="tx1"/>
-                </a:solidFill>
-              </a:rPr>
+              <a:rPr lang="en-US" dirty="0"/>
               <a:t>Diversity /Cultural Community Fit.  </a:t>
             </a:r>
           </a:p>
@@ -5416,12 +6132,8 @@
               <a:buChar char="q"/>
             </a:pPr>
             <a:r>
-              <a:rPr lang="en-US" sz="3200" dirty="0">
-                <a:solidFill>
-                  <a:schemeClr val="tx1"/>
-                </a:solidFill>
-              </a:rPr>
-              <a:t>Crime Index.</a:t>
+              <a:rPr lang="en-US" dirty="0"/>
+              <a:t>Crime Index - How safe is your city?</a:t>
             </a:r>
           </a:p>
           <a:p>
@@ -5430,12 +6142,8 @@
               <a:buChar char="q"/>
             </a:pPr>
             <a:r>
-              <a:rPr lang="en-US" sz="3200" dirty="0">
-                <a:solidFill>
-                  <a:schemeClr val="tx1"/>
-                </a:solidFill>
-              </a:rPr>
-              <a:t>Housing Affordability.</a:t>
+              <a:rPr lang="en-US" dirty="0"/>
+              <a:t>Schools and Colleges -  Does your city have good schools? Do your city have institutions of higher education?</a:t>
             </a:r>
           </a:p>
           <a:p>
@@ -5444,11 +6152,37 @@
               <a:buChar char="q"/>
             </a:pPr>
             <a:r>
-              <a:rPr lang="en-US" sz="3200" dirty="0">
-                <a:solidFill>
-                  <a:schemeClr val="tx1"/>
-                </a:solidFill>
-              </a:rPr>
+              <a:rPr lang="en-US" dirty="0"/>
+              <a:t>Housing Affordability .</a:t>
+            </a:r>
+          </a:p>
+          <a:p>
+            <a:pPr>
+              <a:buFont typeface="Wingdings" panose="05000000000000000000" pitchFamily="2" charset="2"/>
+              <a:buChar char="q"/>
+            </a:pPr>
+            <a:r>
+              <a:rPr lang="en-US" dirty="0"/>
+              <a:t>Community/Quality of Life – What amenities does your city have to offer?</a:t>
+            </a:r>
+          </a:p>
+          <a:p>
+            <a:pPr>
+              <a:buFont typeface="Wingdings" panose="05000000000000000000" pitchFamily="2" charset="2"/>
+              <a:buChar char="q"/>
+            </a:pPr>
+            <a:r>
+              <a:rPr lang="en-US" dirty="0"/>
+              <a:t> Transportation Options – Airport, Transit, Bike and Pedestrian accessibility.</a:t>
+            </a:r>
+          </a:p>
+          <a:p>
+            <a:pPr>
+              <a:buFont typeface="Wingdings" panose="05000000000000000000" pitchFamily="2" charset="2"/>
+              <a:buChar char="q"/>
+            </a:pPr>
+            <a:r>
+              <a:rPr lang="en-US" dirty="0"/>
               <a:t> Others : Climate, Pollution etc.</a:t>
             </a:r>
           </a:p>
@@ -5477,7 +6211,7 @@
     </p:spTree>
     <p:extLst>
       <p:ext uri="{BB962C8B-B14F-4D97-AF65-F5344CB8AC3E}">
-        <p14:creationId xmlns:p14="http://schemas.microsoft.com/office/powerpoint/2010/main" val="3770134055"/>
+        <p14:creationId xmlns:p14="http://schemas.microsoft.com/office/powerpoint/2010/main" val="2944506561"/>
       </p:ext>
     </p:extLst>
   </p:cSld>
@@ -5527,7 +6261,7 @@
           <a:p>
             <a:r>
               <a:rPr lang="en-US" dirty="0"/>
-              <a:t>Metrics At The Site Level</a:t>
+              <a:t>Metrics At The City Level</a:t>
             </a:r>
           </a:p>
         </p:txBody>
@@ -5550,7 +6284,7 @@
         </p:nvSpPr>
         <p:spPr>
           <a:xfrm>
-            <a:off x="1097280" y="2382457"/>
+            <a:off x="1097280" y="2038865"/>
             <a:ext cx="10802277" cy="4819135"/>
           </a:xfrm>
         </p:spPr>
@@ -5570,7 +6304,7 @@
                   <a:schemeClr val="tx1"/>
                 </a:solidFill>
               </a:rPr>
-              <a:t>Schools and Colleges.</a:t>
+              <a:t>Educated Talent Pool.</a:t>
             </a:r>
           </a:p>
           <a:p>
@@ -5584,7 +6318,7 @@
                   <a:schemeClr val="tx1"/>
                 </a:solidFill>
               </a:rPr>
-              <a:t>Community/Quality of Life/Amenities. </a:t>
+              <a:t>Existing Labor Force in Technology, Business and Financial occupations. </a:t>
             </a:r>
           </a:p>
           <a:p>
@@ -5598,30 +6332,77 @@
                   <a:schemeClr val="tx1"/>
                 </a:solidFill>
               </a:rPr>
-              <a:t>Transportation Options.</a:t>
-            </a:r>
-          </a:p>
-          <a:p>
-            <a:pPr marL="0" indent="0">
-              <a:buNone/>
+              <a:t>Diversity /Cultural Community Fit.  </a:t>
+            </a:r>
+          </a:p>
+          <a:p>
+            <a:pPr>
+              <a:buFont typeface="Wingdings" panose="05000000000000000000" pitchFamily="2" charset="2"/>
+              <a:buChar char="q"/>
+            </a:pPr>
+            <a:r>
+              <a:rPr lang="en-US" sz="3200" dirty="0">
+                <a:solidFill>
+                  <a:schemeClr val="tx1"/>
+                </a:solidFill>
+              </a:rPr>
+              <a:t>Crime Index.</a:t>
+            </a:r>
+          </a:p>
+          <a:p>
+            <a:pPr>
+              <a:buFont typeface="Wingdings" panose="05000000000000000000" pitchFamily="2" charset="2"/>
+              <a:buChar char="q"/>
+            </a:pPr>
+            <a:r>
+              <a:rPr lang="en-US" sz="3200" dirty="0">
+                <a:solidFill>
+                  <a:schemeClr val="tx1"/>
+                </a:solidFill>
+              </a:rPr>
+              <a:t>Housing Affordability.</a:t>
+            </a:r>
+          </a:p>
+          <a:p>
+            <a:pPr>
+              <a:buFont typeface="Wingdings" panose="05000000000000000000" pitchFamily="2" charset="2"/>
+              <a:buChar char="q"/>
+            </a:pPr>
+            <a:r>
+              <a:rPr lang="en-US" sz="3200" dirty="0">
+                <a:solidFill>
+                  <a:schemeClr val="tx1"/>
+                </a:solidFill>
+              </a:rPr>
+              <a:t> Others : Climate, Pollution etc.</a:t>
+            </a:r>
+          </a:p>
+          <a:p>
+            <a:pPr>
+              <a:buFont typeface="Wingdings" panose="05000000000000000000" pitchFamily="2" charset="2"/>
+              <a:buChar char="q"/>
             </a:pPr>
             <a:endParaRPr lang="en-US" dirty="0"/>
           </a:p>
           <a:p>
+            <a:pPr>
+              <a:buFont typeface="Wingdings" panose="05000000000000000000" pitchFamily="2" charset="2"/>
+              <a:buChar char="q"/>
+            </a:pPr>
+            <a:endParaRPr lang="en-US" dirty="0"/>
+          </a:p>
+          <a:p>
             <a:pPr marL="0" indent="0">
               <a:buNone/>
             </a:pPr>
-            <a:r>
-              <a:rPr lang="en-US" dirty="0"/>
-              <a:t>Note: The data is analyzed at the site level and aggregated at the city level in the final analysis.</a:t>
-            </a:r>
+            <a:endParaRPr lang="en-US" dirty="0"/>
           </a:p>
         </p:txBody>
       </p:sp>
     </p:spTree>
     <p:extLst>
       <p:ext uri="{BB962C8B-B14F-4D97-AF65-F5344CB8AC3E}">
-        <p14:creationId xmlns:p14="http://schemas.microsoft.com/office/powerpoint/2010/main" val="28752783"/>
+        <p14:creationId xmlns:p14="http://schemas.microsoft.com/office/powerpoint/2010/main" val="3770134055"/>
       </p:ext>
     </p:extLst>
   </p:cSld>
@@ -5671,7 +6452,7 @@
           <a:p>
             <a:r>
               <a:rPr lang="en-US" dirty="0"/>
-              <a:t>Primary Data Sources</a:t>
+              <a:t>Metrics At The Site Level</a:t>
             </a:r>
           </a:p>
         </p:txBody>
@@ -5692,7 +6473,12 @@
             <p:ph idx="1"/>
           </p:nvPr>
         </p:nvSpPr>
-        <p:spPr/>
+        <p:spPr>
+          <a:xfrm>
+            <a:off x="1097280" y="2382457"/>
+            <a:ext cx="10802277" cy="4819135"/>
+          </a:xfrm>
+        </p:spPr>
         <p:txBody>
           <a:bodyPr>
             <a:normAutofit/>
@@ -5701,41 +6487,58 @@
           <a:p>
             <a:pPr>
               <a:buFont typeface="Wingdings" panose="05000000000000000000" pitchFamily="2" charset="2"/>
-              <a:buChar char="§"/>
+              <a:buChar char="q"/>
             </a:pPr>
             <a:r>
-              <a:rPr lang="en-US" sz="3200" dirty="0"/>
-              <a:t> Census API : 2016 American Community 5 Year Survey</a:t>
+              <a:rPr lang="en-US" sz="3200" dirty="0">
+                <a:solidFill>
+                  <a:schemeClr val="tx1"/>
+                </a:solidFill>
+              </a:rPr>
+              <a:t>Schools and Colleges.</a:t>
             </a:r>
           </a:p>
           <a:p>
             <a:pPr>
               <a:buFont typeface="Wingdings" panose="05000000000000000000" pitchFamily="2" charset="2"/>
-              <a:buChar char="§"/>
+              <a:buChar char="q"/>
             </a:pPr>
             <a:r>
-              <a:rPr lang="en-US" sz="3200" dirty="0"/>
-              <a:t> Greater Schools API</a:t>
+              <a:rPr lang="en-US" sz="3200" dirty="0">
+                <a:solidFill>
+                  <a:schemeClr val="tx1"/>
+                </a:solidFill>
+              </a:rPr>
+              <a:t>Community/Quality of Life/Amenities. </a:t>
             </a:r>
           </a:p>
           <a:p>
             <a:pPr>
               <a:buFont typeface="Wingdings" panose="05000000000000000000" pitchFamily="2" charset="2"/>
-              <a:buChar char="§"/>
+              <a:buChar char="q"/>
             </a:pPr>
             <a:r>
-              <a:rPr lang="en-US" sz="3200" dirty="0"/>
-              <a:t> Google API </a:t>
-            </a:r>
-          </a:p>
-          <a:p>
-            <a:pPr>
-              <a:buFont typeface="Wingdings" panose="05000000000000000000" pitchFamily="2" charset="2"/>
-              <a:buChar char="§"/>
+              <a:rPr lang="en-US" sz="3200" dirty="0">
+                <a:solidFill>
+                  <a:schemeClr val="tx1"/>
+                </a:solidFill>
+              </a:rPr>
+              <a:t>Transportation Options.</a:t>
+            </a:r>
+          </a:p>
+          <a:p>
+            <a:pPr marL="0" indent="0">
+              <a:buNone/>
             </a:pPr>
-            <a:r>
-              <a:rPr lang="en-US" sz="3200" dirty="0"/>
-              <a:t>Walk Score API</a:t>
+            <a:endParaRPr lang="en-US" dirty="0"/>
+          </a:p>
+          <a:p>
+            <a:pPr marL="0" indent="0">
+              <a:buNone/>
+            </a:pPr>
+            <a:r>
+              <a:rPr lang="en-US" dirty="0"/>
+              <a:t>Note: The data is analyzed at the site level and aggregated at the city level in the final analysis.</a:t>
             </a:r>
           </a:p>
         </p:txBody>
@@ -5743,7 +6546,7 @@
     </p:spTree>
     <p:extLst>
       <p:ext uri="{BB962C8B-B14F-4D97-AF65-F5344CB8AC3E}">
-        <p14:creationId xmlns:p14="http://schemas.microsoft.com/office/powerpoint/2010/main" val="2596179842"/>
+        <p14:creationId xmlns:p14="http://schemas.microsoft.com/office/powerpoint/2010/main" val="28752783"/>
       </p:ext>
     </p:extLst>
   </p:cSld>
@@ -5786,6 +6589,128 @@
             <p:ph type="title"/>
           </p:nvPr>
         </p:nvSpPr>
+        <p:spPr/>
+        <p:txBody>
+          <a:bodyPr/>
+          <a:lstStyle/>
+          <a:p>
+            <a:r>
+              <a:rPr lang="en-US" dirty="0"/>
+              <a:t>Primary Data Sources</a:t>
+            </a:r>
+          </a:p>
+        </p:txBody>
+      </p:sp>
+      <p:sp>
+        <p:nvSpPr>
+          <p:cNvPr id="3" name="Content Placeholder 2">
+            <a:extLst>
+              <a:ext uri="{FF2B5EF4-FFF2-40B4-BE49-F238E27FC236}">
+                <a16:creationId xmlns:a16="http://schemas.microsoft.com/office/drawing/2014/main" id="{BEC8BDDB-FD44-4EB6-BE27-4A708B75BDAB}"/>
+              </a:ext>
+            </a:extLst>
+          </p:cNvPr>
+          <p:cNvSpPr>
+            <a:spLocks noGrp="1"/>
+          </p:cNvSpPr>
+          <p:nvPr>
+            <p:ph idx="1"/>
+          </p:nvPr>
+        </p:nvSpPr>
+        <p:spPr/>
+        <p:txBody>
+          <a:bodyPr>
+            <a:normAutofit/>
+          </a:bodyPr>
+          <a:lstStyle/>
+          <a:p>
+            <a:pPr>
+              <a:buFont typeface="Wingdings" panose="05000000000000000000" pitchFamily="2" charset="2"/>
+              <a:buChar char="§"/>
+            </a:pPr>
+            <a:r>
+              <a:rPr lang="en-US" sz="3200" dirty="0"/>
+              <a:t> Census API : 2016 American Community 5 Year Survey</a:t>
+            </a:r>
+          </a:p>
+          <a:p>
+            <a:pPr>
+              <a:buFont typeface="Wingdings" panose="05000000000000000000" pitchFamily="2" charset="2"/>
+              <a:buChar char="§"/>
+            </a:pPr>
+            <a:r>
+              <a:rPr lang="en-US" sz="3200" dirty="0"/>
+              <a:t> Greater Schools API</a:t>
+            </a:r>
+          </a:p>
+          <a:p>
+            <a:pPr>
+              <a:buFont typeface="Wingdings" panose="05000000000000000000" pitchFamily="2" charset="2"/>
+              <a:buChar char="§"/>
+            </a:pPr>
+            <a:r>
+              <a:rPr lang="en-US" sz="3200" dirty="0"/>
+              <a:t> Google API </a:t>
+            </a:r>
+          </a:p>
+          <a:p>
+            <a:pPr>
+              <a:buFont typeface="Wingdings" panose="05000000000000000000" pitchFamily="2" charset="2"/>
+              <a:buChar char="§"/>
+            </a:pPr>
+            <a:r>
+              <a:rPr lang="en-US" sz="3200" dirty="0"/>
+              <a:t>Walk Score API</a:t>
+            </a:r>
+          </a:p>
+        </p:txBody>
+      </p:sp>
+    </p:spTree>
+    <p:extLst>
+      <p:ext uri="{BB962C8B-B14F-4D97-AF65-F5344CB8AC3E}">
+        <p14:creationId xmlns:p14="http://schemas.microsoft.com/office/powerpoint/2010/main" val="2596179842"/>
+      </p:ext>
+    </p:extLst>
+  </p:cSld>
+  <p:clrMapOvr>
+    <a:masterClrMapping/>
+  </p:clrMapOvr>
+</p:sld>
+</file>
+
+<file path=ppt/slides/slide9.xml><?xml version="1.0" encoding="utf-8"?>
+<p:sld xmlns:a="http://schemas.openxmlformats.org/drawingml/2006/main" xmlns:r="http://schemas.openxmlformats.org/officeDocument/2006/relationships" xmlns:p="http://schemas.openxmlformats.org/presentationml/2006/main">
+  <p:cSld>
+    <p:spTree>
+      <p:nvGrpSpPr>
+        <p:cNvPr id="1" name=""/>
+        <p:cNvGrpSpPr/>
+        <p:nvPr/>
+      </p:nvGrpSpPr>
+      <p:grpSpPr>
+        <a:xfrm>
+          <a:off x="0" y="0"/>
+          <a:ext cx="0" cy="0"/>
+          <a:chOff x="0" y="0"/>
+          <a:chExt cx="0" cy="0"/>
+        </a:xfrm>
+      </p:grpSpPr>
+      <p:sp>
+        <p:nvSpPr>
+          <p:cNvPr id="2" name="Title 1">
+            <a:extLst>
+              <a:ext uri="{FF2B5EF4-FFF2-40B4-BE49-F238E27FC236}">
+                <a16:creationId xmlns:a16="http://schemas.microsoft.com/office/drawing/2014/main" id="{390EB264-3883-41F9-BACB-285D2229980C}"/>
+              </a:ext>
+            </a:extLst>
+          </p:cNvPr>
+          <p:cNvSpPr>
+            <a:spLocks noGrp="1"/>
+          </p:cNvSpPr>
+          <p:nvPr>
+            <p:ph type="title"/>
+          </p:nvPr>
+        </p:nvSpPr>
         <p:spPr>
           <a:xfrm>
             <a:off x="1097280" y="286603"/>
@@ -5886,146 +6811,6 @@
     <p:extLst>
       <p:ext uri="{BB962C8B-B14F-4D97-AF65-F5344CB8AC3E}">
         <p14:creationId xmlns:p14="http://schemas.microsoft.com/office/powerpoint/2010/main" val="3259915787"/>
-      </p:ext>
-    </p:extLst>
-  </p:cSld>
-  <p:clrMapOvr>
-    <a:masterClrMapping/>
-  </p:clrMapOvr>
-</p:sld>
-</file>
-
-<file path=ppt/slides/slide9.xml><?xml version="1.0" encoding="utf-8"?>
-<p:sld xmlns:a="http://schemas.openxmlformats.org/drawingml/2006/main" xmlns:r="http://schemas.openxmlformats.org/officeDocument/2006/relationships" xmlns:p="http://schemas.openxmlformats.org/presentationml/2006/main">
-  <p:cSld>
-    <p:spTree>
-      <p:nvGrpSpPr>
-        <p:cNvPr id="1" name=""/>
-        <p:cNvGrpSpPr/>
-        <p:nvPr/>
-      </p:nvGrpSpPr>
-      <p:grpSpPr>
-        <a:xfrm>
-          <a:off x="0" y="0"/>
-          <a:ext cx="0" cy="0"/>
-          <a:chOff x="0" y="0"/>
-          <a:chExt cx="0" cy="0"/>
-        </a:xfrm>
-      </p:grpSpPr>
-      <p:sp>
-        <p:nvSpPr>
-          <p:cNvPr id="2" name="Title 1">
-            <a:extLst>
-              <a:ext uri="{FF2B5EF4-FFF2-40B4-BE49-F238E27FC236}">
-                <a16:creationId xmlns:a16="http://schemas.microsoft.com/office/drawing/2014/main" id="{390EB264-3883-41F9-BACB-285D2229980C}"/>
-              </a:ext>
-            </a:extLst>
-          </p:cNvPr>
-          <p:cNvSpPr>
-            <a:spLocks noGrp="1"/>
-          </p:cNvSpPr>
-          <p:nvPr>
-            <p:ph type="title"/>
-          </p:nvPr>
-        </p:nvSpPr>
-        <p:spPr>
-          <a:xfrm>
-            <a:off x="1066799" y="-376048"/>
-            <a:ext cx="10058400" cy="1450757"/>
-          </a:xfrm>
-        </p:spPr>
-        <p:txBody>
-          <a:bodyPr/>
-          <a:lstStyle/>
-          <a:p>
-            <a:r>
-              <a:rPr lang="en-US" dirty="0"/>
-              <a:t>Talent Pool - Education</a:t>
-            </a:r>
-          </a:p>
-        </p:txBody>
-      </p:sp>
-      <p:pic>
-        <p:nvPicPr>
-          <p:cNvPr id="9" name="Picture 8">
-            <a:extLst>
-              <a:ext uri="{FF2B5EF4-FFF2-40B4-BE49-F238E27FC236}">
-                <a16:creationId xmlns:a16="http://schemas.microsoft.com/office/drawing/2014/main" id="{207048A4-7E15-4A7A-83D4-7F393FDAE879}"/>
-              </a:ext>
-            </a:extLst>
-          </p:cNvPr>
-          <p:cNvPicPr>
-            <a:picLocks noChangeAspect="1"/>
-          </p:cNvPicPr>
-          <p:nvPr/>
-        </p:nvPicPr>
-        <p:blipFill>
-          <a:blip r:embed="rId2">
-            <a:extLst>
-              <a:ext uri="{28A0092B-C50C-407E-A947-70E740481C1C}">
-                <a14:useLocalDpi xmlns:a14="http://schemas.microsoft.com/office/drawing/2010/main" val="0"/>
-              </a:ext>
-            </a:extLst>
-          </a:blip>
-          <a:stretch>
-            <a:fillRect/>
-          </a:stretch>
-        </p:blipFill>
-        <p:spPr>
-          <a:xfrm>
-            <a:off x="766118" y="1161535"/>
-            <a:ext cx="10730874" cy="4993085"/>
-          </a:xfrm>
-          <a:prstGeom prst="rect">
-            <a:avLst/>
-          </a:prstGeom>
-        </p:spPr>
-      </p:pic>
-      <p:cxnSp>
-        <p:nvCxnSpPr>
-          <p:cNvPr id="8" name="Straight Connector 7">
-            <a:extLst>
-              <a:ext uri="{FF2B5EF4-FFF2-40B4-BE49-F238E27FC236}">
-                <a16:creationId xmlns:a16="http://schemas.microsoft.com/office/drawing/2014/main" id="{D5D2E2BC-8AFC-496A-8DAF-5CC075C390DF}"/>
-              </a:ext>
-            </a:extLst>
-          </p:cNvPr>
-          <p:cNvCxnSpPr/>
-          <p:nvPr/>
-        </p:nvCxnSpPr>
-        <p:spPr>
-          <a:xfrm>
-            <a:off x="1186248" y="963827"/>
-            <a:ext cx="9069860" cy="0"/>
-          </a:xfrm>
-          <a:prstGeom prst="line">
-            <a:avLst/>
-          </a:prstGeom>
-          <a:ln>
-            <a:solidFill>
-              <a:srgbClr val="7030A0"/>
-            </a:solidFill>
-          </a:ln>
-        </p:spPr>
-        <p:style>
-          <a:lnRef idx="1">
-            <a:schemeClr val="accent1"/>
-          </a:lnRef>
-          <a:fillRef idx="0">
-            <a:schemeClr val="accent1"/>
-          </a:fillRef>
-          <a:effectRef idx="0">
-            <a:schemeClr val="accent1"/>
-          </a:effectRef>
-          <a:fontRef idx="minor">
-            <a:schemeClr val="tx1"/>
-          </a:fontRef>
-        </p:style>
-      </p:cxnSp>
-    </p:spTree>
-    <p:extLst>
-      <p:ext uri="{BB962C8B-B14F-4D97-AF65-F5344CB8AC3E}">
-        <p14:creationId xmlns:p14="http://schemas.microsoft.com/office/powerpoint/2010/main" val="732841463"/>
       </p:ext>
     </p:extLst>
   </p:cSld>

--- a/Project1_Presentation.pptx
+++ b/Project1_Presentation.pptx
@@ -5,26 +5,25 @@
     <p:sldMasterId id="2147483660" r:id="rId1"/>
   </p:sldMasterIdLst>
   <p:sldIdLst>
-    <p:sldId id="256" r:id="rId2"/>
-    <p:sldId id="273" r:id="rId3"/>
-    <p:sldId id="257" r:id="rId4"/>
-    <p:sldId id="259" r:id="rId5"/>
-    <p:sldId id="260" r:id="rId6"/>
-    <p:sldId id="267" r:id="rId7"/>
-    <p:sldId id="268" r:id="rId8"/>
-    <p:sldId id="258" r:id="rId9"/>
-    <p:sldId id="262" r:id="rId10"/>
-    <p:sldId id="270" r:id="rId11"/>
-    <p:sldId id="271" r:id="rId12"/>
-    <p:sldId id="266" r:id="rId13"/>
-    <p:sldId id="272" r:id="rId14"/>
-    <p:sldId id="265" r:id="rId15"/>
-    <p:sldId id="263" r:id="rId16"/>
-    <p:sldId id="264" r:id="rId17"/>
-    <p:sldId id="274" r:id="rId18"/>
-    <p:sldId id="275" r:id="rId19"/>
-    <p:sldId id="261" r:id="rId20"/>
-    <p:sldId id="277" r:id="rId21"/>
+    <p:sldId id="273" r:id="rId2"/>
+    <p:sldId id="257" r:id="rId3"/>
+    <p:sldId id="259" r:id="rId4"/>
+    <p:sldId id="260" r:id="rId5"/>
+    <p:sldId id="267" r:id="rId6"/>
+    <p:sldId id="268" r:id="rId7"/>
+    <p:sldId id="258" r:id="rId8"/>
+    <p:sldId id="262" r:id="rId9"/>
+    <p:sldId id="270" r:id="rId10"/>
+    <p:sldId id="271" r:id="rId11"/>
+    <p:sldId id="266" r:id="rId12"/>
+    <p:sldId id="272" r:id="rId13"/>
+    <p:sldId id="265" r:id="rId14"/>
+    <p:sldId id="263" r:id="rId15"/>
+    <p:sldId id="264" r:id="rId16"/>
+    <p:sldId id="274" r:id="rId17"/>
+    <p:sldId id="275" r:id="rId18"/>
+    <p:sldId id="261" r:id="rId19"/>
+    <p:sldId id="277" r:id="rId20"/>
   </p:sldIdLst>
   <p:sldSz cx="12192000" cy="6858000"/>
   <p:notesSz cx="6858000" cy="9144000"/>
@@ -357,7 +356,7 @@
           <a:p>
             <a:fld id="{F70A646C-22A8-4D69-ACFD-CD88A31D50DB}" type="datetimeFigureOut">
               <a:rPr lang="en-US" smtClean="0"/>
-              <a:t>4/3/18</a:t>
+              <a:t>4/3/2018</a:t>
             </a:fld>
             <a:endParaRPr lang="en-US"/>
           </a:p>
@@ -565,7 +564,7 @@
           <a:p>
             <a:fld id="{F70A646C-22A8-4D69-ACFD-CD88A31D50DB}" type="datetimeFigureOut">
               <a:rPr lang="en-US" smtClean="0"/>
-              <a:t>4/3/18</a:t>
+              <a:t>4/3/2018</a:t>
             </a:fld>
             <a:endParaRPr lang="en-US"/>
           </a:p>
@@ -821,7 +820,7 @@
           <a:p>
             <a:fld id="{F70A646C-22A8-4D69-ACFD-CD88A31D50DB}" type="datetimeFigureOut">
               <a:rPr lang="en-US" smtClean="0"/>
-              <a:t>4/3/18</a:t>
+              <a:t>4/3/2018</a:t>
             </a:fld>
             <a:endParaRPr lang="en-US"/>
           </a:p>
@@ -995,7 +994,7 @@
           <a:p>
             <a:fld id="{F70A646C-22A8-4D69-ACFD-CD88A31D50DB}" type="datetimeFigureOut">
               <a:rPr lang="en-US" smtClean="0"/>
-              <a:t>4/3/18</a:t>
+              <a:t>4/3/2018</a:t>
             </a:fld>
             <a:endParaRPr lang="en-US"/>
           </a:p>
@@ -1338,7 +1337,7 @@
           <a:p>
             <a:fld id="{F70A646C-22A8-4D69-ACFD-CD88A31D50DB}" type="datetimeFigureOut">
               <a:rPr lang="en-US" smtClean="0"/>
-              <a:t>4/3/18</a:t>
+              <a:t>4/3/2018</a:t>
             </a:fld>
             <a:endParaRPr lang="en-US"/>
           </a:p>
@@ -1613,7 +1612,7 @@
           <a:p>
             <a:fld id="{F70A646C-22A8-4D69-ACFD-CD88A31D50DB}" type="datetimeFigureOut">
               <a:rPr lang="en-US" smtClean="0"/>
-              <a:t>4/3/18</a:t>
+              <a:t>4/3/2018</a:t>
             </a:fld>
             <a:endParaRPr lang="en-US"/>
           </a:p>
@@ -1992,7 +1991,7 @@
           <a:p>
             <a:fld id="{F70A646C-22A8-4D69-ACFD-CD88A31D50DB}" type="datetimeFigureOut">
               <a:rPr lang="en-US" smtClean="0"/>
-              <a:t>4/3/18</a:t>
+              <a:t>4/3/2018</a:t>
             </a:fld>
             <a:endParaRPr lang="en-US"/>
           </a:p>
@@ -2110,7 +2109,7 @@
           <a:p>
             <a:fld id="{F70A646C-22A8-4D69-ACFD-CD88A31D50DB}" type="datetimeFigureOut">
               <a:rPr lang="en-US" smtClean="0"/>
-              <a:t>4/3/18</a:t>
+              <a:t>4/3/2018</a:t>
             </a:fld>
             <a:endParaRPr lang="en-US"/>
           </a:p>
@@ -2281,7 +2280,7 @@
           <a:p>
             <a:fld id="{F70A646C-22A8-4D69-ACFD-CD88A31D50DB}" type="datetimeFigureOut">
               <a:rPr lang="en-US" smtClean="0"/>
-              <a:t>4/3/18</a:t>
+              <a:t>4/3/2018</a:t>
             </a:fld>
             <a:endParaRPr lang="en-US"/>
           </a:p>
@@ -2635,7 +2634,7 @@
           <a:p>
             <a:fld id="{F70A646C-22A8-4D69-ACFD-CD88A31D50DB}" type="datetimeFigureOut">
               <a:rPr lang="en-US" smtClean="0"/>
-              <a:t>4/3/18</a:t>
+              <a:t>4/3/2018</a:t>
             </a:fld>
             <a:endParaRPr lang="en-US"/>
           </a:p>
@@ -3017,7 +3016,7 @@
           <a:p>
             <a:fld id="{F70A646C-22A8-4D69-ACFD-CD88A31D50DB}" type="datetimeFigureOut">
               <a:rPr lang="en-US" smtClean="0"/>
-              <a:t>4/3/18</a:t>
+              <a:t>4/3/2018</a:t>
             </a:fld>
             <a:endParaRPr lang="en-US"/>
           </a:p>
@@ -3304,7 +3303,7 @@
           <a:p>
             <a:fld id="{F70A646C-22A8-4D69-ACFD-CD88A31D50DB}" type="datetimeFigureOut">
               <a:rPr lang="en-US" smtClean="0"/>
-              <a:t>4/3/18</a:t>
+              <a:t>4/3/2018</a:t>
             </a:fld>
             <a:endParaRPr lang="en-US"/>
           </a:p>
@@ -3828,6 +3827,42 @@
           <a:chExt cx="0" cy="0"/>
         </a:xfrm>
       </p:grpSpPr>
+      <p:pic>
+        <p:nvPicPr>
+          <p:cNvPr id="5" name="Picture 4">
+            <a:extLst>
+              <a:ext uri="{FF2B5EF4-FFF2-40B4-BE49-F238E27FC236}">
+                <a16:creationId xmlns:a16="http://schemas.microsoft.com/office/drawing/2014/main" id="{06C0ABB1-7187-094A-8DAB-40D99DA19870}"/>
+              </a:ext>
+            </a:extLst>
+          </p:cNvPr>
+          <p:cNvPicPr>
+            <a:picLocks noChangeAspect="1"/>
+          </p:cNvPicPr>
+          <p:nvPr/>
+        </p:nvPicPr>
+        <p:blipFill rotWithShape="1">
+          <a:blip r:embed="rId2">
+            <a:alphaModFix amt="15000"/>
+            <a:extLst>
+              <a:ext uri="{28A0092B-C50C-407E-A947-70E740481C1C}">
+                <a14:useLocalDpi xmlns:a14="http://schemas.microsoft.com/office/drawing/2010/main" val="0"/>
+              </a:ext>
+            </a:extLst>
+          </a:blip>
+          <a:srcRect l="13008" t="17665" r="9506" b="6167"/>
+          <a:stretch/>
+        </p:blipFill>
+        <p:spPr>
+          <a:xfrm>
+            <a:off x="502920" y="0"/>
+            <a:ext cx="11235690" cy="6217150"/>
+          </a:xfrm>
+          <a:prstGeom prst="rect">
+            <a:avLst/>
+          </a:prstGeom>
+        </p:spPr>
+      </p:pic>
       <p:sp>
         <p:nvSpPr>
           <p:cNvPr id="2" name="Title 1">
@@ -3844,7 +3879,12 @@
             <p:ph type="ctrTitle"/>
           </p:nvPr>
         </p:nvSpPr>
-        <p:spPr/>
+        <p:spPr>
+          <a:xfrm>
+            <a:off x="1097280" y="758952"/>
+            <a:ext cx="10058400" cy="3566160"/>
+          </a:xfrm>
+        </p:spPr>
         <p:txBody>
           <a:bodyPr/>
           <a:lstStyle/>
@@ -3872,7 +3912,12 @@
             <p:ph type="subTitle" idx="1"/>
           </p:nvPr>
         </p:nvSpPr>
-        <p:spPr/>
+        <p:spPr>
+          <a:xfrm>
+            <a:off x="1100051" y="4455620"/>
+            <a:ext cx="10058400" cy="1143000"/>
+          </a:xfrm>
+        </p:spPr>
         <p:txBody>
           <a:bodyPr>
             <a:normAutofit fontScale="92500"/>
@@ -3881,65 +3926,53 @@
           <a:p>
             <a:r>
               <a:rPr lang="en-US" sz="3000" b="1" dirty="0"/>
-              <a:t>Project 1 – UCB-DATA ANLYTICS BOOTCAMP, 2018</a:t>
-            </a:r>
-          </a:p>
-          <a:p>
-            <a:r>
-              <a:rPr lang="en-US" b="1" dirty="0" err="1"/>
-              <a:t>Guirlyn</a:t>
-            </a:r>
+              <a:t>Project 1 – UCB-DATA ANLYTICS BOOTCAMP</a:t>
+            </a:r>
+          </a:p>
+          <a:p>
             <a:r>
               <a:rPr lang="en-US" b="1" dirty="0"/>
-              <a:t> V </a:t>
-            </a:r>
-            <a:r>
-              <a:rPr lang="en-US" b="1" dirty="0" err="1"/>
-              <a:t>Olivar</a:t>
-            </a:r>
-            <a:r>
-              <a:rPr lang="en-US" b="1" dirty="0"/>
-              <a:t>, Helen </a:t>
-            </a:r>
-            <a:r>
-              <a:rPr lang="en-US" b="1" dirty="0" err="1"/>
-              <a:t>LeAO</a:t>
-            </a:r>
-            <a:r>
-              <a:rPr lang="en-US" b="1" dirty="0"/>
-              <a:t>, </a:t>
-            </a:r>
-            <a:r>
-              <a:rPr lang="en-US" b="1" dirty="0" err="1"/>
-              <a:t>Indrani</a:t>
-            </a:r>
-            <a:r>
-              <a:rPr lang="en-US" b="1" dirty="0"/>
-              <a:t> </a:t>
-            </a:r>
-            <a:r>
-              <a:rPr lang="en-US" b="1" dirty="0" err="1"/>
-              <a:t>Kompella</a:t>
-            </a:r>
-            <a:r>
-              <a:rPr lang="en-US" b="1" dirty="0"/>
-              <a:t> and </a:t>
-            </a:r>
-            <a:r>
-              <a:rPr lang="en-US" b="1" dirty="0" err="1"/>
-              <a:t>Niyati</a:t>
-            </a:r>
-            <a:r>
-              <a:rPr lang="en-US" b="1" dirty="0"/>
-              <a:t> Desai</a:t>
-            </a:r>
+              <a:t>Guirlyn V Olivar, Helen LeAO, Indrani Kompella and Niyati Desai</a:t>
+            </a:r>
+          </a:p>
+        </p:txBody>
+      </p:sp>
+      <p:sp>
+        <p:nvSpPr>
+          <p:cNvPr id="6" name="TextBox 5">
+            <a:extLst>
+              <a:ext uri="{FF2B5EF4-FFF2-40B4-BE49-F238E27FC236}">
+                <a16:creationId xmlns:a16="http://schemas.microsoft.com/office/drawing/2014/main" id="{016AAC0F-C33A-034E-90E8-8BDFD51AC1BE}"/>
+              </a:ext>
+            </a:extLst>
+          </p:cNvPr>
+          <p:cNvSpPr txBox="1"/>
+          <p:nvPr/>
+        </p:nvSpPr>
+        <p:spPr>
+          <a:xfrm>
+            <a:off x="12070080" y="2743200"/>
+            <a:ext cx="184731" cy="369332"/>
+          </a:xfrm>
+          <a:prstGeom prst="rect">
+            <a:avLst/>
+          </a:prstGeom>
+          <a:noFill/>
+        </p:spPr>
+        <p:txBody>
+          <a:bodyPr wrap="none" rtlCol="0">
+            <a:spAutoFit/>
+          </a:bodyPr>
+          <a:lstStyle/>
+          <a:p>
+            <a:endParaRPr lang="en-US" dirty="0"/>
           </a:p>
         </p:txBody>
       </p:sp>
     </p:spTree>
     <p:extLst>
       <p:ext uri="{BB962C8B-B14F-4D97-AF65-F5344CB8AC3E}">
-        <p14:creationId xmlns:p14="http://schemas.microsoft.com/office/powerpoint/2010/main" val="4098212711"/>
+        <p14:creationId xmlns:p14="http://schemas.microsoft.com/office/powerpoint/2010/main" val="2713940244"/>
       </p:ext>
     </p:extLst>
   </p:cSld>
@@ -3950,146 +3983,6 @@
 </file>
 
 <file path=ppt/slides/slide10.xml><?xml version="1.0" encoding="utf-8"?>
-<p:sld xmlns:a="http://schemas.openxmlformats.org/drawingml/2006/main" xmlns:r="http://schemas.openxmlformats.org/officeDocument/2006/relationships" xmlns:p="http://schemas.openxmlformats.org/presentationml/2006/main">
-  <p:cSld>
-    <p:spTree>
-      <p:nvGrpSpPr>
-        <p:cNvPr id="1" name=""/>
-        <p:cNvGrpSpPr/>
-        <p:nvPr/>
-      </p:nvGrpSpPr>
-      <p:grpSpPr>
-        <a:xfrm>
-          <a:off x="0" y="0"/>
-          <a:ext cx="0" cy="0"/>
-          <a:chOff x="0" y="0"/>
-          <a:chExt cx="0" cy="0"/>
-        </a:xfrm>
-      </p:grpSpPr>
-      <p:sp>
-        <p:nvSpPr>
-          <p:cNvPr id="2" name="Title 1">
-            <a:extLst>
-              <a:ext uri="{FF2B5EF4-FFF2-40B4-BE49-F238E27FC236}">
-                <a16:creationId xmlns:a16="http://schemas.microsoft.com/office/drawing/2014/main" id="{390EB264-3883-41F9-BACB-285D2229980C}"/>
-              </a:ext>
-            </a:extLst>
-          </p:cNvPr>
-          <p:cNvSpPr>
-            <a:spLocks noGrp="1"/>
-          </p:cNvSpPr>
-          <p:nvPr>
-            <p:ph type="title"/>
-          </p:nvPr>
-        </p:nvSpPr>
-        <p:spPr>
-          <a:xfrm>
-            <a:off x="1066799" y="-376048"/>
-            <a:ext cx="10058400" cy="1450757"/>
-          </a:xfrm>
-        </p:spPr>
-        <p:txBody>
-          <a:bodyPr/>
-          <a:lstStyle/>
-          <a:p>
-            <a:r>
-              <a:rPr lang="en-US" dirty="0"/>
-              <a:t>Talent Pool - Education</a:t>
-            </a:r>
-          </a:p>
-        </p:txBody>
-      </p:sp>
-      <p:pic>
-        <p:nvPicPr>
-          <p:cNvPr id="9" name="Picture 8">
-            <a:extLst>
-              <a:ext uri="{FF2B5EF4-FFF2-40B4-BE49-F238E27FC236}">
-                <a16:creationId xmlns:a16="http://schemas.microsoft.com/office/drawing/2014/main" id="{207048A4-7E15-4A7A-83D4-7F393FDAE879}"/>
-              </a:ext>
-            </a:extLst>
-          </p:cNvPr>
-          <p:cNvPicPr>
-            <a:picLocks noChangeAspect="1"/>
-          </p:cNvPicPr>
-          <p:nvPr/>
-        </p:nvPicPr>
-        <p:blipFill>
-          <a:blip r:embed="rId2">
-            <a:extLst>
-              <a:ext uri="{28A0092B-C50C-407E-A947-70E740481C1C}">
-                <a14:useLocalDpi xmlns:a14="http://schemas.microsoft.com/office/drawing/2010/main" val="0"/>
-              </a:ext>
-            </a:extLst>
-          </a:blip>
-          <a:stretch>
-            <a:fillRect/>
-          </a:stretch>
-        </p:blipFill>
-        <p:spPr>
-          <a:xfrm>
-            <a:off x="766118" y="1161535"/>
-            <a:ext cx="10730874" cy="4993085"/>
-          </a:xfrm>
-          <a:prstGeom prst="rect">
-            <a:avLst/>
-          </a:prstGeom>
-        </p:spPr>
-      </p:pic>
-      <p:cxnSp>
-        <p:nvCxnSpPr>
-          <p:cNvPr id="8" name="Straight Connector 7">
-            <a:extLst>
-              <a:ext uri="{FF2B5EF4-FFF2-40B4-BE49-F238E27FC236}">
-                <a16:creationId xmlns:a16="http://schemas.microsoft.com/office/drawing/2014/main" id="{D5D2E2BC-8AFC-496A-8DAF-5CC075C390DF}"/>
-              </a:ext>
-            </a:extLst>
-          </p:cNvPr>
-          <p:cNvCxnSpPr/>
-          <p:nvPr/>
-        </p:nvCxnSpPr>
-        <p:spPr>
-          <a:xfrm>
-            <a:off x="1186248" y="963827"/>
-            <a:ext cx="9069860" cy="0"/>
-          </a:xfrm>
-          <a:prstGeom prst="line">
-            <a:avLst/>
-          </a:prstGeom>
-          <a:ln>
-            <a:solidFill>
-              <a:srgbClr val="7030A0"/>
-            </a:solidFill>
-          </a:ln>
-        </p:spPr>
-        <p:style>
-          <a:lnRef idx="1">
-            <a:schemeClr val="accent1"/>
-          </a:lnRef>
-          <a:fillRef idx="0">
-            <a:schemeClr val="accent1"/>
-          </a:fillRef>
-          <a:effectRef idx="0">
-            <a:schemeClr val="accent1"/>
-          </a:effectRef>
-          <a:fontRef idx="minor">
-            <a:schemeClr val="tx1"/>
-          </a:fontRef>
-        </p:style>
-      </p:cxnSp>
-    </p:spTree>
-    <p:extLst>
-      <p:ext uri="{BB962C8B-B14F-4D97-AF65-F5344CB8AC3E}">
-        <p14:creationId xmlns:p14="http://schemas.microsoft.com/office/powerpoint/2010/main" val="732841463"/>
-      </p:ext>
-    </p:extLst>
-  </p:cSld>
-  <p:clrMapOvr>
-    <a:masterClrMapping/>
-  </p:clrMapOvr>
-</p:sld>
-</file>
-
-<file path=ppt/slides/slide11.xml><?xml version="1.0" encoding="utf-8"?>
 <p:sld xmlns:a="http://schemas.openxmlformats.org/drawingml/2006/main" xmlns:r="http://schemas.openxmlformats.org/officeDocument/2006/relationships" xmlns:p="http://schemas.openxmlformats.org/presentationml/2006/main">
   <p:cSld>
     <p:spTree>
@@ -4229,7 +4122,7 @@
 </p:sld>
 </file>
 
-<file path=ppt/slides/slide12.xml><?xml version="1.0" encoding="utf-8"?>
+<file path=ppt/slides/slide11.xml><?xml version="1.0" encoding="utf-8"?>
 <p:sld xmlns:a="http://schemas.openxmlformats.org/drawingml/2006/main" xmlns:r="http://schemas.openxmlformats.org/officeDocument/2006/relationships" xmlns:p="http://schemas.openxmlformats.org/presentationml/2006/main">
   <p:cSld>
     <p:spTree>
@@ -4406,7 +4299,7 @@
 </p:sld>
 </file>
 
-<file path=ppt/slides/slide13.xml><?xml version="1.0" encoding="utf-8"?>
+<file path=ppt/slides/slide12.xml><?xml version="1.0" encoding="utf-8"?>
 <p:sld xmlns:a="http://schemas.openxmlformats.org/drawingml/2006/main" xmlns:r="http://schemas.openxmlformats.org/officeDocument/2006/relationships" xmlns:p="http://schemas.openxmlformats.org/presentationml/2006/main">
   <p:cSld>
     <p:spTree>
@@ -4547,7 +4440,7 @@
 </p:sld>
 </file>
 
-<file path=ppt/slides/slide14.xml><?xml version="1.0" encoding="utf-8"?>
+<file path=ppt/slides/slide13.xml><?xml version="1.0" encoding="utf-8"?>
 <p:sld xmlns:a="http://schemas.openxmlformats.org/drawingml/2006/main" xmlns:r="http://schemas.openxmlformats.org/officeDocument/2006/relationships" xmlns:p="http://schemas.openxmlformats.org/presentationml/2006/main">
   <p:cSld>
     <p:spTree>
@@ -4688,6 +4581,93 @@
 </p:sld>
 </file>
 
+<file path=ppt/slides/slide14.xml><?xml version="1.0" encoding="utf-8"?>
+<p:sld xmlns:a="http://schemas.openxmlformats.org/drawingml/2006/main" xmlns:r="http://schemas.openxmlformats.org/officeDocument/2006/relationships" xmlns:p="http://schemas.openxmlformats.org/presentationml/2006/main">
+  <p:cSld>
+    <p:spTree>
+      <p:nvGrpSpPr>
+        <p:cNvPr id="1" name=""/>
+        <p:cNvGrpSpPr/>
+        <p:nvPr/>
+      </p:nvGrpSpPr>
+      <p:grpSpPr>
+        <a:xfrm>
+          <a:off x="0" y="0"/>
+          <a:ext cx="0" cy="0"/>
+          <a:chOff x="0" y="0"/>
+          <a:chExt cx="0" cy="0"/>
+        </a:xfrm>
+      </p:grpSpPr>
+      <p:sp>
+        <p:nvSpPr>
+          <p:cNvPr id="2" name="Title 1">
+            <a:extLst>
+              <a:ext uri="{FF2B5EF4-FFF2-40B4-BE49-F238E27FC236}">
+                <a16:creationId xmlns:a16="http://schemas.microsoft.com/office/drawing/2014/main" id="{390EB264-3883-41F9-BACB-285D2229980C}"/>
+              </a:ext>
+            </a:extLst>
+          </p:cNvPr>
+          <p:cNvSpPr>
+            <a:spLocks noGrp="1"/>
+          </p:cNvSpPr>
+          <p:nvPr>
+            <p:ph type="title"/>
+          </p:nvPr>
+        </p:nvSpPr>
+        <p:spPr/>
+        <p:txBody>
+          <a:bodyPr/>
+          <a:lstStyle/>
+          <a:p>
+            <a:r>
+              <a:rPr lang="en-US" dirty="0"/>
+              <a:t>Findings </a:t>
+            </a:r>
+          </a:p>
+        </p:txBody>
+      </p:sp>
+      <p:sp>
+        <p:nvSpPr>
+          <p:cNvPr id="3" name="Content Placeholder 2">
+            <a:extLst>
+              <a:ext uri="{FF2B5EF4-FFF2-40B4-BE49-F238E27FC236}">
+                <a16:creationId xmlns:a16="http://schemas.microsoft.com/office/drawing/2014/main" id="{BEC8BDDB-FD44-4EB6-BE27-4A708B75BDAB}"/>
+              </a:ext>
+            </a:extLst>
+          </p:cNvPr>
+          <p:cNvSpPr>
+            <a:spLocks noGrp="1"/>
+          </p:cNvSpPr>
+          <p:nvPr>
+            <p:ph idx="1"/>
+          </p:nvPr>
+        </p:nvSpPr>
+        <p:spPr/>
+        <p:txBody>
+          <a:bodyPr/>
+          <a:lstStyle/>
+          <a:p>
+            <a:pPr>
+              <a:buFont typeface="Wingdings" panose="05000000000000000000" pitchFamily="2" charset="2"/>
+              <a:buChar char="§"/>
+            </a:pPr>
+            <a:endParaRPr lang="en-US" dirty="0"/>
+          </a:p>
+        </p:txBody>
+      </p:sp>
+    </p:spTree>
+    <p:extLst>
+      <p:ext uri="{BB962C8B-B14F-4D97-AF65-F5344CB8AC3E}">
+        <p14:creationId xmlns:p14="http://schemas.microsoft.com/office/powerpoint/2010/main" val="1806114423"/>
+      </p:ext>
+    </p:extLst>
+  </p:cSld>
+  <p:clrMapOvr>
+    <a:masterClrMapping/>
+  </p:clrMapOvr>
+</p:sld>
+</file>
+
 <file path=ppt/slides/slide15.xml><?xml version="1.0" encoding="utf-8"?>
 <p:sld xmlns:a="http://schemas.openxmlformats.org/drawingml/2006/main" xmlns:r="http://schemas.openxmlformats.org/officeDocument/2006/relationships" xmlns:p="http://schemas.openxmlformats.org/presentationml/2006/main">
   <p:cSld>
@@ -4728,7 +4708,7 @@
           <a:p>
             <a:r>
               <a:rPr lang="en-US" dirty="0"/>
-              <a:t>Findings </a:t>
+              <a:t>Lessons learnt </a:t>
             </a:r>
           </a:p>
         </p:txBody>
@@ -4754,10 +4734,6 @@
           <a:bodyPr/>
           <a:lstStyle/>
           <a:p>
-            <a:pPr>
-              <a:buFont typeface="Wingdings" panose="05000000000000000000" pitchFamily="2" charset="2"/>
-              <a:buChar char="§"/>
-            </a:pPr>
             <a:endParaRPr lang="en-US" dirty="0"/>
           </a:p>
         </p:txBody>
@@ -4765,7 +4741,7 @@
     </p:spTree>
     <p:extLst>
       <p:ext uri="{BB962C8B-B14F-4D97-AF65-F5344CB8AC3E}">
-        <p14:creationId xmlns:p14="http://schemas.microsoft.com/office/powerpoint/2010/main" val="1806114423"/>
+        <p14:creationId xmlns:p14="http://schemas.microsoft.com/office/powerpoint/2010/main" val="1639100815"/>
       </p:ext>
     </p:extLst>
   </p:cSld>
@@ -4797,7 +4773,7 @@
           <p:cNvPr id="2" name="Title 1">
             <a:extLst>
               <a:ext uri="{FF2B5EF4-FFF2-40B4-BE49-F238E27FC236}">
-                <a16:creationId xmlns:a16="http://schemas.microsoft.com/office/drawing/2014/main" id="{390EB264-3883-41F9-BACB-285D2229980C}"/>
+                <a16:creationId xmlns:a16="http://schemas.microsoft.com/office/drawing/2014/main" id="{62B031C5-C960-5B4D-8E2C-2D0F0A1B9FA1}"/>
               </a:ext>
             </a:extLst>
           </p:cNvPr>
@@ -4813,10 +4789,7 @@
           <a:bodyPr/>
           <a:lstStyle/>
           <a:p>
-            <a:r>
-              <a:rPr lang="en-US" dirty="0"/>
-              <a:t>Lessons learnt </a:t>
-            </a:r>
+            <a:endParaRPr lang="en-US"/>
           </a:p>
         </p:txBody>
       </p:sp>
@@ -4825,7 +4798,7 @@
           <p:cNvPr id="3" name="Content Placeholder 2">
             <a:extLst>
               <a:ext uri="{FF2B5EF4-FFF2-40B4-BE49-F238E27FC236}">
-                <a16:creationId xmlns:a16="http://schemas.microsoft.com/office/drawing/2014/main" id="{BEC8BDDB-FD44-4EB6-BE27-4A708B75BDAB}"/>
+                <a16:creationId xmlns:a16="http://schemas.microsoft.com/office/drawing/2014/main" id="{DBD9B124-9DE5-7043-8650-84022D10B125}"/>
               </a:ext>
             </a:extLst>
           </p:cNvPr>
@@ -4841,14 +4814,14 @@
           <a:bodyPr/>
           <a:lstStyle/>
           <a:p>
-            <a:endParaRPr lang="en-US" dirty="0"/>
+            <a:endParaRPr lang="en-US"/>
           </a:p>
         </p:txBody>
       </p:sp>
     </p:spTree>
     <p:extLst>
       <p:ext uri="{BB962C8B-B14F-4D97-AF65-F5344CB8AC3E}">
-        <p14:creationId xmlns:p14="http://schemas.microsoft.com/office/powerpoint/2010/main" val="1639100815"/>
+        <p14:creationId xmlns:p14="http://schemas.microsoft.com/office/powerpoint/2010/main" val="1611496846"/>
       </p:ext>
     </p:extLst>
   </p:cSld>
@@ -4880,7 +4853,7 @@
           <p:cNvPr id="2" name="Title 1">
             <a:extLst>
               <a:ext uri="{FF2B5EF4-FFF2-40B4-BE49-F238E27FC236}">
-                <a16:creationId xmlns:a16="http://schemas.microsoft.com/office/drawing/2014/main" id="{62B031C5-C960-5B4D-8E2C-2D0F0A1B9FA1}"/>
+                <a16:creationId xmlns:a16="http://schemas.microsoft.com/office/drawing/2014/main" id="{BD461D94-0D0F-0348-95E5-2A357932C23B}"/>
               </a:ext>
             </a:extLst>
           </p:cNvPr>
@@ -4896,7 +4869,10 @@
           <a:bodyPr/>
           <a:lstStyle/>
           <a:p>
-            <a:endParaRPr lang="en-US"/>
+            <a:r>
+              <a:rPr lang="en-US" dirty="0"/>
+              <a:t>Nearby Amenities</a:t>
+            </a:r>
           </a:p>
         </p:txBody>
       </p:sp>
@@ -4905,7 +4881,7 @@
           <p:cNvPr id="3" name="Content Placeholder 2">
             <a:extLst>
               <a:ext uri="{FF2B5EF4-FFF2-40B4-BE49-F238E27FC236}">
-                <a16:creationId xmlns:a16="http://schemas.microsoft.com/office/drawing/2014/main" id="{DBD9B124-9DE5-7043-8650-84022D10B125}"/>
+                <a16:creationId xmlns:a16="http://schemas.microsoft.com/office/drawing/2014/main" id="{0AA20437-69DD-8C47-91EE-5EC495E32373}"/>
               </a:ext>
             </a:extLst>
           </p:cNvPr>
@@ -4916,19 +4892,120 @@
             <p:ph idx="1"/>
           </p:nvPr>
         </p:nvSpPr>
-        <p:spPr/>
-        <p:txBody>
-          <a:bodyPr/>
-          <a:lstStyle/>
-          <a:p>
-            <a:endParaRPr lang="en-US"/>
+        <p:spPr>
+          <a:xfrm>
+            <a:off x="1097280" y="1845734"/>
+            <a:ext cx="10058400" cy="4463626"/>
+          </a:xfrm>
+        </p:spPr>
+        <p:txBody>
+          <a:bodyPr>
+            <a:normAutofit/>
+          </a:bodyPr>
+          <a:lstStyle/>
+          <a:p>
+            <a:r>
+              <a:rPr lang="en-US" sz="1800" dirty="0"/>
+              <a:t>  A. </a:t>
+            </a:r>
+            <a:r>
+              <a:rPr lang="en-US" sz="1800" b="1" i="1" dirty="0"/>
+              <a:t>Emergency Facilities </a:t>
+            </a:r>
+          </a:p>
+          <a:p>
+            <a:pPr lvl="1"/>
+            <a:r>
+              <a:rPr lang="en-US" dirty="0"/>
+              <a:t>How accessible are these facilities in case of mass emergency on/around sites for containing the situation and resuming business asap. Hospitals, Fire Stations, Doctors.</a:t>
+            </a:r>
+          </a:p>
+          <a:p>
+            <a:pPr marL="201168" lvl="1" indent="0">
+              <a:buNone/>
+            </a:pPr>
+            <a:r>
+              <a:rPr lang="en-US" dirty="0"/>
+              <a:t>B. </a:t>
+            </a:r>
+            <a:r>
+              <a:rPr lang="en-US" b="1" i="1" dirty="0"/>
+              <a:t>Accommodation </a:t>
+            </a:r>
+          </a:p>
+          <a:p>
+            <a:pPr lvl="1"/>
+            <a:r>
+              <a:rPr lang="en-US" dirty="0"/>
+              <a:t>Many executive employees travel from outside the city for few days a week and might need lodging facility as close to the company as possible. Also lot of local/not-local employees use vehicle for commute and will need parking nearby. Lodging, Parking.</a:t>
+            </a:r>
+          </a:p>
+          <a:p>
+            <a:pPr marL="201168" lvl="1" indent="0">
+              <a:buNone/>
+            </a:pPr>
+            <a:r>
+              <a:rPr lang="en-US" dirty="0"/>
+              <a:t>C. </a:t>
+            </a:r>
+            <a:r>
+              <a:rPr lang="en-US" b="1" i="1" dirty="0"/>
+              <a:t>Refreshments </a:t>
+            </a:r>
+          </a:p>
+          <a:p>
+            <a:pPr lvl="1"/>
+            <a:r>
+              <a:rPr lang="en-US" dirty="0"/>
+              <a:t>Basic Refreshment facilities. Café, Restaurants.</a:t>
+            </a:r>
+          </a:p>
+          <a:p>
+            <a:pPr marL="201168" lvl="1" indent="0">
+              <a:buNone/>
+            </a:pPr>
+            <a:r>
+              <a:rPr lang="en-US" dirty="0"/>
+              <a:t>D. </a:t>
+            </a:r>
+            <a:r>
+              <a:rPr lang="en-US" b="1" i="1" dirty="0"/>
+              <a:t>Basic Errands/appointments</a:t>
+            </a:r>
+          </a:p>
+          <a:p>
+            <a:pPr lvl="1"/>
+            <a:r>
+              <a:rPr lang="en-US" dirty="0"/>
+              <a:t>By large employees tend to take care of daily errands and appointments in lunch breaks or before/after work hours and prefer it to be as close to work as possible for obvious reasons. Super markets, Post Office, Doctor.</a:t>
+            </a:r>
+          </a:p>
+          <a:p>
+            <a:pPr marL="201168" lvl="1" indent="0">
+              <a:buNone/>
+            </a:pPr>
+            <a:r>
+              <a:rPr lang="en-US" dirty="0"/>
+              <a:t>E. </a:t>
+            </a:r>
+            <a:r>
+              <a:rPr lang="en-US" b="1" i="1" dirty="0"/>
+              <a:t>Fitness </a:t>
+            </a:r>
+          </a:p>
+          <a:p>
+            <a:pPr lvl="1"/>
+            <a:r>
+              <a:rPr lang="en-US" dirty="0"/>
+              <a:t>Fitness is top on priority list for a significant amount of employees now a days. Gym.</a:t>
+            </a:r>
           </a:p>
         </p:txBody>
       </p:sp>
     </p:spTree>
     <p:extLst>
       <p:ext uri="{BB962C8B-B14F-4D97-AF65-F5344CB8AC3E}">
-        <p14:creationId xmlns:p14="http://schemas.microsoft.com/office/powerpoint/2010/main" val="1611496846"/>
+        <p14:creationId xmlns:p14="http://schemas.microsoft.com/office/powerpoint/2010/main" val="660619397"/>
       </p:ext>
     </p:extLst>
   </p:cSld>
@@ -4955,164 +5032,79 @@
           <a:chExt cx="0" cy="0"/>
         </a:xfrm>
       </p:grpSpPr>
-      <p:sp>
-        <p:nvSpPr>
-          <p:cNvPr id="2" name="Title 1">
+      <p:pic>
+        <p:nvPicPr>
+          <p:cNvPr id="5" name="Content Placeholder 4">
             <a:extLst>
               <a:ext uri="{FF2B5EF4-FFF2-40B4-BE49-F238E27FC236}">
-                <a16:creationId xmlns:a16="http://schemas.microsoft.com/office/drawing/2014/main" id="{BD461D94-0D0F-0348-95E5-2A357932C23B}"/>
+                <a16:creationId xmlns:a16="http://schemas.microsoft.com/office/drawing/2014/main" id="{E68C87D7-7462-FC4E-AD8D-476C5861BE45}"/>
               </a:ext>
             </a:extLst>
           </p:cNvPr>
-          <p:cNvSpPr>
-            <a:spLocks noGrp="1"/>
-          </p:cNvSpPr>
-          <p:nvPr>
-            <p:ph type="title"/>
-          </p:nvPr>
-        </p:nvSpPr>
-        <p:spPr/>
-        <p:txBody>
-          <a:bodyPr/>
-          <a:lstStyle/>
-          <a:p>
-            <a:r>
-              <a:rPr lang="en-US" dirty="0"/>
-              <a:t>Nearby Amenities</a:t>
-            </a:r>
-          </a:p>
-        </p:txBody>
-      </p:sp>
-      <p:sp>
-        <p:nvSpPr>
-          <p:cNvPr id="3" name="Content Placeholder 2">
+          <p:cNvPicPr>
+            <a:picLocks noGrp="1" noChangeAspect="1"/>
+          </p:cNvPicPr>
+          <p:nvPr>
+            <p:ph idx="1"/>
+          </p:nvPr>
+        </p:nvPicPr>
+        <p:blipFill rotWithShape="1">
+          <a:blip r:embed="rId2">
+            <a:extLst>
+              <a:ext uri="{28A0092B-C50C-407E-A947-70E740481C1C}">
+                <a14:useLocalDpi xmlns:a14="http://schemas.microsoft.com/office/drawing/2010/main" val="0"/>
+              </a:ext>
+            </a:extLst>
+          </a:blip>
+          <a:srcRect b="5163"/>
+          <a:stretch/>
+        </p:blipFill>
+        <p:spPr>
+          <a:xfrm>
+            <a:off x="1497330" y="3371850"/>
+            <a:ext cx="8341355" cy="2948940"/>
+          </a:xfrm>
+        </p:spPr>
+      </p:pic>
+      <p:pic>
+        <p:nvPicPr>
+          <p:cNvPr id="10" name="Picture 9">
             <a:extLst>
               <a:ext uri="{FF2B5EF4-FFF2-40B4-BE49-F238E27FC236}">
-                <a16:creationId xmlns:a16="http://schemas.microsoft.com/office/drawing/2014/main" id="{0AA20437-69DD-8C47-91EE-5EC495E32373}"/>
+                <a16:creationId xmlns:a16="http://schemas.microsoft.com/office/drawing/2014/main" id="{68C90698-9174-B640-B74F-58469ECFAFB4}"/>
               </a:ext>
             </a:extLst>
           </p:cNvPr>
-          <p:cNvSpPr>
-            <a:spLocks noGrp="1"/>
-          </p:cNvSpPr>
-          <p:nvPr>
-            <p:ph idx="1"/>
-          </p:nvPr>
-        </p:nvSpPr>
-        <p:spPr>
-          <a:xfrm>
-            <a:off x="1097280" y="1845734"/>
-            <a:ext cx="10058400" cy="4463626"/>
-          </a:xfrm>
-        </p:spPr>
-        <p:txBody>
-          <a:bodyPr>
-            <a:normAutofit/>
-          </a:bodyPr>
-          <a:lstStyle/>
-          <a:p>
-            <a:r>
-              <a:rPr lang="en-US" sz="1800" dirty="0"/>
-              <a:t>  A. </a:t>
-            </a:r>
-            <a:r>
-              <a:rPr lang="en-US" sz="1800" b="1" i="1" dirty="0"/>
-              <a:t>Emergency Facilities </a:t>
-            </a:r>
-          </a:p>
-          <a:p>
-            <a:pPr lvl="1"/>
-            <a:r>
-              <a:rPr lang="en-US" dirty="0"/>
-              <a:t>How accessible are these facilities in case of mass emergency on/around sites for containing the situation and resuming business asap. Hospitals, Fire Stations, Doctors.</a:t>
-            </a:r>
-          </a:p>
-          <a:p>
-            <a:pPr marL="201168" lvl="1" indent="0">
-              <a:buNone/>
-            </a:pPr>
-            <a:r>
-              <a:rPr lang="en-US" dirty="0"/>
-              <a:t>B. </a:t>
-            </a:r>
-            <a:r>
-              <a:rPr lang="en-US" b="1" i="1" dirty="0"/>
-              <a:t>Accommodation </a:t>
-            </a:r>
-          </a:p>
-          <a:p>
-            <a:pPr lvl="1"/>
-            <a:r>
-              <a:rPr lang="en-US" dirty="0"/>
-              <a:t>Many executive employees travel from outside the city for few days a week and might need lodging facility as close to the company as possible. Also lot of local/not-local employees use vehicle for commute and will need parking nearby. Lodging, Parking.</a:t>
-            </a:r>
-          </a:p>
-          <a:p>
-            <a:pPr marL="201168" lvl="1" indent="0">
-              <a:buNone/>
-            </a:pPr>
-            <a:r>
-              <a:rPr lang="en-US" dirty="0"/>
-              <a:t>C. </a:t>
-            </a:r>
-            <a:r>
-              <a:rPr lang="en-US" b="1" i="1" dirty="0"/>
-              <a:t>Refreshments </a:t>
-            </a:r>
-          </a:p>
-          <a:p>
-            <a:pPr lvl="1"/>
-            <a:r>
-              <a:rPr lang="en-US" dirty="0"/>
-              <a:t>Basic Refreshment facilities. Café, Restaurants.</a:t>
-            </a:r>
-          </a:p>
-          <a:p>
-            <a:pPr marL="201168" lvl="1" indent="0">
-              <a:buNone/>
-            </a:pPr>
-            <a:r>
-              <a:rPr lang="en-US" dirty="0"/>
-              <a:t>D. </a:t>
-            </a:r>
-            <a:r>
-              <a:rPr lang="en-US" b="1" i="1" dirty="0"/>
-              <a:t>Basic Errands/appointments</a:t>
-            </a:r>
-          </a:p>
-          <a:p>
-            <a:pPr lvl="1"/>
-            <a:r>
-              <a:rPr lang="en-US" dirty="0"/>
-              <a:t>By large employees tend to take care of daily errands and appointments in lunch breaks or before/after work hours and prefer it to be as close to work as possible for obvious reasons. Super markets, Post Office, Doctor.</a:t>
-            </a:r>
-          </a:p>
-          <a:p>
-            <a:pPr marL="201168" lvl="1" indent="0">
-              <a:buNone/>
-            </a:pPr>
-            <a:r>
-              <a:rPr lang="en-US" dirty="0"/>
-              <a:t>E. </a:t>
-            </a:r>
-            <a:r>
-              <a:rPr lang="en-US" b="1" i="1" dirty="0"/>
-              <a:t>Fitness </a:t>
-            </a:r>
-          </a:p>
-          <a:p>
-            <a:pPr lvl="1"/>
-            <a:r>
-              <a:rPr lang="en-US" dirty="0"/>
-              <a:t>Fitness is top on priority list for a significant amount of employees now a days. Gym.</a:t>
-            </a:r>
-          </a:p>
-        </p:txBody>
-      </p:sp>
+          <p:cNvPicPr>
+            <a:picLocks noChangeAspect="1"/>
+          </p:cNvPicPr>
+          <p:nvPr/>
+        </p:nvPicPr>
+        <p:blipFill rotWithShape="1">
+          <a:blip r:embed="rId3">
+            <a:extLst>
+              <a:ext uri="{28A0092B-C50C-407E-A947-70E740481C1C}">
+                <a14:useLocalDpi xmlns:a14="http://schemas.microsoft.com/office/drawing/2010/main" val="0"/>
+              </a:ext>
+            </a:extLst>
+          </a:blip>
+          <a:srcRect b="4789"/>
+          <a:stretch/>
+        </p:blipFill>
+        <p:spPr>
+          <a:xfrm>
+            <a:off x="1497330" y="0"/>
+            <a:ext cx="8469630" cy="3009085"/>
+          </a:xfrm>
+          <a:prstGeom prst="rect">
+            <a:avLst/>
+          </a:prstGeom>
+        </p:spPr>
+      </p:pic>
     </p:spTree>
     <p:extLst>
       <p:ext uri="{BB962C8B-B14F-4D97-AF65-F5344CB8AC3E}">
-        <p14:creationId xmlns:p14="http://schemas.microsoft.com/office/powerpoint/2010/main" val="660619397"/>
+        <p14:creationId xmlns:p14="http://schemas.microsoft.com/office/powerpoint/2010/main" val="3344394509"/>
       </p:ext>
     </p:extLst>
   </p:cSld>
@@ -5144,7 +5136,7 @@
           <p:cNvPr id="5" name="Content Placeholder 4">
             <a:extLst>
               <a:ext uri="{FF2B5EF4-FFF2-40B4-BE49-F238E27FC236}">
-                <a16:creationId xmlns:a16="http://schemas.microsoft.com/office/drawing/2014/main" id="{E68C87D7-7462-FC4E-AD8D-476C5861BE45}"/>
+                <a16:creationId xmlns:a16="http://schemas.microsoft.com/office/drawing/2014/main" id="{36B990E2-5C8A-CE4F-BA1B-9615A1BA1A1D}"/>
               </a:ext>
             </a:extLst>
           </p:cNvPr>
@@ -5163,22 +5155,22 @@
               </a:ext>
             </a:extLst>
           </a:blip>
-          <a:srcRect b="5163"/>
+          <a:srcRect t="7541" b="6508"/>
           <a:stretch/>
         </p:blipFill>
         <p:spPr>
           <a:xfrm>
-            <a:off x="1497330" y="3371850"/>
-            <a:ext cx="8341355" cy="2948940"/>
+            <a:off x="2155741" y="3636493"/>
+            <a:ext cx="8089879" cy="2594610"/>
           </a:xfrm>
         </p:spPr>
       </p:pic>
       <p:pic>
         <p:nvPicPr>
-          <p:cNvPr id="10" name="Picture 9">
+          <p:cNvPr id="7" name="Picture 6">
             <a:extLst>
               <a:ext uri="{FF2B5EF4-FFF2-40B4-BE49-F238E27FC236}">
-                <a16:creationId xmlns:a16="http://schemas.microsoft.com/office/drawing/2014/main" id="{68C90698-9174-B640-B74F-58469ECFAFB4}"/>
+                <a16:creationId xmlns:a16="http://schemas.microsoft.com/office/drawing/2014/main" id="{F0B7390A-C610-2B43-8DC6-788A9A6E46F5}"/>
               </a:ext>
             </a:extLst>
           </p:cNvPr>
@@ -5195,23 +5187,169 @@
               </a:ext>
             </a:extLst>
           </a:blip>
-          <a:srcRect b="4789"/>
+          <a:srcRect t="7157" r="-1893" b="5449"/>
           <a:stretch/>
         </p:blipFill>
         <p:spPr>
           <a:xfrm>
-            <a:off x="1497330" y="0"/>
-            <a:ext cx="8469630" cy="3009085"/>
+            <a:off x="-1" y="1003783"/>
+            <a:ext cx="6905953" cy="2208047"/>
           </a:xfrm>
           <a:prstGeom prst="rect">
             <a:avLst/>
           </a:prstGeom>
         </p:spPr>
       </p:pic>
+      <p:pic>
+        <p:nvPicPr>
+          <p:cNvPr id="9" name="Picture 8">
+            <a:extLst>
+              <a:ext uri="{FF2B5EF4-FFF2-40B4-BE49-F238E27FC236}">
+                <a16:creationId xmlns:a16="http://schemas.microsoft.com/office/drawing/2014/main" id="{EB8C8D5D-5AF2-7D40-8967-2B74C36CFC4D}"/>
+              </a:ext>
+            </a:extLst>
+          </p:cNvPr>
+          <p:cNvPicPr>
+            <a:picLocks noChangeAspect="1"/>
+          </p:cNvPicPr>
+          <p:nvPr/>
+        </p:nvPicPr>
+        <p:blipFill rotWithShape="1">
+          <a:blip r:embed="rId4">
+            <a:extLst>
+              <a:ext uri="{28A0092B-C50C-407E-A947-70E740481C1C}">
+                <a14:useLocalDpi xmlns:a14="http://schemas.microsoft.com/office/drawing/2010/main" val="0"/>
+              </a:ext>
+            </a:extLst>
+          </a:blip>
+          <a:srcRect l="7238" t="11981" r="8057" b="6871"/>
+          <a:stretch/>
+        </p:blipFill>
+        <p:spPr>
+          <a:xfrm>
+            <a:off x="6767722" y="615163"/>
+            <a:ext cx="5416658" cy="2594610"/>
+          </a:xfrm>
+          <a:prstGeom prst="rect">
+            <a:avLst/>
+          </a:prstGeom>
+        </p:spPr>
+      </p:pic>
+      <p:sp>
+        <p:nvSpPr>
+          <p:cNvPr id="10" name="TextBox 9">
+            <a:extLst>
+              <a:ext uri="{FF2B5EF4-FFF2-40B4-BE49-F238E27FC236}">
+                <a16:creationId xmlns:a16="http://schemas.microsoft.com/office/drawing/2014/main" id="{0BA7F892-9743-8143-96D2-F33A666E5F12}"/>
+              </a:ext>
+            </a:extLst>
+          </p:cNvPr>
+          <p:cNvSpPr txBox="1"/>
+          <p:nvPr/>
+        </p:nvSpPr>
+        <p:spPr>
+          <a:xfrm>
+            <a:off x="8375012" y="338164"/>
+            <a:ext cx="2202078" cy="276999"/>
+          </a:xfrm>
+          <a:prstGeom prst="rect">
+            <a:avLst/>
+          </a:prstGeom>
+          <a:noFill/>
+        </p:spPr>
+        <p:txBody>
+          <a:bodyPr wrap="none" rtlCol="0">
+            <a:spAutoFit/>
+          </a:bodyPr>
+          <a:lstStyle/>
+          <a:p>
+            <a:r>
+              <a:rPr lang="en-US" sz="1200" b="1" dirty="0">
+                <a:latin typeface="Arial Rounded MT Bold" panose="020F0704030504030204" pitchFamily="34" charset="77"/>
+              </a:rPr>
+              <a:t>City Refreshments Ranking</a:t>
+            </a:r>
+          </a:p>
+        </p:txBody>
+      </p:sp>
+      <p:sp>
+        <p:nvSpPr>
+          <p:cNvPr id="11" name="TextBox 10">
+            <a:extLst>
+              <a:ext uri="{FF2B5EF4-FFF2-40B4-BE49-F238E27FC236}">
+                <a16:creationId xmlns:a16="http://schemas.microsoft.com/office/drawing/2014/main" id="{E4867827-C2BD-3A44-9CDA-CADE25064467}"/>
+              </a:ext>
+            </a:extLst>
+          </p:cNvPr>
+          <p:cNvSpPr txBox="1"/>
+          <p:nvPr/>
+        </p:nvSpPr>
+        <p:spPr>
+          <a:xfrm>
+            <a:off x="1257932" y="341974"/>
+            <a:ext cx="2043060" cy="276999"/>
+          </a:xfrm>
+          <a:prstGeom prst="rect">
+            <a:avLst/>
+          </a:prstGeom>
+          <a:noFill/>
+        </p:spPr>
+        <p:txBody>
+          <a:bodyPr wrap="none" rtlCol="0">
+            <a:spAutoFit/>
+          </a:bodyPr>
+          <a:lstStyle/>
+          <a:p>
+            <a:r>
+              <a:rPr lang="en-US" sz="1200" b="1" dirty="0">
+                <a:latin typeface="Arial Rounded MT Bold" panose="020F0704030504030204" pitchFamily="34" charset="77"/>
+              </a:rPr>
+              <a:t>City Gymnasium Ranking</a:t>
+            </a:r>
+          </a:p>
+        </p:txBody>
+      </p:sp>
+      <p:sp>
+        <p:nvSpPr>
+          <p:cNvPr id="12" name="TextBox 11">
+            <a:extLst>
+              <a:ext uri="{FF2B5EF4-FFF2-40B4-BE49-F238E27FC236}">
+                <a16:creationId xmlns:a16="http://schemas.microsoft.com/office/drawing/2014/main" id="{F9429A70-E256-964E-A767-948DBCB84358}"/>
+              </a:ext>
+            </a:extLst>
+          </p:cNvPr>
+          <p:cNvSpPr txBox="1"/>
+          <p:nvPr/>
+        </p:nvSpPr>
+        <p:spPr>
+          <a:xfrm>
+            <a:off x="4972682" y="3359494"/>
+            <a:ext cx="1758238" cy="276999"/>
+          </a:xfrm>
+          <a:prstGeom prst="rect">
+            <a:avLst/>
+          </a:prstGeom>
+          <a:noFill/>
+        </p:spPr>
+        <p:txBody>
+          <a:bodyPr wrap="none" rtlCol="0">
+            <a:spAutoFit/>
+          </a:bodyPr>
+          <a:lstStyle/>
+          <a:p>
+            <a:r>
+              <a:rPr lang="en-US" sz="1200" b="1" dirty="0">
+                <a:latin typeface="Arial Rounded MT Bold" panose="020F0704030504030204" pitchFamily="34" charset="77"/>
+              </a:rPr>
+              <a:t>City Errands Ranking</a:t>
+            </a:r>
+          </a:p>
+        </p:txBody>
+      </p:sp>
     </p:spTree>
     <p:extLst>
       <p:ext uri="{BB962C8B-B14F-4D97-AF65-F5344CB8AC3E}">
-        <p14:creationId xmlns:p14="http://schemas.microsoft.com/office/powerpoint/2010/main" val="3344394509"/>
+        <p14:creationId xmlns:p14="http://schemas.microsoft.com/office/powerpoint/2010/main" val="1367037543"/>
       </p:ext>
     </p:extLst>
   </p:cSld>
@@ -5238,48 +5376,40 @@
           <a:chExt cx="0" cy="0"/>
         </a:xfrm>
       </p:grpSpPr>
-      <p:pic>
-        <p:nvPicPr>
-          <p:cNvPr id="5" name="Picture 4">
+      <p:sp>
+        <p:nvSpPr>
+          <p:cNvPr id="2" name="Title 1">
             <a:extLst>
               <a:ext uri="{FF2B5EF4-FFF2-40B4-BE49-F238E27FC236}">
-                <a16:creationId xmlns:a16="http://schemas.microsoft.com/office/drawing/2014/main" id="{06C0ABB1-7187-094A-8DAB-40D99DA19870}"/>
+                <a16:creationId xmlns:a16="http://schemas.microsoft.com/office/drawing/2014/main" id="{390EB264-3883-41F9-BACB-285D2229980C}"/>
               </a:ext>
             </a:extLst>
           </p:cNvPr>
-          <p:cNvPicPr>
-            <a:picLocks noChangeAspect="1"/>
-          </p:cNvPicPr>
-          <p:nvPr/>
-        </p:nvPicPr>
-        <p:blipFill rotWithShape="1">
-          <a:blip r:embed="rId2">
-            <a:alphaModFix amt="15000"/>
-            <a:extLst>
-              <a:ext uri="{28A0092B-C50C-407E-A947-70E740481C1C}">
-                <a14:useLocalDpi xmlns:a14="http://schemas.microsoft.com/office/drawing/2010/main" val="0"/>
-              </a:ext>
-            </a:extLst>
-          </a:blip>
-          <a:srcRect l="13008" t="17665" r="9506" b="6167"/>
-          <a:stretch/>
-        </p:blipFill>
-        <p:spPr>
-          <a:xfrm>
-            <a:off x="502920" y="0"/>
-            <a:ext cx="11235690" cy="6217150"/>
-          </a:xfrm>
-          <a:prstGeom prst="rect">
-            <a:avLst/>
-          </a:prstGeom>
-        </p:spPr>
-      </p:pic>
-      <p:sp>
-        <p:nvSpPr>
-          <p:cNvPr id="2" name="Title 1">
+          <p:cNvSpPr>
+            <a:spLocks noGrp="1"/>
+          </p:cNvSpPr>
+          <p:nvPr>
+            <p:ph type="title"/>
+          </p:nvPr>
+        </p:nvSpPr>
+        <p:spPr/>
+        <p:txBody>
+          <a:bodyPr/>
+          <a:lstStyle/>
+          <a:p>
+            <a:r>
+              <a:rPr lang="en-US" dirty="0"/>
+              <a:t>The $5 Billion Question</a:t>
+            </a:r>
+          </a:p>
+        </p:txBody>
+      </p:sp>
+      <p:sp>
+        <p:nvSpPr>
+          <p:cNvPr id="3" name="Content Placeholder 2">
             <a:extLst>
               <a:ext uri="{FF2B5EF4-FFF2-40B4-BE49-F238E27FC236}">
-                <a16:creationId xmlns:a16="http://schemas.microsoft.com/office/drawing/2014/main" id="{B41C06A5-EFAB-4E81-BE16-8703E062FAC9}"/>
+                <a16:creationId xmlns:a16="http://schemas.microsoft.com/office/drawing/2014/main" id="{BEC8BDDB-FD44-4EB6-BE27-4A708B75BDAB}"/>
               </a:ext>
             </a:extLst>
           </p:cNvPr>
@@ -5287,94 +5417,84 @@
             <a:spLocks noGrp="1"/>
           </p:cNvSpPr>
           <p:nvPr>
-            <p:ph type="ctrTitle"/>
-          </p:nvPr>
-        </p:nvSpPr>
-        <p:spPr>
-          <a:xfrm>
-            <a:off x="1097280" y="758952"/>
-            <a:ext cx="10058400" cy="3566160"/>
+            <p:ph idx="1"/>
+          </p:nvPr>
+        </p:nvSpPr>
+        <p:spPr>
+          <a:xfrm>
+            <a:off x="1084923" y="1845734"/>
+            <a:ext cx="10058400" cy="4023360"/>
           </a:xfrm>
         </p:spPr>
         <p:txBody>
           <a:bodyPr/>
           <a:lstStyle/>
           <a:p>
-            <a:r>
-              <a:rPr lang="en-US" dirty="0"/>
-              <a:t>Pick Me Amazon!</a:t>
-            </a:r>
-          </a:p>
-        </p:txBody>
-      </p:sp>
-      <p:sp>
-        <p:nvSpPr>
-          <p:cNvPr id="3" name="Subtitle 2">
-            <a:extLst>
-              <a:ext uri="{FF2B5EF4-FFF2-40B4-BE49-F238E27FC236}">
-                <a16:creationId xmlns:a16="http://schemas.microsoft.com/office/drawing/2014/main" id="{16514017-9304-4743-9F53-4DA92C050D17}"/>
-              </a:ext>
-            </a:extLst>
-          </p:cNvPr>
-          <p:cNvSpPr>
-            <a:spLocks noGrp="1"/>
-          </p:cNvSpPr>
-          <p:nvPr>
-            <p:ph type="subTitle" idx="1"/>
-          </p:nvPr>
-        </p:nvSpPr>
-        <p:spPr>
-          <a:xfrm>
-            <a:off x="1100051" y="4455620"/>
-            <a:ext cx="10058400" cy="1143000"/>
-          </a:xfrm>
-        </p:spPr>
-        <p:txBody>
-          <a:bodyPr>
-            <a:normAutofit fontScale="92500"/>
-          </a:bodyPr>
-          <a:lstStyle/>
-          <a:p>
-            <a:r>
-              <a:rPr lang="en-US" sz="3000" b="1" dirty="0"/>
-              <a:t>Project 1 – UCB-DATA ANLYTICS BOOTCAMP</a:t>
-            </a:r>
-          </a:p>
-          <a:p>
-            <a:r>
-              <a:rPr lang="en-US" b="1" dirty="0"/>
-              <a:t>Guirlyn V Olivar, Helen LeAO, Indrani Kompella and Niyati Desai</a:t>
-            </a:r>
-          </a:p>
-        </p:txBody>
-      </p:sp>
-      <p:sp>
-        <p:nvSpPr>
-          <p:cNvPr id="6" name="TextBox 5">
-            <a:extLst>
-              <a:ext uri="{FF2B5EF4-FFF2-40B4-BE49-F238E27FC236}">
-                <a16:creationId xmlns:a16="http://schemas.microsoft.com/office/drawing/2014/main" id="{016AAC0F-C33A-034E-90E8-8BDFD51AC1BE}"/>
-              </a:ext>
-            </a:extLst>
-          </p:cNvPr>
-          <p:cNvSpPr txBox="1"/>
-          <p:nvPr/>
-        </p:nvSpPr>
-        <p:spPr>
-          <a:xfrm>
-            <a:off x="12070080" y="2743200"/>
-            <a:ext cx="184731" cy="369332"/>
-          </a:xfrm>
-          <a:prstGeom prst="rect">
-            <a:avLst/>
-          </a:prstGeom>
-          <a:noFill/>
-        </p:spPr>
-        <p:txBody>
-          <a:bodyPr wrap="none" rtlCol="0">
-            <a:spAutoFit/>
-          </a:bodyPr>
-          <a:lstStyle/>
+            <a:pPr marL="0" indent="0">
+              <a:buNone/>
+            </a:pPr>
+            <a:r>
+              <a:rPr lang="en-US" sz="3200" dirty="0"/>
+              <a:t>Cities across the U.S are competing to attract Amazon’s second head quarters which would bring </a:t>
+            </a:r>
+            <a:r>
+              <a:rPr lang="en-US" sz="3200" b="1" dirty="0"/>
+              <a:t>50,000 jobs </a:t>
+            </a:r>
+            <a:r>
+              <a:rPr lang="en-US" sz="3200" dirty="0"/>
+              <a:t>and </a:t>
+            </a:r>
+            <a:r>
+              <a:rPr lang="en-US" sz="3200" b="1" dirty="0"/>
+              <a:t>$5 billion investment</a:t>
+            </a:r>
+            <a:r>
+              <a:rPr lang="en-US" sz="3200" dirty="0"/>
+              <a:t>. Out of the original 238 cities, 20 cities made it the final cut.</a:t>
+            </a:r>
+          </a:p>
+          <a:p>
+            <a:pPr marL="0" indent="0">
+              <a:buNone/>
+            </a:pPr>
+            <a:r>
+              <a:rPr lang="en-US" sz="3200" dirty="0"/>
+              <a:t>If Amazon were a person (</a:t>
+            </a:r>
+            <a:r>
+              <a:rPr lang="en-US" sz="3200" dirty="0">
+                <a:solidFill>
+                  <a:schemeClr val="accent1">
+                    <a:lumMod val="75000"/>
+                  </a:schemeClr>
+                </a:solidFill>
+              </a:rPr>
+              <a:t>Yes…corporations are people!) </a:t>
+            </a:r>
+            <a:r>
+              <a:rPr lang="en-US" sz="3200" dirty="0"/>
+              <a:t>which city should he choose? </a:t>
+            </a:r>
+          </a:p>
+          <a:p>
+            <a:pPr marL="0" indent="0">
+              <a:buNone/>
+            </a:pPr>
+            <a:r>
+              <a:rPr lang="en-US" sz="3200" dirty="0"/>
+              <a:t>We are here to help!</a:t>
+            </a:r>
+          </a:p>
+          <a:p>
+            <a:pPr marL="0" indent="0">
+              <a:buNone/>
+            </a:pPr>
+            <a:endParaRPr lang="en-US" dirty="0"/>
+          </a:p>
+          <a:p>
+            <a:endParaRPr lang="en-US" dirty="0"/>
+          </a:p>
           <a:p>
             <a:endParaRPr lang="en-US" dirty="0"/>
           </a:p>
@@ -5383,252 +5503,7 @@
     </p:spTree>
     <p:extLst>
       <p:ext uri="{BB962C8B-B14F-4D97-AF65-F5344CB8AC3E}">
-        <p14:creationId xmlns:p14="http://schemas.microsoft.com/office/powerpoint/2010/main" val="2713940244"/>
-      </p:ext>
-    </p:extLst>
-  </p:cSld>
-  <p:clrMapOvr>
-    <a:masterClrMapping/>
-  </p:clrMapOvr>
-</p:sld>
-</file>
-
-<file path=ppt/slides/slide20.xml><?xml version="1.0" encoding="utf-8"?>
-<p:sld xmlns:a="http://schemas.openxmlformats.org/drawingml/2006/main" xmlns:r="http://schemas.openxmlformats.org/officeDocument/2006/relationships" xmlns:p="http://schemas.openxmlformats.org/presentationml/2006/main">
-  <p:cSld>
-    <p:spTree>
-      <p:nvGrpSpPr>
-        <p:cNvPr id="1" name=""/>
-        <p:cNvGrpSpPr/>
-        <p:nvPr/>
-      </p:nvGrpSpPr>
-      <p:grpSpPr>
-        <a:xfrm>
-          <a:off x="0" y="0"/>
-          <a:ext cx="0" cy="0"/>
-          <a:chOff x="0" y="0"/>
-          <a:chExt cx="0" cy="0"/>
-        </a:xfrm>
-      </p:grpSpPr>
-      <p:pic>
-        <p:nvPicPr>
-          <p:cNvPr id="5" name="Content Placeholder 4">
-            <a:extLst>
-              <a:ext uri="{FF2B5EF4-FFF2-40B4-BE49-F238E27FC236}">
-                <a16:creationId xmlns:a16="http://schemas.microsoft.com/office/drawing/2014/main" id="{36B990E2-5C8A-CE4F-BA1B-9615A1BA1A1D}"/>
-              </a:ext>
-            </a:extLst>
-          </p:cNvPr>
-          <p:cNvPicPr>
-            <a:picLocks noGrp="1" noChangeAspect="1"/>
-          </p:cNvPicPr>
-          <p:nvPr>
-            <p:ph idx="1"/>
-          </p:nvPr>
-        </p:nvPicPr>
-        <p:blipFill rotWithShape="1">
-          <a:blip r:embed="rId2">
-            <a:extLst>
-              <a:ext uri="{28A0092B-C50C-407E-A947-70E740481C1C}">
-                <a14:useLocalDpi xmlns:a14="http://schemas.microsoft.com/office/drawing/2010/main" val="0"/>
-              </a:ext>
-            </a:extLst>
-          </a:blip>
-          <a:srcRect t="7541" b="6508"/>
-          <a:stretch/>
-        </p:blipFill>
-        <p:spPr>
-          <a:xfrm>
-            <a:off x="2155741" y="3636493"/>
-            <a:ext cx="8089879" cy="2594610"/>
-          </a:xfrm>
-        </p:spPr>
-      </p:pic>
-      <p:pic>
-        <p:nvPicPr>
-          <p:cNvPr id="7" name="Picture 6">
-            <a:extLst>
-              <a:ext uri="{FF2B5EF4-FFF2-40B4-BE49-F238E27FC236}">
-                <a16:creationId xmlns:a16="http://schemas.microsoft.com/office/drawing/2014/main" id="{F0B7390A-C610-2B43-8DC6-788A9A6E46F5}"/>
-              </a:ext>
-            </a:extLst>
-          </p:cNvPr>
-          <p:cNvPicPr>
-            <a:picLocks noChangeAspect="1"/>
-          </p:cNvPicPr>
-          <p:nvPr/>
-        </p:nvPicPr>
-        <p:blipFill rotWithShape="1">
-          <a:blip r:embed="rId3">
-            <a:extLst>
-              <a:ext uri="{28A0092B-C50C-407E-A947-70E740481C1C}">
-                <a14:useLocalDpi xmlns:a14="http://schemas.microsoft.com/office/drawing/2010/main" val="0"/>
-              </a:ext>
-            </a:extLst>
-          </a:blip>
-          <a:srcRect t="7157" r="-1893" b="5449"/>
-          <a:stretch/>
-        </p:blipFill>
-        <p:spPr>
-          <a:xfrm>
-            <a:off x="-1" y="1003783"/>
-            <a:ext cx="6905953" cy="2208047"/>
-          </a:xfrm>
-          <a:prstGeom prst="rect">
-            <a:avLst/>
-          </a:prstGeom>
-        </p:spPr>
-      </p:pic>
-      <p:pic>
-        <p:nvPicPr>
-          <p:cNvPr id="9" name="Picture 8">
-            <a:extLst>
-              <a:ext uri="{FF2B5EF4-FFF2-40B4-BE49-F238E27FC236}">
-                <a16:creationId xmlns:a16="http://schemas.microsoft.com/office/drawing/2014/main" id="{EB8C8D5D-5AF2-7D40-8967-2B74C36CFC4D}"/>
-              </a:ext>
-            </a:extLst>
-          </p:cNvPr>
-          <p:cNvPicPr>
-            <a:picLocks noChangeAspect="1"/>
-          </p:cNvPicPr>
-          <p:nvPr/>
-        </p:nvPicPr>
-        <p:blipFill rotWithShape="1">
-          <a:blip r:embed="rId4">
-            <a:extLst>
-              <a:ext uri="{28A0092B-C50C-407E-A947-70E740481C1C}">
-                <a14:useLocalDpi xmlns:a14="http://schemas.microsoft.com/office/drawing/2010/main" val="0"/>
-              </a:ext>
-            </a:extLst>
-          </a:blip>
-          <a:srcRect l="7238" t="11981" r="8057" b="6871"/>
-          <a:stretch/>
-        </p:blipFill>
-        <p:spPr>
-          <a:xfrm>
-            <a:off x="6767722" y="615163"/>
-            <a:ext cx="5416658" cy="2594610"/>
-          </a:xfrm>
-          <a:prstGeom prst="rect">
-            <a:avLst/>
-          </a:prstGeom>
-        </p:spPr>
-      </p:pic>
-      <p:sp>
-        <p:nvSpPr>
-          <p:cNvPr id="10" name="TextBox 9">
-            <a:extLst>
-              <a:ext uri="{FF2B5EF4-FFF2-40B4-BE49-F238E27FC236}">
-                <a16:creationId xmlns:a16="http://schemas.microsoft.com/office/drawing/2014/main" id="{0BA7F892-9743-8143-96D2-F33A666E5F12}"/>
-              </a:ext>
-            </a:extLst>
-          </p:cNvPr>
-          <p:cNvSpPr txBox="1"/>
-          <p:nvPr/>
-        </p:nvSpPr>
-        <p:spPr>
-          <a:xfrm>
-            <a:off x="8375012" y="338164"/>
-            <a:ext cx="2202078" cy="276999"/>
-          </a:xfrm>
-          <a:prstGeom prst="rect">
-            <a:avLst/>
-          </a:prstGeom>
-          <a:noFill/>
-        </p:spPr>
-        <p:txBody>
-          <a:bodyPr wrap="none" rtlCol="0">
-            <a:spAutoFit/>
-          </a:bodyPr>
-          <a:lstStyle/>
-          <a:p>
-            <a:r>
-              <a:rPr lang="en-US" sz="1200" b="1" dirty="0">
-                <a:latin typeface="Arial Rounded MT Bold" panose="020F0704030504030204" pitchFamily="34" charset="77"/>
-              </a:rPr>
-              <a:t>City Refreshments Ranking</a:t>
-            </a:r>
-          </a:p>
-        </p:txBody>
-      </p:sp>
-      <p:sp>
-        <p:nvSpPr>
-          <p:cNvPr id="11" name="TextBox 10">
-            <a:extLst>
-              <a:ext uri="{FF2B5EF4-FFF2-40B4-BE49-F238E27FC236}">
-                <a16:creationId xmlns:a16="http://schemas.microsoft.com/office/drawing/2014/main" id="{E4867827-C2BD-3A44-9CDA-CADE25064467}"/>
-              </a:ext>
-            </a:extLst>
-          </p:cNvPr>
-          <p:cNvSpPr txBox="1"/>
-          <p:nvPr/>
-        </p:nvSpPr>
-        <p:spPr>
-          <a:xfrm>
-            <a:off x="1257932" y="341974"/>
-            <a:ext cx="2043060" cy="276999"/>
-          </a:xfrm>
-          <a:prstGeom prst="rect">
-            <a:avLst/>
-          </a:prstGeom>
-          <a:noFill/>
-        </p:spPr>
-        <p:txBody>
-          <a:bodyPr wrap="none" rtlCol="0">
-            <a:spAutoFit/>
-          </a:bodyPr>
-          <a:lstStyle/>
-          <a:p>
-            <a:r>
-              <a:rPr lang="en-US" sz="1200" b="1" dirty="0">
-                <a:latin typeface="Arial Rounded MT Bold" panose="020F0704030504030204" pitchFamily="34" charset="77"/>
-              </a:rPr>
-              <a:t>City Gymnasium Ranking</a:t>
-            </a:r>
-          </a:p>
-        </p:txBody>
-      </p:sp>
-      <p:sp>
-        <p:nvSpPr>
-          <p:cNvPr id="12" name="TextBox 11">
-            <a:extLst>
-              <a:ext uri="{FF2B5EF4-FFF2-40B4-BE49-F238E27FC236}">
-                <a16:creationId xmlns:a16="http://schemas.microsoft.com/office/drawing/2014/main" id="{F9429A70-E256-964E-A767-948DBCB84358}"/>
-              </a:ext>
-            </a:extLst>
-          </p:cNvPr>
-          <p:cNvSpPr txBox="1"/>
-          <p:nvPr/>
-        </p:nvSpPr>
-        <p:spPr>
-          <a:xfrm>
-            <a:off x="4972682" y="3359494"/>
-            <a:ext cx="1758238" cy="276999"/>
-          </a:xfrm>
-          <a:prstGeom prst="rect">
-            <a:avLst/>
-          </a:prstGeom>
-          <a:noFill/>
-        </p:spPr>
-        <p:txBody>
-          <a:bodyPr wrap="none" rtlCol="0">
-            <a:spAutoFit/>
-          </a:bodyPr>
-          <a:lstStyle/>
-          <a:p>
-            <a:r>
-              <a:rPr lang="en-US" sz="1200" b="1" dirty="0">
-                <a:latin typeface="Arial Rounded MT Bold" panose="020F0704030504030204" pitchFamily="34" charset="77"/>
-              </a:rPr>
-              <a:t>City Errands Ranking</a:t>
-            </a:r>
-          </a:p>
-        </p:txBody>
-      </p:sp>
-    </p:spTree>
-    <p:extLst>
-      <p:ext uri="{BB962C8B-B14F-4D97-AF65-F5344CB8AC3E}">
-        <p14:creationId xmlns:p14="http://schemas.microsoft.com/office/powerpoint/2010/main" val="1367037543"/>
+        <p14:creationId xmlns:p14="http://schemas.microsoft.com/office/powerpoint/2010/main" val="71064535"/>
       </p:ext>
     </p:extLst>
   </p:cSld>
@@ -5678,7 +5553,7 @@
           <a:p>
             <a:r>
               <a:rPr lang="en-US" dirty="0"/>
-              <a:t>The $5 Billion Question</a:t>
+              <a:t>Amazon’s Selection Criteria</a:t>
             </a:r>
           </a:p>
         </p:txBody>
@@ -5701,88 +5576,166 @@
         </p:nvSpPr>
         <p:spPr>
           <a:xfrm>
-            <a:off x="1084923" y="1845734"/>
-            <a:ext cx="10058400" cy="4023360"/>
-          </a:xfrm>
-        </p:spPr>
-        <p:txBody>
-          <a:bodyPr/>
-          <a:lstStyle/>
-          <a:p>
-            <a:pPr marL="0" indent="0">
-              <a:buNone/>
+            <a:off x="1097280" y="1468057"/>
+            <a:ext cx="10802277" cy="4819135"/>
+          </a:xfrm>
+        </p:spPr>
+        <p:txBody>
+          <a:bodyPr>
+            <a:normAutofit/>
+          </a:bodyPr>
+          <a:lstStyle/>
+          <a:p>
+            <a:endParaRPr lang="en-US" dirty="0"/>
+          </a:p>
+          <a:p>
+            <a:pPr fontAlgn="base">
+              <a:spcBef>
+                <a:spcPts val="600"/>
+              </a:spcBef>
+              <a:spcAft>
+                <a:spcPts val="0"/>
+              </a:spcAft>
             </a:pPr>
             <a:r>
-              <a:rPr lang="en-US" sz="3200" dirty="0"/>
-              <a:t>Cities across the U.S are competing to attract Amazon’s second head quarters which would bring </a:t>
-            </a:r>
-            <a:r>
-              <a:rPr lang="en-US" sz="3200" b="1" dirty="0"/>
-              <a:t>50,000 jobs </a:t>
-            </a:r>
-            <a:r>
-              <a:rPr lang="en-US" sz="3200" dirty="0"/>
-              <a:t>and </a:t>
-            </a:r>
-            <a:r>
-              <a:rPr lang="en-US" sz="3200" b="1" dirty="0"/>
-              <a:t>$5 billion investment</a:t>
-            </a:r>
-            <a:r>
-              <a:rPr lang="en-US" sz="3200" dirty="0"/>
-              <a:t>. Out of the original 238 cities, 20 cities made it the final cut.</a:t>
-            </a:r>
-          </a:p>
-          <a:p>
-            <a:pPr marL="0" indent="0">
-              <a:buNone/>
+              <a:rPr lang="en-US" sz="2400" b="1" dirty="0"/>
+              <a:t>Metropolitan areas with more than one million people.</a:t>
+            </a:r>
+          </a:p>
+          <a:p>
+            <a:pPr fontAlgn="base">
+              <a:spcBef>
+                <a:spcPts val="600"/>
+              </a:spcBef>
+              <a:spcAft>
+                <a:spcPts val="0"/>
+              </a:spcAft>
             </a:pPr>
             <a:r>
-              <a:rPr lang="en-US" sz="3200" dirty="0"/>
-              <a:t>If Amazon were a person (</a:t>
-            </a:r>
-            <a:r>
-              <a:rPr lang="en-US" sz="3200" dirty="0">
+              <a:rPr lang="en-US" sz="2400" dirty="0"/>
+              <a:t> (Spoiler Alert : All the 20 shortlisted cities meet this criteria.)</a:t>
+            </a:r>
+          </a:p>
+          <a:p>
+            <a:pPr fontAlgn="base">
+              <a:spcBef>
+                <a:spcPts val="600"/>
+              </a:spcBef>
+              <a:spcAft>
+                <a:spcPts val="0"/>
+              </a:spcAft>
+            </a:pPr>
+            <a:endParaRPr lang="en-US" sz="2400" dirty="0"/>
+          </a:p>
+          <a:p>
+            <a:pPr fontAlgn="base">
+              <a:spcBef>
+                <a:spcPts val="600"/>
+              </a:spcBef>
+              <a:spcAft>
+                <a:spcPts val="0"/>
+              </a:spcAft>
+            </a:pPr>
+            <a:r>
+              <a:rPr lang="en-US" sz="2400" b="1" dirty="0"/>
+              <a:t>A stable and </a:t>
+            </a:r>
+            <a:r>
+              <a:rPr lang="en-US" sz="2400" b="1" i="1" dirty="0">
                 <a:solidFill>
                   <a:schemeClr val="accent1">
                     <a:lumMod val="75000"/>
                   </a:schemeClr>
                 </a:solidFill>
               </a:rPr>
-              <a:t>Yes…corporations are people!) </a:t>
-            </a:r>
-            <a:r>
-              <a:rPr lang="en-US" sz="3200" dirty="0"/>
-              <a:t>which city should he choose? </a:t>
-            </a:r>
-          </a:p>
-          <a:p>
-            <a:pPr marL="0" indent="0">
-              <a:buNone/>
+              <a:t>business-friendly </a:t>
+            </a:r>
+            <a:r>
+              <a:rPr lang="en-US" sz="2400" b="1" dirty="0"/>
+              <a:t>environment.</a:t>
+            </a:r>
+          </a:p>
+          <a:p>
+            <a:pPr fontAlgn="base">
+              <a:spcBef>
+                <a:spcPts val="600"/>
+              </a:spcBef>
+              <a:spcAft>
+                <a:spcPts val="0"/>
+              </a:spcAft>
             </a:pPr>
             <a:r>
-              <a:rPr lang="en-US" sz="3200" dirty="0"/>
-              <a:t>We are here to help!</a:t>
-            </a:r>
-          </a:p>
-          <a:p>
-            <a:pPr marL="0" indent="0">
+              <a:rPr lang="en-US" sz="2400" b="1" dirty="0"/>
+              <a:t>Communities that think big and creatively when considering locations and real estate options.</a:t>
+            </a:r>
+          </a:p>
+          <a:p>
+            <a:pPr marL="0" indent="0" fontAlgn="base">
+              <a:spcBef>
+                <a:spcPts val="600"/>
+              </a:spcBef>
+              <a:spcAft>
+                <a:spcPts val="0"/>
+              </a:spcAft>
               <a:buNone/>
             </a:pPr>
-            <a:endParaRPr lang="en-US" dirty="0"/>
-          </a:p>
-          <a:p>
-            <a:endParaRPr lang="en-US" dirty="0"/>
-          </a:p>
-          <a:p>
-            <a:endParaRPr lang="en-US" dirty="0"/>
+            <a:r>
+              <a:rPr lang="en-US" sz="2400" dirty="0"/>
+              <a:t> Non quantifiable metrics. We assumed all the cities meet this criteria as well.</a:t>
+            </a:r>
+          </a:p>
+          <a:p>
+            <a:pPr marL="0" indent="0" fontAlgn="base">
+              <a:spcBef>
+                <a:spcPts val="600"/>
+              </a:spcBef>
+              <a:spcAft>
+                <a:spcPts val="0"/>
+              </a:spcAft>
+              <a:buNone/>
+            </a:pPr>
+            <a:endParaRPr lang="en-US" sz="2400" dirty="0"/>
+          </a:p>
+          <a:p>
+            <a:pPr fontAlgn="base">
+              <a:spcBef>
+                <a:spcPts val="600"/>
+              </a:spcBef>
+              <a:spcAft>
+                <a:spcPts val="0"/>
+              </a:spcAft>
+            </a:pPr>
+            <a:r>
+              <a:rPr lang="en-US" sz="2400" b="1" u="sng" dirty="0">
+                <a:solidFill>
+                  <a:schemeClr val="accent1">
+                    <a:lumMod val="50000"/>
+                  </a:schemeClr>
+                </a:solidFill>
+              </a:rPr>
+              <a:t>Urban or suburban locations with the potential to attract and retain strong technical talent.</a:t>
+            </a:r>
+          </a:p>
+          <a:p>
+            <a:pPr fontAlgn="base">
+              <a:spcBef>
+                <a:spcPts val="600"/>
+              </a:spcBef>
+              <a:spcAft>
+                <a:spcPts val="0"/>
+              </a:spcAft>
+            </a:pPr>
+            <a:r>
+              <a:rPr lang="en-US" sz="2400" dirty="0"/>
+              <a:t>Measurable Metrics. Criteria we used!</a:t>
+            </a:r>
           </a:p>
         </p:txBody>
       </p:sp>
     </p:spTree>
     <p:extLst>
       <p:ext uri="{BB962C8B-B14F-4D97-AF65-F5344CB8AC3E}">
-        <p14:creationId xmlns:p14="http://schemas.microsoft.com/office/powerpoint/2010/main" val="71064535"/>
+        <p14:creationId xmlns:p14="http://schemas.microsoft.com/office/powerpoint/2010/main" val="3288892624"/>
       </p:ext>
     </p:extLst>
   </p:cSld>
@@ -5832,7 +5785,7 @@
           <a:p>
             <a:r>
               <a:rPr lang="en-US" dirty="0"/>
-              <a:t>Amazon’s Selection Criteria</a:t>
+              <a:t>Metrics Used/Questions Asked</a:t>
             </a:r>
           </a:p>
         </p:txBody>
@@ -5855,7 +5808,7 @@
         </p:nvSpPr>
         <p:spPr>
           <a:xfrm>
-            <a:off x="1097280" y="1468057"/>
+            <a:off x="1036320" y="1752262"/>
             <a:ext cx="10802277" cy="4819135"/>
           </a:xfrm>
         </p:spPr>
@@ -5865,156 +5818,121 @@
           </a:bodyPr>
           <a:lstStyle/>
           <a:p>
+            <a:pPr>
+              <a:buFont typeface="Wingdings" panose="05000000000000000000" pitchFamily="2" charset="2"/>
+              <a:buChar char="q"/>
+            </a:pPr>
+            <a:r>
+              <a:rPr lang="en-US" dirty="0"/>
+              <a:t>Educated Talent Pool.</a:t>
+            </a:r>
+          </a:p>
+          <a:p>
+            <a:pPr>
+              <a:buFont typeface="Wingdings" panose="05000000000000000000" pitchFamily="2" charset="2"/>
+              <a:buChar char="q"/>
+            </a:pPr>
+            <a:r>
+              <a:rPr lang="en-US" dirty="0"/>
+              <a:t>Existing Labor Force in Technology, Business and Financial occupations. </a:t>
+            </a:r>
+          </a:p>
+          <a:p>
+            <a:pPr>
+              <a:buFont typeface="Wingdings" panose="05000000000000000000" pitchFamily="2" charset="2"/>
+              <a:buChar char="q"/>
+            </a:pPr>
+            <a:r>
+              <a:rPr lang="en-US" dirty="0"/>
+              <a:t>Diversity /Cultural Community Fit.  </a:t>
+            </a:r>
+          </a:p>
+          <a:p>
+            <a:pPr>
+              <a:buFont typeface="Wingdings" panose="05000000000000000000" pitchFamily="2" charset="2"/>
+              <a:buChar char="q"/>
+            </a:pPr>
+            <a:r>
+              <a:rPr lang="en-US" dirty="0"/>
+              <a:t>Crime Index - How safe is your city?</a:t>
+            </a:r>
+          </a:p>
+          <a:p>
+            <a:pPr>
+              <a:buFont typeface="Wingdings" panose="05000000000000000000" pitchFamily="2" charset="2"/>
+              <a:buChar char="q"/>
+            </a:pPr>
+            <a:r>
+              <a:rPr lang="en-US" dirty="0"/>
+              <a:t>Schools and Colleges -  Does your city have good schools? Do your city have institutions of higher education?</a:t>
+            </a:r>
+          </a:p>
+          <a:p>
+            <a:pPr>
+              <a:buFont typeface="Wingdings" panose="05000000000000000000" pitchFamily="2" charset="2"/>
+              <a:buChar char="q"/>
+            </a:pPr>
+            <a:r>
+              <a:rPr lang="en-US" dirty="0"/>
+              <a:t>Housing Affordability .</a:t>
+            </a:r>
+          </a:p>
+          <a:p>
+            <a:pPr>
+              <a:buFont typeface="Wingdings" panose="05000000000000000000" pitchFamily="2" charset="2"/>
+              <a:buChar char="q"/>
+            </a:pPr>
+            <a:r>
+              <a:rPr lang="en-US" dirty="0"/>
+              <a:t>Community/Quality of Life – What amenities does your city have to offer?</a:t>
+            </a:r>
+          </a:p>
+          <a:p>
+            <a:pPr>
+              <a:buFont typeface="Wingdings" panose="05000000000000000000" pitchFamily="2" charset="2"/>
+              <a:buChar char="q"/>
+            </a:pPr>
+            <a:r>
+              <a:rPr lang="en-US" dirty="0"/>
+              <a:t> Transportation Options – Airport, Transit, Bike and Pedestrian accessibility.</a:t>
+            </a:r>
+          </a:p>
+          <a:p>
+            <a:pPr>
+              <a:buFont typeface="Wingdings" panose="05000000000000000000" pitchFamily="2" charset="2"/>
+              <a:buChar char="q"/>
+            </a:pPr>
+            <a:r>
+              <a:rPr lang="en-US" dirty="0"/>
+              <a:t> Others : Climate, Pollution etc.</a:t>
+            </a:r>
+          </a:p>
+          <a:p>
+            <a:pPr>
+              <a:buFont typeface="Wingdings" panose="05000000000000000000" pitchFamily="2" charset="2"/>
+              <a:buChar char="q"/>
+            </a:pPr>
             <a:endParaRPr lang="en-US" dirty="0"/>
           </a:p>
           <a:p>
-            <a:pPr fontAlgn="base">
-              <a:spcBef>
-                <a:spcPts val="600"/>
-              </a:spcBef>
-              <a:spcAft>
-                <a:spcPts val="0"/>
-              </a:spcAft>
+            <a:pPr>
+              <a:buFont typeface="Wingdings" panose="05000000000000000000" pitchFamily="2" charset="2"/>
+              <a:buChar char="q"/>
             </a:pPr>
-            <a:r>
-              <a:rPr lang="en-US" sz="2400" b="1" dirty="0"/>
-              <a:t>Metropolitan areas with more than one million people.</a:t>
-            </a:r>
-          </a:p>
-          <a:p>
-            <a:pPr fontAlgn="base">
-              <a:spcBef>
-                <a:spcPts val="600"/>
-              </a:spcBef>
-              <a:spcAft>
-                <a:spcPts val="0"/>
-              </a:spcAft>
+            <a:endParaRPr lang="en-US" dirty="0"/>
+          </a:p>
+          <a:p>
+            <a:pPr marL="0" indent="0">
+              <a:buNone/>
             </a:pPr>
-            <a:r>
-              <a:rPr lang="en-US" sz="2400" dirty="0"/>
-              <a:t> (Spoiler Alert : All the 20 shortlisted cities meet this criteria.)</a:t>
-            </a:r>
-          </a:p>
-          <a:p>
-            <a:pPr fontAlgn="base">
-              <a:spcBef>
-                <a:spcPts val="600"/>
-              </a:spcBef>
-              <a:spcAft>
-                <a:spcPts val="0"/>
-              </a:spcAft>
-            </a:pPr>
-            <a:endParaRPr lang="en-US" sz="2400" dirty="0"/>
-          </a:p>
-          <a:p>
-            <a:pPr fontAlgn="base">
-              <a:spcBef>
-                <a:spcPts val="600"/>
-              </a:spcBef>
-              <a:spcAft>
-                <a:spcPts val="0"/>
-              </a:spcAft>
-            </a:pPr>
-            <a:r>
-              <a:rPr lang="en-US" sz="2400" b="1" dirty="0"/>
-              <a:t>A stable and </a:t>
-            </a:r>
-            <a:r>
-              <a:rPr lang="en-US" sz="2400" b="1" i="1" dirty="0">
-                <a:solidFill>
-                  <a:schemeClr val="accent1">
-                    <a:lumMod val="75000"/>
-                  </a:schemeClr>
-                </a:solidFill>
-              </a:rPr>
-              <a:t>business-friendly </a:t>
-            </a:r>
-            <a:r>
-              <a:rPr lang="en-US" sz="2400" b="1" dirty="0"/>
-              <a:t>environment.</a:t>
-            </a:r>
-          </a:p>
-          <a:p>
-            <a:pPr fontAlgn="base">
-              <a:spcBef>
-                <a:spcPts val="600"/>
-              </a:spcBef>
-              <a:spcAft>
-                <a:spcPts val="0"/>
-              </a:spcAft>
-            </a:pPr>
-            <a:r>
-              <a:rPr lang="en-US" sz="2400" b="1" dirty="0"/>
-              <a:t>Communities that think big and creatively when considering locations and real estate options.</a:t>
-            </a:r>
-          </a:p>
-          <a:p>
-            <a:pPr marL="0" indent="0" fontAlgn="base">
-              <a:spcBef>
-                <a:spcPts val="600"/>
-              </a:spcBef>
-              <a:spcAft>
-                <a:spcPts val="0"/>
-              </a:spcAft>
-              <a:buNone/>
-            </a:pPr>
-            <a:r>
-              <a:rPr lang="en-US" sz="2400" dirty="0"/>
-              <a:t> Non quantifiable metrics. We assumed all the cities meet this criteria as well.</a:t>
-            </a:r>
-          </a:p>
-          <a:p>
-            <a:pPr marL="0" indent="0" fontAlgn="base">
-              <a:spcBef>
-                <a:spcPts val="600"/>
-              </a:spcBef>
-              <a:spcAft>
-                <a:spcPts val="0"/>
-              </a:spcAft>
-              <a:buNone/>
-            </a:pPr>
-            <a:endParaRPr lang="en-US" sz="2400" dirty="0"/>
-          </a:p>
-          <a:p>
-            <a:pPr fontAlgn="base">
-              <a:spcBef>
-                <a:spcPts val="600"/>
-              </a:spcBef>
-              <a:spcAft>
-                <a:spcPts val="0"/>
-              </a:spcAft>
-            </a:pPr>
-            <a:r>
-              <a:rPr lang="en-US" sz="2400" b="1" u="sng" dirty="0">
-                <a:solidFill>
-                  <a:schemeClr val="accent1">
-                    <a:lumMod val="50000"/>
-                  </a:schemeClr>
-                </a:solidFill>
-              </a:rPr>
-              <a:t>Urban or suburban locations with the potential to attract and retain strong technical talent.</a:t>
-            </a:r>
-          </a:p>
-          <a:p>
-            <a:pPr fontAlgn="base">
-              <a:spcBef>
-                <a:spcPts val="600"/>
-              </a:spcBef>
-              <a:spcAft>
-                <a:spcPts val="0"/>
-              </a:spcAft>
-            </a:pPr>
-            <a:r>
-              <a:rPr lang="en-US" sz="2400" dirty="0"/>
-              <a:t>Measurable Metrics. Criteria we used!</a:t>
-            </a:r>
+            <a:endParaRPr lang="en-US" dirty="0"/>
           </a:p>
         </p:txBody>
       </p:sp>
     </p:spTree>
     <p:extLst>
       <p:ext uri="{BB962C8B-B14F-4D97-AF65-F5344CB8AC3E}">
-        <p14:creationId xmlns:p14="http://schemas.microsoft.com/office/powerpoint/2010/main" val="3288892624"/>
+        <p14:creationId xmlns:p14="http://schemas.microsoft.com/office/powerpoint/2010/main" val="2944506561"/>
       </p:ext>
     </p:extLst>
   </p:cSld>
@@ -6064,7 +5982,7 @@
           <a:p>
             <a:r>
               <a:rPr lang="en-US" dirty="0"/>
-              <a:t>Metrics Used/Questions Asked</a:t>
+              <a:t>Metrics At The City Level</a:t>
             </a:r>
           </a:p>
         </p:txBody>
@@ -6087,7 +6005,7 @@
         </p:nvSpPr>
         <p:spPr>
           <a:xfrm>
-            <a:off x="1036320" y="1752262"/>
+            <a:off x="1097280" y="2038865"/>
             <a:ext cx="10802277" cy="4819135"/>
           </a:xfrm>
         </p:spPr>
@@ -6102,7 +6020,11 @@
               <a:buChar char="q"/>
             </a:pPr>
             <a:r>
-              <a:rPr lang="en-US" dirty="0"/>
+              <a:rPr lang="en-US" sz="3200" dirty="0">
+                <a:solidFill>
+                  <a:schemeClr val="tx1"/>
+                </a:solidFill>
+              </a:rPr>
               <a:t>Educated Talent Pool.</a:t>
             </a:r>
           </a:p>
@@ -6112,7 +6034,11 @@
               <a:buChar char="q"/>
             </a:pPr>
             <a:r>
-              <a:rPr lang="en-US" dirty="0"/>
+              <a:rPr lang="en-US" sz="3200" dirty="0">
+                <a:solidFill>
+                  <a:schemeClr val="tx1"/>
+                </a:solidFill>
+              </a:rPr>
               <a:t>Existing Labor Force in Technology, Business and Financial occupations. </a:t>
             </a:r>
           </a:p>
@@ -6122,7 +6048,11 @@
               <a:buChar char="q"/>
             </a:pPr>
             <a:r>
-              <a:rPr lang="en-US" dirty="0"/>
+              <a:rPr lang="en-US" sz="3200" dirty="0">
+                <a:solidFill>
+                  <a:schemeClr val="tx1"/>
+                </a:solidFill>
+              </a:rPr>
               <a:t>Diversity /Cultural Community Fit.  </a:t>
             </a:r>
           </a:p>
@@ -6132,8 +6062,12 @@
               <a:buChar char="q"/>
             </a:pPr>
             <a:r>
-              <a:rPr lang="en-US" dirty="0"/>
-              <a:t>Crime Index - How safe is your city?</a:t>
+              <a:rPr lang="en-US" sz="3200" dirty="0">
+                <a:solidFill>
+                  <a:schemeClr val="tx1"/>
+                </a:solidFill>
+              </a:rPr>
+              <a:t>Crime Index.</a:t>
             </a:r>
           </a:p>
           <a:p>
@@ -6142,8 +6076,12 @@
               <a:buChar char="q"/>
             </a:pPr>
             <a:r>
-              <a:rPr lang="en-US" dirty="0"/>
-              <a:t>Schools and Colleges -  Does your city have good schools? Do your city have institutions of higher education?</a:t>
+              <a:rPr lang="en-US" sz="3200" dirty="0">
+                <a:solidFill>
+                  <a:schemeClr val="tx1"/>
+                </a:solidFill>
+              </a:rPr>
+              <a:t>Housing Affordability.</a:t>
             </a:r>
           </a:p>
           <a:p>
@@ -6152,37 +6090,11 @@
               <a:buChar char="q"/>
             </a:pPr>
             <a:r>
-              <a:rPr lang="en-US" dirty="0"/>
-              <a:t>Housing Affordability .</a:t>
-            </a:r>
-          </a:p>
-          <a:p>
-            <a:pPr>
-              <a:buFont typeface="Wingdings" panose="05000000000000000000" pitchFamily="2" charset="2"/>
-              <a:buChar char="q"/>
-            </a:pPr>
-            <a:r>
-              <a:rPr lang="en-US" dirty="0"/>
-              <a:t>Community/Quality of Life – What amenities does your city have to offer?</a:t>
-            </a:r>
-          </a:p>
-          <a:p>
-            <a:pPr>
-              <a:buFont typeface="Wingdings" panose="05000000000000000000" pitchFamily="2" charset="2"/>
-              <a:buChar char="q"/>
-            </a:pPr>
-            <a:r>
-              <a:rPr lang="en-US" dirty="0"/>
-              <a:t> Transportation Options – Airport, Transit, Bike and Pedestrian accessibility.</a:t>
-            </a:r>
-          </a:p>
-          <a:p>
-            <a:pPr>
-              <a:buFont typeface="Wingdings" panose="05000000000000000000" pitchFamily="2" charset="2"/>
-              <a:buChar char="q"/>
-            </a:pPr>
-            <a:r>
-              <a:rPr lang="en-US" dirty="0"/>
+              <a:rPr lang="en-US" sz="3200" dirty="0">
+                <a:solidFill>
+                  <a:schemeClr val="tx1"/>
+                </a:solidFill>
+              </a:rPr>
               <a:t> Others : Climate, Pollution etc.</a:t>
             </a:r>
           </a:p>
@@ -6211,7 +6123,7 @@
     </p:spTree>
     <p:extLst>
       <p:ext uri="{BB962C8B-B14F-4D97-AF65-F5344CB8AC3E}">
-        <p14:creationId xmlns:p14="http://schemas.microsoft.com/office/powerpoint/2010/main" val="2944506561"/>
+        <p14:creationId xmlns:p14="http://schemas.microsoft.com/office/powerpoint/2010/main" val="3770134055"/>
       </p:ext>
     </p:extLst>
   </p:cSld>
@@ -6261,7 +6173,7 @@
           <a:p>
             <a:r>
               <a:rPr lang="en-US" dirty="0"/>
-              <a:t>Metrics At The City Level</a:t>
+              <a:t>Metrics At The Site Level</a:t>
             </a:r>
           </a:p>
         </p:txBody>
@@ -6284,7 +6196,7 @@
         </p:nvSpPr>
         <p:spPr>
           <a:xfrm>
-            <a:off x="1097280" y="2038865"/>
+            <a:off x="1097280" y="2382457"/>
             <a:ext cx="10802277" cy="4819135"/>
           </a:xfrm>
         </p:spPr>
@@ -6304,7 +6216,7 @@
                   <a:schemeClr val="tx1"/>
                 </a:solidFill>
               </a:rPr>
-              <a:t>Educated Talent Pool.</a:t>
+              <a:t>Schools and Colleges.</a:t>
             </a:r>
           </a:p>
           <a:p>
@@ -6318,7 +6230,7 @@
                   <a:schemeClr val="tx1"/>
                 </a:solidFill>
               </a:rPr>
-              <a:t>Existing Labor Force in Technology, Business and Financial occupations. </a:t>
+              <a:t>Community/Quality of Life/Amenities. </a:t>
             </a:r>
           </a:p>
           <a:p>
@@ -6332,77 +6244,30 @@
                   <a:schemeClr val="tx1"/>
                 </a:solidFill>
               </a:rPr>
-              <a:t>Diversity /Cultural Community Fit.  </a:t>
-            </a:r>
-          </a:p>
-          <a:p>
-            <a:pPr>
-              <a:buFont typeface="Wingdings" panose="05000000000000000000" pitchFamily="2" charset="2"/>
-              <a:buChar char="q"/>
-            </a:pPr>
-            <a:r>
-              <a:rPr lang="en-US" sz="3200" dirty="0">
-                <a:solidFill>
-                  <a:schemeClr val="tx1"/>
-                </a:solidFill>
-              </a:rPr>
-              <a:t>Crime Index.</a:t>
-            </a:r>
-          </a:p>
-          <a:p>
-            <a:pPr>
-              <a:buFont typeface="Wingdings" panose="05000000000000000000" pitchFamily="2" charset="2"/>
-              <a:buChar char="q"/>
-            </a:pPr>
-            <a:r>
-              <a:rPr lang="en-US" sz="3200" dirty="0">
-                <a:solidFill>
-                  <a:schemeClr val="tx1"/>
-                </a:solidFill>
-              </a:rPr>
-              <a:t>Housing Affordability.</a:t>
-            </a:r>
-          </a:p>
-          <a:p>
-            <a:pPr>
-              <a:buFont typeface="Wingdings" panose="05000000000000000000" pitchFamily="2" charset="2"/>
-              <a:buChar char="q"/>
-            </a:pPr>
-            <a:r>
-              <a:rPr lang="en-US" sz="3200" dirty="0">
-                <a:solidFill>
-                  <a:schemeClr val="tx1"/>
-                </a:solidFill>
-              </a:rPr>
-              <a:t> Others : Climate, Pollution etc.</a:t>
-            </a:r>
-          </a:p>
-          <a:p>
-            <a:pPr>
-              <a:buFont typeface="Wingdings" panose="05000000000000000000" pitchFamily="2" charset="2"/>
-              <a:buChar char="q"/>
+              <a:t>Transportation Options.</a:t>
+            </a:r>
+          </a:p>
+          <a:p>
+            <a:pPr marL="0" indent="0">
+              <a:buNone/>
             </a:pPr>
             <a:endParaRPr lang="en-US" dirty="0"/>
           </a:p>
           <a:p>
-            <a:pPr>
-              <a:buFont typeface="Wingdings" panose="05000000000000000000" pitchFamily="2" charset="2"/>
-              <a:buChar char="q"/>
+            <a:pPr marL="0" indent="0">
+              <a:buNone/>
             </a:pPr>
-            <a:endParaRPr lang="en-US" dirty="0"/>
-          </a:p>
-          <a:p>
-            <a:pPr marL="0" indent="0">
-              <a:buNone/>
-            </a:pPr>
-            <a:endParaRPr lang="en-US" dirty="0"/>
+            <a:r>
+              <a:rPr lang="en-US" dirty="0"/>
+              <a:t>Note: The data is analyzed at the site level and aggregated at the city level in the final analysis.</a:t>
+            </a:r>
           </a:p>
         </p:txBody>
       </p:sp>
     </p:spTree>
     <p:extLst>
       <p:ext uri="{BB962C8B-B14F-4D97-AF65-F5344CB8AC3E}">
-        <p14:creationId xmlns:p14="http://schemas.microsoft.com/office/powerpoint/2010/main" val="3770134055"/>
+        <p14:creationId xmlns:p14="http://schemas.microsoft.com/office/powerpoint/2010/main" val="28752783"/>
       </p:ext>
     </p:extLst>
   </p:cSld>
@@ -6452,7 +6317,7 @@
           <a:p>
             <a:r>
               <a:rPr lang="en-US" dirty="0"/>
-              <a:t>Metrics At The Site Level</a:t>
+              <a:t>Primary Data Sources</a:t>
             </a:r>
           </a:p>
         </p:txBody>
@@ -6473,12 +6338,7 @@
             <p:ph idx="1"/>
           </p:nvPr>
         </p:nvSpPr>
-        <p:spPr>
-          <a:xfrm>
-            <a:off x="1097280" y="2382457"/>
-            <a:ext cx="10802277" cy="4819135"/>
-          </a:xfrm>
-        </p:spPr>
+        <p:spPr/>
         <p:txBody>
           <a:bodyPr>
             <a:normAutofit/>
@@ -6487,58 +6347,41 @@
           <a:p>
             <a:pPr>
               <a:buFont typeface="Wingdings" panose="05000000000000000000" pitchFamily="2" charset="2"/>
-              <a:buChar char="q"/>
+              <a:buChar char="§"/>
             </a:pPr>
             <a:r>
-              <a:rPr lang="en-US" sz="3200" dirty="0">
-                <a:solidFill>
-                  <a:schemeClr val="tx1"/>
-                </a:solidFill>
-              </a:rPr>
-              <a:t>Schools and Colleges.</a:t>
+              <a:rPr lang="en-US" sz="3200" dirty="0"/>
+              <a:t> Census API : 2016 American Community 5 Year Survey</a:t>
             </a:r>
           </a:p>
           <a:p>
             <a:pPr>
               <a:buFont typeface="Wingdings" panose="05000000000000000000" pitchFamily="2" charset="2"/>
-              <a:buChar char="q"/>
+              <a:buChar char="§"/>
             </a:pPr>
             <a:r>
-              <a:rPr lang="en-US" sz="3200" dirty="0">
-                <a:solidFill>
-                  <a:schemeClr val="tx1"/>
-                </a:solidFill>
-              </a:rPr>
-              <a:t>Community/Quality of Life/Amenities. </a:t>
+              <a:rPr lang="en-US" sz="3200" dirty="0"/>
+              <a:t> Greater Schools API</a:t>
             </a:r>
           </a:p>
           <a:p>
             <a:pPr>
               <a:buFont typeface="Wingdings" panose="05000000000000000000" pitchFamily="2" charset="2"/>
-              <a:buChar char="q"/>
+              <a:buChar char="§"/>
             </a:pPr>
             <a:r>
-              <a:rPr lang="en-US" sz="3200" dirty="0">
-                <a:solidFill>
-                  <a:schemeClr val="tx1"/>
-                </a:solidFill>
-              </a:rPr>
-              <a:t>Transportation Options.</a:t>
-            </a:r>
-          </a:p>
-          <a:p>
-            <a:pPr marL="0" indent="0">
-              <a:buNone/>
+              <a:rPr lang="en-US" sz="3200" dirty="0"/>
+              <a:t> Google API </a:t>
+            </a:r>
+          </a:p>
+          <a:p>
+            <a:pPr>
+              <a:buFont typeface="Wingdings" panose="05000000000000000000" pitchFamily="2" charset="2"/>
+              <a:buChar char="§"/>
             </a:pPr>
-            <a:endParaRPr lang="en-US" dirty="0"/>
-          </a:p>
-          <a:p>
-            <a:pPr marL="0" indent="0">
-              <a:buNone/>
-            </a:pPr>
-            <a:r>
-              <a:rPr lang="en-US" dirty="0"/>
-              <a:t>Note: The data is analyzed at the site level and aggregated at the city level in the final analysis.</a:t>
+            <a:r>
+              <a:rPr lang="en-US" sz="3200" dirty="0"/>
+              <a:t>Walk Score API</a:t>
             </a:r>
           </a:p>
         </p:txBody>
@@ -6546,7 +6389,7 @@
     </p:spTree>
     <p:extLst>
       <p:ext uri="{BB962C8B-B14F-4D97-AF65-F5344CB8AC3E}">
-        <p14:creationId xmlns:p14="http://schemas.microsoft.com/office/powerpoint/2010/main" val="28752783"/>
+        <p14:creationId xmlns:p14="http://schemas.microsoft.com/office/powerpoint/2010/main" val="2596179842"/>
       </p:ext>
     </p:extLst>
   </p:cSld>
@@ -6589,86 +6432,106 @@
             <p:ph type="title"/>
           </p:nvPr>
         </p:nvSpPr>
-        <p:spPr/>
-        <p:txBody>
-          <a:bodyPr/>
+        <p:spPr>
+          <a:xfrm>
+            <a:off x="1097280" y="286603"/>
+            <a:ext cx="10058400" cy="702303"/>
+          </a:xfrm>
+        </p:spPr>
+        <p:txBody>
+          <a:bodyPr>
+            <a:normAutofit fontScale="90000"/>
+          </a:bodyPr>
           <a:lstStyle/>
           <a:p>
             <a:r>
               <a:rPr lang="en-US" dirty="0"/>
-              <a:t>Primary Data Sources</a:t>
-            </a:r>
-          </a:p>
-        </p:txBody>
-      </p:sp>
-      <p:sp>
-        <p:nvSpPr>
-          <p:cNvPr id="3" name="Content Placeholder 2">
+              <a:t>Talent Pool - Education</a:t>
+            </a:r>
+          </a:p>
+        </p:txBody>
+      </p:sp>
+      <p:pic>
+        <p:nvPicPr>
+          <p:cNvPr id="7" name="Picture 6">
             <a:extLst>
               <a:ext uri="{FF2B5EF4-FFF2-40B4-BE49-F238E27FC236}">
-                <a16:creationId xmlns:a16="http://schemas.microsoft.com/office/drawing/2014/main" id="{BEC8BDDB-FD44-4EB6-BE27-4A708B75BDAB}"/>
+                <a16:creationId xmlns:a16="http://schemas.microsoft.com/office/drawing/2014/main" id="{C4CBD56D-EC25-4099-85D8-D780F31B6443}"/>
               </a:ext>
             </a:extLst>
           </p:cNvPr>
-          <p:cNvSpPr>
-            <a:spLocks noGrp="1"/>
-          </p:cNvSpPr>
-          <p:nvPr>
-            <p:ph idx="1"/>
-          </p:nvPr>
-        </p:nvSpPr>
-        <p:spPr/>
-        <p:txBody>
-          <a:bodyPr>
-            <a:normAutofit/>
-          </a:bodyPr>
-          <a:lstStyle/>
-          <a:p>
-            <a:pPr>
-              <a:buFont typeface="Wingdings" panose="05000000000000000000" pitchFamily="2" charset="2"/>
-              <a:buChar char="§"/>
-            </a:pPr>
-            <a:r>
-              <a:rPr lang="en-US" sz="3200" dirty="0"/>
-              <a:t> Census API : 2016 American Community 5 Year Survey</a:t>
-            </a:r>
-          </a:p>
-          <a:p>
-            <a:pPr>
-              <a:buFont typeface="Wingdings" panose="05000000000000000000" pitchFamily="2" charset="2"/>
-              <a:buChar char="§"/>
-            </a:pPr>
-            <a:r>
-              <a:rPr lang="en-US" sz="3200" dirty="0"/>
-              <a:t> Greater Schools API</a:t>
-            </a:r>
-          </a:p>
-          <a:p>
-            <a:pPr>
-              <a:buFont typeface="Wingdings" panose="05000000000000000000" pitchFamily="2" charset="2"/>
-              <a:buChar char="§"/>
-            </a:pPr>
-            <a:r>
-              <a:rPr lang="en-US" sz="3200" dirty="0"/>
-              <a:t> Google API </a:t>
-            </a:r>
-          </a:p>
-          <a:p>
-            <a:pPr>
-              <a:buFont typeface="Wingdings" panose="05000000000000000000" pitchFamily="2" charset="2"/>
-              <a:buChar char="§"/>
-            </a:pPr>
-            <a:r>
-              <a:rPr lang="en-US" sz="3200" dirty="0"/>
-              <a:t>Walk Score API</a:t>
-            </a:r>
-          </a:p>
-        </p:txBody>
-      </p:sp>
+          <p:cNvPicPr>
+            <a:picLocks noChangeAspect="1"/>
+          </p:cNvPicPr>
+          <p:nvPr/>
+        </p:nvPicPr>
+        <p:blipFill>
+          <a:blip r:embed="rId2">
+            <a:extLst>
+              <a:ext uri="{28A0092B-C50C-407E-A947-70E740481C1C}">
+                <a14:useLocalDpi xmlns:a14="http://schemas.microsoft.com/office/drawing/2010/main" val="0"/>
+              </a:ext>
+            </a:extLst>
+          </a:blip>
+          <a:stretch>
+            <a:fillRect/>
+          </a:stretch>
+        </p:blipFill>
+        <p:spPr>
+          <a:xfrm>
+            <a:off x="90807" y="988906"/>
+            <a:ext cx="12010385" cy="5028835"/>
+          </a:xfrm>
+          <a:prstGeom prst="rect">
+            <a:avLst/>
+          </a:prstGeom>
+        </p:spPr>
+      </p:pic>
+      <p:cxnSp>
+        <p:nvCxnSpPr>
+          <p:cNvPr id="13" name="Straight Connector 12">
+            <a:extLst>
+              <a:ext uri="{FF2B5EF4-FFF2-40B4-BE49-F238E27FC236}">
+                <a16:creationId xmlns:a16="http://schemas.microsoft.com/office/drawing/2014/main" id="{5397CA78-2EB2-4868-82DD-39855F7B3B21}"/>
+              </a:ext>
+            </a:extLst>
+          </p:cNvPr>
+          <p:cNvCxnSpPr/>
+          <p:nvPr/>
+        </p:nvCxnSpPr>
+        <p:spPr>
+          <a:xfrm>
+            <a:off x="1248032" y="902043"/>
+            <a:ext cx="9069860" cy="0"/>
+          </a:xfrm>
+          <a:prstGeom prst="line">
+            <a:avLst/>
+          </a:prstGeom>
+          <a:ln>
+            <a:solidFill>
+              <a:srgbClr val="7030A0"/>
+            </a:solidFill>
+          </a:ln>
+        </p:spPr>
+        <p:style>
+          <a:lnRef idx="1">
+            <a:schemeClr val="accent1"/>
+          </a:lnRef>
+          <a:fillRef idx="0">
+            <a:schemeClr val="accent1"/>
+          </a:fillRef>
+          <a:effectRef idx="0">
+            <a:schemeClr val="accent1"/>
+          </a:effectRef>
+          <a:fontRef idx="minor">
+            <a:schemeClr val="tx1"/>
+          </a:fontRef>
+        </p:style>
+      </p:cxnSp>
     </p:spTree>
     <p:extLst>
       <p:ext uri="{BB962C8B-B14F-4D97-AF65-F5344CB8AC3E}">
-        <p14:creationId xmlns:p14="http://schemas.microsoft.com/office/powerpoint/2010/main" val="2596179842"/>
+        <p14:creationId xmlns:p14="http://schemas.microsoft.com/office/powerpoint/2010/main" val="3259915787"/>
       </p:ext>
     </p:extLst>
   </p:cSld>
@@ -6713,14 +6576,12 @@
         </p:nvSpPr>
         <p:spPr>
           <a:xfrm>
-            <a:off x="1097280" y="286603"/>
-            <a:ext cx="10058400" cy="702303"/>
-          </a:xfrm>
-        </p:spPr>
-        <p:txBody>
-          <a:bodyPr>
-            <a:normAutofit fontScale="90000"/>
-          </a:bodyPr>
+            <a:off x="1066799" y="-376048"/>
+            <a:ext cx="10058400" cy="1450757"/>
+          </a:xfrm>
+        </p:spPr>
+        <p:txBody>
+          <a:bodyPr/>
           <a:lstStyle/>
           <a:p>
             <a:r>
@@ -6732,10 +6593,10 @@
       </p:sp>
       <p:pic>
         <p:nvPicPr>
-          <p:cNvPr id="7" name="Picture 6">
+          <p:cNvPr id="9" name="Picture 8">
             <a:extLst>
               <a:ext uri="{FF2B5EF4-FFF2-40B4-BE49-F238E27FC236}">
-                <a16:creationId xmlns:a16="http://schemas.microsoft.com/office/drawing/2014/main" id="{C4CBD56D-EC25-4099-85D8-D780F31B6443}"/>
+                <a16:creationId xmlns:a16="http://schemas.microsoft.com/office/drawing/2014/main" id="{207048A4-7E15-4A7A-83D4-7F393FDAE879}"/>
               </a:ext>
             </a:extLst>
           </p:cNvPr>
@@ -6758,8 +6619,8 @@
         </p:blipFill>
         <p:spPr>
           <a:xfrm>
-            <a:off x="90807" y="988906"/>
-            <a:ext cx="12010385" cy="5028835"/>
+            <a:off x="766118" y="1161535"/>
+            <a:ext cx="10730874" cy="4993085"/>
           </a:xfrm>
           <a:prstGeom prst="rect">
             <a:avLst/>
@@ -6768,10 +6629,10 @@
       </p:pic>
       <p:cxnSp>
         <p:nvCxnSpPr>
-          <p:cNvPr id="13" name="Straight Connector 12">
+          <p:cNvPr id="8" name="Straight Connector 7">
             <a:extLst>
               <a:ext uri="{FF2B5EF4-FFF2-40B4-BE49-F238E27FC236}">
-                <a16:creationId xmlns:a16="http://schemas.microsoft.com/office/drawing/2014/main" id="{5397CA78-2EB2-4868-82DD-39855F7B3B21}"/>
+                <a16:creationId xmlns:a16="http://schemas.microsoft.com/office/drawing/2014/main" id="{D5D2E2BC-8AFC-496A-8DAF-5CC075C390DF}"/>
               </a:ext>
             </a:extLst>
           </p:cNvPr>
@@ -6780,7 +6641,7 @@
         </p:nvCxnSpPr>
         <p:spPr>
           <a:xfrm>
-            <a:off x="1248032" y="902043"/>
+            <a:off x="1186248" y="963827"/>
             <a:ext cx="9069860" cy="0"/>
           </a:xfrm>
           <a:prstGeom prst="line">
@@ -6810,7 +6671,7 @@
     </p:spTree>
     <p:extLst>
       <p:ext uri="{BB962C8B-B14F-4D97-AF65-F5344CB8AC3E}">
-        <p14:creationId xmlns:p14="http://schemas.microsoft.com/office/powerpoint/2010/main" val="3259915787"/>
+        <p14:creationId xmlns:p14="http://schemas.microsoft.com/office/powerpoint/2010/main" val="732841463"/>
       </p:ext>
     </p:extLst>
   </p:cSld>

--- a/Project1_Presentation.pptx
+++ b/Project1_Presentation.pptx
@@ -21,10 +21,13 @@
     <p:sldId id="265" r:id="rId15"/>
     <p:sldId id="263" r:id="rId16"/>
     <p:sldId id="264" r:id="rId17"/>
-    <p:sldId id="274" r:id="rId18"/>
-    <p:sldId id="275" r:id="rId19"/>
-    <p:sldId id="261" r:id="rId20"/>
-    <p:sldId id="277" r:id="rId21"/>
+    <p:sldId id="285" r:id="rId18"/>
+    <p:sldId id="283" r:id="rId19"/>
+    <p:sldId id="280" r:id="rId20"/>
+    <p:sldId id="281" r:id="rId21"/>
+    <p:sldId id="275" r:id="rId22"/>
+    <p:sldId id="261" r:id="rId23"/>
+    <p:sldId id="277" r:id="rId24"/>
   </p:sldIdLst>
   <p:sldSz cx="12192000" cy="6858000"/>
   <p:notesSz cx="6858000" cy="9144000"/>
@@ -4880,7 +4883,7 @@
           <p:cNvPr id="2" name="Title 1">
             <a:extLst>
               <a:ext uri="{FF2B5EF4-FFF2-40B4-BE49-F238E27FC236}">
-                <a16:creationId xmlns:a16="http://schemas.microsoft.com/office/drawing/2014/main" id="{62B031C5-C960-5B4D-8E2C-2D0F0A1B9FA1}"/>
+                <a16:creationId xmlns:a16="http://schemas.microsoft.com/office/drawing/2014/main" id="{390EB264-3883-41F9-BACB-285D2229980C}"/>
               </a:ext>
             </a:extLst>
           </p:cNvPr>
@@ -4891,44 +4894,130 @@
             <p:ph type="title"/>
           </p:nvPr>
         </p:nvSpPr>
-        <p:spPr/>
-        <p:txBody>
-          <a:bodyPr/>
-          <a:lstStyle/>
-          <a:p>
-            <a:endParaRPr lang="en-US"/>
-          </a:p>
-        </p:txBody>
-      </p:sp>
-      <p:sp>
-        <p:nvSpPr>
-          <p:cNvPr id="3" name="Content Placeholder 2">
+        <p:spPr>
+          <a:xfrm>
+            <a:off x="1097280" y="286603"/>
+            <a:ext cx="10058400" cy="702409"/>
+          </a:xfrm>
+        </p:spPr>
+        <p:txBody>
+          <a:bodyPr>
+            <a:normAutofit fontScale="90000"/>
+          </a:bodyPr>
+          <a:lstStyle/>
+          <a:p>
+            <a:r>
+              <a:rPr lang="en-US" dirty="0"/>
+              <a:t>Housing affordability</a:t>
+            </a:r>
+          </a:p>
+        </p:txBody>
+      </p:sp>
+      <p:cxnSp>
+        <p:nvCxnSpPr>
+          <p:cNvPr id="8" name="Straight Connector 7">
             <a:extLst>
               <a:ext uri="{FF2B5EF4-FFF2-40B4-BE49-F238E27FC236}">
-                <a16:creationId xmlns:a16="http://schemas.microsoft.com/office/drawing/2014/main" id="{DBD9B124-9DE5-7043-8650-84022D10B125}"/>
+                <a16:creationId xmlns:a16="http://schemas.microsoft.com/office/drawing/2014/main" id="{6C869F70-ECD7-49B6-9EB0-C6173F280BD5}"/>
               </a:ext>
             </a:extLst>
           </p:cNvPr>
-          <p:cNvSpPr>
-            <a:spLocks noGrp="1"/>
-          </p:cNvSpPr>
-          <p:nvPr>
-            <p:ph idx="1"/>
-          </p:nvPr>
-        </p:nvSpPr>
-        <p:spPr/>
-        <p:txBody>
-          <a:bodyPr/>
-          <a:lstStyle/>
-          <a:p>
-            <a:endParaRPr lang="en-US"/>
-          </a:p>
-        </p:txBody>
-      </p:sp>
+          <p:cNvCxnSpPr/>
+          <p:nvPr/>
+        </p:nvCxnSpPr>
+        <p:spPr>
+          <a:xfrm>
+            <a:off x="1186248" y="963827"/>
+            <a:ext cx="9069860" cy="0"/>
+          </a:xfrm>
+          <a:prstGeom prst="line">
+            <a:avLst/>
+          </a:prstGeom>
+          <a:ln>
+            <a:solidFill>
+              <a:srgbClr val="7030A0"/>
+            </a:solidFill>
+          </a:ln>
+        </p:spPr>
+        <p:style>
+          <a:lnRef idx="1">
+            <a:schemeClr val="accent1"/>
+          </a:lnRef>
+          <a:fillRef idx="0">
+            <a:schemeClr val="accent1"/>
+          </a:fillRef>
+          <a:effectRef idx="0">
+            <a:schemeClr val="accent1"/>
+          </a:effectRef>
+          <a:fontRef idx="minor">
+            <a:schemeClr val="tx1"/>
+          </a:fontRef>
+        </p:style>
+      </p:cxnSp>
+      <p:pic>
+        <p:nvPicPr>
+          <p:cNvPr id="9" name="Content Placeholder 4">
+            <a:extLst>
+              <a:ext uri="{FF2B5EF4-FFF2-40B4-BE49-F238E27FC236}">
+                <a16:creationId xmlns:a16="http://schemas.microsoft.com/office/drawing/2014/main" id="{316CE2C2-1100-5141-936B-5BEA13C03286}"/>
+              </a:ext>
+            </a:extLst>
+          </p:cNvPr>
+          <p:cNvPicPr>
+            <a:picLocks noChangeAspect="1"/>
+          </p:cNvPicPr>
+          <p:nvPr/>
+        </p:nvPicPr>
+        <p:blipFill>
+          <a:blip r:embed="rId2"/>
+          <a:stretch>
+            <a:fillRect/>
+          </a:stretch>
+        </p:blipFill>
+        <p:spPr>
+          <a:xfrm>
+            <a:off x="6048704" y="1541147"/>
+            <a:ext cx="5690560" cy="3556600"/>
+          </a:xfrm>
+          <a:prstGeom prst="rect">
+            <a:avLst/>
+          </a:prstGeom>
+        </p:spPr>
+      </p:pic>
+      <p:pic>
+        <p:nvPicPr>
+          <p:cNvPr id="10" name="Picture 9">
+            <a:extLst>
+              <a:ext uri="{FF2B5EF4-FFF2-40B4-BE49-F238E27FC236}">
+                <a16:creationId xmlns:a16="http://schemas.microsoft.com/office/drawing/2014/main" id="{37B027CB-7464-4445-9FB7-0BFC631ADCE8}"/>
+              </a:ext>
+            </a:extLst>
+          </p:cNvPr>
+          <p:cNvPicPr>
+            <a:picLocks noChangeAspect="1"/>
+          </p:cNvPicPr>
+          <p:nvPr/>
+        </p:nvPicPr>
+        <p:blipFill>
+          <a:blip r:embed="rId3"/>
+          <a:stretch>
+            <a:fillRect/>
+          </a:stretch>
+        </p:blipFill>
+        <p:spPr>
+          <a:xfrm>
+            <a:off x="624760" y="1541147"/>
+            <a:ext cx="5232007" cy="3556600"/>
+          </a:xfrm>
+          <a:prstGeom prst="rect">
+            <a:avLst/>
+          </a:prstGeom>
+        </p:spPr>
+      </p:pic>
     </p:spTree>
     <p:extLst>
       <p:ext uri="{BB962C8B-B14F-4D97-AF65-F5344CB8AC3E}">
-        <p14:creationId xmlns:p14="http://schemas.microsoft.com/office/powerpoint/2010/main" val="1611496846"/>
+        <p14:creationId xmlns:p14="http://schemas.microsoft.com/office/powerpoint/2010/main" val="3191176588"/>
       </p:ext>
     </p:extLst>
   </p:cSld>
@@ -4960,7 +5049,7 @@
           <p:cNvPr id="2" name="Title 1">
             <a:extLst>
               <a:ext uri="{FF2B5EF4-FFF2-40B4-BE49-F238E27FC236}">
-                <a16:creationId xmlns:a16="http://schemas.microsoft.com/office/drawing/2014/main" id="{BD461D94-0D0F-0348-95E5-2A357932C23B}"/>
+                <a16:creationId xmlns:a16="http://schemas.microsoft.com/office/drawing/2014/main" id="{390EB264-3883-41F9-BACB-285D2229980C}"/>
               </a:ext>
             </a:extLst>
           </p:cNvPr>
@@ -4971,148 +5060,130 @@
             <p:ph type="title"/>
           </p:nvPr>
         </p:nvSpPr>
-        <p:spPr/>
-        <p:txBody>
-          <a:bodyPr/>
+        <p:spPr>
+          <a:xfrm>
+            <a:off x="1097280" y="286603"/>
+            <a:ext cx="10058400" cy="702409"/>
+          </a:xfrm>
+        </p:spPr>
+        <p:txBody>
+          <a:bodyPr>
+            <a:normAutofit fontScale="90000"/>
+          </a:bodyPr>
           <a:lstStyle/>
           <a:p>
             <a:r>
               <a:rPr lang="en-US" dirty="0"/>
-              <a:t>Nearby Amenities</a:t>
-            </a:r>
-          </a:p>
-        </p:txBody>
-      </p:sp>
-      <p:sp>
-        <p:nvSpPr>
-          <p:cNvPr id="3" name="Content Placeholder 2">
+              <a:t>Schools and College Ratings </a:t>
+            </a:r>
+          </a:p>
+        </p:txBody>
+      </p:sp>
+      <p:cxnSp>
+        <p:nvCxnSpPr>
+          <p:cNvPr id="4" name="Straight Connector 3">
             <a:extLst>
               <a:ext uri="{FF2B5EF4-FFF2-40B4-BE49-F238E27FC236}">
-                <a16:creationId xmlns:a16="http://schemas.microsoft.com/office/drawing/2014/main" id="{0AA20437-69DD-8C47-91EE-5EC495E32373}"/>
+                <a16:creationId xmlns:a16="http://schemas.microsoft.com/office/drawing/2014/main" id="{8FECCD07-FFA9-4129-95C2-D2F2CF8AD354}"/>
               </a:ext>
             </a:extLst>
           </p:cNvPr>
-          <p:cNvSpPr>
-            <a:spLocks noGrp="1"/>
-          </p:cNvSpPr>
-          <p:nvPr>
-            <p:ph idx="1"/>
-          </p:nvPr>
-        </p:nvSpPr>
-        <p:spPr>
-          <a:xfrm>
-            <a:off x="1097280" y="1845734"/>
-            <a:ext cx="10058400" cy="4463626"/>
-          </a:xfrm>
-        </p:spPr>
-        <p:txBody>
-          <a:bodyPr>
-            <a:normAutofit/>
-          </a:bodyPr>
-          <a:lstStyle/>
-          <a:p>
-            <a:r>
-              <a:rPr lang="en-US" sz="1800" dirty="0"/>
-              <a:t>  A. </a:t>
-            </a:r>
-            <a:r>
-              <a:rPr lang="en-US" sz="1800" b="1" i="1" dirty="0"/>
-              <a:t>Emergency Facilities </a:t>
-            </a:r>
-          </a:p>
-          <a:p>
-            <a:pPr lvl="1"/>
-            <a:r>
-              <a:rPr lang="en-US" dirty="0"/>
-              <a:t>How accessible are these facilities in case of mass emergency on/around sites for containing the situation and resuming business asap. Hospitals, Fire Stations, Doctors.</a:t>
-            </a:r>
-          </a:p>
-          <a:p>
-            <a:pPr marL="201168" lvl="1" indent="0">
-              <a:buNone/>
-            </a:pPr>
-            <a:r>
-              <a:rPr lang="en-US" dirty="0"/>
-              <a:t>B. </a:t>
-            </a:r>
-            <a:r>
-              <a:rPr lang="en-US" b="1" i="1" dirty="0"/>
-              <a:t>Accommodation </a:t>
-            </a:r>
-          </a:p>
-          <a:p>
-            <a:pPr lvl="1"/>
-            <a:r>
-              <a:rPr lang="en-US" dirty="0"/>
-              <a:t>Many executive employees travel from outside the city for few days a week and might need lodging facility as close to the company as possible. Also lot of local/not-local employees use vehicle for commute and will need parking nearby. Lodging, Parking.</a:t>
-            </a:r>
-          </a:p>
-          <a:p>
-            <a:pPr marL="201168" lvl="1" indent="0">
-              <a:buNone/>
-            </a:pPr>
-            <a:r>
-              <a:rPr lang="en-US" dirty="0"/>
-              <a:t>C. </a:t>
-            </a:r>
-            <a:r>
-              <a:rPr lang="en-US" b="1" i="1" dirty="0"/>
-              <a:t>Refreshments </a:t>
-            </a:r>
-          </a:p>
-          <a:p>
-            <a:pPr lvl="1"/>
-            <a:r>
-              <a:rPr lang="en-US" dirty="0"/>
-              <a:t>Basic Refreshment facilities. Café, Restaurants.</a:t>
-            </a:r>
-          </a:p>
-          <a:p>
-            <a:pPr marL="201168" lvl="1" indent="0">
-              <a:buNone/>
-            </a:pPr>
-            <a:r>
-              <a:rPr lang="en-US" dirty="0"/>
-              <a:t>D. </a:t>
-            </a:r>
-            <a:r>
-              <a:rPr lang="en-US" b="1" i="1" dirty="0"/>
-              <a:t>Basic Errands/appointments</a:t>
-            </a:r>
-          </a:p>
-          <a:p>
-            <a:pPr lvl="1"/>
-            <a:r>
-              <a:rPr lang="en-US" dirty="0"/>
-              <a:t>By large employees tend to take care of daily errands and appointments in lunch breaks or before/after work hours and prefer it to be as close to work as possible for obvious reasons. Super markets, Post Office, Doctor.</a:t>
-            </a:r>
-          </a:p>
-          <a:p>
-            <a:pPr marL="201168" lvl="1" indent="0">
-              <a:buNone/>
-            </a:pPr>
-            <a:r>
-              <a:rPr lang="en-US" dirty="0"/>
-              <a:t>E. </a:t>
-            </a:r>
-            <a:r>
-              <a:rPr lang="en-US" b="1" i="1" dirty="0"/>
-              <a:t>Fitness </a:t>
-            </a:r>
-          </a:p>
-          <a:p>
-            <a:pPr lvl="1"/>
-            <a:r>
-              <a:rPr lang="en-US" dirty="0"/>
-              <a:t>Fitness is top on priority list for a significant amount of employees now a days. Gym.</a:t>
-            </a:r>
-          </a:p>
-        </p:txBody>
-      </p:sp>
+          <p:cNvCxnSpPr/>
+          <p:nvPr/>
+        </p:nvCxnSpPr>
+        <p:spPr>
+          <a:xfrm>
+            <a:off x="1248032" y="902043"/>
+            <a:ext cx="9069860" cy="0"/>
+          </a:xfrm>
+          <a:prstGeom prst="line">
+            <a:avLst/>
+          </a:prstGeom>
+          <a:ln>
+            <a:solidFill>
+              <a:srgbClr val="7030A0"/>
+            </a:solidFill>
+          </a:ln>
+        </p:spPr>
+        <p:style>
+          <a:lnRef idx="1">
+            <a:schemeClr val="accent1"/>
+          </a:lnRef>
+          <a:fillRef idx="0">
+            <a:schemeClr val="accent1"/>
+          </a:fillRef>
+          <a:effectRef idx="0">
+            <a:schemeClr val="accent1"/>
+          </a:effectRef>
+          <a:fontRef idx="minor">
+            <a:schemeClr val="tx1"/>
+          </a:fontRef>
+        </p:style>
+      </p:cxnSp>
+      <p:pic>
+        <p:nvPicPr>
+          <p:cNvPr id="9" name="Content Placeholder 4">
+            <a:extLst>
+              <a:ext uri="{FF2B5EF4-FFF2-40B4-BE49-F238E27FC236}">
+                <a16:creationId xmlns:a16="http://schemas.microsoft.com/office/drawing/2014/main" id="{698DF2E5-2099-9844-9B45-EA0859950015}"/>
+              </a:ext>
+            </a:extLst>
+          </p:cNvPr>
+          <p:cNvPicPr>
+            <a:picLocks noChangeAspect="1"/>
+          </p:cNvPicPr>
+          <p:nvPr/>
+        </p:nvPicPr>
+        <p:blipFill>
+          <a:blip r:embed="rId2"/>
+          <a:stretch>
+            <a:fillRect/>
+          </a:stretch>
+        </p:blipFill>
+        <p:spPr>
+          <a:xfrm>
+            <a:off x="378346" y="1869606"/>
+            <a:ext cx="6022454" cy="3207879"/>
+          </a:xfrm>
+          <a:prstGeom prst="rect">
+            <a:avLst/>
+          </a:prstGeom>
+        </p:spPr>
+      </p:pic>
+      <p:pic>
+        <p:nvPicPr>
+          <p:cNvPr id="10" name="Picture 9">
+            <a:extLst>
+              <a:ext uri="{FF2B5EF4-FFF2-40B4-BE49-F238E27FC236}">
+                <a16:creationId xmlns:a16="http://schemas.microsoft.com/office/drawing/2014/main" id="{49913E3E-1338-2C43-9C9A-8AD5280CEF7A}"/>
+              </a:ext>
+            </a:extLst>
+          </p:cNvPr>
+          <p:cNvPicPr>
+            <a:picLocks noChangeAspect="1"/>
+          </p:cNvPicPr>
+          <p:nvPr/>
+        </p:nvPicPr>
+        <p:blipFill>
+          <a:blip r:embed="rId3"/>
+          <a:stretch>
+            <a:fillRect/>
+          </a:stretch>
+        </p:blipFill>
+        <p:spPr>
+          <a:xfrm>
+            <a:off x="6126480" y="1926607"/>
+            <a:ext cx="6094181" cy="3150877"/>
+          </a:xfrm>
+          <a:prstGeom prst="rect">
+            <a:avLst/>
+          </a:prstGeom>
+        </p:spPr>
+      </p:pic>
     </p:spTree>
     <p:extLst>
       <p:ext uri="{BB962C8B-B14F-4D97-AF65-F5344CB8AC3E}">
-        <p14:creationId xmlns:p14="http://schemas.microsoft.com/office/powerpoint/2010/main" val="660619397"/>
+        <p14:creationId xmlns:p14="http://schemas.microsoft.com/office/powerpoint/2010/main" val="512218618"/>
       </p:ext>
     </p:extLst>
   </p:cSld>
@@ -5139,79 +5210,305 @@
           <a:chExt cx="0" cy="0"/>
         </a:xfrm>
       </p:grpSpPr>
-      <p:pic>
-        <p:nvPicPr>
-          <p:cNvPr id="5" name="Content Placeholder 4">
+      <p:sp>
+        <p:nvSpPr>
+          <p:cNvPr id="2" name="Title 1">
             <a:extLst>
               <a:ext uri="{FF2B5EF4-FFF2-40B4-BE49-F238E27FC236}">
-                <a16:creationId xmlns:a16="http://schemas.microsoft.com/office/drawing/2014/main" id="{E68C87D7-7462-FC4E-AD8D-476C5861BE45}"/>
+                <a16:creationId xmlns:a16="http://schemas.microsoft.com/office/drawing/2014/main" id="{390EB264-3883-41F9-BACB-285D2229980C}"/>
               </a:ext>
             </a:extLst>
           </p:cNvPr>
-          <p:cNvPicPr>
-            <a:picLocks noGrp="1" noChangeAspect="1"/>
-          </p:cNvPicPr>
-          <p:nvPr>
-            <p:ph idx="1"/>
-          </p:nvPr>
-        </p:nvPicPr>
-        <p:blipFill rotWithShape="1">
-          <a:blip r:embed="rId2">
-            <a:extLst>
-              <a:ext uri="{28A0092B-C50C-407E-A947-70E740481C1C}">
-                <a14:useLocalDpi xmlns:a14="http://schemas.microsoft.com/office/drawing/2010/main" val="0"/>
-              </a:ext>
-            </a:extLst>
-          </a:blip>
-          <a:srcRect b="5163"/>
-          <a:stretch/>
-        </p:blipFill>
-        <p:spPr>
-          <a:xfrm>
-            <a:off x="1497330" y="3371850"/>
-            <a:ext cx="8341355" cy="2948940"/>
-          </a:xfrm>
-        </p:spPr>
-      </p:pic>
-      <p:pic>
-        <p:nvPicPr>
-          <p:cNvPr id="10" name="Picture 9">
+          <p:cNvSpPr>
+            <a:spLocks noGrp="1"/>
+          </p:cNvSpPr>
+          <p:nvPr>
+            <p:ph type="title"/>
+          </p:nvPr>
+        </p:nvSpPr>
+        <p:spPr/>
+        <p:txBody>
+          <a:bodyPr/>
+          <a:lstStyle/>
+          <a:p>
+            <a:r>
+              <a:rPr lang="en-US" dirty="0"/>
+              <a:t>Findings </a:t>
+            </a:r>
+          </a:p>
+        </p:txBody>
+      </p:sp>
+      <p:sp>
+        <p:nvSpPr>
+          <p:cNvPr id="4" name="TextBox 3">
             <a:extLst>
               <a:ext uri="{FF2B5EF4-FFF2-40B4-BE49-F238E27FC236}">
-                <a16:creationId xmlns:a16="http://schemas.microsoft.com/office/drawing/2014/main" id="{68C90698-9174-B640-B74F-58469ECFAFB4}"/>
+                <a16:creationId xmlns:a16="http://schemas.microsoft.com/office/drawing/2014/main" id="{8B6D276C-B2CA-BF4E-8EC8-2BE0DA1C262E}"/>
               </a:ext>
             </a:extLst>
           </p:cNvPr>
-          <p:cNvPicPr>
-            <a:picLocks noChangeAspect="1"/>
-          </p:cNvPicPr>
+          <p:cNvSpPr txBox="1"/>
           <p:nvPr/>
-        </p:nvPicPr>
-        <p:blipFill rotWithShape="1">
-          <a:blip r:embed="rId3">
-            <a:extLst>
-              <a:ext uri="{28A0092B-C50C-407E-A947-70E740481C1C}">
-                <a14:useLocalDpi xmlns:a14="http://schemas.microsoft.com/office/drawing/2010/main" val="0"/>
-              </a:ext>
-            </a:extLst>
-          </a:blip>
-          <a:srcRect b="4789"/>
-          <a:stretch/>
-        </p:blipFill>
-        <p:spPr>
-          <a:xfrm>
-            <a:off x="1497330" y="0"/>
-            <a:ext cx="8469630" cy="3009085"/>
+        </p:nvSpPr>
+        <p:spPr>
+          <a:xfrm>
+            <a:off x="991114" y="1899260"/>
+            <a:ext cx="4527184" cy="4985980"/>
           </a:xfrm>
           <a:prstGeom prst="rect">
             <a:avLst/>
           </a:prstGeom>
-        </p:spPr>
-      </p:pic>
+          <a:noFill/>
+        </p:spPr>
+        <p:txBody>
+          <a:bodyPr wrap="square" rtlCol="0">
+            <a:spAutoFit/>
+          </a:bodyPr>
+          <a:lstStyle/>
+          <a:p>
+            <a:r>
+              <a:rPr lang="en-US" b="1" dirty="0"/>
+              <a:t>Home ownership and rent</a:t>
+            </a:r>
+          </a:p>
+          <a:p>
+            <a:r>
+              <a:rPr lang="en-US" dirty="0"/>
+              <a:t>API: used Census 2016 data</a:t>
+            </a:r>
+          </a:p>
+          <a:p>
+            <a:r>
+              <a:rPr lang="en-US" dirty="0"/>
+              <a:t>Process: </a:t>
+            </a:r>
+          </a:p>
+          <a:p>
+            <a:pPr marL="285750" indent="-285750">
+              <a:buFont typeface="Arial" panose="020B0604020202020204" pitchFamily="34" charset="0"/>
+              <a:buChar char="•"/>
+            </a:pPr>
+            <a:r>
+              <a:rPr lang="en-US" dirty="0"/>
+              <a:t>Collected median data for housing cost and income by City (defined as Locations in the Census data)</a:t>
+            </a:r>
+          </a:p>
+          <a:p>
+            <a:pPr marL="285750" indent="-285750">
+              <a:buFont typeface="Arial" panose="020B0604020202020204" pitchFamily="34" charset="0"/>
+              <a:buChar char="•"/>
+            </a:pPr>
+            <a:r>
+              <a:rPr lang="en-US" dirty="0"/>
+              <a:t>Defined estimate for affordability as housing cost / income. The lower the value the better the location.</a:t>
+            </a:r>
+          </a:p>
+          <a:p>
+            <a:r>
+              <a:rPr lang="en-US" dirty="0"/>
+              <a:t>Results: Consistent trend of home ownership and rent costs. Raleigh, Austin, and Washington ranked top 3</a:t>
+            </a:r>
+          </a:p>
+          <a:p>
+            <a:endParaRPr lang="en-US" dirty="0"/>
+          </a:p>
+          <a:p>
+            <a:r>
+              <a:rPr lang="en-US" sz="1200" dirty="0"/>
+              <a:t>Notebook: </a:t>
+            </a:r>
+            <a:r>
+              <a:rPr lang="en-US" sz="1200" dirty="0">
+                <a:hlinkClick r:id="rId2"/>
+              </a:rPr>
+              <a:t>https://github.com/indranik/BC_Project1/blob/master/HousingSchools/housing_results.ipynb</a:t>
+            </a:r>
+            <a:endParaRPr lang="en-US" sz="1200" dirty="0"/>
+          </a:p>
+          <a:p>
+            <a:endParaRPr lang="en-US" dirty="0"/>
+          </a:p>
+          <a:p>
+            <a:endParaRPr lang="en-US" dirty="0"/>
+          </a:p>
+        </p:txBody>
+      </p:sp>
+      <p:sp>
+        <p:nvSpPr>
+          <p:cNvPr id="5" name="TextBox 4">
+            <a:extLst>
+              <a:ext uri="{FF2B5EF4-FFF2-40B4-BE49-F238E27FC236}">
+                <a16:creationId xmlns:a16="http://schemas.microsoft.com/office/drawing/2014/main" id="{3BA14653-B2B1-CD45-8B17-02CC1E3ABB40}"/>
+              </a:ext>
+            </a:extLst>
+          </p:cNvPr>
+          <p:cNvSpPr txBox="1"/>
+          <p:nvPr/>
+        </p:nvSpPr>
+        <p:spPr>
+          <a:xfrm>
+            <a:off x="6429043" y="1899260"/>
+            <a:ext cx="4604402" cy="2031325"/>
+          </a:xfrm>
+          <a:prstGeom prst="rect">
+            <a:avLst/>
+          </a:prstGeom>
+          <a:noFill/>
+        </p:spPr>
+        <p:txBody>
+          <a:bodyPr wrap="none" rtlCol="0">
+            <a:spAutoFit/>
+          </a:bodyPr>
+          <a:lstStyle/>
+          <a:p>
+            <a:r>
+              <a:rPr lang="en-US" b="1" dirty="0"/>
+              <a:t>Nearby K-12 schools for site location</a:t>
+            </a:r>
+          </a:p>
+          <a:p>
+            <a:r>
+              <a:rPr lang="en-US" dirty="0"/>
+              <a:t>API: Great Schools API</a:t>
+            </a:r>
+          </a:p>
+          <a:p>
+            <a:r>
+              <a:rPr lang="en-US" dirty="0"/>
+              <a:t>Using: State and zip code information</a:t>
+            </a:r>
+          </a:p>
+          <a:p>
+            <a:r>
+              <a:rPr lang="en-US" dirty="0"/>
+              <a:t>Process: Average school rating per city and sort</a:t>
+            </a:r>
+          </a:p>
+          <a:p>
+            <a:r>
+              <a:rPr lang="en-US" dirty="0"/>
+              <a:t>Results: Austin, LA, Atlanta ranked higher</a:t>
+            </a:r>
+          </a:p>
+          <a:p>
+            <a:endParaRPr lang="en-US" dirty="0"/>
+          </a:p>
+          <a:p>
+            <a:endParaRPr lang="en-US" dirty="0"/>
+          </a:p>
+        </p:txBody>
+      </p:sp>
+      <p:sp>
+        <p:nvSpPr>
+          <p:cNvPr id="6" name="TextBox 5">
+            <a:extLst>
+              <a:ext uri="{FF2B5EF4-FFF2-40B4-BE49-F238E27FC236}">
+                <a16:creationId xmlns:a16="http://schemas.microsoft.com/office/drawing/2014/main" id="{A9AC4C7E-AEF8-EB43-BBAF-9297C2872E05}"/>
+              </a:ext>
+            </a:extLst>
+          </p:cNvPr>
+          <p:cNvSpPr txBox="1"/>
+          <p:nvPr/>
+        </p:nvSpPr>
+        <p:spPr>
+          <a:xfrm>
+            <a:off x="6429043" y="3584560"/>
+            <a:ext cx="4420762" cy="1754326"/>
+          </a:xfrm>
+          <a:prstGeom prst="rect">
+            <a:avLst/>
+          </a:prstGeom>
+          <a:noFill/>
+        </p:spPr>
+        <p:txBody>
+          <a:bodyPr wrap="none" rtlCol="0">
+            <a:spAutoFit/>
+          </a:bodyPr>
+          <a:lstStyle/>
+          <a:p>
+            <a:r>
+              <a:rPr lang="en-US" b="1" dirty="0"/>
+              <a:t>Nearby Colleges for site location</a:t>
+            </a:r>
+          </a:p>
+          <a:p>
+            <a:r>
+              <a:rPr lang="en-US" dirty="0"/>
+              <a:t>API: Google Search</a:t>
+            </a:r>
+          </a:p>
+          <a:p>
+            <a:r>
+              <a:rPr lang="en-US" dirty="0"/>
+              <a:t>Using: Latitude and Longitude information</a:t>
+            </a:r>
+          </a:p>
+          <a:p>
+            <a:r>
+              <a:rPr lang="en-US" dirty="0"/>
+              <a:t>Process: Average site ratings per city and sort</a:t>
+            </a:r>
+          </a:p>
+          <a:p>
+            <a:r>
+              <a:rPr lang="en-US" dirty="0"/>
+              <a:t>Results: Raleigh, LA, Atlanta ranked higher</a:t>
+            </a:r>
+          </a:p>
+          <a:p>
+            <a:endParaRPr lang="en-US" dirty="0"/>
+          </a:p>
+        </p:txBody>
+      </p:sp>
+      <p:sp>
+        <p:nvSpPr>
+          <p:cNvPr id="8" name="TextBox 7">
+            <a:extLst>
+              <a:ext uri="{FF2B5EF4-FFF2-40B4-BE49-F238E27FC236}">
+                <a16:creationId xmlns:a16="http://schemas.microsoft.com/office/drawing/2014/main" id="{01D08F11-1D2E-1D45-85FC-54676BCAE248}"/>
+              </a:ext>
+            </a:extLst>
+          </p:cNvPr>
+          <p:cNvSpPr txBox="1"/>
+          <p:nvPr/>
+        </p:nvSpPr>
+        <p:spPr>
+          <a:xfrm>
+            <a:off x="6506392" y="5456994"/>
+            <a:ext cx="5008669" cy="923330"/>
+          </a:xfrm>
+          <a:prstGeom prst="rect">
+            <a:avLst/>
+          </a:prstGeom>
+          <a:noFill/>
+        </p:spPr>
+        <p:txBody>
+          <a:bodyPr wrap="square" rtlCol="0">
+            <a:spAutoFit/>
+          </a:bodyPr>
+          <a:lstStyle/>
+          <a:p>
+            <a:r>
+              <a:rPr lang="en-US" sz="1200" dirty="0"/>
+              <a:t>Notebook: </a:t>
+            </a:r>
+            <a:r>
+              <a:rPr lang="en-US" sz="1200" dirty="0">
+                <a:hlinkClick r:id="rId3"/>
+              </a:rPr>
+              <a:t>https://github.com/indranik/BC_Project1/blob/master/HousingSchools/schools_results.ipynb</a:t>
+            </a:r>
+            <a:endParaRPr lang="en-US" sz="1200" dirty="0"/>
+          </a:p>
+          <a:p>
+            <a:endParaRPr lang="en-US" dirty="0"/>
+          </a:p>
+        </p:txBody>
+      </p:sp>
     </p:spTree>
     <p:extLst>
       <p:ext uri="{BB962C8B-B14F-4D97-AF65-F5344CB8AC3E}">
-        <p14:creationId xmlns:p14="http://schemas.microsoft.com/office/powerpoint/2010/main" val="3344394509"/>
+        <p14:creationId xmlns:p14="http://schemas.microsoft.com/office/powerpoint/2010/main" val="4004922827"/>
       </p:ext>
     </p:extLst>
   </p:cSld>
@@ -5394,6 +5691,372 @@
 </file>
 
 <file path=ppt/slides/slide20.xml><?xml version="1.0" encoding="utf-8"?>
+<p:sld xmlns:a="http://schemas.openxmlformats.org/drawingml/2006/main" xmlns:r="http://schemas.openxmlformats.org/officeDocument/2006/relationships" xmlns:p="http://schemas.openxmlformats.org/presentationml/2006/main">
+  <p:cSld>
+    <p:spTree>
+      <p:nvGrpSpPr>
+        <p:cNvPr id="1" name=""/>
+        <p:cNvGrpSpPr/>
+        <p:nvPr/>
+      </p:nvGrpSpPr>
+      <p:grpSpPr>
+        <a:xfrm>
+          <a:off x="0" y="0"/>
+          <a:ext cx="0" cy="0"/>
+          <a:chOff x="0" y="0"/>
+          <a:chExt cx="0" cy="0"/>
+        </a:xfrm>
+      </p:grpSpPr>
+      <p:sp>
+        <p:nvSpPr>
+          <p:cNvPr id="2" name="Title 1">
+            <a:extLst>
+              <a:ext uri="{FF2B5EF4-FFF2-40B4-BE49-F238E27FC236}">
+                <a16:creationId xmlns:a16="http://schemas.microsoft.com/office/drawing/2014/main" id="{390EB264-3883-41F9-BACB-285D2229980C}"/>
+              </a:ext>
+            </a:extLst>
+          </p:cNvPr>
+          <p:cNvSpPr>
+            <a:spLocks noGrp="1"/>
+          </p:cNvSpPr>
+          <p:nvPr>
+            <p:ph type="title"/>
+          </p:nvPr>
+        </p:nvSpPr>
+        <p:spPr/>
+        <p:txBody>
+          <a:bodyPr/>
+          <a:lstStyle/>
+          <a:p>
+            <a:r>
+              <a:rPr lang="en-US" dirty="0"/>
+              <a:t>Lessons learnt </a:t>
+            </a:r>
+          </a:p>
+        </p:txBody>
+      </p:sp>
+      <p:sp>
+        <p:nvSpPr>
+          <p:cNvPr id="3" name="Content Placeholder 2">
+            <a:extLst>
+              <a:ext uri="{FF2B5EF4-FFF2-40B4-BE49-F238E27FC236}">
+                <a16:creationId xmlns:a16="http://schemas.microsoft.com/office/drawing/2014/main" id="{BEC8BDDB-FD44-4EB6-BE27-4A708B75BDAB}"/>
+              </a:ext>
+            </a:extLst>
+          </p:cNvPr>
+          <p:cNvSpPr>
+            <a:spLocks noGrp="1"/>
+          </p:cNvSpPr>
+          <p:nvPr>
+            <p:ph idx="1"/>
+          </p:nvPr>
+        </p:nvSpPr>
+        <p:spPr/>
+        <p:txBody>
+          <a:bodyPr/>
+          <a:lstStyle/>
+          <a:p>
+            <a:endParaRPr lang="en-US" dirty="0"/>
+          </a:p>
+        </p:txBody>
+      </p:sp>
+    </p:spTree>
+    <p:extLst>
+      <p:ext uri="{BB962C8B-B14F-4D97-AF65-F5344CB8AC3E}">
+        <p14:creationId xmlns:p14="http://schemas.microsoft.com/office/powerpoint/2010/main" val="2977691450"/>
+      </p:ext>
+    </p:extLst>
+  </p:cSld>
+  <p:clrMapOvr>
+    <a:masterClrMapping/>
+  </p:clrMapOvr>
+</p:sld>
+</file>
+
+<file path=ppt/slides/slide21.xml><?xml version="1.0" encoding="utf-8"?>
+<p:sld xmlns:a="http://schemas.openxmlformats.org/drawingml/2006/main" xmlns:r="http://schemas.openxmlformats.org/officeDocument/2006/relationships" xmlns:p="http://schemas.openxmlformats.org/presentationml/2006/main">
+  <p:cSld>
+    <p:spTree>
+      <p:nvGrpSpPr>
+        <p:cNvPr id="1" name=""/>
+        <p:cNvGrpSpPr/>
+        <p:nvPr/>
+      </p:nvGrpSpPr>
+      <p:grpSpPr>
+        <a:xfrm>
+          <a:off x="0" y="0"/>
+          <a:ext cx="0" cy="0"/>
+          <a:chOff x="0" y="0"/>
+          <a:chExt cx="0" cy="0"/>
+        </a:xfrm>
+      </p:grpSpPr>
+      <p:sp>
+        <p:nvSpPr>
+          <p:cNvPr id="2" name="Title 1">
+            <a:extLst>
+              <a:ext uri="{FF2B5EF4-FFF2-40B4-BE49-F238E27FC236}">
+                <a16:creationId xmlns:a16="http://schemas.microsoft.com/office/drawing/2014/main" id="{BD461D94-0D0F-0348-95E5-2A357932C23B}"/>
+              </a:ext>
+            </a:extLst>
+          </p:cNvPr>
+          <p:cNvSpPr>
+            <a:spLocks noGrp="1"/>
+          </p:cNvSpPr>
+          <p:nvPr>
+            <p:ph type="title"/>
+          </p:nvPr>
+        </p:nvSpPr>
+        <p:spPr/>
+        <p:txBody>
+          <a:bodyPr/>
+          <a:lstStyle/>
+          <a:p>
+            <a:r>
+              <a:rPr lang="en-US" dirty="0"/>
+              <a:t>Nearby Amenities</a:t>
+            </a:r>
+          </a:p>
+        </p:txBody>
+      </p:sp>
+      <p:sp>
+        <p:nvSpPr>
+          <p:cNvPr id="3" name="Content Placeholder 2">
+            <a:extLst>
+              <a:ext uri="{FF2B5EF4-FFF2-40B4-BE49-F238E27FC236}">
+                <a16:creationId xmlns:a16="http://schemas.microsoft.com/office/drawing/2014/main" id="{0AA20437-69DD-8C47-91EE-5EC495E32373}"/>
+              </a:ext>
+            </a:extLst>
+          </p:cNvPr>
+          <p:cNvSpPr>
+            <a:spLocks noGrp="1"/>
+          </p:cNvSpPr>
+          <p:nvPr>
+            <p:ph idx="1"/>
+          </p:nvPr>
+        </p:nvSpPr>
+        <p:spPr>
+          <a:xfrm>
+            <a:off x="1097280" y="1845734"/>
+            <a:ext cx="10058400" cy="4463626"/>
+          </a:xfrm>
+        </p:spPr>
+        <p:txBody>
+          <a:bodyPr>
+            <a:normAutofit/>
+          </a:bodyPr>
+          <a:lstStyle/>
+          <a:p>
+            <a:r>
+              <a:rPr lang="en-US" sz="1800" dirty="0"/>
+              <a:t>  A. </a:t>
+            </a:r>
+            <a:r>
+              <a:rPr lang="en-US" sz="1800" b="1" i="1" dirty="0"/>
+              <a:t>Emergency Facilities </a:t>
+            </a:r>
+          </a:p>
+          <a:p>
+            <a:pPr lvl="1"/>
+            <a:r>
+              <a:rPr lang="en-US" dirty="0"/>
+              <a:t>How accessible are these facilities in case of mass emergency on/around sites for containing the situation and resuming business asap. Hospitals, Fire Stations, Doctors.</a:t>
+            </a:r>
+          </a:p>
+          <a:p>
+            <a:pPr marL="201168" lvl="1" indent="0">
+              <a:buNone/>
+            </a:pPr>
+            <a:r>
+              <a:rPr lang="en-US" dirty="0"/>
+              <a:t>B. </a:t>
+            </a:r>
+            <a:r>
+              <a:rPr lang="en-US" b="1" i="1" dirty="0"/>
+              <a:t>Accommodation </a:t>
+            </a:r>
+          </a:p>
+          <a:p>
+            <a:pPr lvl="1"/>
+            <a:r>
+              <a:rPr lang="en-US" dirty="0"/>
+              <a:t>Many executive employees travel from outside the city for few days a week and might need lodging facility as close to the company as possible. Also lot of local/not-local employees use vehicle for commute and will need parking nearby. Lodging, Parking.</a:t>
+            </a:r>
+          </a:p>
+          <a:p>
+            <a:pPr marL="201168" lvl="1" indent="0">
+              <a:buNone/>
+            </a:pPr>
+            <a:r>
+              <a:rPr lang="en-US" dirty="0"/>
+              <a:t>C. </a:t>
+            </a:r>
+            <a:r>
+              <a:rPr lang="en-US" b="1" i="1" dirty="0"/>
+              <a:t>Refreshments </a:t>
+            </a:r>
+          </a:p>
+          <a:p>
+            <a:pPr lvl="1"/>
+            <a:r>
+              <a:rPr lang="en-US" dirty="0"/>
+              <a:t>Basic Refreshment facilities. Café, Restaurants.</a:t>
+            </a:r>
+          </a:p>
+          <a:p>
+            <a:pPr marL="201168" lvl="1" indent="0">
+              <a:buNone/>
+            </a:pPr>
+            <a:r>
+              <a:rPr lang="en-US" dirty="0"/>
+              <a:t>D. </a:t>
+            </a:r>
+            <a:r>
+              <a:rPr lang="en-US" b="1" i="1" dirty="0"/>
+              <a:t>Basic Errands/appointments</a:t>
+            </a:r>
+          </a:p>
+          <a:p>
+            <a:pPr lvl="1"/>
+            <a:r>
+              <a:rPr lang="en-US" dirty="0"/>
+              <a:t>By large employees tend to take care of daily errands and appointments in lunch breaks or before/after work hours and prefer it to be as close to work as possible for obvious reasons. Super markets, Post Office, Doctor.</a:t>
+            </a:r>
+          </a:p>
+          <a:p>
+            <a:pPr marL="201168" lvl="1" indent="0">
+              <a:buNone/>
+            </a:pPr>
+            <a:r>
+              <a:rPr lang="en-US" dirty="0"/>
+              <a:t>E. </a:t>
+            </a:r>
+            <a:r>
+              <a:rPr lang="en-US" b="1" i="1" dirty="0"/>
+              <a:t>Fitness </a:t>
+            </a:r>
+          </a:p>
+          <a:p>
+            <a:pPr lvl="1"/>
+            <a:r>
+              <a:rPr lang="en-US" dirty="0"/>
+              <a:t>Fitness is top on priority list for a significant amount of employees now a days. Gym.</a:t>
+            </a:r>
+          </a:p>
+        </p:txBody>
+      </p:sp>
+    </p:spTree>
+    <p:extLst>
+      <p:ext uri="{BB962C8B-B14F-4D97-AF65-F5344CB8AC3E}">
+        <p14:creationId xmlns:p14="http://schemas.microsoft.com/office/powerpoint/2010/main" val="660619397"/>
+      </p:ext>
+    </p:extLst>
+  </p:cSld>
+  <p:clrMapOvr>
+    <a:masterClrMapping/>
+  </p:clrMapOvr>
+</p:sld>
+</file>
+
+<file path=ppt/slides/slide22.xml><?xml version="1.0" encoding="utf-8"?>
+<p:sld xmlns:a="http://schemas.openxmlformats.org/drawingml/2006/main" xmlns:r="http://schemas.openxmlformats.org/officeDocument/2006/relationships" xmlns:p="http://schemas.openxmlformats.org/presentationml/2006/main">
+  <p:cSld>
+    <p:spTree>
+      <p:nvGrpSpPr>
+        <p:cNvPr id="1" name=""/>
+        <p:cNvGrpSpPr/>
+        <p:nvPr/>
+      </p:nvGrpSpPr>
+      <p:grpSpPr>
+        <a:xfrm>
+          <a:off x="0" y="0"/>
+          <a:ext cx="0" cy="0"/>
+          <a:chOff x="0" y="0"/>
+          <a:chExt cx="0" cy="0"/>
+        </a:xfrm>
+      </p:grpSpPr>
+      <p:pic>
+        <p:nvPicPr>
+          <p:cNvPr id="5" name="Content Placeholder 4">
+            <a:extLst>
+              <a:ext uri="{FF2B5EF4-FFF2-40B4-BE49-F238E27FC236}">
+                <a16:creationId xmlns:a16="http://schemas.microsoft.com/office/drawing/2014/main" id="{E68C87D7-7462-FC4E-AD8D-476C5861BE45}"/>
+              </a:ext>
+            </a:extLst>
+          </p:cNvPr>
+          <p:cNvPicPr>
+            <a:picLocks noGrp="1" noChangeAspect="1"/>
+          </p:cNvPicPr>
+          <p:nvPr>
+            <p:ph idx="1"/>
+          </p:nvPr>
+        </p:nvPicPr>
+        <p:blipFill rotWithShape="1">
+          <a:blip r:embed="rId2">
+            <a:extLst>
+              <a:ext uri="{28A0092B-C50C-407E-A947-70E740481C1C}">
+                <a14:useLocalDpi xmlns:a14="http://schemas.microsoft.com/office/drawing/2010/main" val="0"/>
+              </a:ext>
+            </a:extLst>
+          </a:blip>
+          <a:srcRect b="5163"/>
+          <a:stretch/>
+        </p:blipFill>
+        <p:spPr>
+          <a:xfrm>
+            <a:off x="1497330" y="3371850"/>
+            <a:ext cx="8341355" cy="2948940"/>
+          </a:xfrm>
+        </p:spPr>
+      </p:pic>
+      <p:pic>
+        <p:nvPicPr>
+          <p:cNvPr id="10" name="Picture 9">
+            <a:extLst>
+              <a:ext uri="{FF2B5EF4-FFF2-40B4-BE49-F238E27FC236}">
+                <a16:creationId xmlns:a16="http://schemas.microsoft.com/office/drawing/2014/main" id="{68C90698-9174-B640-B74F-58469ECFAFB4}"/>
+              </a:ext>
+            </a:extLst>
+          </p:cNvPr>
+          <p:cNvPicPr>
+            <a:picLocks noChangeAspect="1"/>
+          </p:cNvPicPr>
+          <p:nvPr/>
+        </p:nvPicPr>
+        <p:blipFill rotWithShape="1">
+          <a:blip r:embed="rId3">
+            <a:extLst>
+              <a:ext uri="{28A0092B-C50C-407E-A947-70E740481C1C}">
+                <a14:useLocalDpi xmlns:a14="http://schemas.microsoft.com/office/drawing/2010/main" val="0"/>
+              </a:ext>
+            </a:extLst>
+          </a:blip>
+          <a:srcRect b="4789"/>
+          <a:stretch/>
+        </p:blipFill>
+        <p:spPr>
+          <a:xfrm>
+            <a:off x="1497330" y="0"/>
+            <a:ext cx="8469630" cy="3009085"/>
+          </a:xfrm>
+          <a:prstGeom prst="rect">
+            <a:avLst/>
+          </a:prstGeom>
+        </p:spPr>
+      </p:pic>
+    </p:spTree>
+    <p:extLst>
+      <p:ext uri="{BB962C8B-B14F-4D97-AF65-F5344CB8AC3E}">
+        <p14:creationId xmlns:p14="http://schemas.microsoft.com/office/powerpoint/2010/main" val="3344394509"/>
+      </p:ext>
+    </p:extLst>
+  </p:cSld>
+  <p:clrMapOvr>
+    <a:masterClrMapping/>
+  </p:clrMapOvr>
+</p:sld>
+</file>
+
+<file path=ppt/slides/slide23.xml><?xml version="1.0" encoding="utf-8"?>
 <p:sld xmlns:a="http://schemas.openxmlformats.org/drawingml/2006/main" xmlns:r="http://schemas.openxmlformats.org/officeDocument/2006/relationships" xmlns:p="http://schemas.openxmlformats.org/presentationml/2006/main">
   <p:cSld>
     <p:spTree>

--- a/Project1_Presentation.pptx
+++ b/Project1_Presentation.pptx
@@ -28,6 +28,7 @@
     <p:sldId id="275" r:id="rId22"/>
     <p:sldId id="261" r:id="rId23"/>
     <p:sldId id="277" r:id="rId24"/>
+    <p:sldId id="286" r:id="rId25"/>
   </p:sldIdLst>
   <p:sldSz cx="12192000" cy="6858000"/>
   <p:notesSz cx="6858000" cy="9144000"/>
@@ -6301,6 +6302,71 @@
 </p:sld>
 </file>
 
+<file path=ppt/slides/slide24.xml><?xml version="1.0" encoding="utf-8"?>
+<p:sld xmlns:a="http://schemas.openxmlformats.org/drawingml/2006/main" xmlns:r="http://schemas.openxmlformats.org/officeDocument/2006/relationships" xmlns:p="http://schemas.openxmlformats.org/presentationml/2006/main">
+  <p:cSld>
+    <p:spTree>
+      <p:nvGrpSpPr>
+        <p:cNvPr id="1" name=""/>
+        <p:cNvGrpSpPr/>
+        <p:nvPr/>
+      </p:nvGrpSpPr>
+      <p:grpSpPr>
+        <a:xfrm>
+          <a:off x="0" y="0"/>
+          <a:ext cx="0" cy="0"/>
+          <a:chOff x="0" y="0"/>
+          <a:chExt cx="0" cy="0"/>
+        </a:xfrm>
+      </p:grpSpPr>
+      <p:pic>
+        <p:nvPicPr>
+          <p:cNvPr id="5" name="Content Placeholder 4">
+            <a:extLst>
+              <a:ext uri="{FF2B5EF4-FFF2-40B4-BE49-F238E27FC236}">
+                <a16:creationId xmlns:a16="http://schemas.microsoft.com/office/drawing/2014/main" id="{2F3CA2CF-0E33-C941-BF0A-AED6E92427F2}"/>
+              </a:ext>
+            </a:extLst>
+          </p:cNvPr>
+          <p:cNvPicPr>
+            <a:picLocks noGrp="1" noChangeAspect="1"/>
+          </p:cNvPicPr>
+          <p:nvPr>
+            <p:ph idx="1"/>
+          </p:nvPr>
+        </p:nvPicPr>
+        <p:blipFill>
+          <a:blip r:embed="rId2">
+            <a:extLst>
+              <a:ext uri="{28A0092B-C50C-407E-A947-70E740481C1C}">
+                <a14:useLocalDpi xmlns:a14="http://schemas.microsoft.com/office/drawing/2010/main" val="0"/>
+              </a:ext>
+            </a:extLst>
+          </a:blip>
+          <a:stretch>
+            <a:fillRect/>
+          </a:stretch>
+        </p:blipFill>
+        <p:spPr>
+          <a:xfrm>
+            <a:off x="1119823" y="1402506"/>
+            <a:ext cx="10058400" cy="3355759"/>
+          </a:xfrm>
+        </p:spPr>
+      </p:pic>
+    </p:spTree>
+    <p:extLst>
+      <p:ext uri="{BB962C8B-B14F-4D97-AF65-F5344CB8AC3E}">
+        <p14:creationId xmlns:p14="http://schemas.microsoft.com/office/powerpoint/2010/main" val="3746184928"/>
+      </p:ext>
+    </p:extLst>
+  </p:cSld>
+  <p:clrMapOvr>
+    <a:masterClrMapping/>
+  </p:clrMapOvr>
+</p:sld>
+</file>
+
 <file path=ppt/slides/slide3.xml><?xml version="1.0" encoding="utf-8"?>
 <p:sld xmlns:a="http://schemas.openxmlformats.org/drawingml/2006/main" xmlns:r="http://schemas.openxmlformats.org/officeDocument/2006/relationships" xmlns:p="http://schemas.openxmlformats.org/presentationml/2006/main">
   <p:cSld>

--- a/Project1_Presentation.pptx
+++ b/Project1_Presentation.pptx
@@ -5,9 +5,9 @@
     <p:sldMasterId id="2147483660" r:id="rId1"/>
   </p:sldMasterIdLst>
   <p:sldIdLst>
-    <p:sldId id="256" r:id="rId2"/>
-    <p:sldId id="273" r:id="rId3"/>
-    <p:sldId id="257" r:id="rId4"/>
+    <p:sldId id="273" r:id="rId2"/>
+    <p:sldId id="257" r:id="rId3"/>
+    <p:sldId id="288" r:id="rId4"/>
     <p:sldId id="259" r:id="rId5"/>
     <p:sldId id="260" r:id="rId6"/>
     <p:sldId id="267" r:id="rId7"/>
@@ -3832,6 +3832,42 @@
           <a:chExt cx="0" cy="0"/>
         </a:xfrm>
       </p:grpSpPr>
+      <p:pic>
+        <p:nvPicPr>
+          <p:cNvPr id="5" name="Picture 4">
+            <a:extLst>
+              <a:ext uri="{FF2B5EF4-FFF2-40B4-BE49-F238E27FC236}">
+                <a16:creationId xmlns:a16="http://schemas.microsoft.com/office/drawing/2014/main" id="{06C0ABB1-7187-094A-8DAB-40D99DA19870}"/>
+              </a:ext>
+            </a:extLst>
+          </p:cNvPr>
+          <p:cNvPicPr>
+            <a:picLocks noChangeAspect="1"/>
+          </p:cNvPicPr>
+          <p:nvPr/>
+        </p:nvPicPr>
+        <p:blipFill rotWithShape="1">
+          <a:blip r:embed="rId2">
+            <a:alphaModFix amt="15000"/>
+            <a:extLst>
+              <a:ext uri="{28A0092B-C50C-407E-A947-70E740481C1C}">
+                <a14:useLocalDpi xmlns:a14="http://schemas.microsoft.com/office/drawing/2010/main" val="0"/>
+              </a:ext>
+            </a:extLst>
+          </a:blip>
+          <a:srcRect l="13008" t="17665" r="9506" b="6167"/>
+          <a:stretch/>
+        </p:blipFill>
+        <p:spPr>
+          <a:xfrm>
+            <a:off x="502920" y="0"/>
+            <a:ext cx="11235690" cy="6217150"/>
+          </a:xfrm>
+          <a:prstGeom prst="rect">
+            <a:avLst/>
+          </a:prstGeom>
+        </p:spPr>
+      </p:pic>
       <p:sp>
         <p:nvSpPr>
           <p:cNvPr id="2" name="Title 1">
@@ -3848,7 +3884,12 @@
             <p:ph type="ctrTitle"/>
           </p:nvPr>
         </p:nvSpPr>
-        <p:spPr/>
+        <p:spPr>
+          <a:xfrm>
+            <a:off x="1097280" y="758952"/>
+            <a:ext cx="10058400" cy="3566160"/>
+          </a:xfrm>
+        </p:spPr>
         <p:txBody>
           <a:bodyPr/>
           <a:lstStyle/>
@@ -3876,7 +3917,12 @@
             <p:ph type="subTitle" idx="1"/>
           </p:nvPr>
         </p:nvSpPr>
-        <p:spPr/>
+        <p:spPr>
+          <a:xfrm>
+            <a:off x="1100051" y="4455620"/>
+            <a:ext cx="10058400" cy="1143000"/>
+          </a:xfrm>
+        </p:spPr>
         <p:txBody>
           <a:bodyPr>
             <a:normAutofit fontScale="92500"/>
@@ -3885,65 +3931,53 @@
           <a:p>
             <a:r>
               <a:rPr lang="en-US" sz="3000" b="1" dirty="0"/>
-              <a:t>Project 1 – UCB-DATA ANLYTICS BOOTCAMP, 2018</a:t>
-            </a:r>
-          </a:p>
-          <a:p>
-            <a:r>
-              <a:rPr lang="en-US" b="1" dirty="0" err="1"/>
-              <a:t>Guirlyn</a:t>
-            </a:r>
+              <a:t>Project 1 – UCB-DATA ANLYTICS BOOTCAMP</a:t>
+            </a:r>
+          </a:p>
+          <a:p>
             <a:r>
               <a:rPr lang="en-US" b="1" dirty="0"/>
-              <a:t> V </a:t>
-            </a:r>
-            <a:r>
-              <a:rPr lang="en-US" b="1" dirty="0" err="1"/>
-              <a:t>Olivar</a:t>
-            </a:r>
-            <a:r>
-              <a:rPr lang="en-US" b="1" dirty="0"/>
-              <a:t>, Helen </a:t>
-            </a:r>
-            <a:r>
-              <a:rPr lang="en-US" b="1" dirty="0" err="1"/>
-              <a:t>LeAO</a:t>
-            </a:r>
-            <a:r>
-              <a:rPr lang="en-US" b="1" dirty="0"/>
-              <a:t>, </a:t>
-            </a:r>
-            <a:r>
-              <a:rPr lang="en-US" b="1" dirty="0" err="1"/>
-              <a:t>Indrani</a:t>
-            </a:r>
-            <a:r>
-              <a:rPr lang="en-US" b="1" dirty="0"/>
-              <a:t> </a:t>
-            </a:r>
-            <a:r>
-              <a:rPr lang="en-US" b="1" dirty="0" err="1"/>
-              <a:t>Kompella</a:t>
-            </a:r>
-            <a:r>
-              <a:rPr lang="en-US" b="1" dirty="0"/>
-              <a:t> and </a:t>
-            </a:r>
-            <a:r>
-              <a:rPr lang="en-US" b="1" dirty="0" err="1"/>
-              <a:t>Niyati</a:t>
-            </a:r>
-            <a:r>
-              <a:rPr lang="en-US" b="1" dirty="0"/>
-              <a:t> Desai</a:t>
-            </a:r>
+              <a:t>Guirlyn V Olivar, Helen LeAO, Indrani Kompella and Niyati Desai</a:t>
+            </a:r>
+          </a:p>
+        </p:txBody>
+      </p:sp>
+      <p:sp>
+        <p:nvSpPr>
+          <p:cNvPr id="6" name="TextBox 5">
+            <a:extLst>
+              <a:ext uri="{FF2B5EF4-FFF2-40B4-BE49-F238E27FC236}">
+                <a16:creationId xmlns:a16="http://schemas.microsoft.com/office/drawing/2014/main" id="{016AAC0F-C33A-034E-90E8-8BDFD51AC1BE}"/>
+              </a:ext>
+            </a:extLst>
+          </p:cNvPr>
+          <p:cNvSpPr txBox="1"/>
+          <p:nvPr/>
+        </p:nvSpPr>
+        <p:spPr>
+          <a:xfrm>
+            <a:off x="12070080" y="2743200"/>
+            <a:ext cx="184731" cy="369332"/>
+          </a:xfrm>
+          <a:prstGeom prst="rect">
+            <a:avLst/>
+          </a:prstGeom>
+          <a:noFill/>
+        </p:spPr>
+        <p:txBody>
+          <a:bodyPr wrap="none" rtlCol="0">
+            <a:spAutoFit/>
+          </a:bodyPr>
+          <a:lstStyle/>
+          <a:p>
+            <a:endParaRPr lang="en-US" dirty="0"/>
           </a:p>
         </p:txBody>
       </p:sp>
     </p:spTree>
     <p:extLst>
       <p:ext uri="{BB962C8B-B14F-4D97-AF65-F5344CB8AC3E}">
-        <p14:creationId xmlns:p14="http://schemas.microsoft.com/office/powerpoint/2010/main" val="4098212711"/>
+        <p14:creationId xmlns:p14="http://schemas.microsoft.com/office/powerpoint/2010/main" val="2713940244"/>
       </p:ext>
     </p:extLst>
   </p:cSld>
@@ -5536,48 +5570,12 @@
           <a:chExt cx="0" cy="0"/>
         </a:xfrm>
       </p:grpSpPr>
-      <p:pic>
-        <p:nvPicPr>
-          <p:cNvPr id="5" name="Picture 4">
+      <p:sp>
+        <p:nvSpPr>
+          <p:cNvPr id="2" name="Title 1">
             <a:extLst>
               <a:ext uri="{FF2B5EF4-FFF2-40B4-BE49-F238E27FC236}">
-                <a16:creationId xmlns:a16="http://schemas.microsoft.com/office/drawing/2014/main" id="{06C0ABB1-7187-094A-8DAB-40D99DA19870}"/>
-              </a:ext>
-            </a:extLst>
-          </p:cNvPr>
-          <p:cNvPicPr>
-            <a:picLocks noChangeAspect="1"/>
-          </p:cNvPicPr>
-          <p:nvPr/>
-        </p:nvPicPr>
-        <p:blipFill rotWithShape="1">
-          <a:blip r:embed="rId2">
-            <a:alphaModFix amt="15000"/>
-            <a:extLst>
-              <a:ext uri="{28A0092B-C50C-407E-A947-70E740481C1C}">
-                <a14:useLocalDpi xmlns:a14="http://schemas.microsoft.com/office/drawing/2010/main" val="0"/>
-              </a:ext>
-            </a:extLst>
-          </a:blip>
-          <a:srcRect l="13008" t="17665" r="9506" b="6167"/>
-          <a:stretch/>
-        </p:blipFill>
-        <p:spPr>
-          <a:xfrm>
-            <a:off x="502920" y="0"/>
-            <a:ext cx="11235690" cy="6217150"/>
-          </a:xfrm>
-          <a:prstGeom prst="rect">
-            <a:avLst/>
-          </a:prstGeom>
-        </p:spPr>
-      </p:pic>
-      <p:sp>
-        <p:nvSpPr>
-          <p:cNvPr id="2" name="Title 1">
-            <a:extLst>
-              <a:ext uri="{FF2B5EF4-FFF2-40B4-BE49-F238E27FC236}">
-                <a16:creationId xmlns:a16="http://schemas.microsoft.com/office/drawing/2014/main" id="{B41C06A5-EFAB-4E81-BE16-8703E062FAC9}"/>
+                <a16:creationId xmlns:a16="http://schemas.microsoft.com/office/drawing/2014/main" id="{390EB264-3883-41F9-BACB-285D2229980C}"/>
               </a:ext>
             </a:extLst>
           </p:cNvPr>
@@ -5585,32 +5583,27 @@
             <a:spLocks noGrp="1"/>
           </p:cNvSpPr>
           <p:nvPr>
-            <p:ph type="ctrTitle"/>
+            <p:ph type="title"/>
           </p:nvPr>
         </p:nvSpPr>
-        <p:spPr>
-          <a:xfrm>
-            <a:off x="1097280" y="758952"/>
-            <a:ext cx="10058400" cy="3566160"/>
-          </a:xfrm>
-        </p:spPr>
+        <p:spPr/>
         <p:txBody>
           <a:bodyPr/>
           <a:lstStyle/>
           <a:p>
             <a:r>
               <a:rPr lang="en-US" dirty="0"/>
-              <a:t>Pick Me Amazon!</a:t>
-            </a:r>
-          </a:p>
-        </p:txBody>
-      </p:sp>
-      <p:sp>
-        <p:nvSpPr>
-          <p:cNvPr id="3" name="Subtitle 2">
+              <a:t>The $5 Billion Question</a:t>
+            </a:r>
+          </a:p>
+        </p:txBody>
+      </p:sp>
+      <p:sp>
+        <p:nvSpPr>
+          <p:cNvPr id="3" name="Content Placeholder 2">
             <a:extLst>
               <a:ext uri="{FF2B5EF4-FFF2-40B4-BE49-F238E27FC236}">
-                <a16:creationId xmlns:a16="http://schemas.microsoft.com/office/drawing/2014/main" id="{16514017-9304-4743-9F53-4DA92C050D17}"/>
+                <a16:creationId xmlns:a16="http://schemas.microsoft.com/office/drawing/2014/main" id="{BEC8BDDB-FD44-4EB6-BE27-4A708B75BDAB}"/>
               </a:ext>
             </a:extLst>
           </p:cNvPr>
@@ -5618,61 +5611,84 @@
             <a:spLocks noGrp="1"/>
           </p:cNvSpPr>
           <p:nvPr>
-            <p:ph type="subTitle" idx="1"/>
+            <p:ph idx="1"/>
           </p:nvPr>
         </p:nvSpPr>
         <p:spPr>
           <a:xfrm>
-            <a:off x="1100051" y="4455620"/>
-            <a:ext cx="10058400" cy="1143000"/>
-          </a:xfrm>
-        </p:spPr>
-        <p:txBody>
-          <a:bodyPr>
-            <a:normAutofit fontScale="92500"/>
-          </a:bodyPr>
+            <a:off x="1084923" y="1845734"/>
+            <a:ext cx="10058400" cy="4023360"/>
+          </a:xfrm>
+        </p:spPr>
+        <p:txBody>
+          <a:bodyPr/>
           <a:lstStyle/>
           <a:p>
-            <a:r>
-              <a:rPr lang="en-US" sz="3000" b="1" dirty="0"/>
-              <a:t>Project 1 – UCB-DATA ANLYTICS BOOTCAMP</a:t>
-            </a:r>
-          </a:p>
-          <a:p>
-            <a:r>
-              <a:rPr lang="en-US" b="1" dirty="0"/>
-              <a:t>Guirlyn V Olivar, Helen LeAO, Indrani Kompella and Niyati Desai</a:t>
-            </a:r>
-          </a:p>
-        </p:txBody>
-      </p:sp>
-      <p:sp>
-        <p:nvSpPr>
-          <p:cNvPr id="6" name="TextBox 5">
-            <a:extLst>
-              <a:ext uri="{FF2B5EF4-FFF2-40B4-BE49-F238E27FC236}">
-                <a16:creationId xmlns:a16="http://schemas.microsoft.com/office/drawing/2014/main" id="{016AAC0F-C33A-034E-90E8-8BDFD51AC1BE}"/>
-              </a:ext>
-            </a:extLst>
-          </p:cNvPr>
-          <p:cNvSpPr txBox="1"/>
-          <p:nvPr/>
-        </p:nvSpPr>
-        <p:spPr>
-          <a:xfrm>
-            <a:off x="12070080" y="2743200"/>
-            <a:ext cx="184731" cy="369332"/>
-          </a:xfrm>
-          <a:prstGeom prst="rect">
-            <a:avLst/>
-          </a:prstGeom>
-          <a:noFill/>
-        </p:spPr>
-        <p:txBody>
-          <a:bodyPr wrap="none" rtlCol="0">
-            <a:spAutoFit/>
-          </a:bodyPr>
-          <a:lstStyle/>
+            <a:pPr marL="0" indent="0">
+              <a:buNone/>
+            </a:pPr>
+            <a:r>
+              <a:rPr lang="en-US" sz="3200" dirty="0"/>
+              <a:t>Cities across the U.S are competing to attract Amazon’s second head quarters which would bring </a:t>
+            </a:r>
+            <a:r>
+              <a:rPr lang="en-US" sz="3200" b="1" dirty="0"/>
+              <a:t>50,000 jobs </a:t>
+            </a:r>
+            <a:r>
+              <a:rPr lang="en-US" sz="3200" dirty="0"/>
+              <a:t>and </a:t>
+            </a:r>
+            <a:r>
+              <a:rPr lang="en-US" sz="3200" b="1" dirty="0"/>
+              <a:t>$5 billion investment</a:t>
+            </a:r>
+            <a:r>
+              <a:rPr lang="en-US" sz="3200" dirty="0"/>
+              <a:t>. Out of the original 238 cities, 20 cities made it the final cut.</a:t>
+            </a:r>
+          </a:p>
+          <a:p>
+            <a:pPr marL="0" indent="0">
+              <a:buNone/>
+            </a:pPr>
+            <a:r>
+              <a:rPr lang="en-US" sz="3200" dirty="0"/>
+              <a:t>If Amazon were a person (</a:t>
+            </a:r>
+            <a:r>
+              <a:rPr lang="en-US" sz="3200" dirty="0">
+                <a:solidFill>
+                  <a:schemeClr val="accent1">
+                    <a:lumMod val="75000"/>
+                  </a:schemeClr>
+                </a:solidFill>
+              </a:rPr>
+              <a:t>Yes…corporations are people!) </a:t>
+            </a:r>
+            <a:r>
+              <a:rPr lang="en-US" sz="3200" dirty="0"/>
+              <a:t>which city should he choose? </a:t>
+            </a:r>
+          </a:p>
+          <a:p>
+            <a:pPr marL="0" indent="0">
+              <a:buNone/>
+            </a:pPr>
+            <a:r>
+              <a:rPr lang="en-US" sz="3200" dirty="0"/>
+              <a:t>We are here to help!</a:t>
+            </a:r>
+          </a:p>
+          <a:p>
+            <a:pPr marL="0" indent="0">
+              <a:buNone/>
+            </a:pPr>
+            <a:endParaRPr lang="en-US" dirty="0"/>
+          </a:p>
+          <a:p>
+            <a:endParaRPr lang="en-US" dirty="0"/>
+          </a:p>
           <a:p>
             <a:endParaRPr lang="en-US" dirty="0"/>
           </a:p>
@@ -5681,7 +5697,7 @@
     </p:spTree>
     <p:extLst>
       <p:ext uri="{BB962C8B-B14F-4D97-AF65-F5344CB8AC3E}">
-        <p14:creationId xmlns:p14="http://schemas.microsoft.com/office/powerpoint/2010/main" val="2713940244"/>
+        <p14:creationId xmlns:p14="http://schemas.microsoft.com/office/powerpoint/2010/main" val="71064535"/>
       </p:ext>
     </p:extLst>
   </p:cSld>
@@ -6384,12 +6400,491 @@
           <a:chExt cx="0" cy="0"/>
         </a:xfrm>
       </p:grpSpPr>
-      <p:sp>
-        <p:nvSpPr>
-          <p:cNvPr id="2" name="Title 1">
+      <p:pic>
+        <p:nvPicPr>
+          <p:cNvPr id="4" name="Picture 3">
             <a:extLst>
               <a:ext uri="{FF2B5EF4-FFF2-40B4-BE49-F238E27FC236}">
-                <a16:creationId xmlns:a16="http://schemas.microsoft.com/office/drawing/2014/main" id="{390EB264-3883-41F9-BACB-285D2229980C}"/>
+                <a16:creationId xmlns:a16="http://schemas.microsoft.com/office/drawing/2014/main" id="{E2779FA5-5EF9-9A41-965D-68A1479EFCCB}"/>
+              </a:ext>
+            </a:extLst>
+          </p:cNvPr>
+          <p:cNvPicPr>
+            <a:picLocks noChangeAspect="1"/>
+          </p:cNvPicPr>
+          <p:nvPr/>
+        </p:nvPicPr>
+        <p:blipFill rotWithShape="1">
+          <a:blip r:embed="rId2">
+            <a:alphaModFix/>
+            <a:extLst>
+              <a:ext uri="{BEBA8EAE-BF5A-486C-A8C5-ECC9F3942E4B}">
+                <a14:imgProps xmlns:a14="http://schemas.microsoft.com/office/drawing/2010/main">
+                  <a14:imgLayer r:embed="rId3">
+                    <a14:imgEffect>
+                      <a14:artisticTexturizer/>
+                    </a14:imgEffect>
+                  </a14:imgLayer>
+                </a14:imgProps>
+              </a:ext>
+              <a:ext uri="{28A0092B-C50C-407E-A947-70E740481C1C}">
+                <a14:useLocalDpi xmlns:a14="http://schemas.microsoft.com/office/drawing/2010/main" val="0"/>
+              </a:ext>
+            </a:extLst>
+          </a:blip>
+          <a:srcRect l="13008" t="17665" r="9506" b="6167"/>
+          <a:stretch/>
+        </p:blipFill>
+        <p:spPr>
+          <a:xfrm>
+            <a:off x="377189" y="2205990"/>
+            <a:ext cx="6403483" cy="3543300"/>
+          </a:xfrm>
+          <a:prstGeom prst="rect">
+            <a:avLst/>
+          </a:prstGeom>
+        </p:spPr>
+      </p:pic>
+      <p:sp>
+        <p:nvSpPr>
+          <p:cNvPr id="6" name="Rounded Rectangle 5">
+            <a:extLst>
+              <a:ext uri="{FF2B5EF4-FFF2-40B4-BE49-F238E27FC236}">
+                <a16:creationId xmlns:a16="http://schemas.microsoft.com/office/drawing/2014/main" id="{C868F23D-7E28-9C45-9298-F89E72BA9012}"/>
+              </a:ext>
+            </a:extLst>
+          </p:cNvPr>
+          <p:cNvSpPr/>
+          <p:nvPr/>
+        </p:nvSpPr>
+        <p:spPr>
+          <a:xfrm>
+            <a:off x="400050" y="3977640"/>
+            <a:ext cx="1028700" cy="445770"/>
+          </a:xfrm>
+          <a:prstGeom prst="roundRect">
+            <a:avLst/>
+          </a:prstGeom>
+          <a:noFill/>
+          <a:ln w="28575">
+            <a:solidFill>
+              <a:srgbClr val="FF0000"/>
+            </a:solidFill>
+          </a:ln>
+        </p:spPr>
+        <p:style>
+          <a:lnRef idx="2">
+            <a:schemeClr val="accent1">
+              <a:shade val="50000"/>
+            </a:schemeClr>
+          </a:lnRef>
+          <a:fillRef idx="1">
+            <a:schemeClr val="accent1"/>
+          </a:fillRef>
+          <a:effectRef idx="0">
+            <a:schemeClr val="accent1"/>
+          </a:effectRef>
+          <a:fontRef idx="minor">
+            <a:schemeClr val="lt1"/>
+          </a:fontRef>
+        </p:style>
+        <p:txBody>
+          <a:bodyPr rot="0" spcFirstLastPara="0" vertOverflow="overflow" horzOverflow="overflow" vert="horz" wrap="square" lIns="91440" tIns="45720" rIns="91440" bIns="45720" numCol="1" spcCol="0" rtlCol="0" fromWordArt="0" anchor="ctr" anchorCtr="0" forceAA="0" compatLnSpc="1">
+            <a:prstTxWarp prst="textNoShape">
+              <a:avLst/>
+            </a:prstTxWarp>
+            <a:noAutofit/>
+          </a:bodyPr>
+          <a:lstStyle/>
+          <a:p>
+            <a:pPr algn="ctr"/>
+            <a:endParaRPr lang="en-US" b="1" dirty="0">
+              <a:ln w="28575">
+                <a:solidFill>
+                  <a:schemeClr val="accent2"/>
+                </a:solidFill>
+                <a:prstDash val="solid"/>
+              </a:ln>
+              <a:solidFill>
+                <a:schemeClr val="accent2">
+                  <a:lumMod val="40000"/>
+                  <a:lumOff val="60000"/>
+                </a:schemeClr>
+              </a:solidFill>
+            </a:endParaRPr>
+          </a:p>
+        </p:txBody>
+      </p:sp>
+      <p:sp>
+        <p:nvSpPr>
+          <p:cNvPr id="7" name="Rounded Rectangle 6">
+            <a:extLst>
+              <a:ext uri="{FF2B5EF4-FFF2-40B4-BE49-F238E27FC236}">
+                <a16:creationId xmlns:a16="http://schemas.microsoft.com/office/drawing/2014/main" id="{18567B45-9C55-D848-855C-8AF8B95234A4}"/>
+              </a:ext>
+            </a:extLst>
+          </p:cNvPr>
+          <p:cNvSpPr/>
+          <p:nvPr/>
+        </p:nvSpPr>
+        <p:spPr>
+          <a:xfrm>
+            <a:off x="2823210" y="5006340"/>
+            <a:ext cx="754380" cy="422910"/>
+          </a:xfrm>
+          <a:prstGeom prst="roundRect">
+            <a:avLst/>
+          </a:prstGeom>
+          <a:noFill/>
+          <a:ln w="28575">
+            <a:solidFill>
+              <a:srgbClr val="FF0000"/>
+            </a:solidFill>
+          </a:ln>
+        </p:spPr>
+        <p:style>
+          <a:lnRef idx="2">
+            <a:schemeClr val="accent1">
+              <a:shade val="50000"/>
+            </a:schemeClr>
+          </a:lnRef>
+          <a:fillRef idx="1">
+            <a:schemeClr val="accent1"/>
+          </a:fillRef>
+          <a:effectRef idx="0">
+            <a:schemeClr val="accent1"/>
+          </a:effectRef>
+          <a:fontRef idx="minor">
+            <a:schemeClr val="lt1"/>
+          </a:fontRef>
+        </p:style>
+        <p:txBody>
+          <a:bodyPr rtlCol="0" anchor="ctr"/>
+          <a:lstStyle/>
+          <a:p>
+            <a:pPr algn="ctr"/>
+            <a:endParaRPr lang="en-US" b="1" dirty="0"/>
+          </a:p>
+        </p:txBody>
+      </p:sp>
+      <p:sp>
+        <p:nvSpPr>
+          <p:cNvPr id="8" name="Rounded Rectangle 7">
+            <a:extLst>
+              <a:ext uri="{FF2B5EF4-FFF2-40B4-BE49-F238E27FC236}">
+                <a16:creationId xmlns:a16="http://schemas.microsoft.com/office/drawing/2014/main" id="{427E7169-13F5-FF40-86D0-C1853555A2F2}"/>
+              </a:ext>
+            </a:extLst>
+          </p:cNvPr>
+          <p:cNvSpPr/>
+          <p:nvPr/>
+        </p:nvSpPr>
+        <p:spPr>
+          <a:xfrm>
+            <a:off x="4389120" y="4480560"/>
+            <a:ext cx="674370" cy="441960"/>
+          </a:xfrm>
+          <a:prstGeom prst="roundRect">
+            <a:avLst/>
+          </a:prstGeom>
+          <a:noFill/>
+          <a:ln w="28575">
+            <a:solidFill>
+              <a:srgbClr val="FF0000"/>
+            </a:solidFill>
+          </a:ln>
+        </p:spPr>
+        <p:style>
+          <a:lnRef idx="2">
+            <a:schemeClr val="accent1">
+              <a:shade val="50000"/>
+            </a:schemeClr>
+          </a:lnRef>
+          <a:fillRef idx="1">
+            <a:schemeClr val="accent1"/>
+          </a:fillRef>
+          <a:effectRef idx="0">
+            <a:schemeClr val="accent1"/>
+          </a:effectRef>
+          <a:fontRef idx="minor">
+            <a:schemeClr val="lt1"/>
+          </a:fontRef>
+        </p:style>
+        <p:txBody>
+          <a:bodyPr rtlCol="0" anchor="ctr"/>
+          <a:lstStyle/>
+          <a:p>
+            <a:pPr algn="ctr"/>
+            <a:endParaRPr lang="en-US" b="1" dirty="0"/>
+          </a:p>
+        </p:txBody>
+      </p:sp>
+      <p:sp>
+        <p:nvSpPr>
+          <p:cNvPr id="10" name="Rounded Rectangle 9">
+            <a:extLst>
+              <a:ext uri="{FF2B5EF4-FFF2-40B4-BE49-F238E27FC236}">
+                <a16:creationId xmlns:a16="http://schemas.microsoft.com/office/drawing/2014/main" id="{E19F02C3-EACF-BE47-957A-0DBF584A231F}"/>
+              </a:ext>
+            </a:extLst>
+          </p:cNvPr>
+          <p:cNvSpPr/>
+          <p:nvPr/>
+        </p:nvSpPr>
+        <p:spPr>
+          <a:xfrm>
+            <a:off x="3549015" y="3265170"/>
+            <a:ext cx="840105" cy="375285"/>
+          </a:xfrm>
+          <a:prstGeom prst="roundRect">
+            <a:avLst/>
+          </a:prstGeom>
+          <a:noFill/>
+          <a:ln w="28575">
+            <a:solidFill>
+              <a:srgbClr val="FF0000"/>
+            </a:solidFill>
+          </a:ln>
+        </p:spPr>
+        <p:style>
+          <a:lnRef idx="2">
+            <a:schemeClr val="accent1">
+              <a:shade val="50000"/>
+            </a:schemeClr>
+          </a:lnRef>
+          <a:fillRef idx="1">
+            <a:schemeClr val="accent1"/>
+          </a:fillRef>
+          <a:effectRef idx="0">
+            <a:schemeClr val="accent1"/>
+          </a:effectRef>
+          <a:fontRef idx="minor">
+            <a:schemeClr val="lt1"/>
+          </a:fontRef>
+        </p:style>
+        <p:txBody>
+          <a:bodyPr rtlCol="0" anchor="ctr"/>
+          <a:lstStyle/>
+          <a:p>
+            <a:pPr algn="ctr"/>
+            <a:endParaRPr lang="en-US" b="1" dirty="0"/>
+          </a:p>
+        </p:txBody>
+      </p:sp>
+      <p:sp>
+        <p:nvSpPr>
+          <p:cNvPr id="11" name="Rounded Rectangle 10">
+            <a:extLst>
+              <a:ext uri="{FF2B5EF4-FFF2-40B4-BE49-F238E27FC236}">
+                <a16:creationId xmlns:a16="http://schemas.microsoft.com/office/drawing/2014/main" id="{CF7BA0B2-946D-F049-8742-0F89AE7BDCFC}"/>
+              </a:ext>
+            </a:extLst>
+          </p:cNvPr>
+          <p:cNvSpPr/>
+          <p:nvPr/>
+        </p:nvSpPr>
+        <p:spPr>
+          <a:xfrm>
+            <a:off x="4960619" y="4046220"/>
+            <a:ext cx="628651" cy="434340"/>
+          </a:xfrm>
+          <a:prstGeom prst="roundRect">
+            <a:avLst/>
+          </a:prstGeom>
+          <a:noFill/>
+          <a:ln w="28575">
+            <a:solidFill>
+              <a:srgbClr val="FF0000"/>
+            </a:solidFill>
+          </a:ln>
+        </p:spPr>
+        <p:style>
+          <a:lnRef idx="2">
+            <a:schemeClr val="accent1">
+              <a:shade val="50000"/>
+            </a:schemeClr>
+          </a:lnRef>
+          <a:fillRef idx="1">
+            <a:schemeClr val="accent1"/>
+          </a:fillRef>
+          <a:effectRef idx="0">
+            <a:schemeClr val="accent1"/>
+          </a:effectRef>
+          <a:fontRef idx="minor">
+            <a:schemeClr val="lt1"/>
+          </a:fontRef>
+        </p:style>
+        <p:txBody>
+          <a:bodyPr rtlCol="0" anchor="ctr"/>
+          <a:lstStyle/>
+          <a:p>
+            <a:pPr algn="ctr"/>
+            <a:endParaRPr lang="en-US" b="1" dirty="0"/>
+          </a:p>
+        </p:txBody>
+      </p:sp>
+      <p:sp>
+        <p:nvSpPr>
+          <p:cNvPr id="12" name="Rounded Rectangle 11">
+            <a:extLst>
+              <a:ext uri="{FF2B5EF4-FFF2-40B4-BE49-F238E27FC236}">
+                <a16:creationId xmlns:a16="http://schemas.microsoft.com/office/drawing/2014/main" id="{B57D6BF0-48C7-EA44-B4A9-876C47084D9A}"/>
+              </a:ext>
+            </a:extLst>
+          </p:cNvPr>
+          <p:cNvSpPr/>
+          <p:nvPr/>
+        </p:nvSpPr>
+        <p:spPr>
+          <a:xfrm>
+            <a:off x="5622186" y="3265170"/>
+            <a:ext cx="618596" cy="285750"/>
+          </a:xfrm>
+          <a:prstGeom prst="roundRect">
+            <a:avLst/>
+          </a:prstGeom>
+          <a:noFill/>
+          <a:ln w="28575">
+            <a:solidFill>
+              <a:srgbClr val="FF0000"/>
+            </a:solidFill>
+          </a:ln>
+        </p:spPr>
+        <p:style>
+          <a:lnRef idx="2">
+            <a:schemeClr val="accent1">
+              <a:shade val="50000"/>
+            </a:schemeClr>
+          </a:lnRef>
+          <a:fillRef idx="1">
+            <a:schemeClr val="accent1"/>
+          </a:fillRef>
+          <a:effectRef idx="0">
+            <a:schemeClr val="accent1"/>
+          </a:effectRef>
+          <a:fontRef idx="minor">
+            <a:schemeClr val="lt1"/>
+          </a:fontRef>
+        </p:style>
+        <p:txBody>
+          <a:bodyPr rtlCol="0" anchor="ctr"/>
+          <a:lstStyle/>
+          <a:p>
+            <a:pPr algn="ctr"/>
+            <a:endParaRPr lang="en-US" b="1" dirty="0"/>
+          </a:p>
+        </p:txBody>
+      </p:sp>
+      <p:sp>
+        <p:nvSpPr>
+          <p:cNvPr id="13" name="Rounded Rectangle 12">
+            <a:extLst>
+              <a:ext uri="{FF2B5EF4-FFF2-40B4-BE49-F238E27FC236}">
+                <a16:creationId xmlns:a16="http://schemas.microsoft.com/office/drawing/2014/main" id="{E13F878A-E707-8042-A7A4-BE28A16829BC}"/>
+              </a:ext>
+            </a:extLst>
+          </p:cNvPr>
+          <p:cNvSpPr/>
+          <p:nvPr/>
+        </p:nvSpPr>
+        <p:spPr>
+          <a:xfrm>
+            <a:off x="5859852" y="2910840"/>
+            <a:ext cx="734905" cy="311467"/>
+          </a:xfrm>
+          <a:prstGeom prst="roundRect">
+            <a:avLst/>
+          </a:prstGeom>
+          <a:noFill/>
+          <a:ln w="28575">
+            <a:solidFill>
+              <a:srgbClr val="FF0000"/>
+            </a:solidFill>
+          </a:ln>
+        </p:spPr>
+        <p:style>
+          <a:lnRef idx="2">
+            <a:schemeClr val="accent1">
+              <a:shade val="50000"/>
+            </a:schemeClr>
+          </a:lnRef>
+          <a:fillRef idx="1">
+            <a:schemeClr val="accent1"/>
+          </a:fillRef>
+          <a:effectRef idx="0">
+            <a:schemeClr val="accent1"/>
+          </a:effectRef>
+          <a:fontRef idx="minor">
+            <a:schemeClr val="lt1"/>
+          </a:fontRef>
+        </p:style>
+        <p:txBody>
+          <a:bodyPr rtlCol="0" anchor="ctr"/>
+          <a:lstStyle/>
+          <a:p>
+            <a:pPr algn="ctr"/>
+            <a:endParaRPr lang="en-US" b="1" dirty="0"/>
+          </a:p>
+        </p:txBody>
+      </p:sp>
+      <p:sp>
+        <p:nvSpPr>
+          <p:cNvPr id="14" name="Rounded Rectangle 13">
+            <a:extLst>
+              <a:ext uri="{FF2B5EF4-FFF2-40B4-BE49-F238E27FC236}">
+                <a16:creationId xmlns:a16="http://schemas.microsoft.com/office/drawing/2014/main" id="{6CDCA84B-8DA6-9C40-AB5E-7DABFEB984C9}"/>
+              </a:ext>
+            </a:extLst>
+          </p:cNvPr>
+          <p:cNvSpPr/>
+          <p:nvPr/>
+        </p:nvSpPr>
+        <p:spPr>
+          <a:xfrm>
+            <a:off x="5622186" y="3829050"/>
+            <a:ext cx="618595" cy="217170"/>
+          </a:xfrm>
+          <a:prstGeom prst="roundRect">
+            <a:avLst/>
+          </a:prstGeom>
+          <a:noFill/>
+          <a:ln w="28575">
+            <a:solidFill>
+              <a:srgbClr val="FF0000"/>
+            </a:solidFill>
+          </a:ln>
+        </p:spPr>
+        <p:style>
+          <a:lnRef idx="2">
+            <a:schemeClr val="accent1">
+              <a:shade val="50000"/>
+            </a:schemeClr>
+          </a:lnRef>
+          <a:fillRef idx="1">
+            <a:schemeClr val="accent1"/>
+          </a:fillRef>
+          <a:effectRef idx="0">
+            <a:schemeClr val="accent1"/>
+          </a:effectRef>
+          <a:fontRef idx="minor">
+            <a:schemeClr val="lt1"/>
+          </a:fontRef>
+        </p:style>
+        <p:txBody>
+          <a:bodyPr rtlCol="0" anchor="ctr"/>
+          <a:lstStyle/>
+          <a:p>
+            <a:pPr algn="ctr"/>
+            <a:endParaRPr lang="en-US" b="1" dirty="0"/>
+          </a:p>
+        </p:txBody>
+      </p:sp>
+      <p:sp>
+        <p:nvSpPr>
+          <p:cNvPr id="15" name="Title 1">
+            <a:extLst>
+              <a:ext uri="{FF2B5EF4-FFF2-40B4-BE49-F238E27FC236}">
+                <a16:creationId xmlns:a16="http://schemas.microsoft.com/office/drawing/2014/main" id="{1975EE10-2358-5741-8600-3800647F7FF9}"/>
               </a:ext>
             </a:extLst>
           </p:cNvPr>
@@ -6400,118 +6895,1968 @@
             <p:ph type="title"/>
           </p:nvPr>
         </p:nvSpPr>
-        <p:spPr/>
-        <p:txBody>
-          <a:bodyPr/>
+        <p:spPr>
+          <a:xfrm>
+            <a:off x="1097280" y="286603"/>
+            <a:ext cx="10058400" cy="1450757"/>
+          </a:xfrm>
+        </p:spPr>
+        <p:txBody>
+          <a:bodyPr>
+            <a:normAutofit/>
+          </a:bodyPr>
           <a:lstStyle/>
           <a:p>
             <a:r>
-              <a:rPr lang="en-US" dirty="0"/>
-              <a:t>The $5 Billion Question</a:t>
-            </a:r>
-          </a:p>
-        </p:txBody>
-      </p:sp>
-      <p:sp>
-        <p:nvSpPr>
-          <p:cNvPr id="3" name="Content Placeholder 2">
+              <a:rPr lang="en-US" sz="4000" dirty="0"/>
+              <a:t>Amazon Cities &amp; Sites</a:t>
+            </a:r>
+          </a:p>
+        </p:txBody>
+      </p:sp>
+      <p:graphicFrame>
+        <p:nvGraphicFramePr>
+          <p:cNvPr id="16" name="Table 15">
             <a:extLst>
               <a:ext uri="{FF2B5EF4-FFF2-40B4-BE49-F238E27FC236}">
-                <a16:creationId xmlns:a16="http://schemas.microsoft.com/office/drawing/2014/main" id="{BEC8BDDB-FD44-4EB6-BE27-4A708B75BDAB}"/>
+                <a16:creationId xmlns:a16="http://schemas.microsoft.com/office/drawing/2014/main" id="{271ED836-7974-044F-AE59-38A3981622EA}"/>
               </a:ext>
             </a:extLst>
           </p:cNvPr>
-          <p:cNvSpPr>
-            <a:spLocks noGrp="1"/>
-          </p:cNvSpPr>
-          <p:nvPr>
-            <p:ph idx="1"/>
-          </p:nvPr>
-        </p:nvSpPr>
-        <p:spPr>
-          <a:xfrm>
-            <a:off x="1084923" y="1845734"/>
-            <a:ext cx="10058400" cy="4023360"/>
-          </a:xfrm>
-        </p:spPr>
-        <p:txBody>
-          <a:bodyPr/>
-          <a:lstStyle/>
-          <a:p>
-            <a:pPr marL="0" indent="0">
-              <a:buNone/>
-            </a:pPr>
-            <a:r>
-              <a:rPr lang="en-US" sz="3200" dirty="0"/>
-              <a:t>Cities across the U.S are competing to attract Amazon’s second head quarters which would bring </a:t>
-            </a:r>
-            <a:r>
-              <a:rPr lang="en-US" sz="3200" b="1" dirty="0"/>
-              <a:t>50,000 jobs </a:t>
-            </a:r>
-            <a:r>
-              <a:rPr lang="en-US" sz="3200" dirty="0"/>
-              <a:t>and </a:t>
-            </a:r>
-            <a:r>
-              <a:rPr lang="en-US" sz="3200" b="1" dirty="0"/>
-              <a:t>$5 billion investment</a:t>
-            </a:r>
-            <a:r>
-              <a:rPr lang="en-US" sz="3200" dirty="0"/>
-              <a:t>. Out of the original 238 cities, 20 cities made it the final cut.</a:t>
-            </a:r>
-          </a:p>
-          <a:p>
-            <a:pPr marL="0" indent="0">
-              <a:buNone/>
-            </a:pPr>
-            <a:r>
-              <a:rPr lang="en-US" sz="3200" dirty="0"/>
-              <a:t>If Amazon were a person (</a:t>
-            </a:r>
-            <a:r>
-              <a:rPr lang="en-US" sz="3200" dirty="0">
-                <a:solidFill>
-                  <a:schemeClr val="accent1">
-                    <a:lumMod val="75000"/>
-                  </a:schemeClr>
-                </a:solidFill>
-              </a:rPr>
-              <a:t>Yes…corporations are people!) </a:t>
-            </a:r>
-            <a:r>
-              <a:rPr lang="en-US" sz="3200" dirty="0"/>
-              <a:t>which city should he choose? </a:t>
-            </a:r>
-          </a:p>
-          <a:p>
-            <a:pPr marL="0" indent="0">
-              <a:buNone/>
-            </a:pPr>
-            <a:r>
-              <a:rPr lang="en-US" sz="3200" dirty="0"/>
-              <a:t>We are here to help!</a:t>
-            </a:r>
-          </a:p>
-          <a:p>
-            <a:pPr marL="0" indent="0">
-              <a:buNone/>
-            </a:pPr>
-            <a:endParaRPr lang="en-US" dirty="0"/>
-          </a:p>
-          <a:p>
-            <a:endParaRPr lang="en-US" dirty="0"/>
-          </a:p>
-          <a:p>
-            <a:endParaRPr lang="en-US" dirty="0"/>
-          </a:p>
-        </p:txBody>
-      </p:sp>
+          <p:cNvGraphicFramePr>
+            <a:graphicFrameLocks noGrp="1"/>
+          </p:cNvGraphicFramePr>
+          <p:nvPr/>
+        </p:nvGraphicFramePr>
+        <p:xfrm>
+          <a:off x="7244080" y="1962150"/>
+          <a:ext cx="2402840" cy="762000"/>
+        </p:xfrm>
+        <a:graphic>
+          <a:graphicData uri="http://schemas.openxmlformats.org/drawingml/2006/table">
+            <a:tbl>
+              <a:tblPr>
+                <a:tableStyleId>{74C1A8A3-306A-4EB7-A6B1-4F7E0EB9C5D6}</a:tableStyleId>
+              </a:tblPr>
+              <a:tblGrid>
+                <a:gridCol w="2402840">
+                  <a:extLst>
+                    <a:ext uri="{9D8B030D-6E8A-4147-A177-3AD203B41FA5}">
+                      <a16:colId xmlns:a16="http://schemas.microsoft.com/office/drawing/2014/main" val="4085062394"/>
+                    </a:ext>
+                  </a:extLst>
+                </a:gridCol>
+              </a:tblGrid>
+              <a:tr h="190500">
+                <a:tc>
+                  <a:txBody>
+                    <a:bodyPr/>
+                    <a:lstStyle/>
+                    <a:p>
+                      <a:pPr algn="l" fontAlgn="b"/>
+                      <a:r>
+                        <a:rPr lang="en-US" sz="1100" u="none" strike="noStrike" dirty="0">
+                          <a:effectLst/>
+                        </a:rPr>
+                        <a:t>Nationals Park/ D.C United Stadium</a:t>
+                      </a:r>
+                      <a:endParaRPr lang="en-US" sz="1100" b="0" i="0" u="none" strike="noStrike" dirty="0">
+                        <a:solidFill>
+                          <a:srgbClr val="000000"/>
+                        </a:solidFill>
+                        <a:effectLst/>
+                        <a:latin typeface="Calibri" panose="020F0502020204030204" pitchFamily="34" charset="0"/>
+                      </a:endParaRPr>
+                    </a:p>
+                  </a:txBody>
+                  <a:tcPr marL="9525" marR="9525" marT="9525" marB="0" anchor="b"/>
+                </a:tc>
+                <a:extLst>
+                  <a:ext uri="{0D108BD9-81ED-4DB2-BD59-A6C34878D82A}">
+                    <a16:rowId xmlns:a16="http://schemas.microsoft.com/office/drawing/2014/main" val="3894580338"/>
+                  </a:ext>
+                </a:extLst>
+              </a:tr>
+              <a:tr h="190500">
+                <a:tc>
+                  <a:txBody>
+                    <a:bodyPr/>
+                    <a:lstStyle/>
+                    <a:p>
+                      <a:pPr algn="l" fontAlgn="b"/>
+                      <a:r>
+                        <a:rPr lang="en-US" sz="1100" u="none" strike="noStrike" dirty="0">
+                          <a:effectLst/>
+                        </a:rPr>
+                        <a:t>Union Station</a:t>
+                      </a:r>
+                      <a:endParaRPr lang="en-US" sz="1100" b="0" i="0" u="none" strike="noStrike" dirty="0">
+                        <a:solidFill>
+                          <a:srgbClr val="000000"/>
+                        </a:solidFill>
+                        <a:effectLst/>
+                        <a:latin typeface="Calibri" panose="020F0502020204030204" pitchFamily="34" charset="0"/>
+                      </a:endParaRPr>
+                    </a:p>
+                  </a:txBody>
+                  <a:tcPr marL="9525" marR="9525" marT="9525" marB="0" anchor="b"/>
+                </a:tc>
+                <a:extLst>
+                  <a:ext uri="{0D108BD9-81ED-4DB2-BD59-A6C34878D82A}">
+                    <a16:rowId xmlns:a16="http://schemas.microsoft.com/office/drawing/2014/main" val="1535375954"/>
+                  </a:ext>
+                </a:extLst>
+              </a:tr>
+              <a:tr h="190500">
+                <a:tc>
+                  <a:txBody>
+                    <a:bodyPr/>
+                    <a:lstStyle/>
+                    <a:p>
+                      <a:pPr algn="l" fontAlgn="b"/>
+                      <a:r>
+                        <a:rPr lang="en-US" sz="1100" u="none" strike="noStrike" dirty="0">
+                          <a:effectLst/>
+                        </a:rPr>
+                        <a:t>Hill-East Neighborhood</a:t>
+                      </a:r>
+                      <a:endParaRPr lang="en-US" sz="1100" b="0" i="0" u="none" strike="noStrike" dirty="0">
+                        <a:solidFill>
+                          <a:srgbClr val="000000"/>
+                        </a:solidFill>
+                        <a:effectLst/>
+                        <a:latin typeface="Calibri" panose="020F0502020204030204" pitchFamily="34" charset="0"/>
+                      </a:endParaRPr>
+                    </a:p>
+                  </a:txBody>
+                  <a:tcPr marL="9525" marR="9525" marT="9525" marB="0" anchor="b"/>
+                </a:tc>
+                <a:extLst>
+                  <a:ext uri="{0D108BD9-81ED-4DB2-BD59-A6C34878D82A}">
+                    <a16:rowId xmlns:a16="http://schemas.microsoft.com/office/drawing/2014/main" val="4175138412"/>
+                  </a:ext>
+                </a:extLst>
+              </a:tr>
+              <a:tr h="190500">
+                <a:tc>
+                  <a:txBody>
+                    <a:bodyPr/>
+                    <a:lstStyle/>
+                    <a:p>
+                      <a:pPr algn="l" fontAlgn="b"/>
+                      <a:r>
+                        <a:rPr lang="en-US" sz="1100" u="none" strike="noStrike" dirty="0">
+                          <a:effectLst/>
+                        </a:rPr>
+                        <a:t>Shaw-Howard University Area</a:t>
+                      </a:r>
+                      <a:endParaRPr lang="en-US" sz="1100" b="0" i="0" u="none" strike="noStrike" dirty="0">
+                        <a:solidFill>
+                          <a:srgbClr val="000000"/>
+                        </a:solidFill>
+                        <a:effectLst/>
+                        <a:latin typeface="Calibri" panose="020F0502020204030204" pitchFamily="34" charset="0"/>
+                      </a:endParaRPr>
+                    </a:p>
+                  </a:txBody>
+                  <a:tcPr marL="9525" marR="9525" marT="9525" marB="0" anchor="b"/>
+                </a:tc>
+                <a:extLst>
+                  <a:ext uri="{0D108BD9-81ED-4DB2-BD59-A6C34878D82A}">
+                    <a16:rowId xmlns:a16="http://schemas.microsoft.com/office/drawing/2014/main" val="2320197904"/>
+                  </a:ext>
+                </a:extLst>
+              </a:tr>
+            </a:tbl>
+          </a:graphicData>
+        </a:graphic>
+      </p:graphicFrame>
+      <p:graphicFrame>
+        <p:nvGraphicFramePr>
+          <p:cNvPr id="17" name="Table 16">
+            <a:extLst>
+              <a:ext uri="{FF2B5EF4-FFF2-40B4-BE49-F238E27FC236}">
+                <a16:creationId xmlns:a16="http://schemas.microsoft.com/office/drawing/2014/main" id="{6BA55B50-EC05-B841-A185-7709EF6233DB}"/>
+              </a:ext>
+            </a:extLst>
+          </p:cNvPr>
+          <p:cNvGraphicFramePr>
+            <a:graphicFrameLocks noGrp="1"/>
+          </p:cNvGraphicFramePr>
+          <p:nvPr/>
+        </p:nvGraphicFramePr>
+        <p:xfrm>
+          <a:off x="7232650" y="1758315"/>
+          <a:ext cx="2414270" cy="192405"/>
+        </p:xfrm>
+        <a:graphic>
+          <a:graphicData uri="http://schemas.openxmlformats.org/drawingml/2006/table">
+            <a:tbl>
+              <a:tblPr>
+                <a:tableStyleId>{46F890A9-2807-4EBB-B81D-B2AA78EC7F39}</a:tableStyleId>
+              </a:tblPr>
+              <a:tblGrid>
+                <a:gridCol w="2414270">
+                  <a:extLst>
+                    <a:ext uri="{9D8B030D-6E8A-4147-A177-3AD203B41FA5}">
+                      <a16:colId xmlns:a16="http://schemas.microsoft.com/office/drawing/2014/main" val="1321473835"/>
+                    </a:ext>
+                  </a:extLst>
+                </a:gridCol>
+              </a:tblGrid>
+              <a:tr h="190500">
+                <a:tc>
+                  <a:txBody>
+                    <a:bodyPr/>
+                    <a:lstStyle/>
+                    <a:p>
+                      <a:pPr algn="l" fontAlgn="b"/>
+                      <a:r>
+                        <a:rPr lang="en-US" sz="1200" b="1" u="none" strike="noStrike" dirty="0">
+                          <a:effectLst/>
+                        </a:rPr>
+                        <a:t>Washington DC</a:t>
+                      </a:r>
+                      <a:endParaRPr lang="en-US" sz="1200" b="1" i="0" u="none" strike="noStrike" dirty="0">
+                        <a:solidFill>
+                          <a:srgbClr val="000000"/>
+                        </a:solidFill>
+                        <a:effectLst/>
+                        <a:latin typeface="Calibri" panose="020F0502020204030204" pitchFamily="34" charset="0"/>
+                      </a:endParaRPr>
+                    </a:p>
+                  </a:txBody>
+                  <a:tcPr marL="9525" marR="9525" marT="9525" marB="0" anchor="b"/>
+                </a:tc>
+                <a:extLst>
+                  <a:ext uri="{0D108BD9-81ED-4DB2-BD59-A6C34878D82A}">
+                    <a16:rowId xmlns:a16="http://schemas.microsoft.com/office/drawing/2014/main" val="2296783644"/>
+                  </a:ext>
+                </a:extLst>
+              </a:tr>
+            </a:tbl>
+          </a:graphicData>
+        </a:graphic>
+      </p:graphicFrame>
+      <p:graphicFrame>
+        <p:nvGraphicFramePr>
+          <p:cNvPr id="18" name="Table 17">
+            <a:extLst>
+              <a:ext uri="{FF2B5EF4-FFF2-40B4-BE49-F238E27FC236}">
+                <a16:creationId xmlns:a16="http://schemas.microsoft.com/office/drawing/2014/main" id="{0388C506-B1BC-2E4A-9532-68CB342255BF}"/>
+              </a:ext>
+            </a:extLst>
+          </p:cNvPr>
+          <p:cNvGraphicFramePr>
+            <a:graphicFrameLocks noGrp="1"/>
+          </p:cNvGraphicFramePr>
+          <p:nvPr/>
+        </p:nvGraphicFramePr>
+        <p:xfrm>
+          <a:off x="7244080" y="2970847"/>
+          <a:ext cx="2402840" cy="571500"/>
+        </p:xfrm>
+        <a:graphic>
+          <a:graphicData uri="http://schemas.openxmlformats.org/drawingml/2006/table">
+            <a:tbl>
+              <a:tblPr>
+                <a:tableStyleId>{2A488322-F2BA-4B5B-9748-0D474271808F}</a:tableStyleId>
+              </a:tblPr>
+              <a:tblGrid>
+                <a:gridCol w="2402840">
+                  <a:extLst>
+                    <a:ext uri="{9D8B030D-6E8A-4147-A177-3AD203B41FA5}">
+                      <a16:colId xmlns:a16="http://schemas.microsoft.com/office/drawing/2014/main" val="1655709826"/>
+                    </a:ext>
+                  </a:extLst>
+                </a:gridCol>
+              </a:tblGrid>
+              <a:tr h="190500">
+                <a:tc>
+                  <a:txBody>
+                    <a:bodyPr/>
+                    <a:lstStyle/>
+                    <a:p>
+                      <a:pPr algn="l" fontAlgn="b"/>
+                      <a:r>
+                        <a:rPr lang="en-US" sz="1100" u="none" strike="noStrike" dirty="0">
+                          <a:effectLst/>
+                        </a:rPr>
+                        <a:t>Warner Center West San Fernando Valley</a:t>
+                      </a:r>
+                      <a:endParaRPr lang="en-US" sz="1100" b="0" i="0" u="none" strike="noStrike" dirty="0">
+                        <a:solidFill>
+                          <a:srgbClr val="000000"/>
+                        </a:solidFill>
+                        <a:effectLst/>
+                        <a:latin typeface="Calibri" panose="020F0502020204030204" pitchFamily="34" charset="0"/>
+                      </a:endParaRPr>
+                    </a:p>
+                  </a:txBody>
+                  <a:tcPr marL="9525" marR="9525" marT="9525" marB="0" anchor="b"/>
+                </a:tc>
+                <a:extLst>
+                  <a:ext uri="{0D108BD9-81ED-4DB2-BD59-A6C34878D82A}">
+                    <a16:rowId xmlns:a16="http://schemas.microsoft.com/office/drawing/2014/main" val="786698291"/>
+                  </a:ext>
+                </a:extLst>
+              </a:tr>
+              <a:tr h="190500">
+                <a:tc>
+                  <a:txBody>
+                    <a:bodyPr/>
+                    <a:lstStyle/>
+                    <a:p>
+                      <a:pPr algn="l" fontAlgn="b"/>
+                      <a:r>
+                        <a:rPr lang="en-US" sz="1100" u="none" strike="noStrike">
+                          <a:effectLst/>
+                        </a:rPr>
+                        <a:t>New Hall Ranch Santa Clarita Valley</a:t>
+                      </a:r>
+                      <a:endParaRPr lang="en-US" sz="1100" b="0" i="0" u="none" strike="noStrike">
+                        <a:solidFill>
+                          <a:srgbClr val="000000"/>
+                        </a:solidFill>
+                        <a:effectLst/>
+                        <a:latin typeface="Calibri" panose="020F0502020204030204" pitchFamily="34" charset="0"/>
+                      </a:endParaRPr>
+                    </a:p>
+                  </a:txBody>
+                  <a:tcPr marL="9525" marR="9525" marT="9525" marB="0" anchor="b"/>
+                </a:tc>
+                <a:extLst>
+                  <a:ext uri="{0D108BD9-81ED-4DB2-BD59-A6C34878D82A}">
+                    <a16:rowId xmlns:a16="http://schemas.microsoft.com/office/drawing/2014/main" val="1410711032"/>
+                  </a:ext>
+                </a:extLst>
+              </a:tr>
+              <a:tr h="190500">
+                <a:tc>
+                  <a:txBody>
+                    <a:bodyPr/>
+                    <a:lstStyle/>
+                    <a:p>
+                      <a:pPr algn="l" fontAlgn="b"/>
+                      <a:r>
+                        <a:rPr lang="en-US" sz="1100" u="none" strike="noStrike" dirty="0">
+                          <a:effectLst/>
+                        </a:rPr>
+                        <a:t>Pomona Fairplex</a:t>
+                      </a:r>
+                      <a:endParaRPr lang="en-US" sz="1100" b="0" i="0" u="none" strike="noStrike" dirty="0">
+                        <a:solidFill>
+                          <a:srgbClr val="000000"/>
+                        </a:solidFill>
+                        <a:effectLst/>
+                        <a:latin typeface="Calibri" panose="020F0502020204030204" pitchFamily="34" charset="0"/>
+                      </a:endParaRPr>
+                    </a:p>
+                  </a:txBody>
+                  <a:tcPr marL="9525" marR="9525" marT="9525" marB="0" anchor="b"/>
+                </a:tc>
+                <a:extLst>
+                  <a:ext uri="{0D108BD9-81ED-4DB2-BD59-A6C34878D82A}">
+                    <a16:rowId xmlns:a16="http://schemas.microsoft.com/office/drawing/2014/main" val="3237096790"/>
+                  </a:ext>
+                </a:extLst>
+              </a:tr>
+            </a:tbl>
+          </a:graphicData>
+        </a:graphic>
+      </p:graphicFrame>
+      <p:graphicFrame>
+        <p:nvGraphicFramePr>
+          <p:cNvPr id="19" name="Table 18">
+            <a:extLst>
+              <a:ext uri="{FF2B5EF4-FFF2-40B4-BE49-F238E27FC236}">
+                <a16:creationId xmlns:a16="http://schemas.microsoft.com/office/drawing/2014/main" id="{F5B041D8-BB24-DB40-9A54-6453A8ADD681}"/>
+              </a:ext>
+            </a:extLst>
+          </p:cNvPr>
+          <p:cNvGraphicFramePr>
+            <a:graphicFrameLocks noGrp="1"/>
+          </p:cNvGraphicFramePr>
+          <p:nvPr/>
+        </p:nvGraphicFramePr>
+        <p:xfrm>
+          <a:off x="7257696" y="2758439"/>
+          <a:ext cx="2389223" cy="192405"/>
+        </p:xfrm>
+        <a:graphic>
+          <a:graphicData uri="http://schemas.openxmlformats.org/drawingml/2006/table">
+            <a:tbl>
+              <a:tblPr>
+                <a:tableStyleId>{46F890A9-2807-4EBB-B81D-B2AA78EC7F39}</a:tableStyleId>
+              </a:tblPr>
+              <a:tblGrid>
+                <a:gridCol w="2389223">
+                  <a:extLst>
+                    <a:ext uri="{9D8B030D-6E8A-4147-A177-3AD203B41FA5}">
+                      <a16:colId xmlns:a16="http://schemas.microsoft.com/office/drawing/2014/main" val="682814544"/>
+                    </a:ext>
+                  </a:extLst>
+                </a:gridCol>
+              </a:tblGrid>
+              <a:tr h="190500">
+                <a:tc>
+                  <a:txBody>
+                    <a:bodyPr/>
+                    <a:lstStyle/>
+                    <a:p>
+                      <a:pPr algn="l" fontAlgn="b"/>
+                      <a:r>
+                        <a:rPr lang="en-US" sz="1200" b="1" u="none" strike="noStrike" dirty="0">
+                          <a:effectLst/>
+                        </a:rPr>
+                        <a:t>Los Angeles</a:t>
+                      </a:r>
+                      <a:endParaRPr lang="en-US" sz="1200" b="1" i="0" u="none" strike="noStrike" dirty="0">
+                        <a:solidFill>
+                          <a:srgbClr val="000000"/>
+                        </a:solidFill>
+                        <a:effectLst/>
+                        <a:latin typeface="Calibri" panose="020F0502020204030204" pitchFamily="34" charset="0"/>
+                      </a:endParaRPr>
+                    </a:p>
+                  </a:txBody>
+                  <a:tcPr marL="9525" marR="9525" marT="9525" marB="0" anchor="b"/>
+                </a:tc>
+                <a:extLst>
+                  <a:ext uri="{0D108BD9-81ED-4DB2-BD59-A6C34878D82A}">
+                    <a16:rowId xmlns:a16="http://schemas.microsoft.com/office/drawing/2014/main" val="3480209066"/>
+                  </a:ext>
+                </a:extLst>
+              </a:tr>
+            </a:tbl>
+          </a:graphicData>
+        </a:graphic>
+      </p:graphicFrame>
+      <p:graphicFrame>
+        <p:nvGraphicFramePr>
+          <p:cNvPr id="21" name="Table 20">
+            <a:extLst>
+              <a:ext uri="{FF2B5EF4-FFF2-40B4-BE49-F238E27FC236}">
+                <a16:creationId xmlns:a16="http://schemas.microsoft.com/office/drawing/2014/main" id="{E4CBFE8C-8AE0-9F4F-B150-72D1E178AAF5}"/>
+              </a:ext>
+            </a:extLst>
+          </p:cNvPr>
+          <p:cNvGraphicFramePr>
+            <a:graphicFrameLocks noGrp="1"/>
+          </p:cNvGraphicFramePr>
+          <p:nvPr/>
+        </p:nvGraphicFramePr>
+        <p:xfrm>
+          <a:off x="9792969" y="2962275"/>
+          <a:ext cx="2311401" cy="762000"/>
+        </p:xfrm>
+        <a:graphic>
+          <a:graphicData uri="http://schemas.openxmlformats.org/drawingml/2006/table">
+            <a:tbl>
+              <a:tblPr>
+                <a:tableStyleId>{74C1A8A3-306A-4EB7-A6B1-4F7E0EB9C5D6}</a:tableStyleId>
+              </a:tblPr>
+              <a:tblGrid>
+                <a:gridCol w="2311401">
+                  <a:extLst>
+                    <a:ext uri="{9D8B030D-6E8A-4147-A177-3AD203B41FA5}">
+                      <a16:colId xmlns:a16="http://schemas.microsoft.com/office/drawing/2014/main" val="57641559"/>
+                    </a:ext>
+                  </a:extLst>
+                </a:gridCol>
+              </a:tblGrid>
+              <a:tr h="190500">
+                <a:tc>
+                  <a:txBody>
+                    <a:bodyPr/>
+                    <a:lstStyle/>
+                    <a:p>
+                      <a:pPr algn="l" fontAlgn="b"/>
+                      <a:r>
+                        <a:rPr lang="en-US" sz="1100" u="none" strike="noStrike" dirty="0">
+                          <a:effectLst/>
+                        </a:rPr>
+                        <a:t>Hudson Yards</a:t>
+                      </a:r>
+                      <a:endParaRPr lang="en-US" sz="1100" b="0" i="0" u="none" strike="noStrike" dirty="0">
+                        <a:solidFill>
+                          <a:srgbClr val="000000"/>
+                        </a:solidFill>
+                        <a:effectLst/>
+                        <a:latin typeface="Calibri" panose="020F0502020204030204" pitchFamily="34" charset="0"/>
+                      </a:endParaRPr>
+                    </a:p>
+                  </a:txBody>
+                  <a:tcPr marL="9525" marR="9525" marT="9525" marB="0" anchor="b"/>
+                </a:tc>
+                <a:extLst>
+                  <a:ext uri="{0D108BD9-81ED-4DB2-BD59-A6C34878D82A}">
+                    <a16:rowId xmlns:a16="http://schemas.microsoft.com/office/drawing/2014/main" val="646902361"/>
+                  </a:ext>
+                </a:extLst>
+              </a:tr>
+              <a:tr h="190500">
+                <a:tc>
+                  <a:txBody>
+                    <a:bodyPr/>
+                    <a:lstStyle/>
+                    <a:p>
+                      <a:pPr algn="l" fontAlgn="b"/>
+                      <a:r>
+                        <a:rPr lang="en-US" sz="1100" u="none" strike="noStrike" dirty="0">
+                          <a:effectLst/>
+                        </a:rPr>
+                        <a:t>Long Island City</a:t>
+                      </a:r>
+                      <a:endParaRPr lang="en-US" sz="1100" b="0" i="0" u="none" strike="noStrike" dirty="0">
+                        <a:solidFill>
+                          <a:srgbClr val="000000"/>
+                        </a:solidFill>
+                        <a:effectLst/>
+                        <a:latin typeface="Calibri" panose="020F0502020204030204" pitchFamily="34" charset="0"/>
+                      </a:endParaRPr>
+                    </a:p>
+                  </a:txBody>
+                  <a:tcPr marL="9525" marR="9525" marT="9525" marB="0" anchor="b"/>
+                </a:tc>
+                <a:extLst>
+                  <a:ext uri="{0D108BD9-81ED-4DB2-BD59-A6C34878D82A}">
+                    <a16:rowId xmlns:a16="http://schemas.microsoft.com/office/drawing/2014/main" val="690122257"/>
+                  </a:ext>
+                </a:extLst>
+              </a:tr>
+              <a:tr h="190500">
+                <a:tc>
+                  <a:txBody>
+                    <a:bodyPr/>
+                    <a:lstStyle/>
+                    <a:p>
+                      <a:pPr algn="l" fontAlgn="b"/>
+                      <a:r>
+                        <a:rPr lang="en-US" sz="1100" u="none" strike="noStrike" dirty="0">
+                          <a:effectLst/>
+                        </a:rPr>
+                        <a:t>Brooklyn Tech Triangle</a:t>
+                      </a:r>
+                      <a:endParaRPr lang="en-US" sz="1100" b="0" i="0" u="none" strike="noStrike" dirty="0">
+                        <a:solidFill>
+                          <a:srgbClr val="000000"/>
+                        </a:solidFill>
+                        <a:effectLst/>
+                        <a:latin typeface="Calibri" panose="020F0502020204030204" pitchFamily="34" charset="0"/>
+                      </a:endParaRPr>
+                    </a:p>
+                  </a:txBody>
+                  <a:tcPr marL="9525" marR="9525" marT="9525" marB="0" anchor="b"/>
+                </a:tc>
+                <a:extLst>
+                  <a:ext uri="{0D108BD9-81ED-4DB2-BD59-A6C34878D82A}">
+                    <a16:rowId xmlns:a16="http://schemas.microsoft.com/office/drawing/2014/main" val="3089689822"/>
+                  </a:ext>
+                </a:extLst>
+              </a:tr>
+              <a:tr h="190500">
+                <a:tc>
+                  <a:txBody>
+                    <a:bodyPr/>
+                    <a:lstStyle/>
+                    <a:p>
+                      <a:pPr algn="l" fontAlgn="b"/>
+                      <a:r>
+                        <a:rPr lang="en-US" sz="1100" u="none" strike="noStrike" dirty="0">
+                          <a:effectLst/>
+                        </a:rPr>
+                        <a:t>Financial District</a:t>
+                      </a:r>
+                      <a:endParaRPr lang="en-US" sz="1100" b="0" i="0" u="none" strike="noStrike" dirty="0">
+                        <a:solidFill>
+                          <a:srgbClr val="000000"/>
+                        </a:solidFill>
+                        <a:effectLst/>
+                        <a:latin typeface="Calibri" panose="020F0502020204030204" pitchFamily="34" charset="0"/>
+                      </a:endParaRPr>
+                    </a:p>
+                  </a:txBody>
+                  <a:tcPr marL="9525" marR="9525" marT="9525" marB="0" anchor="b"/>
+                </a:tc>
+                <a:extLst>
+                  <a:ext uri="{0D108BD9-81ED-4DB2-BD59-A6C34878D82A}">
+                    <a16:rowId xmlns:a16="http://schemas.microsoft.com/office/drawing/2014/main" val="1683936632"/>
+                  </a:ext>
+                </a:extLst>
+              </a:tr>
+            </a:tbl>
+          </a:graphicData>
+        </a:graphic>
+      </p:graphicFrame>
+      <p:graphicFrame>
+        <p:nvGraphicFramePr>
+          <p:cNvPr id="22" name="Table 21">
+            <a:extLst>
+              <a:ext uri="{FF2B5EF4-FFF2-40B4-BE49-F238E27FC236}">
+                <a16:creationId xmlns:a16="http://schemas.microsoft.com/office/drawing/2014/main" id="{A6CB4C8C-32C8-B140-81B5-1822097423CB}"/>
+              </a:ext>
+            </a:extLst>
+          </p:cNvPr>
+          <p:cNvGraphicFramePr>
+            <a:graphicFrameLocks noGrp="1"/>
+          </p:cNvGraphicFramePr>
+          <p:nvPr/>
+        </p:nvGraphicFramePr>
+        <p:xfrm>
+          <a:off x="7244080" y="4777740"/>
+          <a:ext cx="2402840" cy="1524000"/>
+        </p:xfrm>
+        <a:graphic>
+          <a:graphicData uri="http://schemas.openxmlformats.org/drawingml/2006/table">
+            <a:tbl>
+              <a:tblPr>
+                <a:tableStyleId>{74C1A8A3-306A-4EB7-A6B1-4F7E0EB9C5D6}</a:tableStyleId>
+              </a:tblPr>
+              <a:tblGrid>
+                <a:gridCol w="2402840">
+                  <a:extLst>
+                    <a:ext uri="{9D8B030D-6E8A-4147-A177-3AD203B41FA5}">
+                      <a16:colId xmlns:a16="http://schemas.microsoft.com/office/drawing/2014/main" val="2010620723"/>
+                    </a:ext>
+                  </a:extLst>
+                </a:gridCol>
+              </a:tblGrid>
+              <a:tr h="190500">
+                <a:tc>
+                  <a:txBody>
+                    <a:bodyPr/>
+                    <a:lstStyle/>
+                    <a:p>
+                      <a:pPr algn="l" fontAlgn="b"/>
+                      <a:r>
+                        <a:rPr lang="en-US" sz="1100" u="none" strike="noStrike">
+                          <a:effectLst/>
+                        </a:rPr>
+                        <a:t>Lincoln Yards</a:t>
+                      </a:r>
+                      <a:endParaRPr lang="en-US" sz="1100" b="0" i="0" u="none" strike="noStrike">
+                        <a:solidFill>
+                          <a:srgbClr val="000000"/>
+                        </a:solidFill>
+                        <a:effectLst/>
+                        <a:latin typeface="Calibri" panose="020F0502020204030204" pitchFamily="34" charset="0"/>
+                      </a:endParaRPr>
+                    </a:p>
+                  </a:txBody>
+                  <a:tcPr marL="9525" marR="9525" marT="9525" marB="0" anchor="b"/>
+                </a:tc>
+                <a:extLst>
+                  <a:ext uri="{0D108BD9-81ED-4DB2-BD59-A6C34878D82A}">
+                    <a16:rowId xmlns:a16="http://schemas.microsoft.com/office/drawing/2014/main" val="2251178306"/>
+                  </a:ext>
+                </a:extLst>
+              </a:tr>
+              <a:tr h="190500">
+                <a:tc>
+                  <a:txBody>
+                    <a:bodyPr/>
+                    <a:lstStyle/>
+                    <a:p>
+                      <a:pPr algn="l" fontAlgn="b"/>
+                      <a:r>
+                        <a:rPr lang="en-US" sz="1100" u="none" strike="noStrike" dirty="0">
+                          <a:effectLst/>
+                        </a:rPr>
+                        <a:t>The River District</a:t>
+                      </a:r>
+                      <a:endParaRPr lang="en-US" sz="1100" b="0" i="0" u="none" strike="noStrike" dirty="0">
+                        <a:solidFill>
+                          <a:srgbClr val="000000"/>
+                        </a:solidFill>
+                        <a:effectLst/>
+                        <a:latin typeface="Calibri" panose="020F0502020204030204" pitchFamily="34" charset="0"/>
+                      </a:endParaRPr>
+                    </a:p>
+                  </a:txBody>
+                  <a:tcPr marL="9525" marR="9525" marT="9525" marB="0" anchor="b"/>
+                </a:tc>
+                <a:extLst>
+                  <a:ext uri="{0D108BD9-81ED-4DB2-BD59-A6C34878D82A}">
+                    <a16:rowId xmlns:a16="http://schemas.microsoft.com/office/drawing/2014/main" val="2150021558"/>
+                  </a:ext>
+                </a:extLst>
+              </a:tr>
+              <a:tr h="190500">
+                <a:tc>
+                  <a:txBody>
+                    <a:bodyPr/>
+                    <a:lstStyle/>
+                    <a:p>
+                      <a:pPr algn="l" fontAlgn="b"/>
+                      <a:r>
+                        <a:rPr lang="en-US" sz="1100" u="none" strike="noStrike" dirty="0">
+                          <a:effectLst/>
+                        </a:rPr>
+                        <a:t>Futton Market</a:t>
+                      </a:r>
+                      <a:endParaRPr lang="en-US" sz="1100" b="0" i="0" u="none" strike="noStrike" dirty="0">
+                        <a:solidFill>
+                          <a:srgbClr val="000000"/>
+                        </a:solidFill>
+                        <a:effectLst/>
+                        <a:latin typeface="Calibri" panose="020F0502020204030204" pitchFamily="34" charset="0"/>
+                      </a:endParaRPr>
+                    </a:p>
+                  </a:txBody>
+                  <a:tcPr marL="9525" marR="9525" marT="9525" marB="0" anchor="b"/>
+                </a:tc>
+                <a:extLst>
+                  <a:ext uri="{0D108BD9-81ED-4DB2-BD59-A6C34878D82A}">
+                    <a16:rowId xmlns:a16="http://schemas.microsoft.com/office/drawing/2014/main" val="1907460893"/>
+                  </a:ext>
+                </a:extLst>
+              </a:tr>
+              <a:tr h="190500">
+                <a:tc>
+                  <a:txBody>
+                    <a:bodyPr/>
+                    <a:lstStyle/>
+                    <a:p>
+                      <a:pPr algn="l" fontAlgn="b"/>
+                      <a:r>
+                        <a:rPr lang="en-US" sz="1100" u="none" strike="noStrike" dirty="0">
+                          <a:effectLst/>
+                        </a:rPr>
+                        <a:t>City Center Campus</a:t>
+                      </a:r>
+                      <a:endParaRPr lang="en-US" sz="1100" b="0" i="0" u="none" strike="noStrike" dirty="0">
+                        <a:solidFill>
+                          <a:srgbClr val="000000"/>
+                        </a:solidFill>
+                        <a:effectLst/>
+                        <a:latin typeface="Calibri" panose="020F0502020204030204" pitchFamily="34" charset="0"/>
+                      </a:endParaRPr>
+                    </a:p>
+                  </a:txBody>
+                  <a:tcPr marL="9525" marR="9525" marT="9525" marB="0" anchor="b"/>
+                </a:tc>
+                <a:extLst>
+                  <a:ext uri="{0D108BD9-81ED-4DB2-BD59-A6C34878D82A}">
+                    <a16:rowId xmlns:a16="http://schemas.microsoft.com/office/drawing/2014/main" val="417561810"/>
+                  </a:ext>
+                </a:extLst>
+              </a:tr>
+              <a:tr h="190500">
+                <a:tc>
+                  <a:txBody>
+                    <a:bodyPr/>
+                    <a:lstStyle/>
+                    <a:p>
+                      <a:pPr algn="l" fontAlgn="b"/>
+                      <a:r>
+                        <a:rPr lang="en-US" sz="1100" u="none" strike="noStrike">
+                          <a:effectLst/>
+                        </a:rPr>
+                        <a:t>The Downtown District</a:t>
+                      </a:r>
+                      <a:endParaRPr lang="en-US" sz="1100" b="0" i="0" u="none" strike="noStrike">
+                        <a:solidFill>
+                          <a:srgbClr val="000000"/>
+                        </a:solidFill>
+                        <a:effectLst/>
+                        <a:latin typeface="Calibri" panose="020F0502020204030204" pitchFamily="34" charset="0"/>
+                      </a:endParaRPr>
+                    </a:p>
+                  </a:txBody>
+                  <a:tcPr marL="9525" marR="9525" marT="9525" marB="0" anchor="b"/>
+                </a:tc>
+                <a:extLst>
+                  <a:ext uri="{0D108BD9-81ED-4DB2-BD59-A6C34878D82A}">
+                    <a16:rowId xmlns:a16="http://schemas.microsoft.com/office/drawing/2014/main" val="3087885508"/>
+                  </a:ext>
+                </a:extLst>
+              </a:tr>
+              <a:tr h="190500">
+                <a:tc>
+                  <a:txBody>
+                    <a:bodyPr/>
+                    <a:lstStyle/>
+                    <a:p>
+                      <a:pPr algn="l" fontAlgn="b"/>
+                      <a:r>
+                        <a:rPr lang="en-US" sz="1100" u="none" strike="noStrike">
+                          <a:effectLst/>
+                        </a:rPr>
+                        <a:t>The Illinois Medical District</a:t>
+                      </a:r>
+                      <a:endParaRPr lang="en-US" sz="1100" b="0" i="0" u="none" strike="noStrike">
+                        <a:solidFill>
+                          <a:srgbClr val="000000"/>
+                        </a:solidFill>
+                        <a:effectLst/>
+                        <a:latin typeface="Calibri" panose="020F0502020204030204" pitchFamily="34" charset="0"/>
+                      </a:endParaRPr>
+                    </a:p>
+                  </a:txBody>
+                  <a:tcPr marL="9525" marR="9525" marT="9525" marB="0" anchor="b"/>
+                </a:tc>
+                <a:extLst>
+                  <a:ext uri="{0D108BD9-81ED-4DB2-BD59-A6C34878D82A}">
+                    <a16:rowId xmlns:a16="http://schemas.microsoft.com/office/drawing/2014/main" val="2547303377"/>
+                  </a:ext>
+                </a:extLst>
+              </a:tr>
+              <a:tr h="190500">
+                <a:tc>
+                  <a:txBody>
+                    <a:bodyPr/>
+                    <a:lstStyle/>
+                    <a:p>
+                      <a:pPr algn="l" fontAlgn="b"/>
+                      <a:r>
+                        <a:rPr lang="en-US" sz="1100" u="none" strike="noStrike">
+                          <a:effectLst/>
+                        </a:rPr>
+                        <a:t>The 78</a:t>
+                      </a:r>
+                      <a:endParaRPr lang="en-US" sz="1100" b="0" i="0" u="none" strike="noStrike">
+                        <a:solidFill>
+                          <a:srgbClr val="000000"/>
+                        </a:solidFill>
+                        <a:effectLst/>
+                        <a:latin typeface="Calibri" panose="020F0502020204030204" pitchFamily="34" charset="0"/>
+                      </a:endParaRPr>
+                    </a:p>
+                  </a:txBody>
+                  <a:tcPr marL="9525" marR="9525" marT="9525" marB="0" anchor="b"/>
+                </a:tc>
+                <a:extLst>
+                  <a:ext uri="{0D108BD9-81ED-4DB2-BD59-A6C34878D82A}">
+                    <a16:rowId xmlns:a16="http://schemas.microsoft.com/office/drawing/2014/main" val="614566106"/>
+                  </a:ext>
+                </a:extLst>
+              </a:tr>
+              <a:tr h="190500">
+                <a:tc>
+                  <a:txBody>
+                    <a:bodyPr/>
+                    <a:lstStyle/>
+                    <a:p>
+                      <a:pPr algn="l" fontAlgn="b"/>
+                      <a:r>
+                        <a:rPr lang="en-US" sz="1100" u="none" strike="noStrike" dirty="0">
+                          <a:effectLst/>
+                        </a:rPr>
+                        <a:t>Burnham Lakefront</a:t>
+                      </a:r>
+                      <a:endParaRPr lang="en-US" sz="1100" b="0" i="0" u="none" strike="noStrike" dirty="0">
+                        <a:solidFill>
+                          <a:srgbClr val="000000"/>
+                        </a:solidFill>
+                        <a:effectLst/>
+                        <a:latin typeface="Calibri" panose="020F0502020204030204" pitchFamily="34" charset="0"/>
+                      </a:endParaRPr>
+                    </a:p>
+                  </a:txBody>
+                  <a:tcPr marL="9525" marR="9525" marT="9525" marB="0" anchor="b"/>
+                </a:tc>
+                <a:extLst>
+                  <a:ext uri="{0D108BD9-81ED-4DB2-BD59-A6C34878D82A}">
+                    <a16:rowId xmlns:a16="http://schemas.microsoft.com/office/drawing/2014/main" val="4275934924"/>
+                  </a:ext>
+                </a:extLst>
+              </a:tr>
+            </a:tbl>
+          </a:graphicData>
+        </a:graphic>
+      </p:graphicFrame>
+      <p:graphicFrame>
+        <p:nvGraphicFramePr>
+          <p:cNvPr id="23" name="Table 22">
+            <a:extLst>
+              <a:ext uri="{FF2B5EF4-FFF2-40B4-BE49-F238E27FC236}">
+                <a16:creationId xmlns:a16="http://schemas.microsoft.com/office/drawing/2014/main" id="{FA6BBC98-8416-0B43-B180-EB828EDDAFF0}"/>
+              </a:ext>
+            </a:extLst>
+          </p:cNvPr>
+          <p:cNvGraphicFramePr>
+            <a:graphicFrameLocks noGrp="1"/>
+          </p:cNvGraphicFramePr>
+          <p:nvPr/>
+        </p:nvGraphicFramePr>
+        <p:xfrm>
+          <a:off x="9792970" y="3977739"/>
+          <a:ext cx="2311400" cy="571500"/>
+        </p:xfrm>
+        <a:graphic>
+          <a:graphicData uri="http://schemas.openxmlformats.org/drawingml/2006/table">
+            <a:tbl>
+              <a:tblPr>
+                <a:tableStyleId>{74C1A8A3-306A-4EB7-A6B1-4F7E0EB9C5D6}</a:tableStyleId>
+              </a:tblPr>
+              <a:tblGrid>
+                <a:gridCol w="2311400">
+                  <a:extLst>
+                    <a:ext uri="{9D8B030D-6E8A-4147-A177-3AD203B41FA5}">
+                      <a16:colId xmlns:a16="http://schemas.microsoft.com/office/drawing/2014/main" val="1204892567"/>
+                    </a:ext>
+                  </a:extLst>
+                </a:gridCol>
+              </a:tblGrid>
+              <a:tr h="190500">
+                <a:tc>
+                  <a:txBody>
+                    <a:bodyPr/>
+                    <a:lstStyle/>
+                    <a:p>
+                      <a:pPr algn="l" fontAlgn="b"/>
+                      <a:r>
+                        <a:rPr lang="en-US" sz="1100" u="none" strike="noStrike" dirty="0">
+                          <a:effectLst/>
+                        </a:rPr>
+                        <a:t>Research Triangle Park</a:t>
+                      </a:r>
+                      <a:endParaRPr lang="en-US" sz="1100" b="0" i="0" u="none" strike="noStrike" dirty="0">
+                        <a:solidFill>
+                          <a:srgbClr val="000000"/>
+                        </a:solidFill>
+                        <a:effectLst/>
+                        <a:latin typeface="Calibri" panose="020F0502020204030204" pitchFamily="34" charset="0"/>
+                      </a:endParaRPr>
+                    </a:p>
+                  </a:txBody>
+                  <a:tcPr marL="9525" marR="9525" marT="9525" marB="0" anchor="b"/>
+                </a:tc>
+                <a:extLst>
+                  <a:ext uri="{0D108BD9-81ED-4DB2-BD59-A6C34878D82A}">
+                    <a16:rowId xmlns:a16="http://schemas.microsoft.com/office/drawing/2014/main" val="1724798008"/>
+                  </a:ext>
+                </a:extLst>
+              </a:tr>
+              <a:tr h="190500">
+                <a:tc>
+                  <a:txBody>
+                    <a:bodyPr/>
+                    <a:lstStyle/>
+                    <a:p>
+                      <a:pPr algn="l" fontAlgn="b"/>
+                      <a:r>
+                        <a:rPr lang="en-US" sz="1100" u="none" strike="noStrike" dirty="0">
+                          <a:effectLst/>
+                        </a:rPr>
+                        <a:t>Chatham Park</a:t>
+                      </a:r>
+                      <a:endParaRPr lang="en-US" sz="1100" b="0" i="0" u="none" strike="noStrike" dirty="0">
+                        <a:solidFill>
+                          <a:srgbClr val="000000"/>
+                        </a:solidFill>
+                        <a:effectLst/>
+                        <a:latin typeface="Calibri" panose="020F0502020204030204" pitchFamily="34" charset="0"/>
+                      </a:endParaRPr>
+                    </a:p>
+                  </a:txBody>
+                  <a:tcPr marL="9525" marR="9525" marT="9525" marB="0" anchor="b"/>
+                </a:tc>
+                <a:extLst>
+                  <a:ext uri="{0D108BD9-81ED-4DB2-BD59-A6C34878D82A}">
+                    <a16:rowId xmlns:a16="http://schemas.microsoft.com/office/drawing/2014/main" val="48040782"/>
+                  </a:ext>
+                </a:extLst>
+              </a:tr>
+              <a:tr h="190500">
+                <a:tc>
+                  <a:txBody>
+                    <a:bodyPr/>
+                    <a:lstStyle/>
+                    <a:p>
+                      <a:pPr algn="l" fontAlgn="b"/>
+                      <a:r>
+                        <a:rPr lang="en-US" sz="1100" u="none" strike="noStrike" dirty="0">
+                          <a:effectLst/>
+                        </a:rPr>
+                        <a:t>Warehouse District</a:t>
+                      </a:r>
+                      <a:endParaRPr lang="en-US" sz="1100" b="0" i="0" u="none" strike="noStrike" dirty="0">
+                        <a:solidFill>
+                          <a:srgbClr val="000000"/>
+                        </a:solidFill>
+                        <a:effectLst/>
+                        <a:latin typeface="Calibri" panose="020F0502020204030204" pitchFamily="34" charset="0"/>
+                      </a:endParaRPr>
+                    </a:p>
+                  </a:txBody>
+                  <a:tcPr marL="9525" marR="9525" marT="9525" marB="0" anchor="b"/>
+                </a:tc>
+                <a:extLst>
+                  <a:ext uri="{0D108BD9-81ED-4DB2-BD59-A6C34878D82A}">
+                    <a16:rowId xmlns:a16="http://schemas.microsoft.com/office/drawing/2014/main" val="217234477"/>
+                  </a:ext>
+                </a:extLst>
+              </a:tr>
+            </a:tbl>
+          </a:graphicData>
+        </a:graphic>
+      </p:graphicFrame>
+      <p:graphicFrame>
+        <p:nvGraphicFramePr>
+          <p:cNvPr id="24" name="Table 23">
+            <a:extLst>
+              <a:ext uri="{FF2B5EF4-FFF2-40B4-BE49-F238E27FC236}">
+                <a16:creationId xmlns:a16="http://schemas.microsoft.com/office/drawing/2014/main" id="{E0340131-BB34-6741-902A-1DA8185E0625}"/>
+              </a:ext>
+            </a:extLst>
+          </p:cNvPr>
+          <p:cNvGraphicFramePr>
+            <a:graphicFrameLocks noGrp="1"/>
+          </p:cNvGraphicFramePr>
+          <p:nvPr/>
+        </p:nvGraphicFramePr>
+        <p:xfrm>
+          <a:off x="9781540" y="1957288"/>
+          <a:ext cx="2322830" cy="762000"/>
+        </p:xfrm>
+        <a:graphic>
+          <a:graphicData uri="http://schemas.openxmlformats.org/drawingml/2006/table">
+            <a:tbl>
+              <a:tblPr>
+                <a:tableStyleId>{74C1A8A3-306A-4EB7-A6B1-4F7E0EB9C5D6}</a:tableStyleId>
+              </a:tblPr>
+              <a:tblGrid>
+                <a:gridCol w="2322830">
+                  <a:extLst>
+                    <a:ext uri="{9D8B030D-6E8A-4147-A177-3AD203B41FA5}">
+                      <a16:colId xmlns:a16="http://schemas.microsoft.com/office/drawing/2014/main" val="680901911"/>
+                    </a:ext>
+                  </a:extLst>
+                </a:gridCol>
+              </a:tblGrid>
+              <a:tr h="190500">
+                <a:tc>
+                  <a:txBody>
+                    <a:bodyPr/>
+                    <a:lstStyle/>
+                    <a:p>
+                      <a:pPr algn="l" fontAlgn="b"/>
+                      <a:r>
+                        <a:rPr lang="en-US" sz="1100" u="none" strike="noStrike" dirty="0">
+                          <a:effectLst/>
+                        </a:rPr>
+                        <a:t>Downtown Atlanta</a:t>
+                      </a:r>
+                      <a:endParaRPr lang="en-US" sz="1100" b="0" i="0" u="none" strike="noStrike" dirty="0">
+                        <a:solidFill>
+                          <a:srgbClr val="000000"/>
+                        </a:solidFill>
+                        <a:effectLst/>
+                        <a:latin typeface="Calibri" panose="020F0502020204030204" pitchFamily="34" charset="0"/>
+                      </a:endParaRPr>
+                    </a:p>
+                  </a:txBody>
+                  <a:tcPr marL="9525" marR="9525" marT="9525" marB="0" anchor="b"/>
+                </a:tc>
+                <a:extLst>
+                  <a:ext uri="{0D108BD9-81ED-4DB2-BD59-A6C34878D82A}">
+                    <a16:rowId xmlns:a16="http://schemas.microsoft.com/office/drawing/2014/main" val="382838366"/>
+                  </a:ext>
+                </a:extLst>
+              </a:tr>
+              <a:tr h="190500">
+                <a:tc>
+                  <a:txBody>
+                    <a:bodyPr/>
+                    <a:lstStyle/>
+                    <a:p>
+                      <a:pPr algn="l" fontAlgn="b"/>
+                      <a:r>
+                        <a:rPr lang="en-US" sz="1100" u="none" strike="noStrike" dirty="0">
+                          <a:effectLst/>
+                        </a:rPr>
+                        <a:t>Midtown</a:t>
+                      </a:r>
+                      <a:endParaRPr lang="en-US" sz="1100" b="0" i="0" u="none" strike="noStrike" dirty="0">
+                        <a:solidFill>
+                          <a:srgbClr val="000000"/>
+                        </a:solidFill>
+                        <a:effectLst/>
+                        <a:latin typeface="Calibri" panose="020F0502020204030204" pitchFamily="34" charset="0"/>
+                      </a:endParaRPr>
+                    </a:p>
+                  </a:txBody>
+                  <a:tcPr marL="9525" marR="9525" marT="9525" marB="0" anchor="b"/>
+                </a:tc>
+                <a:extLst>
+                  <a:ext uri="{0D108BD9-81ED-4DB2-BD59-A6C34878D82A}">
+                    <a16:rowId xmlns:a16="http://schemas.microsoft.com/office/drawing/2014/main" val="1361885839"/>
+                  </a:ext>
+                </a:extLst>
+              </a:tr>
+              <a:tr h="190500">
+                <a:tc>
+                  <a:txBody>
+                    <a:bodyPr/>
+                    <a:lstStyle/>
+                    <a:p>
+                      <a:pPr algn="l" fontAlgn="b"/>
+                      <a:r>
+                        <a:rPr lang="en-US" sz="1100" u="none" strike="noStrike" dirty="0">
+                          <a:effectLst/>
+                        </a:rPr>
+                        <a:t>Former GM plant</a:t>
+                      </a:r>
+                      <a:endParaRPr lang="en-US" sz="1100" b="0" i="0" u="none" strike="noStrike" dirty="0">
+                        <a:solidFill>
+                          <a:srgbClr val="000000"/>
+                        </a:solidFill>
+                        <a:effectLst/>
+                        <a:latin typeface="Calibri" panose="020F0502020204030204" pitchFamily="34" charset="0"/>
+                      </a:endParaRPr>
+                    </a:p>
+                  </a:txBody>
+                  <a:tcPr marL="9525" marR="9525" marT="9525" marB="0" anchor="b"/>
+                </a:tc>
+                <a:extLst>
+                  <a:ext uri="{0D108BD9-81ED-4DB2-BD59-A6C34878D82A}">
+                    <a16:rowId xmlns:a16="http://schemas.microsoft.com/office/drawing/2014/main" val="2941785282"/>
+                  </a:ext>
+                </a:extLst>
+              </a:tr>
+              <a:tr h="190500">
+                <a:tc>
+                  <a:txBody>
+                    <a:bodyPr/>
+                    <a:lstStyle/>
+                    <a:p>
+                      <a:pPr algn="l" fontAlgn="b"/>
+                      <a:r>
+                        <a:rPr lang="en-US" sz="1100" u="none" strike="noStrike" dirty="0">
+                          <a:effectLst/>
+                        </a:rPr>
+                        <a:t>The High Street Site</a:t>
+                      </a:r>
+                      <a:endParaRPr lang="en-US" sz="1100" b="0" i="0" u="none" strike="noStrike" dirty="0">
+                        <a:solidFill>
+                          <a:srgbClr val="000000"/>
+                        </a:solidFill>
+                        <a:effectLst/>
+                        <a:latin typeface="Calibri" panose="020F0502020204030204" pitchFamily="34" charset="0"/>
+                      </a:endParaRPr>
+                    </a:p>
+                  </a:txBody>
+                  <a:tcPr marL="9525" marR="9525" marT="9525" marB="0" anchor="b"/>
+                </a:tc>
+                <a:extLst>
+                  <a:ext uri="{0D108BD9-81ED-4DB2-BD59-A6C34878D82A}">
+                    <a16:rowId xmlns:a16="http://schemas.microsoft.com/office/drawing/2014/main" val="1374660608"/>
+                  </a:ext>
+                </a:extLst>
+              </a:tr>
+            </a:tbl>
+          </a:graphicData>
+        </a:graphic>
+      </p:graphicFrame>
+      <p:graphicFrame>
+        <p:nvGraphicFramePr>
+          <p:cNvPr id="25" name="Table 24">
+            <a:extLst>
+              <a:ext uri="{FF2B5EF4-FFF2-40B4-BE49-F238E27FC236}">
+                <a16:creationId xmlns:a16="http://schemas.microsoft.com/office/drawing/2014/main" id="{7FFF5CCA-C272-DB47-9C25-971CFED1A4EF}"/>
+              </a:ext>
+            </a:extLst>
+          </p:cNvPr>
+          <p:cNvGraphicFramePr>
+            <a:graphicFrameLocks noGrp="1"/>
+          </p:cNvGraphicFramePr>
+          <p:nvPr/>
+        </p:nvGraphicFramePr>
+        <p:xfrm>
+          <a:off x="9781540" y="4787164"/>
+          <a:ext cx="2322830" cy="1333500"/>
+        </p:xfrm>
+        <a:graphic>
+          <a:graphicData uri="http://schemas.openxmlformats.org/drawingml/2006/table">
+            <a:tbl>
+              <a:tblPr>
+                <a:tableStyleId>{74C1A8A3-306A-4EB7-A6B1-4F7E0EB9C5D6}</a:tableStyleId>
+              </a:tblPr>
+              <a:tblGrid>
+                <a:gridCol w="2322830">
+                  <a:extLst>
+                    <a:ext uri="{9D8B030D-6E8A-4147-A177-3AD203B41FA5}">
+                      <a16:colId xmlns:a16="http://schemas.microsoft.com/office/drawing/2014/main" val="1772296632"/>
+                    </a:ext>
+                  </a:extLst>
+                </a:gridCol>
+              </a:tblGrid>
+              <a:tr h="190500">
+                <a:tc>
+                  <a:txBody>
+                    <a:bodyPr/>
+                    <a:lstStyle/>
+                    <a:p>
+                      <a:pPr algn="l" fontAlgn="b"/>
+                      <a:r>
+                        <a:rPr lang="en-US" sz="1100" u="none" strike="noStrike">
+                          <a:effectLst/>
+                        </a:rPr>
+                        <a:t>American-Statesman </a:t>
+                      </a:r>
+                      <a:endParaRPr lang="en-US" sz="1100" b="0" i="0" u="none" strike="noStrike">
+                        <a:solidFill>
+                          <a:srgbClr val="000000"/>
+                        </a:solidFill>
+                        <a:effectLst/>
+                        <a:latin typeface="Calibri" panose="020F0502020204030204" pitchFamily="34" charset="0"/>
+                      </a:endParaRPr>
+                    </a:p>
+                  </a:txBody>
+                  <a:tcPr marL="9525" marR="9525" marT="9525" marB="0" anchor="b"/>
+                </a:tc>
+                <a:extLst>
+                  <a:ext uri="{0D108BD9-81ED-4DB2-BD59-A6C34878D82A}">
+                    <a16:rowId xmlns:a16="http://schemas.microsoft.com/office/drawing/2014/main" val="1023929927"/>
+                  </a:ext>
+                </a:extLst>
+              </a:tr>
+              <a:tr h="190500">
+                <a:tc>
+                  <a:txBody>
+                    <a:bodyPr/>
+                    <a:lstStyle/>
+                    <a:p>
+                      <a:pPr algn="l" fontAlgn="b"/>
+                      <a:r>
+                        <a:rPr lang="en-US" sz="1100" u="none" strike="noStrike" dirty="0">
+                          <a:effectLst/>
+                        </a:rPr>
+                        <a:t>Eightfold</a:t>
+                      </a:r>
+                      <a:endParaRPr lang="en-US" sz="1100" b="0" i="0" u="none" strike="noStrike" dirty="0">
+                        <a:solidFill>
+                          <a:srgbClr val="000000"/>
+                        </a:solidFill>
+                        <a:effectLst/>
+                        <a:latin typeface="Calibri" panose="020F0502020204030204" pitchFamily="34" charset="0"/>
+                      </a:endParaRPr>
+                    </a:p>
+                  </a:txBody>
+                  <a:tcPr marL="9525" marR="9525" marT="9525" marB="0" anchor="b"/>
+                </a:tc>
+                <a:extLst>
+                  <a:ext uri="{0D108BD9-81ED-4DB2-BD59-A6C34878D82A}">
+                    <a16:rowId xmlns:a16="http://schemas.microsoft.com/office/drawing/2014/main" val="2632738260"/>
+                  </a:ext>
+                </a:extLst>
+              </a:tr>
+              <a:tr h="190500">
+                <a:tc>
+                  <a:txBody>
+                    <a:bodyPr/>
+                    <a:lstStyle/>
+                    <a:p>
+                      <a:pPr algn="l" fontAlgn="b"/>
+                      <a:r>
+                        <a:rPr lang="en-US" sz="1100" u="none" strike="noStrike" dirty="0">
+                          <a:effectLst/>
+                        </a:rPr>
+                        <a:t>Former 3M site</a:t>
+                      </a:r>
+                      <a:endParaRPr lang="en-US" sz="1100" b="0" i="0" u="none" strike="noStrike" dirty="0">
+                        <a:solidFill>
+                          <a:srgbClr val="000000"/>
+                        </a:solidFill>
+                        <a:effectLst/>
+                        <a:latin typeface="Calibri" panose="020F0502020204030204" pitchFamily="34" charset="0"/>
+                      </a:endParaRPr>
+                    </a:p>
+                  </a:txBody>
+                  <a:tcPr marL="9525" marR="9525" marT="9525" marB="0" anchor="b"/>
+                </a:tc>
+                <a:extLst>
+                  <a:ext uri="{0D108BD9-81ED-4DB2-BD59-A6C34878D82A}">
+                    <a16:rowId xmlns:a16="http://schemas.microsoft.com/office/drawing/2014/main" val="3815130043"/>
+                  </a:ext>
+                </a:extLst>
+              </a:tr>
+              <a:tr h="190500">
+                <a:tc>
+                  <a:txBody>
+                    <a:bodyPr/>
+                    <a:lstStyle/>
+                    <a:p>
+                      <a:pPr algn="l" fontAlgn="b"/>
+                      <a:r>
+                        <a:rPr lang="en-US" sz="1100" u="none" strike="noStrike" dirty="0">
+                          <a:effectLst/>
+                        </a:rPr>
+                        <a:t>The Domain</a:t>
+                      </a:r>
+                      <a:endParaRPr lang="en-US" sz="1100" b="0" i="0" u="none" strike="noStrike" dirty="0">
+                        <a:solidFill>
+                          <a:srgbClr val="000000"/>
+                        </a:solidFill>
+                        <a:effectLst/>
+                        <a:latin typeface="Calibri" panose="020F0502020204030204" pitchFamily="34" charset="0"/>
+                      </a:endParaRPr>
+                    </a:p>
+                  </a:txBody>
+                  <a:tcPr marL="9525" marR="9525" marT="9525" marB="0" anchor="b"/>
+                </a:tc>
+                <a:extLst>
+                  <a:ext uri="{0D108BD9-81ED-4DB2-BD59-A6C34878D82A}">
+                    <a16:rowId xmlns:a16="http://schemas.microsoft.com/office/drawing/2014/main" val="3553420962"/>
+                  </a:ext>
+                </a:extLst>
+              </a:tr>
+              <a:tr h="190500">
+                <a:tc>
+                  <a:txBody>
+                    <a:bodyPr/>
+                    <a:lstStyle/>
+                    <a:p>
+                      <a:pPr algn="l" fontAlgn="b"/>
+                      <a:r>
+                        <a:rPr lang="en-US" sz="1100" u="none" strike="noStrike" dirty="0">
+                          <a:effectLst/>
+                        </a:rPr>
+                        <a:t>Bardmoor Campus</a:t>
+                      </a:r>
+                      <a:endParaRPr lang="en-US" sz="1100" b="0" i="0" u="none" strike="noStrike" dirty="0">
+                        <a:solidFill>
+                          <a:srgbClr val="000000"/>
+                        </a:solidFill>
+                        <a:effectLst/>
+                        <a:latin typeface="Calibri" panose="020F0502020204030204" pitchFamily="34" charset="0"/>
+                      </a:endParaRPr>
+                    </a:p>
+                  </a:txBody>
+                  <a:tcPr marL="9525" marR="9525" marT="9525" marB="0" anchor="b"/>
+                </a:tc>
+                <a:extLst>
+                  <a:ext uri="{0D108BD9-81ED-4DB2-BD59-A6C34878D82A}">
+                    <a16:rowId xmlns:a16="http://schemas.microsoft.com/office/drawing/2014/main" val="2031047528"/>
+                  </a:ext>
+                </a:extLst>
+              </a:tr>
+              <a:tr h="190500">
+                <a:tc>
+                  <a:txBody>
+                    <a:bodyPr/>
+                    <a:lstStyle/>
+                    <a:p>
+                      <a:pPr algn="l" fontAlgn="b"/>
+                      <a:r>
+                        <a:rPr lang="en-US" sz="1100" u="none" strike="noStrike" dirty="0">
+                          <a:effectLst/>
+                        </a:rPr>
+                        <a:t>Robinson Ranch</a:t>
+                      </a:r>
+                      <a:endParaRPr lang="en-US" sz="1100" b="0" i="0" u="none" strike="noStrike" dirty="0">
+                        <a:solidFill>
+                          <a:srgbClr val="000000"/>
+                        </a:solidFill>
+                        <a:effectLst/>
+                        <a:latin typeface="Calibri" panose="020F0502020204030204" pitchFamily="34" charset="0"/>
+                      </a:endParaRPr>
+                    </a:p>
+                  </a:txBody>
+                  <a:tcPr marL="9525" marR="9525" marT="9525" marB="0" anchor="b"/>
+                </a:tc>
+                <a:extLst>
+                  <a:ext uri="{0D108BD9-81ED-4DB2-BD59-A6C34878D82A}">
+                    <a16:rowId xmlns:a16="http://schemas.microsoft.com/office/drawing/2014/main" val="3486433966"/>
+                  </a:ext>
+                </a:extLst>
+              </a:tr>
+              <a:tr h="190500">
+                <a:tc>
+                  <a:txBody>
+                    <a:bodyPr/>
+                    <a:lstStyle/>
+                    <a:p>
+                      <a:pPr algn="l" fontAlgn="b"/>
+                      <a:r>
+                        <a:rPr lang="en-US" sz="1100" u="none" strike="noStrike" dirty="0">
+                          <a:effectLst/>
+                        </a:rPr>
+                        <a:t>Project Catalyst</a:t>
+                      </a:r>
+                      <a:endParaRPr lang="en-US" sz="1100" b="0" i="0" u="none" strike="noStrike" dirty="0">
+                        <a:solidFill>
+                          <a:srgbClr val="000000"/>
+                        </a:solidFill>
+                        <a:effectLst/>
+                        <a:latin typeface="Calibri" panose="020F0502020204030204" pitchFamily="34" charset="0"/>
+                      </a:endParaRPr>
+                    </a:p>
+                  </a:txBody>
+                  <a:tcPr marL="9525" marR="9525" marT="9525" marB="0" anchor="b"/>
+                </a:tc>
+                <a:extLst>
+                  <a:ext uri="{0D108BD9-81ED-4DB2-BD59-A6C34878D82A}">
+                    <a16:rowId xmlns:a16="http://schemas.microsoft.com/office/drawing/2014/main" val="826265374"/>
+                  </a:ext>
+                </a:extLst>
+              </a:tr>
+            </a:tbl>
+          </a:graphicData>
+        </a:graphic>
+      </p:graphicFrame>
+      <p:graphicFrame>
+        <p:nvGraphicFramePr>
+          <p:cNvPr id="26" name="Table 25">
+            <a:extLst>
+              <a:ext uri="{FF2B5EF4-FFF2-40B4-BE49-F238E27FC236}">
+                <a16:creationId xmlns:a16="http://schemas.microsoft.com/office/drawing/2014/main" id="{05A61EBE-65B1-DE40-9C26-79E0FF313F20}"/>
+              </a:ext>
+            </a:extLst>
+          </p:cNvPr>
+          <p:cNvGraphicFramePr>
+            <a:graphicFrameLocks noGrp="1"/>
+          </p:cNvGraphicFramePr>
+          <p:nvPr/>
+        </p:nvGraphicFramePr>
+        <p:xfrm>
+          <a:off x="7244080" y="3789044"/>
+          <a:ext cx="2402840" cy="762000"/>
+        </p:xfrm>
+        <a:graphic>
+          <a:graphicData uri="http://schemas.openxmlformats.org/drawingml/2006/table">
+            <a:tbl>
+              <a:tblPr>
+                <a:tableStyleId>{74C1A8A3-306A-4EB7-A6B1-4F7E0EB9C5D6}</a:tableStyleId>
+              </a:tblPr>
+              <a:tblGrid>
+                <a:gridCol w="2402840">
+                  <a:extLst>
+                    <a:ext uri="{9D8B030D-6E8A-4147-A177-3AD203B41FA5}">
+                      <a16:colId xmlns:a16="http://schemas.microsoft.com/office/drawing/2014/main" val="850786229"/>
+                    </a:ext>
+                  </a:extLst>
+                </a:gridCol>
+              </a:tblGrid>
+              <a:tr h="190500">
+                <a:tc>
+                  <a:txBody>
+                    <a:bodyPr/>
+                    <a:lstStyle/>
+                    <a:p>
+                      <a:pPr algn="l" fontAlgn="b"/>
+                      <a:r>
+                        <a:rPr lang="en-US" sz="1100" u="none" strike="noStrike" dirty="0">
+                          <a:effectLst/>
+                        </a:rPr>
+                        <a:t>Suffolk Downs</a:t>
+                      </a:r>
+                      <a:endParaRPr lang="en-US" sz="1100" b="0" i="0" u="none" strike="noStrike" dirty="0">
+                        <a:solidFill>
+                          <a:srgbClr val="000000"/>
+                        </a:solidFill>
+                        <a:effectLst/>
+                        <a:latin typeface="Calibri" panose="020F0502020204030204" pitchFamily="34" charset="0"/>
+                      </a:endParaRPr>
+                    </a:p>
+                  </a:txBody>
+                  <a:tcPr marL="9525" marR="9525" marT="9525" marB="0" anchor="b"/>
+                </a:tc>
+                <a:extLst>
+                  <a:ext uri="{0D108BD9-81ED-4DB2-BD59-A6C34878D82A}">
+                    <a16:rowId xmlns:a16="http://schemas.microsoft.com/office/drawing/2014/main" val="709752000"/>
+                  </a:ext>
+                </a:extLst>
+              </a:tr>
+              <a:tr h="190500">
+                <a:tc>
+                  <a:txBody>
+                    <a:bodyPr/>
+                    <a:lstStyle/>
+                    <a:p>
+                      <a:pPr algn="l" fontAlgn="b"/>
+                      <a:r>
+                        <a:rPr lang="en-US" sz="1100" u="none" strike="noStrike" dirty="0">
+                          <a:effectLst/>
+                        </a:rPr>
+                        <a:t>South Boston Waterfront</a:t>
+                      </a:r>
+                      <a:endParaRPr lang="en-US" sz="1100" b="0" i="0" u="none" strike="noStrike" dirty="0">
+                        <a:solidFill>
+                          <a:srgbClr val="000000"/>
+                        </a:solidFill>
+                        <a:effectLst/>
+                        <a:latin typeface="Calibri" panose="020F0502020204030204" pitchFamily="34" charset="0"/>
+                      </a:endParaRPr>
+                    </a:p>
+                  </a:txBody>
+                  <a:tcPr marL="9525" marR="9525" marT="9525" marB="0" anchor="b"/>
+                </a:tc>
+                <a:extLst>
+                  <a:ext uri="{0D108BD9-81ED-4DB2-BD59-A6C34878D82A}">
+                    <a16:rowId xmlns:a16="http://schemas.microsoft.com/office/drawing/2014/main" val="1439740037"/>
+                  </a:ext>
+                </a:extLst>
+              </a:tr>
+              <a:tr h="190500">
+                <a:tc>
+                  <a:txBody>
+                    <a:bodyPr/>
+                    <a:lstStyle/>
+                    <a:p>
+                      <a:pPr algn="l" fontAlgn="b"/>
+                      <a:r>
+                        <a:rPr lang="en-US" sz="1100" u="none" strike="noStrike" dirty="0">
+                          <a:effectLst/>
+                        </a:rPr>
+                        <a:t>Downtown</a:t>
+                      </a:r>
+                      <a:endParaRPr lang="en-US" sz="1100" b="0" i="0" u="none" strike="noStrike" dirty="0">
+                        <a:solidFill>
+                          <a:srgbClr val="000000"/>
+                        </a:solidFill>
+                        <a:effectLst/>
+                        <a:latin typeface="Calibri" panose="020F0502020204030204" pitchFamily="34" charset="0"/>
+                      </a:endParaRPr>
+                    </a:p>
+                  </a:txBody>
+                  <a:tcPr marL="9525" marR="9525" marT="9525" marB="0" anchor="b"/>
+                </a:tc>
+                <a:extLst>
+                  <a:ext uri="{0D108BD9-81ED-4DB2-BD59-A6C34878D82A}">
+                    <a16:rowId xmlns:a16="http://schemas.microsoft.com/office/drawing/2014/main" val="3641115420"/>
+                  </a:ext>
+                </a:extLst>
+              </a:tr>
+              <a:tr h="190500">
+                <a:tc>
+                  <a:txBody>
+                    <a:bodyPr/>
+                    <a:lstStyle/>
+                    <a:p>
+                      <a:pPr algn="l" fontAlgn="b"/>
+                      <a:r>
+                        <a:rPr lang="en-US" sz="1100" u="none" strike="noStrike" dirty="0">
+                          <a:effectLst/>
+                        </a:rPr>
+                        <a:t>South End</a:t>
+                      </a:r>
+                      <a:endParaRPr lang="en-US" sz="1100" b="0" i="0" u="none" strike="noStrike" dirty="0">
+                        <a:solidFill>
+                          <a:srgbClr val="000000"/>
+                        </a:solidFill>
+                        <a:effectLst/>
+                        <a:latin typeface="Calibri" panose="020F0502020204030204" pitchFamily="34" charset="0"/>
+                      </a:endParaRPr>
+                    </a:p>
+                  </a:txBody>
+                  <a:tcPr marL="9525" marR="9525" marT="9525" marB="0" anchor="b"/>
+                </a:tc>
+                <a:extLst>
+                  <a:ext uri="{0D108BD9-81ED-4DB2-BD59-A6C34878D82A}">
+                    <a16:rowId xmlns:a16="http://schemas.microsoft.com/office/drawing/2014/main" val="2954385309"/>
+                  </a:ext>
+                </a:extLst>
+              </a:tr>
+            </a:tbl>
+          </a:graphicData>
+        </a:graphic>
+      </p:graphicFrame>
+      <p:graphicFrame>
+        <p:nvGraphicFramePr>
+          <p:cNvPr id="27" name="Table 26">
+            <a:extLst>
+              <a:ext uri="{FF2B5EF4-FFF2-40B4-BE49-F238E27FC236}">
+                <a16:creationId xmlns:a16="http://schemas.microsoft.com/office/drawing/2014/main" id="{BB0AB6AF-F641-DA40-AF1F-17EA1AF36FE3}"/>
+              </a:ext>
+            </a:extLst>
+          </p:cNvPr>
+          <p:cNvGraphicFramePr>
+            <a:graphicFrameLocks noGrp="1"/>
+          </p:cNvGraphicFramePr>
+          <p:nvPr/>
+        </p:nvGraphicFramePr>
+        <p:xfrm>
+          <a:off x="7244079" y="3569493"/>
+          <a:ext cx="2402839" cy="192405"/>
+        </p:xfrm>
+        <a:graphic>
+          <a:graphicData uri="http://schemas.openxmlformats.org/drawingml/2006/table">
+            <a:tbl>
+              <a:tblPr>
+                <a:tableStyleId>{46F890A9-2807-4EBB-B81D-B2AA78EC7F39}</a:tableStyleId>
+              </a:tblPr>
+              <a:tblGrid>
+                <a:gridCol w="2402839">
+                  <a:extLst>
+                    <a:ext uri="{9D8B030D-6E8A-4147-A177-3AD203B41FA5}">
+                      <a16:colId xmlns:a16="http://schemas.microsoft.com/office/drawing/2014/main" val="682814544"/>
+                    </a:ext>
+                  </a:extLst>
+                </a:gridCol>
+              </a:tblGrid>
+              <a:tr h="190500">
+                <a:tc>
+                  <a:txBody>
+                    <a:bodyPr/>
+                    <a:lstStyle/>
+                    <a:p>
+                      <a:pPr algn="l" fontAlgn="b"/>
+                      <a:r>
+                        <a:rPr lang="en-US" sz="1200" b="1" u="none" strike="noStrike" dirty="0">
+                          <a:effectLst/>
+                        </a:rPr>
+                        <a:t>Boston</a:t>
+                      </a:r>
+                      <a:endParaRPr lang="en-US" sz="1200" b="1" i="0" u="none" strike="noStrike" dirty="0">
+                        <a:solidFill>
+                          <a:srgbClr val="000000"/>
+                        </a:solidFill>
+                        <a:effectLst/>
+                        <a:latin typeface="Calibri" panose="020F0502020204030204" pitchFamily="34" charset="0"/>
+                      </a:endParaRPr>
+                    </a:p>
+                  </a:txBody>
+                  <a:tcPr marL="9525" marR="9525" marT="9525" marB="0" anchor="b"/>
+                </a:tc>
+                <a:extLst>
+                  <a:ext uri="{0D108BD9-81ED-4DB2-BD59-A6C34878D82A}">
+                    <a16:rowId xmlns:a16="http://schemas.microsoft.com/office/drawing/2014/main" val="3480209066"/>
+                  </a:ext>
+                </a:extLst>
+              </a:tr>
+            </a:tbl>
+          </a:graphicData>
+        </a:graphic>
+      </p:graphicFrame>
+      <p:graphicFrame>
+        <p:nvGraphicFramePr>
+          <p:cNvPr id="28" name="Table 27">
+            <a:extLst>
+              <a:ext uri="{FF2B5EF4-FFF2-40B4-BE49-F238E27FC236}">
+                <a16:creationId xmlns:a16="http://schemas.microsoft.com/office/drawing/2014/main" id="{00DDCEAA-12B5-644A-8D5E-9C2363398F01}"/>
+              </a:ext>
+            </a:extLst>
+          </p:cNvPr>
+          <p:cNvGraphicFramePr>
+            <a:graphicFrameLocks noGrp="1"/>
+          </p:cNvGraphicFramePr>
+          <p:nvPr/>
+        </p:nvGraphicFramePr>
+        <p:xfrm>
+          <a:off x="7246266" y="4571047"/>
+          <a:ext cx="2400651" cy="192405"/>
+        </p:xfrm>
+        <a:graphic>
+          <a:graphicData uri="http://schemas.openxmlformats.org/drawingml/2006/table">
+            <a:tbl>
+              <a:tblPr>
+                <a:tableStyleId>{46F890A9-2807-4EBB-B81D-B2AA78EC7F39}</a:tableStyleId>
+              </a:tblPr>
+              <a:tblGrid>
+                <a:gridCol w="2400651">
+                  <a:extLst>
+                    <a:ext uri="{9D8B030D-6E8A-4147-A177-3AD203B41FA5}">
+                      <a16:colId xmlns:a16="http://schemas.microsoft.com/office/drawing/2014/main" val="682814544"/>
+                    </a:ext>
+                  </a:extLst>
+                </a:gridCol>
+              </a:tblGrid>
+              <a:tr h="190500">
+                <a:tc>
+                  <a:txBody>
+                    <a:bodyPr/>
+                    <a:lstStyle/>
+                    <a:p>
+                      <a:pPr algn="l" fontAlgn="b"/>
+                      <a:r>
+                        <a:rPr lang="en-US" sz="1200" b="1" u="none" strike="noStrike" dirty="0">
+                          <a:effectLst/>
+                        </a:rPr>
+                        <a:t>Chicago</a:t>
+                      </a:r>
+                      <a:endParaRPr lang="en-US" sz="1200" b="1" i="0" u="none" strike="noStrike" dirty="0">
+                        <a:solidFill>
+                          <a:srgbClr val="000000"/>
+                        </a:solidFill>
+                        <a:effectLst/>
+                        <a:latin typeface="Calibri" panose="020F0502020204030204" pitchFamily="34" charset="0"/>
+                      </a:endParaRPr>
+                    </a:p>
+                  </a:txBody>
+                  <a:tcPr marL="9525" marR="9525" marT="9525" marB="0" anchor="b"/>
+                </a:tc>
+                <a:extLst>
+                  <a:ext uri="{0D108BD9-81ED-4DB2-BD59-A6C34878D82A}">
+                    <a16:rowId xmlns:a16="http://schemas.microsoft.com/office/drawing/2014/main" val="3480209066"/>
+                  </a:ext>
+                </a:extLst>
+              </a:tr>
+            </a:tbl>
+          </a:graphicData>
+        </a:graphic>
+      </p:graphicFrame>
+      <p:graphicFrame>
+        <p:nvGraphicFramePr>
+          <p:cNvPr id="29" name="Table 28">
+            <a:extLst>
+              <a:ext uri="{FF2B5EF4-FFF2-40B4-BE49-F238E27FC236}">
+                <a16:creationId xmlns:a16="http://schemas.microsoft.com/office/drawing/2014/main" id="{63ED3AD4-AF60-764B-BF56-82443DF64FA8}"/>
+              </a:ext>
+            </a:extLst>
+          </p:cNvPr>
+          <p:cNvGraphicFramePr>
+            <a:graphicFrameLocks noGrp="1"/>
+          </p:cNvGraphicFramePr>
+          <p:nvPr/>
+        </p:nvGraphicFramePr>
+        <p:xfrm>
+          <a:off x="9781539" y="1756261"/>
+          <a:ext cx="2322829" cy="192405"/>
+        </p:xfrm>
+        <a:graphic>
+          <a:graphicData uri="http://schemas.openxmlformats.org/drawingml/2006/table">
+            <a:tbl>
+              <a:tblPr>
+                <a:tableStyleId>{46F890A9-2807-4EBB-B81D-B2AA78EC7F39}</a:tableStyleId>
+              </a:tblPr>
+              <a:tblGrid>
+                <a:gridCol w="2322829">
+                  <a:extLst>
+                    <a:ext uri="{9D8B030D-6E8A-4147-A177-3AD203B41FA5}">
+                      <a16:colId xmlns:a16="http://schemas.microsoft.com/office/drawing/2014/main" val="1321473835"/>
+                    </a:ext>
+                  </a:extLst>
+                </a:gridCol>
+              </a:tblGrid>
+              <a:tr h="190500">
+                <a:tc>
+                  <a:txBody>
+                    <a:bodyPr/>
+                    <a:lstStyle/>
+                    <a:p>
+                      <a:pPr algn="l" fontAlgn="b"/>
+                      <a:r>
+                        <a:rPr lang="en-US" sz="1200" b="1" u="none" strike="noStrike" dirty="0">
+                          <a:effectLst/>
+                        </a:rPr>
+                        <a:t>Atlanta</a:t>
+                      </a:r>
+                      <a:endParaRPr lang="en-US" sz="1200" b="1" i="0" u="none" strike="noStrike" dirty="0">
+                        <a:solidFill>
+                          <a:srgbClr val="000000"/>
+                        </a:solidFill>
+                        <a:effectLst/>
+                        <a:latin typeface="Calibri" panose="020F0502020204030204" pitchFamily="34" charset="0"/>
+                      </a:endParaRPr>
+                    </a:p>
+                  </a:txBody>
+                  <a:tcPr marL="9525" marR="9525" marT="9525" marB="0" anchor="b"/>
+                </a:tc>
+                <a:extLst>
+                  <a:ext uri="{0D108BD9-81ED-4DB2-BD59-A6C34878D82A}">
+                    <a16:rowId xmlns:a16="http://schemas.microsoft.com/office/drawing/2014/main" val="2296783644"/>
+                  </a:ext>
+                </a:extLst>
+              </a:tr>
+            </a:tbl>
+          </a:graphicData>
+        </a:graphic>
+      </p:graphicFrame>
+      <p:graphicFrame>
+        <p:nvGraphicFramePr>
+          <p:cNvPr id="30" name="Table 29">
+            <a:extLst>
+              <a:ext uri="{FF2B5EF4-FFF2-40B4-BE49-F238E27FC236}">
+                <a16:creationId xmlns:a16="http://schemas.microsoft.com/office/drawing/2014/main" id="{1C75648F-E57C-564E-8E01-AA8C5B1E7921}"/>
+              </a:ext>
+            </a:extLst>
+          </p:cNvPr>
+          <p:cNvGraphicFramePr>
+            <a:graphicFrameLocks noGrp="1"/>
+          </p:cNvGraphicFramePr>
+          <p:nvPr/>
+        </p:nvGraphicFramePr>
+        <p:xfrm>
+          <a:off x="9800236" y="2750393"/>
+          <a:ext cx="2304133" cy="192405"/>
+        </p:xfrm>
+        <a:graphic>
+          <a:graphicData uri="http://schemas.openxmlformats.org/drawingml/2006/table">
+            <a:tbl>
+              <a:tblPr>
+                <a:tableStyleId>{46F890A9-2807-4EBB-B81D-B2AA78EC7F39}</a:tableStyleId>
+              </a:tblPr>
+              <a:tblGrid>
+                <a:gridCol w="2304133">
+                  <a:extLst>
+                    <a:ext uri="{9D8B030D-6E8A-4147-A177-3AD203B41FA5}">
+                      <a16:colId xmlns:a16="http://schemas.microsoft.com/office/drawing/2014/main" val="682814544"/>
+                    </a:ext>
+                  </a:extLst>
+                </a:gridCol>
+              </a:tblGrid>
+              <a:tr h="190500">
+                <a:tc>
+                  <a:txBody>
+                    <a:bodyPr/>
+                    <a:lstStyle/>
+                    <a:p>
+                      <a:pPr algn="l" fontAlgn="b"/>
+                      <a:r>
+                        <a:rPr lang="en-US" sz="1200" b="1" u="none" strike="noStrike" dirty="0">
+                          <a:effectLst/>
+                        </a:rPr>
+                        <a:t>New York</a:t>
+                      </a:r>
+                      <a:endParaRPr lang="en-US" sz="1200" b="1" i="0" u="none" strike="noStrike" dirty="0">
+                        <a:solidFill>
+                          <a:srgbClr val="000000"/>
+                        </a:solidFill>
+                        <a:effectLst/>
+                        <a:latin typeface="Calibri" panose="020F0502020204030204" pitchFamily="34" charset="0"/>
+                      </a:endParaRPr>
+                    </a:p>
+                  </a:txBody>
+                  <a:tcPr marL="9525" marR="9525" marT="9525" marB="0" anchor="b"/>
+                </a:tc>
+                <a:extLst>
+                  <a:ext uri="{0D108BD9-81ED-4DB2-BD59-A6C34878D82A}">
+                    <a16:rowId xmlns:a16="http://schemas.microsoft.com/office/drawing/2014/main" val="3480209066"/>
+                  </a:ext>
+                </a:extLst>
+              </a:tr>
+            </a:tbl>
+          </a:graphicData>
+        </a:graphic>
+      </p:graphicFrame>
+      <p:graphicFrame>
+        <p:nvGraphicFramePr>
+          <p:cNvPr id="31" name="Table 30">
+            <a:extLst>
+              <a:ext uri="{FF2B5EF4-FFF2-40B4-BE49-F238E27FC236}">
+                <a16:creationId xmlns:a16="http://schemas.microsoft.com/office/drawing/2014/main" id="{45E7FC35-4FFD-2746-BE22-58558E64F129}"/>
+              </a:ext>
+            </a:extLst>
+          </p:cNvPr>
+          <p:cNvGraphicFramePr>
+            <a:graphicFrameLocks noGrp="1"/>
+          </p:cNvGraphicFramePr>
+          <p:nvPr/>
+        </p:nvGraphicFramePr>
+        <p:xfrm>
+          <a:off x="9781540" y="3759317"/>
+          <a:ext cx="2322830" cy="192405"/>
+        </p:xfrm>
+        <a:graphic>
+          <a:graphicData uri="http://schemas.openxmlformats.org/drawingml/2006/table">
+            <a:tbl>
+              <a:tblPr>
+                <a:tableStyleId>{46F890A9-2807-4EBB-B81D-B2AA78EC7F39}</a:tableStyleId>
+              </a:tblPr>
+              <a:tblGrid>
+                <a:gridCol w="2322830">
+                  <a:extLst>
+                    <a:ext uri="{9D8B030D-6E8A-4147-A177-3AD203B41FA5}">
+                      <a16:colId xmlns:a16="http://schemas.microsoft.com/office/drawing/2014/main" val="682814544"/>
+                    </a:ext>
+                  </a:extLst>
+                </a:gridCol>
+              </a:tblGrid>
+              <a:tr h="190500">
+                <a:tc>
+                  <a:txBody>
+                    <a:bodyPr/>
+                    <a:lstStyle/>
+                    <a:p>
+                      <a:pPr algn="l" fontAlgn="b"/>
+                      <a:r>
+                        <a:rPr lang="en-US" sz="1200" b="1" u="none" strike="noStrike" dirty="0">
+                          <a:effectLst/>
+                        </a:rPr>
+                        <a:t>Raleigh</a:t>
+                      </a:r>
+                      <a:endParaRPr lang="en-US" sz="1200" b="1" i="0" u="none" strike="noStrike" dirty="0">
+                        <a:solidFill>
+                          <a:srgbClr val="000000"/>
+                        </a:solidFill>
+                        <a:effectLst/>
+                        <a:latin typeface="Calibri" panose="020F0502020204030204" pitchFamily="34" charset="0"/>
+                      </a:endParaRPr>
+                    </a:p>
+                  </a:txBody>
+                  <a:tcPr marL="9525" marR="9525" marT="9525" marB="0" anchor="b"/>
+                </a:tc>
+                <a:extLst>
+                  <a:ext uri="{0D108BD9-81ED-4DB2-BD59-A6C34878D82A}">
+                    <a16:rowId xmlns:a16="http://schemas.microsoft.com/office/drawing/2014/main" val="3480209066"/>
+                  </a:ext>
+                </a:extLst>
+              </a:tr>
+            </a:tbl>
+          </a:graphicData>
+        </a:graphic>
+      </p:graphicFrame>
+      <p:graphicFrame>
+        <p:nvGraphicFramePr>
+          <p:cNvPr id="33" name="Table 32">
+            <a:extLst>
+              <a:ext uri="{FF2B5EF4-FFF2-40B4-BE49-F238E27FC236}">
+                <a16:creationId xmlns:a16="http://schemas.microsoft.com/office/drawing/2014/main" id="{30554AF1-6BA1-C848-8F62-BECA2E66AD5C}"/>
+              </a:ext>
+            </a:extLst>
+          </p:cNvPr>
+          <p:cNvGraphicFramePr>
+            <a:graphicFrameLocks noGrp="1"/>
+          </p:cNvGraphicFramePr>
+          <p:nvPr/>
+        </p:nvGraphicFramePr>
+        <p:xfrm>
+          <a:off x="9770286" y="4585335"/>
+          <a:ext cx="2334084" cy="192405"/>
+        </p:xfrm>
+        <a:graphic>
+          <a:graphicData uri="http://schemas.openxmlformats.org/drawingml/2006/table">
+            <a:tbl>
+              <a:tblPr>
+                <a:tableStyleId>{46F890A9-2807-4EBB-B81D-B2AA78EC7F39}</a:tableStyleId>
+              </a:tblPr>
+              <a:tblGrid>
+                <a:gridCol w="2334084">
+                  <a:extLst>
+                    <a:ext uri="{9D8B030D-6E8A-4147-A177-3AD203B41FA5}">
+                      <a16:colId xmlns:a16="http://schemas.microsoft.com/office/drawing/2014/main" val="682814544"/>
+                    </a:ext>
+                  </a:extLst>
+                </a:gridCol>
+              </a:tblGrid>
+              <a:tr h="190500">
+                <a:tc>
+                  <a:txBody>
+                    <a:bodyPr/>
+                    <a:lstStyle/>
+                    <a:p>
+                      <a:pPr algn="l" fontAlgn="b"/>
+                      <a:r>
+                        <a:rPr lang="en-US" sz="1200" b="1" i="0" u="none" strike="noStrike" dirty="0">
+                          <a:solidFill>
+                            <a:srgbClr val="000000"/>
+                          </a:solidFill>
+                          <a:effectLst/>
+                          <a:latin typeface="Calibri" panose="020F0502020204030204" pitchFamily="34" charset="0"/>
+                        </a:rPr>
+                        <a:t>Austin</a:t>
+                      </a:r>
+                    </a:p>
+                  </a:txBody>
+                  <a:tcPr marL="9525" marR="9525" marT="9525" marB="0" anchor="b"/>
+                </a:tc>
+                <a:extLst>
+                  <a:ext uri="{0D108BD9-81ED-4DB2-BD59-A6C34878D82A}">
+                    <a16:rowId xmlns:a16="http://schemas.microsoft.com/office/drawing/2014/main" val="3480209066"/>
+                  </a:ext>
+                </a:extLst>
+              </a:tr>
+            </a:tbl>
+          </a:graphicData>
+        </a:graphic>
+      </p:graphicFrame>
     </p:spTree>
     <p:extLst>
       <p:ext uri="{BB962C8B-B14F-4D97-AF65-F5344CB8AC3E}">
-        <p14:creationId xmlns:p14="http://schemas.microsoft.com/office/powerpoint/2010/main" val="71064535"/>
+        <p14:creationId xmlns:p14="http://schemas.microsoft.com/office/powerpoint/2010/main" val="377542841"/>
       </p:ext>
     </p:extLst>
   </p:cSld>

--- a/Project1_Presentation.pptx
+++ b/Project1_Presentation.pptx
@@ -29,6 +29,8 @@
     <p:sldId id="261" r:id="rId23"/>
     <p:sldId id="277" r:id="rId24"/>
     <p:sldId id="286" r:id="rId25"/>
+    <p:sldId id="289" r:id="rId26"/>
+    <p:sldId id="290" r:id="rId27"/>
   </p:sldIdLst>
   <p:sldSz cx="12192000" cy="6858000"/>
   <p:notesSz cx="6858000" cy="9144000"/>
@@ -361,7 +363,7 @@
           <a:p>
             <a:fld id="{F70A646C-22A8-4D69-ACFD-CD88A31D50DB}" type="datetimeFigureOut">
               <a:rPr lang="en-US" smtClean="0"/>
-              <a:t>4/3/18</a:t>
+              <a:t>4/3/2018</a:t>
             </a:fld>
             <a:endParaRPr lang="en-US"/>
           </a:p>
@@ -569,7 +571,7 @@
           <a:p>
             <a:fld id="{F70A646C-22A8-4D69-ACFD-CD88A31D50DB}" type="datetimeFigureOut">
               <a:rPr lang="en-US" smtClean="0"/>
-              <a:t>4/3/18</a:t>
+              <a:t>4/3/2018</a:t>
             </a:fld>
             <a:endParaRPr lang="en-US"/>
           </a:p>
@@ -825,7 +827,7 @@
           <a:p>
             <a:fld id="{F70A646C-22A8-4D69-ACFD-CD88A31D50DB}" type="datetimeFigureOut">
               <a:rPr lang="en-US" smtClean="0"/>
-              <a:t>4/3/18</a:t>
+              <a:t>4/3/2018</a:t>
             </a:fld>
             <a:endParaRPr lang="en-US"/>
           </a:p>
@@ -999,7 +1001,7 @@
           <a:p>
             <a:fld id="{F70A646C-22A8-4D69-ACFD-CD88A31D50DB}" type="datetimeFigureOut">
               <a:rPr lang="en-US" smtClean="0"/>
-              <a:t>4/3/18</a:t>
+              <a:t>4/3/2018</a:t>
             </a:fld>
             <a:endParaRPr lang="en-US"/>
           </a:p>
@@ -1342,7 +1344,7 @@
           <a:p>
             <a:fld id="{F70A646C-22A8-4D69-ACFD-CD88A31D50DB}" type="datetimeFigureOut">
               <a:rPr lang="en-US" smtClean="0"/>
-              <a:t>4/3/18</a:t>
+              <a:t>4/3/2018</a:t>
             </a:fld>
             <a:endParaRPr lang="en-US"/>
           </a:p>
@@ -1617,7 +1619,7 @@
           <a:p>
             <a:fld id="{F70A646C-22A8-4D69-ACFD-CD88A31D50DB}" type="datetimeFigureOut">
               <a:rPr lang="en-US" smtClean="0"/>
-              <a:t>4/3/18</a:t>
+              <a:t>4/3/2018</a:t>
             </a:fld>
             <a:endParaRPr lang="en-US"/>
           </a:p>
@@ -1996,7 +1998,7 @@
           <a:p>
             <a:fld id="{F70A646C-22A8-4D69-ACFD-CD88A31D50DB}" type="datetimeFigureOut">
               <a:rPr lang="en-US" smtClean="0"/>
-              <a:t>4/3/18</a:t>
+              <a:t>4/3/2018</a:t>
             </a:fld>
             <a:endParaRPr lang="en-US"/>
           </a:p>
@@ -2114,7 +2116,7 @@
           <a:p>
             <a:fld id="{F70A646C-22A8-4D69-ACFD-CD88A31D50DB}" type="datetimeFigureOut">
               <a:rPr lang="en-US" smtClean="0"/>
-              <a:t>4/3/18</a:t>
+              <a:t>4/3/2018</a:t>
             </a:fld>
             <a:endParaRPr lang="en-US"/>
           </a:p>
@@ -2285,7 +2287,7 @@
           <a:p>
             <a:fld id="{F70A646C-22A8-4D69-ACFD-CD88A31D50DB}" type="datetimeFigureOut">
               <a:rPr lang="en-US" smtClean="0"/>
-              <a:t>4/3/18</a:t>
+              <a:t>4/3/2018</a:t>
             </a:fld>
             <a:endParaRPr lang="en-US"/>
           </a:p>
@@ -2639,7 +2641,7 @@
           <a:p>
             <a:fld id="{F70A646C-22A8-4D69-ACFD-CD88A31D50DB}" type="datetimeFigureOut">
               <a:rPr lang="en-US" smtClean="0"/>
-              <a:t>4/3/18</a:t>
+              <a:t>4/3/2018</a:t>
             </a:fld>
             <a:endParaRPr lang="en-US"/>
           </a:p>
@@ -3021,7 +3023,7 @@
           <a:p>
             <a:fld id="{F70A646C-22A8-4D69-ACFD-CD88A31D50DB}" type="datetimeFigureOut">
               <a:rPr lang="en-US" smtClean="0"/>
-              <a:t>4/3/18</a:t>
+              <a:t>4/3/2018</a:t>
             </a:fld>
             <a:endParaRPr lang="en-US"/>
           </a:p>
@@ -3308,7 +3310,7 @@
           <a:p>
             <a:fld id="{F70A646C-22A8-4D69-ACFD-CD88A31D50DB}" type="datetimeFigureOut">
               <a:rPr lang="en-US" smtClean="0"/>
-              <a:t>4/3/18</a:t>
+              <a:t>4/3/2018</a:t>
             </a:fld>
             <a:endParaRPr lang="en-US"/>
           </a:p>
@@ -6380,6 +6382,1618 @@
   <p:clrMapOvr>
     <a:masterClrMapping/>
   </p:clrMapOvr>
+</p:sld>
+</file>
+
+<file path=ppt/slides/slide25.xml><?xml version="1.0" encoding="utf-8"?>
+<p:sld xmlns:a="http://schemas.openxmlformats.org/drawingml/2006/main" xmlns:r="http://schemas.openxmlformats.org/officeDocument/2006/relationships" xmlns:p="http://schemas.openxmlformats.org/presentationml/2006/main">
+  <p:cSld>
+    <p:spTree>
+      <p:nvGrpSpPr>
+        <p:cNvPr id="1" name=""/>
+        <p:cNvGrpSpPr/>
+        <p:nvPr/>
+      </p:nvGrpSpPr>
+      <p:grpSpPr>
+        <a:xfrm>
+          <a:off x="0" y="0"/>
+          <a:ext cx="0" cy="0"/>
+          <a:chOff x="0" y="0"/>
+          <a:chExt cx="0" cy="0"/>
+        </a:xfrm>
+      </p:grpSpPr>
+      <p:sp>
+        <p:nvSpPr>
+          <p:cNvPr id="2" name="Title 1"/>
+          <p:cNvSpPr>
+            <a:spLocks noGrp="1"/>
+          </p:cNvSpPr>
+          <p:nvPr>
+            <p:ph type="title"/>
+          </p:nvPr>
+        </p:nvSpPr>
+        <p:spPr>
+          <a:xfrm>
+            <a:off x="556215" y="329889"/>
+            <a:ext cx="10058400" cy="559870"/>
+          </a:xfrm>
+        </p:spPr>
+        <p:txBody>
+          <a:bodyPr anchor="t">
+            <a:normAutofit/>
+          </a:bodyPr>
+          <a:lstStyle/>
+          <a:p>
+            <a:r>
+              <a:rPr lang="en-US" sz="3200" dirty="0" smtClean="0"/>
+              <a:t>Walk/Bike/Transit Score</a:t>
+            </a:r>
+            <a:endParaRPr lang="en-US" sz="3200" dirty="0"/>
+          </a:p>
+        </p:txBody>
+      </p:sp>
+      <p:sp>
+        <p:nvSpPr>
+          <p:cNvPr id="4" name="Rectangle 3"/>
+          <p:cNvSpPr/>
+          <p:nvPr/>
+        </p:nvSpPr>
+        <p:spPr>
+          <a:xfrm>
+            <a:off x="1029353" y="1358537"/>
+            <a:ext cx="10277856" cy="658368"/>
+          </a:xfrm>
+          <a:prstGeom prst="rect">
+            <a:avLst/>
+          </a:prstGeom>
+          <a:solidFill>
+            <a:schemeClr val="bg1"/>
+          </a:solidFill>
+          <a:ln>
+            <a:noFill/>
+          </a:ln>
+        </p:spPr>
+        <p:style>
+          <a:lnRef idx="2">
+            <a:schemeClr val="accent1">
+              <a:shade val="50000"/>
+            </a:schemeClr>
+          </a:lnRef>
+          <a:fillRef idx="1">
+            <a:schemeClr val="accent1"/>
+          </a:fillRef>
+          <a:effectRef idx="0">
+            <a:schemeClr val="accent1"/>
+          </a:effectRef>
+          <a:fontRef idx="minor">
+            <a:schemeClr val="lt1"/>
+          </a:fontRef>
+        </p:style>
+        <p:txBody>
+          <a:bodyPr rtlCol="0" anchor="ctr"/>
+          <a:lstStyle/>
+          <a:p>
+            <a:pPr algn="ctr"/>
+            <a:endParaRPr lang="en-US"/>
+          </a:p>
+        </p:txBody>
+      </p:sp>
+      <p:sp>
+        <p:nvSpPr>
+          <p:cNvPr id="5" name="Title 1"/>
+          <p:cNvSpPr txBox="1">
+            <a:spLocks/>
+          </p:cNvSpPr>
+          <p:nvPr/>
+        </p:nvSpPr>
+        <p:spPr>
+          <a:xfrm>
+            <a:off x="518160" y="798667"/>
+            <a:ext cx="10058400" cy="559870"/>
+          </a:xfrm>
+          <a:prstGeom prst="rect">
+            <a:avLst/>
+          </a:prstGeom>
+        </p:spPr>
+        <p:txBody>
+          <a:bodyPr vert="horz" lIns="91440" tIns="45720" rIns="91440" bIns="45720" rtlCol="0" anchor="t">
+            <a:normAutofit/>
+          </a:bodyPr>
+          <a:lstStyle>
+            <a:lvl1pPr marL="0" algn="l" defTabSz="914400" rtl="0" eaLnBrk="1" latinLnBrk="0" hangingPunct="1">
+              <a:lnSpc>
+                <a:spcPct val="85000"/>
+              </a:lnSpc>
+              <a:spcBef>
+                <a:spcPct val="0"/>
+              </a:spcBef>
+              <a:buNone/>
+              <a:defRPr sz="4800" kern="1200" spc="-50" baseline="0">
+                <a:solidFill>
+                  <a:schemeClr val="tx1">
+                    <a:lumMod val="75000"/>
+                    <a:lumOff val="25000"/>
+                  </a:schemeClr>
+                </a:solidFill>
+                <a:latin typeface="+mj-lt"/>
+                <a:ea typeface="+mj-ea"/>
+                <a:cs typeface="+mj-cs"/>
+              </a:defRPr>
+            </a:lvl1pPr>
+          </a:lstStyle>
+          <a:p>
+            <a:r>
+              <a:rPr lang="en-US" sz="2400" dirty="0" smtClean="0"/>
+              <a:t>Amazon wants to be less car-dependent</a:t>
+            </a:r>
+            <a:endParaRPr lang="en-US" sz="2400" dirty="0"/>
+          </a:p>
+        </p:txBody>
+      </p:sp>
+      <p:pic>
+        <p:nvPicPr>
+          <p:cNvPr id="7" name="Picture 6"/>
+          <p:cNvPicPr>
+            <a:picLocks noChangeAspect="1"/>
+          </p:cNvPicPr>
+          <p:nvPr/>
+        </p:nvPicPr>
+        <p:blipFill>
+          <a:blip r:embed="rId2">
+            <a:extLst>
+              <a:ext uri="{28A0092B-C50C-407E-A947-70E740481C1C}">
+                <a14:useLocalDpi xmlns:a14="http://schemas.microsoft.com/office/drawing/2010/main" val="0"/>
+              </a:ext>
+            </a:extLst>
+          </a:blip>
+          <a:stretch>
+            <a:fillRect/>
+          </a:stretch>
+        </p:blipFill>
+        <p:spPr>
+          <a:xfrm>
+            <a:off x="1443" y="1537856"/>
+            <a:ext cx="7847247" cy="3923624"/>
+          </a:xfrm>
+          <a:prstGeom prst="rect">
+            <a:avLst/>
+          </a:prstGeom>
+        </p:spPr>
+      </p:pic>
+      <p:sp>
+        <p:nvSpPr>
+          <p:cNvPr id="8" name="TextBox 7"/>
+          <p:cNvSpPr txBox="1"/>
+          <p:nvPr/>
+        </p:nvSpPr>
+        <p:spPr>
+          <a:xfrm>
+            <a:off x="7737231" y="1417311"/>
+            <a:ext cx="4182433" cy="1723549"/>
+          </a:xfrm>
+          <a:prstGeom prst="rect">
+            <a:avLst/>
+          </a:prstGeom>
+          <a:noFill/>
+        </p:spPr>
+        <p:txBody>
+          <a:bodyPr wrap="square" rtlCol="0">
+            <a:spAutoFit/>
+          </a:bodyPr>
+          <a:lstStyle/>
+          <a:p>
+            <a:r>
+              <a:rPr lang="en-US" sz="1400" dirty="0" smtClean="0"/>
+              <a:t>To determine if having a high transit score is favored over walk or bike score or vice versa. The score has been weighted by Amazon current modes of commute </a:t>
+            </a:r>
+          </a:p>
+          <a:p>
+            <a:endParaRPr lang="en-US" sz="1400" dirty="0"/>
+          </a:p>
+          <a:p>
+            <a:r>
+              <a:rPr lang="en-US" sz="1400" dirty="0" smtClean="0"/>
+              <a:t>Current Amazon workforce commute in Seattle split*:</a:t>
+            </a:r>
+          </a:p>
+          <a:p>
+            <a:pPr marL="285750" indent="-285750">
+              <a:buFont typeface="Arial" panose="020B0604020202020204" pitchFamily="34" charset="0"/>
+              <a:buChar char="•"/>
+            </a:pPr>
+            <a:r>
+              <a:rPr lang="en-US" sz="1200" dirty="0" smtClean="0"/>
+              <a:t>20% of workers walk to work</a:t>
+            </a:r>
+          </a:p>
+          <a:p>
+            <a:pPr marL="285750" indent="-285750">
+              <a:buFont typeface="Arial" panose="020B0604020202020204" pitchFamily="34" charset="0"/>
+              <a:buChar char="•"/>
+            </a:pPr>
+            <a:r>
+              <a:rPr lang="en-US" sz="1200" dirty="0"/>
+              <a:t>12% of workers bike to </a:t>
+            </a:r>
+            <a:r>
+              <a:rPr lang="en-US" sz="1200" dirty="0" smtClean="0"/>
+              <a:t>work</a:t>
+            </a:r>
+          </a:p>
+          <a:p>
+            <a:pPr marL="285750" indent="-285750">
+              <a:buFont typeface="Arial" panose="020B0604020202020204" pitchFamily="34" charset="0"/>
+              <a:buChar char="•"/>
+            </a:pPr>
+            <a:r>
+              <a:rPr lang="en-US" sz="1200" dirty="0" smtClean="0"/>
+              <a:t>47% of workers take public transit</a:t>
+            </a:r>
+          </a:p>
+        </p:txBody>
+      </p:sp>
+      <p:sp>
+        <p:nvSpPr>
+          <p:cNvPr id="9" name="TextBox 8"/>
+          <p:cNvSpPr txBox="1"/>
+          <p:nvPr/>
+        </p:nvSpPr>
+        <p:spPr>
+          <a:xfrm>
+            <a:off x="4096764" y="5827760"/>
+            <a:ext cx="8428743" cy="430887"/>
+          </a:xfrm>
+          <a:prstGeom prst="rect">
+            <a:avLst/>
+          </a:prstGeom>
+          <a:noFill/>
+        </p:spPr>
+        <p:txBody>
+          <a:bodyPr wrap="square" rtlCol="0">
+            <a:spAutoFit/>
+          </a:bodyPr>
+          <a:lstStyle/>
+          <a:p>
+            <a:r>
+              <a:rPr lang="en-US" sz="1100" dirty="0"/>
+              <a:t>*Source: </a:t>
+            </a:r>
+            <a:r>
+              <a:rPr lang="en-US" sz="1100" dirty="0">
+                <a:hlinkClick r:id="rId3"/>
+              </a:rPr>
+              <a:t>https://www.seattletimes.com/seattle-news/transportation/as-jobs-grow-in-downtown-seattle-workers-turn-more-to-transit</a:t>
+            </a:r>
+            <a:r>
+              <a:rPr lang="en-US" sz="1100" dirty="0" smtClean="0">
+                <a:hlinkClick r:id="rId3"/>
+              </a:rPr>
+              <a:t>/</a:t>
+            </a:r>
+            <a:endParaRPr lang="en-US" sz="1100" dirty="0" smtClean="0"/>
+          </a:p>
+          <a:p>
+            <a:r>
+              <a:rPr lang="en-US" sz="1100" dirty="0" smtClean="0"/>
+              <a:t>**API source: </a:t>
+            </a:r>
+            <a:r>
+              <a:rPr lang="en-US" sz="1100" dirty="0" err="1" smtClean="0"/>
+              <a:t>Redfin</a:t>
+            </a:r>
+            <a:r>
+              <a:rPr lang="en-US" sz="1100" dirty="0" smtClean="0"/>
+              <a:t> walk, bike, and transit score where higher is better</a:t>
+            </a:r>
+            <a:endParaRPr lang="en-US" sz="1100" dirty="0"/>
+          </a:p>
+        </p:txBody>
+      </p:sp>
+      <p:graphicFrame>
+        <p:nvGraphicFramePr>
+          <p:cNvPr id="11" name="Table 10"/>
+          <p:cNvGraphicFramePr>
+            <a:graphicFrameLocks noGrp="1"/>
+          </p:cNvGraphicFramePr>
+          <p:nvPr>
+            <p:extLst/>
+          </p:nvPr>
+        </p:nvGraphicFramePr>
+        <p:xfrm>
+          <a:off x="7770822" y="3417855"/>
+          <a:ext cx="3715615" cy="739640"/>
+        </p:xfrm>
+        <a:graphic>
+          <a:graphicData uri="http://schemas.openxmlformats.org/drawingml/2006/table">
+            <a:tbl>
+              <a:tblPr firstRow="1" bandRow="1">
+                <a:tableStyleId>{5C22544A-7EE6-4342-B048-85BDC9FD1C3A}</a:tableStyleId>
+              </a:tblPr>
+              <a:tblGrid>
+                <a:gridCol w="1771176">
+                  <a:extLst>
+                    <a:ext uri="{9D8B030D-6E8A-4147-A177-3AD203B41FA5}">
+                      <a16:colId xmlns:a16="http://schemas.microsoft.com/office/drawing/2014/main" val="4067331400"/>
+                    </a:ext>
+                  </a:extLst>
+                </a:gridCol>
+                <a:gridCol w="1944439">
+                  <a:extLst>
+                    <a:ext uri="{9D8B030D-6E8A-4147-A177-3AD203B41FA5}">
+                      <a16:colId xmlns:a16="http://schemas.microsoft.com/office/drawing/2014/main" val="3156773333"/>
+                    </a:ext>
+                  </a:extLst>
+                </a:gridCol>
+              </a:tblGrid>
+              <a:tr h="285958">
+                <a:tc gridSpan="2">
+                  <a:txBody>
+                    <a:bodyPr/>
+                    <a:lstStyle/>
+                    <a:p>
+                      <a:pPr algn="ctr"/>
+                      <a:r>
+                        <a:rPr lang="en-US" dirty="0" smtClean="0"/>
+                        <a:t>New York Top Sites</a:t>
+                      </a:r>
+                      <a:endParaRPr lang="en-US" dirty="0"/>
+                    </a:p>
+                  </a:txBody>
+                  <a:tcPr/>
+                </a:tc>
+                <a:tc hMerge="1">
+                  <a:txBody>
+                    <a:bodyPr/>
+                    <a:lstStyle/>
+                    <a:p>
+                      <a:endParaRPr lang="en-US" dirty="0"/>
+                    </a:p>
+                  </a:txBody>
+                  <a:tcPr/>
+                </a:tc>
+                <a:extLst>
+                  <a:ext uri="{0D108BD9-81ED-4DB2-BD59-A6C34878D82A}">
+                    <a16:rowId xmlns:a16="http://schemas.microsoft.com/office/drawing/2014/main" val="4046490298"/>
+                  </a:ext>
+                </a:extLst>
+              </a:tr>
+              <a:tr h="373880">
+                <a:tc>
+                  <a:txBody>
+                    <a:bodyPr/>
+                    <a:lstStyle/>
+                    <a:p>
+                      <a:pPr algn="ctr"/>
+                      <a:r>
+                        <a:rPr lang="en-US" sz="1400" dirty="0" smtClean="0"/>
+                        <a:t>Hudson Yards</a:t>
+                      </a:r>
+                      <a:endParaRPr lang="en-US" sz="1400" dirty="0"/>
+                    </a:p>
+                  </a:txBody>
+                  <a:tcPr anchor="ctr"/>
+                </a:tc>
+                <a:tc>
+                  <a:txBody>
+                    <a:bodyPr/>
+                    <a:lstStyle/>
+                    <a:p>
+                      <a:pPr marL="0" marR="0" lvl="0" indent="0" algn="ctr" defTabSz="914400" rtl="0" eaLnBrk="1" fontAlgn="auto" latinLnBrk="0" hangingPunct="1">
+                        <a:lnSpc>
+                          <a:spcPct val="100000"/>
+                        </a:lnSpc>
+                        <a:spcBef>
+                          <a:spcPts val="0"/>
+                        </a:spcBef>
+                        <a:spcAft>
+                          <a:spcPts val="0"/>
+                        </a:spcAft>
+                        <a:buClrTx/>
+                        <a:buSzTx/>
+                        <a:buFontTx/>
+                        <a:buNone/>
+                        <a:tabLst/>
+                        <a:defRPr/>
+                      </a:pPr>
+                      <a:r>
+                        <a:rPr lang="en-US" sz="1400" dirty="0" smtClean="0"/>
+                        <a:t>Brooklyn</a:t>
+                      </a:r>
+                      <a:r>
+                        <a:rPr lang="en-US" sz="1400" baseline="0" dirty="0" smtClean="0"/>
+                        <a:t> Tech Triangles</a:t>
+                      </a:r>
+                      <a:endParaRPr lang="en-US" sz="1400" dirty="0" smtClean="0"/>
+                    </a:p>
+                  </a:txBody>
+                  <a:tcPr anchor="ctr"/>
+                </a:tc>
+                <a:extLst>
+                  <a:ext uri="{0D108BD9-81ED-4DB2-BD59-A6C34878D82A}">
+                    <a16:rowId xmlns:a16="http://schemas.microsoft.com/office/drawing/2014/main" val="954046064"/>
+                  </a:ext>
+                </a:extLst>
+              </a:tr>
+            </a:tbl>
+          </a:graphicData>
+        </a:graphic>
+      </p:graphicFrame>
+      <p:sp>
+        <p:nvSpPr>
+          <p:cNvPr id="14" name="TextBox 13"/>
+          <p:cNvSpPr txBox="1"/>
+          <p:nvPr/>
+        </p:nvSpPr>
+        <p:spPr>
+          <a:xfrm>
+            <a:off x="7226300" y="4365063"/>
+            <a:ext cx="4965700" cy="307777"/>
+          </a:xfrm>
+          <a:prstGeom prst="rect">
+            <a:avLst/>
+          </a:prstGeom>
+          <a:noFill/>
+        </p:spPr>
+        <p:txBody>
+          <a:bodyPr wrap="square" rtlCol="0">
+            <a:spAutoFit/>
+          </a:bodyPr>
+          <a:lstStyle/>
+          <a:p>
+            <a:r>
+              <a:rPr lang="en-US" sz="1400" b="1" dirty="0" err="1" smtClean="0">
+                <a:solidFill>
+                  <a:srgbClr val="C00000"/>
+                </a:solidFill>
+              </a:rPr>
+              <a:t>Redfin</a:t>
+            </a:r>
+            <a:r>
+              <a:rPr lang="en-US" sz="1400" dirty="0" smtClean="0"/>
+              <a:t> (API source of the scores) categories these top NY sites as</a:t>
+            </a:r>
+            <a:endParaRPr lang="en-US" sz="1200" dirty="0" smtClean="0"/>
+          </a:p>
+        </p:txBody>
+      </p:sp>
+      <p:sp>
+        <p:nvSpPr>
+          <p:cNvPr id="15" name="TextBox 14"/>
+          <p:cNvSpPr txBox="1"/>
+          <p:nvPr/>
+        </p:nvSpPr>
+        <p:spPr>
+          <a:xfrm>
+            <a:off x="7531101" y="4722816"/>
+            <a:ext cx="4274414" cy="738664"/>
+          </a:xfrm>
+          <a:prstGeom prst="rect">
+            <a:avLst/>
+          </a:prstGeom>
+          <a:noFill/>
+        </p:spPr>
+        <p:txBody>
+          <a:bodyPr wrap="square" rtlCol="0">
+            <a:spAutoFit/>
+          </a:bodyPr>
+          <a:lstStyle/>
+          <a:p>
+            <a:pPr algn="ctr"/>
+            <a:r>
+              <a:rPr lang="en-US" sz="1400" dirty="0" smtClean="0"/>
+              <a:t>Walker’s Paradise (Daily errands do not require a car)</a:t>
+            </a:r>
+          </a:p>
+          <a:p>
+            <a:pPr algn="ctr"/>
+            <a:r>
+              <a:rPr lang="en-US" sz="1400" dirty="0" smtClean="0"/>
+              <a:t>Rider’s Paradise (World-class public transportation)</a:t>
+            </a:r>
+          </a:p>
+          <a:p>
+            <a:pPr algn="ctr"/>
+            <a:r>
+              <a:rPr lang="en-US" sz="1400" dirty="0"/>
+              <a:t>V</a:t>
+            </a:r>
+            <a:r>
+              <a:rPr lang="en-US" sz="1400" dirty="0" smtClean="0"/>
+              <a:t>ery </a:t>
+            </a:r>
+            <a:r>
+              <a:rPr lang="en-US" sz="1400" dirty="0" err="1" smtClean="0"/>
+              <a:t>Bikeable</a:t>
+            </a:r>
+            <a:r>
+              <a:rPr lang="en-US" sz="1400" dirty="0" smtClean="0"/>
+              <a:t> (Biking is convenient for most trips)</a:t>
+            </a:r>
+            <a:endParaRPr lang="en-US" sz="1200" dirty="0" smtClean="0"/>
+          </a:p>
+        </p:txBody>
+      </p:sp>
+      <p:sp>
+        <p:nvSpPr>
+          <p:cNvPr id="16" name="Rectangle 15"/>
+          <p:cNvSpPr/>
+          <p:nvPr/>
+        </p:nvSpPr>
+        <p:spPr>
+          <a:xfrm>
+            <a:off x="330050" y="4609875"/>
+            <a:ext cx="6730849" cy="346281"/>
+          </a:xfrm>
+          <a:prstGeom prst="rect">
+            <a:avLst/>
+          </a:prstGeom>
+          <a:noFill/>
+        </p:spPr>
+        <p:style>
+          <a:lnRef idx="2">
+            <a:schemeClr val="accent1">
+              <a:shade val="50000"/>
+            </a:schemeClr>
+          </a:lnRef>
+          <a:fillRef idx="1">
+            <a:schemeClr val="accent1"/>
+          </a:fillRef>
+          <a:effectRef idx="0">
+            <a:schemeClr val="accent1"/>
+          </a:effectRef>
+          <a:fontRef idx="minor">
+            <a:schemeClr val="lt1"/>
+          </a:fontRef>
+        </p:style>
+        <p:txBody>
+          <a:bodyPr rtlCol="0" anchor="ctr"/>
+          <a:lstStyle/>
+          <a:p>
+            <a:pPr algn="ctr"/>
+            <a:endParaRPr lang="en-US"/>
+          </a:p>
+        </p:txBody>
+      </p:sp>
+    </p:spTree>
+    <p:extLst>
+      <p:ext uri="{BB962C8B-B14F-4D97-AF65-F5344CB8AC3E}">
+        <p14:creationId xmlns:p14="http://schemas.microsoft.com/office/powerpoint/2010/main" val="2298330909"/>
+      </p:ext>
+    </p:extLst>
+  </p:cSld>
+  <p:clrMapOvr>
+    <a:masterClrMapping/>
+  </p:clrMapOvr>
+  <p:timing>
+    <p:tnLst>
+      <p:par>
+        <p:cTn id="1" dur="indefinite" restart="never" nodeType="tmRoot"/>
+      </p:par>
+    </p:tnLst>
+  </p:timing>
+</p:sld>
+</file>
+
+<file path=ppt/slides/slide26.xml><?xml version="1.0" encoding="utf-8"?>
+<p:sld xmlns:a="http://schemas.openxmlformats.org/drawingml/2006/main" xmlns:r="http://schemas.openxmlformats.org/officeDocument/2006/relationships" xmlns:p="http://schemas.openxmlformats.org/presentationml/2006/main">
+  <p:cSld>
+    <p:spTree>
+      <p:nvGrpSpPr>
+        <p:cNvPr id="1" name=""/>
+        <p:cNvGrpSpPr/>
+        <p:nvPr/>
+      </p:nvGrpSpPr>
+      <p:grpSpPr>
+        <a:xfrm>
+          <a:off x="0" y="0"/>
+          <a:ext cx="0" cy="0"/>
+          <a:chOff x="0" y="0"/>
+          <a:chExt cx="0" cy="0"/>
+        </a:xfrm>
+      </p:grpSpPr>
+      <p:sp>
+        <p:nvSpPr>
+          <p:cNvPr id="2" name="Title 1"/>
+          <p:cNvSpPr>
+            <a:spLocks noGrp="1"/>
+          </p:cNvSpPr>
+          <p:nvPr>
+            <p:ph type="title"/>
+          </p:nvPr>
+        </p:nvSpPr>
+        <p:spPr>
+          <a:xfrm>
+            <a:off x="556215" y="329889"/>
+            <a:ext cx="10058400" cy="559870"/>
+          </a:xfrm>
+        </p:spPr>
+        <p:txBody>
+          <a:bodyPr anchor="t">
+            <a:normAutofit/>
+          </a:bodyPr>
+          <a:lstStyle/>
+          <a:p>
+            <a:r>
+              <a:rPr lang="en-US" sz="3200" dirty="0" smtClean="0"/>
+              <a:t>Airport Score</a:t>
+            </a:r>
+            <a:endParaRPr lang="en-US" sz="3200" dirty="0"/>
+          </a:p>
+        </p:txBody>
+      </p:sp>
+      <p:sp>
+        <p:nvSpPr>
+          <p:cNvPr id="4" name="Rectangle 3"/>
+          <p:cNvSpPr/>
+          <p:nvPr/>
+        </p:nvSpPr>
+        <p:spPr>
+          <a:xfrm>
+            <a:off x="1072500" y="1521506"/>
+            <a:ext cx="10277856" cy="658368"/>
+          </a:xfrm>
+          <a:prstGeom prst="rect">
+            <a:avLst/>
+          </a:prstGeom>
+          <a:solidFill>
+            <a:schemeClr val="bg1"/>
+          </a:solidFill>
+          <a:ln>
+            <a:noFill/>
+          </a:ln>
+        </p:spPr>
+        <p:style>
+          <a:lnRef idx="2">
+            <a:schemeClr val="accent1">
+              <a:shade val="50000"/>
+            </a:schemeClr>
+          </a:lnRef>
+          <a:fillRef idx="1">
+            <a:schemeClr val="accent1"/>
+          </a:fillRef>
+          <a:effectRef idx="0">
+            <a:schemeClr val="accent1"/>
+          </a:effectRef>
+          <a:fontRef idx="minor">
+            <a:schemeClr val="lt1"/>
+          </a:fontRef>
+        </p:style>
+        <p:txBody>
+          <a:bodyPr rtlCol="0" anchor="ctr"/>
+          <a:lstStyle/>
+          <a:p>
+            <a:pPr algn="ctr"/>
+            <a:endParaRPr lang="en-US"/>
+          </a:p>
+        </p:txBody>
+      </p:sp>
+      <p:sp>
+        <p:nvSpPr>
+          <p:cNvPr id="5" name="Title 1"/>
+          <p:cNvSpPr txBox="1">
+            <a:spLocks/>
+          </p:cNvSpPr>
+          <p:nvPr/>
+        </p:nvSpPr>
+        <p:spPr>
+          <a:xfrm>
+            <a:off x="507339" y="766910"/>
+            <a:ext cx="10058400" cy="559870"/>
+          </a:xfrm>
+          <a:prstGeom prst="rect">
+            <a:avLst/>
+          </a:prstGeom>
+        </p:spPr>
+        <p:txBody>
+          <a:bodyPr vert="horz" lIns="91440" tIns="45720" rIns="91440" bIns="45720" rtlCol="0" anchor="t">
+            <a:normAutofit/>
+          </a:bodyPr>
+          <a:lstStyle>
+            <a:lvl1pPr marL="0" algn="l" defTabSz="914400" rtl="0" eaLnBrk="1" latinLnBrk="0" hangingPunct="1">
+              <a:lnSpc>
+                <a:spcPct val="85000"/>
+              </a:lnSpc>
+              <a:spcBef>
+                <a:spcPct val="0"/>
+              </a:spcBef>
+              <a:buNone/>
+              <a:defRPr sz="4800" kern="1200" spc="-50" baseline="0">
+                <a:solidFill>
+                  <a:schemeClr val="tx1">
+                    <a:lumMod val="75000"/>
+                    <a:lumOff val="25000"/>
+                  </a:schemeClr>
+                </a:solidFill>
+                <a:latin typeface="+mj-lt"/>
+                <a:ea typeface="+mj-ea"/>
+                <a:cs typeface="+mj-cs"/>
+              </a:defRPr>
+            </a:lvl1pPr>
+          </a:lstStyle>
+          <a:p>
+            <a:r>
+              <a:rPr lang="en-US" sz="2400" dirty="0" smtClean="0"/>
+              <a:t>Amazon wants HQ2  to have airport access to major cities</a:t>
+            </a:r>
+            <a:endParaRPr lang="en-US" sz="2400" dirty="0"/>
+          </a:p>
+        </p:txBody>
+      </p:sp>
+      <p:sp>
+        <p:nvSpPr>
+          <p:cNvPr id="8" name="TextBox 7"/>
+          <p:cNvSpPr txBox="1"/>
+          <p:nvPr/>
+        </p:nvSpPr>
+        <p:spPr>
+          <a:xfrm>
+            <a:off x="1411194" y="4843598"/>
+            <a:ext cx="4403744" cy="738664"/>
+          </a:xfrm>
+          <a:prstGeom prst="rect">
+            <a:avLst/>
+          </a:prstGeom>
+          <a:noFill/>
+        </p:spPr>
+        <p:txBody>
+          <a:bodyPr wrap="square" rtlCol="0">
+            <a:spAutoFit/>
+          </a:bodyPr>
+          <a:lstStyle/>
+          <a:p>
+            <a:pPr algn="ctr"/>
+            <a:r>
+              <a:rPr lang="en-US" sz="1400" dirty="0" smtClean="0"/>
+              <a:t>Number of airports were determined if airports were within 30 miles of the sites’ address.</a:t>
+            </a:r>
+          </a:p>
+          <a:p>
+            <a:pPr algn="ctr"/>
+            <a:r>
+              <a:rPr lang="en-US" sz="1400" dirty="0" smtClean="0">
+                <a:solidFill>
+                  <a:schemeClr val="accent1"/>
+                </a:solidFill>
+              </a:rPr>
+              <a:t> Note: </a:t>
+            </a:r>
+            <a:r>
+              <a:rPr lang="en-US" sz="1400" dirty="0" smtClean="0"/>
+              <a:t>This is ranking is biased towards larger area cities.</a:t>
+            </a:r>
+            <a:endParaRPr lang="en-US" sz="1200" dirty="0" smtClean="0"/>
+          </a:p>
+        </p:txBody>
+      </p:sp>
+      <p:graphicFrame>
+        <p:nvGraphicFramePr>
+          <p:cNvPr id="3" name="Table 2"/>
+          <p:cNvGraphicFramePr>
+            <a:graphicFrameLocks noGrp="1"/>
+          </p:cNvGraphicFramePr>
+          <p:nvPr>
+            <p:extLst/>
+          </p:nvPr>
+        </p:nvGraphicFramePr>
+        <p:xfrm>
+          <a:off x="951219" y="1612415"/>
+          <a:ext cx="5165469" cy="2956560"/>
+        </p:xfrm>
+        <a:graphic>
+          <a:graphicData uri="http://schemas.openxmlformats.org/drawingml/2006/table">
+            <a:tbl>
+              <a:tblPr firstRow="1" bandRow="1">
+                <a:tableStyleId>{5C22544A-7EE6-4342-B048-85BDC9FD1C3A}</a:tableStyleId>
+              </a:tblPr>
+              <a:tblGrid>
+                <a:gridCol w="878444">
+                  <a:extLst>
+                    <a:ext uri="{9D8B030D-6E8A-4147-A177-3AD203B41FA5}">
+                      <a16:colId xmlns:a16="http://schemas.microsoft.com/office/drawing/2014/main" val="4143949516"/>
+                    </a:ext>
+                  </a:extLst>
+                </a:gridCol>
+                <a:gridCol w="1520397">
+                  <a:extLst>
+                    <a:ext uri="{9D8B030D-6E8A-4147-A177-3AD203B41FA5}">
+                      <a16:colId xmlns:a16="http://schemas.microsoft.com/office/drawing/2014/main" val="3327193464"/>
+                    </a:ext>
+                  </a:extLst>
+                </a:gridCol>
+                <a:gridCol w="1047517">
+                  <a:extLst>
+                    <a:ext uri="{9D8B030D-6E8A-4147-A177-3AD203B41FA5}">
+                      <a16:colId xmlns:a16="http://schemas.microsoft.com/office/drawing/2014/main" val="3451023623"/>
+                    </a:ext>
+                  </a:extLst>
+                </a:gridCol>
+                <a:gridCol w="1719111">
+                  <a:extLst>
+                    <a:ext uri="{9D8B030D-6E8A-4147-A177-3AD203B41FA5}">
+                      <a16:colId xmlns:a16="http://schemas.microsoft.com/office/drawing/2014/main" val="3571354259"/>
+                    </a:ext>
+                  </a:extLst>
+                </a:gridCol>
+              </a:tblGrid>
+              <a:tr h="452937">
+                <a:tc>
+                  <a:txBody>
+                    <a:bodyPr/>
+                    <a:lstStyle/>
+                    <a:p>
+                      <a:pPr algn="ctr"/>
+                      <a:r>
+                        <a:rPr lang="en-US" sz="1400" dirty="0" smtClean="0"/>
+                        <a:t>Ranking</a:t>
+                      </a:r>
+                      <a:endParaRPr lang="en-US" sz="1400" dirty="0"/>
+                    </a:p>
+                  </a:txBody>
+                  <a:tcPr anchor="ctr"/>
+                </a:tc>
+                <a:tc>
+                  <a:txBody>
+                    <a:bodyPr/>
+                    <a:lstStyle/>
+                    <a:p>
+                      <a:pPr algn="ctr"/>
+                      <a:r>
+                        <a:rPr lang="en-US" sz="1400" dirty="0" smtClean="0"/>
+                        <a:t>Cities</a:t>
+                      </a:r>
+                      <a:endParaRPr lang="en-US" sz="1400" dirty="0"/>
+                    </a:p>
+                  </a:txBody>
+                  <a:tcPr anchor="ctr"/>
+                </a:tc>
+                <a:tc>
+                  <a:txBody>
+                    <a:bodyPr/>
+                    <a:lstStyle/>
+                    <a:p>
+                      <a:pPr algn="ctr"/>
+                      <a:r>
+                        <a:rPr lang="en-US" sz="1400" dirty="0" smtClean="0"/>
+                        <a:t># of Airports</a:t>
+                      </a:r>
+                      <a:endParaRPr lang="en-US" sz="1400" dirty="0"/>
+                    </a:p>
+                  </a:txBody>
+                  <a:tcPr anchor="ctr"/>
+                </a:tc>
+                <a:tc>
+                  <a:txBody>
+                    <a:bodyPr/>
+                    <a:lstStyle/>
+                    <a:p>
+                      <a:pPr algn="ctr"/>
+                      <a:r>
+                        <a:rPr lang="en-US" sz="1400" dirty="0" smtClean="0"/>
+                        <a:t># of International</a:t>
+                      </a:r>
+                      <a:r>
+                        <a:rPr lang="en-US" sz="1400" baseline="0" dirty="0" smtClean="0"/>
+                        <a:t> Airports</a:t>
+                      </a:r>
+                      <a:endParaRPr lang="en-US" sz="1400" dirty="0"/>
+                    </a:p>
+                  </a:txBody>
+                  <a:tcPr anchor="ctr"/>
+                </a:tc>
+                <a:extLst>
+                  <a:ext uri="{0D108BD9-81ED-4DB2-BD59-A6C34878D82A}">
+                    <a16:rowId xmlns:a16="http://schemas.microsoft.com/office/drawing/2014/main" val="1534975520"/>
+                  </a:ext>
+                </a:extLst>
+              </a:tr>
+              <a:tr h="299183">
+                <a:tc>
+                  <a:txBody>
+                    <a:bodyPr/>
+                    <a:lstStyle/>
+                    <a:p>
+                      <a:pPr algn="ctr"/>
+                      <a:r>
+                        <a:rPr lang="en-US" sz="1400" dirty="0" smtClean="0"/>
+                        <a:t>1</a:t>
+                      </a:r>
+                      <a:endParaRPr lang="en-US" sz="1400" dirty="0"/>
+                    </a:p>
+                  </a:txBody>
+                  <a:tcPr/>
+                </a:tc>
+                <a:tc>
+                  <a:txBody>
+                    <a:bodyPr/>
+                    <a:lstStyle/>
+                    <a:p>
+                      <a:r>
+                        <a:rPr lang="en-US" sz="1400" dirty="0" smtClean="0"/>
+                        <a:t>Los Angeles</a:t>
+                      </a:r>
+                      <a:endParaRPr lang="en-US" sz="1400" dirty="0"/>
+                    </a:p>
+                  </a:txBody>
+                  <a:tcPr/>
+                </a:tc>
+                <a:tc>
+                  <a:txBody>
+                    <a:bodyPr/>
+                    <a:lstStyle/>
+                    <a:p>
+                      <a:pPr algn="ctr"/>
+                      <a:r>
+                        <a:rPr lang="en-US" sz="1400" dirty="0" smtClean="0"/>
+                        <a:t>20</a:t>
+                      </a:r>
+                      <a:endParaRPr lang="en-US" sz="1400" dirty="0"/>
+                    </a:p>
+                  </a:txBody>
+                  <a:tcPr/>
+                </a:tc>
+                <a:tc>
+                  <a:txBody>
+                    <a:bodyPr/>
+                    <a:lstStyle/>
+                    <a:p>
+                      <a:pPr algn="ctr"/>
+                      <a:r>
+                        <a:rPr lang="en-US" sz="1400" dirty="0" smtClean="0"/>
+                        <a:t>3</a:t>
+                      </a:r>
+                      <a:endParaRPr lang="en-US" sz="1400" dirty="0"/>
+                    </a:p>
+                  </a:txBody>
+                  <a:tcPr/>
+                </a:tc>
+                <a:extLst>
+                  <a:ext uri="{0D108BD9-81ED-4DB2-BD59-A6C34878D82A}">
+                    <a16:rowId xmlns:a16="http://schemas.microsoft.com/office/drawing/2014/main" val="2499987424"/>
+                  </a:ext>
+                </a:extLst>
+              </a:tr>
+              <a:tr h="299183">
+                <a:tc>
+                  <a:txBody>
+                    <a:bodyPr/>
+                    <a:lstStyle/>
+                    <a:p>
+                      <a:pPr algn="ctr"/>
+                      <a:r>
+                        <a:rPr lang="en-US" sz="1400" dirty="0" smtClean="0"/>
+                        <a:t>2</a:t>
+                      </a:r>
+                      <a:endParaRPr lang="en-US" sz="1400" dirty="0"/>
+                    </a:p>
+                  </a:txBody>
+                  <a:tcPr/>
+                </a:tc>
+                <a:tc>
+                  <a:txBody>
+                    <a:bodyPr/>
+                    <a:lstStyle/>
+                    <a:p>
+                      <a:r>
+                        <a:rPr lang="en-US" sz="1400" dirty="0" smtClean="0"/>
+                        <a:t>Chicago</a:t>
+                      </a:r>
+                    </a:p>
+                  </a:txBody>
+                  <a:tcPr/>
+                </a:tc>
+                <a:tc>
+                  <a:txBody>
+                    <a:bodyPr/>
+                    <a:lstStyle/>
+                    <a:p>
+                      <a:pPr algn="ctr"/>
+                      <a:r>
+                        <a:rPr lang="en-US" sz="1400" dirty="0" smtClean="0"/>
+                        <a:t>10</a:t>
+                      </a:r>
+                      <a:endParaRPr lang="en-US" sz="1400" dirty="0"/>
+                    </a:p>
+                  </a:txBody>
+                  <a:tcPr/>
+                </a:tc>
+                <a:tc>
+                  <a:txBody>
+                    <a:bodyPr/>
+                    <a:lstStyle/>
+                    <a:p>
+                      <a:pPr algn="ctr"/>
+                      <a:r>
+                        <a:rPr lang="en-US" sz="1400" dirty="0" smtClean="0"/>
+                        <a:t>3</a:t>
+                      </a:r>
+                      <a:endParaRPr lang="en-US" sz="1400" dirty="0"/>
+                    </a:p>
+                  </a:txBody>
+                  <a:tcPr/>
+                </a:tc>
+                <a:extLst>
+                  <a:ext uri="{0D108BD9-81ED-4DB2-BD59-A6C34878D82A}">
+                    <a16:rowId xmlns:a16="http://schemas.microsoft.com/office/drawing/2014/main" val="1789749396"/>
+                  </a:ext>
+                </a:extLst>
+              </a:tr>
+              <a:tr h="299183">
+                <a:tc>
+                  <a:txBody>
+                    <a:bodyPr/>
+                    <a:lstStyle/>
+                    <a:p>
+                      <a:pPr algn="ctr"/>
+                      <a:r>
+                        <a:rPr lang="en-US" sz="1400" dirty="0" smtClean="0"/>
+                        <a:t>3</a:t>
+                      </a:r>
+                      <a:endParaRPr lang="en-US" sz="1400" dirty="0"/>
+                    </a:p>
+                  </a:txBody>
+                  <a:tcPr/>
+                </a:tc>
+                <a:tc>
+                  <a:txBody>
+                    <a:bodyPr/>
+                    <a:lstStyle/>
+                    <a:p>
+                      <a:r>
+                        <a:rPr lang="en-US" sz="1400" dirty="0" smtClean="0"/>
+                        <a:t>Atlanta</a:t>
+                      </a:r>
+                      <a:endParaRPr lang="en-US" sz="1400" dirty="0"/>
+                    </a:p>
+                  </a:txBody>
+                  <a:tcPr/>
+                </a:tc>
+                <a:tc>
+                  <a:txBody>
+                    <a:bodyPr/>
+                    <a:lstStyle/>
+                    <a:p>
+                      <a:pPr algn="ctr"/>
+                      <a:r>
+                        <a:rPr lang="en-US" sz="1400" dirty="0" smtClean="0"/>
+                        <a:t>10</a:t>
+                      </a:r>
+                      <a:endParaRPr lang="en-US" sz="1400" dirty="0"/>
+                    </a:p>
+                  </a:txBody>
+                  <a:tcPr/>
+                </a:tc>
+                <a:tc>
+                  <a:txBody>
+                    <a:bodyPr/>
+                    <a:lstStyle/>
+                    <a:p>
+                      <a:pPr algn="ctr"/>
+                      <a:r>
+                        <a:rPr lang="en-US" sz="1400" dirty="0" smtClean="0"/>
+                        <a:t>2</a:t>
+                      </a:r>
+                      <a:endParaRPr lang="en-US" sz="1400" dirty="0"/>
+                    </a:p>
+                  </a:txBody>
+                  <a:tcPr/>
+                </a:tc>
+                <a:extLst>
+                  <a:ext uri="{0D108BD9-81ED-4DB2-BD59-A6C34878D82A}">
+                    <a16:rowId xmlns:a16="http://schemas.microsoft.com/office/drawing/2014/main" val="2123373371"/>
+                  </a:ext>
+                </a:extLst>
+              </a:tr>
+              <a:tr h="299183">
+                <a:tc>
+                  <a:txBody>
+                    <a:bodyPr/>
+                    <a:lstStyle/>
+                    <a:p>
+                      <a:pPr algn="ctr"/>
+                      <a:r>
+                        <a:rPr lang="en-US" sz="1400" dirty="0" smtClean="0"/>
+                        <a:t>3</a:t>
+                      </a:r>
+                      <a:endParaRPr lang="en-US" sz="1400" dirty="0"/>
+                    </a:p>
+                  </a:txBody>
+                  <a:tcPr/>
+                </a:tc>
+                <a:tc>
+                  <a:txBody>
+                    <a:bodyPr/>
+                    <a:lstStyle/>
+                    <a:p>
+                      <a:r>
+                        <a:rPr lang="en-US" sz="1400" dirty="0" smtClean="0"/>
+                        <a:t>New York</a:t>
+                      </a:r>
+                      <a:endParaRPr lang="en-US" sz="1400" dirty="0"/>
+                    </a:p>
+                  </a:txBody>
+                  <a:tcPr/>
+                </a:tc>
+                <a:tc>
+                  <a:txBody>
+                    <a:bodyPr/>
+                    <a:lstStyle/>
+                    <a:p>
+                      <a:pPr algn="ctr"/>
+                      <a:r>
+                        <a:rPr lang="en-US" sz="1400" dirty="0" smtClean="0"/>
+                        <a:t>10</a:t>
+                      </a:r>
+                      <a:endParaRPr lang="en-US" sz="1400" dirty="0"/>
+                    </a:p>
+                  </a:txBody>
+                  <a:tcPr/>
+                </a:tc>
+                <a:tc>
+                  <a:txBody>
+                    <a:bodyPr/>
+                    <a:lstStyle/>
+                    <a:p>
+                      <a:pPr algn="ctr"/>
+                      <a:r>
+                        <a:rPr lang="en-US" sz="1400" dirty="0" smtClean="0"/>
+                        <a:t>2</a:t>
+                      </a:r>
+                      <a:endParaRPr lang="en-US" sz="1400" dirty="0"/>
+                    </a:p>
+                  </a:txBody>
+                  <a:tcPr/>
+                </a:tc>
+                <a:extLst>
+                  <a:ext uri="{0D108BD9-81ED-4DB2-BD59-A6C34878D82A}">
+                    <a16:rowId xmlns:a16="http://schemas.microsoft.com/office/drawing/2014/main" val="2639894629"/>
+                  </a:ext>
+                </a:extLst>
+              </a:tr>
+              <a:tr h="299183">
+                <a:tc>
+                  <a:txBody>
+                    <a:bodyPr/>
+                    <a:lstStyle/>
+                    <a:p>
+                      <a:pPr algn="ctr"/>
+                      <a:r>
+                        <a:rPr lang="en-US" sz="1400" dirty="0" smtClean="0"/>
+                        <a:t>4</a:t>
+                      </a:r>
+                      <a:endParaRPr lang="en-US" sz="1400" dirty="0"/>
+                    </a:p>
+                  </a:txBody>
+                  <a:tcPr/>
+                </a:tc>
+                <a:tc>
+                  <a:txBody>
+                    <a:bodyPr/>
+                    <a:lstStyle/>
+                    <a:p>
+                      <a:r>
+                        <a:rPr lang="en-US" sz="1400" dirty="0" smtClean="0"/>
+                        <a:t>Washington DC</a:t>
+                      </a:r>
+                    </a:p>
+                  </a:txBody>
+                  <a:tcPr/>
+                </a:tc>
+                <a:tc>
+                  <a:txBody>
+                    <a:bodyPr/>
+                    <a:lstStyle/>
+                    <a:p>
+                      <a:pPr algn="ctr"/>
+                      <a:r>
+                        <a:rPr lang="en-US" sz="1400" dirty="0" smtClean="0"/>
+                        <a:t>9</a:t>
+                      </a:r>
+                      <a:endParaRPr lang="en-US" sz="1400" dirty="0"/>
+                    </a:p>
+                  </a:txBody>
+                  <a:tcPr/>
+                </a:tc>
+                <a:tc>
+                  <a:txBody>
+                    <a:bodyPr/>
+                    <a:lstStyle/>
+                    <a:p>
+                      <a:pPr algn="ctr"/>
+                      <a:r>
+                        <a:rPr lang="en-US" sz="1400" dirty="0" smtClean="0"/>
+                        <a:t>2</a:t>
+                      </a:r>
+                      <a:endParaRPr lang="en-US" sz="1400" dirty="0"/>
+                    </a:p>
+                  </a:txBody>
+                  <a:tcPr/>
+                </a:tc>
+                <a:extLst>
+                  <a:ext uri="{0D108BD9-81ED-4DB2-BD59-A6C34878D82A}">
+                    <a16:rowId xmlns:a16="http://schemas.microsoft.com/office/drawing/2014/main" val="963085724"/>
+                  </a:ext>
+                </a:extLst>
+              </a:tr>
+              <a:tr h="299183">
+                <a:tc>
+                  <a:txBody>
+                    <a:bodyPr/>
+                    <a:lstStyle/>
+                    <a:p>
+                      <a:pPr algn="ctr"/>
+                      <a:r>
+                        <a:rPr lang="en-US" sz="1400" dirty="0" smtClean="0"/>
+                        <a:t>5</a:t>
+                      </a:r>
+                      <a:endParaRPr lang="en-US" sz="1400" dirty="0"/>
+                    </a:p>
+                  </a:txBody>
+                  <a:tcPr/>
+                </a:tc>
+                <a:tc>
+                  <a:txBody>
+                    <a:bodyPr/>
+                    <a:lstStyle/>
+                    <a:p>
+                      <a:r>
+                        <a:rPr lang="en-US" sz="1400" dirty="0" smtClean="0"/>
+                        <a:t>Austin</a:t>
+                      </a:r>
+                      <a:endParaRPr lang="en-US" sz="1400" dirty="0"/>
+                    </a:p>
+                  </a:txBody>
+                  <a:tcPr/>
+                </a:tc>
+                <a:tc>
+                  <a:txBody>
+                    <a:bodyPr/>
+                    <a:lstStyle/>
+                    <a:p>
+                      <a:pPr algn="ctr"/>
+                      <a:r>
+                        <a:rPr lang="en-US" sz="1400" dirty="0" smtClean="0"/>
+                        <a:t>9</a:t>
+                      </a:r>
+                      <a:endParaRPr lang="en-US" sz="1400" dirty="0"/>
+                    </a:p>
+                  </a:txBody>
+                  <a:tcPr/>
+                </a:tc>
+                <a:tc>
+                  <a:txBody>
+                    <a:bodyPr/>
+                    <a:lstStyle/>
+                    <a:p>
+                      <a:pPr algn="ctr"/>
+                      <a:r>
+                        <a:rPr lang="en-US" sz="1400" dirty="0" smtClean="0"/>
+                        <a:t>1</a:t>
+                      </a:r>
+                      <a:endParaRPr lang="en-US" sz="1400" dirty="0"/>
+                    </a:p>
+                  </a:txBody>
+                  <a:tcPr/>
+                </a:tc>
+                <a:extLst>
+                  <a:ext uri="{0D108BD9-81ED-4DB2-BD59-A6C34878D82A}">
+                    <a16:rowId xmlns:a16="http://schemas.microsoft.com/office/drawing/2014/main" val="310786069"/>
+                  </a:ext>
+                </a:extLst>
+              </a:tr>
+              <a:tr h="299183">
+                <a:tc>
+                  <a:txBody>
+                    <a:bodyPr/>
+                    <a:lstStyle/>
+                    <a:p>
+                      <a:pPr algn="ctr"/>
+                      <a:r>
+                        <a:rPr lang="en-US" sz="1400" dirty="0" smtClean="0"/>
+                        <a:t>6</a:t>
+                      </a:r>
+                      <a:endParaRPr lang="en-US" sz="1400" dirty="0"/>
+                    </a:p>
+                  </a:txBody>
+                  <a:tcPr/>
+                </a:tc>
+                <a:tc>
+                  <a:txBody>
+                    <a:bodyPr/>
+                    <a:lstStyle/>
+                    <a:p>
+                      <a:r>
+                        <a:rPr lang="en-US" sz="1400" dirty="0" smtClean="0"/>
+                        <a:t>Raleigh</a:t>
+                      </a:r>
+                      <a:endParaRPr lang="en-US" sz="1400" dirty="0"/>
+                    </a:p>
+                  </a:txBody>
+                  <a:tcPr/>
+                </a:tc>
+                <a:tc>
+                  <a:txBody>
+                    <a:bodyPr/>
+                    <a:lstStyle/>
+                    <a:p>
+                      <a:pPr algn="ctr"/>
+                      <a:r>
+                        <a:rPr lang="en-US" sz="1400" dirty="0" smtClean="0"/>
+                        <a:t>6</a:t>
+                      </a:r>
+                      <a:endParaRPr lang="en-US" sz="1400" dirty="0"/>
+                    </a:p>
+                  </a:txBody>
+                  <a:tcPr/>
+                </a:tc>
+                <a:tc>
+                  <a:txBody>
+                    <a:bodyPr/>
+                    <a:lstStyle/>
+                    <a:p>
+                      <a:pPr algn="ctr"/>
+                      <a:r>
+                        <a:rPr lang="en-US" sz="1400" dirty="0" smtClean="0"/>
+                        <a:t>1</a:t>
+                      </a:r>
+                      <a:endParaRPr lang="en-US" sz="1400" dirty="0"/>
+                    </a:p>
+                  </a:txBody>
+                  <a:tcPr/>
+                </a:tc>
+                <a:extLst>
+                  <a:ext uri="{0D108BD9-81ED-4DB2-BD59-A6C34878D82A}">
+                    <a16:rowId xmlns:a16="http://schemas.microsoft.com/office/drawing/2014/main" val="4218796556"/>
+                  </a:ext>
+                </a:extLst>
+              </a:tr>
+              <a:tr h="299183">
+                <a:tc>
+                  <a:txBody>
+                    <a:bodyPr/>
+                    <a:lstStyle/>
+                    <a:p>
+                      <a:pPr algn="ctr"/>
+                      <a:r>
+                        <a:rPr lang="en-US" sz="1400" dirty="0" smtClean="0"/>
+                        <a:t>7</a:t>
+                      </a:r>
+                      <a:endParaRPr lang="en-US" sz="1400" dirty="0"/>
+                    </a:p>
+                  </a:txBody>
+                  <a:tcPr/>
+                </a:tc>
+                <a:tc>
+                  <a:txBody>
+                    <a:bodyPr/>
+                    <a:lstStyle/>
+                    <a:p>
+                      <a:r>
+                        <a:rPr lang="en-US" sz="1400" dirty="0" smtClean="0"/>
+                        <a:t>Boston</a:t>
+                      </a:r>
+                      <a:endParaRPr lang="en-US" sz="1400" dirty="0"/>
+                    </a:p>
+                  </a:txBody>
+                  <a:tcPr/>
+                </a:tc>
+                <a:tc>
+                  <a:txBody>
+                    <a:bodyPr/>
+                    <a:lstStyle/>
+                    <a:p>
+                      <a:pPr algn="ctr"/>
+                      <a:r>
+                        <a:rPr lang="en-US" sz="1400" dirty="0" smtClean="0"/>
+                        <a:t>5</a:t>
+                      </a:r>
+                      <a:endParaRPr lang="en-US" sz="1400" dirty="0"/>
+                    </a:p>
+                  </a:txBody>
+                  <a:tcPr/>
+                </a:tc>
+                <a:tc>
+                  <a:txBody>
+                    <a:bodyPr/>
+                    <a:lstStyle/>
+                    <a:p>
+                      <a:pPr algn="ctr"/>
+                      <a:r>
+                        <a:rPr lang="en-US" sz="1400" dirty="0" smtClean="0"/>
+                        <a:t>1</a:t>
+                      </a:r>
+                      <a:endParaRPr lang="en-US" sz="1400" dirty="0"/>
+                    </a:p>
+                  </a:txBody>
+                  <a:tcPr/>
+                </a:tc>
+                <a:extLst>
+                  <a:ext uri="{0D108BD9-81ED-4DB2-BD59-A6C34878D82A}">
+                    <a16:rowId xmlns:a16="http://schemas.microsoft.com/office/drawing/2014/main" val="3223454234"/>
+                  </a:ext>
+                </a:extLst>
+              </a:tr>
+            </a:tbl>
+          </a:graphicData>
+        </a:graphic>
+      </p:graphicFrame>
+      <p:sp>
+        <p:nvSpPr>
+          <p:cNvPr id="12" name="Rectangle 11"/>
+          <p:cNvSpPr/>
+          <p:nvPr/>
+        </p:nvSpPr>
+        <p:spPr>
+          <a:xfrm>
+            <a:off x="819662" y="2117190"/>
+            <a:ext cx="5389008" cy="346281"/>
+          </a:xfrm>
+          <a:prstGeom prst="rect">
+            <a:avLst/>
+          </a:prstGeom>
+          <a:noFill/>
+        </p:spPr>
+        <p:style>
+          <a:lnRef idx="2">
+            <a:schemeClr val="accent1">
+              <a:shade val="50000"/>
+            </a:schemeClr>
+          </a:lnRef>
+          <a:fillRef idx="1">
+            <a:schemeClr val="accent1"/>
+          </a:fillRef>
+          <a:effectRef idx="0">
+            <a:schemeClr val="accent1"/>
+          </a:effectRef>
+          <a:fontRef idx="minor">
+            <a:schemeClr val="lt1"/>
+          </a:fontRef>
+        </p:style>
+        <p:txBody>
+          <a:bodyPr rtlCol="0" anchor="ctr"/>
+          <a:lstStyle/>
+          <a:p>
+            <a:pPr algn="ctr"/>
+            <a:endParaRPr lang="en-US"/>
+          </a:p>
+        </p:txBody>
+      </p:sp>
+      <p:pic>
+        <p:nvPicPr>
+          <p:cNvPr id="6" name="Picture 5"/>
+          <p:cNvPicPr>
+            <a:picLocks noChangeAspect="1"/>
+          </p:cNvPicPr>
+          <p:nvPr/>
+        </p:nvPicPr>
+        <p:blipFill>
+          <a:blip r:embed="rId2"/>
+          <a:stretch>
+            <a:fillRect/>
+          </a:stretch>
+        </p:blipFill>
+        <p:spPr>
+          <a:xfrm>
+            <a:off x="7288201" y="1612415"/>
+            <a:ext cx="3474721" cy="1930115"/>
+          </a:xfrm>
+          <a:prstGeom prst="rect">
+            <a:avLst/>
+          </a:prstGeom>
+          <a:ln>
+            <a:solidFill>
+              <a:schemeClr val="tx1"/>
+            </a:solidFill>
+          </a:ln>
+        </p:spPr>
+      </p:pic>
+      <p:sp>
+        <p:nvSpPr>
+          <p:cNvPr id="16" name="TextBox 15"/>
+          <p:cNvSpPr txBox="1"/>
+          <p:nvPr/>
+        </p:nvSpPr>
+        <p:spPr>
+          <a:xfrm>
+            <a:off x="6579490" y="1270255"/>
+            <a:ext cx="4892147" cy="307777"/>
+          </a:xfrm>
+          <a:prstGeom prst="rect">
+            <a:avLst/>
+          </a:prstGeom>
+          <a:noFill/>
+        </p:spPr>
+        <p:txBody>
+          <a:bodyPr wrap="square" rtlCol="0">
+            <a:spAutoFit/>
+          </a:bodyPr>
+          <a:lstStyle/>
+          <a:p>
+            <a:pPr algn="ctr"/>
+            <a:r>
+              <a:rPr lang="en-US" sz="1400" dirty="0" smtClean="0"/>
+              <a:t>Los Angeles : 66 miles between 2 furthest international airport</a:t>
+            </a:r>
+            <a:endParaRPr lang="en-US" sz="1200" dirty="0" smtClean="0"/>
+          </a:p>
+        </p:txBody>
+      </p:sp>
+      <p:pic>
+        <p:nvPicPr>
+          <p:cNvPr id="10" name="Picture 9"/>
+          <p:cNvPicPr>
+            <a:picLocks noChangeAspect="1"/>
+          </p:cNvPicPr>
+          <p:nvPr/>
+        </p:nvPicPr>
+        <p:blipFill>
+          <a:blip r:embed="rId3"/>
+          <a:stretch>
+            <a:fillRect/>
+          </a:stretch>
+        </p:blipFill>
+        <p:spPr>
+          <a:xfrm>
+            <a:off x="8075853" y="4189089"/>
+            <a:ext cx="1899415" cy="1763354"/>
+          </a:xfrm>
+          <a:prstGeom prst="rect">
+            <a:avLst/>
+          </a:prstGeom>
+          <a:ln>
+            <a:solidFill>
+              <a:schemeClr val="tx1"/>
+            </a:solidFill>
+          </a:ln>
+        </p:spPr>
+      </p:pic>
+      <p:sp>
+        <p:nvSpPr>
+          <p:cNvPr id="17" name="TextBox 16"/>
+          <p:cNvSpPr txBox="1"/>
+          <p:nvPr/>
+        </p:nvSpPr>
+        <p:spPr>
+          <a:xfrm>
+            <a:off x="6579490" y="3881312"/>
+            <a:ext cx="4892147" cy="307777"/>
+          </a:xfrm>
+          <a:prstGeom prst="rect">
+            <a:avLst/>
+          </a:prstGeom>
+          <a:noFill/>
+        </p:spPr>
+        <p:txBody>
+          <a:bodyPr wrap="square" rtlCol="0">
+            <a:spAutoFit/>
+          </a:bodyPr>
+          <a:lstStyle/>
+          <a:p>
+            <a:pPr algn="ctr"/>
+            <a:r>
+              <a:rPr lang="en-US" sz="1400" dirty="0" smtClean="0"/>
+              <a:t>Chicago: 24 miles between 2 furthest international airport</a:t>
+            </a:r>
+            <a:endParaRPr lang="en-US" sz="1200" dirty="0" smtClean="0"/>
+          </a:p>
+        </p:txBody>
+      </p:sp>
+    </p:spTree>
+    <p:extLst>
+      <p:ext uri="{BB962C8B-B14F-4D97-AF65-F5344CB8AC3E}">
+        <p14:creationId xmlns:p14="http://schemas.microsoft.com/office/powerpoint/2010/main" val="1010536128"/>
+      </p:ext>
+    </p:extLst>
+  </p:cSld>
+  <p:clrMapOvr>
+    <a:masterClrMapping/>
+  </p:clrMapOvr>
+  <p:timing>
+    <p:tnLst>
+      <p:par>
+        <p:cTn id="1" dur="indefinite" restart="never" nodeType="tmRoot"/>
+      </p:par>
+    </p:tnLst>
+  </p:timing>
 </p:sld>
 </file>
 

--- a/Project1_Presentation.pptx
+++ b/Project1_Presentation.pptx
@@ -31,6 +31,7 @@
     <p:sldId id="286" r:id="rId25"/>
     <p:sldId id="289" r:id="rId26"/>
     <p:sldId id="290" r:id="rId27"/>
+    <p:sldId id="291" r:id="rId28"/>
   </p:sldIdLst>
   <p:sldSz cx="12192000" cy="6858000"/>
   <p:notesSz cx="6858000" cy="9144000"/>
@@ -363,7 +364,7 @@
           <a:p>
             <a:fld id="{F70A646C-22A8-4D69-ACFD-CD88A31D50DB}" type="datetimeFigureOut">
               <a:rPr lang="en-US" smtClean="0"/>
-              <a:t>4/3/2018</a:t>
+              <a:t>4/3/18</a:t>
             </a:fld>
             <a:endParaRPr lang="en-US"/>
           </a:p>
@@ -571,7 +572,7 @@
           <a:p>
             <a:fld id="{F70A646C-22A8-4D69-ACFD-CD88A31D50DB}" type="datetimeFigureOut">
               <a:rPr lang="en-US" smtClean="0"/>
-              <a:t>4/3/2018</a:t>
+              <a:t>4/3/18</a:t>
             </a:fld>
             <a:endParaRPr lang="en-US"/>
           </a:p>
@@ -827,7 +828,7 @@
           <a:p>
             <a:fld id="{F70A646C-22A8-4D69-ACFD-CD88A31D50DB}" type="datetimeFigureOut">
               <a:rPr lang="en-US" smtClean="0"/>
-              <a:t>4/3/2018</a:t>
+              <a:t>4/3/18</a:t>
             </a:fld>
             <a:endParaRPr lang="en-US"/>
           </a:p>
@@ -1001,7 +1002,7 @@
           <a:p>
             <a:fld id="{F70A646C-22A8-4D69-ACFD-CD88A31D50DB}" type="datetimeFigureOut">
               <a:rPr lang="en-US" smtClean="0"/>
-              <a:t>4/3/2018</a:t>
+              <a:t>4/3/18</a:t>
             </a:fld>
             <a:endParaRPr lang="en-US"/>
           </a:p>
@@ -1344,7 +1345,7 @@
           <a:p>
             <a:fld id="{F70A646C-22A8-4D69-ACFD-CD88A31D50DB}" type="datetimeFigureOut">
               <a:rPr lang="en-US" smtClean="0"/>
-              <a:t>4/3/2018</a:t>
+              <a:t>4/3/18</a:t>
             </a:fld>
             <a:endParaRPr lang="en-US"/>
           </a:p>
@@ -1619,7 +1620,7 @@
           <a:p>
             <a:fld id="{F70A646C-22A8-4D69-ACFD-CD88A31D50DB}" type="datetimeFigureOut">
               <a:rPr lang="en-US" smtClean="0"/>
-              <a:t>4/3/2018</a:t>
+              <a:t>4/3/18</a:t>
             </a:fld>
             <a:endParaRPr lang="en-US"/>
           </a:p>
@@ -1998,7 +1999,7 @@
           <a:p>
             <a:fld id="{F70A646C-22A8-4D69-ACFD-CD88A31D50DB}" type="datetimeFigureOut">
               <a:rPr lang="en-US" smtClean="0"/>
-              <a:t>4/3/2018</a:t>
+              <a:t>4/3/18</a:t>
             </a:fld>
             <a:endParaRPr lang="en-US"/>
           </a:p>
@@ -2116,7 +2117,7 @@
           <a:p>
             <a:fld id="{F70A646C-22A8-4D69-ACFD-CD88A31D50DB}" type="datetimeFigureOut">
               <a:rPr lang="en-US" smtClean="0"/>
-              <a:t>4/3/2018</a:t>
+              <a:t>4/3/18</a:t>
             </a:fld>
             <a:endParaRPr lang="en-US"/>
           </a:p>
@@ -2287,7 +2288,7 @@
           <a:p>
             <a:fld id="{F70A646C-22A8-4D69-ACFD-CD88A31D50DB}" type="datetimeFigureOut">
               <a:rPr lang="en-US" smtClean="0"/>
-              <a:t>4/3/2018</a:t>
+              <a:t>4/3/18</a:t>
             </a:fld>
             <a:endParaRPr lang="en-US"/>
           </a:p>
@@ -2641,7 +2642,7 @@
           <a:p>
             <a:fld id="{F70A646C-22A8-4D69-ACFD-CD88A31D50DB}" type="datetimeFigureOut">
               <a:rPr lang="en-US" smtClean="0"/>
-              <a:t>4/3/2018</a:t>
+              <a:t>4/3/18</a:t>
             </a:fld>
             <a:endParaRPr lang="en-US"/>
           </a:p>
@@ -3023,7 +3024,7 @@
           <a:p>
             <a:fld id="{F70A646C-22A8-4D69-ACFD-CD88A31D50DB}" type="datetimeFigureOut">
               <a:rPr lang="en-US" smtClean="0"/>
-              <a:t>4/3/2018</a:t>
+              <a:t>4/3/18</a:t>
             </a:fld>
             <a:endParaRPr lang="en-US"/>
           </a:p>
@@ -3310,7 +3311,7 @@
           <a:p>
             <a:fld id="{F70A646C-22A8-4D69-ACFD-CD88A31D50DB}" type="datetimeFigureOut">
               <a:rPr lang="en-US" smtClean="0"/>
-              <a:t>4/3/2018</a:t>
+              <a:t>4/3/18</a:t>
             </a:fld>
             <a:endParaRPr lang="en-US"/>
           </a:p>
@@ -6425,10 +6426,9 @@
           <a:lstStyle/>
           <a:p>
             <a:r>
-              <a:rPr lang="en-US" sz="3200" dirty="0" smtClean="0"/>
+              <a:rPr lang="en-US" sz="3200" dirty="0"/>
               <a:t>Walk/Bike/Transit Score</a:t>
             </a:r>
-            <a:endParaRPr lang="en-US" sz="3200" dirty="0"/>
           </a:p>
         </p:txBody>
       </p:sp>
@@ -6523,10 +6523,9 @@
           </a:lstStyle>
           <a:p>
             <a:r>
-              <a:rPr lang="en-US" sz="2400" dirty="0" smtClean="0"/>
+              <a:rPr lang="en-US" sz="2400" dirty="0"/>
               <a:t>Amazon wants to be less car-dependent</a:t>
             </a:r>
-            <a:endParaRPr lang="en-US" sz="2400" dirty="0"/>
           </a:p>
         </p:txBody>
       </p:sp>
@@ -6583,7 +6582,7 @@
           <a:lstStyle/>
           <a:p>
             <a:r>
-              <a:rPr lang="en-US" sz="1400" dirty="0" smtClean="0"/>
+              <a:rPr lang="en-US" sz="1400" dirty="0"/>
               <a:t>To determine if having a high transit score is favored over walk or bike score or vice versa. The score has been weighted by Amazon current modes of commute </a:t>
             </a:r>
           </a:p>
@@ -6592,7 +6591,7 @@
           </a:p>
           <a:p>
             <a:r>
-              <a:rPr lang="en-US" sz="1400" dirty="0" smtClean="0"/>
+              <a:rPr lang="en-US" sz="1400" dirty="0"/>
               <a:t>Current Amazon workforce commute in Seattle split*:</a:t>
             </a:r>
           </a:p>
@@ -6602,7 +6601,7 @@
               <a:buChar char="•"/>
             </a:pPr>
             <a:r>
-              <a:rPr lang="en-US" sz="1200" dirty="0" smtClean="0"/>
+              <a:rPr lang="en-US" sz="1200" dirty="0"/>
               <a:t>20% of workers walk to work</a:t>
             </a:r>
           </a:p>
@@ -6613,11 +6612,7 @@
             </a:pPr>
             <a:r>
               <a:rPr lang="en-US" sz="1200" dirty="0"/>
-              <a:t>12% of workers bike to </a:t>
-            </a:r>
-            <a:r>
-              <a:rPr lang="en-US" sz="1200" dirty="0" smtClean="0"/>
-              <a:t>work</a:t>
+              <a:t>12% of workers bike to work</a:t>
             </a:r>
           </a:p>
           <a:p>
@@ -6626,7 +6621,7 @@
               <a:buChar char="•"/>
             </a:pPr>
             <a:r>
-              <a:rPr lang="en-US" sz="1200" dirty="0" smtClean="0"/>
+              <a:rPr lang="en-US" sz="1200" dirty="0"/>
               <a:t>47% of workers take public transit</a:t>
             </a:r>
           </a:p>
@@ -6662,30 +6657,23 @@
               <a:rPr lang="en-US" sz="1100" dirty="0">
                 <a:hlinkClick r:id="rId3"/>
               </a:rPr>
-              <a:t>https://www.seattletimes.com/seattle-news/transportation/as-jobs-grow-in-downtown-seattle-workers-turn-more-to-transit</a:t>
-            </a:r>
-            <a:r>
-              <a:rPr lang="en-US" sz="1100" dirty="0" smtClean="0">
-                <a:hlinkClick r:id="rId3"/>
-              </a:rPr>
-              <a:t>/</a:t>
-            </a:r>
-            <a:endParaRPr lang="en-US" sz="1100" dirty="0" smtClean="0"/>
-          </a:p>
-          <a:p>
-            <a:r>
-              <a:rPr lang="en-US" sz="1100" dirty="0" smtClean="0"/>
+              <a:t>https://www.seattletimes.com/seattle-news/transportation/as-jobs-grow-in-downtown-seattle-workers-turn-more-to-transit/</a:t>
+            </a:r>
+            <a:endParaRPr lang="en-US" sz="1100" dirty="0"/>
+          </a:p>
+          <a:p>
+            <a:r>
+              <a:rPr lang="en-US" sz="1100" dirty="0"/>
               <a:t>**API source: </a:t>
             </a:r>
             <a:r>
-              <a:rPr lang="en-US" sz="1100" dirty="0" err="1" smtClean="0"/>
+              <a:rPr lang="en-US" sz="1100" dirty="0" err="1"/>
               <a:t>Redfin</a:t>
             </a:r>
             <a:r>
-              <a:rPr lang="en-US" sz="1100" dirty="0" smtClean="0"/>
+              <a:rPr lang="en-US" sz="1100" dirty="0"/>
               <a:t> walk, bike, and transit score where higher is better</a:t>
             </a:r>
-            <a:endParaRPr lang="en-US" sz="1100" dirty="0"/>
           </a:p>
         </p:txBody>
       </p:sp>
@@ -6733,10 +6721,9 @@
                     <a:p>
                       <a:pPr algn="ctr"/>
                       <a:r>
-                        <a:rPr lang="en-US" dirty="0" smtClean="0"/>
+                        <a:rPr lang="en-US" dirty="0"/>
                         <a:t>New York Top Sites</a:t>
                       </a:r>
-                      <a:endParaRPr lang="en-US" dirty="0"/>
                     </a:p>
                   </a:txBody>
                   <a:tcPr/>
@@ -6765,10 +6752,9 @@
                     <a:p>
                       <a:pPr algn="ctr"/>
                       <a:r>
-                        <a:rPr lang="en-US" sz="1400" dirty="0" smtClean="0"/>
+                        <a:rPr lang="en-US" sz="1400" dirty="0"/>
                         <a:t>Hudson Yards</a:t>
                       </a:r>
-                      <a:endParaRPr lang="en-US" sz="1400" dirty="0"/>
                     </a:p>
                   </a:txBody>
                   <a:tcPr anchor="ctr"/>
@@ -6796,14 +6782,14 @@
                         <a:defRPr/>
                       </a:pPr>
                       <a:r>
-                        <a:rPr lang="en-US" sz="1400" dirty="0" smtClean="0"/>
+                        <a:rPr lang="en-US" sz="1400" dirty="0"/>
                         <a:t>Brooklyn</a:t>
                       </a:r>
                       <a:r>
-                        <a:rPr lang="en-US" sz="1400" baseline="0" dirty="0" smtClean="0"/>
+                        <a:rPr lang="en-US" sz="1400" baseline="0" dirty="0"/>
                         <a:t> Tech Triangles</a:t>
                       </a:r>
-                      <a:endParaRPr lang="en-US" sz="1400" dirty="0" smtClean="0"/>
+                      <a:endParaRPr lang="en-US" sz="1400" dirty="0"/>
                     </a:p>
                   </a:txBody>
                   <a:tcPr anchor="ctr"/>
@@ -6841,7 +6827,7 @@
           <a:lstStyle/>
           <a:p>
             <a:r>
-              <a:rPr lang="en-US" sz="1400" b="1" dirty="0" err="1" smtClean="0">
+              <a:rPr lang="en-US" sz="1400" b="1" dirty="0" err="1">
                 <a:solidFill>
                   <a:srgbClr val="C00000"/>
                 </a:solidFill>
@@ -6849,10 +6835,10 @@
               <a:t>Redfin</a:t>
             </a:r>
             <a:r>
-              <a:rPr lang="en-US" sz="1400" dirty="0" smtClean="0"/>
+              <a:rPr lang="en-US" sz="1400" dirty="0"/>
               <a:t> (API source of the scores) categories these top NY sites as</a:t>
             </a:r>
-            <a:endParaRPr lang="en-US" sz="1200" dirty="0" smtClean="0"/>
+            <a:endParaRPr lang="en-US" sz="1200" dirty="0"/>
           </a:p>
         </p:txBody>
       </p:sp>
@@ -6880,14 +6866,14 @@
           <a:p>
             <a:pPr algn="ctr"/>
             <a:r>
-              <a:rPr lang="en-US" sz="1400" dirty="0" smtClean="0"/>
+              <a:rPr lang="en-US" sz="1400" dirty="0"/>
               <a:t>Walker’s Paradise (Daily errands do not require a car)</a:t>
             </a:r>
           </a:p>
           <a:p>
             <a:pPr algn="ctr"/>
             <a:r>
-              <a:rPr lang="en-US" sz="1400" dirty="0" smtClean="0"/>
+              <a:rPr lang="en-US" sz="1400" dirty="0"/>
               <a:t>Rider’s Paradise (World-class public transportation)</a:t>
             </a:r>
           </a:p>
@@ -6895,21 +6881,17 @@
             <a:pPr algn="ctr"/>
             <a:r>
               <a:rPr lang="en-US" sz="1400" dirty="0"/>
-              <a:t>V</a:t>
-            </a:r>
-            <a:r>
-              <a:rPr lang="en-US" sz="1400" dirty="0" smtClean="0"/>
-              <a:t>ery </a:t>
-            </a:r>
-            <a:r>
-              <a:rPr lang="en-US" sz="1400" dirty="0" err="1" smtClean="0"/>
+              <a:t>Very </a:t>
+            </a:r>
+            <a:r>
+              <a:rPr lang="en-US" sz="1400" dirty="0" err="1"/>
               <a:t>Bikeable</a:t>
             </a:r>
             <a:r>
-              <a:rPr lang="en-US" sz="1400" dirty="0" smtClean="0"/>
+              <a:rPr lang="en-US" sz="1400" dirty="0"/>
               <a:t> (Biking is convenient for most trips)</a:t>
             </a:r>
-            <a:endParaRPr lang="en-US" sz="1200" dirty="0" smtClean="0"/>
+            <a:endParaRPr lang="en-US" sz="1200" dirty="0"/>
           </a:p>
         </p:txBody>
       </p:sp>
@@ -6964,13 +6946,6 @@
   <p:clrMapOvr>
     <a:masterClrMapping/>
   </p:clrMapOvr>
-  <p:timing>
-    <p:tnLst>
-      <p:par>
-        <p:cTn id="1" dur="indefinite" restart="never" nodeType="tmRoot"/>
-      </p:par>
-    </p:tnLst>
-  </p:timing>
 </p:sld>
 </file>
 
@@ -7014,10 +6989,9 @@
           <a:lstStyle/>
           <a:p>
             <a:r>
-              <a:rPr lang="en-US" sz="3200" dirty="0" smtClean="0"/>
+              <a:rPr lang="en-US" sz="3200" dirty="0"/>
               <a:t>Airport Score</a:t>
             </a:r>
-            <a:endParaRPr lang="en-US" sz="3200" dirty="0"/>
           </a:p>
         </p:txBody>
       </p:sp>
@@ -7112,10 +7086,9 @@
           </a:lstStyle>
           <a:p>
             <a:r>
-              <a:rPr lang="en-US" sz="2400" dirty="0" smtClean="0"/>
+              <a:rPr lang="en-US" sz="2400" dirty="0"/>
               <a:t>Amazon wants HQ2  to have airport access to major cities</a:t>
             </a:r>
-            <a:endParaRPr lang="en-US" sz="2400" dirty="0"/>
           </a:p>
         </p:txBody>
       </p:sp>
@@ -7143,14 +7116,14 @@
           <a:p>
             <a:pPr algn="ctr"/>
             <a:r>
-              <a:rPr lang="en-US" sz="1400" dirty="0" smtClean="0"/>
+              <a:rPr lang="en-US" sz="1400" dirty="0"/>
               <a:t>Number of airports were determined if airports were within 30 miles of the sites’ address.</a:t>
             </a:r>
           </a:p>
           <a:p>
             <a:pPr algn="ctr"/>
             <a:r>
-              <a:rPr lang="en-US" sz="1400" dirty="0" smtClean="0">
+              <a:rPr lang="en-US" sz="1400" dirty="0">
                 <a:solidFill>
                   <a:schemeClr val="accent1"/>
                 </a:solidFill>
@@ -7158,10 +7131,10 @@
               <a:t> Note: </a:t>
             </a:r>
             <a:r>
-              <a:rPr lang="en-US" sz="1400" dirty="0" smtClean="0"/>
+              <a:rPr lang="en-US" sz="1400" dirty="0"/>
               <a:t>This is ranking is biased towards larger area cities.</a:t>
             </a:r>
-            <a:endParaRPr lang="en-US" sz="1200" dirty="0" smtClean="0"/>
+            <a:endParaRPr lang="en-US" sz="1200" dirty="0"/>
           </a:p>
         </p:txBody>
       </p:sp>
@@ -7223,10 +7196,9 @@
                     <a:p>
                       <a:pPr algn="ctr"/>
                       <a:r>
-                        <a:rPr lang="en-US" sz="1400" dirty="0" smtClean="0"/>
+                        <a:rPr lang="en-US" sz="1400" dirty="0"/>
                         <a:t>Ranking</a:t>
                       </a:r>
-                      <a:endParaRPr lang="en-US" sz="1400" dirty="0"/>
                     </a:p>
                   </a:txBody>
                   <a:tcPr anchor="ctr"/>
@@ -7238,10 +7210,9 @@
                     <a:p>
                       <a:pPr algn="ctr"/>
                       <a:r>
-                        <a:rPr lang="en-US" sz="1400" dirty="0" smtClean="0"/>
+                        <a:rPr lang="en-US" sz="1400" dirty="0"/>
                         <a:t>Cities</a:t>
                       </a:r>
-                      <a:endParaRPr lang="en-US" sz="1400" dirty="0"/>
                     </a:p>
                   </a:txBody>
                   <a:tcPr anchor="ctr"/>
@@ -7253,10 +7224,9 @@
                     <a:p>
                       <a:pPr algn="ctr"/>
                       <a:r>
-                        <a:rPr lang="en-US" sz="1400" dirty="0" smtClean="0"/>
+                        <a:rPr lang="en-US" sz="1400" dirty="0"/>
                         <a:t># of Airports</a:t>
                       </a:r>
-                      <a:endParaRPr lang="en-US" sz="1400" dirty="0"/>
                     </a:p>
                   </a:txBody>
                   <a:tcPr anchor="ctr"/>
@@ -7268,11 +7238,11 @@
                     <a:p>
                       <a:pPr algn="ctr"/>
                       <a:r>
-                        <a:rPr lang="en-US" sz="1400" dirty="0" smtClean="0"/>
+                        <a:rPr lang="en-US" sz="1400" dirty="0"/>
                         <a:t># of International</a:t>
                       </a:r>
                       <a:r>
-                        <a:rPr lang="en-US" sz="1400" baseline="0" dirty="0" smtClean="0"/>
+                        <a:rPr lang="en-US" sz="1400" baseline="0" dirty="0"/>
                         <a:t> Airports</a:t>
                       </a:r>
                       <a:endParaRPr lang="en-US" sz="1400" dirty="0"/>
@@ -7294,10 +7264,9 @@
                     <a:p>
                       <a:pPr algn="ctr"/>
                       <a:r>
-                        <a:rPr lang="en-US" sz="1400" dirty="0" smtClean="0"/>
+                        <a:rPr lang="en-US" sz="1400" dirty="0"/>
                         <a:t>1</a:t>
                       </a:r>
-                      <a:endParaRPr lang="en-US" sz="1400" dirty="0"/>
                     </a:p>
                   </a:txBody>
                   <a:tcPr/>
@@ -7308,10 +7277,9 @@
                     <a:lstStyle/>
                     <a:p>
                       <a:r>
-                        <a:rPr lang="en-US" sz="1400" dirty="0" smtClean="0"/>
+                        <a:rPr lang="en-US" sz="1400" dirty="0"/>
                         <a:t>Los Angeles</a:t>
                       </a:r>
-                      <a:endParaRPr lang="en-US" sz="1400" dirty="0"/>
                     </a:p>
                   </a:txBody>
                   <a:tcPr/>
@@ -7323,10 +7291,9 @@
                     <a:p>
                       <a:pPr algn="ctr"/>
                       <a:r>
-                        <a:rPr lang="en-US" sz="1400" dirty="0" smtClean="0"/>
+                        <a:rPr lang="en-US" sz="1400" dirty="0"/>
                         <a:t>20</a:t>
                       </a:r>
-                      <a:endParaRPr lang="en-US" sz="1400" dirty="0"/>
                     </a:p>
                   </a:txBody>
                   <a:tcPr/>
@@ -7338,10 +7305,9 @@
                     <a:p>
                       <a:pPr algn="ctr"/>
                       <a:r>
-                        <a:rPr lang="en-US" sz="1400" dirty="0" smtClean="0"/>
+                        <a:rPr lang="en-US" sz="1400" dirty="0"/>
                         <a:t>3</a:t>
                       </a:r>
-                      <a:endParaRPr lang="en-US" sz="1400" dirty="0"/>
                     </a:p>
                   </a:txBody>
                   <a:tcPr/>
@@ -7360,10 +7326,9 @@
                     <a:p>
                       <a:pPr algn="ctr"/>
                       <a:r>
-                        <a:rPr lang="en-US" sz="1400" dirty="0" smtClean="0"/>
+                        <a:rPr lang="en-US" sz="1400" dirty="0"/>
                         <a:t>2</a:t>
                       </a:r>
-                      <a:endParaRPr lang="en-US" sz="1400" dirty="0"/>
                     </a:p>
                   </a:txBody>
                   <a:tcPr/>
@@ -7374,7 +7339,7 @@
                     <a:lstStyle/>
                     <a:p>
                       <a:r>
-                        <a:rPr lang="en-US" sz="1400" dirty="0" smtClean="0"/>
+                        <a:rPr lang="en-US" sz="1400" dirty="0"/>
                         <a:t>Chicago</a:t>
                       </a:r>
                     </a:p>
@@ -7388,10 +7353,9 @@
                     <a:p>
                       <a:pPr algn="ctr"/>
                       <a:r>
-                        <a:rPr lang="en-US" sz="1400" dirty="0" smtClean="0"/>
+                        <a:rPr lang="en-US" sz="1400" dirty="0"/>
                         <a:t>10</a:t>
                       </a:r>
-                      <a:endParaRPr lang="en-US" sz="1400" dirty="0"/>
                     </a:p>
                   </a:txBody>
                   <a:tcPr/>
@@ -7403,10 +7367,9 @@
                     <a:p>
                       <a:pPr algn="ctr"/>
                       <a:r>
-                        <a:rPr lang="en-US" sz="1400" dirty="0" smtClean="0"/>
+                        <a:rPr lang="en-US" sz="1400" dirty="0"/>
                         <a:t>3</a:t>
                       </a:r>
-                      <a:endParaRPr lang="en-US" sz="1400" dirty="0"/>
                     </a:p>
                   </a:txBody>
                   <a:tcPr/>
@@ -7425,10 +7388,9 @@
                     <a:p>
                       <a:pPr algn="ctr"/>
                       <a:r>
-                        <a:rPr lang="en-US" sz="1400" dirty="0" smtClean="0"/>
+                        <a:rPr lang="en-US" sz="1400" dirty="0"/>
                         <a:t>3</a:t>
                       </a:r>
-                      <a:endParaRPr lang="en-US" sz="1400" dirty="0"/>
                     </a:p>
                   </a:txBody>
                   <a:tcPr/>
@@ -7439,10 +7401,9 @@
                     <a:lstStyle/>
                     <a:p>
                       <a:r>
-                        <a:rPr lang="en-US" sz="1400" dirty="0" smtClean="0"/>
+                        <a:rPr lang="en-US" sz="1400" dirty="0"/>
                         <a:t>Atlanta</a:t>
                       </a:r>
-                      <a:endParaRPr lang="en-US" sz="1400" dirty="0"/>
                     </a:p>
                   </a:txBody>
                   <a:tcPr/>
@@ -7454,10 +7415,9 @@
                     <a:p>
                       <a:pPr algn="ctr"/>
                       <a:r>
-                        <a:rPr lang="en-US" sz="1400" dirty="0" smtClean="0"/>
+                        <a:rPr lang="en-US" sz="1400" dirty="0"/>
                         <a:t>10</a:t>
                       </a:r>
-                      <a:endParaRPr lang="en-US" sz="1400" dirty="0"/>
                     </a:p>
                   </a:txBody>
                   <a:tcPr/>
@@ -7469,10 +7429,9 @@
                     <a:p>
                       <a:pPr algn="ctr"/>
                       <a:r>
-                        <a:rPr lang="en-US" sz="1400" dirty="0" smtClean="0"/>
+                        <a:rPr lang="en-US" sz="1400" dirty="0"/>
                         <a:t>2</a:t>
                       </a:r>
-                      <a:endParaRPr lang="en-US" sz="1400" dirty="0"/>
                     </a:p>
                   </a:txBody>
                   <a:tcPr/>
@@ -7491,10 +7450,9 @@
                     <a:p>
                       <a:pPr algn="ctr"/>
                       <a:r>
-                        <a:rPr lang="en-US" sz="1400" dirty="0" smtClean="0"/>
+                        <a:rPr lang="en-US" sz="1400" dirty="0"/>
                         <a:t>3</a:t>
                       </a:r>
-                      <a:endParaRPr lang="en-US" sz="1400" dirty="0"/>
                     </a:p>
                   </a:txBody>
                   <a:tcPr/>
@@ -7505,10 +7463,9 @@
                     <a:lstStyle/>
                     <a:p>
                       <a:r>
-                        <a:rPr lang="en-US" sz="1400" dirty="0" smtClean="0"/>
+                        <a:rPr lang="en-US" sz="1400" dirty="0"/>
                         <a:t>New York</a:t>
                       </a:r>
-                      <a:endParaRPr lang="en-US" sz="1400" dirty="0"/>
                     </a:p>
                   </a:txBody>
                   <a:tcPr/>
@@ -7520,10 +7477,9 @@
                     <a:p>
                       <a:pPr algn="ctr"/>
                       <a:r>
-                        <a:rPr lang="en-US" sz="1400" dirty="0" smtClean="0"/>
+                        <a:rPr lang="en-US" sz="1400" dirty="0"/>
                         <a:t>10</a:t>
                       </a:r>
-                      <a:endParaRPr lang="en-US" sz="1400" dirty="0"/>
                     </a:p>
                   </a:txBody>
                   <a:tcPr/>
@@ -7535,10 +7491,9 @@
                     <a:p>
                       <a:pPr algn="ctr"/>
                       <a:r>
-                        <a:rPr lang="en-US" sz="1400" dirty="0" smtClean="0"/>
+                        <a:rPr lang="en-US" sz="1400" dirty="0"/>
                         <a:t>2</a:t>
                       </a:r>
-                      <a:endParaRPr lang="en-US" sz="1400" dirty="0"/>
                     </a:p>
                   </a:txBody>
                   <a:tcPr/>
@@ -7557,10 +7512,9 @@
                     <a:p>
                       <a:pPr algn="ctr"/>
                       <a:r>
-                        <a:rPr lang="en-US" sz="1400" dirty="0" smtClean="0"/>
+                        <a:rPr lang="en-US" sz="1400" dirty="0"/>
                         <a:t>4</a:t>
                       </a:r>
-                      <a:endParaRPr lang="en-US" sz="1400" dirty="0"/>
                     </a:p>
                   </a:txBody>
                   <a:tcPr/>
@@ -7571,7 +7525,7 @@
                     <a:lstStyle/>
                     <a:p>
                       <a:r>
-                        <a:rPr lang="en-US" sz="1400" dirty="0" smtClean="0"/>
+                        <a:rPr lang="en-US" sz="1400" dirty="0"/>
                         <a:t>Washington DC</a:t>
                       </a:r>
                     </a:p>
@@ -7585,10 +7539,9 @@
                     <a:p>
                       <a:pPr algn="ctr"/>
                       <a:r>
-                        <a:rPr lang="en-US" sz="1400" dirty="0" smtClean="0"/>
+                        <a:rPr lang="en-US" sz="1400" dirty="0"/>
                         <a:t>9</a:t>
                       </a:r>
-                      <a:endParaRPr lang="en-US" sz="1400" dirty="0"/>
                     </a:p>
                   </a:txBody>
                   <a:tcPr/>
@@ -7600,10 +7553,9 @@
                     <a:p>
                       <a:pPr algn="ctr"/>
                       <a:r>
-                        <a:rPr lang="en-US" sz="1400" dirty="0" smtClean="0"/>
+                        <a:rPr lang="en-US" sz="1400" dirty="0"/>
                         <a:t>2</a:t>
                       </a:r>
-                      <a:endParaRPr lang="en-US" sz="1400" dirty="0"/>
                     </a:p>
                   </a:txBody>
                   <a:tcPr/>
@@ -7622,10 +7574,9 @@
                     <a:p>
                       <a:pPr algn="ctr"/>
                       <a:r>
-                        <a:rPr lang="en-US" sz="1400" dirty="0" smtClean="0"/>
+                        <a:rPr lang="en-US" sz="1400" dirty="0"/>
                         <a:t>5</a:t>
                       </a:r>
-                      <a:endParaRPr lang="en-US" sz="1400" dirty="0"/>
                     </a:p>
                   </a:txBody>
                   <a:tcPr/>
@@ -7636,10 +7587,9 @@
                     <a:lstStyle/>
                     <a:p>
                       <a:r>
-                        <a:rPr lang="en-US" sz="1400" dirty="0" smtClean="0"/>
+                        <a:rPr lang="en-US" sz="1400" dirty="0"/>
                         <a:t>Austin</a:t>
                       </a:r>
-                      <a:endParaRPr lang="en-US" sz="1400" dirty="0"/>
                     </a:p>
                   </a:txBody>
                   <a:tcPr/>
@@ -7651,10 +7601,9 @@
                     <a:p>
                       <a:pPr algn="ctr"/>
                       <a:r>
-                        <a:rPr lang="en-US" sz="1400" dirty="0" smtClean="0"/>
+                        <a:rPr lang="en-US" sz="1400" dirty="0"/>
                         <a:t>9</a:t>
                       </a:r>
-                      <a:endParaRPr lang="en-US" sz="1400" dirty="0"/>
                     </a:p>
                   </a:txBody>
                   <a:tcPr/>
@@ -7666,10 +7615,9 @@
                     <a:p>
                       <a:pPr algn="ctr"/>
                       <a:r>
-                        <a:rPr lang="en-US" sz="1400" dirty="0" smtClean="0"/>
+                        <a:rPr lang="en-US" sz="1400" dirty="0"/>
                         <a:t>1</a:t>
                       </a:r>
-                      <a:endParaRPr lang="en-US" sz="1400" dirty="0"/>
                     </a:p>
                   </a:txBody>
                   <a:tcPr/>
@@ -7688,10 +7636,9 @@
                     <a:p>
                       <a:pPr algn="ctr"/>
                       <a:r>
-                        <a:rPr lang="en-US" sz="1400" dirty="0" smtClean="0"/>
+                        <a:rPr lang="en-US" sz="1400" dirty="0"/>
                         <a:t>6</a:t>
                       </a:r>
-                      <a:endParaRPr lang="en-US" sz="1400" dirty="0"/>
                     </a:p>
                   </a:txBody>
                   <a:tcPr/>
@@ -7702,10 +7649,9 @@
                     <a:lstStyle/>
                     <a:p>
                       <a:r>
-                        <a:rPr lang="en-US" sz="1400" dirty="0" smtClean="0"/>
+                        <a:rPr lang="en-US" sz="1400" dirty="0"/>
                         <a:t>Raleigh</a:t>
                       </a:r>
-                      <a:endParaRPr lang="en-US" sz="1400" dirty="0"/>
                     </a:p>
                   </a:txBody>
                   <a:tcPr/>
@@ -7717,10 +7663,9 @@
                     <a:p>
                       <a:pPr algn="ctr"/>
                       <a:r>
-                        <a:rPr lang="en-US" sz="1400" dirty="0" smtClean="0"/>
+                        <a:rPr lang="en-US" sz="1400" dirty="0"/>
                         <a:t>6</a:t>
                       </a:r>
-                      <a:endParaRPr lang="en-US" sz="1400" dirty="0"/>
                     </a:p>
                   </a:txBody>
                   <a:tcPr/>
@@ -7732,10 +7677,9 @@
                     <a:p>
                       <a:pPr algn="ctr"/>
                       <a:r>
-                        <a:rPr lang="en-US" sz="1400" dirty="0" smtClean="0"/>
+                        <a:rPr lang="en-US" sz="1400" dirty="0"/>
                         <a:t>1</a:t>
                       </a:r>
-                      <a:endParaRPr lang="en-US" sz="1400" dirty="0"/>
                     </a:p>
                   </a:txBody>
                   <a:tcPr/>
@@ -7754,10 +7698,9 @@
                     <a:p>
                       <a:pPr algn="ctr"/>
                       <a:r>
-                        <a:rPr lang="en-US" sz="1400" dirty="0" smtClean="0"/>
+                        <a:rPr lang="en-US" sz="1400" dirty="0"/>
                         <a:t>7</a:t>
                       </a:r>
-                      <a:endParaRPr lang="en-US" sz="1400" dirty="0"/>
                     </a:p>
                   </a:txBody>
                   <a:tcPr/>
@@ -7768,10 +7711,9 @@
                     <a:lstStyle/>
                     <a:p>
                       <a:r>
-                        <a:rPr lang="en-US" sz="1400" dirty="0" smtClean="0"/>
+                        <a:rPr lang="en-US" sz="1400" dirty="0"/>
                         <a:t>Boston</a:t>
                       </a:r>
-                      <a:endParaRPr lang="en-US" sz="1400" dirty="0"/>
                     </a:p>
                   </a:txBody>
                   <a:tcPr/>
@@ -7783,10 +7725,9 @@
                     <a:p>
                       <a:pPr algn="ctr"/>
                       <a:r>
-                        <a:rPr lang="en-US" sz="1400" dirty="0" smtClean="0"/>
+                        <a:rPr lang="en-US" sz="1400" dirty="0"/>
                         <a:t>5</a:t>
                       </a:r>
-                      <a:endParaRPr lang="en-US" sz="1400" dirty="0"/>
                     </a:p>
                   </a:txBody>
                   <a:tcPr/>
@@ -7798,10 +7739,9 @@
                     <a:p>
                       <a:pPr algn="ctr"/>
                       <a:r>
-                        <a:rPr lang="en-US" sz="1400" dirty="0" smtClean="0"/>
+                        <a:rPr lang="en-US" sz="1400" dirty="0"/>
                         <a:t>1</a:t>
                       </a:r>
-                      <a:endParaRPr lang="en-US" sz="1400" dirty="0"/>
                     </a:p>
                   </a:txBody>
                   <a:tcPr/>
@@ -7910,10 +7850,10 @@
           <a:p>
             <a:pPr algn="ctr"/>
             <a:r>
-              <a:rPr lang="en-US" sz="1400" dirty="0" smtClean="0"/>
+              <a:rPr lang="en-US" sz="1400" dirty="0"/>
               <a:t>Los Angeles : 66 miles between 2 furthest international airport</a:t>
             </a:r>
-            <a:endParaRPr lang="en-US" sz="1200" dirty="0" smtClean="0"/>
+            <a:endParaRPr lang="en-US" sz="1200" dirty="0"/>
           </a:p>
         </p:txBody>
       </p:sp>
@@ -7970,10 +7910,10 @@
           <a:p>
             <a:pPr algn="ctr"/>
             <a:r>
-              <a:rPr lang="en-US" sz="1400" dirty="0" smtClean="0"/>
+              <a:rPr lang="en-US" sz="1400" dirty="0"/>
               <a:t>Chicago: 24 miles between 2 furthest international airport</a:t>
             </a:r>
-            <a:endParaRPr lang="en-US" sz="1200" dirty="0" smtClean="0"/>
+            <a:endParaRPr lang="en-US" sz="1200" dirty="0"/>
           </a:p>
         </p:txBody>
       </p:sp>
@@ -7987,13 +7927,730 @@
   <p:clrMapOvr>
     <a:masterClrMapping/>
   </p:clrMapOvr>
-  <p:timing>
-    <p:tnLst>
-      <p:par>
-        <p:cTn id="1" dur="indefinite" restart="never" nodeType="tmRoot"/>
-      </p:par>
-    </p:tnLst>
-  </p:timing>
+</p:sld>
+</file>
+
+<file path=ppt/slides/slide27.xml><?xml version="1.0" encoding="utf-8"?>
+<p:sld xmlns:a="http://schemas.openxmlformats.org/drawingml/2006/main" xmlns:r="http://schemas.openxmlformats.org/officeDocument/2006/relationships" xmlns:p="http://schemas.openxmlformats.org/presentationml/2006/main">
+  <p:cSld>
+    <p:spTree>
+      <p:nvGrpSpPr>
+        <p:cNvPr id="1" name=""/>
+        <p:cNvGrpSpPr/>
+        <p:nvPr/>
+      </p:nvGrpSpPr>
+      <p:grpSpPr>
+        <a:xfrm>
+          <a:off x="0" y="0"/>
+          <a:ext cx="0" cy="0"/>
+          <a:chOff x="0" y="0"/>
+          <a:chExt cx="0" cy="0"/>
+        </a:xfrm>
+      </p:grpSpPr>
+      <p:sp>
+        <p:nvSpPr>
+          <p:cNvPr id="2" name="Title 1">
+            <a:extLst>
+              <a:ext uri="{FF2B5EF4-FFF2-40B4-BE49-F238E27FC236}">
+                <a16:creationId xmlns:a16="http://schemas.microsoft.com/office/drawing/2014/main" id="{390EB264-3883-41F9-BACB-285D2229980C}"/>
+              </a:ext>
+            </a:extLst>
+          </p:cNvPr>
+          <p:cNvSpPr>
+            <a:spLocks noGrp="1"/>
+          </p:cNvSpPr>
+          <p:nvPr>
+            <p:ph type="title"/>
+          </p:nvPr>
+        </p:nvSpPr>
+        <p:spPr>
+          <a:xfrm>
+            <a:off x="1097280" y="286603"/>
+            <a:ext cx="10058400" cy="702409"/>
+          </a:xfrm>
+        </p:spPr>
+        <p:txBody>
+          <a:bodyPr>
+            <a:normAutofit fontScale="90000"/>
+          </a:bodyPr>
+          <a:lstStyle/>
+          <a:p>
+            <a:r>
+              <a:rPr lang="en-US" dirty="0"/>
+              <a:t>Overall City Ranking </a:t>
+            </a:r>
+          </a:p>
+        </p:txBody>
+      </p:sp>
+      <p:cxnSp>
+        <p:nvCxnSpPr>
+          <p:cNvPr id="4" name="Straight Connector 3">
+            <a:extLst>
+              <a:ext uri="{FF2B5EF4-FFF2-40B4-BE49-F238E27FC236}">
+                <a16:creationId xmlns:a16="http://schemas.microsoft.com/office/drawing/2014/main" id="{8FECCD07-FFA9-4129-95C2-D2F2CF8AD354}"/>
+              </a:ext>
+            </a:extLst>
+          </p:cNvPr>
+          <p:cNvCxnSpPr/>
+          <p:nvPr/>
+        </p:nvCxnSpPr>
+        <p:spPr>
+          <a:xfrm>
+            <a:off x="1248032" y="902043"/>
+            <a:ext cx="9069860" cy="0"/>
+          </a:xfrm>
+          <a:prstGeom prst="line">
+            <a:avLst/>
+          </a:prstGeom>
+          <a:ln>
+            <a:solidFill>
+              <a:srgbClr val="7030A0"/>
+            </a:solidFill>
+          </a:ln>
+        </p:spPr>
+        <p:style>
+          <a:lnRef idx="1">
+            <a:schemeClr val="accent1"/>
+          </a:lnRef>
+          <a:fillRef idx="0">
+            <a:schemeClr val="accent1"/>
+          </a:fillRef>
+          <a:effectRef idx="0">
+            <a:schemeClr val="accent1"/>
+          </a:effectRef>
+          <a:fontRef idx="minor">
+            <a:schemeClr val="tx1"/>
+          </a:fontRef>
+        </p:style>
+      </p:cxnSp>
+      <p:sp>
+        <p:nvSpPr>
+          <p:cNvPr id="13" name="TextBox 12">
+            <a:extLst>
+              <a:ext uri="{FF2B5EF4-FFF2-40B4-BE49-F238E27FC236}">
+                <a16:creationId xmlns:a16="http://schemas.microsoft.com/office/drawing/2014/main" id="{2F54B774-97D6-374E-AF3C-3039E753E6FE}"/>
+              </a:ext>
+            </a:extLst>
+          </p:cNvPr>
+          <p:cNvSpPr txBox="1"/>
+          <p:nvPr/>
+        </p:nvSpPr>
+        <p:spPr>
+          <a:xfrm>
+            <a:off x="290363" y="1235120"/>
+            <a:ext cx="2162580" cy="369332"/>
+          </a:xfrm>
+          <a:prstGeom prst="rect">
+            <a:avLst/>
+          </a:prstGeom>
+          <a:noFill/>
+        </p:spPr>
+        <p:txBody>
+          <a:bodyPr wrap="none" rtlCol="0">
+            <a:spAutoFit/>
+          </a:bodyPr>
+          <a:lstStyle/>
+          <a:p>
+            <a:r>
+              <a:rPr lang="en-US" dirty="0"/>
+              <a:t>Unweighted rankings</a:t>
+            </a:r>
+          </a:p>
+        </p:txBody>
+      </p:sp>
+      <p:sp>
+        <p:nvSpPr>
+          <p:cNvPr id="14" name="TextBox 13">
+            <a:extLst>
+              <a:ext uri="{FF2B5EF4-FFF2-40B4-BE49-F238E27FC236}">
+                <a16:creationId xmlns:a16="http://schemas.microsoft.com/office/drawing/2014/main" id="{2A70FE4E-E05B-FB42-88DC-7CBDC43B4C5C}"/>
+              </a:ext>
+            </a:extLst>
+          </p:cNvPr>
+          <p:cNvSpPr txBox="1"/>
+          <p:nvPr/>
+        </p:nvSpPr>
+        <p:spPr>
+          <a:xfrm>
+            <a:off x="5942987" y="1184314"/>
+            <a:ext cx="1928541" cy="369332"/>
+          </a:xfrm>
+          <a:prstGeom prst="rect">
+            <a:avLst/>
+          </a:prstGeom>
+          <a:noFill/>
+        </p:spPr>
+        <p:txBody>
+          <a:bodyPr wrap="none" rtlCol="0">
+            <a:spAutoFit/>
+          </a:bodyPr>
+          <a:lstStyle/>
+          <a:p>
+            <a:r>
+              <a:rPr lang="en-US" dirty="0"/>
+              <a:t>Weighted rankings</a:t>
+            </a:r>
+          </a:p>
+        </p:txBody>
+      </p:sp>
+      <p:pic>
+        <p:nvPicPr>
+          <p:cNvPr id="20" name="Picture 19">
+            <a:extLst>
+              <a:ext uri="{FF2B5EF4-FFF2-40B4-BE49-F238E27FC236}">
+                <a16:creationId xmlns:a16="http://schemas.microsoft.com/office/drawing/2014/main" id="{56FED822-01A1-C34D-B232-2F3BEEEAB583}"/>
+              </a:ext>
+            </a:extLst>
+          </p:cNvPr>
+          <p:cNvPicPr>
+            <a:picLocks noChangeAspect="1"/>
+          </p:cNvPicPr>
+          <p:nvPr/>
+        </p:nvPicPr>
+        <p:blipFill>
+          <a:blip r:embed="rId2">
+            <a:extLst>
+              <a:ext uri="{28A0092B-C50C-407E-A947-70E740481C1C}">
+                <a14:useLocalDpi xmlns:a14="http://schemas.microsoft.com/office/drawing/2010/main" val="0"/>
+              </a:ext>
+            </a:extLst>
+          </a:blip>
+          <a:stretch>
+            <a:fillRect/>
+          </a:stretch>
+        </p:blipFill>
+        <p:spPr>
+          <a:xfrm>
+            <a:off x="67962" y="1816697"/>
+            <a:ext cx="5715000" cy="3378200"/>
+          </a:xfrm>
+          <a:prstGeom prst="rect">
+            <a:avLst/>
+          </a:prstGeom>
+        </p:spPr>
+      </p:pic>
+      <p:pic>
+        <p:nvPicPr>
+          <p:cNvPr id="22" name="Picture 21">
+            <a:extLst>
+              <a:ext uri="{FF2B5EF4-FFF2-40B4-BE49-F238E27FC236}">
+                <a16:creationId xmlns:a16="http://schemas.microsoft.com/office/drawing/2014/main" id="{87DB4B76-8273-3240-8423-0EB6764E41F0}"/>
+              </a:ext>
+            </a:extLst>
+          </p:cNvPr>
+          <p:cNvPicPr>
+            <a:picLocks noChangeAspect="1"/>
+          </p:cNvPicPr>
+          <p:nvPr/>
+        </p:nvPicPr>
+        <p:blipFill>
+          <a:blip r:embed="rId3">
+            <a:extLst>
+              <a:ext uri="{28A0092B-C50C-407E-A947-70E740481C1C}">
+                <a14:useLocalDpi xmlns:a14="http://schemas.microsoft.com/office/drawing/2010/main" val="0"/>
+              </a:ext>
+            </a:extLst>
+          </a:blip>
+          <a:stretch>
+            <a:fillRect/>
+          </a:stretch>
+        </p:blipFill>
+        <p:spPr>
+          <a:xfrm>
+            <a:off x="5942987" y="1816697"/>
+            <a:ext cx="5715000" cy="3378200"/>
+          </a:xfrm>
+          <a:prstGeom prst="rect">
+            <a:avLst/>
+          </a:prstGeom>
+        </p:spPr>
+      </p:pic>
+      <p:sp>
+        <p:nvSpPr>
+          <p:cNvPr id="3" name="TextBox 2">
+            <a:extLst>
+              <a:ext uri="{FF2B5EF4-FFF2-40B4-BE49-F238E27FC236}">
+                <a16:creationId xmlns:a16="http://schemas.microsoft.com/office/drawing/2014/main" id="{81242773-C5FC-5E41-8856-1AE0382D8DFE}"/>
+              </a:ext>
+            </a:extLst>
+          </p:cNvPr>
+          <p:cNvSpPr txBox="1"/>
+          <p:nvPr/>
+        </p:nvSpPr>
+        <p:spPr>
+          <a:xfrm>
+            <a:off x="364005" y="5194897"/>
+            <a:ext cx="1007648" cy="369332"/>
+          </a:xfrm>
+          <a:prstGeom prst="rect">
+            <a:avLst/>
+          </a:prstGeom>
+          <a:noFill/>
+        </p:spPr>
+        <p:txBody>
+          <a:bodyPr wrap="none" rtlCol="0">
+            <a:spAutoFit/>
+          </a:bodyPr>
+          <a:lstStyle/>
+          <a:p>
+            <a:pPr fontAlgn="base"/>
+            <a:r>
+              <a:rPr lang="en-US" dirty="0"/>
+              <a:t>Weights:</a:t>
+            </a:r>
+          </a:p>
+        </p:txBody>
+      </p:sp>
+      <p:graphicFrame>
+        <p:nvGraphicFramePr>
+          <p:cNvPr id="5" name="Table 4">
+            <a:extLst>
+              <a:ext uri="{FF2B5EF4-FFF2-40B4-BE49-F238E27FC236}">
+                <a16:creationId xmlns:a16="http://schemas.microsoft.com/office/drawing/2014/main" id="{99093762-A168-364A-B7A1-E1CAA9B9AC46}"/>
+              </a:ext>
+            </a:extLst>
+          </p:cNvPr>
+          <p:cNvGraphicFramePr>
+            <a:graphicFrameLocks noGrp="1"/>
+          </p:cNvGraphicFramePr>
+          <p:nvPr/>
+        </p:nvGraphicFramePr>
+        <p:xfrm>
+          <a:off x="556591" y="5592362"/>
+          <a:ext cx="11101392" cy="640080"/>
+        </p:xfrm>
+        <a:graphic>
+          <a:graphicData uri="http://schemas.openxmlformats.org/drawingml/2006/table">
+            <a:tbl>
+              <a:tblPr firstRow="1" bandRow="1">
+                <a:tableStyleId>{5C22544A-7EE6-4342-B048-85BDC9FD1C3A}</a:tableStyleId>
+              </a:tblPr>
+              <a:tblGrid>
+                <a:gridCol w="925116">
+                  <a:extLst>
+                    <a:ext uri="{9D8B030D-6E8A-4147-A177-3AD203B41FA5}">
+                      <a16:colId xmlns:a16="http://schemas.microsoft.com/office/drawing/2014/main" val="2099015565"/>
+                    </a:ext>
+                  </a:extLst>
+                </a:gridCol>
+                <a:gridCol w="925116">
+                  <a:extLst>
+                    <a:ext uri="{9D8B030D-6E8A-4147-A177-3AD203B41FA5}">
+                      <a16:colId xmlns:a16="http://schemas.microsoft.com/office/drawing/2014/main" val="1131645849"/>
+                    </a:ext>
+                  </a:extLst>
+                </a:gridCol>
+                <a:gridCol w="925116">
+                  <a:extLst>
+                    <a:ext uri="{9D8B030D-6E8A-4147-A177-3AD203B41FA5}">
+                      <a16:colId xmlns:a16="http://schemas.microsoft.com/office/drawing/2014/main" val="2979348466"/>
+                    </a:ext>
+                  </a:extLst>
+                </a:gridCol>
+                <a:gridCol w="925116">
+                  <a:extLst>
+                    <a:ext uri="{9D8B030D-6E8A-4147-A177-3AD203B41FA5}">
+                      <a16:colId xmlns:a16="http://schemas.microsoft.com/office/drawing/2014/main" val="3871454820"/>
+                    </a:ext>
+                  </a:extLst>
+                </a:gridCol>
+                <a:gridCol w="925116">
+                  <a:extLst>
+                    <a:ext uri="{9D8B030D-6E8A-4147-A177-3AD203B41FA5}">
+                      <a16:colId xmlns:a16="http://schemas.microsoft.com/office/drawing/2014/main" val="1076730244"/>
+                    </a:ext>
+                  </a:extLst>
+                </a:gridCol>
+                <a:gridCol w="925116">
+                  <a:extLst>
+                    <a:ext uri="{9D8B030D-6E8A-4147-A177-3AD203B41FA5}">
+                      <a16:colId xmlns:a16="http://schemas.microsoft.com/office/drawing/2014/main" val="3173180166"/>
+                    </a:ext>
+                  </a:extLst>
+                </a:gridCol>
+                <a:gridCol w="925116">
+                  <a:extLst>
+                    <a:ext uri="{9D8B030D-6E8A-4147-A177-3AD203B41FA5}">
+                      <a16:colId xmlns:a16="http://schemas.microsoft.com/office/drawing/2014/main" val="205725656"/>
+                    </a:ext>
+                  </a:extLst>
+                </a:gridCol>
+                <a:gridCol w="925116">
+                  <a:extLst>
+                    <a:ext uri="{9D8B030D-6E8A-4147-A177-3AD203B41FA5}">
+                      <a16:colId xmlns:a16="http://schemas.microsoft.com/office/drawing/2014/main" val="2271480319"/>
+                    </a:ext>
+                  </a:extLst>
+                </a:gridCol>
+                <a:gridCol w="925116">
+                  <a:extLst>
+                    <a:ext uri="{9D8B030D-6E8A-4147-A177-3AD203B41FA5}">
+                      <a16:colId xmlns:a16="http://schemas.microsoft.com/office/drawing/2014/main" val="3484716283"/>
+                    </a:ext>
+                  </a:extLst>
+                </a:gridCol>
+                <a:gridCol w="925116">
+                  <a:extLst>
+                    <a:ext uri="{9D8B030D-6E8A-4147-A177-3AD203B41FA5}">
+                      <a16:colId xmlns:a16="http://schemas.microsoft.com/office/drawing/2014/main" val="3882757151"/>
+                    </a:ext>
+                  </a:extLst>
+                </a:gridCol>
+                <a:gridCol w="925116">
+                  <a:extLst>
+                    <a:ext uri="{9D8B030D-6E8A-4147-A177-3AD203B41FA5}">
+                      <a16:colId xmlns:a16="http://schemas.microsoft.com/office/drawing/2014/main" val="4187639300"/>
+                    </a:ext>
+                  </a:extLst>
+                </a:gridCol>
+                <a:gridCol w="925116">
+                  <a:extLst>
+                    <a:ext uri="{9D8B030D-6E8A-4147-A177-3AD203B41FA5}">
+                      <a16:colId xmlns:a16="http://schemas.microsoft.com/office/drawing/2014/main" val="1901181437"/>
+                    </a:ext>
+                  </a:extLst>
+                </a:gridCol>
+              </a:tblGrid>
+              <a:tr h="370840">
+                <a:tc>
+                  <a:txBody>
+                    <a:bodyPr/>
+                    <a:lstStyle/>
+                    <a:p>
+                      <a:r>
+                        <a:rPr lang="en-US" sz="1000" dirty="0"/>
+                        <a:t>House Own Affordability</a:t>
+                      </a:r>
+                    </a:p>
+                  </a:txBody>
+                  <a:tcPr/>
+                </a:tc>
+                <a:tc>
+                  <a:txBody>
+                    <a:bodyPr/>
+                    <a:lstStyle/>
+                    <a:p>
+                      <a:r>
+                        <a:rPr lang="en-US" sz="1000" dirty="0"/>
+                        <a:t>Rent Affordability</a:t>
+                      </a:r>
+                    </a:p>
+                  </a:txBody>
+                  <a:tcPr/>
+                </a:tc>
+                <a:tc>
+                  <a:txBody>
+                    <a:bodyPr/>
+                    <a:lstStyle/>
+                    <a:p>
+                      <a:r>
+                        <a:rPr lang="en-US" sz="1000" dirty="0"/>
+                        <a:t>Education Attainment</a:t>
+                      </a:r>
+                    </a:p>
+                  </a:txBody>
+                  <a:tcPr/>
+                </a:tc>
+                <a:tc>
+                  <a:txBody>
+                    <a:bodyPr/>
+                    <a:lstStyle/>
+                    <a:p>
+                      <a:r>
+                        <a:rPr lang="en-US" sz="1000" dirty="0"/>
+                        <a:t>School</a:t>
+                      </a:r>
+                    </a:p>
+                  </a:txBody>
+                  <a:tcPr/>
+                </a:tc>
+                <a:tc>
+                  <a:txBody>
+                    <a:bodyPr/>
+                    <a:lstStyle/>
+                    <a:p>
+                      <a:r>
+                        <a:rPr lang="en-US" sz="1000" dirty="0"/>
+                        <a:t>College</a:t>
+                      </a:r>
+                    </a:p>
+                  </a:txBody>
+                  <a:tcPr/>
+                </a:tc>
+                <a:tc>
+                  <a:txBody>
+                    <a:bodyPr/>
+                    <a:lstStyle/>
+                    <a:p>
+                      <a:r>
+                        <a:rPr lang="en-US" sz="1000" dirty="0"/>
+                        <a:t>Technical Pool</a:t>
+                      </a:r>
+                    </a:p>
+                  </a:txBody>
+                  <a:tcPr/>
+                </a:tc>
+                <a:tc>
+                  <a:txBody>
+                    <a:bodyPr/>
+                    <a:lstStyle/>
+                    <a:p>
+                      <a:r>
+                        <a:rPr lang="en-US" sz="1000" dirty="0"/>
+                        <a:t>Walk/Transit</a:t>
+                      </a:r>
+                    </a:p>
+                  </a:txBody>
+                  <a:tcPr/>
+                </a:tc>
+                <a:tc>
+                  <a:txBody>
+                    <a:bodyPr/>
+                    <a:lstStyle/>
+                    <a:p>
+                      <a:r>
+                        <a:rPr lang="en-US" sz="1000" dirty="0"/>
+                        <a:t>Airport</a:t>
+                      </a:r>
+                    </a:p>
+                  </a:txBody>
+                  <a:tcPr/>
+                </a:tc>
+                <a:tc>
+                  <a:txBody>
+                    <a:bodyPr/>
+                    <a:lstStyle/>
+                    <a:p>
+                      <a:r>
+                        <a:rPr lang="en-US" sz="1000" dirty="0"/>
+                        <a:t>Amenities</a:t>
+                      </a:r>
+                    </a:p>
+                  </a:txBody>
+                  <a:tcPr/>
+                </a:tc>
+                <a:tc>
+                  <a:txBody>
+                    <a:bodyPr/>
+                    <a:lstStyle/>
+                    <a:p>
+                      <a:r>
+                        <a:rPr lang="en-US" sz="1000" dirty="0"/>
+                        <a:t>Crime</a:t>
+                      </a:r>
+                    </a:p>
+                  </a:txBody>
+                  <a:tcPr/>
+                </a:tc>
+                <a:tc>
+                  <a:txBody>
+                    <a:bodyPr/>
+                    <a:lstStyle/>
+                    <a:p>
+                      <a:r>
+                        <a:rPr lang="en-US" sz="1000" dirty="0"/>
+                        <a:t>Climate</a:t>
+                      </a:r>
+                    </a:p>
+                  </a:txBody>
+                  <a:tcPr/>
+                </a:tc>
+                <a:tc>
+                  <a:txBody>
+                    <a:bodyPr/>
+                    <a:lstStyle/>
+                    <a:p>
+                      <a:r>
+                        <a:rPr lang="en-US" sz="1000" dirty="0"/>
+                        <a:t>Pollution</a:t>
+                      </a:r>
+                    </a:p>
+                  </a:txBody>
+                  <a:tcPr/>
+                </a:tc>
+                <a:extLst>
+                  <a:ext uri="{0D108BD9-81ED-4DB2-BD59-A6C34878D82A}">
+                    <a16:rowId xmlns:a16="http://schemas.microsoft.com/office/drawing/2014/main" val="3296182698"/>
+                  </a:ext>
+                </a:extLst>
+              </a:tr>
+              <a:tr h="157618">
+                <a:tc>
+                  <a:txBody>
+                    <a:bodyPr/>
+                    <a:lstStyle/>
+                    <a:p>
+                      <a:r>
+                        <a:rPr lang="en-US" sz="1000" dirty="0"/>
+                        <a:t>3</a:t>
+                      </a:r>
+                    </a:p>
+                  </a:txBody>
+                  <a:tcPr/>
+                </a:tc>
+                <a:tc>
+                  <a:txBody>
+                    <a:bodyPr/>
+                    <a:lstStyle/>
+                    <a:p>
+                      <a:r>
+                        <a:rPr lang="en-US" sz="1000" dirty="0"/>
+                        <a:t>2</a:t>
+                      </a:r>
+                    </a:p>
+                  </a:txBody>
+                  <a:tcPr/>
+                </a:tc>
+                <a:tc>
+                  <a:txBody>
+                    <a:bodyPr/>
+                    <a:lstStyle/>
+                    <a:p>
+                      <a:r>
+                        <a:rPr lang="en-US" sz="1000" dirty="0"/>
+                        <a:t>2</a:t>
+                      </a:r>
+                    </a:p>
+                  </a:txBody>
+                  <a:tcPr/>
+                </a:tc>
+                <a:tc>
+                  <a:txBody>
+                    <a:bodyPr/>
+                    <a:lstStyle/>
+                    <a:p>
+                      <a:r>
+                        <a:rPr lang="en-US" sz="1000" dirty="0"/>
+                        <a:t>1</a:t>
+                      </a:r>
+                    </a:p>
+                  </a:txBody>
+                  <a:tcPr/>
+                </a:tc>
+                <a:tc>
+                  <a:txBody>
+                    <a:bodyPr/>
+                    <a:lstStyle/>
+                    <a:p>
+                      <a:r>
+                        <a:rPr lang="en-US" sz="1000" dirty="0"/>
+                        <a:t>2</a:t>
+                      </a:r>
+                    </a:p>
+                  </a:txBody>
+                  <a:tcPr/>
+                </a:tc>
+                <a:tc>
+                  <a:txBody>
+                    <a:bodyPr/>
+                    <a:lstStyle/>
+                    <a:p>
+                      <a:r>
+                        <a:rPr lang="en-US" sz="1000" dirty="0"/>
+                        <a:t>3</a:t>
+                      </a:r>
+                    </a:p>
+                  </a:txBody>
+                  <a:tcPr/>
+                </a:tc>
+                <a:tc>
+                  <a:txBody>
+                    <a:bodyPr/>
+                    <a:lstStyle/>
+                    <a:p>
+                      <a:r>
+                        <a:rPr lang="en-US" sz="1000" dirty="0"/>
+                        <a:t>2</a:t>
+                      </a:r>
+                    </a:p>
+                  </a:txBody>
+                  <a:tcPr/>
+                </a:tc>
+                <a:tc>
+                  <a:txBody>
+                    <a:bodyPr/>
+                    <a:lstStyle/>
+                    <a:p>
+                      <a:r>
+                        <a:rPr lang="en-US" sz="1000" dirty="0"/>
+                        <a:t>1</a:t>
+                      </a:r>
+                    </a:p>
+                  </a:txBody>
+                  <a:tcPr/>
+                </a:tc>
+                <a:tc>
+                  <a:txBody>
+                    <a:bodyPr/>
+                    <a:lstStyle/>
+                    <a:p>
+                      <a:r>
+                        <a:rPr lang="en-US" sz="1000" dirty="0"/>
+                        <a:t>2</a:t>
+                      </a:r>
+                    </a:p>
+                  </a:txBody>
+                  <a:tcPr/>
+                </a:tc>
+                <a:tc>
+                  <a:txBody>
+                    <a:bodyPr/>
+                    <a:lstStyle/>
+                    <a:p>
+                      <a:r>
+                        <a:rPr lang="en-US" sz="1000" dirty="0"/>
+                        <a:t>1</a:t>
+                      </a:r>
+                    </a:p>
+                  </a:txBody>
+                  <a:tcPr/>
+                </a:tc>
+                <a:tc>
+                  <a:txBody>
+                    <a:bodyPr/>
+                    <a:lstStyle/>
+                    <a:p>
+                      <a:r>
+                        <a:rPr lang="en-US" sz="1000" dirty="0"/>
+                        <a:t>1</a:t>
+                      </a:r>
+                    </a:p>
+                  </a:txBody>
+                  <a:tcPr/>
+                </a:tc>
+                <a:tc>
+                  <a:txBody>
+                    <a:bodyPr/>
+                    <a:lstStyle/>
+                    <a:p>
+                      <a:r>
+                        <a:rPr lang="en-US" sz="1000" dirty="0"/>
+                        <a:t>1</a:t>
+                      </a:r>
+                    </a:p>
+                  </a:txBody>
+                  <a:tcPr/>
+                </a:tc>
+                <a:extLst>
+                  <a:ext uri="{0D108BD9-81ED-4DB2-BD59-A6C34878D82A}">
+                    <a16:rowId xmlns:a16="http://schemas.microsoft.com/office/drawing/2014/main" val="3565520845"/>
+                  </a:ext>
+                </a:extLst>
+              </a:tr>
+            </a:tbl>
+          </a:graphicData>
+        </a:graphic>
+      </p:graphicFrame>
+    </p:spTree>
+    <p:extLst>
+      <p:ext uri="{BB962C8B-B14F-4D97-AF65-F5344CB8AC3E}">
+        <p14:creationId xmlns:p14="http://schemas.microsoft.com/office/powerpoint/2010/main" val="3576575517"/>
+      </p:ext>
+    </p:extLst>
+  </p:cSld>
+  <p:clrMapOvr>
+    <a:masterClrMapping/>
+  </p:clrMapOvr>
 </p:sld>
 </file>
 

--- a/Project1_Presentation.pptx
+++ b/Project1_Presentation.pptx
@@ -31,7 +31,7 @@
     <p:sldId id="286" r:id="rId25"/>
     <p:sldId id="289" r:id="rId26"/>
     <p:sldId id="290" r:id="rId27"/>
-    <p:sldId id="291" r:id="rId28"/>
+    <p:sldId id="292" r:id="rId28"/>
   </p:sldIdLst>
   <p:sldSz cx="12192000" cy="6858000"/>
   <p:notesSz cx="6858000" cy="9144000"/>
@@ -8129,42 +8129,6 @@
           </a:prstGeom>
         </p:spPr>
       </p:pic>
-      <p:pic>
-        <p:nvPicPr>
-          <p:cNvPr id="22" name="Picture 21">
-            <a:extLst>
-              <a:ext uri="{FF2B5EF4-FFF2-40B4-BE49-F238E27FC236}">
-                <a16:creationId xmlns:a16="http://schemas.microsoft.com/office/drawing/2014/main" id="{87DB4B76-8273-3240-8423-0EB6764E41F0}"/>
-              </a:ext>
-            </a:extLst>
-          </p:cNvPr>
-          <p:cNvPicPr>
-            <a:picLocks noChangeAspect="1"/>
-          </p:cNvPicPr>
-          <p:nvPr/>
-        </p:nvPicPr>
-        <p:blipFill>
-          <a:blip r:embed="rId3">
-            <a:extLst>
-              <a:ext uri="{28A0092B-C50C-407E-A947-70E740481C1C}">
-                <a14:useLocalDpi xmlns:a14="http://schemas.microsoft.com/office/drawing/2010/main" val="0"/>
-              </a:ext>
-            </a:extLst>
-          </a:blip>
-          <a:stretch>
-            <a:fillRect/>
-          </a:stretch>
-        </p:blipFill>
-        <p:spPr>
-          <a:xfrm>
-            <a:off x="5942987" y="1816697"/>
-            <a:ext cx="5715000" cy="3378200"/>
-          </a:xfrm>
-          <a:prstGeom prst="rect">
-            <a:avLst/>
-          </a:prstGeom>
-        </p:spPr>
-      </p:pic>
       <p:sp>
         <p:nvSpPr>
           <p:cNvPr id="3" name="TextBox 2">
@@ -8217,7 +8181,7 @@
         </p:nvGraphicFramePr>
         <p:xfrm>
           <a:off x="556591" y="5592362"/>
-          <a:ext cx="11101392" cy="640080"/>
+          <a:ext cx="11101376" cy="487680"/>
         </p:xfrm>
         <a:graphic>
           <a:graphicData uri="http://schemas.openxmlformats.org/drawingml/2006/table">
@@ -8226,84 +8190,112 @@
                 <a:tableStyleId>{5C22544A-7EE6-4342-B048-85BDC9FD1C3A}</a:tableStyleId>
               </a:tblPr>
               <a:tblGrid>
-                <a:gridCol w="925116">
+                <a:gridCol w="693836">
                   <a:extLst>
                     <a:ext uri="{9D8B030D-6E8A-4147-A177-3AD203B41FA5}">
                       <a16:colId xmlns:a16="http://schemas.microsoft.com/office/drawing/2014/main" val="2099015565"/>
                     </a:ext>
                   </a:extLst>
                 </a:gridCol>
-                <a:gridCol w="925116">
+                <a:gridCol w="693836">
                   <a:extLst>
                     <a:ext uri="{9D8B030D-6E8A-4147-A177-3AD203B41FA5}">
                       <a16:colId xmlns:a16="http://schemas.microsoft.com/office/drawing/2014/main" val="1131645849"/>
                     </a:ext>
                   </a:extLst>
                 </a:gridCol>
-                <a:gridCol w="925116">
+                <a:gridCol w="693836">
                   <a:extLst>
                     <a:ext uri="{9D8B030D-6E8A-4147-A177-3AD203B41FA5}">
                       <a16:colId xmlns:a16="http://schemas.microsoft.com/office/drawing/2014/main" val="2979348466"/>
                     </a:ext>
                   </a:extLst>
                 </a:gridCol>
-                <a:gridCol w="925116">
+                <a:gridCol w="693836">
                   <a:extLst>
                     <a:ext uri="{9D8B030D-6E8A-4147-A177-3AD203B41FA5}">
                       <a16:colId xmlns:a16="http://schemas.microsoft.com/office/drawing/2014/main" val="3871454820"/>
                     </a:ext>
                   </a:extLst>
                 </a:gridCol>
-                <a:gridCol w="925116">
+                <a:gridCol w="693836">
                   <a:extLst>
                     <a:ext uri="{9D8B030D-6E8A-4147-A177-3AD203B41FA5}">
                       <a16:colId xmlns:a16="http://schemas.microsoft.com/office/drawing/2014/main" val="1076730244"/>
                     </a:ext>
                   </a:extLst>
                 </a:gridCol>
-                <a:gridCol w="925116">
+                <a:gridCol w="693836">
                   <a:extLst>
                     <a:ext uri="{9D8B030D-6E8A-4147-A177-3AD203B41FA5}">
                       <a16:colId xmlns:a16="http://schemas.microsoft.com/office/drawing/2014/main" val="3173180166"/>
                     </a:ext>
                   </a:extLst>
                 </a:gridCol>
-                <a:gridCol w="925116">
+                <a:gridCol w="693836">
                   <a:extLst>
                     <a:ext uri="{9D8B030D-6E8A-4147-A177-3AD203B41FA5}">
                       <a16:colId xmlns:a16="http://schemas.microsoft.com/office/drawing/2014/main" val="205725656"/>
                     </a:ext>
                   </a:extLst>
                 </a:gridCol>
-                <a:gridCol w="925116">
+                <a:gridCol w="693836">
                   <a:extLst>
                     <a:ext uri="{9D8B030D-6E8A-4147-A177-3AD203B41FA5}">
                       <a16:colId xmlns:a16="http://schemas.microsoft.com/office/drawing/2014/main" val="2271480319"/>
                     </a:ext>
                   </a:extLst>
                 </a:gridCol>
-                <a:gridCol w="925116">
+                <a:gridCol w="693836">
+                  <a:extLst>
+                    <a:ext uri="{9D8B030D-6E8A-4147-A177-3AD203B41FA5}">
+                      <a16:colId xmlns:a16="http://schemas.microsoft.com/office/drawing/2014/main" val="3504083037"/>
+                    </a:ext>
+                  </a:extLst>
+                </a:gridCol>
+                <a:gridCol w="693836">
+                  <a:extLst>
+                    <a:ext uri="{9D8B030D-6E8A-4147-A177-3AD203B41FA5}">
+                      <a16:colId xmlns:a16="http://schemas.microsoft.com/office/drawing/2014/main" val="295204535"/>
+                    </a:ext>
+                  </a:extLst>
+                </a:gridCol>
+                <a:gridCol w="693836">
+                  <a:extLst>
+                    <a:ext uri="{9D8B030D-6E8A-4147-A177-3AD203B41FA5}">
+                      <a16:colId xmlns:a16="http://schemas.microsoft.com/office/drawing/2014/main" val="420834283"/>
+                    </a:ext>
+                  </a:extLst>
+                </a:gridCol>
+                <a:gridCol w="627222">
+                  <a:extLst>
+                    <a:ext uri="{9D8B030D-6E8A-4147-A177-3AD203B41FA5}">
+                      <a16:colId xmlns:a16="http://schemas.microsoft.com/office/drawing/2014/main" val="4186120540"/>
+                    </a:ext>
+                  </a:extLst>
+                </a:gridCol>
+                <a:gridCol w="760450">
                   <a:extLst>
                     <a:ext uri="{9D8B030D-6E8A-4147-A177-3AD203B41FA5}">
                       <a16:colId xmlns:a16="http://schemas.microsoft.com/office/drawing/2014/main" val="3484716283"/>
                     </a:ext>
                   </a:extLst>
                 </a:gridCol>
-                <a:gridCol w="925116">
+                <a:gridCol w="693836">
                   <a:extLst>
                     <a:ext uri="{9D8B030D-6E8A-4147-A177-3AD203B41FA5}">
                       <a16:colId xmlns:a16="http://schemas.microsoft.com/office/drawing/2014/main" val="3882757151"/>
                     </a:ext>
                   </a:extLst>
                 </a:gridCol>
-                <a:gridCol w="925116">
+                <a:gridCol w="693836">
                   <a:extLst>
                     <a:ext uri="{9D8B030D-6E8A-4147-A177-3AD203B41FA5}">
                       <a16:colId xmlns:a16="http://schemas.microsoft.com/office/drawing/2014/main" val="4187639300"/>
                     </a:ext>
                   </a:extLst>
                 </a:gridCol>
-                <a:gridCol w="925116">
+                <a:gridCol w="693836">
                   <a:extLst>
                     <a:ext uri="{9D8B030D-6E8A-4147-A177-3AD203B41FA5}">
                       <a16:colId xmlns:a16="http://schemas.microsoft.com/office/drawing/2014/main" val="1901181437"/>
@@ -8311,7 +8303,7 @@
                   </a:extLst>
                 </a:gridCol>
               </a:tblGrid>
-              <a:tr h="370840">
+              <a:tr h="130645">
                 <a:tc>
                   <a:txBody>
                     <a:bodyPr/>
@@ -8319,7 +8311,7 @@
                     <a:p>
                       <a:r>
                         <a:rPr lang="en-US" sz="1000" dirty="0"/>
-                        <a:t>House Own Affordability</a:t>
+                        <a:t>House</a:t>
                       </a:r>
                     </a:p>
                   </a:txBody>
@@ -8332,7 +8324,7 @@
                     <a:p>
                       <a:r>
                         <a:rPr lang="en-US" sz="1000" dirty="0"/>
-                        <a:t>Rent Affordability</a:t>
+                        <a:t>Rent</a:t>
                       </a:r>
                     </a:p>
                   </a:txBody>
@@ -8345,7 +8337,7 @@
                     <a:p>
                       <a:r>
                         <a:rPr lang="en-US" sz="1000" dirty="0"/>
-                        <a:t>Education Attainment</a:t>
+                        <a:t>Ed Attain</a:t>
                       </a:r>
                     </a:p>
                   </a:txBody>
@@ -8384,7 +8376,7 @@
                     <a:p>
                       <a:r>
                         <a:rPr lang="en-US" sz="1000" dirty="0"/>
-                        <a:t>Technical Pool</a:t>
+                        <a:t>Tec Pool</a:t>
                       </a:r>
                     </a:p>
                   </a:txBody>
@@ -8397,7 +8389,7 @@
                     <a:p>
                       <a:r>
                         <a:rPr lang="en-US" sz="1000" dirty="0"/>
-                        <a:t>Walk/Transit</a:t>
+                        <a:t>Transit</a:t>
                       </a:r>
                     </a:p>
                   </a:txBody>
@@ -8421,9 +8413,89 @@
                     <a:bodyPr/>
                     <a:lstStyle/>
                     <a:p>
+                      <a:pPr algn="ctr" fontAlgn="b"/>
+                      <a:r>
+                        <a:rPr lang="en-US" sz="1000" b="1" i="0" u="none" strike="noStrike" dirty="0">
+                          <a:solidFill>
+                            <a:schemeClr val="bg1"/>
+                          </a:solidFill>
+                          <a:effectLst/>
+                          <a:latin typeface="+mn-lt"/>
+                        </a:rPr>
+                        <a:t>Rest</a:t>
+                      </a:r>
+                    </a:p>
+                  </a:txBody>
+                  <a:tcPr marL="9525" marR="9525" marT="9525" marB="0" anchor="ctr"/>
+                </a:tc>
+                <a:tc>
+                  <a:txBody>
+                    <a:bodyPr/>
+                    <a:lstStyle/>
+                    <a:p>
+                      <a:pPr algn="ctr" fontAlgn="b"/>
+                      <a:r>
+                        <a:rPr lang="en-US" sz="1000" b="1" i="0" u="none" strike="noStrike" dirty="0">
+                          <a:solidFill>
+                            <a:schemeClr val="bg1"/>
+                          </a:solidFill>
+                          <a:effectLst/>
+                          <a:latin typeface="+mn-lt"/>
+                        </a:rPr>
+                        <a:t>Hotels</a:t>
+                      </a:r>
+                    </a:p>
+                  </a:txBody>
+                  <a:tcPr marL="9525" marR="9525" marT="9525" marB="0" anchor="ctr"/>
+                </a:tc>
+                <a:tc>
+                  <a:txBody>
+                    <a:bodyPr/>
+                    <a:lstStyle/>
+                    <a:p>
+                      <a:pPr algn="ctr" fontAlgn="b"/>
+                      <a:r>
+                        <a:rPr lang="en-US" sz="1000" b="1" i="0" u="none" strike="noStrike" dirty="0">
+                          <a:solidFill>
+                            <a:schemeClr val="bg1"/>
+                          </a:solidFill>
+                          <a:effectLst/>
+                          <a:latin typeface="+mn-lt"/>
+                        </a:rPr>
+                        <a:t>Hospitals</a:t>
+                      </a:r>
+                    </a:p>
+                  </a:txBody>
+                  <a:tcPr marL="9525" marR="9525" marT="9525" marB="0" anchor="ctr"/>
+                </a:tc>
+                <a:tc>
+                  <a:txBody>
+                    <a:bodyPr/>
+                    <a:lstStyle/>
+                    <a:p>
+                      <a:pPr algn="ctr" fontAlgn="b"/>
+                      <a:r>
+                        <a:rPr lang="en-US" sz="1000" b="1" i="0" u="none" strike="noStrike" dirty="0">
+                          <a:solidFill>
+                            <a:schemeClr val="bg1"/>
+                          </a:solidFill>
+                          <a:effectLst/>
+                          <a:latin typeface="+mn-lt"/>
+                        </a:rPr>
+                        <a:t>Shops</a:t>
+                      </a:r>
+                    </a:p>
+                  </a:txBody>
+                  <a:tcPr marL="9525" marR="9525" marT="9525" marB="0" anchor="ctr"/>
+                </a:tc>
+                <a:tc>
+                  <a:txBody>
+                    <a:bodyPr/>
+                    <a:lstStyle/>
+                    <a:p>
                       <a:r>
                         <a:rPr lang="en-US" sz="1000" dirty="0"/>
-                        <a:t>Amenities</a:t>
+                        <a:t>Fitness</a:t>
                       </a:r>
                     </a:p>
                   </a:txBody>
@@ -8584,6 +8656,86 @@
                     <a:bodyPr/>
                     <a:lstStyle/>
                     <a:p>
+                      <a:pPr algn="l" fontAlgn="b"/>
+                      <a:r>
+                        <a:rPr lang="en-US" sz="1000" b="0" i="0" u="none" strike="noStrike" dirty="0">
+                          <a:solidFill>
+                            <a:srgbClr val="000000"/>
+                          </a:solidFill>
+                          <a:effectLst/>
+                          <a:latin typeface="+mn-lt"/>
+                        </a:rPr>
+                        <a:t> 0.25</a:t>
+                      </a:r>
+                    </a:p>
+                  </a:txBody>
+                  <a:tcPr marL="9525" marR="9525" marT="9525" marB="0" anchor="ctr"/>
+                </a:tc>
+                <a:tc>
+                  <a:txBody>
+                    <a:bodyPr/>
+                    <a:lstStyle/>
+                    <a:p>
+                      <a:pPr algn="l" fontAlgn="b"/>
+                      <a:r>
+                        <a:rPr lang="en-US" sz="1000" b="0" i="0" u="none" strike="noStrike" dirty="0">
+                          <a:solidFill>
+                            <a:srgbClr val="000000"/>
+                          </a:solidFill>
+                          <a:effectLst/>
+                          <a:latin typeface="+mn-lt"/>
+                        </a:rPr>
+                        <a:t> 0.75</a:t>
+                      </a:r>
+                    </a:p>
+                  </a:txBody>
+                  <a:tcPr marL="9525" marR="9525" marT="9525" marB="0" anchor="ctr"/>
+                </a:tc>
+                <a:tc>
+                  <a:txBody>
+                    <a:bodyPr/>
+                    <a:lstStyle/>
+                    <a:p>
+                      <a:pPr algn="l" fontAlgn="b"/>
+                      <a:r>
+                        <a:rPr lang="en-US" sz="1000" b="0" i="0" u="none" strike="noStrike" dirty="0">
+                          <a:solidFill>
+                            <a:srgbClr val="000000"/>
+                          </a:solidFill>
+                          <a:effectLst/>
+                          <a:latin typeface="+mn-lt"/>
+                        </a:rPr>
+                        <a:t> 0.5</a:t>
+                      </a:r>
+                    </a:p>
+                  </a:txBody>
+                  <a:tcPr marL="9525" marR="9525" marT="9525" marB="0" anchor="ctr"/>
+                </a:tc>
+                <a:tc>
+                  <a:txBody>
+                    <a:bodyPr/>
+                    <a:lstStyle/>
+                    <a:p>
+                      <a:pPr algn="l" fontAlgn="b"/>
+                      <a:r>
+                        <a:rPr lang="en-US" sz="1000" b="0" i="0" u="none" strike="noStrike" dirty="0">
+                          <a:solidFill>
+                            <a:srgbClr val="000000"/>
+                          </a:solidFill>
+                          <a:effectLst/>
+                          <a:latin typeface="+mn-lt"/>
+                        </a:rPr>
+                        <a:t> 0.25</a:t>
+                      </a:r>
+                    </a:p>
+                  </a:txBody>
+                  <a:tcPr marL="9525" marR="9525" marT="9525" marB="0" anchor="ctr"/>
+                </a:tc>
+                <a:tc>
+                  <a:txBody>
+                    <a:bodyPr/>
+                    <a:lstStyle/>
+                    <a:p>
                       <a:r>
                         <a:rPr lang="en-US" sz="1000" dirty="0"/>
                         <a:t>2</a:t>
@@ -8641,10 +8793,46 @@
           </a:graphicData>
         </a:graphic>
       </p:graphicFrame>
+      <p:pic>
+        <p:nvPicPr>
+          <p:cNvPr id="7" name="Picture 6">
+            <a:extLst>
+              <a:ext uri="{FF2B5EF4-FFF2-40B4-BE49-F238E27FC236}">
+                <a16:creationId xmlns:a16="http://schemas.microsoft.com/office/drawing/2014/main" id="{7FAF96FF-2589-214D-823A-8EACD8447428}"/>
+              </a:ext>
+            </a:extLst>
+          </p:cNvPr>
+          <p:cNvPicPr>
+            <a:picLocks noChangeAspect="1"/>
+          </p:cNvPicPr>
+          <p:nvPr/>
+        </p:nvPicPr>
+        <p:blipFill>
+          <a:blip r:embed="rId3">
+            <a:extLst>
+              <a:ext uri="{28A0092B-C50C-407E-A947-70E740481C1C}">
+                <a14:useLocalDpi xmlns:a14="http://schemas.microsoft.com/office/drawing/2010/main" val="0"/>
+              </a:ext>
+            </a:extLst>
+          </a:blip>
+          <a:stretch>
+            <a:fillRect/>
+          </a:stretch>
+        </p:blipFill>
+        <p:spPr>
+          <a:xfrm>
+            <a:off x="5942983" y="1809997"/>
+            <a:ext cx="5715000" cy="3378200"/>
+          </a:xfrm>
+          <a:prstGeom prst="rect">
+            <a:avLst/>
+          </a:prstGeom>
+        </p:spPr>
+      </p:pic>
     </p:spTree>
     <p:extLst>
       <p:ext uri="{BB962C8B-B14F-4D97-AF65-F5344CB8AC3E}">
-        <p14:creationId xmlns:p14="http://schemas.microsoft.com/office/powerpoint/2010/main" val="3576575517"/>
+        <p14:creationId xmlns:p14="http://schemas.microsoft.com/office/powerpoint/2010/main" val="3630619199"/>
       </p:ext>
     </p:extLst>
   </p:cSld>

--- a/Project1_Presentation.pptx
+++ b/Project1_Presentation.pptx
@@ -28,7 +28,7 @@
     <p:sldId id="275" r:id="rId22"/>
     <p:sldId id="261" r:id="rId23"/>
     <p:sldId id="277" r:id="rId24"/>
-    <p:sldId id="286" r:id="rId25"/>
+    <p:sldId id="293" r:id="rId25"/>
     <p:sldId id="289" r:id="rId26"/>
     <p:sldId id="290" r:id="rId27"/>
     <p:sldId id="292" r:id="rId28"/>
@@ -6122,7 +6122,7 @@
         </p:blipFill>
         <p:spPr>
           <a:xfrm>
-            <a:off x="2155741" y="3636493"/>
+            <a:off x="18331" y="3533623"/>
             <a:ext cx="8089879" cy="2594610"/>
           </a:xfrm>
         </p:spPr>
@@ -6285,7 +6285,7 @@
         </p:nvSpPr>
         <p:spPr>
           <a:xfrm>
-            <a:off x="4972682" y="3359494"/>
+            <a:off x="2846702" y="3359494"/>
             <a:ext cx="1758238" cy="276999"/>
           </a:xfrm>
           <a:prstGeom prst="rect">
@@ -6368,15 +6368,254 @@
         </p:blipFill>
         <p:spPr>
           <a:xfrm>
-            <a:off x="1119823" y="1402506"/>
-            <a:ext cx="10058400" cy="3355759"/>
+            <a:off x="342583" y="3726180"/>
+            <a:ext cx="7478775" cy="2495125"/>
           </a:xfrm>
         </p:spPr>
       </p:pic>
+      <p:pic>
+        <p:nvPicPr>
+          <p:cNvPr id="3" name="Picture 2">
+            <a:extLst>
+              <a:ext uri="{FF2B5EF4-FFF2-40B4-BE49-F238E27FC236}">
+                <a16:creationId xmlns:a16="http://schemas.microsoft.com/office/drawing/2014/main" id="{C6EA60E2-3CE0-4146-9F66-992F611A7D2C}"/>
+              </a:ext>
+            </a:extLst>
+          </p:cNvPr>
+          <p:cNvPicPr>
+            <a:picLocks noChangeAspect="1"/>
+          </p:cNvPicPr>
+          <p:nvPr/>
+        </p:nvPicPr>
+        <p:blipFill>
+          <a:blip r:embed="rId3">
+            <a:extLst>
+              <a:ext uri="{28A0092B-C50C-407E-A947-70E740481C1C}">
+                <a14:useLocalDpi xmlns:a14="http://schemas.microsoft.com/office/drawing/2010/main" val="0"/>
+              </a:ext>
+            </a:extLst>
+          </a:blip>
+          <a:stretch>
+            <a:fillRect/>
+          </a:stretch>
+        </p:blipFill>
+        <p:spPr>
+          <a:xfrm>
+            <a:off x="6660742" y="196618"/>
+            <a:ext cx="5189842" cy="3712442"/>
+          </a:xfrm>
+          <a:prstGeom prst="rect">
+            <a:avLst/>
+          </a:prstGeom>
+          <a:ln>
+            <a:noFill/>
+          </a:ln>
+          <a:effectLst>
+            <a:outerShdw blurRad="190500" algn="tl" rotWithShape="0">
+              <a:srgbClr val="000000">
+                <a:alpha val="70000"/>
+              </a:srgbClr>
+            </a:outerShdw>
+          </a:effectLst>
+        </p:spPr>
+      </p:pic>
+      <p:sp>
+        <p:nvSpPr>
+          <p:cNvPr id="6" name="Title 1">
+            <a:extLst>
+              <a:ext uri="{FF2B5EF4-FFF2-40B4-BE49-F238E27FC236}">
+                <a16:creationId xmlns:a16="http://schemas.microsoft.com/office/drawing/2014/main" id="{F7AE8CE4-FE90-A745-8DB6-6765DD447C6B}"/>
+              </a:ext>
+            </a:extLst>
+          </p:cNvPr>
+          <p:cNvSpPr>
+            <a:spLocks noGrp="1"/>
+          </p:cNvSpPr>
+          <p:nvPr>
+            <p:ph type="title"/>
+          </p:nvPr>
+        </p:nvSpPr>
+        <p:spPr>
+          <a:xfrm>
+            <a:off x="1097280" y="286603"/>
+            <a:ext cx="10058400" cy="1450757"/>
+          </a:xfrm>
+        </p:spPr>
+        <p:txBody>
+          <a:bodyPr>
+            <a:normAutofit/>
+          </a:bodyPr>
+          <a:lstStyle/>
+          <a:p>
+            <a:r>
+              <a:rPr lang="en-US" sz="4000" dirty="0"/>
+              <a:t>Environment Index</a:t>
+            </a:r>
+          </a:p>
+        </p:txBody>
+      </p:sp>
+      <p:sp>
+        <p:nvSpPr>
+          <p:cNvPr id="4" name="TextBox 3">
+            <a:extLst>
+              <a:ext uri="{FF2B5EF4-FFF2-40B4-BE49-F238E27FC236}">
+                <a16:creationId xmlns:a16="http://schemas.microsoft.com/office/drawing/2014/main" id="{9A525359-E4B3-454A-8737-1535D75D2224}"/>
+              </a:ext>
+            </a:extLst>
+          </p:cNvPr>
+          <p:cNvSpPr txBox="1"/>
+          <p:nvPr/>
+        </p:nvSpPr>
+        <p:spPr>
+          <a:xfrm>
+            <a:off x="8401050" y="4423410"/>
+            <a:ext cx="3449534" cy="1661993"/>
+          </a:xfrm>
+          <a:prstGeom prst="rect">
+            <a:avLst/>
+          </a:prstGeom>
+          <a:solidFill>
+            <a:schemeClr val="accent5">
+              <a:lumMod val="20000"/>
+              <a:lumOff val="80000"/>
+            </a:schemeClr>
+          </a:solidFill>
+        </p:spPr>
+        <p:txBody>
+          <a:bodyPr wrap="none" rtlCol="0">
+            <a:spAutoFit/>
+          </a:bodyPr>
+          <a:lstStyle/>
+          <a:p>
+            <a:r>
+              <a:rPr lang="en-US" sz="1400" b="1" dirty="0"/>
+              <a:t>Observations</a:t>
+            </a:r>
+            <a:r>
+              <a:rPr lang="en-US" b="1" dirty="0"/>
+              <a:t>:</a:t>
+            </a:r>
+          </a:p>
+          <a:p>
+            <a:pPr marL="285750" indent="-285750">
+              <a:buFont typeface="Wingdings" pitchFamily="2" charset="2"/>
+              <a:buChar char="Ø"/>
+            </a:pPr>
+            <a:r>
+              <a:rPr lang="en-US" sz="1400" dirty="0"/>
+              <a:t>Most cities with higher Climate Index</a:t>
+            </a:r>
+          </a:p>
+          <a:p>
+            <a:r>
+              <a:rPr lang="en-US" sz="1400" dirty="0"/>
+              <a:t>       also tends to have a very high Pollution</a:t>
+            </a:r>
+          </a:p>
+          <a:p>
+            <a:r>
+              <a:rPr lang="en-US" sz="1400" dirty="0"/>
+              <a:t>       Index, which is highly contradictory.</a:t>
+            </a:r>
+          </a:p>
+          <a:p>
+            <a:pPr marL="285750" indent="-285750">
+              <a:buFont typeface="Wingdings" pitchFamily="2" charset="2"/>
+              <a:buChar char="Ø"/>
+            </a:pPr>
+            <a:r>
+              <a:rPr lang="en-US" sz="1400" b="1" dirty="0"/>
+              <a:t>Raleigh</a:t>
+            </a:r>
+            <a:r>
+              <a:rPr lang="en-US" sz="1400" dirty="0"/>
+              <a:t> fairs well amongst all as it has</a:t>
+            </a:r>
+          </a:p>
+          <a:p>
+            <a:r>
+              <a:rPr lang="en-US" sz="1400" dirty="0"/>
+              <a:t>        Climate Index and lower Pollution Index.</a:t>
+            </a:r>
+          </a:p>
+          <a:p>
+            <a:r>
+              <a:rPr lang="en-US" sz="1400" dirty="0"/>
+              <a:t> </a:t>
+            </a:r>
+          </a:p>
+        </p:txBody>
+      </p:sp>
+      <p:sp>
+        <p:nvSpPr>
+          <p:cNvPr id="2" name="TextBox 1">
+            <a:extLst>
+              <a:ext uri="{FF2B5EF4-FFF2-40B4-BE49-F238E27FC236}">
+                <a16:creationId xmlns:a16="http://schemas.microsoft.com/office/drawing/2014/main" id="{26FB7254-7444-6946-A06D-C3F3E8665D46}"/>
+              </a:ext>
+            </a:extLst>
+          </p:cNvPr>
+          <p:cNvSpPr txBox="1"/>
+          <p:nvPr/>
+        </p:nvSpPr>
+        <p:spPr>
+          <a:xfrm>
+            <a:off x="6419756" y="6090500"/>
+            <a:ext cx="5580374" cy="261610"/>
+          </a:xfrm>
+          <a:prstGeom prst="rect">
+            <a:avLst/>
+          </a:prstGeom>
+          <a:noFill/>
+        </p:spPr>
+        <p:txBody>
+          <a:bodyPr wrap="none" rtlCol="0">
+            <a:spAutoFit/>
+          </a:bodyPr>
+          <a:lstStyle/>
+          <a:p>
+            <a:r>
+              <a:rPr lang="en-US" sz="1100" dirty="0"/>
+              <a:t>Source: </a:t>
+            </a:r>
+            <a:r>
+              <a:rPr lang="en-US" sz="1100" dirty="0">
+                <a:hlinkClick r:id="rId4"/>
+              </a:rPr>
+              <a:t>https://</a:t>
+            </a:r>
+            <a:r>
+              <a:rPr lang="en-US" sz="1100" dirty="0" err="1">
+                <a:hlinkClick r:id="rId4"/>
+              </a:rPr>
+              <a:t>www.numbeo.com</a:t>
+            </a:r>
+            <a:r>
+              <a:rPr lang="en-US" sz="1100" dirty="0">
+                <a:hlinkClick r:id="rId4"/>
+              </a:rPr>
+              <a:t>/quality-of-life/</a:t>
+            </a:r>
+            <a:r>
+              <a:rPr lang="en-US" sz="1100" dirty="0" err="1">
+                <a:hlinkClick r:id="rId4"/>
+              </a:rPr>
+              <a:t>region_rankings.jsp?title</a:t>
+            </a:r>
+            <a:r>
+              <a:rPr lang="en-US" sz="1100" dirty="0">
+                <a:hlinkClick r:id="rId4"/>
+              </a:rPr>
+              <a:t>=2018&amp;region=019</a:t>
+            </a:r>
+            <a:endParaRPr lang="en-US" sz="1100" dirty="0"/>
+          </a:p>
+        </p:txBody>
+      </p:sp>
     </p:spTree>
     <p:extLst>
       <p:ext uri="{BB962C8B-B14F-4D97-AF65-F5344CB8AC3E}">
-        <p14:creationId xmlns:p14="http://schemas.microsoft.com/office/powerpoint/2010/main" val="3746184928"/>
+        <p14:creationId xmlns:p14="http://schemas.microsoft.com/office/powerpoint/2010/main" val="2356615832"/>
       </p:ext>
     </p:extLst>
   </p:cSld>

--- a/Project1_Presentation.pptx
+++ b/Project1_Presentation.pptx
@@ -364,7 +364,7 @@
           <a:p>
             <a:fld id="{F70A646C-22A8-4D69-ACFD-CD88A31D50DB}" type="datetimeFigureOut">
               <a:rPr lang="en-US" smtClean="0"/>
-              <a:t>4/3/18</a:t>
+              <a:t>4/3/2018</a:t>
             </a:fld>
             <a:endParaRPr lang="en-US"/>
           </a:p>
@@ -572,7 +572,7 @@
           <a:p>
             <a:fld id="{F70A646C-22A8-4D69-ACFD-CD88A31D50DB}" type="datetimeFigureOut">
               <a:rPr lang="en-US" smtClean="0"/>
-              <a:t>4/3/18</a:t>
+              <a:t>4/3/2018</a:t>
             </a:fld>
             <a:endParaRPr lang="en-US"/>
           </a:p>
@@ -828,7 +828,7 @@
           <a:p>
             <a:fld id="{F70A646C-22A8-4D69-ACFD-CD88A31D50DB}" type="datetimeFigureOut">
               <a:rPr lang="en-US" smtClean="0"/>
-              <a:t>4/3/18</a:t>
+              <a:t>4/3/2018</a:t>
             </a:fld>
             <a:endParaRPr lang="en-US"/>
           </a:p>
@@ -1002,7 +1002,7 @@
           <a:p>
             <a:fld id="{F70A646C-22A8-4D69-ACFD-CD88A31D50DB}" type="datetimeFigureOut">
               <a:rPr lang="en-US" smtClean="0"/>
-              <a:t>4/3/18</a:t>
+              <a:t>4/3/2018</a:t>
             </a:fld>
             <a:endParaRPr lang="en-US"/>
           </a:p>
@@ -1345,7 +1345,7 @@
           <a:p>
             <a:fld id="{F70A646C-22A8-4D69-ACFD-CD88A31D50DB}" type="datetimeFigureOut">
               <a:rPr lang="en-US" smtClean="0"/>
-              <a:t>4/3/18</a:t>
+              <a:t>4/3/2018</a:t>
             </a:fld>
             <a:endParaRPr lang="en-US"/>
           </a:p>
@@ -1620,7 +1620,7 @@
           <a:p>
             <a:fld id="{F70A646C-22A8-4D69-ACFD-CD88A31D50DB}" type="datetimeFigureOut">
               <a:rPr lang="en-US" smtClean="0"/>
-              <a:t>4/3/18</a:t>
+              <a:t>4/3/2018</a:t>
             </a:fld>
             <a:endParaRPr lang="en-US"/>
           </a:p>
@@ -1999,7 +1999,7 @@
           <a:p>
             <a:fld id="{F70A646C-22A8-4D69-ACFD-CD88A31D50DB}" type="datetimeFigureOut">
               <a:rPr lang="en-US" smtClean="0"/>
-              <a:t>4/3/18</a:t>
+              <a:t>4/3/2018</a:t>
             </a:fld>
             <a:endParaRPr lang="en-US"/>
           </a:p>
@@ -2117,7 +2117,7 @@
           <a:p>
             <a:fld id="{F70A646C-22A8-4D69-ACFD-CD88A31D50DB}" type="datetimeFigureOut">
               <a:rPr lang="en-US" smtClean="0"/>
-              <a:t>4/3/18</a:t>
+              <a:t>4/3/2018</a:t>
             </a:fld>
             <a:endParaRPr lang="en-US"/>
           </a:p>
@@ -2288,7 +2288,7 @@
           <a:p>
             <a:fld id="{F70A646C-22A8-4D69-ACFD-CD88A31D50DB}" type="datetimeFigureOut">
               <a:rPr lang="en-US" smtClean="0"/>
-              <a:t>4/3/18</a:t>
+              <a:t>4/3/2018</a:t>
             </a:fld>
             <a:endParaRPr lang="en-US"/>
           </a:p>
@@ -2642,7 +2642,7 @@
           <a:p>
             <a:fld id="{F70A646C-22A8-4D69-ACFD-CD88A31D50DB}" type="datetimeFigureOut">
               <a:rPr lang="en-US" smtClean="0"/>
-              <a:t>4/3/18</a:t>
+              <a:t>4/3/2018</a:t>
             </a:fld>
             <a:endParaRPr lang="en-US"/>
           </a:p>
@@ -3024,7 +3024,7 @@
           <a:p>
             <a:fld id="{F70A646C-22A8-4D69-ACFD-CD88A31D50DB}" type="datetimeFigureOut">
               <a:rPr lang="en-US" smtClean="0"/>
-              <a:t>4/3/18</a:t>
+              <a:t>4/3/2018</a:t>
             </a:fld>
             <a:endParaRPr lang="en-US"/>
           </a:p>
@@ -3311,7 +3311,7 @@
           <a:p>
             <a:fld id="{F70A646C-22A8-4D69-ACFD-CD88A31D50DB}" type="datetimeFigureOut">
               <a:rPr lang="en-US" smtClean="0"/>
-              <a:t>4/3/18</a:t>
+              <a:t>4/3/2018</a:t>
             </a:fld>
             <a:endParaRPr lang="en-US"/>
           </a:p>
@@ -6073,6 +6073,13 @@
   <p:clrMapOvr>
     <a:masterClrMapping/>
   </p:clrMapOvr>
+  <p:timing>
+    <p:tnLst>
+      <p:par>
+        <p:cTn id="1" dur="indefinite" restart="never" nodeType="tmRoot"/>
+      </p:par>
+    </p:tnLst>
+  </p:timing>
 </p:sld>
 </file>
 
@@ -6318,6 +6325,13 @@
   <p:clrMapOvr>
     <a:masterClrMapping/>
   </p:clrMapOvr>
+  <p:timing>
+    <p:tnLst>
+      <p:par>
+        <p:cTn id="1" dur="indefinite" restart="never" nodeType="tmRoot"/>
+      </p:par>
+    </p:tnLst>
+  </p:timing>
 </p:sld>
 </file>
 
@@ -6622,6 +6636,13 @@
   <p:clrMapOvr>
     <a:masterClrMapping/>
   </p:clrMapOvr>
+  <p:timing>
+    <p:tnLst>
+      <p:par>
+        <p:cTn id="1" dur="indefinite" restart="never" nodeType="tmRoot"/>
+      </p:par>
+    </p:tnLst>
+  </p:timing>
 </p:sld>
 </file>
 
@@ -7175,6 +7196,36 @@
           </a:p>
         </p:txBody>
       </p:sp>
+      <p:cxnSp>
+        <p:nvCxnSpPr>
+          <p:cNvPr id="6" name="Straight Connector 5"/>
+          <p:cNvCxnSpPr/>
+          <p:nvPr/>
+        </p:nvCxnSpPr>
+        <p:spPr>
+          <a:xfrm>
+            <a:off x="518160" y="798667"/>
+            <a:ext cx="11175076" cy="0"/>
+          </a:xfrm>
+          <a:prstGeom prst="line">
+            <a:avLst/>
+          </a:prstGeom>
+        </p:spPr>
+        <p:style>
+          <a:lnRef idx="1">
+            <a:schemeClr val="accent1"/>
+          </a:lnRef>
+          <a:fillRef idx="0">
+            <a:schemeClr val="accent1"/>
+          </a:fillRef>
+          <a:effectRef idx="0">
+            <a:schemeClr val="accent1"/>
+          </a:effectRef>
+          <a:fontRef idx="minor">
+            <a:schemeClr val="tx1"/>
+          </a:fontRef>
+        </p:style>
+      </p:cxnSp>
     </p:spTree>
     <p:extLst>
       <p:ext uri="{BB962C8B-B14F-4D97-AF65-F5344CB8AC3E}">
@@ -7185,6 +7236,13 @@
   <p:clrMapOvr>
     <a:masterClrMapping/>
   </p:clrMapOvr>
+  <p:timing>
+    <p:tnLst>
+      <p:par>
+        <p:cTn id="1" dur="indefinite" restart="never" nodeType="tmRoot"/>
+      </p:par>
+    </p:tnLst>
+  </p:timing>
 </p:sld>
 </file>
 
@@ -8156,6 +8214,36 @@
           </a:p>
         </p:txBody>
       </p:sp>
+      <p:cxnSp>
+        <p:nvCxnSpPr>
+          <p:cNvPr id="13" name="Straight Connector 12"/>
+          <p:cNvCxnSpPr/>
+          <p:nvPr/>
+        </p:nvCxnSpPr>
+        <p:spPr>
+          <a:xfrm>
+            <a:off x="518160" y="798667"/>
+            <a:ext cx="11175076" cy="0"/>
+          </a:xfrm>
+          <a:prstGeom prst="line">
+            <a:avLst/>
+          </a:prstGeom>
+        </p:spPr>
+        <p:style>
+          <a:lnRef idx="1">
+            <a:schemeClr val="accent1"/>
+          </a:lnRef>
+          <a:fillRef idx="0">
+            <a:schemeClr val="accent1"/>
+          </a:fillRef>
+          <a:effectRef idx="0">
+            <a:schemeClr val="accent1"/>
+          </a:effectRef>
+          <a:fontRef idx="minor">
+            <a:schemeClr val="tx1"/>
+          </a:fontRef>
+        </p:style>
+      </p:cxnSp>
     </p:spTree>
     <p:extLst>
       <p:ext uri="{BB962C8B-B14F-4D97-AF65-F5344CB8AC3E}">
@@ -8166,6 +8254,13 @@
   <p:clrMapOvr>
     <a:masterClrMapping/>
   </p:clrMapOvr>
+  <p:timing>
+    <p:tnLst>
+      <p:par>
+        <p:cTn id="1" dur="indefinite" restart="never" nodeType="tmRoot"/>
+      </p:par>
+    </p:tnLst>
+  </p:timing>
 </p:sld>
 </file>
 
@@ -8235,7 +8330,7 @@
         </p:nvCxnSpPr>
         <p:spPr>
           <a:xfrm>
-            <a:off x="1248032" y="902043"/>
+            <a:off x="989398" y="989012"/>
             <a:ext cx="9069860" cy="0"/>
           </a:xfrm>
           <a:prstGeom prst="line">
@@ -8276,7 +8371,7 @@
         </p:nvSpPr>
         <p:spPr>
           <a:xfrm>
-            <a:off x="290363" y="1235120"/>
+            <a:off x="290347" y="1067951"/>
             <a:ext cx="2162580" cy="369332"/>
           </a:xfrm>
           <a:prstGeom prst="rect">
@@ -8311,7 +8406,7 @@
         </p:nvSpPr>
         <p:spPr>
           <a:xfrm>
-            <a:off x="5942987" y="1184314"/>
+            <a:off x="5942971" y="1017145"/>
             <a:ext cx="1928541" cy="369332"/>
           </a:xfrm>
           <a:prstGeom prst="rect">
@@ -8360,7 +8455,7 @@
         </p:blipFill>
         <p:spPr>
           <a:xfrm>
-            <a:off x="67962" y="1816697"/>
+            <a:off x="67946" y="1649528"/>
             <a:ext cx="5715000" cy="3378200"/>
           </a:xfrm>
           <a:prstGeom prst="rect">
@@ -8383,7 +8478,7 @@
         <p:spPr>
           <a:xfrm>
             <a:off x="364005" y="5194897"/>
-            <a:ext cx="1007648" cy="369332"/>
+            <a:ext cx="10517623" cy="369332"/>
           </a:xfrm>
           <a:prstGeom prst="rect">
             <a:avLst/>
@@ -8398,9 +8493,10 @@
           <a:p>
             <a:pPr fontAlgn="base"/>
             <a:r>
-              <a:rPr lang="en-US" dirty="0"/>
-              <a:t>Weights:</a:t>
-            </a:r>
+              <a:rPr lang="en-US" dirty="0" smtClean="0"/>
+              <a:t>Weights (Definition: What would make someone in tech move cities or what would grow the tech labor force) :</a:t>
+            </a:r>
+            <a:endParaRPr lang="en-US" dirty="0"/>
           </a:p>
         </p:txBody>
       </p:sp>
@@ -9060,7 +9156,7 @@
         </p:blipFill>
         <p:spPr>
           <a:xfrm>
-            <a:off x="5942983" y="1809997"/>
+            <a:off x="5942967" y="1642828"/>
             <a:ext cx="5715000" cy="3378200"/>
           </a:xfrm>
           <a:prstGeom prst="rect">
@@ -9078,6 +9174,13 @@
   <p:clrMapOvr>
     <a:masterClrMapping/>
   </p:clrMapOvr>
+  <p:timing>
+    <p:tnLst>
+      <p:par>
+        <p:cTn id="1" dur="indefinite" restart="never" nodeType="tmRoot"/>
+      </p:par>
+    </p:tnLst>
+  </p:timing>
 </p:sld>
 </file>
 

--- a/Project1_Presentation.pptx
+++ b/Project1_Presentation.pptx
@@ -24,14 +24,12 @@
     <p:sldId id="285" r:id="rId18"/>
     <p:sldId id="283" r:id="rId19"/>
     <p:sldId id="280" r:id="rId20"/>
-    <p:sldId id="281" r:id="rId21"/>
-    <p:sldId id="275" r:id="rId22"/>
-    <p:sldId id="261" r:id="rId23"/>
-    <p:sldId id="277" r:id="rId24"/>
-    <p:sldId id="293" r:id="rId25"/>
-    <p:sldId id="289" r:id="rId26"/>
-    <p:sldId id="290" r:id="rId27"/>
-    <p:sldId id="292" r:id="rId28"/>
+    <p:sldId id="275" r:id="rId21"/>
+    <p:sldId id="261" r:id="rId22"/>
+    <p:sldId id="293" r:id="rId23"/>
+    <p:sldId id="289" r:id="rId24"/>
+    <p:sldId id="290" r:id="rId25"/>
+    <p:sldId id="292" r:id="rId26"/>
   </p:sldIdLst>
   <p:sldSz cx="12192000" cy="6858000"/>
   <p:notesSz cx="6858000" cy="9144000"/>
@@ -5732,89 +5730,6 @@
           <p:cNvPr id="2" name="Title 1">
             <a:extLst>
               <a:ext uri="{FF2B5EF4-FFF2-40B4-BE49-F238E27FC236}">
-                <a16:creationId xmlns:a16="http://schemas.microsoft.com/office/drawing/2014/main" id="{390EB264-3883-41F9-BACB-285D2229980C}"/>
-              </a:ext>
-            </a:extLst>
-          </p:cNvPr>
-          <p:cNvSpPr>
-            <a:spLocks noGrp="1"/>
-          </p:cNvSpPr>
-          <p:nvPr>
-            <p:ph type="title"/>
-          </p:nvPr>
-        </p:nvSpPr>
-        <p:spPr/>
-        <p:txBody>
-          <a:bodyPr/>
-          <a:lstStyle/>
-          <a:p>
-            <a:r>
-              <a:rPr lang="en-US" dirty="0"/>
-              <a:t>Lessons learnt </a:t>
-            </a:r>
-          </a:p>
-        </p:txBody>
-      </p:sp>
-      <p:sp>
-        <p:nvSpPr>
-          <p:cNvPr id="3" name="Content Placeholder 2">
-            <a:extLst>
-              <a:ext uri="{FF2B5EF4-FFF2-40B4-BE49-F238E27FC236}">
-                <a16:creationId xmlns:a16="http://schemas.microsoft.com/office/drawing/2014/main" id="{BEC8BDDB-FD44-4EB6-BE27-4A708B75BDAB}"/>
-              </a:ext>
-            </a:extLst>
-          </p:cNvPr>
-          <p:cNvSpPr>
-            <a:spLocks noGrp="1"/>
-          </p:cNvSpPr>
-          <p:nvPr>
-            <p:ph idx="1"/>
-          </p:nvPr>
-        </p:nvSpPr>
-        <p:spPr/>
-        <p:txBody>
-          <a:bodyPr/>
-          <a:lstStyle/>
-          <a:p>
-            <a:endParaRPr lang="en-US" dirty="0"/>
-          </a:p>
-        </p:txBody>
-      </p:sp>
-    </p:spTree>
-    <p:extLst>
-      <p:ext uri="{BB962C8B-B14F-4D97-AF65-F5344CB8AC3E}">
-        <p14:creationId xmlns:p14="http://schemas.microsoft.com/office/powerpoint/2010/main" val="2977691450"/>
-      </p:ext>
-    </p:extLst>
-  </p:cSld>
-  <p:clrMapOvr>
-    <a:masterClrMapping/>
-  </p:clrMapOvr>
-</p:sld>
-</file>
-
-<file path=ppt/slides/slide21.xml><?xml version="1.0" encoding="utf-8"?>
-<p:sld xmlns:a="http://schemas.openxmlformats.org/drawingml/2006/main" xmlns:r="http://schemas.openxmlformats.org/officeDocument/2006/relationships" xmlns:p="http://schemas.openxmlformats.org/presentationml/2006/main">
-  <p:cSld>
-    <p:spTree>
-      <p:nvGrpSpPr>
-        <p:cNvPr id="1" name=""/>
-        <p:cNvGrpSpPr/>
-        <p:nvPr/>
-      </p:nvGrpSpPr>
-      <p:grpSpPr>
-        <a:xfrm>
-          <a:off x="0" y="0"/>
-          <a:ext cx="0" cy="0"/>
-          <a:chOff x="0" y="0"/>
-          <a:chExt cx="0" cy="0"/>
-        </a:xfrm>
-      </p:grpSpPr>
-      <p:sp>
-        <p:nvSpPr>
-          <p:cNvPr id="2" name="Title 1">
-            <a:extLst>
-              <a:ext uri="{FF2B5EF4-FFF2-40B4-BE49-F238E27FC236}">
                 <a16:creationId xmlns:a16="http://schemas.microsoft.com/office/drawing/2014/main" id="{BD461D94-0D0F-0348-95E5-2A357932C23B}"/>
               </a:ext>
             </a:extLst>
@@ -5833,7 +5748,7 @@
           <a:p>
             <a:r>
               <a:rPr lang="en-US" dirty="0"/>
-              <a:t>Nearby Amenities</a:t>
+              <a:t>Nearby Amenities                     </a:t>
             </a:r>
           </a:p>
         </p:txBody>
@@ -5977,7 +5892,7 @@
 </p:sld>
 </file>
 
-<file path=ppt/slides/slide22.xml><?xml version="1.0" encoding="utf-8"?>
+<file path=ppt/slides/slide21.xml><?xml version="1.0" encoding="utf-8"?>
 <p:sld xmlns:a="http://schemas.openxmlformats.org/drawingml/2006/main" xmlns:r="http://schemas.openxmlformats.org/officeDocument/2006/relationships" xmlns:p="http://schemas.openxmlformats.org/presentationml/2006/main">
   <p:cSld>
     <p:spTree>
@@ -6023,8 +5938,8 @@
         </p:blipFill>
         <p:spPr>
           <a:xfrm>
-            <a:off x="1497330" y="3371850"/>
-            <a:ext cx="8341355" cy="2948940"/>
+            <a:off x="160020" y="2174695"/>
+            <a:ext cx="5463911" cy="1931670"/>
           </a:xfrm>
         </p:spPr>
       </p:pic>
@@ -6055,119 +5970,20 @@
         </p:blipFill>
         <p:spPr>
           <a:xfrm>
-            <a:off x="1497330" y="0"/>
-            <a:ext cx="8469630" cy="3009085"/>
+            <a:off x="160020" y="131480"/>
+            <a:ext cx="5463911" cy="1941215"/>
           </a:xfrm>
           <a:prstGeom prst="rect">
             <a:avLst/>
           </a:prstGeom>
         </p:spPr>
       </p:pic>
-    </p:spTree>
-    <p:extLst>
-      <p:ext uri="{BB962C8B-B14F-4D97-AF65-F5344CB8AC3E}">
-        <p14:creationId xmlns:p14="http://schemas.microsoft.com/office/powerpoint/2010/main" val="3344394509"/>
-      </p:ext>
-    </p:extLst>
-  </p:cSld>
-  <p:clrMapOvr>
-    <a:masterClrMapping/>
-  </p:clrMapOvr>
-</p:sld>
-</file>
-
-<file path=ppt/slides/slide23.xml><?xml version="1.0" encoding="utf-8"?>
-<p:sld xmlns:a="http://schemas.openxmlformats.org/drawingml/2006/main" xmlns:r="http://schemas.openxmlformats.org/officeDocument/2006/relationships" xmlns:p="http://schemas.openxmlformats.org/presentationml/2006/main">
-  <p:cSld>
-    <p:spTree>
-      <p:nvGrpSpPr>
-        <p:cNvPr id="1" name=""/>
-        <p:cNvGrpSpPr/>
-        <p:nvPr/>
-      </p:nvGrpSpPr>
-      <p:grpSpPr>
-        <a:xfrm>
-          <a:off x="0" y="0"/>
-          <a:ext cx="0" cy="0"/>
-          <a:chOff x="0" y="0"/>
-          <a:chExt cx="0" cy="0"/>
-        </a:xfrm>
-      </p:grpSpPr>
       <p:pic>
         <p:nvPicPr>
-          <p:cNvPr id="5" name="Content Placeholder 4">
+          <p:cNvPr id="4" name="Content Placeholder 4">
             <a:extLst>
               <a:ext uri="{FF2B5EF4-FFF2-40B4-BE49-F238E27FC236}">
-                <a16:creationId xmlns:a16="http://schemas.microsoft.com/office/drawing/2014/main" id="{36B990E2-5C8A-CE4F-BA1B-9615A1BA1A1D}"/>
-              </a:ext>
-            </a:extLst>
-          </p:cNvPr>
-          <p:cNvPicPr>
-            <a:picLocks noGrp="1" noChangeAspect="1"/>
-          </p:cNvPicPr>
-          <p:nvPr>
-            <p:ph idx="1"/>
-          </p:nvPr>
-        </p:nvPicPr>
-        <p:blipFill rotWithShape="1">
-          <a:blip r:embed="rId2">
-            <a:extLst>
-              <a:ext uri="{28A0092B-C50C-407E-A947-70E740481C1C}">
-                <a14:useLocalDpi xmlns:a14="http://schemas.microsoft.com/office/drawing/2010/main" val="0"/>
-              </a:ext>
-            </a:extLst>
-          </a:blip>
-          <a:srcRect t="7541" b="6508"/>
-          <a:stretch/>
-        </p:blipFill>
-        <p:spPr>
-          <a:xfrm>
-            <a:off x="18331" y="3533623"/>
-            <a:ext cx="8089879" cy="2594610"/>
-          </a:xfrm>
-        </p:spPr>
-      </p:pic>
-      <p:pic>
-        <p:nvPicPr>
-          <p:cNvPr id="7" name="Picture 6">
-            <a:extLst>
-              <a:ext uri="{FF2B5EF4-FFF2-40B4-BE49-F238E27FC236}">
-                <a16:creationId xmlns:a16="http://schemas.microsoft.com/office/drawing/2014/main" id="{F0B7390A-C610-2B43-8DC6-788A9A6E46F5}"/>
-              </a:ext>
-            </a:extLst>
-          </p:cNvPr>
-          <p:cNvPicPr>
-            <a:picLocks noChangeAspect="1"/>
-          </p:cNvPicPr>
-          <p:nvPr/>
-        </p:nvPicPr>
-        <p:blipFill rotWithShape="1">
-          <a:blip r:embed="rId3">
-            <a:extLst>
-              <a:ext uri="{28A0092B-C50C-407E-A947-70E740481C1C}">
-                <a14:useLocalDpi xmlns:a14="http://schemas.microsoft.com/office/drawing/2010/main" val="0"/>
-              </a:ext>
-            </a:extLst>
-          </a:blip>
-          <a:srcRect t="7157" r="-1893" b="5449"/>
-          <a:stretch/>
-        </p:blipFill>
-        <p:spPr>
-          <a:xfrm>
-            <a:off x="-1" y="1003783"/>
-            <a:ext cx="6905953" cy="2208047"/>
-          </a:xfrm>
-          <a:prstGeom prst="rect">
-            <a:avLst/>
-          </a:prstGeom>
-        </p:spPr>
-      </p:pic>
-      <p:pic>
-        <p:nvPicPr>
-          <p:cNvPr id="9" name="Picture 8">
-            <a:extLst>
-              <a:ext uri="{FF2B5EF4-FFF2-40B4-BE49-F238E27FC236}">
-                <a16:creationId xmlns:a16="http://schemas.microsoft.com/office/drawing/2014/main" id="{EB8C8D5D-5AF2-7D40-8967-2B74C36CFC4D}"/>
+                <a16:creationId xmlns:a16="http://schemas.microsoft.com/office/drawing/2014/main" id="{F930DFD4-7DC4-BA48-8BE0-C53550486381}"/>
               </a:ext>
             </a:extLst>
           </p:cNvPr>
@@ -6184,25 +6000,60 @@
               </a:ext>
             </a:extLst>
           </a:blip>
-          <a:srcRect l="7238" t="11981" r="8057" b="6871"/>
+          <a:srcRect t="-1188" b="6507"/>
           <a:stretch/>
         </p:blipFill>
         <p:spPr>
           <a:xfrm>
-            <a:off x="6767722" y="615163"/>
-            <a:ext cx="5416658" cy="2594610"/>
+            <a:off x="189782" y="4208365"/>
+            <a:ext cx="5434149" cy="1919867"/>
           </a:xfrm>
           <a:prstGeom prst="rect">
             <a:avLst/>
           </a:prstGeom>
         </p:spPr>
       </p:pic>
-      <p:sp>
-        <p:nvSpPr>
-          <p:cNvPr id="10" name="TextBox 9">
+      <p:pic>
+        <p:nvPicPr>
+          <p:cNvPr id="7" name="Picture 6">
             <a:extLst>
               <a:ext uri="{FF2B5EF4-FFF2-40B4-BE49-F238E27FC236}">
-                <a16:creationId xmlns:a16="http://schemas.microsoft.com/office/drawing/2014/main" id="{0BA7F892-9743-8143-96D2-F33A666E5F12}"/>
+                <a16:creationId xmlns:a16="http://schemas.microsoft.com/office/drawing/2014/main" id="{77BEE3A1-599D-2B46-8066-A4515D155334}"/>
+              </a:ext>
+            </a:extLst>
+          </p:cNvPr>
+          <p:cNvPicPr>
+            <a:picLocks noChangeAspect="1"/>
+          </p:cNvPicPr>
+          <p:nvPr/>
+        </p:nvPicPr>
+        <p:blipFill rotWithShape="1">
+          <a:blip r:embed="rId5">
+            <a:extLst>
+              <a:ext uri="{28A0092B-C50C-407E-A947-70E740481C1C}">
+                <a14:useLocalDpi xmlns:a14="http://schemas.microsoft.com/office/drawing/2010/main" val="0"/>
+              </a:ext>
+            </a:extLst>
+          </a:blip>
+          <a:srcRect t="7157" r="-1893" b="5449"/>
+          <a:stretch/>
+        </p:blipFill>
+        <p:spPr>
+          <a:xfrm>
+            <a:off x="6435089" y="325714"/>
+            <a:ext cx="5463911" cy="1746981"/>
+          </a:xfrm>
+          <a:prstGeom prst="rect">
+            <a:avLst/>
+          </a:prstGeom>
+        </p:spPr>
+      </p:pic>
+      <p:sp>
+        <p:nvSpPr>
+          <p:cNvPr id="8" name="TextBox 7">
+            <a:extLst>
+              <a:ext uri="{FF2B5EF4-FFF2-40B4-BE49-F238E27FC236}">
+                <a16:creationId xmlns:a16="http://schemas.microsoft.com/office/drawing/2014/main" id="{9002BB3E-30A7-3C48-9B2B-D6092C00DC4D}"/>
               </a:ext>
             </a:extLst>
           </p:cNvPr>
@@ -6211,8 +6062,8 @@
         </p:nvSpPr>
         <p:spPr>
           <a:xfrm>
-            <a:off x="8375012" y="338164"/>
-            <a:ext cx="2202078" cy="276999"/>
+            <a:off x="8150090" y="131480"/>
+            <a:ext cx="2033908" cy="238527"/>
           </a:xfrm>
           <a:prstGeom prst="rect">
             <a:avLst/>
@@ -6220,26 +6071,115 @@
           <a:noFill/>
         </p:spPr>
         <p:txBody>
-          <a:bodyPr wrap="none" rtlCol="0">
+          <a:bodyPr wrap="square" rtlCol="0">
             <a:spAutoFit/>
           </a:bodyPr>
           <a:lstStyle/>
           <a:p>
             <a:r>
-              <a:rPr lang="en-US" sz="1200" b="1" dirty="0">
+              <a:rPr lang="en-US" sz="950" b="1" dirty="0">
                 <a:latin typeface="Arial Rounded MT Bold" panose="020F0704030504030204" pitchFamily="34" charset="77"/>
               </a:rPr>
-              <a:t>City Refreshments Ranking</a:t>
-            </a:r>
-          </a:p>
-        </p:txBody>
-      </p:sp>
-      <p:sp>
-        <p:nvSpPr>
-          <p:cNvPr id="11" name="TextBox 10">
+              <a:t>City Gymnasium Ranking</a:t>
+            </a:r>
+          </a:p>
+        </p:txBody>
+      </p:sp>
+      <p:sp>
+        <p:nvSpPr>
+          <p:cNvPr id="6" name="Rectangle 5">
             <a:extLst>
               <a:ext uri="{FF2B5EF4-FFF2-40B4-BE49-F238E27FC236}">
-                <a16:creationId xmlns:a16="http://schemas.microsoft.com/office/drawing/2014/main" id="{E4867827-C2BD-3A44-9CDA-CADE25064467}"/>
+                <a16:creationId xmlns:a16="http://schemas.microsoft.com/office/drawing/2014/main" id="{400D8EB4-3C96-6445-A8B7-531B20BD3B35}"/>
+              </a:ext>
+            </a:extLst>
+          </p:cNvPr>
+          <p:cNvSpPr/>
+          <p:nvPr/>
+        </p:nvSpPr>
+        <p:spPr>
+          <a:xfrm>
+            <a:off x="5509260" y="1657350"/>
+            <a:ext cx="1040130" cy="137160"/>
+          </a:xfrm>
+          <a:prstGeom prst="rect">
+            <a:avLst/>
+          </a:prstGeom>
+          <a:solidFill>
+            <a:schemeClr val="bg1"/>
+          </a:solidFill>
+          <a:ln>
+            <a:solidFill>
+              <a:schemeClr val="bg1"/>
+            </a:solidFill>
+          </a:ln>
+        </p:spPr>
+        <p:style>
+          <a:lnRef idx="2">
+            <a:schemeClr val="accent1">
+              <a:shade val="50000"/>
+            </a:schemeClr>
+          </a:lnRef>
+          <a:fillRef idx="1">
+            <a:schemeClr val="accent1"/>
+          </a:fillRef>
+          <a:effectRef idx="0">
+            <a:schemeClr val="accent1"/>
+          </a:effectRef>
+          <a:fontRef idx="minor">
+            <a:schemeClr val="lt1"/>
+          </a:fontRef>
+        </p:style>
+        <p:txBody>
+          <a:bodyPr rtlCol="0" anchor="ctr"/>
+          <a:lstStyle/>
+          <a:p>
+            <a:pPr algn="ctr"/>
+            <a:endParaRPr lang="en-US"/>
+          </a:p>
+        </p:txBody>
+      </p:sp>
+      <p:pic>
+        <p:nvPicPr>
+          <p:cNvPr id="11" name="Picture 10">
+            <a:extLst>
+              <a:ext uri="{FF2B5EF4-FFF2-40B4-BE49-F238E27FC236}">
+                <a16:creationId xmlns:a16="http://schemas.microsoft.com/office/drawing/2014/main" id="{1C7BDB0E-7B94-BE41-9862-E2F150F683BF}"/>
+              </a:ext>
+            </a:extLst>
+          </p:cNvPr>
+          <p:cNvPicPr>
+            <a:picLocks noChangeAspect="1"/>
+          </p:cNvPicPr>
+          <p:nvPr/>
+        </p:nvPicPr>
+        <p:blipFill rotWithShape="1">
+          <a:blip r:embed="rId6">
+            <a:extLst>
+              <a:ext uri="{28A0092B-C50C-407E-A947-70E740481C1C}">
+                <a14:useLocalDpi xmlns:a14="http://schemas.microsoft.com/office/drawing/2010/main" val="0"/>
+              </a:ext>
+            </a:extLst>
+          </a:blip>
+          <a:srcRect l="7238" t="11981" r="8057" b="6871"/>
+          <a:stretch/>
+        </p:blipFill>
+        <p:spPr>
+          <a:xfrm>
+            <a:off x="6482342" y="2346962"/>
+            <a:ext cx="5416658" cy="2594610"/>
+          </a:xfrm>
+          <a:prstGeom prst="rect">
+            <a:avLst/>
+          </a:prstGeom>
+        </p:spPr>
+      </p:pic>
+      <p:sp>
+        <p:nvSpPr>
+          <p:cNvPr id="12" name="TextBox 11">
+            <a:extLst>
+              <a:ext uri="{FF2B5EF4-FFF2-40B4-BE49-F238E27FC236}">
+                <a16:creationId xmlns:a16="http://schemas.microsoft.com/office/drawing/2014/main" id="{4E866195-45D8-2E4D-AA91-B00032E00B23}"/>
               </a:ext>
             </a:extLst>
           </p:cNvPr>
@@ -6248,8 +6188,8 @@
         </p:nvSpPr>
         <p:spPr>
           <a:xfrm>
-            <a:off x="1257932" y="341974"/>
-            <a:ext cx="2043060" cy="276999"/>
+            <a:off x="8202736" y="2108435"/>
+            <a:ext cx="1794081" cy="238527"/>
           </a:xfrm>
           <a:prstGeom prst="rect">
             <a:avLst/>
@@ -6263,20 +6203,20 @@
           <a:lstStyle/>
           <a:p>
             <a:r>
-              <a:rPr lang="en-US" sz="1200" b="1" dirty="0">
+              <a:rPr lang="en-US" sz="950" b="1" dirty="0">
                 <a:latin typeface="Arial Rounded MT Bold" panose="020F0704030504030204" pitchFamily="34" charset="77"/>
               </a:rPr>
-              <a:t>City Gymnasium Ranking</a:t>
-            </a:r>
-          </a:p>
-        </p:txBody>
-      </p:sp>
-      <p:sp>
-        <p:nvSpPr>
-          <p:cNvPr id="12" name="TextBox 11">
+              <a:t>City Refreshments Ranking</a:t>
+            </a:r>
+          </a:p>
+        </p:txBody>
+      </p:sp>
+      <p:sp>
+        <p:nvSpPr>
+          <p:cNvPr id="9" name="TextBox 8">
             <a:extLst>
               <a:ext uri="{FF2B5EF4-FFF2-40B4-BE49-F238E27FC236}">
-                <a16:creationId xmlns:a16="http://schemas.microsoft.com/office/drawing/2014/main" id="{F9429A70-E256-964E-A767-948DBCB84358}"/>
+                <a16:creationId xmlns:a16="http://schemas.microsoft.com/office/drawing/2014/main" id="{3B19A831-84D7-6546-B194-2C799EA1257A}"/>
               </a:ext>
             </a:extLst>
           </p:cNvPr>
@@ -6285,8 +6225,68 @@
         </p:nvSpPr>
         <p:spPr>
           <a:xfrm>
-            <a:off x="2846702" y="3359494"/>
-            <a:ext cx="1758238" cy="276999"/>
+            <a:off x="6693315" y="5571256"/>
+            <a:ext cx="5498685" cy="738664"/>
+          </a:xfrm>
+          <a:prstGeom prst="rect">
+            <a:avLst/>
+          </a:prstGeom>
+          <a:solidFill>
+            <a:schemeClr val="accent5">
+              <a:lumMod val="20000"/>
+              <a:lumOff val="80000"/>
+            </a:schemeClr>
+          </a:solidFill>
+        </p:spPr>
+        <p:txBody>
+          <a:bodyPr wrap="none" rtlCol="0">
+            <a:spAutoFit/>
+          </a:bodyPr>
+          <a:lstStyle/>
+          <a:p>
+            <a:r>
+              <a:rPr lang="en-US" sz="1400" b="1" dirty="0"/>
+              <a:t>Observations:</a:t>
+            </a:r>
+          </a:p>
+          <a:p>
+            <a:pPr marL="285750" indent="-285750">
+              <a:buFont typeface="Wingdings" pitchFamily="2" charset="2"/>
+              <a:buChar char="Ø"/>
+            </a:pPr>
+            <a:r>
+              <a:rPr lang="en-US" sz="1400" b="1" dirty="0"/>
+              <a:t>New York, Chicago &amp; Boston</a:t>
+            </a:r>
+            <a:r>
+              <a:rPr lang="en-US" sz="1400" dirty="0"/>
+              <a:t> were consistently top cities for most of</a:t>
+            </a:r>
+          </a:p>
+          <a:p>
+            <a:r>
+              <a:rPr lang="en-US" sz="1400" dirty="0"/>
+              <a:t>       the amenities.</a:t>
+            </a:r>
+          </a:p>
+        </p:txBody>
+      </p:sp>
+      <p:sp>
+        <p:nvSpPr>
+          <p:cNvPr id="13" name="TextBox 12">
+            <a:extLst>
+              <a:ext uri="{FF2B5EF4-FFF2-40B4-BE49-F238E27FC236}">
+                <a16:creationId xmlns:a16="http://schemas.microsoft.com/office/drawing/2014/main" id="{912993C5-A7B1-D64D-9B5F-6980B6E6EC6A}"/>
+              </a:ext>
+            </a:extLst>
+          </p:cNvPr>
+          <p:cNvSpPr txBox="1"/>
+          <p:nvPr/>
+        </p:nvSpPr>
+        <p:spPr>
+          <a:xfrm>
+            <a:off x="6693315" y="4979415"/>
+            <a:ext cx="4140877" cy="553998"/>
           </a:xfrm>
           <a:prstGeom prst="rect">
             <a:avLst/>
@@ -6300,10 +6300,20 @@
           <a:lstStyle/>
           <a:p>
             <a:r>
-              <a:rPr lang="en-US" sz="1200" b="1" dirty="0">
-                <a:latin typeface="Arial Rounded MT Bold" panose="020F0704030504030204" pitchFamily="34" charset="77"/>
-              </a:rPr>
-              <a:t>City Errands Ranking</a:t>
+              <a:rPr lang="en-US" sz="1000" dirty="0"/>
+              <a:t>*City Amenities results within 2 mile radius were averaged over all the sites.</a:t>
+            </a:r>
+          </a:p>
+          <a:p>
+            <a:r>
+              <a:rPr lang="en-US" sz="1000" dirty="0"/>
+              <a:t>** For Restaurants and Cafes, all cities had more than 20, and so was </a:t>
+            </a:r>
+          </a:p>
+          <a:p>
+            <a:r>
+              <a:rPr lang="en-US" sz="1000" dirty="0"/>
+              <a:t>ranked over average ratings. </a:t>
             </a:r>
           </a:p>
         </p:txBody>
@@ -6311,7 +6321,7 @@
     </p:spTree>
     <p:extLst>
       <p:ext uri="{BB962C8B-B14F-4D97-AF65-F5344CB8AC3E}">
-        <p14:creationId xmlns:p14="http://schemas.microsoft.com/office/powerpoint/2010/main" val="1367037543"/>
+        <p14:creationId xmlns:p14="http://schemas.microsoft.com/office/powerpoint/2010/main" val="3344394509"/>
       </p:ext>
     </p:extLst>
   </p:cSld>
@@ -6321,7 +6331,7 @@
 </p:sld>
 </file>
 
-<file path=ppt/slides/slide24.xml><?xml version="1.0" encoding="utf-8"?>
+<file path=ppt/slides/slide22.xml><?xml version="1.0" encoding="utf-8"?>
 <p:sld xmlns:a="http://schemas.openxmlformats.org/drawingml/2006/main" xmlns:r="http://schemas.openxmlformats.org/officeDocument/2006/relationships" xmlns:p="http://schemas.openxmlformats.org/presentationml/2006/main">
   <p:cSld>
     <p:spTree>
@@ -6368,8 +6378,8 @@
         </p:blipFill>
         <p:spPr>
           <a:xfrm>
-            <a:off x="342583" y="3726180"/>
-            <a:ext cx="7478775" cy="2495125"/>
+            <a:off x="180376" y="758435"/>
+            <a:ext cx="6318159" cy="2107912"/>
           </a:xfrm>
         </p:spPr>
       </p:pic>
@@ -6401,8 +6411,8 @@
         </p:blipFill>
         <p:spPr>
           <a:xfrm>
-            <a:off x="6660742" y="196618"/>
-            <a:ext cx="5189842" cy="3712442"/>
+            <a:off x="466126" y="2944512"/>
+            <a:ext cx="4482375" cy="3206371"/>
           </a:xfrm>
           <a:prstGeom prst="rect">
             <a:avLst/>
@@ -6421,41 +6431,6 @@
       </p:pic>
       <p:sp>
         <p:nvSpPr>
-          <p:cNvPr id="6" name="Title 1">
-            <a:extLst>
-              <a:ext uri="{FF2B5EF4-FFF2-40B4-BE49-F238E27FC236}">
-                <a16:creationId xmlns:a16="http://schemas.microsoft.com/office/drawing/2014/main" id="{F7AE8CE4-FE90-A745-8DB6-6765DD447C6B}"/>
-              </a:ext>
-            </a:extLst>
-          </p:cNvPr>
-          <p:cNvSpPr>
-            <a:spLocks noGrp="1"/>
-          </p:cNvSpPr>
-          <p:nvPr>
-            <p:ph type="title"/>
-          </p:nvPr>
-        </p:nvSpPr>
-        <p:spPr>
-          <a:xfrm>
-            <a:off x="1097280" y="286603"/>
-            <a:ext cx="10058400" cy="1450757"/>
-          </a:xfrm>
-        </p:spPr>
-        <p:txBody>
-          <a:bodyPr>
-            <a:normAutofit/>
-          </a:bodyPr>
-          <a:lstStyle/>
-          <a:p>
-            <a:r>
-              <a:rPr lang="en-US" sz="4000" dirty="0"/>
-              <a:t>Environment Index</a:t>
-            </a:r>
-          </a:p>
-        </p:txBody>
-      </p:sp>
-      <p:sp>
-        <p:nvSpPr>
           <p:cNvPr id="4" name="TextBox 3">
             <a:extLst>
               <a:ext uri="{FF2B5EF4-FFF2-40B4-BE49-F238E27FC236}">
@@ -6468,8 +6443,8 @@
         </p:nvSpPr>
         <p:spPr>
           <a:xfrm>
-            <a:off x="8401050" y="4423410"/>
-            <a:ext cx="3449534" cy="1661993"/>
+            <a:off x="5344104" y="4121339"/>
+            <a:ext cx="6523503" cy="738664"/>
           </a:xfrm>
           <a:prstGeom prst="rect">
             <a:avLst/>
@@ -6482,18 +6457,14 @@
           </a:solidFill>
         </p:spPr>
         <p:txBody>
-          <a:bodyPr wrap="none" rtlCol="0">
+          <a:bodyPr wrap="square" rtlCol="0">
             <a:spAutoFit/>
           </a:bodyPr>
           <a:lstStyle/>
           <a:p>
             <a:r>
               <a:rPr lang="en-US" sz="1400" b="1" dirty="0"/>
-              <a:t>Observations</a:t>
-            </a:r>
-            <a:r>
-              <a:rPr lang="en-US" b="1" dirty="0"/>
-              <a:t>:</a:t>
+              <a:t>Amenity vs Walk Score Observations:</a:t>
             </a:r>
           </a:p>
           <a:p>
@@ -6502,46 +6473,18 @@
               <a:buChar char="Ø"/>
             </a:pPr>
             <a:r>
+              <a:rPr lang="en-US" sz="1400" b="1" dirty="0"/>
+              <a:t>New York, Chicago &amp; Boston </a:t>
+            </a:r>
+            <a:r>
               <a:rPr lang="en-US" sz="1400" dirty="0"/>
-              <a:t>Most cities with higher Climate Index</a:t>
+              <a:t>not only were consistently top cities for most of</a:t>
             </a:r>
           </a:p>
           <a:p>
             <a:r>
               <a:rPr lang="en-US" sz="1400" dirty="0"/>
-              <a:t>       also tends to have a very high Pollution</a:t>
-            </a:r>
-          </a:p>
-          <a:p>
-            <a:r>
-              <a:rPr lang="en-US" sz="1400" dirty="0"/>
-              <a:t>       Index, which is highly contradictory.</a:t>
-            </a:r>
-          </a:p>
-          <a:p>
-            <a:pPr marL="285750" indent="-285750">
-              <a:buFont typeface="Wingdings" pitchFamily="2" charset="2"/>
-              <a:buChar char="Ø"/>
-            </a:pPr>
-            <a:r>
-              <a:rPr lang="en-US" sz="1400" b="1" dirty="0"/>
-              <a:t>Raleigh</a:t>
-            </a:r>
-            <a:r>
-              <a:rPr lang="en-US" sz="1400" dirty="0"/>
-              <a:t> fairs well amongst all as it has</a:t>
-            </a:r>
-          </a:p>
-          <a:p>
-            <a:r>
-              <a:rPr lang="en-US" sz="1400" dirty="0"/>
-              <a:t>        Climate Index and lower Pollution Index.</a:t>
-            </a:r>
-          </a:p>
-          <a:p>
-            <a:r>
-              <a:rPr lang="en-US" sz="1400" dirty="0"/>
-              <a:t> </a:t>
+              <a:t>       the amenities, but also had best walk score.</a:t>
             </a:r>
           </a:p>
         </p:txBody>
@@ -6609,6 +6552,324 @@
               <a:t>=2018&amp;region=019</a:t>
             </a:r>
             <a:endParaRPr lang="en-US" sz="1100" dirty="0"/>
+          </a:p>
+        </p:txBody>
+      </p:sp>
+      <p:sp>
+        <p:nvSpPr>
+          <p:cNvPr id="11" name="TextBox 10">
+            <a:extLst>
+              <a:ext uri="{FF2B5EF4-FFF2-40B4-BE49-F238E27FC236}">
+                <a16:creationId xmlns:a16="http://schemas.microsoft.com/office/drawing/2014/main" id="{C1EB101A-557C-B742-8621-0B2B4F845F4F}"/>
+              </a:ext>
+            </a:extLst>
+          </p:cNvPr>
+          <p:cNvSpPr txBox="1"/>
+          <p:nvPr/>
+        </p:nvSpPr>
+        <p:spPr>
+          <a:xfrm>
+            <a:off x="185527" y="208543"/>
+            <a:ext cx="5514587" cy="461665"/>
+          </a:xfrm>
+          <a:prstGeom prst="rect">
+            <a:avLst/>
+          </a:prstGeom>
+          <a:noFill/>
+        </p:spPr>
+        <p:txBody>
+          <a:bodyPr wrap="none" rtlCol="0">
+            <a:spAutoFit/>
+          </a:bodyPr>
+          <a:lstStyle/>
+          <a:p>
+            <a:r>
+              <a:rPr lang="en-US" sz="2400" b="1" dirty="0"/>
+              <a:t>Amenities &amp; Environment Index summary</a:t>
+            </a:r>
+          </a:p>
+        </p:txBody>
+      </p:sp>
+      <p:cxnSp>
+        <p:nvCxnSpPr>
+          <p:cNvPr id="13" name="Straight Connector 12">
+            <a:extLst>
+              <a:ext uri="{FF2B5EF4-FFF2-40B4-BE49-F238E27FC236}">
+                <a16:creationId xmlns:a16="http://schemas.microsoft.com/office/drawing/2014/main" id="{39131A28-7C0F-014F-8DE5-068C6C1DCF44}"/>
+              </a:ext>
+            </a:extLst>
+          </p:cNvPr>
+          <p:cNvCxnSpPr/>
+          <p:nvPr/>
+        </p:nvCxnSpPr>
+        <p:spPr>
+          <a:xfrm>
+            <a:off x="0" y="608653"/>
+            <a:ext cx="12192000" cy="0"/>
+          </a:xfrm>
+          <a:prstGeom prst="line">
+            <a:avLst/>
+          </a:prstGeom>
+          <a:ln>
+            <a:solidFill>
+              <a:schemeClr val="tx1"/>
+            </a:solidFill>
+          </a:ln>
+        </p:spPr>
+        <p:style>
+          <a:lnRef idx="1">
+            <a:schemeClr val="accent1"/>
+          </a:lnRef>
+          <a:fillRef idx="0">
+            <a:schemeClr val="accent1"/>
+          </a:fillRef>
+          <a:effectRef idx="0">
+            <a:schemeClr val="accent1"/>
+          </a:effectRef>
+          <a:fontRef idx="minor">
+            <a:schemeClr val="tx1"/>
+          </a:fontRef>
+        </p:style>
+      </p:cxnSp>
+      <p:sp>
+        <p:nvSpPr>
+          <p:cNvPr id="14" name="TextBox 13">
+            <a:extLst>
+              <a:ext uri="{FF2B5EF4-FFF2-40B4-BE49-F238E27FC236}">
+                <a16:creationId xmlns:a16="http://schemas.microsoft.com/office/drawing/2014/main" id="{ED540B83-7037-AC4B-8A24-1C59DF45346D}"/>
+              </a:ext>
+            </a:extLst>
+          </p:cNvPr>
+          <p:cNvSpPr txBox="1"/>
+          <p:nvPr/>
+        </p:nvSpPr>
+        <p:spPr>
+          <a:xfrm>
+            <a:off x="5347914" y="4913819"/>
+            <a:ext cx="6523503" cy="954107"/>
+          </a:xfrm>
+          <a:prstGeom prst="rect">
+            <a:avLst/>
+          </a:prstGeom>
+          <a:solidFill>
+            <a:schemeClr val="accent5">
+              <a:lumMod val="20000"/>
+              <a:lumOff val="80000"/>
+            </a:schemeClr>
+          </a:solidFill>
+        </p:spPr>
+        <p:txBody>
+          <a:bodyPr wrap="square" rtlCol="0">
+            <a:spAutoFit/>
+          </a:bodyPr>
+          <a:lstStyle/>
+          <a:p>
+            <a:r>
+              <a:rPr lang="en-US" sz="1400" b="1" dirty="0"/>
+              <a:t>Environment Index Observations:</a:t>
+            </a:r>
+            <a:endParaRPr lang="en-US" sz="1400" dirty="0"/>
+          </a:p>
+          <a:p>
+            <a:pPr marL="285750" indent="-285750">
+              <a:buFont typeface="Wingdings" pitchFamily="2" charset="2"/>
+              <a:buChar char="Ø"/>
+            </a:pPr>
+            <a:r>
+              <a:rPr lang="en-US" sz="1400" dirty="0"/>
+              <a:t>Most cities with higher Climate Index also tends to have a very high Pollution Index, which is highly contradictory.</a:t>
+            </a:r>
+          </a:p>
+          <a:p>
+            <a:pPr marL="285750" indent="-285750">
+              <a:buFont typeface="Wingdings" pitchFamily="2" charset="2"/>
+              <a:buChar char="Ø"/>
+            </a:pPr>
+            <a:r>
+              <a:rPr lang="en-US" sz="1400" b="1" dirty="0"/>
+              <a:t>Raleigh</a:t>
+            </a:r>
+            <a:r>
+              <a:rPr lang="en-US" sz="1400" dirty="0"/>
+              <a:t> fairs well amongst all as it has Climate Index and lower Pollution Index.</a:t>
+            </a:r>
+          </a:p>
+        </p:txBody>
+      </p:sp>
+      <p:sp>
+        <p:nvSpPr>
+          <p:cNvPr id="15" name="Rectangle 14">
+            <a:extLst>
+              <a:ext uri="{FF2B5EF4-FFF2-40B4-BE49-F238E27FC236}">
+                <a16:creationId xmlns:a16="http://schemas.microsoft.com/office/drawing/2014/main" id="{080CAF0A-9316-504B-B99C-3E8F645FCFE2}"/>
+              </a:ext>
+            </a:extLst>
+          </p:cNvPr>
+          <p:cNvSpPr/>
+          <p:nvPr/>
+        </p:nvSpPr>
+        <p:spPr>
+          <a:xfrm>
+            <a:off x="6419756" y="1611629"/>
+            <a:ext cx="1078323" cy="125731"/>
+          </a:xfrm>
+          <a:prstGeom prst="rect">
+            <a:avLst/>
+          </a:prstGeom>
+          <a:solidFill>
+            <a:schemeClr val="bg1"/>
+          </a:solidFill>
+          <a:ln>
+            <a:solidFill>
+              <a:schemeClr val="bg1"/>
+            </a:solidFill>
+          </a:ln>
+        </p:spPr>
+        <p:style>
+          <a:lnRef idx="2">
+            <a:schemeClr val="accent1">
+              <a:shade val="50000"/>
+            </a:schemeClr>
+          </a:lnRef>
+          <a:fillRef idx="1">
+            <a:schemeClr val="accent1"/>
+          </a:fillRef>
+          <a:effectRef idx="0">
+            <a:schemeClr val="accent1"/>
+          </a:effectRef>
+          <a:fontRef idx="minor">
+            <a:schemeClr val="lt1"/>
+          </a:fontRef>
+        </p:style>
+        <p:txBody>
+          <a:bodyPr rtlCol="0" anchor="ctr"/>
+          <a:lstStyle/>
+          <a:p>
+            <a:pPr algn="ctr"/>
+            <a:endParaRPr lang="en-US"/>
+          </a:p>
+        </p:txBody>
+      </p:sp>
+      <p:pic>
+        <p:nvPicPr>
+          <p:cNvPr id="10" name="Picture 9">
+            <a:extLst>
+              <a:ext uri="{FF2B5EF4-FFF2-40B4-BE49-F238E27FC236}">
+                <a16:creationId xmlns:a16="http://schemas.microsoft.com/office/drawing/2014/main" id="{6958D2B4-2D3C-CB45-B8C0-FFC226462351}"/>
+              </a:ext>
+            </a:extLst>
+          </p:cNvPr>
+          <p:cNvPicPr>
+            <a:picLocks noChangeAspect="1"/>
+          </p:cNvPicPr>
+          <p:nvPr/>
+        </p:nvPicPr>
+        <p:blipFill>
+          <a:blip r:embed="rId5">
+            <a:extLst>
+              <a:ext uri="{28A0092B-C50C-407E-A947-70E740481C1C}">
+                <a14:useLocalDpi xmlns:a14="http://schemas.microsoft.com/office/drawing/2010/main" val="0"/>
+              </a:ext>
+            </a:extLst>
+          </a:blip>
+          <a:stretch>
+            <a:fillRect/>
+          </a:stretch>
+        </p:blipFill>
+        <p:spPr>
+          <a:xfrm>
+            <a:off x="7407329" y="208543"/>
+            <a:ext cx="4460279" cy="3207697"/>
+          </a:xfrm>
+          <a:prstGeom prst="rect">
+            <a:avLst/>
+          </a:prstGeom>
+          <a:ln>
+            <a:noFill/>
+          </a:ln>
+          <a:effectLst>
+            <a:outerShdw blurRad="190500" algn="tl" rotWithShape="0">
+              <a:srgbClr val="000000">
+                <a:alpha val="70000"/>
+              </a:srgbClr>
+            </a:outerShdw>
+          </a:effectLst>
+        </p:spPr>
+      </p:pic>
+      <p:pic>
+        <p:nvPicPr>
+          <p:cNvPr id="16" name="Content Placeholder 4">
+            <a:extLst>
+              <a:ext uri="{FF2B5EF4-FFF2-40B4-BE49-F238E27FC236}">
+                <a16:creationId xmlns:a16="http://schemas.microsoft.com/office/drawing/2014/main" id="{5C377463-4E64-0343-AE2D-9E67A0801FC5}"/>
+              </a:ext>
+            </a:extLst>
+          </p:cNvPr>
+          <p:cNvPicPr>
+            <a:picLocks noChangeAspect="1"/>
+          </p:cNvPicPr>
+          <p:nvPr/>
+        </p:nvPicPr>
+        <p:blipFill>
+          <a:blip r:embed="rId2">
+            <a:extLst>
+              <a:ext uri="{28A0092B-C50C-407E-A947-70E740481C1C}">
+                <a14:useLocalDpi xmlns:a14="http://schemas.microsoft.com/office/drawing/2010/main" val="0"/>
+              </a:ext>
+            </a:extLst>
+          </a:blip>
+          <a:stretch>
+            <a:fillRect/>
+          </a:stretch>
+        </p:blipFill>
+        <p:spPr>
+          <a:xfrm>
+            <a:off x="185527" y="765113"/>
+            <a:ext cx="6318159" cy="2107912"/>
+          </a:xfrm>
+          <a:prstGeom prst="rect">
+            <a:avLst/>
+          </a:prstGeom>
+        </p:spPr>
+      </p:pic>
+      <p:sp>
+        <p:nvSpPr>
+          <p:cNvPr id="17" name="TextBox 16">
+            <a:extLst>
+              <a:ext uri="{FF2B5EF4-FFF2-40B4-BE49-F238E27FC236}">
+                <a16:creationId xmlns:a16="http://schemas.microsoft.com/office/drawing/2014/main" id="{4445F055-FCE5-1D40-9159-47316912EEEA}"/>
+              </a:ext>
+            </a:extLst>
+          </p:cNvPr>
+          <p:cNvSpPr txBox="1"/>
+          <p:nvPr/>
+        </p:nvSpPr>
+        <p:spPr>
+          <a:xfrm>
+            <a:off x="7311025" y="3539351"/>
+            <a:ext cx="4514377" cy="400110"/>
+          </a:xfrm>
+          <a:prstGeom prst="rect">
+            <a:avLst/>
+          </a:prstGeom>
+          <a:noFill/>
+        </p:spPr>
+        <p:txBody>
+          <a:bodyPr wrap="none" rtlCol="0">
+            <a:spAutoFit/>
+          </a:bodyPr>
+          <a:lstStyle/>
+          <a:p>
+            <a:r>
+              <a:rPr lang="en-US" sz="1000" dirty="0"/>
+              <a:t>*Looking at the correlation between Amenities accessibility within 2 miles radius of</a:t>
+            </a:r>
+          </a:p>
+          <a:p>
+            <a:r>
+              <a:rPr lang="en-US" sz="1000" dirty="0"/>
+              <a:t>Site and its walk score  to observe the efficiency of site.</a:t>
+            </a:r>
           </a:p>
         </p:txBody>
       </p:sp>
@@ -6625,7 +6886,7 @@
 </p:sld>
 </file>
 
-<file path=ppt/slides/slide25.xml><?xml version="1.0" encoding="utf-8"?>
+<file path=ppt/slides/slide23.xml><?xml version="1.0" encoding="utf-8"?>
 <p:sld xmlns:a="http://schemas.openxmlformats.org/drawingml/2006/main" xmlns:r="http://schemas.openxmlformats.org/officeDocument/2006/relationships" xmlns:p="http://schemas.openxmlformats.org/presentationml/2006/main">
   <p:cSld>
     <p:spTree>
@@ -7188,7 +7449,7 @@
 </p:sld>
 </file>
 
-<file path=ppt/slides/slide26.xml><?xml version="1.0" encoding="utf-8"?>
+<file path=ppt/slides/slide24.xml><?xml version="1.0" encoding="utf-8"?>
 <p:sld xmlns:a="http://schemas.openxmlformats.org/drawingml/2006/main" xmlns:r="http://schemas.openxmlformats.org/officeDocument/2006/relationships" xmlns:p="http://schemas.openxmlformats.org/presentationml/2006/main">
   <p:cSld>
     <p:spTree>
@@ -8169,7 +8430,7 @@
 </p:sld>
 </file>
 
-<file path=ppt/slides/slide27.xml><?xml version="1.0" encoding="utf-8"?>
+<file path=ppt/slides/slide25.xml><?xml version="1.0" encoding="utf-8"?>
 <p:sld xmlns:a="http://schemas.openxmlformats.org/drawingml/2006/main" xmlns:r="http://schemas.openxmlformats.org/officeDocument/2006/relationships" xmlns:p="http://schemas.openxmlformats.org/presentationml/2006/main">
   <p:cSld>
     <p:spTree>

--- a/Project1_Presentation.pptx
+++ b/Project1_Presentation.pptx
@@ -27,11 +27,10 @@
     <p:sldId id="281" r:id="rId21"/>
     <p:sldId id="275" r:id="rId22"/>
     <p:sldId id="261" r:id="rId23"/>
-    <p:sldId id="277" r:id="rId24"/>
-    <p:sldId id="293" r:id="rId25"/>
-    <p:sldId id="289" r:id="rId26"/>
-    <p:sldId id="290" r:id="rId27"/>
-    <p:sldId id="292" r:id="rId28"/>
+    <p:sldId id="293" r:id="rId24"/>
+    <p:sldId id="289" r:id="rId25"/>
+    <p:sldId id="290" r:id="rId26"/>
+    <p:sldId id="292" r:id="rId27"/>
   </p:sldIdLst>
   <p:sldSz cx="12192000" cy="6858000"/>
   <p:notesSz cx="6858000" cy="9144000"/>
@@ -364,7 +363,7 @@
           <a:p>
             <a:fld id="{F70A646C-22A8-4D69-ACFD-CD88A31D50DB}" type="datetimeFigureOut">
               <a:rPr lang="en-US" smtClean="0"/>
-              <a:t>4/3/2018</a:t>
+              <a:t>4/4/18</a:t>
             </a:fld>
             <a:endParaRPr lang="en-US"/>
           </a:p>
@@ -572,7 +571,7 @@
           <a:p>
             <a:fld id="{F70A646C-22A8-4D69-ACFD-CD88A31D50DB}" type="datetimeFigureOut">
               <a:rPr lang="en-US" smtClean="0"/>
-              <a:t>4/3/2018</a:t>
+              <a:t>4/4/18</a:t>
             </a:fld>
             <a:endParaRPr lang="en-US"/>
           </a:p>
@@ -828,7 +827,7 @@
           <a:p>
             <a:fld id="{F70A646C-22A8-4D69-ACFD-CD88A31D50DB}" type="datetimeFigureOut">
               <a:rPr lang="en-US" smtClean="0"/>
-              <a:t>4/3/2018</a:t>
+              <a:t>4/4/18</a:t>
             </a:fld>
             <a:endParaRPr lang="en-US"/>
           </a:p>
@@ -1002,7 +1001,7 @@
           <a:p>
             <a:fld id="{F70A646C-22A8-4D69-ACFD-CD88A31D50DB}" type="datetimeFigureOut">
               <a:rPr lang="en-US" smtClean="0"/>
-              <a:t>4/3/2018</a:t>
+              <a:t>4/4/18</a:t>
             </a:fld>
             <a:endParaRPr lang="en-US"/>
           </a:p>
@@ -1345,7 +1344,7 @@
           <a:p>
             <a:fld id="{F70A646C-22A8-4D69-ACFD-CD88A31D50DB}" type="datetimeFigureOut">
               <a:rPr lang="en-US" smtClean="0"/>
-              <a:t>4/3/2018</a:t>
+              <a:t>4/4/18</a:t>
             </a:fld>
             <a:endParaRPr lang="en-US"/>
           </a:p>
@@ -1620,7 +1619,7 @@
           <a:p>
             <a:fld id="{F70A646C-22A8-4D69-ACFD-CD88A31D50DB}" type="datetimeFigureOut">
               <a:rPr lang="en-US" smtClean="0"/>
-              <a:t>4/3/2018</a:t>
+              <a:t>4/4/18</a:t>
             </a:fld>
             <a:endParaRPr lang="en-US"/>
           </a:p>
@@ -1999,7 +1998,7 @@
           <a:p>
             <a:fld id="{F70A646C-22A8-4D69-ACFD-CD88A31D50DB}" type="datetimeFigureOut">
               <a:rPr lang="en-US" smtClean="0"/>
-              <a:t>4/3/2018</a:t>
+              <a:t>4/4/18</a:t>
             </a:fld>
             <a:endParaRPr lang="en-US"/>
           </a:p>
@@ -2117,7 +2116,7 @@
           <a:p>
             <a:fld id="{F70A646C-22A8-4D69-ACFD-CD88A31D50DB}" type="datetimeFigureOut">
               <a:rPr lang="en-US" smtClean="0"/>
-              <a:t>4/3/2018</a:t>
+              <a:t>4/4/18</a:t>
             </a:fld>
             <a:endParaRPr lang="en-US"/>
           </a:p>
@@ -2288,7 +2287,7 @@
           <a:p>
             <a:fld id="{F70A646C-22A8-4D69-ACFD-CD88A31D50DB}" type="datetimeFigureOut">
               <a:rPr lang="en-US" smtClean="0"/>
-              <a:t>4/3/2018</a:t>
+              <a:t>4/4/18</a:t>
             </a:fld>
             <a:endParaRPr lang="en-US"/>
           </a:p>
@@ -2642,7 +2641,7 @@
           <a:p>
             <a:fld id="{F70A646C-22A8-4D69-ACFD-CD88A31D50DB}" type="datetimeFigureOut">
               <a:rPr lang="en-US" smtClean="0"/>
-              <a:t>4/3/2018</a:t>
+              <a:t>4/4/18</a:t>
             </a:fld>
             <a:endParaRPr lang="en-US"/>
           </a:p>
@@ -3024,7 +3023,7 @@
           <a:p>
             <a:fld id="{F70A646C-22A8-4D69-ACFD-CD88A31D50DB}" type="datetimeFigureOut">
               <a:rPr lang="en-US" smtClean="0"/>
-              <a:t>4/3/2018</a:t>
+              <a:t>4/4/18</a:t>
             </a:fld>
             <a:endParaRPr lang="en-US"/>
           </a:p>
@@ -3311,7 +3310,7 @@
           <a:p>
             <a:fld id="{F70A646C-22A8-4D69-ACFD-CD88A31D50DB}" type="datetimeFigureOut">
               <a:rPr lang="en-US" smtClean="0"/>
-              <a:t>4/3/2018</a:t>
+              <a:t>4/4/18</a:t>
             </a:fld>
             <a:endParaRPr lang="en-US"/>
           </a:p>
@@ -6023,8 +6022,8 @@
         </p:blipFill>
         <p:spPr>
           <a:xfrm>
-            <a:off x="1497330" y="3371850"/>
-            <a:ext cx="8341355" cy="2948940"/>
+            <a:off x="160020" y="2174695"/>
+            <a:ext cx="5463911" cy="1931670"/>
           </a:xfrm>
         </p:spPr>
       </p:pic>
@@ -6055,126 +6054,20 @@
         </p:blipFill>
         <p:spPr>
           <a:xfrm>
-            <a:off x="1497330" y="0"/>
-            <a:ext cx="8469630" cy="3009085"/>
+            <a:off x="160020" y="131480"/>
+            <a:ext cx="5463911" cy="1941215"/>
           </a:xfrm>
           <a:prstGeom prst="rect">
             <a:avLst/>
           </a:prstGeom>
         </p:spPr>
       </p:pic>
-    </p:spTree>
-    <p:extLst>
-      <p:ext uri="{BB962C8B-B14F-4D97-AF65-F5344CB8AC3E}">
-        <p14:creationId xmlns:p14="http://schemas.microsoft.com/office/powerpoint/2010/main" val="3344394509"/>
-      </p:ext>
-    </p:extLst>
-  </p:cSld>
-  <p:clrMapOvr>
-    <a:masterClrMapping/>
-  </p:clrMapOvr>
-  <p:timing>
-    <p:tnLst>
-      <p:par>
-        <p:cTn id="1" dur="indefinite" restart="never" nodeType="tmRoot"/>
-      </p:par>
-    </p:tnLst>
-  </p:timing>
-</p:sld>
-</file>
-
-<file path=ppt/slides/slide23.xml><?xml version="1.0" encoding="utf-8"?>
-<p:sld xmlns:a="http://schemas.openxmlformats.org/drawingml/2006/main" xmlns:r="http://schemas.openxmlformats.org/officeDocument/2006/relationships" xmlns:p="http://schemas.openxmlformats.org/presentationml/2006/main">
-  <p:cSld>
-    <p:spTree>
-      <p:nvGrpSpPr>
-        <p:cNvPr id="1" name=""/>
-        <p:cNvGrpSpPr/>
-        <p:nvPr/>
-      </p:nvGrpSpPr>
-      <p:grpSpPr>
-        <a:xfrm>
-          <a:off x="0" y="0"/>
-          <a:ext cx="0" cy="0"/>
-          <a:chOff x="0" y="0"/>
-          <a:chExt cx="0" cy="0"/>
-        </a:xfrm>
-      </p:grpSpPr>
       <p:pic>
         <p:nvPicPr>
-          <p:cNvPr id="5" name="Content Placeholder 4">
+          <p:cNvPr id="4" name="Content Placeholder 4">
             <a:extLst>
               <a:ext uri="{FF2B5EF4-FFF2-40B4-BE49-F238E27FC236}">
-                <a16:creationId xmlns:a16="http://schemas.microsoft.com/office/drawing/2014/main" id="{36B990E2-5C8A-CE4F-BA1B-9615A1BA1A1D}"/>
-              </a:ext>
-            </a:extLst>
-          </p:cNvPr>
-          <p:cNvPicPr>
-            <a:picLocks noGrp="1" noChangeAspect="1"/>
-          </p:cNvPicPr>
-          <p:nvPr>
-            <p:ph idx="1"/>
-          </p:nvPr>
-        </p:nvPicPr>
-        <p:blipFill rotWithShape="1">
-          <a:blip r:embed="rId2">
-            <a:extLst>
-              <a:ext uri="{28A0092B-C50C-407E-A947-70E740481C1C}">
-                <a14:useLocalDpi xmlns:a14="http://schemas.microsoft.com/office/drawing/2010/main" val="0"/>
-              </a:ext>
-            </a:extLst>
-          </a:blip>
-          <a:srcRect t="7541" b="6508"/>
-          <a:stretch/>
-        </p:blipFill>
-        <p:spPr>
-          <a:xfrm>
-            <a:off x="18331" y="3533623"/>
-            <a:ext cx="8089879" cy="2594610"/>
-          </a:xfrm>
-        </p:spPr>
-      </p:pic>
-      <p:pic>
-        <p:nvPicPr>
-          <p:cNvPr id="7" name="Picture 6">
-            <a:extLst>
-              <a:ext uri="{FF2B5EF4-FFF2-40B4-BE49-F238E27FC236}">
-                <a16:creationId xmlns:a16="http://schemas.microsoft.com/office/drawing/2014/main" id="{F0B7390A-C610-2B43-8DC6-788A9A6E46F5}"/>
-              </a:ext>
-            </a:extLst>
-          </p:cNvPr>
-          <p:cNvPicPr>
-            <a:picLocks noChangeAspect="1"/>
-          </p:cNvPicPr>
-          <p:nvPr/>
-        </p:nvPicPr>
-        <p:blipFill rotWithShape="1">
-          <a:blip r:embed="rId3">
-            <a:extLst>
-              <a:ext uri="{28A0092B-C50C-407E-A947-70E740481C1C}">
-                <a14:useLocalDpi xmlns:a14="http://schemas.microsoft.com/office/drawing/2010/main" val="0"/>
-              </a:ext>
-            </a:extLst>
-          </a:blip>
-          <a:srcRect t="7157" r="-1893" b="5449"/>
-          <a:stretch/>
-        </p:blipFill>
-        <p:spPr>
-          <a:xfrm>
-            <a:off x="-1" y="1003783"/>
-            <a:ext cx="6905953" cy="2208047"/>
-          </a:xfrm>
-          <a:prstGeom prst="rect">
-            <a:avLst/>
-          </a:prstGeom>
-        </p:spPr>
-      </p:pic>
-      <p:pic>
-        <p:nvPicPr>
-          <p:cNvPr id="9" name="Picture 8">
-            <a:extLst>
-              <a:ext uri="{FF2B5EF4-FFF2-40B4-BE49-F238E27FC236}">
-                <a16:creationId xmlns:a16="http://schemas.microsoft.com/office/drawing/2014/main" id="{EB8C8D5D-5AF2-7D40-8967-2B74C36CFC4D}"/>
+                <a16:creationId xmlns:a16="http://schemas.microsoft.com/office/drawing/2014/main" id="{F930DFD4-7DC4-BA48-8BE0-C53550486381}"/>
               </a:ext>
             </a:extLst>
           </p:cNvPr>
@@ -6191,25 +6084,60 @@
               </a:ext>
             </a:extLst>
           </a:blip>
-          <a:srcRect l="7238" t="11981" r="8057" b="6871"/>
+          <a:srcRect t="-1188" b="6507"/>
           <a:stretch/>
         </p:blipFill>
         <p:spPr>
           <a:xfrm>
-            <a:off x="6767722" y="615163"/>
-            <a:ext cx="5416658" cy="2594610"/>
+            <a:off x="189782" y="4208365"/>
+            <a:ext cx="5434149" cy="1919867"/>
           </a:xfrm>
           <a:prstGeom prst="rect">
             <a:avLst/>
           </a:prstGeom>
         </p:spPr>
       </p:pic>
-      <p:sp>
-        <p:nvSpPr>
-          <p:cNvPr id="10" name="TextBox 9">
+      <p:pic>
+        <p:nvPicPr>
+          <p:cNvPr id="7" name="Picture 6">
             <a:extLst>
               <a:ext uri="{FF2B5EF4-FFF2-40B4-BE49-F238E27FC236}">
-                <a16:creationId xmlns:a16="http://schemas.microsoft.com/office/drawing/2014/main" id="{0BA7F892-9743-8143-96D2-F33A666E5F12}"/>
+                <a16:creationId xmlns:a16="http://schemas.microsoft.com/office/drawing/2014/main" id="{77BEE3A1-599D-2B46-8066-A4515D155334}"/>
+              </a:ext>
+            </a:extLst>
+          </p:cNvPr>
+          <p:cNvPicPr>
+            <a:picLocks noChangeAspect="1"/>
+          </p:cNvPicPr>
+          <p:nvPr/>
+        </p:nvPicPr>
+        <p:blipFill rotWithShape="1">
+          <a:blip r:embed="rId5">
+            <a:extLst>
+              <a:ext uri="{28A0092B-C50C-407E-A947-70E740481C1C}">
+                <a14:useLocalDpi xmlns:a14="http://schemas.microsoft.com/office/drawing/2010/main" val="0"/>
+              </a:ext>
+            </a:extLst>
+          </a:blip>
+          <a:srcRect t="7157" r="-1893" b="5449"/>
+          <a:stretch/>
+        </p:blipFill>
+        <p:spPr>
+          <a:xfrm>
+            <a:off x="6435089" y="325714"/>
+            <a:ext cx="5463911" cy="1746981"/>
+          </a:xfrm>
+          <a:prstGeom prst="rect">
+            <a:avLst/>
+          </a:prstGeom>
+        </p:spPr>
+      </p:pic>
+      <p:sp>
+        <p:nvSpPr>
+          <p:cNvPr id="8" name="TextBox 7">
+            <a:extLst>
+              <a:ext uri="{FF2B5EF4-FFF2-40B4-BE49-F238E27FC236}">
+                <a16:creationId xmlns:a16="http://schemas.microsoft.com/office/drawing/2014/main" id="{9002BB3E-30A7-3C48-9B2B-D6092C00DC4D}"/>
               </a:ext>
             </a:extLst>
           </p:cNvPr>
@@ -6218,8 +6146,8 @@
         </p:nvSpPr>
         <p:spPr>
           <a:xfrm>
-            <a:off x="8375012" y="338164"/>
-            <a:ext cx="2202078" cy="276999"/>
+            <a:off x="8150090" y="131480"/>
+            <a:ext cx="2033908" cy="238527"/>
           </a:xfrm>
           <a:prstGeom prst="rect">
             <a:avLst/>
@@ -6227,26 +6155,115 @@
           <a:noFill/>
         </p:spPr>
         <p:txBody>
-          <a:bodyPr wrap="none" rtlCol="0">
+          <a:bodyPr wrap="square" rtlCol="0">
             <a:spAutoFit/>
           </a:bodyPr>
           <a:lstStyle/>
           <a:p>
             <a:r>
-              <a:rPr lang="en-US" sz="1200" b="1" dirty="0">
+              <a:rPr lang="en-US" sz="950" b="1" dirty="0">
                 <a:latin typeface="Arial Rounded MT Bold" panose="020F0704030504030204" pitchFamily="34" charset="77"/>
               </a:rPr>
-              <a:t>City Refreshments Ranking</a:t>
-            </a:r>
-          </a:p>
-        </p:txBody>
-      </p:sp>
-      <p:sp>
-        <p:nvSpPr>
-          <p:cNvPr id="11" name="TextBox 10">
+              <a:t>City Gymnasium Ranking</a:t>
+            </a:r>
+          </a:p>
+        </p:txBody>
+      </p:sp>
+      <p:sp>
+        <p:nvSpPr>
+          <p:cNvPr id="6" name="Rectangle 5">
             <a:extLst>
               <a:ext uri="{FF2B5EF4-FFF2-40B4-BE49-F238E27FC236}">
-                <a16:creationId xmlns:a16="http://schemas.microsoft.com/office/drawing/2014/main" id="{E4867827-C2BD-3A44-9CDA-CADE25064467}"/>
+                <a16:creationId xmlns:a16="http://schemas.microsoft.com/office/drawing/2014/main" id="{400D8EB4-3C96-6445-A8B7-531B20BD3B35}"/>
+              </a:ext>
+            </a:extLst>
+          </p:cNvPr>
+          <p:cNvSpPr/>
+          <p:nvPr/>
+        </p:nvSpPr>
+        <p:spPr>
+          <a:xfrm>
+            <a:off x="5509260" y="1657350"/>
+            <a:ext cx="1040130" cy="137160"/>
+          </a:xfrm>
+          <a:prstGeom prst="rect">
+            <a:avLst/>
+          </a:prstGeom>
+          <a:solidFill>
+            <a:schemeClr val="bg1"/>
+          </a:solidFill>
+          <a:ln>
+            <a:solidFill>
+              <a:schemeClr val="bg1"/>
+            </a:solidFill>
+          </a:ln>
+        </p:spPr>
+        <p:style>
+          <a:lnRef idx="2">
+            <a:schemeClr val="accent1">
+              <a:shade val="50000"/>
+            </a:schemeClr>
+          </a:lnRef>
+          <a:fillRef idx="1">
+            <a:schemeClr val="accent1"/>
+          </a:fillRef>
+          <a:effectRef idx="0">
+            <a:schemeClr val="accent1"/>
+          </a:effectRef>
+          <a:fontRef idx="minor">
+            <a:schemeClr val="lt1"/>
+          </a:fontRef>
+        </p:style>
+        <p:txBody>
+          <a:bodyPr rtlCol="0" anchor="ctr"/>
+          <a:lstStyle/>
+          <a:p>
+            <a:pPr algn="ctr"/>
+            <a:endParaRPr lang="en-US"/>
+          </a:p>
+        </p:txBody>
+      </p:sp>
+      <p:pic>
+        <p:nvPicPr>
+          <p:cNvPr id="11" name="Picture 10">
+            <a:extLst>
+              <a:ext uri="{FF2B5EF4-FFF2-40B4-BE49-F238E27FC236}">
+                <a16:creationId xmlns:a16="http://schemas.microsoft.com/office/drawing/2014/main" id="{1C7BDB0E-7B94-BE41-9862-E2F150F683BF}"/>
+              </a:ext>
+            </a:extLst>
+          </p:cNvPr>
+          <p:cNvPicPr>
+            <a:picLocks noChangeAspect="1"/>
+          </p:cNvPicPr>
+          <p:nvPr/>
+        </p:nvPicPr>
+        <p:blipFill rotWithShape="1">
+          <a:blip r:embed="rId6">
+            <a:extLst>
+              <a:ext uri="{28A0092B-C50C-407E-A947-70E740481C1C}">
+                <a14:useLocalDpi xmlns:a14="http://schemas.microsoft.com/office/drawing/2010/main" val="0"/>
+              </a:ext>
+            </a:extLst>
+          </a:blip>
+          <a:srcRect l="7238" t="11981" r="8057" b="6871"/>
+          <a:stretch/>
+        </p:blipFill>
+        <p:spPr>
+          <a:xfrm>
+            <a:off x="6482342" y="2346962"/>
+            <a:ext cx="5416658" cy="2594610"/>
+          </a:xfrm>
+          <a:prstGeom prst="rect">
+            <a:avLst/>
+          </a:prstGeom>
+        </p:spPr>
+      </p:pic>
+      <p:sp>
+        <p:nvSpPr>
+          <p:cNvPr id="12" name="TextBox 11">
+            <a:extLst>
+              <a:ext uri="{FF2B5EF4-FFF2-40B4-BE49-F238E27FC236}">
+                <a16:creationId xmlns:a16="http://schemas.microsoft.com/office/drawing/2014/main" id="{4E866195-45D8-2E4D-AA91-B00032E00B23}"/>
               </a:ext>
             </a:extLst>
           </p:cNvPr>
@@ -6255,8 +6272,8 @@
         </p:nvSpPr>
         <p:spPr>
           <a:xfrm>
-            <a:off x="1257932" y="341974"/>
-            <a:ext cx="2043060" cy="276999"/>
+            <a:off x="8202736" y="2108435"/>
+            <a:ext cx="1794081" cy="238527"/>
           </a:xfrm>
           <a:prstGeom prst="rect">
             <a:avLst/>
@@ -6270,20 +6287,20 @@
           <a:lstStyle/>
           <a:p>
             <a:r>
-              <a:rPr lang="en-US" sz="1200" b="1" dirty="0">
+              <a:rPr lang="en-US" sz="950" b="1" dirty="0">
                 <a:latin typeface="Arial Rounded MT Bold" panose="020F0704030504030204" pitchFamily="34" charset="77"/>
               </a:rPr>
-              <a:t>City Gymnasium Ranking</a:t>
-            </a:r>
-          </a:p>
-        </p:txBody>
-      </p:sp>
-      <p:sp>
-        <p:nvSpPr>
-          <p:cNvPr id="12" name="TextBox 11">
+              <a:t>City Refreshments Ranking</a:t>
+            </a:r>
+          </a:p>
+        </p:txBody>
+      </p:sp>
+      <p:sp>
+        <p:nvSpPr>
+          <p:cNvPr id="9" name="TextBox 8">
             <a:extLst>
               <a:ext uri="{FF2B5EF4-FFF2-40B4-BE49-F238E27FC236}">
-                <a16:creationId xmlns:a16="http://schemas.microsoft.com/office/drawing/2014/main" id="{F9429A70-E256-964E-A767-948DBCB84358}"/>
+                <a16:creationId xmlns:a16="http://schemas.microsoft.com/office/drawing/2014/main" id="{3B19A831-84D7-6546-B194-2C799EA1257A}"/>
               </a:ext>
             </a:extLst>
           </p:cNvPr>
@@ -6292,8 +6309,68 @@
         </p:nvSpPr>
         <p:spPr>
           <a:xfrm>
-            <a:off x="2846702" y="3359494"/>
-            <a:ext cx="1758238" cy="276999"/>
+            <a:off x="6693315" y="5571256"/>
+            <a:ext cx="5498685" cy="738664"/>
+          </a:xfrm>
+          <a:prstGeom prst="rect">
+            <a:avLst/>
+          </a:prstGeom>
+          <a:solidFill>
+            <a:schemeClr val="accent5">
+              <a:lumMod val="20000"/>
+              <a:lumOff val="80000"/>
+            </a:schemeClr>
+          </a:solidFill>
+        </p:spPr>
+        <p:txBody>
+          <a:bodyPr wrap="none" rtlCol="0">
+            <a:spAutoFit/>
+          </a:bodyPr>
+          <a:lstStyle/>
+          <a:p>
+            <a:r>
+              <a:rPr lang="en-US" sz="1400" b="1" dirty="0"/>
+              <a:t>Observations:</a:t>
+            </a:r>
+          </a:p>
+          <a:p>
+            <a:pPr marL="285750" indent="-285750">
+              <a:buFont typeface="Wingdings" pitchFamily="2" charset="2"/>
+              <a:buChar char="Ø"/>
+            </a:pPr>
+            <a:r>
+              <a:rPr lang="en-US" sz="1400" b="1" dirty="0"/>
+              <a:t>New York, Chicago &amp; Boston</a:t>
+            </a:r>
+            <a:r>
+              <a:rPr lang="en-US" sz="1400" dirty="0"/>
+              <a:t> were consistently top cities for most of</a:t>
+            </a:r>
+          </a:p>
+          <a:p>
+            <a:r>
+              <a:rPr lang="en-US" sz="1400" dirty="0"/>
+              <a:t>       the amenities.</a:t>
+            </a:r>
+          </a:p>
+        </p:txBody>
+      </p:sp>
+      <p:sp>
+        <p:nvSpPr>
+          <p:cNvPr id="13" name="TextBox 12">
+            <a:extLst>
+              <a:ext uri="{FF2B5EF4-FFF2-40B4-BE49-F238E27FC236}">
+                <a16:creationId xmlns:a16="http://schemas.microsoft.com/office/drawing/2014/main" id="{912993C5-A7B1-D64D-9B5F-6980B6E6EC6A}"/>
+              </a:ext>
+            </a:extLst>
+          </p:cNvPr>
+          <p:cNvSpPr txBox="1"/>
+          <p:nvPr/>
+        </p:nvSpPr>
+        <p:spPr>
+          <a:xfrm>
+            <a:off x="6693315" y="4979415"/>
+            <a:ext cx="4140877" cy="553998"/>
           </a:xfrm>
           <a:prstGeom prst="rect">
             <a:avLst/>
@@ -6307,10 +6384,20 @@
           <a:lstStyle/>
           <a:p>
             <a:r>
-              <a:rPr lang="en-US" sz="1200" b="1" dirty="0">
-                <a:latin typeface="Arial Rounded MT Bold" panose="020F0704030504030204" pitchFamily="34" charset="77"/>
-              </a:rPr>
-              <a:t>City Errands Ranking</a:t>
+              <a:rPr lang="en-US" sz="1000" dirty="0"/>
+              <a:t>*City Amenities results within 2 mile radius were averaged over all the sites.</a:t>
+            </a:r>
+          </a:p>
+          <a:p>
+            <a:r>
+              <a:rPr lang="en-US" sz="1000" dirty="0"/>
+              <a:t>** For Restaurants and Cafes, all cities had more than 20, and so was </a:t>
+            </a:r>
+          </a:p>
+          <a:p>
+            <a:r>
+              <a:rPr lang="en-US" sz="1000" dirty="0"/>
+              <a:t>ranked over average ratings. </a:t>
             </a:r>
           </a:p>
         </p:txBody>
@@ -6318,24 +6405,17 @@
     </p:spTree>
     <p:extLst>
       <p:ext uri="{BB962C8B-B14F-4D97-AF65-F5344CB8AC3E}">
-        <p14:creationId xmlns:p14="http://schemas.microsoft.com/office/powerpoint/2010/main" val="1367037543"/>
+        <p14:creationId xmlns:p14="http://schemas.microsoft.com/office/powerpoint/2010/main" val="3531603546"/>
       </p:ext>
     </p:extLst>
   </p:cSld>
   <p:clrMapOvr>
     <a:masterClrMapping/>
   </p:clrMapOvr>
-  <p:timing>
-    <p:tnLst>
-      <p:par>
-        <p:cTn id="1" dur="indefinite" restart="never" nodeType="tmRoot"/>
-      </p:par>
-    </p:tnLst>
-  </p:timing>
 </p:sld>
 </file>
 
-<file path=ppt/slides/slide24.xml><?xml version="1.0" encoding="utf-8"?>
+<file path=ppt/slides/slide23.xml><?xml version="1.0" encoding="utf-8"?>
 <p:sld xmlns:a="http://schemas.openxmlformats.org/drawingml/2006/main" xmlns:r="http://schemas.openxmlformats.org/officeDocument/2006/relationships" xmlns:p="http://schemas.openxmlformats.org/presentationml/2006/main">
   <p:cSld>
     <p:spTree>
@@ -6382,8 +6462,8 @@
         </p:blipFill>
         <p:spPr>
           <a:xfrm>
-            <a:off x="342583" y="3726180"/>
-            <a:ext cx="7478775" cy="2495125"/>
+            <a:off x="180376" y="758435"/>
+            <a:ext cx="6318159" cy="2107912"/>
           </a:xfrm>
         </p:spPr>
       </p:pic>
@@ -6415,8 +6495,8 @@
         </p:blipFill>
         <p:spPr>
           <a:xfrm>
-            <a:off x="6660742" y="196618"/>
-            <a:ext cx="5189842" cy="3712442"/>
+            <a:off x="466126" y="2944512"/>
+            <a:ext cx="4482375" cy="3206371"/>
           </a:xfrm>
           <a:prstGeom prst="rect">
             <a:avLst/>
@@ -6435,41 +6515,6 @@
       </p:pic>
       <p:sp>
         <p:nvSpPr>
-          <p:cNvPr id="6" name="Title 1">
-            <a:extLst>
-              <a:ext uri="{FF2B5EF4-FFF2-40B4-BE49-F238E27FC236}">
-                <a16:creationId xmlns:a16="http://schemas.microsoft.com/office/drawing/2014/main" id="{F7AE8CE4-FE90-A745-8DB6-6765DD447C6B}"/>
-              </a:ext>
-            </a:extLst>
-          </p:cNvPr>
-          <p:cNvSpPr>
-            <a:spLocks noGrp="1"/>
-          </p:cNvSpPr>
-          <p:nvPr>
-            <p:ph type="title"/>
-          </p:nvPr>
-        </p:nvSpPr>
-        <p:spPr>
-          <a:xfrm>
-            <a:off x="1097280" y="286603"/>
-            <a:ext cx="10058400" cy="1450757"/>
-          </a:xfrm>
-        </p:spPr>
-        <p:txBody>
-          <a:bodyPr>
-            <a:normAutofit/>
-          </a:bodyPr>
-          <a:lstStyle/>
-          <a:p>
-            <a:r>
-              <a:rPr lang="en-US" sz="4000" dirty="0"/>
-              <a:t>Environment Index</a:t>
-            </a:r>
-          </a:p>
-        </p:txBody>
-      </p:sp>
-      <p:sp>
-        <p:nvSpPr>
           <p:cNvPr id="4" name="TextBox 3">
             <a:extLst>
               <a:ext uri="{FF2B5EF4-FFF2-40B4-BE49-F238E27FC236}">
@@ -6482,8 +6527,8 @@
         </p:nvSpPr>
         <p:spPr>
           <a:xfrm>
-            <a:off x="8401050" y="4423410"/>
-            <a:ext cx="3449534" cy="1661993"/>
+            <a:off x="5344104" y="4121339"/>
+            <a:ext cx="6523503" cy="738664"/>
           </a:xfrm>
           <a:prstGeom prst="rect">
             <a:avLst/>
@@ -6496,18 +6541,14 @@
           </a:solidFill>
         </p:spPr>
         <p:txBody>
-          <a:bodyPr wrap="none" rtlCol="0">
+          <a:bodyPr wrap="square" rtlCol="0">
             <a:spAutoFit/>
           </a:bodyPr>
           <a:lstStyle/>
           <a:p>
             <a:r>
               <a:rPr lang="en-US" sz="1400" b="1" dirty="0"/>
-              <a:t>Observations</a:t>
-            </a:r>
-            <a:r>
-              <a:rPr lang="en-US" b="1" dirty="0"/>
-              <a:t>:</a:t>
+              <a:t>Amenity vs Walk Score Observations:</a:t>
             </a:r>
           </a:p>
           <a:p>
@@ -6516,46 +6557,18 @@
               <a:buChar char="Ø"/>
             </a:pPr>
             <a:r>
+              <a:rPr lang="en-US" sz="1400" b="1" dirty="0"/>
+              <a:t>New York, Chicago &amp; Boston </a:t>
+            </a:r>
+            <a:r>
               <a:rPr lang="en-US" sz="1400" dirty="0"/>
-              <a:t>Most cities with higher Climate Index</a:t>
+              <a:t>not only were consistently top cities for most of</a:t>
             </a:r>
           </a:p>
           <a:p>
             <a:r>
               <a:rPr lang="en-US" sz="1400" dirty="0"/>
-              <a:t>       also tends to have a very high Pollution</a:t>
-            </a:r>
-          </a:p>
-          <a:p>
-            <a:r>
-              <a:rPr lang="en-US" sz="1400" dirty="0"/>
-              <a:t>       Index, which is highly contradictory.</a:t>
-            </a:r>
-          </a:p>
-          <a:p>
-            <a:pPr marL="285750" indent="-285750">
-              <a:buFont typeface="Wingdings" pitchFamily="2" charset="2"/>
-              <a:buChar char="Ø"/>
-            </a:pPr>
-            <a:r>
-              <a:rPr lang="en-US" sz="1400" b="1" dirty="0"/>
-              <a:t>Raleigh</a:t>
-            </a:r>
-            <a:r>
-              <a:rPr lang="en-US" sz="1400" dirty="0"/>
-              <a:t> fairs well amongst all as it has</a:t>
-            </a:r>
-          </a:p>
-          <a:p>
-            <a:r>
-              <a:rPr lang="en-US" sz="1400" dirty="0"/>
-              <a:t>        Climate Index and lower Pollution Index.</a:t>
-            </a:r>
-          </a:p>
-          <a:p>
-            <a:r>
-              <a:rPr lang="en-US" sz="1400" dirty="0"/>
-              <a:t> </a:t>
+              <a:t>       the amenities, but also had best walk score.</a:t>
             </a:r>
           </a:p>
         </p:txBody>
@@ -6626,27 +6639,338 @@
           </a:p>
         </p:txBody>
       </p:sp>
+      <p:sp>
+        <p:nvSpPr>
+          <p:cNvPr id="11" name="TextBox 10">
+            <a:extLst>
+              <a:ext uri="{FF2B5EF4-FFF2-40B4-BE49-F238E27FC236}">
+                <a16:creationId xmlns:a16="http://schemas.microsoft.com/office/drawing/2014/main" id="{C1EB101A-557C-B742-8621-0B2B4F845F4F}"/>
+              </a:ext>
+            </a:extLst>
+          </p:cNvPr>
+          <p:cNvSpPr txBox="1"/>
+          <p:nvPr/>
+        </p:nvSpPr>
+        <p:spPr>
+          <a:xfrm>
+            <a:off x="185527" y="208543"/>
+            <a:ext cx="5514587" cy="461665"/>
+          </a:xfrm>
+          <a:prstGeom prst="rect">
+            <a:avLst/>
+          </a:prstGeom>
+          <a:noFill/>
+        </p:spPr>
+        <p:txBody>
+          <a:bodyPr wrap="none" rtlCol="0">
+            <a:spAutoFit/>
+          </a:bodyPr>
+          <a:lstStyle/>
+          <a:p>
+            <a:r>
+              <a:rPr lang="en-US" sz="2400" b="1" dirty="0"/>
+              <a:t>Amenities &amp; Environment Index summary</a:t>
+            </a:r>
+          </a:p>
+        </p:txBody>
+      </p:sp>
+      <p:cxnSp>
+        <p:nvCxnSpPr>
+          <p:cNvPr id="13" name="Straight Connector 12">
+            <a:extLst>
+              <a:ext uri="{FF2B5EF4-FFF2-40B4-BE49-F238E27FC236}">
+                <a16:creationId xmlns:a16="http://schemas.microsoft.com/office/drawing/2014/main" id="{39131A28-7C0F-014F-8DE5-068C6C1DCF44}"/>
+              </a:ext>
+            </a:extLst>
+          </p:cNvPr>
+          <p:cNvCxnSpPr/>
+          <p:nvPr/>
+        </p:nvCxnSpPr>
+        <p:spPr>
+          <a:xfrm>
+            <a:off x="0" y="608653"/>
+            <a:ext cx="12192000" cy="0"/>
+          </a:xfrm>
+          <a:prstGeom prst="line">
+            <a:avLst/>
+          </a:prstGeom>
+          <a:ln>
+            <a:solidFill>
+              <a:schemeClr val="tx1"/>
+            </a:solidFill>
+          </a:ln>
+        </p:spPr>
+        <p:style>
+          <a:lnRef idx="1">
+            <a:schemeClr val="accent1"/>
+          </a:lnRef>
+          <a:fillRef idx="0">
+            <a:schemeClr val="accent1"/>
+          </a:fillRef>
+          <a:effectRef idx="0">
+            <a:schemeClr val="accent1"/>
+          </a:effectRef>
+          <a:fontRef idx="minor">
+            <a:schemeClr val="tx1"/>
+          </a:fontRef>
+        </p:style>
+      </p:cxnSp>
+      <p:sp>
+        <p:nvSpPr>
+          <p:cNvPr id="14" name="TextBox 13">
+            <a:extLst>
+              <a:ext uri="{FF2B5EF4-FFF2-40B4-BE49-F238E27FC236}">
+                <a16:creationId xmlns:a16="http://schemas.microsoft.com/office/drawing/2014/main" id="{ED540B83-7037-AC4B-8A24-1C59DF45346D}"/>
+              </a:ext>
+            </a:extLst>
+          </p:cNvPr>
+          <p:cNvSpPr txBox="1"/>
+          <p:nvPr/>
+        </p:nvSpPr>
+        <p:spPr>
+          <a:xfrm>
+            <a:off x="5347914" y="4913819"/>
+            <a:ext cx="6523503" cy="954107"/>
+          </a:xfrm>
+          <a:prstGeom prst="rect">
+            <a:avLst/>
+          </a:prstGeom>
+          <a:solidFill>
+            <a:schemeClr val="accent5">
+              <a:lumMod val="20000"/>
+              <a:lumOff val="80000"/>
+            </a:schemeClr>
+          </a:solidFill>
+        </p:spPr>
+        <p:txBody>
+          <a:bodyPr wrap="square" rtlCol="0">
+            <a:spAutoFit/>
+          </a:bodyPr>
+          <a:lstStyle/>
+          <a:p>
+            <a:r>
+              <a:rPr lang="en-US" sz="1400" b="1" dirty="0"/>
+              <a:t>Environment Index Observations:</a:t>
+            </a:r>
+            <a:endParaRPr lang="en-US" sz="1400" dirty="0"/>
+          </a:p>
+          <a:p>
+            <a:pPr marL="285750" indent="-285750">
+              <a:buFont typeface="Wingdings" pitchFamily="2" charset="2"/>
+              <a:buChar char="Ø"/>
+            </a:pPr>
+            <a:r>
+              <a:rPr lang="en-US" sz="1400" dirty="0"/>
+              <a:t>Most cities with higher Climate Index also tends to have a very high Pollution Index, which is highly contradictory.</a:t>
+            </a:r>
+          </a:p>
+          <a:p>
+            <a:pPr marL="285750" indent="-285750">
+              <a:buFont typeface="Wingdings" pitchFamily="2" charset="2"/>
+              <a:buChar char="Ø"/>
+            </a:pPr>
+            <a:r>
+              <a:rPr lang="en-US" sz="1400" b="1" dirty="0"/>
+              <a:t>Raleigh</a:t>
+            </a:r>
+            <a:r>
+              <a:rPr lang="en-US" sz="1400" dirty="0"/>
+              <a:t> fairs well amongst all as it has Climate Index and lower Pollution Index.</a:t>
+            </a:r>
+          </a:p>
+        </p:txBody>
+      </p:sp>
+      <p:sp>
+        <p:nvSpPr>
+          <p:cNvPr id="15" name="Rectangle 14">
+            <a:extLst>
+              <a:ext uri="{FF2B5EF4-FFF2-40B4-BE49-F238E27FC236}">
+                <a16:creationId xmlns:a16="http://schemas.microsoft.com/office/drawing/2014/main" id="{080CAF0A-9316-504B-B99C-3E8F645FCFE2}"/>
+              </a:ext>
+            </a:extLst>
+          </p:cNvPr>
+          <p:cNvSpPr/>
+          <p:nvPr/>
+        </p:nvSpPr>
+        <p:spPr>
+          <a:xfrm>
+            <a:off x="6419756" y="1611629"/>
+            <a:ext cx="1078323" cy="125731"/>
+          </a:xfrm>
+          <a:prstGeom prst="rect">
+            <a:avLst/>
+          </a:prstGeom>
+          <a:solidFill>
+            <a:schemeClr val="bg1"/>
+          </a:solidFill>
+          <a:ln>
+            <a:solidFill>
+              <a:schemeClr val="bg1"/>
+            </a:solidFill>
+          </a:ln>
+        </p:spPr>
+        <p:style>
+          <a:lnRef idx="2">
+            <a:schemeClr val="accent1">
+              <a:shade val="50000"/>
+            </a:schemeClr>
+          </a:lnRef>
+          <a:fillRef idx="1">
+            <a:schemeClr val="accent1"/>
+          </a:fillRef>
+          <a:effectRef idx="0">
+            <a:schemeClr val="accent1"/>
+          </a:effectRef>
+          <a:fontRef idx="minor">
+            <a:schemeClr val="lt1"/>
+          </a:fontRef>
+        </p:style>
+        <p:txBody>
+          <a:bodyPr rtlCol="0" anchor="ctr"/>
+          <a:lstStyle/>
+          <a:p>
+            <a:pPr algn="ctr"/>
+            <a:endParaRPr lang="en-US"/>
+          </a:p>
+        </p:txBody>
+      </p:sp>
+      <p:pic>
+        <p:nvPicPr>
+          <p:cNvPr id="10" name="Picture 9">
+            <a:extLst>
+              <a:ext uri="{FF2B5EF4-FFF2-40B4-BE49-F238E27FC236}">
+                <a16:creationId xmlns:a16="http://schemas.microsoft.com/office/drawing/2014/main" id="{6958D2B4-2D3C-CB45-B8C0-FFC226462351}"/>
+              </a:ext>
+            </a:extLst>
+          </p:cNvPr>
+          <p:cNvPicPr>
+            <a:picLocks noChangeAspect="1"/>
+          </p:cNvPicPr>
+          <p:nvPr/>
+        </p:nvPicPr>
+        <p:blipFill>
+          <a:blip r:embed="rId5">
+            <a:extLst>
+              <a:ext uri="{28A0092B-C50C-407E-A947-70E740481C1C}">
+                <a14:useLocalDpi xmlns:a14="http://schemas.microsoft.com/office/drawing/2010/main" val="0"/>
+              </a:ext>
+            </a:extLst>
+          </a:blip>
+          <a:stretch>
+            <a:fillRect/>
+          </a:stretch>
+        </p:blipFill>
+        <p:spPr>
+          <a:xfrm>
+            <a:off x="7407329" y="208543"/>
+            <a:ext cx="4460279" cy="3207697"/>
+          </a:xfrm>
+          <a:prstGeom prst="rect">
+            <a:avLst/>
+          </a:prstGeom>
+          <a:ln>
+            <a:noFill/>
+          </a:ln>
+          <a:effectLst>
+            <a:outerShdw blurRad="190500" algn="tl" rotWithShape="0">
+              <a:srgbClr val="000000">
+                <a:alpha val="70000"/>
+              </a:srgbClr>
+            </a:outerShdw>
+          </a:effectLst>
+        </p:spPr>
+      </p:pic>
+      <p:pic>
+        <p:nvPicPr>
+          <p:cNvPr id="16" name="Content Placeholder 4">
+            <a:extLst>
+              <a:ext uri="{FF2B5EF4-FFF2-40B4-BE49-F238E27FC236}">
+                <a16:creationId xmlns:a16="http://schemas.microsoft.com/office/drawing/2014/main" id="{5C377463-4E64-0343-AE2D-9E67A0801FC5}"/>
+              </a:ext>
+            </a:extLst>
+          </p:cNvPr>
+          <p:cNvPicPr>
+            <a:picLocks noChangeAspect="1"/>
+          </p:cNvPicPr>
+          <p:nvPr/>
+        </p:nvPicPr>
+        <p:blipFill>
+          <a:blip r:embed="rId2">
+            <a:extLst>
+              <a:ext uri="{28A0092B-C50C-407E-A947-70E740481C1C}">
+                <a14:useLocalDpi xmlns:a14="http://schemas.microsoft.com/office/drawing/2010/main" val="0"/>
+              </a:ext>
+            </a:extLst>
+          </a:blip>
+          <a:stretch>
+            <a:fillRect/>
+          </a:stretch>
+        </p:blipFill>
+        <p:spPr>
+          <a:xfrm>
+            <a:off x="185527" y="765113"/>
+            <a:ext cx="6318159" cy="2107912"/>
+          </a:xfrm>
+          <a:prstGeom prst="rect">
+            <a:avLst/>
+          </a:prstGeom>
+        </p:spPr>
+      </p:pic>
+      <p:sp>
+        <p:nvSpPr>
+          <p:cNvPr id="17" name="TextBox 16">
+            <a:extLst>
+              <a:ext uri="{FF2B5EF4-FFF2-40B4-BE49-F238E27FC236}">
+                <a16:creationId xmlns:a16="http://schemas.microsoft.com/office/drawing/2014/main" id="{4445F055-FCE5-1D40-9159-47316912EEEA}"/>
+              </a:ext>
+            </a:extLst>
+          </p:cNvPr>
+          <p:cNvSpPr txBox="1"/>
+          <p:nvPr/>
+        </p:nvSpPr>
+        <p:spPr>
+          <a:xfrm>
+            <a:off x="7311025" y="3539351"/>
+            <a:ext cx="4514377" cy="400110"/>
+          </a:xfrm>
+          <a:prstGeom prst="rect">
+            <a:avLst/>
+          </a:prstGeom>
+          <a:noFill/>
+        </p:spPr>
+        <p:txBody>
+          <a:bodyPr wrap="none" rtlCol="0">
+            <a:spAutoFit/>
+          </a:bodyPr>
+          <a:lstStyle/>
+          <a:p>
+            <a:r>
+              <a:rPr lang="en-US" sz="1000" dirty="0"/>
+              <a:t>*Looking at the correlation between Amenities accessibility within 2 miles radius of</a:t>
+            </a:r>
+          </a:p>
+          <a:p>
+            <a:r>
+              <a:rPr lang="en-US" sz="1000" dirty="0"/>
+              <a:t>Site and its walk score  to observe the efficiency of site.</a:t>
+            </a:r>
+          </a:p>
+        </p:txBody>
+      </p:sp>
     </p:spTree>
     <p:extLst>
       <p:ext uri="{BB962C8B-B14F-4D97-AF65-F5344CB8AC3E}">
-        <p14:creationId xmlns:p14="http://schemas.microsoft.com/office/powerpoint/2010/main" val="2356615832"/>
+        <p14:creationId xmlns:p14="http://schemas.microsoft.com/office/powerpoint/2010/main" val="2522563078"/>
       </p:ext>
     </p:extLst>
   </p:cSld>
   <p:clrMapOvr>
     <a:masterClrMapping/>
   </p:clrMapOvr>
-  <p:timing>
-    <p:tnLst>
-      <p:par>
-        <p:cTn id="1" dur="indefinite" restart="never" nodeType="tmRoot"/>
-      </p:par>
-    </p:tnLst>
-  </p:timing>
 </p:sld>
 </file>
 
-<file path=ppt/slides/slide25.xml><?xml version="1.0" encoding="utf-8"?>
+<file path=ppt/slides/slide24.xml><?xml version="1.0" encoding="utf-8"?>
 <p:sld xmlns:a="http://schemas.openxmlformats.org/drawingml/2006/main" xmlns:r="http://schemas.openxmlformats.org/officeDocument/2006/relationships" xmlns:p="http://schemas.openxmlformats.org/presentationml/2006/main">
   <p:cSld>
     <p:spTree>
@@ -7236,17 +7560,10 @@
   <p:clrMapOvr>
     <a:masterClrMapping/>
   </p:clrMapOvr>
-  <p:timing>
-    <p:tnLst>
-      <p:par>
-        <p:cTn id="1" dur="indefinite" restart="never" nodeType="tmRoot"/>
-      </p:par>
-    </p:tnLst>
-  </p:timing>
 </p:sld>
 </file>
 
-<file path=ppt/slides/slide26.xml><?xml version="1.0" encoding="utf-8"?>
+<file path=ppt/slides/slide25.xml><?xml version="1.0" encoding="utf-8"?>
 <p:sld xmlns:a="http://schemas.openxmlformats.org/drawingml/2006/main" xmlns:r="http://schemas.openxmlformats.org/officeDocument/2006/relationships" xmlns:p="http://schemas.openxmlformats.org/presentationml/2006/main">
   <p:cSld>
     <p:spTree>
@@ -8254,17 +8571,10 @@
   <p:clrMapOvr>
     <a:masterClrMapping/>
   </p:clrMapOvr>
-  <p:timing>
-    <p:tnLst>
-      <p:par>
-        <p:cTn id="1" dur="indefinite" restart="never" nodeType="tmRoot"/>
-      </p:par>
-    </p:tnLst>
-  </p:timing>
 </p:sld>
 </file>
 
-<file path=ppt/slides/slide27.xml><?xml version="1.0" encoding="utf-8"?>
+<file path=ppt/slides/slide26.xml><?xml version="1.0" encoding="utf-8"?>
 <p:sld xmlns:a="http://schemas.openxmlformats.org/drawingml/2006/main" xmlns:r="http://schemas.openxmlformats.org/officeDocument/2006/relationships" xmlns:p="http://schemas.openxmlformats.org/presentationml/2006/main">
   <p:cSld>
     <p:spTree>
@@ -8493,10 +8803,9 @@
           <a:p>
             <a:pPr fontAlgn="base"/>
             <a:r>
-              <a:rPr lang="en-US" dirty="0" smtClean="0"/>
+              <a:rPr lang="en-US" dirty="0"/>
               <a:t>Weights (Definition: What would make someone in tech move cities or what would grow the tech labor force) :</a:t>
             </a:r>
-            <a:endParaRPr lang="en-US" dirty="0"/>
           </a:p>
         </p:txBody>
       </p:sp>
@@ -9174,13 +9483,6 @@
   <p:clrMapOvr>
     <a:masterClrMapping/>
   </p:clrMapOvr>
-  <p:timing>
-    <p:tnLst>
-      <p:par>
-        <p:cTn id="1" dur="indefinite" restart="never" nodeType="tmRoot"/>
-      </p:par>
-    </p:tnLst>
-  </p:timing>
 </p:sld>
 </file>
 

--- a/Project1_Presentation.pptx
+++ b/Project1_Presentation.pptx
@@ -6310,7 +6310,7 @@
         <p:spPr>
           <a:xfrm>
             <a:off x="6693315" y="5571256"/>
-            <a:ext cx="5498685" cy="738664"/>
+            <a:ext cx="5438989" cy="1169551"/>
           </a:xfrm>
           <a:prstGeom prst="rect">
             <a:avLst/>
@@ -6351,6 +6351,34 @@
             <a:r>
               <a:rPr lang="en-US" sz="1400" dirty="0"/>
               <a:t>       the amenities.</a:t>
+            </a:r>
+          </a:p>
+          <a:p>
+            <a:pPr marL="285750" indent="-285750">
+              <a:buFont typeface="Wingdings" pitchFamily="2" charset="2"/>
+              <a:buChar char="Ø"/>
+            </a:pPr>
+            <a:r>
+              <a:rPr lang="en-US" sz="1400" b="1" dirty="0"/>
+              <a:t>Los Angeles </a:t>
+            </a:r>
+            <a:r>
+              <a:rPr lang="en-US" sz="1400" dirty="0"/>
+              <a:t>resulted in 0 lodging within 2 mile radius of all sites.</a:t>
+            </a:r>
+          </a:p>
+          <a:p>
+            <a:pPr marL="285750" indent="-285750">
+              <a:buFont typeface="Wingdings" pitchFamily="2" charset="2"/>
+              <a:buChar char="Ø"/>
+            </a:pPr>
+            <a:r>
+              <a:rPr lang="en-US" sz="1400" b="1" dirty="0"/>
+              <a:t>Washington DC </a:t>
+            </a:r>
+            <a:r>
+              <a:rPr lang="en-US" sz="1400" dirty="0"/>
+              <a:t>resulted in 0 parking within 2 mile radius of all sites.</a:t>
             </a:r>
           </a:p>
         </p:txBody>

--- a/Project1_Presentation.pptx
+++ b/Project1_Presentation.pptx
@@ -31,6 +31,7 @@
     <p:sldId id="289" r:id="rId25"/>
     <p:sldId id="290" r:id="rId26"/>
     <p:sldId id="292" r:id="rId27"/>
+    <p:sldId id="294" r:id="rId28"/>
   </p:sldIdLst>
   <p:sldSz cx="12192000" cy="6858000"/>
   <p:notesSz cx="6858000" cy="9144000"/>
@@ -8695,82 +8696,12 @@
           </a:fontRef>
         </p:style>
       </p:cxnSp>
-      <p:sp>
-        <p:nvSpPr>
-          <p:cNvPr id="13" name="TextBox 12">
+      <p:pic>
+        <p:nvPicPr>
+          <p:cNvPr id="8" name="Picture 7">
             <a:extLst>
               <a:ext uri="{FF2B5EF4-FFF2-40B4-BE49-F238E27FC236}">
-                <a16:creationId xmlns:a16="http://schemas.microsoft.com/office/drawing/2014/main" id="{2F54B774-97D6-374E-AF3C-3039E753E6FE}"/>
-              </a:ext>
-            </a:extLst>
-          </p:cNvPr>
-          <p:cNvSpPr txBox="1"/>
-          <p:nvPr/>
-        </p:nvSpPr>
-        <p:spPr>
-          <a:xfrm>
-            <a:off x="290347" y="1067951"/>
-            <a:ext cx="2162580" cy="369332"/>
-          </a:xfrm>
-          <a:prstGeom prst="rect">
-            <a:avLst/>
-          </a:prstGeom>
-          <a:noFill/>
-        </p:spPr>
-        <p:txBody>
-          <a:bodyPr wrap="none" rtlCol="0">
-            <a:spAutoFit/>
-          </a:bodyPr>
-          <a:lstStyle/>
-          <a:p>
-            <a:r>
-              <a:rPr lang="en-US" dirty="0"/>
-              <a:t>Unweighted rankings</a:t>
-            </a:r>
-          </a:p>
-        </p:txBody>
-      </p:sp>
-      <p:sp>
-        <p:nvSpPr>
-          <p:cNvPr id="14" name="TextBox 13">
-            <a:extLst>
-              <a:ext uri="{FF2B5EF4-FFF2-40B4-BE49-F238E27FC236}">
-                <a16:creationId xmlns:a16="http://schemas.microsoft.com/office/drawing/2014/main" id="{2A70FE4E-E05B-FB42-88DC-7CBDC43B4C5C}"/>
-              </a:ext>
-            </a:extLst>
-          </p:cNvPr>
-          <p:cNvSpPr txBox="1"/>
-          <p:nvPr/>
-        </p:nvSpPr>
-        <p:spPr>
-          <a:xfrm>
-            <a:off x="5942971" y="1017145"/>
-            <a:ext cx="1928541" cy="369332"/>
-          </a:xfrm>
-          <a:prstGeom prst="rect">
-            <a:avLst/>
-          </a:prstGeom>
-          <a:noFill/>
-        </p:spPr>
-        <p:txBody>
-          <a:bodyPr wrap="none" rtlCol="0">
-            <a:spAutoFit/>
-          </a:bodyPr>
-          <a:lstStyle/>
-          <a:p>
-            <a:r>
-              <a:rPr lang="en-US" dirty="0"/>
-              <a:t>Weighted rankings</a:t>
-            </a:r>
-          </a:p>
-        </p:txBody>
-      </p:sp>
-      <p:pic>
-        <p:nvPicPr>
-          <p:cNvPr id="20" name="Picture 19">
-            <a:extLst>
-              <a:ext uri="{FF2B5EF4-FFF2-40B4-BE49-F238E27FC236}">
-                <a16:creationId xmlns:a16="http://schemas.microsoft.com/office/drawing/2014/main" id="{56FED822-01A1-C34D-B232-2F3BEEEAB583}"/>
+                <a16:creationId xmlns:a16="http://schemas.microsoft.com/office/drawing/2014/main" id="{AFA33C52-019E-7142-ABA7-D1815F056185}"/>
               </a:ext>
             </a:extLst>
           </p:cNvPr>
@@ -8793,14 +8724,169 @@
         </p:blipFill>
         <p:spPr>
           <a:xfrm>
-            <a:off x="67946" y="1649528"/>
-            <a:ext cx="5715000" cy="3378200"/>
+            <a:off x="880912" y="1331220"/>
+            <a:ext cx="5711618" cy="4818332"/>
           </a:xfrm>
           <a:prstGeom prst="rect">
             <a:avLst/>
           </a:prstGeom>
         </p:spPr>
       </p:pic>
+      <p:sp>
+        <p:nvSpPr>
+          <p:cNvPr id="18" name="Content Placeholder 2">
+            <a:extLst>
+              <a:ext uri="{FF2B5EF4-FFF2-40B4-BE49-F238E27FC236}">
+                <a16:creationId xmlns:a16="http://schemas.microsoft.com/office/drawing/2014/main" id="{6695956D-51D4-814A-9CFB-3A8B5A4F2C90}"/>
+              </a:ext>
+            </a:extLst>
+          </p:cNvPr>
+          <p:cNvSpPr>
+            <a:spLocks noGrp="1"/>
+          </p:cNvSpPr>
+          <p:nvPr>
+            <p:ph idx="1"/>
+          </p:nvPr>
+        </p:nvSpPr>
+        <p:spPr>
+          <a:xfrm>
+            <a:off x="7089339" y="1974256"/>
+            <a:ext cx="3899263" cy="4010780"/>
+          </a:xfrm>
+        </p:spPr>
+        <p:txBody>
+          <a:bodyPr>
+            <a:normAutofit lnSpcReduction="10000"/>
+          </a:bodyPr>
+          <a:lstStyle/>
+          <a:p>
+            <a:pPr>
+              <a:buFont typeface="Arial" panose="020B0604020202020204" pitchFamily="34" charset="0"/>
+              <a:buChar char="•"/>
+            </a:pPr>
+            <a:r>
+              <a:rPr lang="en-US" sz="3200" dirty="0"/>
+              <a:t> From multiple sources we defined a score for  each city</a:t>
+            </a:r>
+          </a:p>
+          <a:p>
+            <a:pPr>
+              <a:buFont typeface="Arial" panose="020B0604020202020204" pitchFamily="34" charset="0"/>
+              <a:buChar char="•"/>
+            </a:pPr>
+            <a:r>
+              <a:rPr lang="en-US" sz="3200" dirty="0"/>
+              <a:t> We agree that all rankings do not weigh equally, so we defined a set of weights per category to calculate totals.</a:t>
+            </a:r>
+          </a:p>
+        </p:txBody>
+      </p:sp>
+    </p:spTree>
+    <p:extLst>
+      <p:ext uri="{BB962C8B-B14F-4D97-AF65-F5344CB8AC3E}">
+        <p14:creationId xmlns:p14="http://schemas.microsoft.com/office/powerpoint/2010/main" val="3630619199"/>
+      </p:ext>
+    </p:extLst>
+  </p:cSld>
+  <p:clrMapOvr>
+    <a:masterClrMapping/>
+  </p:clrMapOvr>
+</p:sld>
+</file>
+
+<file path=ppt/slides/slide27.xml><?xml version="1.0" encoding="utf-8"?>
+<p:sld xmlns:a="http://schemas.openxmlformats.org/drawingml/2006/main" xmlns:r="http://schemas.openxmlformats.org/officeDocument/2006/relationships" xmlns:p="http://schemas.openxmlformats.org/presentationml/2006/main">
+  <p:cSld>
+    <p:spTree>
+      <p:nvGrpSpPr>
+        <p:cNvPr id="1" name=""/>
+        <p:cNvGrpSpPr/>
+        <p:nvPr/>
+      </p:nvGrpSpPr>
+      <p:grpSpPr>
+        <a:xfrm>
+          <a:off x="0" y="0"/>
+          <a:ext cx="0" cy="0"/>
+          <a:chOff x="0" y="0"/>
+          <a:chExt cx="0" cy="0"/>
+        </a:xfrm>
+      </p:grpSpPr>
+      <p:sp>
+        <p:nvSpPr>
+          <p:cNvPr id="2" name="Title 1">
+            <a:extLst>
+              <a:ext uri="{FF2B5EF4-FFF2-40B4-BE49-F238E27FC236}">
+                <a16:creationId xmlns:a16="http://schemas.microsoft.com/office/drawing/2014/main" id="{390EB264-3883-41F9-BACB-285D2229980C}"/>
+              </a:ext>
+            </a:extLst>
+          </p:cNvPr>
+          <p:cNvSpPr>
+            <a:spLocks noGrp="1"/>
+          </p:cNvSpPr>
+          <p:nvPr>
+            <p:ph type="title"/>
+          </p:nvPr>
+        </p:nvSpPr>
+        <p:spPr>
+          <a:xfrm>
+            <a:off x="1097280" y="286603"/>
+            <a:ext cx="10058400" cy="702409"/>
+          </a:xfrm>
+        </p:spPr>
+        <p:txBody>
+          <a:bodyPr>
+            <a:normAutofit fontScale="90000"/>
+          </a:bodyPr>
+          <a:lstStyle/>
+          <a:p>
+            <a:r>
+              <a:rPr lang="en-US" dirty="0"/>
+              <a:t>Overall City Ranking </a:t>
+            </a:r>
+          </a:p>
+        </p:txBody>
+      </p:sp>
+      <p:cxnSp>
+        <p:nvCxnSpPr>
+          <p:cNvPr id="4" name="Straight Connector 3">
+            <a:extLst>
+              <a:ext uri="{FF2B5EF4-FFF2-40B4-BE49-F238E27FC236}">
+                <a16:creationId xmlns:a16="http://schemas.microsoft.com/office/drawing/2014/main" id="{8FECCD07-FFA9-4129-95C2-D2F2CF8AD354}"/>
+              </a:ext>
+            </a:extLst>
+          </p:cNvPr>
+          <p:cNvCxnSpPr/>
+          <p:nvPr/>
+        </p:nvCxnSpPr>
+        <p:spPr>
+          <a:xfrm>
+            <a:off x="989398" y="989012"/>
+            <a:ext cx="9069860" cy="0"/>
+          </a:xfrm>
+          <a:prstGeom prst="line">
+            <a:avLst/>
+          </a:prstGeom>
+          <a:ln>
+            <a:solidFill>
+              <a:srgbClr val="7030A0"/>
+            </a:solidFill>
+          </a:ln>
+        </p:spPr>
+        <p:style>
+          <a:lnRef idx="1">
+            <a:schemeClr val="accent1"/>
+          </a:lnRef>
+          <a:fillRef idx="0">
+            <a:schemeClr val="accent1"/>
+          </a:fillRef>
+          <a:effectRef idx="0">
+            <a:schemeClr val="accent1"/>
+          </a:effectRef>
+          <a:fontRef idx="minor">
+            <a:schemeClr val="tx1"/>
+          </a:fontRef>
+        </p:style>
+      </p:cxnSp>
       <p:sp>
         <p:nvSpPr>
           <p:cNvPr id="3" name="TextBox 2">
@@ -9467,10 +9553,10 @@
       </p:graphicFrame>
       <p:pic>
         <p:nvPicPr>
-          <p:cNvPr id="7" name="Picture 6">
+          <p:cNvPr id="8" name="Picture 7">
             <a:extLst>
               <a:ext uri="{FF2B5EF4-FFF2-40B4-BE49-F238E27FC236}">
-                <a16:creationId xmlns:a16="http://schemas.microsoft.com/office/drawing/2014/main" id="{7FAF96FF-2589-214D-823A-8EACD8447428}"/>
+                <a16:creationId xmlns:a16="http://schemas.microsoft.com/office/drawing/2014/main" id="{AA652E44-6AA1-CE46-8303-6860B8CBAB1F}"/>
               </a:ext>
             </a:extLst>
           </p:cNvPr>
@@ -9480,7 +9566,7 @@
           <p:nvPr/>
         </p:nvPicPr>
         <p:blipFill>
-          <a:blip r:embed="rId3">
+          <a:blip r:embed="rId2">
             <a:extLst>
               <a:ext uri="{28A0092B-C50C-407E-A947-70E740481C1C}">
                 <a14:useLocalDpi xmlns:a14="http://schemas.microsoft.com/office/drawing/2010/main" val="0"/>
@@ -9493,8 +9579,8 @@
         </p:blipFill>
         <p:spPr>
           <a:xfrm>
-            <a:off x="5942967" y="1642828"/>
-            <a:ext cx="5715000" cy="3378200"/>
+            <a:off x="2449290" y="1472997"/>
+            <a:ext cx="6150076" cy="3635379"/>
           </a:xfrm>
           <a:prstGeom prst="rect">
             <a:avLst/>
@@ -9504,7 +9590,7 @@
     </p:spTree>
     <p:extLst>
       <p:ext uri="{BB962C8B-B14F-4D97-AF65-F5344CB8AC3E}">
-        <p14:creationId xmlns:p14="http://schemas.microsoft.com/office/powerpoint/2010/main" val="3630619199"/>
+        <p14:creationId xmlns:p14="http://schemas.microsoft.com/office/powerpoint/2010/main" val="3915737306"/>
       </p:ext>
     </p:extLst>
   </p:cSld>

--- a/Project1_Presentation.pptx
+++ b/Project1_Presentation.pptx
@@ -32,6 +32,8 @@
     <p:sldId id="290" r:id="rId26"/>
     <p:sldId id="292" r:id="rId27"/>
     <p:sldId id="294" r:id="rId28"/>
+    <p:sldId id="295" r:id="rId29"/>
+    <p:sldId id="296" r:id="rId30"/>
   </p:sldIdLst>
   <p:sldSz cx="12192000" cy="6858000"/>
   <p:notesSz cx="6858000" cy="9144000"/>
@@ -364,7 +366,7 @@
           <a:p>
             <a:fld id="{F70A646C-22A8-4D69-ACFD-CD88A31D50DB}" type="datetimeFigureOut">
               <a:rPr lang="en-US" smtClean="0"/>
-              <a:t>4/4/18</a:t>
+              <a:t>4/4/2018</a:t>
             </a:fld>
             <a:endParaRPr lang="en-US"/>
           </a:p>
@@ -572,7 +574,7 @@
           <a:p>
             <a:fld id="{F70A646C-22A8-4D69-ACFD-CD88A31D50DB}" type="datetimeFigureOut">
               <a:rPr lang="en-US" smtClean="0"/>
-              <a:t>4/4/18</a:t>
+              <a:t>4/4/2018</a:t>
             </a:fld>
             <a:endParaRPr lang="en-US"/>
           </a:p>
@@ -828,7 +830,7 @@
           <a:p>
             <a:fld id="{F70A646C-22A8-4D69-ACFD-CD88A31D50DB}" type="datetimeFigureOut">
               <a:rPr lang="en-US" smtClean="0"/>
-              <a:t>4/4/18</a:t>
+              <a:t>4/4/2018</a:t>
             </a:fld>
             <a:endParaRPr lang="en-US"/>
           </a:p>
@@ -1002,7 +1004,7 @@
           <a:p>
             <a:fld id="{F70A646C-22A8-4D69-ACFD-CD88A31D50DB}" type="datetimeFigureOut">
               <a:rPr lang="en-US" smtClean="0"/>
-              <a:t>4/4/18</a:t>
+              <a:t>4/4/2018</a:t>
             </a:fld>
             <a:endParaRPr lang="en-US"/>
           </a:p>
@@ -1345,7 +1347,7 @@
           <a:p>
             <a:fld id="{F70A646C-22A8-4D69-ACFD-CD88A31D50DB}" type="datetimeFigureOut">
               <a:rPr lang="en-US" smtClean="0"/>
-              <a:t>4/4/18</a:t>
+              <a:t>4/4/2018</a:t>
             </a:fld>
             <a:endParaRPr lang="en-US"/>
           </a:p>
@@ -1620,7 +1622,7 @@
           <a:p>
             <a:fld id="{F70A646C-22A8-4D69-ACFD-CD88A31D50DB}" type="datetimeFigureOut">
               <a:rPr lang="en-US" smtClean="0"/>
-              <a:t>4/4/18</a:t>
+              <a:t>4/4/2018</a:t>
             </a:fld>
             <a:endParaRPr lang="en-US"/>
           </a:p>
@@ -1999,7 +2001,7 @@
           <a:p>
             <a:fld id="{F70A646C-22A8-4D69-ACFD-CD88A31D50DB}" type="datetimeFigureOut">
               <a:rPr lang="en-US" smtClean="0"/>
-              <a:t>4/4/18</a:t>
+              <a:t>4/4/2018</a:t>
             </a:fld>
             <a:endParaRPr lang="en-US"/>
           </a:p>
@@ -2117,7 +2119,7 @@
           <a:p>
             <a:fld id="{F70A646C-22A8-4D69-ACFD-CD88A31D50DB}" type="datetimeFigureOut">
               <a:rPr lang="en-US" smtClean="0"/>
-              <a:t>4/4/18</a:t>
+              <a:t>4/4/2018</a:t>
             </a:fld>
             <a:endParaRPr lang="en-US"/>
           </a:p>
@@ -2288,7 +2290,7 @@
           <a:p>
             <a:fld id="{F70A646C-22A8-4D69-ACFD-CD88A31D50DB}" type="datetimeFigureOut">
               <a:rPr lang="en-US" smtClean="0"/>
-              <a:t>4/4/18</a:t>
+              <a:t>4/4/2018</a:t>
             </a:fld>
             <a:endParaRPr lang="en-US"/>
           </a:p>
@@ -2642,7 +2644,7 @@
           <a:p>
             <a:fld id="{F70A646C-22A8-4D69-ACFD-CD88A31D50DB}" type="datetimeFigureOut">
               <a:rPr lang="en-US" smtClean="0"/>
-              <a:t>4/4/18</a:t>
+              <a:t>4/4/2018</a:t>
             </a:fld>
             <a:endParaRPr lang="en-US"/>
           </a:p>
@@ -3024,7 +3026,7 @@
           <a:p>
             <a:fld id="{F70A646C-22A8-4D69-ACFD-CD88A31D50DB}" type="datetimeFigureOut">
               <a:rPr lang="en-US" smtClean="0"/>
-              <a:t>4/4/18</a:t>
+              <a:t>4/4/2018</a:t>
             </a:fld>
             <a:endParaRPr lang="en-US"/>
           </a:p>
@@ -3311,7 +3313,7 @@
           <a:p>
             <a:fld id="{F70A646C-22A8-4D69-ACFD-CD88A31D50DB}" type="datetimeFigureOut">
               <a:rPr lang="en-US" smtClean="0"/>
-              <a:t>4/4/18</a:t>
+              <a:t>4/4/2018</a:t>
             </a:fld>
             <a:endParaRPr lang="en-US"/>
           </a:p>
@@ -9600,6 +9602,1067 @@
 </p:sld>
 </file>
 
+<file path=ppt/slides/slide28.xml><?xml version="1.0" encoding="utf-8"?>
+<p:sld xmlns:a="http://schemas.openxmlformats.org/drawingml/2006/main" xmlns:r="http://schemas.openxmlformats.org/officeDocument/2006/relationships" xmlns:p="http://schemas.openxmlformats.org/presentationml/2006/main">
+  <p:cSld>
+    <p:spTree>
+      <p:nvGrpSpPr>
+        <p:cNvPr id="1" name=""/>
+        <p:cNvGrpSpPr/>
+        <p:nvPr/>
+      </p:nvGrpSpPr>
+      <p:grpSpPr>
+        <a:xfrm>
+          <a:off x="0" y="0"/>
+          <a:ext cx="0" cy="0"/>
+          <a:chOff x="0" y="0"/>
+          <a:chExt cx="0" cy="0"/>
+        </a:xfrm>
+      </p:grpSpPr>
+      <p:sp>
+        <p:nvSpPr>
+          <p:cNvPr id="2" name="Title 1">
+            <a:extLst>
+              <a:ext uri="{FF2B5EF4-FFF2-40B4-BE49-F238E27FC236}">
+                <a16:creationId xmlns:a16="http://schemas.microsoft.com/office/drawing/2014/main" id="{390EB264-3883-41F9-BACB-285D2229980C}"/>
+              </a:ext>
+            </a:extLst>
+          </p:cNvPr>
+          <p:cNvSpPr>
+            <a:spLocks noGrp="1"/>
+          </p:cNvSpPr>
+          <p:nvPr>
+            <p:ph type="title"/>
+          </p:nvPr>
+        </p:nvSpPr>
+        <p:spPr>
+          <a:xfrm>
+            <a:off x="1097280" y="286603"/>
+            <a:ext cx="10058400" cy="702409"/>
+          </a:xfrm>
+        </p:spPr>
+        <p:txBody>
+          <a:bodyPr>
+            <a:normAutofit fontScale="90000"/>
+          </a:bodyPr>
+          <a:lstStyle/>
+          <a:p>
+            <a:r>
+              <a:rPr lang="en-US" dirty="0"/>
+              <a:t>Overall City Ranking </a:t>
+            </a:r>
+          </a:p>
+        </p:txBody>
+      </p:sp>
+      <p:cxnSp>
+        <p:nvCxnSpPr>
+          <p:cNvPr id="4" name="Straight Connector 3">
+            <a:extLst>
+              <a:ext uri="{FF2B5EF4-FFF2-40B4-BE49-F238E27FC236}">
+                <a16:creationId xmlns:a16="http://schemas.microsoft.com/office/drawing/2014/main" id="{8FECCD07-FFA9-4129-95C2-D2F2CF8AD354}"/>
+              </a:ext>
+            </a:extLst>
+          </p:cNvPr>
+          <p:cNvCxnSpPr/>
+          <p:nvPr/>
+        </p:nvCxnSpPr>
+        <p:spPr>
+          <a:xfrm>
+            <a:off x="989398" y="989012"/>
+            <a:ext cx="9069860" cy="0"/>
+          </a:xfrm>
+          <a:prstGeom prst="line">
+            <a:avLst/>
+          </a:prstGeom>
+          <a:ln>
+            <a:solidFill>
+              <a:srgbClr val="7030A0"/>
+            </a:solidFill>
+          </a:ln>
+        </p:spPr>
+        <p:style>
+          <a:lnRef idx="1">
+            <a:schemeClr val="accent1"/>
+          </a:lnRef>
+          <a:fillRef idx="0">
+            <a:schemeClr val="accent1"/>
+          </a:fillRef>
+          <a:effectRef idx="0">
+            <a:schemeClr val="accent1"/>
+          </a:effectRef>
+          <a:fontRef idx="minor">
+            <a:schemeClr val="tx1"/>
+          </a:fontRef>
+        </p:style>
+      </p:cxnSp>
+      <p:sp>
+        <p:nvSpPr>
+          <p:cNvPr id="13" name="TextBox 12">
+            <a:extLst>
+              <a:ext uri="{FF2B5EF4-FFF2-40B4-BE49-F238E27FC236}">
+                <a16:creationId xmlns:a16="http://schemas.microsoft.com/office/drawing/2014/main" id="{2F54B774-97D6-374E-AF3C-3039E753E6FE}"/>
+              </a:ext>
+            </a:extLst>
+          </p:cNvPr>
+          <p:cNvSpPr txBox="1"/>
+          <p:nvPr/>
+        </p:nvSpPr>
+        <p:spPr>
+          <a:xfrm>
+            <a:off x="290347" y="1067951"/>
+            <a:ext cx="2162580" cy="369332"/>
+          </a:xfrm>
+          <a:prstGeom prst="rect">
+            <a:avLst/>
+          </a:prstGeom>
+          <a:noFill/>
+        </p:spPr>
+        <p:txBody>
+          <a:bodyPr wrap="none" rtlCol="0">
+            <a:spAutoFit/>
+          </a:bodyPr>
+          <a:lstStyle/>
+          <a:p>
+            <a:r>
+              <a:rPr lang="en-US" dirty="0"/>
+              <a:t>Unweighted rankings</a:t>
+            </a:r>
+          </a:p>
+        </p:txBody>
+      </p:sp>
+      <p:sp>
+        <p:nvSpPr>
+          <p:cNvPr id="14" name="TextBox 13">
+            <a:extLst>
+              <a:ext uri="{FF2B5EF4-FFF2-40B4-BE49-F238E27FC236}">
+                <a16:creationId xmlns:a16="http://schemas.microsoft.com/office/drawing/2014/main" id="{2A70FE4E-E05B-FB42-88DC-7CBDC43B4C5C}"/>
+              </a:ext>
+            </a:extLst>
+          </p:cNvPr>
+          <p:cNvSpPr txBox="1"/>
+          <p:nvPr/>
+        </p:nvSpPr>
+        <p:spPr>
+          <a:xfrm>
+            <a:off x="5942971" y="1017145"/>
+            <a:ext cx="1928541" cy="369332"/>
+          </a:xfrm>
+          <a:prstGeom prst="rect">
+            <a:avLst/>
+          </a:prstGeom>
+          <a:noFill/>
+        </p:spPr>
+        <p:txBody>
+          <a:bodyPr wrap="none" rtlCol="0">
+            <a:spAutoFit/>
+          </a:bodyPr>
+          <a:lstStyle/>
+          <a:p>
+            <a:r>
+              <a:rPr lang="en-US" dirty="0"/>
+              <a:t>Weighted rankings</a:t>
+            </a:r>
+          </a:p>
+        </p:txBody>
+      </p:sp>
+      <p:pic>
+        <p:nvPicPr>
+          <p:cNvPr id="20" name="Picture 19">
+            <a:extLst>
+              <a:ext uri="{FF2B5EF4-FFF2-40B4-BE49-F238E27FC236}">
+                <a16:creationId xmlns:a16="http://schemas.microsoft.com/office/drawing/2014/main" id="{56FED822-01A1-C34D-B232-2F3BEEEAB583}"/>
+              </a:ext>
+            </a:extLst>
+          </p:cNvPr>
+          <p:cNvPicPr>
+            <a:picLocks noChangeAspect="1"/>
+          </p:cNvPicPr>
+          <p:nvPr/>
+        </p:nvPicPr>
+        <p:blipFill>
+          <a:blip r:embed="rId2">
+            <a:extLst>
+              <a:ext uri="{28A0092B-C50C-407E-A947-70E740481C1C}">
+                <a14:useLocalDpi xmlns:a14="http://schemas.microsoft.com/office/drawing/2010/main" val="0"/>
+              </a:ext>
+            </a:extLst>
+          </a:blip>
+          <a:stretch>
+            <a:fillRect/>
+          </a:stretch>
+        </p:blipFill>
+        <p:spPr>
+          <a:xfrm>
+            <a:off x="67946" y="1649528"/>
+            <a:ext cx="5715000" cy="3378200"/>
+          </a:xfrm>
+          <a:prstGeom prst="rect">
+            <a:avLst/>
+          </a:prstGeom>
+        </p:spPr>
+      </p:pic>
+      <p:sp>
+        <p:nvSpPr>
+          <p:cNvPr id="3" name="TextBox 2">
+            <a:extLst>
+              <a:ext uri="{FF2B5EF4-FFF2-40B4-BE49-F238E27FC236}">
+                <a16:creationId xmlns:a16="http://schemas.microsoft.com/office/drawing/2014/main" id="{81242773-C5FC-5E41-8856-1AE0382D8DFE}"/>
+              </a:ext>
+            </a:extLst>
+          </p:cNvPr>
+          <p:cNvSpPr txBox="1"/>
+          <p:nvPr/>
+        </p:nvSpPr>
+        <p:spPr>
+          <a:xfrm>
+            <a:off x="364005" y="5194897"/>
+            <a:ext cx="10517623" cy="369332"/>
+          </a:xfrm>
+          <a:prstGeom prst="rect">
+            <a:avLst/>
+          </a:prstGeom>
+          <a:noFill/>
+        </p:spPr>
+        <p:txBody>
+          <a:bodyPr wrap="none" rtlCol="0">
+            <a:spAutoFit/>
+          </a:bodyPr>
+          <a:lstStyle/>
+          <a:p>
+            <a:pPr fontAlgn="base"/>
+            <a:r>
+              <a:rPr lang="en-US" dirty="0"/>
+              <a:t>Weights (Definition: What would make someone in tech move cities or what would grow the tech labor force) :</a:t>
+            </a:r>
+          </a:p>
+        </p:txBody>
+      </p:sp>
+      <p:graphicFrame>
+        <p:nvGraphicFramePr>
+          <p:cNvPr id="5" name="Table 4">
+            <a:extLst>
+              <a:ext uri="{FF2B5EF4-FFF2-40B4-BE49-F238E27FC236}">
+                <a16:creationId xmlns:a16="http://schemas.microsoft.com/office/drawing/2014/main" id="{99093762-A168-364A-B7A1-E1CAA9B9AC46}"/>
+              </a:ext>
+            </a:extLst>
+          </p:cNvPr>
+          <p:cNvGraphicFramePr>
+            <a:graphicFrameLocks noGrp="1"/>
+          </p:cNvGraphicFramePr>
+          <p:nvPr/>
+        </p:nvGraphicFramePr>
+        <p:xfrm>
+          <a:off x="556591" y="5592362"/>
+          <a:ext cx="11101376" cy="487680"/>
+        </p:xfrm>
+        <a:graphic>
+          <a:graphicData uri="http://schemas.openxmlformats.org/drawingml/2006/table">
+            <a:tbl>
+              <a:tblPr firstRow="1" bandRow="1">
+                <a:tableStyleId>{5C22544A-7EE6-4342-B048-85BDC9FD1C3A}</a:tableStyleId>
+              </a:tblPr>
+              <a:tblGrid>
+                <a:gridCol w="693836">
+                  <a:extLst>
+                    <a:ext uri="{9D8B030D-6E8A-4147-A177-3AD203B41FA5}">
+                      <a16:colId xmlns:a16="http://schemas.microsoft.com/office/drawing/2014/main" val="2099015565"/>
+                    </a:ext>
+                  </a:extLst>
+                </a:gridCol>
+                <a:gridCol w="693836">
+                  <a:extLst>
+                    <a:ext uri="{9D8B030D-6E8A-4147-A177-3AD203B41FA5}">
+                      <a16:colId xmlns:a16="http://schemas.microsoft.com/office/drawing/2014/main" val="1131645849"/>
+                    </a:ext>
+                  </a:extLst>
+                </a:gridCol>
+                <a:gridCol w="693836">
+                  <a:extLst>
+                    <a:ext uri="{9D8B030D-6E8A-4147-A177-3AD203B41FA5}">
+                      <a16:colId xmlns:a16="http://schemas.microsoft.com/office/drawing/2014/main" val="2979348466"/>
+                    </a:ext>
+                  </a:extLst>
+                </a:gridCol>
+                <a:gridCol w="693836">
+                  <a:extLst>
+                    <a:ext uri="{9D8B030D-6E8A-4147-A177-3AD203B41FA5}">
+                      <a16:colId xmlns:a16="http://schemas.microsoft.com/office/drawing/2014/main" val="3871454820"/>
+                    </a:ext>
+                  </a:extLst>
+                </a:gridCol>
+                <a:gridCol w="693836">
+                  <a:extLst>
+                    <a:ext uri="{9D8B030D-6E8A-4147-A177-3AD203B41FA5}">
+                      <a16:colId xmlns:a16="http://schemas.microsoft.com/office/drawing/2014/main" val="1076730244"/>
+                    </a:ext>
+                  </a:extLst>
+                </a:gridCol>
+                <a:gridCol w="693836">
+                  <a:extLst>
+                    <a:ext uri="{9D8B030D-6E8A-4147-A177-3AD203B41FA5}">
+                      <a16:colId xmlns:a16="http://schemas.microsoft.com/office/drawing/2014/main" val="3173180166"/>
+                    </a:ext>
+                  </a:extLst>
+                </a:gridCol>
+                <a:gridCol w="693836">
+                  <a:extLst>
+                    <a:ext uri="{9D8B030D-6E8A-4147-A177-3AD203B41FA5}">
+                      <a16:colId xmlns:a16="http://schemas.microsoft.com/office/drawing/2014/main" val="205725656"/>
+                    </a:ext>
+                  </a:extLst>
+                </a:gridCol>
+                <a:gridCol w="693836">
+                  <a:extLst>
+                    <a:ext uri="{9D8B030D-6E8A-4147-A177-3AD203B41FA5}">
+                      <a16:colId xmlns:a16="http://schemas.microsoft.com/office/drawing/2014/main" val="2271480319"/>
+                    </a:ext>
+                  </a:extLst>
+                </a:gridCol>
+                <a:gridCol w="693836">
+                  <a:extLst>
+                    <a:ext uri="{9D8B030D-6E8A-4147-A177-3AD203B41FA5}">
+                      <a16:colId xmlns:a16="http://schemas.microsoft.com/office/drawing/2014/main" val="3504083037"/>
+                    </a:ext>
+                  </a:extLst>
+                </a:gridCol>
+                <a:gridCol w="693836">
+                  <a:extLst>
+                    <a:ext uri="{9D8B030D-6E8A-4147-A177-3AD203B41FA5}">
+                      <a16:colId xmlns:a16="http://schemas.microsoft.com/office/drawing/2014/main" val="295204535"/>
+                    </a:ext>
+                  </a:extLst>
+                </a:gridCol>
+                <a:gridCol w="693836">
+                  <a:extLst>
+                    <a:ext uri="{9D8B030D-6E8A-4147-A177-3AD203B41FA5}">
+                      <a16:colId xmlns:a16="http://schemas.microsoft.com/office/drawing/2014/main" val="420834283"/>
+                    </a:ext>
+                  </a:extLst>
+                </a:gridCol>
+                <a:gridCol w="627222">
+                  <a:extLst>
+                    <a:ext uri="{9D8B030D-6E8A-4147-A177-3AD203B41FA5}">
+                      <a16:colId xmlns:a16="http://schemas.microsoft.com/office/drawing/2014/main" val="4186120540"/>
+                    </a:ext>
+                  </a:extLst>
+                </a:gridCol>
+                <a:gridCol w="760450">
+                  <a:extLst>
+                    <a:ext uri="{9D8B030D-6E8A-4147-A177-3AD203B41FA5}">
+                      <a16:colId xmlns:a16="http://schemas.microsoft.com/office/drawing/2014/main" val="3484716283"/>
+                    </a:ext>
+                  </a:extLst>
+                </a:gridCol>
+                <a:gridCol w="693836">
+                  <a:extLst>
+                    <a:ext uri="{9D8B030D-6E8A-4147-A177-3AD203B41FA5}">
+                      <a16:colId xmlns:a16="http://schemas.microsoft.com/office/drawing/2014/main" val="3882757151"/>
+                    </a:ext>
+                  </a:extLst>
+                </a:gridCol>
+                <a:gridCol w="693836">
+                  <a:extLst>
+                    <a:ext uri="{9D8B030D-6E8A-4147-A177-3AD203B41FA5}">
+                      <a16:colId xmlns:a16="http://schemas.microsoft.com/office/drawing/2014/main" val="4187639300"/>
+                    </a:ext>
+                  </a:extLst>
+                </a:gridCol>
+                <a:gridCol w="693836">
+                  <a:extLst>
+                    <a:ext uri="{9D8B030D-6E8A-4147-A177-3AD203B41FA5}">
+                      <a16:colId xmlns:a16="http://schemas.microsoft.com/office/drawing/2014/main" val="1901181437"/>
+                    </a:ext>
+                  </a:extLst>
+                </a:gridCol>
+              </a:tblGrid>
+              <a:tr h="130645">
+                <a:tc>
+                  <a:txBody>
+                    <a:bodyPr/>
+                    <a:lstStyle/>
+                    <a:p>
+                      <a:r>
+                        <a:rPr lang="en-US" sz="1000" dirty="0"/>
+                        <a:t>House</a:t>
+                      </a:r>
+                    </a:p>
+                  </a:txBody>
+                  <a:tcPr/>
+                </a:tc>
+                <a:tc>
+                  <a:txBody>
+                    <a:bodyPr/>
+                    <a:lstStyle/>
+                    <a:p>
+                      <a:r>
+                        <a:rPr lang="en-US" sz="1000" dirty="0"/>
+                        <a:t>Rent</a:t>
+                      </a:r>
+                    </a:p>
+                  </a:txBody>
+                  <a:tcPr/>
+                </a:tc>
+                <a:tc>
+                  <a:txBody>
+                    <a:bodyPr/>
+                    <a:lstStyle/>
+                    <a:p>
+                      <a:r>
+                        <a:rPr lang="en-US" sz="1000" dirty="0"/>
+                        <a:t>Ed Attain</a:t>
+                      </a:r>
+                    </a:p>
+                  </a:txBody>
+                  <a:tcPr/>
+                </a:tc>
+                <a:tc>
+                  <a:txBody>
+                    <a:bodyPr/>
+                    <a:lstStyle/>
+                    <a:p>
+                      <a:r>
+                        <a:rPr lang="en-US" sz="1000" dirty="0"/>
+                        <a:t>School</a:t>
+                      </a:r>
+                    </a:p>
+                  </a:txBody>
+                  <a:tcPr/>
+                </a:tc>
+                <a:tc>
+                  <a:txBody>
+                    <a:bodyPr/>
+                    <a:lstStyle/>
+                    <a:p>
+                      <a:r>
+                        <a:rPr lang="en-US" sz="1000" dirty="0"/>
+                        <a:t>College</a:t>
+                      </a:r>
+                    </a:p>
+                  </a:txBody>
+                  <a:tcPr/>
+                </a:tc>
+                <a:tc>
+                  <a:txBody>
+                    <a:bodyPr/>
+                    <a:lstStyle/>
+                    <a:p>
+                      <a:r>
+                        <a:rPr lang="en-US" sz="1000" dirty="0"/>
+                        <a:t>Tec Pool</a:t>
+                      </a:r>
+                    </a:p>
+                  </a:txBody>
+                  <a:tcPr/>
+                </a:tc>
+                <a:tc>
+                  <a:txBody>
+                    <a:bodyPr/>
+                    <a:lstStyle/>
+                    <a:p>
+                      <a:r>
+                        <a:rPr lang="en-US" sz="1000" dirty="0"/>
+                        <a:t>Transit</a:t>
+                      </a:r>
+                    </a:p>
+                  </a:txBody>
+                  <a:tcPr/>
+                </a:tc>
+                <a:tc>
+                  <a:txBody>
+                    <a:bodyPr/>
+                    <a:lstStyle/>
+                    <a:p>
+                      <a:r>
+                        <a:rPr lang="en-US" sz="1000" dirty="0"/>
+                        <a:t>Airport</a:t>
+                      </a:r>
+                    </a:p>
+                  </a:txBody>
+                  <a:tcPr/>
+                </a:tc>
+                <a:tc>
+                  <a:txBody>
+                    <a:bodyPr/>
+                    <a:lstStyle/>
+                    <a:p>
+                      <a:pPr algn="ctr" fontAlgn="b"/>
+                      <a:r>
+                        <a:rPr lang="en-US" sz="1000" b="1" i="0" u="none" strike="noStrike" dirty="0">
+                          <a:solidFill>
+                            <a:schemeClr val="bg1"/>
+                          </a:solidFill>
+                          <a:effectLst/>
+                          <a:latin typeface="+mn-lt"/>
+                        </a:rPr>
+                        <a:t>Rest</a:t>
+                      </a:r>
+                    </a:p>
+                  </a:txBody>
+                  <a:tcPr marL="9525" marR="9525" marT="9525" marB="0" anchor="ctr"/>
+                </a:tc>
+                <a:tc>
+                  <a:txBody>
+                    <a:bodyPr/>
+                    <a:lstStyle/>
+                    <a:p>
+                      <a:pPr algn="ctr" fontAlgn="b"/>
+                      <a:r>
+                        <a:rPr lang="en-US" sz="1000" b="1" i="0" u="none" strike="noStrike" dirty="0">
+                          <a:solidFill>
+                            <a:schemeClr val="bg1"/>
+                          </a:solidFill>
+                          <a:effectLst/>
+                          <a:latin typeface="+mn-lt"/>
+                        </a:rPr>
+                        <a:t>Hotels</a:t>
+                      </a:r>
+                    </a:p>
+                  </a:txBody>
+                  <a:tcPr marL="9525" marR="9525" marT="9525" marB="0" anchor="ctr"/>
+                </a:tc>
+                <a:tc>
+                  <a:txBody>
+                    <a:bodyPr/>
+                    <a:lstStyle/>
+                    <a:p>
+                      <a:pPr algn="ctr" fontAlgn="b"/>
+                      <a:r>
+                        <a:rPr lang="en-US" sz="1000" b="1" i="0" u="none" strike="noStrike" dirty="0">
+                          <a:solidFill>
+                            <a:schemeClr val="bg1"/>
+                          </a:solidFill>
+                          <a:effectLst/>
+                          <a:latin typeface="+mn-lt"/>
+                        </a:rPr>
+                        <a:t>Hospitals</a:t>
+                      </a:r>
+                    </a:p>
+                  </a:txBody>
+                  <a:tcPr marL="9525" marR="9525" marT="9525" marB="0" anchor="ctr"/>
+                </a:tc>
+                <a:tc>
+                  <a:txBody>
+                    <a:bodyPr/>
+                    <a:lstStyle/>
+                    <a:p>
+                      <a:pPr algn="ctr" fontAlgn="b"/>
+                      <a:r>
+                        <a:rPr lang="en-US" sz="1000" b="1" i="0" u="none" strike="noStrike" dirty="0">
+                          <a:solidFill>
+                            <a:schemeClr val="bg1"/>
+                          </a:solidFill>
+                          <a:effectLst/>
+                          <a:latin typeface="+mn-lt"/>
+                        </a:rPr>
+                        <a:t>Shops</a:t>
+                      </a:r>
+                    </a:p>
+                  </a:txBody>
+                  <a:tcPr marL="9525" marR="9525" marT="9525" marB="0" anchor="ctr"/>
+                </a:tc>
+                <a:tc>
+                  <a:txBody>
+                    <a:bodyPr/>
+                    <a:lstStyle/>
+                    <a:p>
+                      <a:r>
+                        <a:rPr lang="en-US" sz="1000" dirty="0"/>
+                        <a:t>Fitness</a:t>
+                      </a:r>
+                    </a:p>
+                  </a:txBody>
+                  <a:tcPr/>
+                </a:tc>
+                <a:tc>
+                  <a:txBody>
+                    <a:bodyPr/>
+                    <a:lstStyle/>
+                    <a:p>
+                      <a:r>
+                        <a:rPr lang="en-US" sz="1000" dirty="0"/>
+                        <a:t>Crime</a:t>
+                      </a:r>
+                    </a:p>
+                  </a:txBody>
+                  <a:tcPr/>
+                </a:tc>
+                <a:tc>
+                  <a:txBody>
+                    <a:bodyPr/>
+                    <a:lstStyle/>
+                    <a:p>
+                      <a:r>
+                        <a:rPr lang="en-US" sz="1000" dirty="0"/>
+                        <a:t>Climate</a:t>
+                      </a:r>
+                    </a:p>
+                  </a:txBody>
+                  <a:tcPr/>
+                </a:tc>
+                <a:tc>
+                  <a:txBody>
+                    <a:bodyPr/>
+                    <a:lstStyle/>
+                    <a:p>
+                      <a:r>
+                        <a:rPr lang="en-US" sz="1000" dirty="0"/>
+                        <a:t>Pollution</a:t>
+                      </a:r>
+                    </a:p>
+                  </a:txBody>
+                  <a:tcPr/>
+                </a:tc>
+                <a:extLst>
+                  <a:ext uri="{0D108BD9-81ED-4DB2-BD59-A6C34878D82A}">
+                    <a16:rowId xmlns:a16="http://schemas.microsoft.com/office/drawing/2014/main" val="3296182698"/>
+                  </a:ext>
+                </a:extLst>
+              </a:tr>
+              <a:tr h="157618">
+                <a:tc>
+                  <a:txBody>
+                    <a:bodyPr/>
+                    <a:lstStyle/>
+                    <a:p>
+                      <a:r>
+                        <a:rPr lang="en-US" sz="1000" dirty="0"/>
+                        <a:t>3</a:t>
+                      </a:r>
+                    </a:p>
+                  </a:txBody>
+                  <a:tcPr/>
+                </a:tc>
+                <a:tc>
+                  <a:txBody>
+                    <a:bodyPr/>
+                    <a:lstStyle/>
+                    <a:p>
+                      <a:r>
+                        <a:rPr lang="en-US" sz="1000" dirty="0"/>
+                        <a:t>2</a:t>
+                      </a:r>
+                    </a:p>
+                  </a:txBody>
+                  <a:tcPr/>
+                </a:tc>
+                <a:tc>
+                  <a:txBody>
+                    <a:bodyPr/>
+                    <a:lstStyle/>
+                    <a:p>
+                      <a:r>
+                        <a:rPr lang="en-US" sz="1000" dirty="0"/>
+                        <a:t>2</a:t>
+                      </a:r>
+                    </a:p>
+                  </a:txBody>
+                  <a:tcPr/>
+                </a:tc>
+                <a:tc>
+                  <a:txBody>
+                    <a:bodyPr/>
+                    <a:lstStyle/>
+                    <a:p>
+                      <a:r>
+                        <a:rPr lang="en-US" sz="1000" dirty="0"/>
+                        <a:t>1</a:t>
+                      </a:r>
+                    </a:p>
+                  </a:txBody>
+                  <a:tcPr/>
+                </a:tc>
+                <a:tc>
+                  <a:txBody>
+                    <a:bodyPr/>
+                    <a:lstStyle/>
+                    <a:p>
+                      <a:r>
+                        <a:rPr lang="en-US" sz="1000" dirty="0"/>
+                        <a:t>2</a:t>
+                      </a:r>
+                    </a:p>
+                  </a:txBody>
+                  <a:tcPr/>
+                </a:tc>
+                <a:tc>
+                  <a:txBody>
+                    <a:bodyPr/>
+                    <a:lstStyle/>
+                    <a:p>
+                      <a:r>
+                        <a:rPr lang="en-US" sz="1000" dirty="0"/>
+                        <a:t>3</a:t>
+                      </a:r>
+                    </a:p>
+                  </a:txBody>
+                  <a:tcPr/>
+                </a:tc>
+                <a:tc>
+                  <a:txBody>
+                    <a:bodyPr/>
+                    <a:lstStyle/>
+                    <a:p>
+                      <a:r>
+                        <a:rPr lang="en-US" sz="1000" dirty="0"/>
+                        <a:t>2</a:t>
+                      </a:r>
+                    </a:p>
+                  </a:txBody>
+                  <a:tcPr/>
+                </a:tc>
+                <a:tc>
+                  <a:txBody>
+                    <a:bodyPr/>
+                    <a:lstStyle/>
+                    <a:p>
+                      <a:r>
+                        <a:rPr lang="en-US" sz="1000" dirty="0"/>
+                        <a:t>1</a:t>
+                      </a:r>
+                    </a:p>
+                  </a:txBody>
+                  <a:tcPr/>
+                </a:tc>
+                <a:tc>
+                  <a:txBody>
+                    <a:bodyPr/>
+                    <a:lstStyle/>
+                    <a:p>
+                      <a:pPr algn="l" fontAlgn="b"/>
+                      <a:r>
+                        <a:rPr lang="en-US" sz="1000" b="0" i="0" u="none" strike="noStrike" dirty="0">
+                          <a:solidFill>
+                            <a:srgbClr val="000000"/>
+                          </a:solidFill>
+                          <a:effectLst/>
+                          <a:latin typeface="+mn-lt"/>
+                        </a:rPr>
+                        <a:t> 0.25</a:t>
+                      </a:r>
+                    </a:p>
+                  </a:txBody>
+                  <a:tcPr marL="9525" marR="9525" marT="9525" marB="0" anchor="ctr"/>
+                </a:tc>
+                <a:tc>
+                  <a:txBody>
+                    <a:bodyPr/>
+                    <a:lstStyle/>
+                    <a:p>
+                      <a:pPr algn="l" fontAlgn="b"/>
+                      <a:r>
+                        <a:rPr lang="en-US" sz="1000" b="0" i="0" u="none" strike="noStrike" dirty="0">
+                          <a:solidFill>
+                            <a:srgbClr val="000000"/>
+                          </a:solidFill>
+                          <a:effectLst/>
+                          <a:latin typeface="+mn-lt"/>
+                        </a:rPr>
+                        <a:t> 0.75</a:t>
+                      </a:r>
+                    </a:p>
+                  </a:txBody>
+                  <a:tcPr marL="9525" marR="9525" marT="9525" marB="0" anchor="ctr"/>
+                </a:tc>
+                <a:tc>
+                  <a:txBody>
+                    <a:bodyPr/>
+                    <a:lstStyle/>
+                    <a:p>
+                      <a:pPr algn="l" fontAlgn="b"/>
+                      <a:r>
+                        <a:rPr lang="en-US" sz="1000" b="0" i="0" u="none" strike="noStrike" dirty="0">
+                          <a:solidFill>
+                            <a:srgbClr val="000000"/>
+                          </a:solidFill>
+                          <a:effectLst/>
+                          <a:latin typeface="+mn-lt"/>
+                        </a:rPr>
+                        <a:t> 0.5</a:t>
+                      </a:r>
+                    </a:p>
+                  </a:txBody>
+                  <a:tcPr marL="9525" marR="9525" marT="9525" marB="0" anchor="ctr"/>
+                </a:tc>
+                <a:tc>
+                  <a:txBody>
+                    <a:bodyPr/>
+                    <a:lstStyle/>
+                    <a:p>
+                      <a:pPr algn="l" fontAlgn="b"/>
+                      <a:r>
+                        <a:rPr lang="en-US" sz="1000" b="0" i="0" u="none" strike="noStrike" dirty="0">
+                          <a:solidFill>
+                            <a:srgbClr val="000000"/>
+                          </a:solidFill>
+                          <a:effectLst/>
+                          <a:latin typeface="+mn-lt"/>
+                        </a:rPr>
+                        <a:t> 0.25</a:t>
+                      </a:r>
+                    </a:p>
+                  </a:txBody>
+                  <a:tcPr marL="9525" marR="9525" marT="9525" marB="0" anchor="ctr"/>
+                </a:tc>
+                <a:tc>
+                  <a:txBody>
+                    <a:bodyPr/>
+                    <a:lstStyle/>
+                    <a:p>
+                      <a:r>
+                        <a:rPr lang="en-US" sz="1000" dirty="0"/>
+                        <a:t>2</a:t>
+                      </a:r>
+                    </a:p>
+                  </a:txBody>
+                  <a:tcPr/>
+                </a:tc>
+                <a:tc>
+                  <a:txBody>
+                    <a:bodyPr/>
+                    <a:lstStyle/>
+                    <a:p>
+                      <a:r>
+                        <a:rPr lang="en-US" sz="1000" dirty="0"/>
+                        <a:t>1</a:t>
+                      </a:r>
+                    </a:p>
+                  </a:txBody>
+                  <a:tcPr/>
+                </a:tc>
+                <a:tc>
+                  <a:txBody>
+                    <a:bodyPr/>
+                    <a:lstStyle/>
+                    <a:p>
+                      <a:r>
+                        <a:rPr lang="en-US" sz="1000" dirty="0"/>
+                        <a:t>1</a:t>
+                      </a:r>
+                    </a:p>
+                  </a:txBody>
+                  <a:tcPr/>
+                </a:tc>
+                <a:tc>
+                  <a:txBody>
+                    <a:bodyPr/>
+                    <a:lstStyle/>
+                    <a:p>
+                      <a:r>
+                        <a:rPr lang="en-US" sz="1000" dirty="0"/>
+                        <a:t>1</a:t>
+                      </a:r>
+                    </a:p>
+                  </a:txBody>
+                  <a:tcPr/>
+                </a:tc>
+                <a:extLst>
+                  <a:ext uri="{0D108BD9-81ED-4DB2-BD59-A6C34878D82A}">
+                    <a16:rowId xmlns:a16="http://schemas.microsoft.com/office/drawing/2014/main" val="3565520845"/>
+                  </a:ext>
+                </a:extLst>
+              </a:tr>
+            </a:tbl>
+          </a:graphicData>
+        </a:graphic>
+      </p:graphicFrame>
+      <p:pic>
+        <p:nvPicPr>
+          <p:cNvPr id="7" name="Picture 6">
+            <a:extLst>
+              <a:ext uri="{FF2B5EF4-FFF2-40B4-BE49-F238E27FC236}">
+                <a16:creationId xmlns:a16="http://schemas.microsoft.com/office/drawing/2014/main" id="{7FAF96FF-2589-214D-823A-8EACD8447428}"/>
+              </a:ext>
+            </a:extLst>
+          </p:cNvPr>
+          <p:cNvPicPr>
+            <a:picLocks noChangeAspect="1"/>
+          </p:cNvPicPr>
+          <p:nvPr/>
+        </p:nvPicPr>
+        <p:blipFill>
+          <a:blip r:embed="rId3">
+            <a:extLst>
+              <a:ext uri="{28A0092B-C50C-407E-A947-70E740481C1C}">
+                <a14:useLocalDpi xmlns:a14="http://schemas.microsoft.com/office/drawing/2010/main" val="0"/>
+              </a:ext>
+            </a:extLst>
+          </a:blip>
+          <a:stretch>
+            <a:fillRect/>
+          </a:stretch>
+        </p:blipFill>
+        <p:spPr>
+          <a:xfrm>
+            <a:off x="5942967" y="1642828"/>
+            <a:ext cx="5715000" cy="3378200"/>
+          </a:xfrm>
+          <a:prstGeom prst="rect">
+            <a:avLst/>
+          </a:prstGeom>
+        </p:spPr>
+      </p:pic>
+    </p:spTree>
+    <p:extLst>
+      <p:ext uri="{BB962C8B-B14F-4D97-AF65-F5344CB8AC3E}">
+        <p14:creationId xmlns:p14="http://schemas.microsoft.com/office/powerpoint/2010/main" val="1521752165"/>
+      </p:ext>
+    </p:extLst>
+  </p:cSld>
+  <p:clrMapOvr>
+    <a:masterClrMapping/>
+  </p:clrMapOvr>
+</p:sld>
+</file>
+
+<file path=ppt/slides/slide29.xml><?xml version="1.0" encoding="utf-8"?>
+<p:sld xmlns:a="http://schemas.openxmlformats.org/drawingml/2006/main" xmlns:r="http://schemas.openxmlformats.org/officeDocument/2006/relationships" xmlns:p="http://schemas.openxmlformats.org/presentationml/2006/main">
+  <p:cSld>
+    <p:spTree>
+      <p:nvGrpSpPr>
+        <p:cNvPr id="1" name=""/>
+        <p:cNvGrpSpPr/>
+        <p:nvPr/>
+      </p:nvGrpSpPr>
+      <p:grpSpPr>
+        <a:xfrm>
+          <a:off x="0" y="0"/>
+          <a:ext cx="0" cy="0"/>
+          <a:chOff x="0" y="0"/>
+          <a:chExt cx="0" cy="0"/>
+        </a:xfrm>
+      </p:grpSpPr>
+      <p:sp>
+        <p:nvSpPr>
+          <p:cNvPr id="2" name="Title 1">
+            <a:extLst>
+              <a:ext uri="{FF2B5EF4-FFF2-40B4-BE49-F238E27FC236}">
+                <a16:creationId xmlns:a16="http://schemas.microsoft.com/office/drawing/2014/main" id="{E090FCDC-D64D-45A8-ABA9-0A5CE41D052C}"/>
+              </a:ext>
+            </a:extLst>
+          </p:cNvPr>
+          <p:cNvSpPr>
+            <a:spLocks noGrp="1"/>
+          </p:cNvSpPr>
+          <p:nvPr>
+            <p:ph type="title"/>
+          </p:nvPr>
+        </p:nvSpPr>
+        <p:spPr/>
+        <p:txBody>
+          <a:bodyPr/>
+          <a:lstStyle/>
+          <a:p>
+            <a:r>
+              <a:rPr lang="en-US" dirty="0"/>
+              <a:t>Findings</a:t>
+            </a:r>
+          </a:p>
+        </p:txBody>
+      </p:sp>
+      <p:sp>
+        <p:nvSpPr>
+          <p:cNvPr id="3" name="Content Placeholder 2">
+            <a:extLst>
+              <a:ext uri="{FF2B5EF4-FFF2-40B4-BE49-F238E27FC236}">
+                <a16:creationId xmlns:a16="http://schemas.microsoft.com/office/drawing/2014/main" id="{37F86DDA-077B-4FC6-9B03-0B2275B9748E}"/>
+              </a:ext>
+            </a:extLst>
+          </p:cNvPr>
+          <p:cNvSpPr>
+            <a:spLocks noGrp="1"/>
+          </p:cNvSpPr>
+          <p:nvPr>
+            <p:ph idx="1"/>
+          </p:nvPr>
+        </p:nvSpPr>
+        <p:spPr/>
+        <p:txBody>
+          <a:bodyPr/>
+          <a:lstStyle/>
+          <a:p>
+            <a:r>
+              <a:rPr lang="en-US" dirty="0"/>
+              <a:t>The top three choices based on  un-weighted ranking : New York, Raleigh and Washington DC.</a:t>
+            </a:r>
+          </a:p>
+          <a:p>
+            <a:r>
+              <a:rPr lang="en-US" dirty="0"/>
+              <a:t>The top three choices based on weighted ranking : Raleigh, Washington DC and Austin.</a:t>
+            </a:r>
+          </a:p>
+          <a:p>
+            <a:r>
+              <a:rPr lang="en-US" dirty="0"/>
+              <a:t>While </a:t>
+            </a:r>
+            <a:r>
+              <a:rPr lang="en-US" b="1" dirty="0">
+                <a:solidFill>
+                  <a:schemeClr val="accent2">
+                    <a:lumMod val="75000"/>
+                  </a:schemeClr>
+                </a:solidFill>
+              </a:rPr>
+              <a:t>we</a:t>
+            </a:r>
+            <a:r>
+              <a:rPr lang="en-US" dirty="0"/>
+              <a:t> predict that one of these four cities will be Amazon’s second home, the final decision may be influenced by several other factors:</a:t>
+            </a:r>
+          </a:p>
+          <a:p>
+            <a:pPr>
+              <a:buFont typeface="Wingdings" panose="05000000000000000000" pitchFamily="2" charset="2"/>
+              <a:buChar char="v"/>
+            </a:pPr>
+            <a:r>
+              <a:rPr lang="en-US" dirty="0"/>
+              <a:t> Incentives offered by the local governments.</a:t>
+            </a:r>
+          </a:p>
+          <a:p>
+            <a:pPr>
+              <a:buFont typeface="Wingdings" panose="05000000000000000000" pitchFamily="2" charset="2"/>
+              <a:buChar char="v"/>
+            </a:pPr>
+            <a:r>
+              <a:rPr lang="en-US" dirty="0"/>
+              <a:t>The site characteristics.</a:t>
+            </a:r>
+          </a:p>
+          <a:p>
+            <a:pPr>
+              <a:buFont typeface="Wingdings" panose="05000000000000000000" pitchFamily="2" charset="2"/>
+              <a:buChar char="v"/>
+            </a:pPr>
+            <a:r>
+              <a:rPr lang="en-US" dirty="0"/>
+              <a:t> Amazon’s preference scale.  Our analysis is based on a subset of Metrics that we thought were important for deciding on the best location/city. There may be other metrics that Amazon might value more in its decision making. </a:t>
+            </a:r>
+          </a:p>
+          <a:p>
+            <a:pPr>
+              <a:buFont typeface="Wingdings" panose="05000000000000000000" pitchFamily="2" charset="2"/>
+              <a:buChar char="§"/>
+            </a:pPr>
+            <a:endParaRPr lang="en-US" dirty="0"/>
+          </a:p>
+        </p:txBody>
+      </p:sp>
+    </p:spTree>
+    <p:extLst>
+      <p:ext uri="{BB962C8B-B14F-4D97-AF65-F5344CB8AC3E}">
+        <p14:creationId xmlns:p14="http://schemas.microsoft.com/office/powerpoint/2010/main" val="484830629"/>
+      </p:ext>
+    </p:extLst>
+  </p:cSld>
+  <p:clrMapOvr>
+    <a:masterClrMapping/>
+  </p:clrMapOvr>
+</p:sld>
+</file>
+
 <file path=ppt/slides/slide3.xml><?xml version="1.0" encoding="utf-8"?>
 <p:sld xmlns:a="http://schemas.openxmlformats.org/drawingml/2006/main" xmlns:r="http://schemas.openxmlformats.org/officeDocument/2006/relationships" xmlns:p="http://schemas.openxmlformats.org/presentationml/2006/main">
   <p:cSld>

--- a/Project1_Presentation.pptx
+++ b/Project1_Presentation.pptx
@@ -20,20 +20,18 @@
     <p:sldId id="272" r:id="rId14"/>
     <p:sldId id="265" r:id="rId15"/>
     <p:sldId id="263" r:id="rId16"/>
-    <p:sldId id="264" r:id="rId17"/>
-    <p:sldId id="285" r:id="rId18"/>
-    <p:sldId id="283" r:id="rId19"/>
-    <p:sldId id="280" r:id="rId20"/>
-    <p:sldId id="281" r:id="rId21"/>
-    <p:sldId id="275" r:id="rId22"/>
-    <p:sldId id="261" r:id="rId23"/>
-    <p:sldId id="293" r:id="rId24"/>
-    <p:sldId id="289" r:id="rId25"/>
-    <p:sldId id="290" r:id="rId26"/>
-    <p:sldId id="292" r:id="rId27"/>
-    <p:sldId id="294" r:id="rId28"/>
-    <p:sldId id="295" r:id="rId29"/>
-    <p:sldId id="296" r:id="rId30"/>
+    <p:sldId id="285" r:id="rId17"/>
+    <p:sldId id="283" r:id="rId18"/>
+    <p:sldId id="280" r:id="rId19"/>
+    <p:sldId id="275" r:id="rId20"/>
+    <p:sldId id="261" r:id="rId21"/>
+    <p:sldId id="293" r:id="rId22"/>
+    <p:sldId id="289" r:id="rId23"/>
+    <p:sldId id="290" r:id="rId24"/>
+    <p:sldId id="295" r:id="rId25"/>
+    <p:sldId id="296" r:id="rId26"/>
+    <p:sldId id="264" r:id="rId27"/>
+    <p:sldId id="292" r:id="rId28"/>
   </p:sldIdLst>
   <p:sldSz cx="12192000" cy="6858000"/>
   <p:notesSz cx="6858000" cy="9144000"/>
@@ -4732,7 +4730,7 @@
 </file>
 
 <file path=ppt/slides/slide15.xml><?xml version="1.0" encoding="utf-8"?>
-<p:sld xmlns:a="http://schemas.openxmlformats.org/drawingml/2006/main" xmlns:r="http://schemas.openxmlformats.org/officeDocument/2006/relationships" xmlns:p="http://schemas.openxmlformats.org/presentationml/2006/main">
+<p:sld xmlns:a="http://schemas.openxmlformats.org/drawingml/2006/main" xmlns:r="http://schemas.openxmlformats.org/officeDocument/2006/relationships" xmlns:p="http://schemas.openxmlformats.org/presentationml/2006/main" show="0">
   <p:cSld>
     <p:spTree>
       <p:nvGrpSpPr>
@@ -4792,10 +4790,75 @@
             <p:ph idx="1"/>
           </p:nvPr>
         </p:nvSpPr>
-        <p:spPr/>
-        <p:txBody>
-          <a:bodyPr/>
+        <p:spPr>
+          <a:xfrm>
+            <a:off x="1097280" y="1845734"/>
+            <a:ext cx="10058400" cy="4147293"/>
+          </a:xfrm>
+        </p:spPr>
+        <p:txBody>
+          <a:bodyPr>
+            <a:normAutofit/>
+          </a:bodyPr>
           <a:lstStyle/>
+          <a:p>
+            <a:pPr fontAlgn="base">
+              <a:buFont typeface="Wingdings" panose="05000000000000000000" pitchFamily="2" charset="2"/>
+              <a:buChar char="v"/>
+            </a:pPr>
+            <a:r>
+              <a:rPr lang="en-US" dirty="0"/>
+              <a:t>Washington D.C had the highest percentage of population over 25 years of age with education level of Bachelor's or higher. </a:t>
+            </a:r>
+          </a:p>
+          <a:p>
+            <a:pPr marL="0" indent="0" fontAlgn="base">
+              <a:buNone/>
+            </a:pPr>
+            <a:endParaRPr lang="en-US" dirty="0"/>
+          </a:p>
+          <a:p>
+            <a:pPr fontAlgn="base">
+              <a:buFont typeface="Wingdings" panose="05000000000000000000" pitchFamily="2" charset="2"/>
+              <a:buChar char="v"/>
+            </a:pPr>
+            <a:r>
+              <a:rPr lang="en-US" dirty="0"/>
+              <a:t>Compared to the other cities D.C had the highest percentage of its labor force in technology, business and financial occupations. In other words, D.C ranks first in terms of providing local talent for hiring.</a:t>
+            </a:r>
+          </a:p>
+          <a:p>
+            <a:pPr marL="0" indent="0" fontAlgn="base">
+              <a:buNone/>
+            </a:pPr>
+            <a:endParaRPr lang="en-US" dirty="0"/>
+          </a:p>
+          <a:p>
+            <a:pPr fontAlgn="base">
+              <a:buFont typeface="Wingdings" panose="05000000000000000000" pitchFamily="2" charset="2"/>
+              <a:buChar char="v"/>
+            </a:pPr>
+            <a:r>
+              <a:rPr lang="en-US" dirty="0"/>
+              <a:t>New York is the safest city with the least crime index.</a:t>
+            </a:r>
+          </a:p>
+          <a:p>
+            <a:pPr marL="0" indent="0" fontAlgn="base">
+              <a:buNone/>
+            </a:pPr>
+            <a:endParaRPr lang="en-US" dirty="0"/>
+          </a:p>
+          <a:p>
+            <a:pPr fontAlgn="base">
+              <a:buFont typeface="Wingdings" panose="05000000000000000000" pitchFamily="2" charset="2"/>
+              <a:buChar char="v"/>
+            </a:pPr>
+            <a:r>
+              <a:rPr lang="en-US" dirty="0"/>
+              <a:t>All the cities we identified are very diverse with little variation in the diversity index</a:t>
+            </a:r>
+          </a:p>
           <a:p>
             <a:pPr>
               <a:buFont typeface="Wingdings" panose="05000000000000000000" pitchFamily="2" charset="2"/>
@@ -4851,47 +4914,130 @@
             <p:ph type="title"/>
           </p:nvPr>
         </p:nvSpPr>
-        <p:spPr/>
-        <p:txBody>
-          <a:bodyPr/>
+        <p:spPr>
+          <a:xfrm>
+            <a:off x="1097280" y="286603"/>
+            <a:ext cx="10058400" cy="702409"/>
+          </a:xfrm>
+        </p:spPr>
+        <p:txBody>
+          <a:bodyPr>
+            <a:normAutofit fontScale="90000"/>
+          </a:bodyPr>
           <a:lstStyle/>
           <a:p>
             <a:r>
               <a:rPr lang="en-US" dirty="0"/>
-              <a:t>Lessons learnt </a:t>
-            </a:r>
-          </a:p>
-        </p:txBody>
-      </p:sp>
-      <p:sp>
-        <p:nvSpPr>
-          <p:cNvPr id="3" name="Content Placeholder 2">
+              <a:t>Housing affordability</a:t>
+            </a:r>
+          </a:p>
+        </p:txBody>
+      </p:sp>
+      <p:cxnSp>
+        <p:nvCxnSpPr>
+          <p:cNvPr id="8" name="Straight Connector 7">
             <a:extLst>
               <a:ext uri="{FF2B5EF4-FFF2-40B4-BE49-F238E27FC236}">
-                <a16:creationId xmlns:a16="http://schemas.microsoft.com/office/drawing/2014/main" id="{BEC8BDDB-FD44-4EB6-BE27-4A708B75BDAB}"/>
+                <a16:creationId xmlns:a16="http://schemas.microsoft.com/office/drawing/2014/main" id="{6C869F70-ECD7-49B6-9EB0-C6173F280BD5}"/>
               </a:ext>
             </a:extLst>
           </p:cNvPr>
-          <p:cNvSpPr>
-            <a:spLocks noGrp="1"/>
-          </p:cNvSpPr>
-          <p:nvPr>
-            <p:ph idx="1"/>
-          </p:nvPr>
-        </p:nvSpPr>
-        <p:spPr/>
-        <p:txBody>
-          <a:bodyPr/>
-          <a:lstStyle/>
-          <a:p>
-            <a:endParaRPr lang="en-US" dirty="0"/>
-          </a:p>
-        </p:txBody>
-      </p:sp>
+          <p:cNvCxnSpPr/>
+          <p:nvPr/>
+        </p:nvCxnSpPr>
+        <p:spPr>
+          <a:xfrm>
+            <a:off x="1186248" y="963827"/>
+            <a:ext cx="9069860" cy="0"/>
+          </a:xfrm>
+          <a:prstGeom prst="line">
+            <a:avLst/>
+          </a:prstGeom>
+          <a:ln>
+            <a:solidFill>
+              <a:srgbClr val="7030A0"/>
+            </a:solidFill>
+          </a:ln>
+        </p:spPr>
+        <p:style>
+          <a:lnRef idx="1">
+            <a:schemeClr val="accent1"/>
+          </a:lnRef>
+          <a:fillRef idx="0">
+            <a:schemeClr val="accent1"/>
+          </a:fillRef>
+          <a:effectRef idx="0">
+            <a:schemeClr val="accent1"/>
+          </a:effectRef>
+          <a:fontRef idx="minor">
+            <a:schemeClr val="tx1"/>
+          </a:fontRef>
+        </p:style>
+      </p:cxnSp>
+      <p:pic>
+        <p:nvPicPr>
+          <p:cNvPr id="9" name="Content Placeholder 4">
+            <a:extLst>
+              <a:ext uri="{FF2B5EF4-FFF2-40B4-BE49-F238E27FC236}">
+                <a16:creationId xmlns:a16="http://schemas.microsoft.com/office/drawing/2014/main" id="{316CE2C2-1100-5141-936B-5BEA13C03286}"/>
+              </a:ext>
+            </a:extLst>
+          </p:cNvPr>
+          <p:cNvPicPr>
+            <a:picLocks noChangeAspect="1"/>
+          </p:cNvPicPr>
+          <p:nvPr/>
+        </p:nvPicPr>
+        <p:blipFill>
+          <a:blip r:embed="rId2"/>
+          <a:stretch>
+            <a:fillRect/>
+          </a:stretch>
+        </p:blipFill>
+        <p:spPr>
+          <a:xfrm>
+            <a:off x="6048704" y="1541147"/>
+            <a:ext cx="5690560" cy="3556600"/>
+          </a:xfrm>
+          <a:prstGeom prst="rect">
+            <a:avLst/>
+          </a:prstGeom>
+        </p:spPr>
+      </p:pic>
+      <p:pic>
+        <p:nvPicPr>
+          <p:cNvPr id="10" name="Picture 9">
+            <a:extLst>
+              <a:ext uri="{FF2B5EF4-FFF2-40B4-BE49-F238E27FC236}">
+                <a16:creationId xmlns:a16="http://schemas.microsoft.com/office/drawing/2014/main" id="{37B027CB-7464-4445-9FB7-0BFC631ADCE8}"/>
+              </a:ext>
+            </a:extLst>
+          </p:cNvPr>
+          <p:cNvPicPr>
+            <a:picLocks noChangeAspect="1"/>
+          </p:cNvPicPr>
+          <p:nvPr/>
+        </p:nvPicPr>
+        <p:blipFill>
+          <a:blip r:embed="rId3"/>
+          <a:stretch>
+            <a:fillRect/>
+          </a:stretch>
+        </p:blipFill>
+        <p:spPr>
+          <a:xfrm>
+            <a:off x="624760" y="1541147"/>
+            <a:ext cx="5232007" cy="3556600"/>
+          </a:xfrm>
+          <a:prstGeom prst="rect">
+            <a:avLst/>
+          </a:prstGeom>
+        </p:spPr>
+      </p:pic>
     </p:spTree>
     <p:extLst>
       <p:ext uri="{BB962C8B-B14F-4D97-AF65-F5344CB8AC3E}">
-        <p14:creationId xmlns:p14="http://schemas.microsoft.com/office/powerpoint/2010/main" val="1639100815"/>
+        <p14:creationId xmlns:p14="http://schemas.microsoft.com/office/powerpoint/2010/main" val="3191176588"/>
       </p:ext>
     </p:extLst>
   </p:cSld>
@@ -4948,17 +5094,17 @@
           <a:p>
             <a:r>
               <a:rPr lang="en-US" dirty="0"/>
-              <a:t>Housing affordability</a:t>
+              <a:t>Schools and College Ratings </a:t>
             </a:r>
           </a:p>
         </p:txBody>
       </p:sp>
       <p:cxnSp>
         <p:nvCxnSpPr>
-          <p:cNvPr id="8" name="Straight Connector 7">
+          <p:cNvPr id="4" name="Straight Connector 3">
             <a:extLst>
               <a:ext uri="{FF2B5EF4-FFF2-40B4-BE49-F238E27FC236}">
-                <a16:creationId xmlns:a16="http://schemas.microsoft.com/office/drawing/2014/main" id="{6C869F70-ECD7-49B6-9EB0-C6173F280BD5}"/>
+                <a16:creationId xmlns:a16="http://schemas.microsoft.com/office/drawing/2014/main" id="{8FECCD07-FFA9-4129-95C2-D2F2CF8AD354}"/>
               </a:ext>
             </a:extLst>
           </p:cNvPr>
@@ -4967,7 +5113,7 @@
         </p:nvCxnSpPr>
         <p:spPr>
           <a:xfrm>
-            <a:off x="1186248" y="963827"/>
+            <a:off x="1248032" y="902043"/>
             <a:ext cx="9069860" cy="0"/>
           </a:xfrm>
           <a:prstGeom prst="line">
@@ -4999,7 +5145,7 @@
           <p:cNvPr id="9" name="Content Placeholder 4">
             <a:extLst>
               <a:ext uri="{FF2B5EF4-FFF2-40B4-BE49-F238E27FC236}">
-                <a16:creationId xmlns:a16="http://schemas.microsoft.com/office/drawing/2014/main" id="{316CE2C2-1100-5141-936B-5BEA13C03286}"/>
+                <a16:creationId xmlns:a16="http://schemas.microsoft.com/office/drawing/2014/main" id="{698DF2E5-2099-9844-9B45-EA0859950015}"/>
               </a:ext>
             </a:extLst>
           </p:cNvPr>
@@ -5016,8 +5162,8 @@
         </p:blipFill>
         <p:spPr>
           <a:xfrm>
-            <a:off x="6048704" y="1541147"/>
-            <a:ext cx="5690560" cy="3556600"/>
+            <a:off x="378346" y="1869606"/>
+            <a:ext cx="6022454" cy="3207879"/>
           </a:xfrm>
           <a:prstGeom prst="rect">
             <a:avLst/>
@@ -5029,7 +5175,7 @@
           <p:cNvPr id="10" name="Picture 9">
             <a:extLst>
               <a:ext uri="{FF2B5EF4-FFF2-40B4-BE49-F238E27FC236}">
-                <a16:creationId xmlns:a16="http://schemas.microsoft.com/office/drawing/2014/main" id="{37B027CB-7464-4445-9FB7-0BFC631ADCE8}"/>
+                <a16:creationId xmlns:a16="http://schemas.microsoft.com/office/drawing/2014/main" id="{49913E3E-1338-2C43-9C9A-8AD5280CEF7A}"/>
               </a:ext>
             </a:extLst>
           </p:cNvPr>
@@ -5046,8 +5192,8 @@
         </p:blipFill>
         <p:spPr>
           <a:xfrm>
-            <a:off x="624760" y="1541147"/>
-            <a:ext cx="5232007" cy="3556600"/>
+            <a:off x="6126480" y="1926607"/>
+            <a:ext cx="6094181" cy="3150877"/>
           </a:xfrm>
           <a:prstGeom prst="rect">
             <a:avLst/>
@@ -5057,7 +5203,7 @@
     </p:spTree>
     <p:extLst>
       <p:ext uri="{BB962C8B-B14F-4D97-AF65-F5344CB8AC3E}">
-        <p14:creationId xmlns:p14="http://schemas.microsoft.com/office/powerpoint/2010/main" val="3191176588"/>
+        <p14:creationId xmlns:p14="http://schemas.microsoft.com/office/powerpoint/2010/main" val="512218618"/>
       </p:ext>
     </p:extLst>
   </p:cSld>
@@ -5100,130 +5246,289 @@
             <p:ph type="title"/>
           </p:nvPr>
         </p:nvSpPr>
-        <p:spPr>
-          <a:xfrm>
-            <a:off x="1097280" y="286603"/>
-            <a:ext cx="10058400" cy="702409"/>
-          </a:xfrm>
-        </p:spPr>
-        <p:txBody>
-          <a:bodyPr>
-            <a:normAutofit fontScale="90000"/>
-          </a:bodyPr>
+        <p:spPr/>
+        <p:txBody>
+          <a:bodyPr/>
           <a:lstStyle/>
           <a:p>
             <a:r>
               <a:rPr lang="en-US" dirty="0"/>
-              <a:t>Schools and College Ratings </a:t>
-            </a:r>
-          </a:p>
-        </p:txBody>
-      </p:sp>
-      <p:cxnSp>
-        <p:nvCxnSpPr>
-          <p:cNvPr id="4" name="Straight Connector 3">
+              <a:t>Findings </a:t>
+            </a:r>
+          </a:p>
+        </p:txBody>
+      </p:sp>
+      <p:sp>
+        <p:nvSpPr>
+          <p:cNvPr id="4" name="TextBox 3">
             <a:extLst>
               <a:ext uri="{FF2B5EF4-FFF2-40B4-BE49-F238E27FC236}">
-                <a16:creationId xmlns:a16="http://schemas.microsoft.com/office/drawing/2014/main" id="{8FECCD07-FFA9-4129-95C2-D2F2CF8AD354}"/>
+                <a16:creationId xmlns:a16="http://schemas.microsoft.com/office/drawing/2014/main" id="{8B6D276C-B2CA-BF4E-8EC8-2BE0DA1C262E}"/>
               </a:ext>
             </a:extLst>
           </p:cNvPr>
-          <p:cNvCxnSpPr/>
+          <p:cNvSpPr txBox="1"/>
           <p:nvPr/>
-        </p:nvCxnSpPr>
-        <p:spPr>
-          <a:xfrm>
-            <a:off x="1248032" y="902043"/>
-            <a:ext cx="9069860" cy="0"/>
-          </a:xfrm>
-          <a:prstGeom prst="line">
-            <a:avLst/>
-          </a:prstGeom>
-          <a:ln>
-            <a:solidFill>
-              <a:srgbClr val="7030A0"/>
-            </a:solidFill>
-          </a:ln>
-        </p:spPr>
-        <p:style>
-          <a:lnRef idx="1">
-            <a:schemeClr val="accent1"/>
-          </a:lnRef>
-          <a:fillRef idx="0">
-            <a:schemeClr val="accent1"/>
-          </a:fillRef>
-          <a:effectRef idx="0">
-            <a:schemeClr val="accent1"/>
-          </a:effectRef>
-          <a:fontRef idx="minor">
-            <a:schemeClr val="tx1"/>
-          </a:fontRef>
-        </p:style>
-      </p:cxnSp>
-      <p:pic>
-        <p:nvPicPr>
-          <p:cNvPr id="9" name="Content Placeholder 4">
-            <a:extLst>
-              <a:ext uri="{FF2B5EF4-FFF2-40B4-BE49-F238E27FC236}">
-                <a16:creationId xmlns:a16="http://schemas.microsoft.com/office/drawing/2014/main" id="{698DF2E5-2099-9844-9B45-EA0859950015}"/>
-              </a:ext>
-            </a:extLst>
-          </p:cNvPr>
-          <p:cNvPicPr>
-            <a:picLocks noChangeAspect="1"/>
-          </p:cNvPicPr>
-          <p:nvPr/>
-        </p:nvPicPr>
-        <p:blipFill>
-          <a:blip r:embed="rId2"/>
-          <a:stretch>
-            <a:fillRect/>
-          </a:stretch>
-        </p:blipFill>
-        <p:spPr>
-          <a:xfrm>
-            <a:off x="378346" y="1869606"/>
-            <a:ext cx="6022454" cy="3207879"/>
+        </p:nvSpPr>
+        <p:spPr>
+          <a:xfrm>
+            <a:off x="991114" y="1899260"/>
+            <a:ext cx="4527184" cy="4985980"/>
           </a:xfrm>
           <a:prstGeom prst="rect">
             <a:avLst/>
           </a:prstGeom>
-        </p:spPr>
-      </p:pic>
-      <p:pic>
-        <p:nvPicPr>
-          <p:cNvPr id="10" name="Picture 9">
+          <a:noFill/>
+        </p:spPr>
+        <p:txBody>
+          <a:bodyPr wrap="square" rtlCol="0">
+            <a:spAutoFit/>
+          </a:bodyPr>
+          <a:lstStyle/>
+          <a:p>
+            <a:r>
+              <a:rPr lang="en-US" b="1" dirty="0"/>
+              <a:t>Home ownership and rent</a:t>
+            </a:r>
+          </a:p>
+          <a:p>
+            <a:r>
+              <a:rPr lang="en-US" dirty="0"/>
+              <a:t>API: used Census 2016 data</a:t>
+            </a:r>
+          </a:p>
+          <a:p>
+            <a:r>
+              <a:rPr lang="en-US" dirty="0"/>
+              <a:t>Process: </a:t>
+            </a:r>
+          </a:p>
+          <a:p>
+            <a:pPr marL="285750" indent="-285750">
+              <a:buFont typeface="Arial" panose="020B0604020202020204" pitchFamily="34" charset="0"/>
+              <a:buChar char="•"/>
+            </a:pPr>
+            <a:r>
+              <a:rPr lang="en-US" dirty="0"/>
+              <a:t>Collected median data for housing cost and income by City (defined as Locations in the Census data)</a:t>
+            </a:r>
+          </a:p>
+          <a:p>
+            <a:pPr marL="285750" indent="-285750">
+              <a:buFont typeface="Arial" panose="020B0604020202020204" pitchFamily="34" charset="0"/>
+              <a:buChar char="•"/>
+            </a:pPr>
+            <a:r>
+              <a:rPr lang="en-US" dirty="0"/>
+              <a:t>Defined estimate for affordability as housing cost / income. The lower the value the better the location.</a:t>
+            </a:r>
+          </a:p>
+          <a:p>
+            <a:r>
+              <a:rPr lang="en-US" dirty="0"/>
+              <a:t>Results: Consistent trend of home ownership and rent costs. Raleigh, Austin, and Washington ranked top 3</a:t>
+            </a:r>
+          </a:p>
+          <a:p>
+            <a:endParaRPr lang="en-US" dirty="0"/>
+          </a:p>
+          <a:p>
+            <a:r>
+              <a:rPr lang="en-US" sz="1200" dirty="0"/>
+              <a:t>Notebook: </a:t>
+            </a:r>
+            <a:r>
+              <a:rPr lang="en-US" sz="1200" dirty="0">
+                <a:hlinkClick r:id="rId2"/>
+              </a:rPr>
+              <a:t>https://github.com/indranik/BC_Project1/blob/master/HousingSchools/housing_results.ipynb</a:t>
+            </a:r>
+            <a:endParaRPr lang="en-US" sz="1200" dirty="0"/>
+          </a:p>
+          <a:p>
+            <a:endParaRPr lang="en-US" dirty="0"/>
+          </a:p>
+          <a:p>
+            <a:endParaRPr lang="en-US" dirty="0"/>
+          </a:p>
+        </p:txBody>
+      </p:sp>
+      <p:sp>
+        <p:nvSpPr>
+          <p:cNvPr id="5" name="TextBox 4">
             <a:extLst>
               <a:ext uri="{FF2B5EF4-FFF2-40B4-BE49-F238E27FC236}">
-                <a16:creationId xmlns:a16="http://schemas.microsoft.com/office/drawing/2014/main" id="{49913E3E-1338-2C43-9C9A-8AD5280CEF7A}"/>
+                <a16:creationId xmlns:a16="http://schemas.microsoft.com/office/drawing/2014/main" id="{3BA14653-B2B1-CD45-8B17-02CC1E3ABB40}"/>
               </a:ext>
             </a:extLst>
           </p:cNvPr>
-          <p:cNvPicPr>
-            <a:picLocks noChangeAspect="1"/>
-          </p:cNvPicPr>
+          <p:cNvSpPr txBox="1"/>
           <p:nvPr/>
-        </p:nvPicPr>
-        <p:blipFill>
-          <a:blip r:embed="rId3"/>
-          <a:stretch>
-            <a:fillRect/>
-          </a:stretch>
-        </p:blipFill>
-        <p:spPr>
-          <a:xfrm>
-            <a:off x="6126480" y="1926607"/>
-            <a:ext cx="6094181" cy="3150877"/>
+        </p:nvSpPr>
+        <p:spPr>
+          <a:xfrm>
+            <a:off x="6429043" y="1899260"/>
+            <a:ext cx="4604402" cy="2031325"/>
           </a:xfrm>
           <a:prstGeom prst="rect">
             <a:avLst/>
           </a:prstGeom>
-        </p:spPr>
-      </p:pic>
+          <a:noFill/>
+        </p:spPr>
+        <p:txBody>
+          <a:bodyPr wrap="none" rtlCol="0">
+            <a:spAutoFit/>
+          </a:bodyPr>
+          <a:lstStyle/>
+          <a:p>
+            <a:r>
+              <a:rPr lang="en-US" b="1" dirty="0"/>
+              <a:t>Nearby K-12 schools for site location</a:t>
+            </a:r>
+          </a:p>
+          <a:p>
+            <a:r>
+              <a:rPr lang="en-US" dirty="0"/>
+              <a:t>API: Great Schools API</a:t>
+            </a:r>
+          </a:p>
+          <a:p>
+            <a:r>
+              <a:rPr lang="en-US" dirty="0"/>
+              <a:t>Using: State and zip code information</a:t>
+            </a:r>
+          </a:p>
+          <a:p>
+            <a:r>
+              <a:rPr lang="en-US" dirty="0"/>
+              <a:t>Process: Average school rating per city and sort</a:t>
+            </a:r>
+          </a:p>
+          <a:p>
+            <a:r>
+              <a:rPr lang="en-US" dirty="0"/>
+              <a:t>Results: Austin, LA, Atlanta ranked higher</a:t>
+            </a:r>
+          </a:p>
+          <a:p>
+            <a:endParaRPr lang="en-US" dirty="0"/>
+          </a:p>
+          <a:p>
+            <a:endParaRPr lang="en-US" dirty="0"/>
+          </a:p>
+        </p:txBody>
+      </p:sp>
+      <p:sp>
+        <p:nvSpPr>
+          <p:cNvPr id="6" name="TextBox 5">
+            <a:extLst>
+              <a:ext uri="{FF2B5EF4-FFF2-40B4-BE49-F238E27FC236}">
+                <a16:creationId xmlns:a16="http://schemas.microsoft.com/office/drawing/2014/main" id="{A9AC4C7E-AEF8-EB43-BBAF-9297C2872E05}"/>
+              </a:ext>
+            </a:extLst>
+          </p:cNvPr>
+          <p:cNvSpPr txBox="1"/>
+          <p:nvPr/>
+        </p:nvSpPr>
+        <p:spPr>
+          <a:xfrm>
+            <a:off x="6429043" y="3584560"/>
+            <a:ext cx="4420762" cy="1754326"/>
+          </a:xfrm>
+          <a:prstGeom prst="rect">
+            <a:avLst/>
+          </a:prstGeom>
+          <a:noFill/>
+        </p:spPr>
+        <p:txBody>
+          <a:bodyPr wrap="none" rtlCol="0">
+            <a:spAutoFit/>
+          </a:bodyPr>
+          <a:lstStyle/>
+          <a:p>
+            <a:r>
+              <a:rPr lang="en-US" b="1" dirty="0"/>
+              <a:t>Nearby Colleges for site location</a:t>
+            </a:r>
+          </a:p>
+          <a:p>
+            <a:r>
+              <a:rPr lang="en-US" dirty="0"/>
+              <a:t>API: Google Search</a:t>
+            </a:r>
+          </a:p>
+          <a:p>
+            <a:r>
+              <a:rPr lang="en-US" dirty="0"/>
+              <a:t>Using: Latitude and Longitude information</a:t>
+            </a:r>
+          </a:p>
+          <a:p>
+            <a:r>
+              <a:rPr lang="en-US" dirty="0"/>
+              <a:t>Process: Average site ratings per city and sort</a:t>
+            </a:r>
+          </a:p>
+          <a:p>
+            <a:r>
+              <a:rPr lang="en-US" dirty="0"/>
+              <a:t>Results: Raleigh, LA, Atlanta ranked higher</a:t>
+            </a:r>
+          </a:p>
+          <a:p>
+            <a:endParaRPr lang="en-US" dirty="0"/>
+          </a:p>
+        </p:txBody>
+      </p:sp>
+      <p:sp>
+        <p:nvSpPr>
+          <p:cNvPr id="8" name="TextBox 7">
+            <a:extLst>
+              <a:ext uri="{FF2B5EF4-FFF2-40B4-BE49-F238E27FC236}">
+                <a16:creationId xmlns:a16="http://schemas.microsoft.com/office/drawing/2014/main" id="{01D08F11-1D2E-1D45-85FC-54676BCAE248}"/>
+              </a:ext>
+            </a:extLst>
+          </p:cNvPr>
+          <p:cNvSpPr txBox="1"/>
+          <p:nvPr/>
+        </p:nvSpPr>
+        <p:spPr>
+          <a:xfrm>
+            <a:off x="6506392" y="5456994"/>
+            <a:ext cx="5008669" cy="923330"/>
+          </a:xfrm>
+          <a:prstGeom prst="rect">
+            <a:avLst/>
+          </a:prstGeom>
+          <a:noFill/>
+        </p:spPr>
+        <p:txBody>
+          <a:bodyPr wrap="square" rtlCol="0">
+            <a:spAutoFit/>
+          </a:bodyPr>
+          <a:lstStyle/>
+          <a:p>
+            <a:r>
+              <a:rPr lang="en-US" sz="1200" dirty="0"/>
+              <a:t>Notebook: </a:t>
+            </a:r>
+            <a:r>
+              <a:rPr lang="en-US" sz="1200" dirty="0">
+                <a:hlinkClick r:id="rId3"/>
+              </a:rPr>
+              <a:t>https://github.com/indranik/BC_Project1/blob/master/HousingSchools/schools_results.ipynb</a:t>
+            </a:r>
+            <a:endParaRPr lang="en-US" sz="1200" dirty="0"/>
+          </a:p>
+          <a:p>
+            <a:endParaRPr lang="en-US" dirty="0"/>
+          </a:p>
+        </p:txBody>
+      </p:sp>
     </p:spTree>
     <p:extLst>
       <p:ext uri="{BB962C8B-B14F-4D97-AF65-F5344CB8AC3E}">
-        <p14:creationId xmlns:p14="http://schemas.microsoft.com/office/powerpoint/2010/main" val="512218618"/>
+        <p14:creationId xmlns:p14="http://schemas.microsoft.com/office/powerpoint/2010/main" val="4004922827"/>
       </p:ext>
     </p:extLst>
   </p:cSld>
@@ -5255,7 +5560,7 @@
           <p:cNvPr id="2" name="Title 1">
             <a:extLst>
               <a:ext uri="{FF2B5EF4-FFF2-40B4-BE49-F238E27FC236}">
-                <a16:creationId xmlns:a16="http://schemas.microsoft.com/office/drawing/2014/main" id="{390EB264-3883-41F9-BACB-285D2229980C}"/>
+                <a16:creationId xmlns:a16="http://schemas.microsoft.com/office/drawing/2014/main" id="{BD461D94-0D0F-0348-95E5-2A357932C23B}"/>
               </a:ext>
             </a:extLst>
           </p:cNvPr>
@@ -5273,282 +5578,141 @@
           <a:p>
             <a:r>
               <a:rPr lang="en-US" dirty="0"/>
-              <a:t>Findings </a:t>
-            </a:r>
-          </a:p>
-        </p:txBody>
-      </p:sp>
-      <p:sp>
-        <p:nvSpPr>
-          <p:cNvPr id="4" name="TextBox 3">
+              <a:t>Nearby Amenities</a:t>
+            </a:r>
+          </a:p>
+        </p:txBody>
+      </p:sp>
+      <p:sp>
+        <p:nvSpPr>
+          <p:cNvPr id="3" name="Content Placeholder 2">
             <a:extLst>
               <a:ext uri="{FF2B5EF4-FFF2-40B4-BE49-F238E27FC236}">
-                <a16:creationId xmlns:a16="http://schemas.microsoft.com/office/drawing/2014/main" id="{8B6D276C-B2CA-BF4E-8EC8-2BE0DA1C262E}"/>
+                <a16:creationId xmlns:a16="http://schemas.microsoft.com/office/drawing/2014/main" id="{0AA20437-69DD-8C47-91EE-5EC495E32373}"/>
               </a:ext>
             </a:extLst>
           </p:cNvPr>
-          <p:cNvSpPr txBox="1"/>
-          <p:nvPr/>
-        </p:nvSpPr>
-        <p:spPr>
-          <a:xfrm>
-            <a:off x="991114" y="1899260"/>
-            <a:ext cx="4527184" cy="4985980"/>
-          </a:xfrm>
-          <a:prstGeom prst="rect">
-            <a:avLst/>
-          </a:prstGeom>
-          <a:noFill/>
-        </p:spPr>
-        <p:txBody>
-          <a:bodyPr wrap="square" rtlCol="0">
-            <a:spAutoFit/>
+          <p:cNvSpPr>
+            <a:spLocks noGrp="1"/>
+          </p:cNvSpPr>
+          <p:nvPr>
+            <p:ph idx="1"/>
+          </p:nvPr>
+        </p:nvSpPr>
+        <p:spPr>
+          <a:xfrm>
+            <a:off x="1097280" y="1845734"/>
+            <a:ext cx="10058400" cy="4463626"/>
+          </a:xfrm>
+        </p:spPr>
+        <p:txBody>
+          <a:bodyPr>
+            <a:normAutofit/>
           </a:bodyPr>
           <a:lstStyle/>
           <a:p>
             <a:r>
-              <a:rPr lang="en-US" b="1" dirty="0"/>
-              <a:t>Home ownership and rent</a:t>
-            </a:r>
-          </a:p>
-          <a:p>
+              <a:rPr lang="en-US" sz="1800" dirty="0"/>
+              <a:t>  A. </a:t>
+            </a:r>
+            <a:r>
+              <a:rPr lang="en-US" sz="1800" b="1" i="1" dirty="0"/>
+              <a:t>Emergency Facilities </a:t>
+            </a:r>
+          </a:p>
+          <a:p>
+            <a:pPr lvl="1"/>
             <a:r>
               <a:rPr lang="en-US" dirty="0"/>
-              <a:t>API: used Census 2016 data</a:t>
-            </a:r>
-          </a:p>
-          <a:p>
+              <a:t>How accessible are these facilities in case of mass emergency on/around sites for containing the situation and resuming business asap. Hospitals, Fire Stations, Doctors.</a:t>
+            </a:r>
+          </a:p>
+          <a:p>
+            <a:pPr marL="201168" lvl="1" indent="0">
+              <a:buNone/>
+            </a:pPr>
             <a:r>
               <a:rPr lang="en-US" dirty="0"/>
-              <a:t>Process: </a:t>
-            </a:r>
-          </a:p>
-          <a:p>
-            <a:pPr marL="285750" indent="-285750">
-              <a:buFont typeface="Arial" panose="020B0604020202020204" pitchFamily="34" charset="0"/>
-              <a:buChar char="•"/>
+              <a:t>B. </a:t>
+            </a:r>
+            <a:r>
+              <a:rPr lang="en-US" b="1" i="1" dirty="0"/>
+              <a:t>Accommodation </a:t>
+            </a:r>
+          </a:p>
+          <a:p>
+            <a:pPr lvl="1"/>
+            <a:r>
+              <a:rPr lang="en-US" dirty="0"/>
+              <a:t>Many executive employees travel from outside the city for few days a week and might need lodging facility as close to the company as possible. Also lot of local/not-local employees use vehicle for commute and will need parking nearby. Lodging, Parking.</a:t>
+            </a:r>
+          </a:p>
+          <a:p>
+            <a:pPr marL="201168" lvl="1" indent="0">
+              <a:buNone/>
             </a:pPr>
             <a:r>
               <a:rPr lang="en-US" dirty="0"/>
-              <a:t>Collected median data for housing cost and income by City (defined as Locations in the Census data)</a:t>
-            </a:r>
-          </a:p>
-          <a:p>
-            <a:pPr marL="285750" indent="-285750">
-              <a:buFont typeface="Arial" panose="020B0604020202020204" pitchFamily="34" charset="0"/>
-              <a:buChar char="•"/>
+              <a:t>C. </a:t>
+            </a:r>
+            <a:r>
+              <a:rPr lang="en-US" b="1" i="1" dirty="0"/>
+              <a:t>Refreshments </a:t>
+            </a:r>
+          </a:p>
+          <a:p>
+            <a:pPr lvl="1"/>
+            <a:r>
+              <a:rPr lang="en-US" dirty="0"/>
+              <a:t>Basic Refreshment facilities. Café, Restaurants.</a:t>
+            </a:r>
+          </a:p>
+          <a:p>
+            <a:pPr marL="201168" lvl="1" indent="0">
+              <a:buNone/>
             </a:pPr>
             <a:r>
               <a:rPr lang="en-US" dirty="0"/>
-              <a:t>Defined estimate for affordability as housing cost / income. The lower the value the better the location.</a:t>
-            </a:r>
-          </a:p>
-          <a:p>
+              <a:t>D. </a:t>
+            </a:r>
+            <a:r>
+              <a:rPr lang="en-US" b="1" i="1" dirty="0"/>
+              <a:t>Basic Errands/appointments</a:t>
+            </a:r>
+          </a:p>
+          <a:p>
+            <a:pPr lvl="1"/>
             <a:r>
               <a:rPr lang="en-US" dirty="0"/>
-              <a:t>Results: Consistent trend of home ownership and rent costs. Raleigh, Austin, and Washington ranked top 3</a:t>
-            </a:r>
-          </a:p>
-          <a:p>
-            <a:endParaRPr lang="en-US" dirty="0"/>
-          </a:p>
-          <a:p>
-            <a:r>
-              <a:rPr lang="en-US" sz="1200" dirty="0"/>
-              <a:t>Notebook: </a:t>
-            </a:r>
-            <a:r>
-              <a:rPr lang="en-US" sz="1200" dirty="0">
-                <a:hlinkClick r:id="rId2"/>
-              </a:rPr>
-              <a:t>https://github.com/indranik/BC_Project1/blob/master/HousingSchools/housing_results.ipynb</a:t>
-            </a:r>
-            <a:endParaRPr lang="en-US" sz="1200" dirty="0"/>
-          </a:p>
-          <a:p>
-            <a:endParaRPr lang="en-US" dirty="0"/>
-          </a:p>
-          <a:p>
-            <a:endParaRPr lang="en-US" dirty="0"/>
-          </a:p>
-        </p:txBody>
-      </p:sp>
-      <p:sp>
-        <p:nvSpPr>
-          <p:cNvPr id="5" name="TextBox 4">
-            <a:extLst>
-              <a:ext uri="{FF2B5EF4-FFF2-40B4-BE49-F238E27FC236}">
-                <a16:creationId xmlns:a16="http://schemas.microsoft.com/office/drawing/2014/main" id="{3BA14653-B2B1-CD45-8B17-02CC1E3ABB40}"/>
-              </a:ext>
-            </a:extLst>
-          </p:cNvPr>
-          <p:cNvSpPr txBox="1"/>
-          <p:nvPr/>
-        </p:nvSpPr>
-        <p:spPr>
-          <a:xfrm>
-            <a:off x="6429043" y="1899260"/>
-            <a:ext cx="4604402" cy="2031325"/>
-          </a:xfrm>
-          <a:prstGeom prst="rect">
-            <a:avLst/>
-          </a:prstGeom>
-          <a:noFill/>
-        </p:spPr>
-        <p:txBody>
-          <a:bodyPr wrap="none" rtlCol="0">
-            <a:spAutoFit/>
-          </a:bodyPr>
-          <a:lstStyle/>
-          <a:p>
-            <a:r>
-              <a:rPr lang="en-US" b="1" dirty="0"/>
-              <a:t>Nearby K-12 schools for site location</a:t>
-            </a:r>
-          </a:p>
-          <a:p>
+              <a:t>By large employees tend to take care of daily errands and appointments in lunch breaks or before/after work hours and prefer it to be as close to work as possible for obvious reasons. Super markets, Post Office, Doctor.</a:t>
+            </a:r>
+          </a:p>
+          <a:p>
+            <a:pPr marL="201168" lvl="1" indent="0">
+              <a:buNone/>
+            </a:pPr>
             <a:r>
               <a:rPr lang="en-US" dirty="0"/>
-              <a:t>API: Great Schools API</a:t>
-            </a:r>
-          </a:p>
-          <a:p>
+              <a:t>E. </a:t>
+            </a:r>
+            <a:r>
+              <a:rPr lang="en-US" b="1" i="1" dirty="0"/>
+              <a:t>Fitness </a:t>
+            </a:r>
+          </a:p>
+          <a:p>
+            <a:pPr lvl="1"/>
             <a:r>
               <a:rPr lang="en-US" dirty="0"/>
-              <a:t>Using: State and zip code information</a:t>
-            </a:r>
-          </a:p>
-          <a:p>
-            <a:r>
-              <a:rPr lang="en-US" dirty="0"/>
-              <a:t>Process: Average school rating per city and sort</a:t>
-            </a:r>
-          </a:p>
-          <a:p>
-            <a:r>
-              <a:rPr lang="en-US" dirty="0"/>
-              <a:t>Results: Austin, LA, Atlanta ranked higher</a:t>
-            </a:r>
-          </a:p>
-          <a:p>
-            <a:endParaRPr lang="en-US" dirty="0"/>
-          </a:p>
-          <a:p>
-            <a:endParaRPr lang="en-US" dirty="0"/>
-          </a:p>
-        </p:txBody>
-      </p:sp>
-      <p:sp>
-        <p:nvSpPr>
-          <p:cNvPr id="6" name="TextBox 5">
-            <a:extLst>
-              <a:ext uri="{FF2B5EF4-FFF2-40B4-BE49-F238E27FC236}">
-                <a16:creationId xmlns:a16="http://schemas.microsoft.com/office/drawing/2014/main" id="{A9AC4C7E-AEF8-EB43-BBAF-9297C2872E05}"/>
-              </a:ext>
-            </a:extLst>
-          </p:cNvPr>
-          <p:cNvSpPr txBox="1"/>
-          <p:nvPr/>
-        </p:nvSpPr>
-        <p:spPr>
-          <a:xfrm>
-            <a:off x="6429043" y="3584560"/>
-            <a:ext cx="4420762" cy="1754326"/>
-          </a:xfrm>
-          <a:prstGeom prst="rect">
-            <a:avLst/>
-          </a:prstGeom>
-          <a:noFill/>
-        </p:spPr>
-        <p:txBody>
-          <a:bodyPr wrap="none" rtlCol="0">
-            <a:spAutoFit/>
-          </a:bodyPr>
-          <a:lstStyle/>
-          <a:p>
-            <a:r>
-              <a:rPr lang="en-US" b="1" dirty="0"/>
-              <a:t>Nearby Colleges for site location</a:t>
-            </a:r>
-          </a:p>
-          <a:p>
-            <a:r>
-              <a:rPr lang="en-US" dirty="0"/>
-              <a:t>API: Google Search</a:t>
-            </a:r>
-          </a:p>
-          <a:p>
-            <a:r>
-              <a:rPr lang="en-US" dirty="0"/>
-              <a:t>Using: Latitude and Longitude information</a:t>
-            </a:r>
-          </a:p>
-          <a:p>
-            <a:r>
-              <a:rPr lang="en-US" dirty="0"/>
-              <a:t>Process: Average site ratings per city and sort</a:t>
-            </a:r>
-          </a:p>
-          <a:p>
-            <a:r>
-              <a:rPr lang="en-US" dirty="0"/>
-              <a:t>Results: Raleigh, LA, Atlanta ranked higher</a:t>
-            </a:r>
-          </a:p>
-          <a:p>
-            <a:endParaRPr lang="en-US" dirty="0"/>
-          </a:p>
-        </p:txBody>
-      </p:sp>
-      <p:sp>
-        <p:nvSpPr>
-          <p:cNvPr id="8" name="TextBox 7">
-            <a:extLst>
-              <a:ext uri="{FF2B5EF4-FFF2-40B4-BE49-F238E27FC236}">
-                <a16:creationId xmlns:a16="http://schemas.microsoft.com/office/drawing/2014/main" id="{01D08F11-1D2E-1D45-85FC-54676BCAE248}"/>
-              </a:ext>
-            </a:extLst>
-          </p:cNvPr>
-          <p:cNvSpPr txBox="1"/>
-          <p:nvPr/>
-        </p:nvSpPr>
-        <p:spPr>
-          <a:xfrm>
-            <a:off x="6506392" y="5456994"/>
-            <a:ext cx="5008669" cy="923330"/>
-          </a:xfrm>
-          <a:prstGeom prst="rect">
-            <a:avLst/>
-          </a:prstGeom>
-          <a:noFill/>
-        </p:spPr>
-        <p:txBody>
-          <a:bodyPr wrap="square" rtlCol="0">
-            <a:spAutoFit/>
-          </a:bodyPr>
-          <a:lstStyle/>
-          <a:p>
-            <a:r>
-              <a:rPr lang="en-US" sz="1200" dirty="0"/>
-              <a:t>Notebook: </a:t>
-            </a:r>
-            <a:r>
-              <a:rPr lang="en-US" sz="1200" dirty="0">
-                <a:hlinkClick r:id="rId3"/>
-              </a:rPr>
-              <a:t>https://github.com/indranik/BC_Project1/blob/master/HousingSchools/schools_results.ipynb</a:t>
-            </a:r>
-            <a:endParaRPr lang="en-US" sz="1200" dirty="0"/>
-          </a:p>
-          <a:p>
-            <a:endParaRPr lang="en-US" dirty="0"/>
+              <a:t>Fitness is top on priority list for a significant amount of employees now a days. Gym.</a:t>
+            </a:r>
           </a:p>
         </p:txBody>
       </p:sp>
     </p:spTree>
     <p:extLst>
       <p:ext uri="{BB962C8B-B14F-4D97-AF65-F5344CB8AC3E}">
-        <p14:creationId xmlns:p14="http://schemas.microsoft.com/office/powerpoint/2010/main" val="4004922827"/>
+        <p14:creationId xmlns:p14="http://schemas.microsoft.com/office/powerpoint/2010/main" val="660619397"/>
       </p:ext>
     </p:extLst>
   </p:cSld>
@@ -5729,63 +5893,447 @@
           <a:chExt cx="0" cy="0"/>
         </a:xfrm>
       </p:grpSpPr>
-      <p:sp>
-        <p:nvSpPr>
-          <p:cNvPr id="2" name="Title 1">
+      <p:pic>
+        <p:nvPicPr>
+          <p:cNvPr id="5" name="Content Placeholder 4">
             <a:extLst>
               <a:ext uri="{FF2B5EF4-FFF2-40B4-BE49-F238E27FC236}">
-                <a16:creationId xmlns:a16="http://schemas.microsoft.com/office/drawing/2014/main" id="{390EB264-3883-41F9-BACB-285D2229980C}"/>
+                <a16:creationId xmlns:a16="http://schemas.microsoft.com/office/drawing/2014/main" id="{E68C87D7-7462-FC4E-AD8D-476C5861BE45}"/>
               </a:ext>
             </a:extLst>
           </p:cNvPr>
-          <p:cNvSpPr>
-            <a:spLocks noGrp="1"/>
-          </p:cNvSpPr>
-          <p:nvPr>
-            <p:ph type="title"/>
-          </p:nvPr>
-        </p:nvSpPr>
-        <p:spPr/>
-        <p:txBody>
-          <a:bodyPr/>
-          <a:lstStyle/>
-          <a:p>
-            <a:r>
-              <a:rPr lang="en-US" dirty="0"/>
-              <a:t>Lessons learnt </a:t>
-            </a:r>
-          </a:p>
-        </p:txBody>
-      </p:sp>
-      <p:sp>
-        <p:nvSpPr>
-          <p:cNvPr id="3" name="Content Placeholder 2">
-            <a:extLst>
-              <a:ext uri="{FF2B5EF4-FFF2-40B4-BE49-F238E27FC236}">
-                <a16:creationId xmlns:a16="http://schemas.microsoft.com/office/drawing/2014/main" id="{BEC8BDDB-FD44-4EB6-BE27-4A708B75BDAB}"/>
-              </a:ext>
-            </a:extLst>
-          </p:cNvPr>
-          <p:cNvSpPr>
-            <a:spLocks noGrp="1"/>
-          </p:cNvSpPr>
+          <p:cNvPicPr>
+            <a:picLocks noGrp="1" noChangeAspect="1"/>
+          </p:cNvPicPr>
           <p:nvPr>
             <p:ph idx="1"/>
           </p:nvPr>
-        </p:nvSpPr>
-        <p:spPr/>
-        <p:txBody>
-          <a:bodyPr/>
+        </p:nvPicPr>
+        <p:blipFill rotWithShape="1">
+          <a:blip r:embed="rId2">
+            <a:extLst>
+              <a:ext uri="{28A0092B-C50C-407E-A947-70E740481C1C}">
+                <a14:useLocalDpi xmlns:a14="http://schemas.microsoft.com/office/drawing/2010/main" val="0"/>
+              </a:ext>
+            </a:extLst>
+          </a:blip>
+          <a:srcRect b="5163"/>
+          <a:stretch/>
+        </p:blipFill>
+        <p:spPr>
+          <a:xfrm>
+            <a:off x="160020" y="2174695"/>
+            <a:ext cx="5463911" cy="1931670"/>
+          </a:xfrm>
+        </p:spPr>
+      </p:pic>
+      <p:pic>
+        <p:nvPicPr>
+          <p:cNvPr id="10" name="Picture 9">
+            <a:extLst>
+              <a:ext uri="{FF2B5EF4-FFF2-40B4-BE49-F238E27FC236}">
+                <a16:creationId xmlns:a16="http://schemas.microsoft.com/office/drawing/2014/main" id="{68C90698-9174-B640-B74F-58469ECFAFB4}"/>
+              </a:ext>
+            </a:extLst>
+          </p:cNvPr>
+          <p:cNvPicPr>
+            <a:picLocks noChangeAspect="1"/>
+          </p:cNvPicPr>
+          <p:nvPr/>
+        </p:nvPicPr>
+        <p:blipFill rotWithShape="1">
+          <a:blip r:embed="rId3">
+            <a:extLst>
+              <a:ext uri="{28A0092B-C50C-407E-A947-70E740481C1C}">
+                <a14:useLocalDpi xmlns:a14="http://schemas.microsoft.com/office/drawing/2010/main" val="0"/>
+              </a:ext>
+            </a:extLst>
+          </a:blip>
+          <a:srcRect b="4789"/>
+          <a:stretch/>
+        </p:blipFill>
+        <p:spPr>
+          <a:xfrm>
+            <a:off x="160020" y="131480"/>
+            <a:ext cx="5463911" cy="1941215"/>
+          </a:xfrm>
+          <a:prstGeom prst="rect">
+            <a:avLst/>
+          </a:prstGeom>
+        </p:spPr>
+      </p:pic>
+      <p:pic>
+        <p:nvPicPr>
+          <p:cNvPr id="4" name="Content Placeholder 4">
+            <a:extLst>
+              <a:ext uri="{FF2B5EF4-FFF2-40B4-BE49-F238E27FC236}">
+                <a16:creationId xmlns:a16="http://schemas.microsoft.com/office/drawing/2014/main" id="{F930DFD4-7DC4-BA48-8BE0-C53550486381}"/>
+              </a:ext>
+            </a:extLst>
+          </p:cNvPr>
+          <p:cNvPicPr>
+            <a:picLocks noChangeAspect="1"/>
+          </p:cNvPicPr>
+          <p:nvPr/>
+        </p:nvPicPr>
+        <p:blipFill rotWithShape="1">
+          <a:blip r:embed="rId4">
+            <a:extLst>
+              <a:ext uri="{28A0092B-C50C-407E-A947-70E740481C1C}">
+                <a14:useLocalDpi xmlns:a14="http://schemas.microsoft.com/office/drawing/2010/main" val="0"/>
+              </a:ext>
+            </a:extLst>
+          </a:blip>
+          <a:srcRect t="-1188" b="6507"/>
+          <a:stretch/>
+        </p:blipFill>
+        <p:spPr>
+          <a:xfrm>
+            <a:off x="189782" y="4208365"/>
+            <a:ext cx="5434149" cy="1919867"/>
+          </a:xfrm>
+          <a:prstGeom prst="rect">
+            <a:avLst/>
+          </a:prstGeom>
+        </p:spPr>
+      </p:pic>
+      <p:pic>
+        <p:nvPicPr>
+          <p:cNvPr id="7" name="Picture 6">
+            <a:extLst>
+              <a:ext uri="{FF2B5EF4-FFF2-40B4-BE49-F238E27FC236}">
+                <a16:creationId xmlns:a16="http://schemas.microsoft.com/office/drawing/2014/main" id="{77BEE3A1-599D-2B46-8066-A4515D155334}"/>
+              </a:ext>
+            </a:extLst>
+          </p:cNvPr>
+          <p:cNvPicPr>
+            <a:picLocks noChangeAspect="1"/>
+          </p:cNvPicPr>
+          <p:nvPr/>
+        </p:nvPicPr>
+        <p:blipFill rotWithShape="1">
+          <a:blip r:embed="rId5">
+            <a:extLst>
+              <a:ext uri="{28A0092B-C50C-407E-A947-70E740481C1C}">
+                <a14:useLocalDpi xmlns:a14="http://schemas.microsoft.com/office/drawing/2010/main" val="0"/>
+              </a:ext>
+            </a:extLst>
+          </a:blip>
+          <a:srcRect t="7157" r="-1893" b="5449"/>
+          <a:stretch/>
+        </p:blipFill>
+        <p:spPr>
+          <a:xfrm>
+            <a:off x="6435089" y="325714"/>
+            <a:ext cx="5463911" cy="1746981"/>
+          </a:xfrm>
+          <a:prstGeom prst="rect">
+            <a:avLst/>
+          </a:prstGeom>
+        </p:spPr>
+      </p:pic>
+      <p:sp>
+        <p:nvSpPr>
+          <p:cNvPr id="8" name="TextBox 7">
+            <a:extLst>
+              <a:ext uri="{FF2B5EF4-FFF2-40B4-BE49-F238E27FC236}">
+                <a16:creationId xmlns:a16="http://schemas.microsoft.com/office/drawing/2014/main" id="{9002BB3E-30A7-3C48-9B2B-D6092C00DC4D}"/>
+              </a:ext>
+            </a:extLst>
+          </p:cNvPr>
+          <p:cNvSpPr txBox="1"/>
+          <p:nvPr/>
+        </p:nvSpPr>
+        <p:spPr>
+          <a:xfrm>
+            <a:off x="8150090" y="131480"/>
+            <a:ext cx="2033908" cy="238527"/>
+          </a:xfrm>
+          <a:prstGeom prst="rect">
+            <a:avLst/>
+          </a:prstGeom>
+          <a:noFill/>
+        </p:spPr>
+        <p:txBody>
+          <a:bodyPr wrap="square" rtlCol="0">
+            <a:spAutoFit/>
+          </a:bodyPr>
           <a:lstStyle/>
           <a:p>
-            <a:endParaRPr lang="en-US" dirty="0"/>
+            <a:r>
+              <a:rPr lang="en-US" sz="950" b="1" dirty="0">
+                <a:latin typeface="Arial Rounded MT Bold" panose="020F0704030504030204" pitchFamily="34" charset="77"/>
+              </a:rPr>
+              <a:t>City Gymnasium Ranking</a:t>
+            </a:r>
+          </a:p>
+        </p:txBody>
+      </p:sp>
+      <p:sp>
+        <p:nvSpPr>
+          <p:cNvPr id="6" name="Rectangle 5">
+            <a:extLst>
+              <a:ext uri="{FF2B5EF4-FFF2-40B4-BE49-F238E27FC236}">
+                <a16:creationId xmlns:a16="http://schemas.microsoft.com/office/drawing/2014/main" id="{400D8EB4-3C96-6445-A8B7-531B20BD3B35}"/>
+              </a:ext>
+            </a:extLst>
+          </p:cNvPr>
+          <p:cNvSpPr/>
+          <p:nvPr/>
+        </p:nvSpPr>
+        <p:spPr>
+          <a:xfrm>
+            <a:off x="5509260" y="1657350"/>
+            <a:ext cx="1040130" cy="137160"/>
+          </a:xfrm>
+          <a:prstGeom prst="rect">
+            <a:avLst/>
+          </a:prstGeom>
+          <a:solidFill>
+            <a:schemeClr val="bg1"/>
+          </a:solidFill>
+          <a:ln>
+            <a:solidFill>
+              <a:schemeClr val="bg1"/>
+            </a:solidFill>
+          </a:ln>
+        </p:spPr>
+        <p:style>
+          <a:lnRef idx="2">
+            <a:schemeClr val="accent1">
+              <a:shade val="50000"/>
+            </a:schemeClr>
+          </a:lnRef>
+          <a:fillRef idx="1">
+            <a:schemeClr val="accent1"/>
+          </a:fillRef>
+          <a:effectRef idx="0">
+            <a:schemeClr val="accent1"/>
+          </a:effectRef>
+          <a:fontRef idx="minor">
+            <a:schemeClr val="lt1"/>
+          </a:fontRef>
+        </p:style>
+        <p:txBody>
+          <a:bodyPr rtlCol="0" anchor="ctr"/>
+          <a:lstStyle/>
+          <a:p>
+            <a:pPr algn="ctr"/>
+            <a:endParaRPr lang="en-US"/>
+          </a:p>
+        </p:txBody>
+      </p:sp>
+      <p:pic>
+        <p:nvPicPr>
+          <p:cNvPr id="11" name="Picture 10">
+            <a:extLst>
+              <a:ext uri="{FF2B5EF4-FFF2-40B4-BE49-F238E27FC236}">
+                <a16:creationId xmlns:a16="http://schemas.microsoft.com/office/drawing/2014/main" id="{1C7BDB0E-7B94-BE41-9862-E2F150F683BF}"/>
+              </a:ext>
+            </a:extLst>
+          </p:cNvPr>
+          <p:cNvPicPr>
+            <a:picLocks noChangeAspect="1"/>
+          </p:cNvPicPr>
+          <p:nvPr/>
+        </p:nvPicPr>
+        <p:blipFill rotWithShape="1">
+          <a:blip r:embed="rId6">
+            <a:extLst>
+              <a:ext uri="{28A0092B-C50C-407E-A947-70E740481C1C}">
+                <a14:useLocalDpi xmlns:a14="http://schemas.microsoft.com/office/drawing/2010/main" val="0"/>
+              </a:ext>
+            </a:extLst>
+          </a:blip>
+          <a:srcRect l="7238" t="11981" r="8057" b="6871"/>
+          <a:stretch/>
+        </p:blipFill>
+        <p:spPr>
+          <a:xfrm>
+            <a:off x="6482342" y="2346962"/>
+            <a:ext cx="5416658" cy="2594610"/>
+          </a:xfrm>
+          <a:prstGeom prst="rect">
+            <a:avLst/>
+          </a:prstGeom>
+        </p:spPr>
+      </p:pic>
+      <p:sp>
+        <p:nvSpPr>
+          <p:cNvPr id="12" name="TextBox 11">
+            <a:extLst>
+              <a:ext uri="{FF2B5EF4-FFF2-40B4-BE49-F238E27FC236}">
+                <a16:creationId xmlns:a16="http://schemas.microsoft.com/office/drawing/2014/main" id="{4E866195-45D8-2E4D-AA91-B00032E00B23}"/>
+              </a:ext>
+            </a:extLst>
+          </p:cNvPr>
+          <p:cNvSpPr txBox="1"/>
+          <p:nvPr/>
+        </p:nvSpPr>
+        <p:spPr>
+          <a:xfrm>
+            <a:off x="8202736" y="2108435"/>
+            <a:ext cx="1794081" cy="238527"/>
+          </a:xfrm>
+          <a:prstGeom prst="rect">
+            <a:avLst/>
+          </a:prstGeom>
+          <a:noFill/>
+        </p:spPr>
+        <p:txBody>
+          <a:bodyPr wrap="none" rtlCol="0">
+            <a:spAutoFit/>
+          </a:bodyPr>
+          <a:lstStyle/>
+          <a:p>
+            <a:r>
+              <a:rPr lang="en-US" sz="950" b="1" dirty="0">
+                <a:latin typeface="Arial Rounded MT Bold" panose="020F0704030504030204" pitchFamily="34" charset="77"/>
+              </a:rPr>
+              <a:t>City Refreshments Ranking</a:t>
+            </a:r>
+          </a:p>
+        </p:txBody>
+      </p:sp>
+      <p:sp>
+        <p:nvSpPr>
+          <p:cNvPr id="9" name="TextBox 8">
+            <a:extLst>
+              <a:ext uri="{FF2B5EF4-FFF2-40B4-BE49-F238E27FC236}">
+                <a16:creationId xmlns:a16="http://schemas.microsoft.com/office/drawing/2014/main" id="{3B19A831-84D7-6546-B194-2C799EA1257A}"/>
+              </a:ext>
+            </a:extLst>
+          </p:cNvPr>
+          <p:cNvSpPr txBox="1"/>
+          <p:nvPr/>
+        </p:nvSpPr>
+        <p:spPr>
+          <a:xfrm>
+            <a:off x="6693315" y="5571256"/>
+            <a:ext cx="5438989" cy="1169551"/>
+          </a:xfrm>
+          <a:prstGeom prst="rect">
+            <a:avLst/>
+          </a:prstGeom>
+          <a:solidFill>
+            <a:schemeClr val="accent5">
+              <a:lumMod val="20000"/>
+              <a:lumOff val="80000"/>
+            </a:schemeClr>
+          </a:solidFill>
+        </p:spPr>
+        <p:txBody>
+          <a:bodyPr wrap="none" rtlCol="0">
+            <a:spAutoFit/>
+          </a:bodyPr>
+          <a:lstStyle/>
+          <a:p>
+            <a:r>
+              <a:rPr lang="en-US" sz="1400" b="1" dirty="0"/>
+              <a:t>Observations:</a:t>
+            </a:r>
+          </a:p>
+          <a:p>
+            <a:pPr marL="285750" indent="-285750">
+              <a:buFont typeface="Wingdings" pitchFamily="2" charset="2"/>
+              <a:buChar char="Ø"/>
+            </a:pPr>
+            <a:r>
+              <a:rPr lang="en-US" sz="1400" b="1" dirty="0"/>
+              <a:t>New York, Chicago &amp; Boston</a:t>
+            </a:r>
+            <a:r>
+              <a:rPr lang="en-US" sz="1400" dirty="0"/>
+              <a:t> were consistently top cities for most of</a:t>
+            </a:r>
+          </a:p>
+          <a:p>
+            <a:r>
+              <a:rPr lang="en-US" sz="1400" dirty="0"/>
+              <a:t>       the amenities.</a:t>
+            </a:r>
+          </a:p>
+          <a:p>
+            <a:pPr marL="285750" indent="-285750">
+              <a:buFont typeface="Wingdings" pitchFamily="2" charset="2"/>
+              <a:buChar char="Ø"/>
+            </a:pPr>
+            <a:r>
+              <a:rPr lang="en-US" sz="1400" b="1" dirty="0"/>
+              <a:t>Los Angeles </a:t>
+            </a:r>
+            <a:r>
+              <a:rPr lang="en-US" sz="1400" dirty="0"/>
+              <a:t>resulted in 0 lodging within 2 mile radius of all sites.</a:t>
+            </a:r>
+          </a:p>
+          <a:p>
+            <a:pPr marL="285750" indent="-285750">
+              <a:buFont typeface="Wingdings" pitchFamily="2" charset="2"/>
+              <a:buChar char="Ø"/>
+            </a:pPr>
+            <a:r>
+              <a:rPr lang="en-US" sz="1400" b="1" dirty="0"/>
+              <a:t>Washington DC </a:t>
+            </a:r>
+            <a:r>
+              <a:rPr lang="en-US" sz="1400" dirty="0"/>
+              <a:t>resulted in 0 parking within 2 mile radius of all sites.</a:t>
+            </a:r>
+          </a:p>
+        </p:txBody>
+      </p:sp>
+      <p:sp>
+        <p:nvSpPr>
+          <p:cNvPr id="13" name="TextBox 12">
+            <a:extLst>
+              <a:ext uri="{FF2B5EF4-FFF2-40B4-BE49-F238E27FC236}">
+                <a16:creationId xmlns:a16="http://schemas.microsoft.com/office/drawing/2014/main" id="{912993C5-A7B1-D64D-9B5F-6980B6E6EC6A}"/>
+              </a:ext>
+            </a:extLst>
+          </p:cNvPr>
+          <p:cNvSpPr txBox="1"/>
+          <p:nvPr/>
+        </p:nvSpPr>
+        <p:spPr>
+          <a:xfrm>
+            <a:off x="6693315" y="4979415"/>
+            <a:ext cx="4140877" cy="553998"/>
+          </a:xfrm>
+          <a:prstGeom prst="rect">
+            <a:avLst/>
+          </a:prstGeom>
+          <a:noFill/>
+        </p:spPr>
+        <p:txBody>
+          <a:bodyPr wrap="none" rtlCol="0">
+            <a:spAutoFit/>
+          </a:bodyPr>
+          <a:lstStyle/>
+          <a:p>
+            <a:r>
+              <a:rPr lang="en-US" sz="1000" dirty="0"/>
+              <a:t>*City Amenities results within 2 mile radius were averaged over all the sites.</a:t>
+            </a:r>
+          </a:p>
+          <a:p>
+            <a:r>
+              <a:rPr lang="en-US" sz="1000" dirty="0"/>
+              <a:t>** For Restaurants and Cafes, all cities had more than 20, and so was </a:t>
+            </a:r>
+          </a:p>
+          <a:p>
+            <a:r>
+              <a:rPr lang="en-US" sz="1000" dirty="0"/>
+              <a:t>ranked over average ratings. </a:t>
+            </a:r>
           </a:p>
         </p:txBody>
       </p:sp>
     </p:spTree>
     <p:extLst>
       <p:ext uri="{BB962C8B-B14F-4D97-AF65-F5344CB8AC3E}">
-        <p14:creationId xmlns:p14="http://schemas.microsoft.com/office/powerpoint/2010/main" val="2977691450"/>
+        <p14:creationId xmlns:p14="http://schemas.microsoft.com/office/powerpoint/2010/main" val="3531603546"/>
       </p:ext>
     </p:extLst>
   </p:cSld>
@@ -5812,196 +6360,12 @@
           <a:chExt cx="0" cy="0"/>
         </a:xfrm>
       </p:grpSpPr>
-      <p:sp>
-        <p:nvSpPr>
-          <p:cNvPr id="2" name="Title 1">
-            <a:extLst>
-              <a:ext uri="{FF2B5EF4-FFF2-40B4-BE49-F238E27FC236}">
-                <a16:creationId xmlns:a16="http://schemas.microsoft.com/office/drawing/2014/main" id="{BD461D94-0D0F-0348-95E5-2A357932C23B}"/>
-              </a:ext>
-            </a:extLst>
-          </p:cNvPr>
-          <p:cNvSpPr>
-            <a:spLocks noGrp="1"/>
-          </p:cNvSpPr>
-          <p:nvPr>
-            <p:ph type="title"/>
-          </p:nvPr>
-        </p:nvSpPr>
-        <p:spPr/>
-        <p:txBody>
-          <a:bodyPr/>
-          <a:lstStyle/>
-          <a:p>
-            <a:r>
-              <a:rPr lang="en-US" dirty="0"/>
-              <a:t>Nearby Amenities</a:t>
-            </a:r>
-          </a:p>
-        </p:txBody>
-      </p:sp>
-      <p:sp>
-        <p:nvSpPr>
-          <p:cNvPr id="3" name="Content Placeholder 2">
-            <a:extLst>
-              <a:ext uri="{FF2B5EF4-FFF2-40B4-BE49-F238E27FC236}">
-                <a16:creationId xmlns:a16="http://schemas.microsoft.com/office/drawing/2014/main" id="{0AA20437-69DD-8C47-91EE-5EC495E32373}"/>
-              </a:ext>
-            </a:extLst>
-          </p:cNvPr>
-          <p:cNvSpPr>
-            <a:spLocks noGrp="1"/>
-          </p:cNvSpPr>
-          <p:nvPr>
-            <p:ph idx="1"/>
-          </p:nvPr>
-        </p:nvSpPr>
-        <p:spPr>
-          <a:xfrm>
-            <a:off x="1097280" y="1845734"/>
-            <a:ext cx="10058400" cy="4463626"/>
-          </a:xfrm>
-        </p:spPr>
-        <p:txBody>
-          <a:bodyPr>
-            <a:normAutofit/>
-          </a:bodyPr>
-          <a:lstStyle/>
-          <a:p>
-            <a:r>
-              <a:rPr lang="en-US" sz="1800" dirty="0"/>
-              <a:t>  A. </a:t>
-            </a:r>
-            <a:r>
-              <a:rPr lang="en-US" sz="1800" b="1" i="1" dirty="0"/>
-              <a:t>Emergency Facilities </a:t>
-            </a:r>
-          </a:p>
-          <a:p>
-            <a:pPr lvl="1"/>
-            <a:r>
-              <a:rPr lang="en-US" dirty="0"/>
-              <a:t>How accessible are these facilities in case of mass emergency on/around sites for containing the situation and resuming business asap. Hospitals, Fire Stations, Doctors.</a:t>
-            </a:r>
-          </a:p>
-          <a:p>
-            <a:pPr marL="201168" lvl="1" indent="0">
-              <a:buNone/>
-            </a:pPr>
-            <a:r>
-              <a:rPr lang="en-US" dirty="0"/>
-              <a:t>B. </a:t>
-            </a:r>
-            <a:r>
-              <a:rPr lang="en-US" b="1" i="1" dirty="0"/>
-              <a:t>Accommodation </a:t>
-            </a:r>
-          </a:p>
-          <a:p>
-            <a:pPr lvl="1"/>
-            <a:r>
-              <a:rPr lang="en-US" dirty="0"/>
-              <a:t>Many executive employees travel from outside the city for few days a week and might need lodging facility as close to the company as possible. Also lot of local/not-local employees use vehicle for commute and will need parking nearby. Lodging, Parking.</a:t>
-            </a:r>
-          </a:p>
-          <a:p>
-            <a:pPr marL="201168" lvl="1" indent="0">
-              <a:buNone/>
-            </a:pPr>
-            <a:r>
-              <a:rPr lang="en-US" dirty="0"/>
-              <a:t>C. </a:t>
-            </a:r>
-            <a:r>
-              <a:rPr lang="en-US" b="1" i="1" dirty="0"/>
-              <a:t>Refreshments </a:t>
-            </a:r>
-          </a:p>
-          <a:p>
-            <a:pPr lvl="1"/>
-            <a:r>
-              <a:rPr lang="en-US" dirty="0"/>
-              <a:t>Basic Refreshment facilities. Café, Restaurants.</a:t>
-            </a:r>
-          </a:p>
-          <a:p>
-            <a:pPr marL="201168" lvl="1" indent="0">
-              <a:buNone/>
-            </a:pPr>
-            <a:r>
-              <a:rPr lang="en-US" dirty="0"/>
-              <a:t>D. </a:t>
-            </a:r>
-            <a:r>
-              <a:rPr lang="en-US" b="1" i="1" dirty="0"/>
-              <a:t>Basic Errands/appointments</a:t>
-            </a:r>
-          </a:p>
-          <a:p>
-            <a:pPr lvl="1"/>
-            <a:r>
-              <a:rPr lang="en-US" dirty="0"/>
-              <a:t>By large employees tend to take care of daily errands and appointments in lunch breaks or before/after work hours and prefer it to be as close to work as possible for obvious reasons. Super markets, Post Office, Doctor.</a:t>
-            </a:r>
-          </a:p>
-          <a:p>
-            <a:pPr marL="201168" lvl="1" indent="0">
-              <a:buNone/>
-            </a:pPr>
-            <a:r>
-              <a:rPr lang="en-US" dirty="0"/>
-              <a:t>E. </a:t>
-            </a:r>
-            <a:r>
-              <a:rPr lang="en-US" b="1" i="1" dirty="0"/>
-              <a:t>Fitness </a:t>
-            </a:r>
-          </a:p>
-          <a:p>
-            <a:pPr lvl="1"/>
-            <a:r>
-              <a:rPr lang="en-US" dirty="0"/>
-              <a:t>Fitness is top on priority list for a significant amount of employees now a days. Gym.</a:t>
-            </a:r>
-          </a:p>
-        </p:txBody>
-      </p:sp>
-    </p:spTree>
-    <p:extLst>
-      <p:ext uri="{BB962C8B-B14F-4D97-AF65-F5344CB8AC3E}">
-        <p14:creationId xmlns:p14="http://schemas.microsoft.com/office/powerpoint/2010/main" val="660619397"/>
-      </p:ext>
-    </p:extLst>
-  </p:cSld>
-  <p:clrMapOvr>
-    <a:masterClrMapping/>
-  </p:clrMapOvr>
-</p:sld>
-</file>
-
-<file path=ppt/slides/slide22.xml><?xml version="1.0" encoding="utf-8"?>
-<p:sld xmlns:a="http://schemas.openxmlformats.org/drawingml/2006/main" xmlns:r="http://schemas.openxmlformats.org/officeDocument/2006/relationships" xmlns:p="http://schemas.openxmlformats.org/presentationml/2006/main">
-  <p:cSld>
-    <p:spTree>
-      <p:nvGrpSpPr>
-        <p:cNvPr id="1" name=""/>
-        <p:cNvGrpSpPr/>
-        <p:nvPr/>
-      </p:nvGrpSpPr>
-      <p:grpSpPr>
-        <a:xfrm>
-          <a:off x="0" y="0"/>
-          <a:ext cx="0" cy="0"/>
-          <a:chOff x="0" y="0"/>
-          <a:chExt cx="0" cy="0"/>
-        </a:xfrm>
-      </p:grpSpPr>
       <p:pic>
         <p:nvPicPr>
           <p:cNvPr id="5" name="Content Placeholder 4">
             <a:extLst>
               <a:ext uri="{FF2B5EF4-FFF2-40B4-BE49-F238E27FC236}">
-                <a16:creationId xmlns:a16="http://schemas.microsoft.com/office/drawing/2014/main" id="{E68C87D7-7462-FC4E-AD8D-476C5861BE45}"/>
+                <a16:creationId xmlns:a16="http://schemas.microsoft.com/office/drawing/2014/main" id="{2F3CA2CF-0E33-C941-BF0A-AED6E92427F2}"/>
               </a:ext>
             </a:extLst>
           </p:cNvPr>
@@ -6012,7 +6376,7 @@
             <p:ph idx="1"/>
           </p:nvPr>
         </p:nvPicPr>
-        <p:blipFill rotWithShape="1">
+        <p:blipFill>
           <a:blip r:embed="rId2">
             <a:extLst>
               <a:ext uri="{28A0092B-C50C-407E-A947-70E740481C1C}">
@@ -6020,22 +6384,23 @@
               </a:ext>
             </a:extLst>
           </a:blip>
-          <a:srcRect b="5163"/>
-          <a:stretch/>
+          <a:stretch>
+            <a:fillRect/>
+          </a:stretch>
         </p:blipFill>
         <p:spPr>
           <a:xfrm>
-            <a:off x="160020" y="2174695"/>
-            <a:ext cx="5463911" cy="1931670"/>
+            <a:off x="180376" y="758435"/>
+            <a:ext cx="6318159" cy="2107912"/>
           </a:xfrm>
         </p:spPr>
       </p:pic>
       <p:pic>
         <p:nvPicPr>
-          <p:cNvPr id="10" name="Picture 9">
+          <p:cNvPr id="3" name="Picture 2">
             <a:extLst>
               <a:ext uri="{FF2B5EF4-FFF2-40B4-BE49-F238E27FC236}">
-                <a16:creationId xmlns:a16="http://schemas.microsoft.com/office/drawing/2014/main" id="{68C90698-9174-B640-B74F-58469ECFAFB4}"/>
+                <a16:creationId xmlns:a16="http://schemas.microsoft.com/office/drawing/2014/main" id="{C6EA60E2-3CE0-4146-9F66-992F611A7D2C}"/>
               </a:ext>
             </a:extLst>
           </p:cNvPr>
@@ -6044,7 +6409,7 @@
           </p:cNvPicPr>
           <p:nvPr/>
         </p:nvPicPr>
-        <p:blipFill rotWithShape="1">
+        <p:blipFill>
           <a:blip r:embed="rId3">
             <a:extLst>
               <a:ext uri="{28A0092B-C50C-407E-A947-70E740481C1C}">
@@ -6052,95 +6417,36 @@
               </a:ext>
             </a:extLst>
           </a:blip>
-          <a:srcRect b="4789"/>
-          <a:stretch/>
+          <a:stretch>
+            <a:fillRect/>
+          </a:stretch>
         </p:blipFill>
         <p:spPr>
           <a:xfrm>
-            <a:off x="160020" y="131480"/>
-            <a:ext cx="5463911" cy="1941215"/>
+            <a:off x="466126" y="2944512"/>
+            <a:ext cx="4482375" cy="3206371"/>
           </a:xfrm>
           <a:prstGeom prst="rect">
             <a:avLst/>
           </a:prstGeom>
+          <a:ln>
+            <a:noFill/>
+          </a:ln>
+          <a:effectLst>
+            <a:outerShdw blurRad="190500" algn="tl" rotWithShape="0">
+              <a:srgbClr val="000000">
+                <a:alpha val="70000"/>
+              </a:srgbClr>
+            </a:outerShdw>
+          </a:effectLst>
         </p:spPr>
       </p:pic>
-      <p:pic>
-        <p:nvPicPr>
-          <p:cNvPr id="4" name="Content Placeholder 4">
+      <p:sp>
+        <p:nvSpPr>
+          <p:cNvPr id="4" name="TextBox 3">
             <a:extLst>
               <a:ext uri="{FF2B5EF4-FFF2-40B4-BE49-F238E27FC236}">
-                <a16:creationId xmlns:a16="http://schemas.microsoft.com/office/drawing/2014/main" id="{F930DFD4-7DC4-BA48-8BE0-C53550486381}"/>
-              </a:ext>
-            </a:extLst>
-          </p:cNvPr>
-          <p:cNvPicPr>
-            <a:picLocks noChangeAspect="1"/>
-          </p:cNvPicPr>
-          <p:nvPr/>
-        </p:nvPicPr>
-        <p:blipFill rotWithShape="1">
-          <a:blip r:embed="rId4">
-            <a:extLst>
-              <a:ext uri="{28A0092B-C50C-407E-A947-70E740481C1C}">
-                <a14:useLocalDpi xmlns:a14="http://schemas.microsoft.com/office/drawing/2010/main" val="0"/>
-              </a:ext>
-            </a:extLst>
-          </a:blip>
-          <a:srcRect t="-1188" b="6507"/>
-          <a:stretch/>
-        </p:blipFill>
-        <p:spPr>
-          <a:xfrm>
-            <a:off x="189782" y="4208365"/>
-            <a:ext cx="5434149" cy="1919867"/>
-          </a:xfrm>
-          <a:prstGeom prst="rect">
-            <a:avLst/>
-          </a:prstGeom>
-        </p:spPr>
-      </p:pic>
-      <p:pic>
-        <p:nvPicPr>
-          <p:cNvPr id="7" name="Picture 6">
-            <a:extLst>
-              <a:ext uri="{FF2B5EF4-FFF2-40B4-BE49-F238E27FC236}">
-                <a16:creationId xmlns:a16="http://schemas.microsoft.com/office/drawing/2014/main" id="{77BEE3A1-599D-2B46-8066-A4515D155334}"/>
-              </a:ext>
-            </a:extLst>
-          </p:cNvPr>
-          <p:cNvPicPr>
-            <a:picLocks noChangeAspect="1"/>
-          </p:cNvPicPr>
-          <p:nvPr/>
-        </p:nvPicPr>
-        <p:blipFill rotWithShape="1">
-          <a:blip r:embed="rId5">
-            <a:extLst>
-              <a:ext uri="{28A0092B-C50C-407E-A947-70E740481C1C}">
-                <a14:useLocalDpi xmlns:a14="http://schemas.microsoft.com/office/drawing/2010/main" val="0"/>
-              </a:ext>
-            </a:extLst>
-          </a:blip>
-          <a:srcRect t="7157" r="-1893" b="5449"/>
-          <a:stretch/>
-        </p:blipFill>
-        <p:spPr>
-          <a:xfrm>
-            <a:off x="6435089" y="325714"/>
-            <a:ext cx="5463911" cy="1746981"/>
-          </a:xfrm>
-          <a:prstGeom prst="rect">
-            <a:avLst/>
-          </a:prstGeom>
-        </p:spPr>
-      </p:pic>
-      <p:sp>
-        <p:nvSpPr>
-          <p:cNvPr id="8" name="TextBox 7">
-            <a:extLst>
-              <a:ext uri="{FF2B5EF4-FFF2-40B4-BE49-F238E27FC236}">
-                <a16:creationId xmlns:a16="http://schemas.microsoft.com/office/drawing/2014/main" id="{9002BB3E-30A7-3C48-9B2B-D6092C00DC4D}"/>
+                <a16:creationId xmlns:a16="http://schemas.microsoft.com/office/drawing/2014/main" id="{9A525359-E4B3-454A-8737-1535D75D2224}"/>
               </a:ext>
             </a:extLst>
           </p:cNvPr>
@@ -6149,8 +6455,68 @@
         </p:nvSpPr>
         <p:spPr>
           <a:xfrm>
-            <a:off x="8150090" y="131480"/>
-            <a:ext cx="2033908" cy="238527"/>
+            <a:off x="5344104" y="4121339"/>
+            <a:ext cx="6523503" cy="738664"/>
+          </a:xfrm>
+          <a:prstGeom prst="rect">
+            <a:avLst/>
+          </a:prstGeom>
+          <a:solidFill>
+            <a:schemeClr val="accent5">
+              <a:lumMod val="20000"/>
+              <a:lumOff val="80000"/>
+            </a:schemeClr>
+          </a:solidFill>
+        </p:spPr>
+        <p:txBody>
+          <a:bodyPr wrap="square" rtlCol="0">
+            <a:spAutoFit/>
+          </a:bodyPr>
+          <a:lstStyle/>
+          <a:p>
+            <a:r>
+              <a:rPr lang="en-US" sz="1400" b="1" dirty="0"/>
+              <a:t>Amenity vs Walk Score Observations:</a:t>
+            </a:r>
+          </a:p>
+          <a:p>
+            <a:pPr marL="285750" indent="-285750">
+              <a:buFont typeface="Wingdings" pitchFamily="2" charset="2"/>
+              <a:buChar char="Ø"/>
+            </a:pPr>
+            <a:r>
+              <a:rPr lang="en-US" sz="1400" b="1" dirty="0"/>
+              <a:t>New York, Chicago &amp; Boston </a:t>
+            </a:r>
+            <a:r>
+              <a:rPr lang="en-US" sz="1400" dirty="0"/>
+              <a:t>not only were consistently top cities for most of</a:t>
+            </a:r>
+          </a:p>
+          <a:p>
+            <a:r>
+              <a:rPr lang="en-US" sz="1400" dirty="0"/>
+              <a:t>       the amenities, but also had best walk score.</a:t>
+            </a:r>
+          </a:p>
+        </p:txBody>
+      </p:sp>
+      <p:sp>
+        <p:nvSpPr>
+          <p:cNvPr id="2" name="TextBox 1">
+            <a:extLst>
+              <a:ext uri="{FF2B5EF4-FFF2-40B4-BE49-F238E27FC236}">
+                <a16:creationId xmlns:a16="http://schemas.microsoft.com/office/drawing/2014/main" id="{26FB7254-7444-6946-A06D-C3F3E8665D46}"/>
+              </a:ext>
+            </a:extLst>
+          </p:cNvPr>
+          <p:cNvSpPr txBox="1"/>
+          <p:nvPr/>
+        </p:nvSpPr>
+        <p:spPr>
+          <a:xfrm>
+            <a:off x="6419756" y="6090500"/>
+            <a:ext cx="5580374" cy="261610"/>
           </a:xfrm>
           <a:prstGeom prst="rect">
             <a:avLst/>
@@ -6158,26 +6524,196 @@
           <a:noFill/>
         </p:spPr>
         <p:txBody>
+          <a:bodyPr wrap="none" rtlCol="0">
+            <a:spAutoFit/>
+          </a:bodyPr>
+          <a:lstStyle/>
+          <a:p>
+            <a:r>
+              <a:rPr lang="en-US" sz="1100" dirty="0"/>
+              <a:t>Source: </a:t>
+            </a:r>
+            <a:r>
+              <a:rPr lang="en-US" sz="1100" dirty="0">
+                <a:hlinkClick r:id="rId4"/>
+              </a:rPr>
+              <a:t>https://</a:t>
+            </a:r>
+            <a:r>
+              <a:rPr lang="en-US" sz="1100" dirty="0" err="1">
+                <a:hlinkClick r:id="rId4"/>
+              </a:rPr>
+              <a:t>www.numbeo.com</a:t>
+            </a:r>
+            <a:r>
+              <a:rPr lang="en-US" sz="1100" dirty="0">
+                <a:hlinkClick r:id="rId4"/>
+              </a:rPr>
+              <a:t>/quality-of-life/</a:t>
+            </a:r>
+            <a:r>
+              <a:rPr lang="en-US" sz="1100" dirty="0" err="1">
+                <a:hlinkClick r:id="rId4"/>
+              </a:rPr>
+              <a:t>region_rankings.jsp?title</a:t>
+            </a:r>
+            <a:r>
+              <a:rPr lang="en-US" sz="1100" dirty="0">
+                <a:hlinkClick r:id="rId4"/>
+              </a:rPr>
+              <a:t>=2018&amp;region=019</a:t>
+            </a:r>
+            <a:endParaRPr lang="en-US" sz="1100" dirty="0"/>
+          </a:p>
+        </p:txBody>
+      </p:sp>
+      <p:sp>
+        <p:nvSpPr>
+          <p:cNvPr id="11" name="TextBox 10">
+            <a:extLst>
+              <a:ext uri="{FF2B5EF4-FFF2-40B4-BE49-F238E27FC236}">
+                <a16:creationId xmlns:a16="http://schemas.microsoft.com/office/drawing/2014/main" id="{C1EB101A-557C-B742-8621-0B2B4F845F4F}"/>
+              </a:ext>
+            </a:extLst>
+          </p:cNvPr>
+          <p:cNvSpPr txBox="1"/>
+          <p:nvPr/>
+        </p:nvSpPr>
+        <p:spPr>
+          <a:xfrm>
+            <a:off x="185527" y="208543"/>
+            <a:ext cx="5514587" cy="461665"/>
+          </a:xfrm>
+          <a:prstGeom prst="rect">
+            <a:avLst/>
+          </a:prstGeom>
+          <a:noFill/>
+        </p:spPr>
+        <p:txBody>
+          <a:bodyPr wrap="none" rtlCol="0">
+            <a:spAutoFit/>
+          </a:bodyPr>
+          <a:lstStyle/>
+          <a:p>
+            <a:r>
+              <a:rPr lang="en-US" sz="2400" b="1" dirty="0"/>
+              <a:t>Amenities &amp; Environment Index summary</a:t>
+            </a:r>
+          </a:p>
+        </p:txBody>
+      </p:sp>
+      <p:cxnSp>
+        <p:nvCxnSpPr>
+          <p:cNvPr id="13" name="Straight Connector 12">
+            <a:extLst>
+              <a:ext uri="{FF2B5EF4-FFF2-40B4-BE49-F238E27FC236}">
+                <a16:creationId xmlns:a16="http://schemas.microsoft.com/office/drawing/2014/main" id="{39131A28-7C0F-014F-8DE5-068C6C1DCF44}"/>
+              </a:ext>
+            </a:extLst>
+          </p:cNvPr>
+          <p:cNvCxnSpPr/>
+          <p:nvPr/>
+        </p:nvCxnSpPr>
+        <p:spPr>
+          <a:xfrm>
+            <a:off x="0" y="608653"/>
+            <a:ext cx="12192000" cy="0"/>
+          </a:xfrm>
+          <a:prstGeom prst="line">
+            <a:avLst/>
+          </a:prstGeom>
+          <a:ln>
+            <a:solidFill>
+              <a:schemeClr val="tx1"/>
+            </a:solidFill>
+          </a:ln>
+        </p:spPr>
+        <p:style>
+          <a:lnRef idx="1">
+            <a:schemeClr val="accent1"/>
+          </a:lnRef>
+          <a:fillRef idx="0">
+            <a:schemeClr val="accent1"/>
+          </a:fillRef>
+          <a:effectRef idx="0">
+            <a:schemeClr val="accent1"/>
+          </a:effectRef>
+          <a:fontRef idx="minor">
+            <a:schemeClr val="tx1"/>
+          </a:fontRef>
+        </p:style>
+      </p:cxnSp>
+      <p:sp>
+        <p:nvSpPr>
+          <p:cNvPr id="14" name="TextBox 13">
+            <a:extLst>
+              <a:ext uri="{FF2B5EF4-FFF2-40B4-BE49-F238E27FC236}">
+                <a16:creationId xmlns:a16="http://schemas.microsoft.com/office/drawing/2014/main" id="{ED540B83-7037-AC4B-8A24-1C59DF45346D}"/>
+              </a:ext>
+            </a:extLst>
+          </p:cNvPr>
+          <p:cNvSpPr txBox="1"/>
+          <p:nvPr/>
+        </p:nvSpPr>
+        <p:spPr>
+          <a:xfrm>
+            <a:off x="5347914" y="4913819"/>
+            <a:ext cx="6523503" cy="954107"/>
+          </a:xfrm>
+          <a:prstGeom prst="rect">
+            <a:avLst/>
+          </a:prstGeom>
+          <a:solidFill>
+            <a:schemeClr val="accent5">
+              <a:lumMod val="20000"/>
+              <a:lumOff val="80000"/>
+            </a:schemeClr>
+          </a:solidFill>
+        </p:spPr>
+        <p:txBody>
           <a:bodyPr wrap="square" rtlCol="0">
             <a:spAutoFit/>
           </a:bodyPr>
           <a:lstStyle/>
           <a:p>
             <a:r>
-              <a:rPr lang="en-US" sz="950" b="1" dirty="0">
-                <a:latin typeface="Arial Rounded MT Bold" panose="020F0704030504030204" pitchFamily="34" charset="77"/>
-              </a:rPr>
-              <a:t>City Gymnasium Ranking</a:t>
-            </a:r>
-          </a:p>
-        </p:txBody>
-      </p:sp>
-      <p:sp>
-        <p:nvSpPr>
-          <p:cNvPr id="6" name="Rectangle 5">
+              <a:rPr lang="en-US" sz="1400" b="1" dirty="0"/>
+              <a:t>Environment Index Observations:</a:t>
+            </a:r>
+            <a:endParaRPr lang="en-US" sz="1400" dirty="0"/>
+          </a:p>
+          <a:p>
+            <a:pPr marL="285750" indent="-285750">
+              <a:buFont typeface="Wingdings" pitchFamily="2" charset="2"/>
+              <a:buChar char="Ø"/>
+            </a:pPr>
+            <a:r>
+              <a:rPr lang="en-US" sz="1400" dirty="0"/>
+              <a:t>Most cities with higher Climate Index also tends to have a very high Pollution Index, which is highly contradictory.</a:t>
+            </a:r>
+          </a:p>
+          <a:p>
+            <a:pPr marL="285750" indent="-285750">
+              <a:buFont typeface="Wingdings" pitchFamily="2" charset="2"/>
+              <a:buChar char="Ø"/>
+            </a:pPr>
+            <a:r>
+              <a:rPr lang="en-US" sz="1400" b="1" dirty="0"/>
+              <a:t>Raleigh</a:t>
+            </a:r>
+            <a:r>
+              <a:rPr lang="en-US" sz="1400" dirty="0"/>
+              <a:t> fairs well amongst all as it has Climate Index and lower Pollution Index.</a:t>
+            </a:r>
+          </a:p>
+        </p:txBody>
+      </p:sp>
+      <p:sp>
+        <p:nvSpPr>
+          <p:cNvPr id="15" name="Rectangle 14">
             <a:extLst>
               <a:ext uri="{FF2B5EF4-FFF2-40B4-BE49-F238E27FC236}">
-                <a16:creationId xmlns:a16="http://schemas.microsoft.com/office/drawing/2014/main" id="{400D8EB4-3C96-6445-A8B7-531B20BD3B35}"/>
+                <a16:creationId xmlns:a16="http://schemas.microsoft.com/office/drawing/2014/main" id="{080CAF0A-9316-504B-B99C-3E8F645FCFE2}"/>
               </a:ext>
             </a:extLst>
           </p:cNvPr>
@@ -6186,8 +6722,8 @@
         </p:nvSpPr>
         <p:spPr>
           <a:xfrm>
-            <a:off x="5509260" y="1657350"/>
-            <a:ext cx="1040130" cy="137160"/>
+            <a:off x="6419756" y="1611629"/>
+            <a:ext cx="1078323" cy="125731"/>
           </a:xfrm>
           <a:prstGeom prst="rect">
             <a:avLst/>
@@ -6228,282 +6764,10 @@
       </p:sp>
       <p:pic>
         <p:nvPicPr>
-          <p:cNvPr id="11" name="Picture 10">
+          <p:cNvPr id="10" name="Picture 9">
             <a:extLst>
               <a:ext uri="{FF2B5EF4-FFF2-40B4-BE49-F238E27FC236}">
-                <a16:creationId xmlns:a16="http://schemas.microsoft.com/office/drawing/2014/main" id="{1C7BDB0E-7B94-BE41-9862-E2F150F683BF}"/>
-              </a:ext>
-            </a:extLst>
-          </p:cNvPr>
-          <p:cNvPicPr>
-            <a:picLocks noChangeAspect="1"/>
-          </p:cNvPicPr>
-          <p:nvPr/>
-        </p:nvPicPr>
-        <p:blipFill rotWithShape="1">
-          <a:blip r:embed="rId6">
-            <a:extLst>
-              <a:ext uri="{28A0092B-C50C-407E-A947-70E740481C1C}">
-                <a14:useLocalDpi xmlns:a14="http://schemas.microsoft.com/office/drawing/2010/main" val="0"/>
-              </a:ext>
-            </a:extLst>
-          </a:blip>
-          <a:srcRect l="7238" t="11981" r="8057" b="6871"/>
-          <a:stretch/>
-        </p:blipFill>
-        <p:spPr>
-          <a:xfrm>
-            <a:off x="6482342" y="2346962"/>
-            <a:ext cx="5416658" cy="2594610"/>
-          </a:xfrm>
-          <a:prstGeom prst="rect">
-            <a:avLst/>
-          </a:prstGeom>
-        </p:spPr>
-      </p:pic>
-      <p:sp>
-        <p:nvSpPr>
-          <p:cNvPr id="12" name="TextBox 11">
-            <a:extLst>
-              <a:ext uri="{FF2B5EF4-FFF2-40B4-BE49-F238E27FC236}">
-                <a16:creationId xmlns:a16="http://schemas.microsoft.com/office/drawing/2014/main" id="{4E866195-45D8-2E4D-AA91-B00032E00B23}"/>
-              </a:ext>
-            </a:extLst>
-          </p:cNvPr>
-          <p:cNvSpPr txBox="1"/>
-          <p:nvPr/>
-        </p:nvSpPr>
-        <p:spPr>
-          <a:xfrm>
-            <a:off x="8202736" y="2108435"/>
-            <a:ext cx="1794081" cy="238527"/>
-          </a:xfrm>
-          <a:prstGeom prst="rect">
-            <a:avLst/>
-          </a:prstGeom>
-          <a:noFill/>
-        </p:spPr>
-        <p:txBody>
-          <a:bodyPr wrap="none" rtlCol="0">
-            <a:spAutoFit/>
-          </a:bodyPr>
-          <a:lstStyle/>
-          <a:p>
-            <a:r>
-              <a:rPr lang="en-US" sz="950" b="1" dirty="0">
-                <a:latin typeface="Arial Rounded MT Bold" panose="020F0704030504030204" pitchFamily="34" charset="77"/>
-              </a:rPr>
-              <a:t>City Refreshments Ranking</a:t>
-            </a:r>
-          </a:p>
-        </p:txBody>
-      </p:sp>
-      <p:sp>
-        <p:nvSpPr>
-          <p:cNvPr id="9" name="TextBox 8">
-            <a:extLst>
-              <a:ext uri="{FF2B5EF4-FFF2-40B4-BE49-F238E27FC236}">
-                <a16:creationId xmlns:a16="http://schemas.microsoft.com/office/drawing/2014/main" id="{3B19A831-84D7-6546-B194-2C799EA1257A}"/>
-              </a:ext>
-            </a:extLst>
-          </p:cNvPr>
-          <p:cNvSpPr txBox="1"/>
-          <p:nvPr/>
-        </p:nvSpPr>
-        <p:spPr>
-          <a:xfrm>
-            <a:off x="6693315" y="5571256"/>
-            <a:ext cx="5438989" cy="1169551"/>
-          </a:xfrm>
-          <a:prstGeom prst="rect">
-            <a:avLst/>
-          </a:prstGeom>
-          <a:solidFill>
-            <a:schemeClr val="accent5">
-              <a:lumMod val="20000"/>
-              <a:lumOff val="80000"/>
-            </a:schemeClr>
-          </a:solidFill>
-        </p:spPr>
-        <p:txBody>
-          <a:bodyPr wrap="none" rtlCol="0">
-            <a:spAutoFit/>
-          </a:bodyPr>
-          <a:lstStyle/>
-          <a:p>
-            <a:r>
-              <a:rPr lang="en-US" sz="1400" b="1" dirty="0"/>
-              <a:t>Observations:</a:t>
-            </a:r>
-          </a:p>
-          <a:p>
-            <a:pPr marL="285750" indent="-285750">
-              <a:buFont typeface="Wingdings" pitchFamily="2" charset="2"/>
-              <a:buChar char="Ø"/>
-            </a:pPr>
-            <a:r>
-              <a:rPr lang="en-US" sz="1400" b="1" dirty="0"/>
-              <a:t>New York, Chicago &amp; Boston</a:t>
-            </a:r>
-            <a:r>
-              <a:rPr lang="en-US" sz="1400" dirty="0"/>
-              <a:t> were consistently top cities for most of</a:t>
-            </a:r>
-          </a:p>
-          <a:p>
-            <a:r>
-              <a:rPr lang="en-US" sz="1400" dirty="0"/>
-              <a:t>       the amenities.</a:t>
-            </a:r>
-          </a:p>
-          <a:p>
-            <a:pPr marL="285750" indent="-285750">
-              <a:buFont typeface="Wingdings" pitchFamily="2" charset="2"/>
-              <a:buChar char="Ø"/>
-            </a:pPr>
-            <a:r>
-              <a:rPr lang="en-US" sz="1400" b="1" dirty="0"/>
-              <a:t>Los Angeles </a:t>
-            </a:r>
-            <a:r>
-              <a:rPr lang="en-US" sz="1400" dirty="0"/>
-              <a:t>resulted in 0 lodging within 2 mile radius of all sites.</a:t>
-            </a:r>
-          </a:p>
-          <a:p>
-            <a:pPr marL="285750" indent="-285750">
-              <a:buFont typeface="Wingdings" pitchFamily="2" charset="2"/>
-              <a:buChar char="Ø"/>
-            </a:pPr>
-            <a:r>
-              <a:rPr lang="en-US" sz="1400" b="1" dirty="0"/>
-              <a:t>Washington DC </a:t>
-            </a:r>
-            <a:r>
-              <a:rPr lang="en-US" sz="1400" dirty="0"/>
-              <a:t>resulted in 0 parking within 2 mile radius of all sites.</a:t>
-            </a:r>
-          </a:p>
-        </p:txBody>
-      </p:sp>
-      <p:sp>
-        <p:nvSpPr>
-          <p:cNvPr id="13" name="TextBox 12">
-            <a:extLst>
-              <a:ext uri="{FF2B5EF4-FFF2-40B4-BE49-F238E27FC236}">
-                <a16:creationId xmlns:a16="http://schemas.microsoft.com/office/drawing/2014/main" id="{912993C5-A7B1-D64D-9B5F-6980B6E6EC6A}"/>
-              </a:ext>
-            </a:extLst>
-          </p:cNvPr>
-          <p:cNvSpPr txBox="1"/>
-          <p:nvPr/>
-        </p:nvSpPr>
-        <p:spPr>
-          <a:xfrm>
-            <a:off x="6693315" y="4979415"/>
-            <a:ext cx="4140877" cy="553998"/>
-          </a:xfrm>
-          <a:prstGeom prst="rect">
-            <a:avLst/>
-          </a:prstGeom>
-          <a:noFill/>
-        </p:spPr>
-        <p:txBody>
-          <a:bodyPr wrap="none" rtlCol="0">
-            <a:spAutoFit/>
-          </a:bodyPr>
-          <a:lstStyle/>
-          <a:p>
-            <a:r>
-              <a:rPr lang="en-US" sz="1000" dirty="0"/>
-              <a:t>*City Amenities results within 2 mile radius were averaged over all the sites.</a:t>
-            </a:r>
-          </a:p>
-          <a:p>
-            <a:r>
-              <a:rPr lang="en-US" sz="1000" dirty="0"/>
-              <a:t>** For Restaurants and Cafes, all cities had more than 20, and so was </a:t>
-            </a:r>
-          </a:p>
-          <a:p>
-            <a:r>
-              <a:rPr lang="en-US" sz="1000" dirty="0"/>
-              <a:t>ranked over average ratings. </a:t>
-            </a:r>
-          </a:p>
-        </p:txBody>
-      </p:sp>
-    </p:spTree>
-    <p:extLst>
-      <p:ext uri="{BB962C8B-B14F-4D97-AF65-F5344CB8AC3E}">
-        <p14:creationId xmlns:p14="http://schemas.microsoft.com/office/powerpoint/2010/main" val="3531603546"/>
-      </p:ext>
-    </p:extLst>
-  </p:cSld>
-  <p:clrMapOvr>
-    <a:masterClrMapping/>
-  </p:clrMapOvr>
-</p:sld>
-</file>
-
-<file path=ppt/slides/slide23.xml><?xml version="1.0" encoding="utf-8"?>
-<p:sld xmlns:a="http://schemas.openxmlformats.org/drawingml/2006/main" xmlns:r="http://schemas.openxmlformats.org/officeDocument/2006/relationships" xmlns:p="http://schemas.openxmlformats.org/presentationml/2006/main">
-  <p:cSld>
-    <p:spTree>
-      <p:nvGrpSpPr>
-        <p:cNvPr id="1" name=""/>
-        <p:cNvGrpSpPr/>
-        <p:nvPr/>
-      </p:nvGrpSpPr>
-      <p:grpSpPr>
-        <a:xfrm>
-          <a:off x="0" y="0"/>
-          <a:ext cx="0" cy="0"/>
-          <a:chOff x="0" y="0"/>
-          <a:chExt cx="0" cy="0"/>
-        </a:xfrm>
-      </p:grpSpPr>
-      <p:pic>
-        <p:nvPicPr>
-          <p:cNvPr id="5" name="Content Placeholder 4">
-            <a:extLst>
-              <a:ext uri="{FF2B5EF4-FFF2-40B4-BE49-F238E27FC236}">
-                <a16:creationId xmlns:a16="http://schemas.microsoft.com/office/drawing/2014/main" id="{2F3CA2CF-0E33-C941-BF0A-AED6E92427F2}"/>
-              </a:ext>
-            </a:extLst>
-          </p:cNvPr>
-          <p:cNvPicPr>
-            <a:picLocks noGrp="1" noChangeAspect="1"/>
-          </p:cNvPicPr>
-          <p:nvPr>
-            <p:ph idx="1"/>
-          </p:nvPr>
-        </p:nvPicPr>
-        <p:blipFill>
-          <a:blip r:embed="rId2">
-            <a:extLst>
-              <a:ext uri="{28A0092B-C50C-407E-A947-70E740481C1C}">
-                <a14:useLocalDpi xmlns:a14="http://schemas.microsoft.com/office/drawing/2010/main" val="0"/>
-              </a:ext>
-            </a:extLst>
-          </a:blip>
-          <a:stretch>
-            <a:fillRect/>
-          </a:stretch>
-        </p:blipFill>
-        <p:spPr>
-          <a:xfrm>
-            <a:off x="180376" y="758435"/>
-            <a:ext cx="6318159" cy="2107912"/>
-          </a:xfrm>
-        </p:spPr>
-      </p:pic>
-      <p:pic>
-        <p:nvPicPr>
-          <p:cNvPr id="3" name="Picture 2">
-            <a:extLst>
-              <a:ext uri="{FF2B5EF4-FFF2-40B4-BE49-F238E27FC236}">
-                <a16:creationId xmlns:a16="http://schemas.microsoft.com/office/drawing/2014/main" id="{C6EA60E2-3CE0-4146-9F66-992F611A7D2C}"/>
+                <a16:creationId xmlns:a16="http://schemas.microsoft.com/office/drawing/2014/main" id="{6958D2B4-2D3C-CB45-B8C0-FFC226462351}"/>
               </a:ext>
             </a:extLst>
           </p:cNvPr>
@@ -6513,7 +6777,7 @@
           <p:nvPr/>
         </p:nvPicPr>
         <p:blipFill>
-          <a:blip r:embed="rId3">
+          <a:blip r:embed="rId5">
             <a:extLst>
               <a:ext uri="{28A0092B-C50C-407E-A947-70E740481C1C}">
                 <a14:useLocalDpi xmlns:a14="http://schemas.microsoft.com/office/drawing/2010/main" val="0"/>
@@ -6526,8 +6790,8 @@
         </p:blipFill>
         <p:spPr>
           <a:xfrm>
-            <a:off x="466126" y="2944512"/>
-            <a:ext cx="4482375" cy="3206371"/>
+            <a:off x="7407329" y="208543"/>
+            <a:ext cx="4460279" cy="3207697"/>
           </a:xfrm>
           <a:prstGeom prst="rect">
             <a:avLst/>
@@ -6544,373 +6808,6 @@
           </a:effectLst>
         </p:spPr>
       </p:pic>
-      <p:sp>
-        <p:nvSpPr>
-          <p:cNvPr id="4" name="TextBox 3">
-            <a:extLst>
-              <a:ext uri="{FF2B5EF4-FFF2-40B4-BE49-F238E27FC236}">
-                <a16:creationId xmlns:a16="http://schemas.microsoft.com/office/drawing/2014/main" id="{9A525359-E4B3-454A-8737-1535D75D2224}"/>
-              </a:ext>
-            </a:extLst>
-          </p:cNvPr>
-          <p:cNvSpPr txBox="1"/>
-          <p:nvPr/>
-        </p:nvSpPr>
-        <p:spPr>
-          <a:xfrm>
-            <a:off x="5344104" y="4121339"/>
-            <a:ext cx="6523503" cy="738664"/>
-          </a:xfrm>
-          <a:prstGeom prst="rect">
-            <a:avLst/>
-          </a:prstGeom>
-          <a:solidFill>
-            <a:schemeClr val="accent5">
-              <a:lumMod val="20000"/>
-              <a:lumOff val="80000"/>
-            </a:schemeClr>
-          </a:solidFill>
-        </p:spPr>
-        <p:txBody>
-          <a:bodyPr wrap="square" rtlCol="0">
-            <a:spAutoFit/>
-          </a:bodyPr>
-          <a:lstStyle/>
-          <a:p>
-            <a:r>
-              <a:rPr lang="en-US" sz="1400" b="1" dirty="0"/>
-              <a:t>Amenity vs Walk Score Observations:</a:t>
-            </a:r>
-          </a:p>
-          <a:p>
-            <a:pPr marL="285750" indent="-285750">
-              <a:buFont typeface="Wingdings" pitchFamily="2" charset="2"/>
-              <a:buChar char="Ø"/>
-            </a:pPr>
-            <a:r>
-              <a:rPr lang="en-US" sz="1400" b="1" dirty="0"/>
-              <a:t>New York, Chicago &amp; Boston </a:t>
-            </a:r>
-            <a:r>
-              <a:rPr lang="en-US" sz="1400" dirty="0"/>
-              <a:t>not only were consistently top cities for most of</a:t>
-            </a:r>
-          </a:p>
-          <a:p>
-            <a:r>
-              <a:rPr lang="en-US" sz="1400" dirty="0"/>
-              <a:t>       the amenities, but also had best walk score.</a:t>
-            </a:r>
-          </a:p>
-        </p:txBody>
-      </p:sp>
-      <p:sp>
-        <p:nvSpPr>
-          <p:cNvPr id="2" name="TextBox 1">
-            <a:extLst>
-              <a:ext uri="{FF2B5EF4-FFF2-40B4-BE49-F238E27FC236}">
-                <a16:creationId xmlns:a16="http://schemas.microsoft.com/office/drawing/2014/main" id="{26FB7254-7444-6946-A06D-C3F3E8665D46}"/>
-              </a:ext>
-            </a:extLst>
-          </p:cNvPr>
-          <p:cNvSpPr txBox="1"/>
-          <p:nvPr/>
-        </p:nvSpPr>
-        <p:spPr>
-          <a:xfrm>
-            <a:off x="6419756" y="6090500"/>
-            <a:ext cx="5580374" cy="261610"/>
-          </a:xfrm>
-          <a:prstGeom prst="rect">
-            <a:avLst/>
-          </a:prstGeom>
-          <a:noFill/>
-        </p:spPr>
-        <p:txBody>
-          <a:bodyPr wrap="none" rtlCol="0">
-            <a:spAutoFit/>
-          </a:bodyPr>
-          <a:lstStyle/>
-          <a:p>
-            <a:r>
-              <a:rPr lang="en-US" sz="1100" dirty="0"/>
-              <a:t>Source: </a:t>
-            </a:r>
-            <a:r>
-              <a:rPr lang="en-US" sz="1100" dirty="0">
-                <a:hlinkClick r:id="rId4"/>
-              </a:rPr>
-              <a:t>https://</a:t>
-            </a:r>
-            <a:r>
-              <a:rPr lang="en-US" sz="1100" dirty="0" err="1">
-                <a:hlinkClick r:id="rId4"/>
-              </a:rPr>
-              <a:t>www.numbeo.com</a:t>
-            </a:r>
-            <a:r>
-              <a:rPr lang="en-US" sz="1100" dirty="0">
-                <a:hlinkClick r:id="rId4"/>
-              </a:rPr>
-              <a:t>/quality-of-life/</a:t>
-            </a:r>
-            <a:r>
-              <a:rPr lang="en-US" sz="1100" dirty="0" err="1">
-                <a:hlinkClick r:id="rId4"/>
-              </a:rPr>
-              <a:t>region_rankings.jsp?title</a:t>
-            </a:r>
-            <a:r>
-              <a:rPr lang="en-US" sz="1100" dirty="0">
-                <a:hlinkClick r:id="rId4"/>
-              </a:rPr>
-              <a:t>=2018&amp;region=019</a:t>
-            </a:r>
-            <a:endParaRPr lang="en-US" sz="1100" dirty="0"/>
-          </a:p>
-        </p:txBody>
-      </p:sp>
-      <p:sp>
-        <p:nvSpPr>
-          <p:cNvPr id="11" name="TextBox 10">
-            <a:extLst>
-              <a:ext uri="{FF2B5EF4-FFF2-40B4-BE49-F238E27FC236}">
-                <a16:creationId xmlns:a16="http://schemas.microsoft.com/office/drawing/2014/main" id="{C1EB101A-557C-B742-8621-0B2B4F845F4F}"/>
-              </a:ext>
-            </a:extLst>
-          </p:cNvPr>
-          <p:cNvSpPr txBox="1"/>
-          <p:nvPr/>
-        </p:nvSpPr>
-        <p:spPr>
-          <a:xfrm>
-            <a:off x="185527" y="208543"/>
-            <a:ext cx="5514587" cy="461665"/>
-          </a:xfrm>
-          <a:prstGeom prst="rect">
-            <a:avLst/>
-          </a:prstGeom>
-          <a:noFill/>
-        </p:spPr>
-        <p:txBody>
-          <a:bodyPr wrap="none" rtlCol="0">
-            <a:spAutoFit/>
-          </a:bodyPr>
-          <a:lstStyle/>
-          <a:p>
-            <a:r>
-              <a:rPr lang="en-US" sz="2400" b="1" dirty="0"/>
-              <a:t>Amenities &amp; Environment Index summary</a:t>
-            </a:r>
-          </a:p>
-        </p:txBody>
-      </p:sp>
-      <p:cxnSp>
-        <p:nvCxnSpPr>
-          <p:cNvPr id="13" name="Straight Connector 12">
-            <a:extLst>
-              <a:ext uri="{FF2B5EF4-FFF2-40B4-BE49-F238E27FC236}">
-                <a16:creationId xmlns:a16="http://schemas.microsoft.com/office/drawing/2014/main" id="{39131A28-7C0F-014F-8DE5-068C6C1DCF44}"/>
-              </a:ext>
-            </a:extLst>
-          </p:cNvPr>
-          <p:cNvCxnSpPr/>
-          <p:nvPr/>
-        </p:nvCxnSpPr>
-        <p:spPr>
-          <a:xfrm>
-            <a:off x="0" y="608653"/>
-            <a:ext cx="12192000" cy="0"/>
-          </a:xfrm>
-          <a:prstGeom prst="line">
-            <a:avLst/>
-          </a:prstGeom>
-          <a:ln>
-            <a:solidFill>
-              <a:schemeClr val="tx1"/>
-            </a:solidFill>
-          </a:ln>
-        </p:spPr>
-        <p:style>
-          <a:lnRef idx="1">
-            <a:schemeClr val="accent1"/>
-          </a:lnRef>
-          <a:fillRef idx="0">
-            <a:schemeClr val="accent1"/>
-          </a:fillRef>
-          <a:effectRef idx="0">
-            <a:schemeClr val="accent1"/>
-          </a:effectRef>
-          <a:fontRef idx="minor">
-            <a:schemeClr val="tx1"/>
-          </a:fontRef>
-        </p:style>
-      </p:cxnSp>
-      <p:sp>
-        <p:nvSpPr>
-          <p:cNvPr id="14" name="TextBox 13">
-            <a:extLst>
-              <a:ext uri="{FF2B5EF4-FFF2-40B4-BE49-F238E27FC236}">
-                <a16:creationId xmlns:a16="http://schemas.microsoft.com/office/drawing/2014/main" id="{ED540B83-7037-AC4B-8A24-1C59DF45346D}"/>
-              </a:ext>
-            </a:extLst>
-          </p:cNvPr>
-          <p:cNvSpPr txBox="1"/>
-          <p:nvPr/>
-        </p:nvSpPr>
-        <p:spPr>
-          <a:xfrm>
-            <a:off x="5347914" y="4913819"/>
-            <a:ext cx="6523503" cy="954107"/>
-          </a:xfrm>
-          <a:prstGeom prst="rect">
-            <a:avLst/>
-          </a:prstGeom>
-          <a:solidFill>
-            <a:schemeClr val="accent5">
-              <a:lumMod val="20000"/>
-              <a:lumOff val="80000"/>
-            </a:schemeClr>
-          </a:solidFill>
-        </p:spPr>
-        <p:txBody>
-          <a:bodyPr wrap="square" rtlCol="0">
-            <a:spAutoFit/>
-          </a:bodyPr>
-          <a:lstStyle/>
-          <a:p>
-            <a:r>
-              <a:rPr lang="en-US" sz="1400" b="1" dirty="0"/>
-              <a:t>Environment Index Observations:</a:t>
-            </a:r>
-            <a:endParaRPr lang="en-US" sz="1400" dirty="0"/>
-          </a:p>
-          <a:p>
-            <a:pPr marL="285750" indent="-285750">
-              <a:buFont typeface="Wingdings" pitchFamily="2" charset="2"/>
-              <a:buChar char="Ø"/>
-            </a:pPr>
-            <a:r>
-              <a:rPr lang="en-US" sz="1400" dirty="0"/>
-              <a:t>Most cities with higher Climate Index also tends to have a very high Pollution Index, which is highly contradictory.</a:t>
-            </a:r>
-          </a:p>
-          <a:p>
-            <a:pPr marL="285750" indent="-285750">
-              <a:buFont typeface="Wingdings" pitchFamily="2" charset="2"/>
-              <a:buChar char="Ø"/>
-            </a:pPr>
-            <a:r>
-              <a:rPr lang="en-US" sz="1400" b="1" dirty="0"/>
-              <a:t>Raleigh</a:t>
-            </a:r>
-            <a:r>
-              <a:rPr lang="en-US" sz="1400" dirty="0"/>
-              <a:t> fairs well amongst all as it has Climate Index and lower Pollution Index.</a:t>
-            </a:r>
-          </a:p>
-        </p:txBody>
-      </p:sp>
-      <p:sp>
-        <p:nvSpPr>
-          <p:cNvPr id="15" name="Rectangle 14">
-            <a:extLst>
-              <a:ext uri="{FF2B5EF4-FFF2-40B4-BE49-F238E27FC236}">
-                <a16:creationId xmlns:a16="http://schemas.microsoft.com/office/drawing/2014/main" id="{080CAF0A-9316-504B-B99C-3E8F645FCFE2}"/>
-              </a:ext>
-            </a:extLst>
-          </p:cNvPr>
-          <p:cNvSpPr/>
-          <p:nvPr/>
-        </p:nvSpPr>
-        <p:spPr>
-          <a:xfrm>
-            <a:off x="6419756" y="1611629"/>
-            <a:ext cx="1078323" cy="125731"/>
-          </a:xfrm>
-          <a:prstGeom prst="rect">
-            <a:avLst/>
-          </a:prstGeom>
-          <a:solidFill>
-            <a:schemeClr val="bg1"/>
-          </a:solidFill>
-          <a:ln>
-            <a:solidFill>
-              <a:schemeClr val="bg1"/>
-            </a:solidFill>
-          </a:ln>
-        </p:spPr>
-        <p:style>
-          <a:lnRef idx="2">
-            <a:schemeClr val="accent1">
-              <a:shade val="50000"/>
-            </a:schemeClr>
-          </a:lnRef>
-          <a:fillRef idx="1">
-            <a:schemeClr val="accent1"/>
-          </a:fillRef>
-          <a:effectRef idx="0">
-            <a:schemeClr val="accent1"/>
-          </a:effectRef>
-          <a:fontRef idx="minor">
-            <a:schemeClr val="lt1"/>
-          </a:fontRef>
-        </p:style>
-        <p:txBody>
-          <a:bodyPr rtlCol="0" anchor="ctr"/>
-          <a:lstStyle/>
-          <a:p>
-            <a:pPr algn="ctr"/>
-            <a:endParaRPr lang="en-US"/>
-          </a:p>
-        </p:txBody>
-      </p:sp>
-      <p:pic>
-        <p:nvPicPr>
-          <p:cNvPr id="10" name="Picture 9">
-            <a:extLst>
-              <a:ext uri="{FF2B5EF4-FFF2-40B4-BE49-F238E27FC236}">
-                <a16:creationId xmlns:a16="http://schemas.microsoft.com/office/drawing/2014/main" id="{6958D2B4-2D3C-CB45-B8C0-FFC226462351}"/>
-              </a:ext>
-            </a:extLst>
-          </p:cNvPr>
-          <p:cNvPicPr>
-            <a:picLocks noChangeAspect="1"/>
-          </p:cNvPicPr>
-          <p:nvPr/>
-        </p:nvPicPr>
-        <p:blipFill>
-          <a:blip r:embed="rId5">
-            <a:extLst>
-              <a:ext uri="{28A0092B-C50C-407E-A947-70E740481C1C}">
-                <a14:useLocalDpi xmlns:a14="http://schemas.microsoft.com/office/drawing/2010/main" val="0"/>
-              </a:ext>
-            </a:extLst>
-          </a:blip>
-          <a:stretch>
-            <a:fillRect/>
-          </a:stretch>
-        </p:blipFill>
-        <p:spPr>
-          <a:xfrm>
-            <a:off x="7407329" y="208543"/>
-            <a:ext cx="4460279" cy="3207697"/>
-          </a:xfrm>
-          <a:prstGeom prst="rect">
-            <a:avLst/>
-          </a:prstGeom>
-          <a:ln>
-            <a:noFill/>
-          </a:ln>
-          <a:effectLst>
-            <a:outerShdw blurRad="190500" algn="tl" rotWithShape="0">
-              <a:srgbClr val="000000">
-                <a:alpha val="70000"/>
-              </a:srgbClr>
-            </a:outerShdw>
-          </a:effectLst>
-        </p:spPr>
-      </p:pic>
       <p:pic>
         <p:nvPicPr>
           <p:cNvPr id="16" name="Content Placeholder 4">
@@ -7001,7 +6898,7 @@
 </p:sld>
 </file>
 
-<file path=ppt/slides/slide24.xml><?xml version="1.0" encoding="utf-8"?>
+<file path=ppt/slides/slide22.xml><?xml version="1.0" encoding="utf-8"?>
 <p:sld xmlns:a="http://schemas.openxmlformats.org/drawingml/2006/main" xmlns:r="http://schemas.openxmlformats.org/officeDocument/2006/relationships" xmlns:p="http://schemas.openxmlformats.org/presentationml/2006/main">
   <p:cSld>
     <p:spTree>
@@ -7594,7 +7491,7 @@
 </p:sld>
 </file>
 
-<file path=ppt/slides/slide25.xml><?xml version="1.0" encoding="utf-8"?>
+<file path=ppt/slides/slide23.xml><?xml version="1.0" encoding="utf-8"?>
 <p:sld xmlns:a="http://schemas.openxmlformats.org/drawingml/2006/main" xmlns:r="http://schemas.openxmlformats.org/officeDocument/2006/relationships" xmlns:p="http://schemas.openxmlformats.org/presentationml/2006/main">
   <p:cSld>
     <p:spTree>
@@ -8605,1004 +8502,7 @@
 </p:sld>
 </file>
 
-<file path=ppt/slides/slide26.xml><?xml version="1.0" encoding="utf-8"?>
-<p:sld xmlns:a="http://schemas.openxmlformats.org/drawingml/2006/main" xmlns:r="http://schemas.openxmlformats.org/officeDocument/2006/relationships" xmlns:p="http://schemas.openxmlformats.org/presentationml/2006/main">
-  <p:cSld>
-    <p:spTree>
-      <p:nvGrpSpPr>
-        <p:cNvPr id="1" name=""/>
-        <p:cNvGrpSpPr/>
-        <p:nvPr/>
-      </p:nvGrpSpPr>
-      <p:grpSpPr>
-        <a:xfrm>
-          <a:off x="0" y="0"/>
-          <a:ext cx="0" cy="0"/>
-          <a:chOff x="0" y="0"/>
-          <a:chExt cx="0" cy="0"/>
-        </a:xfrm>
-      </p:grpSpPr>
-      <p:sp>
-        <p:nvSpPr>
-          <p:cNvPr id="2" name="Title 1">
-            <a:extLst>
-              <a:ext uri="{FF2B5EF4-FFF2-40B4-BE49-F238E27FC236}">
-                <a16:creationId xmlns:a16="http://schemas.microsoft.com/office/drawing/2014/main" id="{390EB264-3883-41F9-BACB-285D2229980C}"/>
-              </a:ext>
-            </a:extLst>
-          </p:cNvPr>
-          <p:cNvSpPr>
-            <a:spLocks noGrp="1"/>
-          </p:cNvSpPr>
-          <p:nvPr>
-            <p:ph type="title"/>
-          </p:nvPr>
-        </p:nvSpPr>
-        <p:spPr>
-          <a:xfrm>
-            <a:off x="1097280" y="286603"/>
-            <a:ext cx="10058400" cy="702409"/>
-          </a:xfrm>
-        </p:spPr>
-        <p:txBody>
-          <a:bodyPr>
-            <a:normAutofit fontScale="90000"/>
-          </a:bodyPr>
-          <a:lstStyle/>
-          <a:p>
-            <a:r>
-              <a:rPr lang="en-US" dirty="0"/>
-              <a:t>Overall City Ranking </a:t>
-            </a:r>
-          </a:p>
-        </p:txBody>
-      </p:sp>
-      <p:cxnSp>
-        <p:nvCxnSpPr>
-          <p:cNvPr id="4" name="Straight Connector 3">
-            <a:extLst>
-              <a:ext uri="{FF2B5EF4-FFF2-40B4-BE49-F238E27FC236}">
-                <a16:creationId xmlns:a16="http://schemas.microsoft.com/office/drawing/2014/main" id="{8FECCD07-FFA9-4129-95C2-D2F2CF8AD354}"/>
-              </a:ext>
-            </a:extLst>
-          </p:cNvPr>
-          <p:cNvCxnSpPr/>
-          <p:nvPr/>
-        </p:nvCxnSpPr>
-        <p:spPr>
-          <a:xfrm>
-            <a:off x="989398" y="989012"/>
-            <a:ext cx="9069860" cy="0"/>
-          </a:xfrm>
-          <a:prstGeom prst="line">
-            <a:avLst/>
-          </a:prstGeom>
-          <a:ln>
-            <a:solidFill>
-              <a:srgbClr val="7030A0"/>
-            </a:solidFill>
-          </a:ln>
-        </p:spPr>
-        <p:style>
-          <a:lnRef idx="1">
-            <a:schemeClr val="accent1"/>
-          </a:lnRef>
-          <a:fillRef idx="0">
-            <a:schemeClr val="accent1"/>
-          </a:fillRef>
-          <a:effectRef idx="0">
-            <a:schemeClr val="accent1"/>
-          </a:effectRef>
-          <a:fontRef idx="minor">
-            <a:schemeClr val="tx1"/>
-          </a:fontRef>
-        </p:style>
-      </p:cxnSp>
-      <p:pic>
-        <p:nvPicPr>
-          <p:cNvPr id="8" name="Picture 7">
-            <a:extLst>
-              <a:ext uri="{FF2B5EF4-FFF2-40B4-BE49-F238E27FC236}">
-                <a16:creationId xmlns:a16="http://schemas.microsoft.com/office/drawing/2014/main" id="{AFA33C52-019E-7142-ABA7-D1815F056185}"/>
-              </a:ext>
-            </a:extLst>
-          </p:cNvPr>
-          <p:cNvPicPr>
-            <a:picLocks noChangeAspect="1"/>
-          </p:cNvPicPr>
-          <p:nvPr/>
-        </p:nvPicPr>
-        <p:blipFill>
-          <a:blip r:embed="rId2">
-            <a:extLst>
-              <a:ext uri="{28A0092B-C50C-407E-A947-70E740481C1C}">
-                <a14:useLocalDpi xmlns:a14="http://schemas.microsoft.com/office/drawing/2010/main" val="0"/>
-              </a:ext>
-            </a:extLst>
-          </a:blip>
-          <a:stretch>
-            <a:fillRect/>
-          </a:stretch>
-        </p:blipFill>
-        <p:spPr>
-          <a:xfrm>
-            <a:off x="880912" y="1331220"/>
-            <a:ext cx="5711618" cy="4818332"/>
-          </a:xfrm>
-          <a:prstGeom prst="rect">
-            <a:avLst/>
-          </a:prstGeom>
-        </p:spPr>
-      </p:pic>
-      <p:sp>
-        <p:nvSpPr>
-          <p:cNvPr id="18" name="Content Placeholder 2">
-            <a:extLst>
-              <a:ext uri="{FF2B5EF4-FFF2-40B4-BE49-F238E27FC236}">
-                <a16:creationId xmlns:a16="http://schemas.microsoft.com/office/drawing/2014/main" id="{6695956D-51D4-814A-9CFB-3A8B5A4F2C90}"/>
-              </a:ext>
-            </a:extLst>
-          </p:cNvPr>
-          <p:cNvSpPr>
-            <a:spLocks noGrp="1"/>
-          </p:cNvSpPr>
-          <p:nvPr>
-            <p:ph idx="1"/>
-          </p:nvPr>
-        </p:nvSpPr>
-        <p:spPr>
-          <a:xfrm>
-            <a:off x="7089339" y="1974256"/>
-            <a:ext cx="3899263" cy="4010780"/>
-          </a:xfrm>
-        </p:spPr>
-        <p:txBody>
-          <a:bodyPr>
-            <a:normAutofit lnSpcReduction="10000"/>
-          </a:bodyPr>
-          <a:lstStyle/>
-          <a:p>
-            <a:pPr>
-              <a:buFont typeface="Arial" panose="020B0604020202020204" pitchFamily="34" charset="0"/>
-              <a:buChar char="•"/>
-            </a:pPr>
-            <a:r>
-              <a:rPr lang="en-US" sz="3200" dirty="0"/>
-              <a:t> From multiple sources we defined a score for  each city</a:t>
-            </a:r>
-          </a:p>
-          <a:p>
-            <a:pPr>
-              <a:buFont typeface="Arial" panose="020B0604020202020204" pitchFamily="34" charset="0"/>
-              <a:buChar char="•"/>
-            </a:pPr>
-            <a:r>
-              <a:rPr lang="en-US" sz="3200" dirty="0"/>
-              <a:t> We agree that all rankings do not weigh equally, so we defined a set of weights per category to calculate totals.</a:t>
-            </a:r>
-          </a:p>
-        </p:txBody>
-      </p:sp>
-    </p:spTree>
-    <p:extLst>
-      <p:ext uri="{BB962C8B-B14F-4D97-AF65-F5344CB8AC3E}">
-        <p14:creationId xmlns:p14="http://schemas.microsoft.com/office/powerpoint/2010/main" val="3630619199"/>
-      </p:ext>
-    </p:extLst>
-  </p:cSld>
-  <p:clrMapOvr>
-    <a:masterClrMapping/>
-  </p:clrMapOvr>
-</p:sld>
-</file>
-
-<file path=ppt/slides/slide27.xml><?xml version="1.0" encoding="utf-8"?>
-<p:sld xmlns:a="http://schemas.openxmlformats.org/drawingml/2006/main" xmlns:r="http://schemas.openxmlformats.org/officeDocument/2006/relationships" xmlns:p="http://schemas.openxmlformats.org/presentationml/2006/main">
-  <p:cSld>
-    <p:spTree>
-      <p:nvGrpSpPr>
-        <p:cNvPr id="1" name=""/>
-        <p:cNvGrpSpPr/>
-        <p:nvPr/>
-      </p:nvGrpSpPr>
-      <p:grpSpPr>
-        <a:xfrm>
-          <a:off x="0" y="0"/>
-          <a:ext cx="0" cy="0"/>
-          <a:chOff x="0" y="0"/>
-          <a:chExt cx="0" cy="0"/>
-        </a:xfrm>
-      </p:grpSpPr>
-      <p:sp>
-        <p:nvSpPr>
-          <p:cNvPr id="2" name="Title 1">
-            <a:extLst>
-              <a:ext uri="{FF2B5EF4-FFF2-40B4-BE49-F238E27FC236}">
-                <a16:creationId xmlns:a16="http://schemas.microsoft.com/office/drawing/2014/main" id="{390EB264-3883-41F9-BACB-285D2229980C}"/>
-              </a:ext>
-            </a:extLst>
-          </p:cNvPr>
-          <p:cNvSpPr>
-            <a:spLocks noGrp="1"/>
-          </p:cNvSpPr>
-          <p:nvPr>
-            <p:ph type="title"/>
-          </p:nvPr>
-        </p:nvSpPr>
-        <p:spPr>
-          <a:xfrm>
-            <a:off x="1097280" y="286603"/>
-            <a:ext cx="10058400" cy="702409"/>
-          </a:xfrm>
-        </p:spPr>
-        <p:txBody>
-          <a:bodyPr>
-            <a:normAutofit fontScale="90000"/>
-          </a:bodyPr>
-          <a:lstStyle/>
-          <a:p>
-            <a:r>
-              <a:rPr lang="en-US" dirty="0"/>
-              <a:t>Overall City Ranking </a:t>
-            </a:r>
-          </a:p>
-        </p:txBody>
-      </p:sp>
-      <p:cxnSp>
-        <p:nvCxnSpPr>
-          <p:cNvPr id="4" name="Straight Connector 3">
-            <a:extLst>
-              <a:ext uri="{FF2B5EF4-FFF2-40B4-BE49-F238E27FC236}">
-                <a16:creationId xmlns:a16="http://schemas.microsoft.com/office/drawing/2014/main" id="{8FECCD07-FFA9-4129-95C2-D2F2CF8AD354}"/>
-              </a:ext>
-            </a:extLst>
-          </p:cNvPr>
-          <p:cNvCxnSpPr/>
-          <p:nvPr/>
-        </p:nvCxnSpPr>
-        <p:spPr>
-          <a:xfrm>
-            <a:off x="989398" y="989012"/>
-            <a:ext cx="9069860" cy="0"/>
-          </a:xfrm>
-          <a:prstGeom prst="line">
-            <a:avLst/>
-          </a:prstGeom>
-          <a:ln>
-            <a:solidFill>
-              <a:srgbClr val="7030A0"/>
-            </a:solidFill>
-          </a:ln>
-        </p:spPr>
-        <p:style>
-          <a:lnRef idx="1">
-            <a:schemeClr val="accent1"/>
-          </a:lnRef>
-          <a:fillRef idx="0">
-            <a:schemeClr val="accent1"/>
-          </a:fillRef>
-          <a:effectRef idx="0">
-            <a:schemeClr val="accent1"/>
-          </a:effectRef>
-          <a:fontRef idx="minor">
-            <a:schemeClr val="tx1"/>
-          </a:fontRef>
-        </p:style>
-      </p:cxnSp>
-      <p:sp>
-        <p:nvSpPr>
-          <p:cNvPr id="3" name="TextBox 2">
-            <a:extLst>
-              <a:ext uri="{FF2B5EF4-FFF2-40B4-BE49-F238E27FC236}">
-                <a16:creationId xmlns:a16="http://schemas.microsoft.com/office/drawing/2014/main" id="{81242773-C5FC-5E41-8856-1AE0382D8DFE}"/>
-              </a:ext>
-            </a:extLst>
-          </p:cNvPr>
-          <p:cNvSpPr txBox="1"/>
-          <p:nvPr/>
-        </p:nvSpPr>
-        <p:spPr>
-          <a:xfrm>
-            <a:off x="364005" y="5194897"/>
-            <a:ext cx="10517623" cy="369332"/>
-          </a:xfrm>
-          <a:prstGeom prst="rect">
-            <a:avLst/>
-          </a:prstGeom>
-          <a:noFill/>
-        </p:spPr>
-        <p:txBody>
-          <a:bodyPr wrap="none" rtlCol="0">
-            <a:spAutoFit/>
-          </a:bodyPr>
-          <a:lstStyle/>
-          <a:p>
-            <a:pPr fontAlgn="base"/>
-            <a:r>
-              <a:rPr lang="en-US" dirty="0"/>
-              <a:t>Weights (Definition: What would make someone in tech move cities or what would grow the tech labor force) :</a:t>
-            </a:r>
-          </a:p>
-        </p:txBody>
-      </p:sp>
-      <p:graphicFrame>
-        <p:nvGraphicFramePr>
-          <p:cNvPr id="5" name="Table 4">
-            <a:extLst>
-              <a:ext uri="{FF2B5EF4-FFF2-40B4-BE49-F238E27FC236}">
-                <a16:creationId xmlns:a16="http://schemas.microsoft.com/office/drawing/2014/main" id="{99093762-A168-364A-B7A1-E1CAA9B9AC46}"/>
-              </a:ext>
-            </a:extLst>
-          </p:cNvPr>
-          <p:cNvGraphicFramePr>
-            <a:graphicFrameLocks noGrp="1"/>
-          </p:cNvGraphicFramePr>
-          <p:nvPr/>
-        </p:nvGraphicFramePr>
-        <p:xfrm>
-          <a:off x="556591" y="5592362"/>
-          <a:ext cx="11101376" cy="487680"/>
-        </p:xfrm>
-        <a:graphic>
-          <a:graphicData uri="http://schemas.openxmlformats.org/drawingml/2006/table">
-            <a:tbl>
-              <a:tblPr firstRow="1" bandRow="1">
-                <a:tableStyleId>{5C22544A-7EE6-4342-B048-85BDC9FD1C3A}</a:tableStyleId>
-              </a:tblPr>
-              <a:tblGrid>
-                <a:gridCol w="693836">
-                  <a:extLst>
-                    <a:ext uri="{9D8B030D-6E8A-4147-A177-3AD203B41FA5}">
-                      <a16:colId xmlns:a16="http://schemas.microsoft.com/office/drawing/2014/main" val="2099015565"/>
-                    </a:ext>
-                  </a:extLst>
-                </a:gridCol>
-                <a:gridCol w="693836">
-                  <a:extLst>
-                    <a:ext uri="{9D8B030D-6E8A-4147-A177-3AD203B41FA5}">
-                      <a16:colId xmlns:a16="http://schemas.microsoft.com/office/drawing/2014/main" val="1131645849"/>
-                    </a:ext>
-                  </a:extLst>
-                </a:gridCol>
-                <a:gridCol w="693836">
-                  <a:extLst>
-                    <a:ext uri="{9D8B030D-6E8A-4147-A177-3AD203B41FA5}">
-                      <a16:colId xmlns:a16="http://schemas.microsoft.com/office/drawing/2014/main" val="2979348466"/>
-                    </a:ext>
-                  </a:extLst>
-                </a:gridCol>
-                <a:gridCol w="693836">
-                  <a:extLst>
-                    <a:ext uri="{9D8B030D-6E8A-4147-A177-3AD203B41FA5}">
-                      <a16:colId xmlns:a16="http://schemas.microsoft.com/office/drawing/2014/main" val="3871454820"/>
-                    </a:ext>
-                  </a:extLst>
-                </a:gridCol>
-                <a:gridCol w="693836">
-                  <a:extLst>
-                    <a:ext uri="{9D8B030D-6E8A-4147-A177-3AD203B41FA5}">
-                      <a16:colId xmlns:a16="http://schemas.microsoft.com/office/drawing/2014/main" val="1076730244"/>
-                    </a:ext>
-                  </a:extLst>
-                </a:gridCol>
-                <a:gridCol w="693836">
-                  <a:extLst>
-                    <a:ext uri="{9D8B030D-6E8A-4147-A177-3AD203B41FA5}">
-                      <a16:colId xmlns:a16="http://schemas.microsoft.com/office/drawing/2014/main" val="3173180166"/>
-                    </a:ext>
-                  </a:extLst>
-                </a:gridCol>
-                <a:gridCol w="693836">
-                  <a:extLst>
-                    <a:ext uri="{9D8B030D-6E8A-4147-A177-3AD203B41FA5}">
-                      <a16:colId xmlns:a16="http://schemas.microsoft.com/office/drawing/2014/main" val="205725656"/>
-                    </a:ext>
-                  </a:extLst>
-                </a:gridCol>
-                <a:gridCol w="693836">
-                  <a:extLst>
-                    <a:ext uri="{9D8B030D-6E8A-4147-A177-3AD203B41FA5}">
-                      <a16:colId xmlns:a16="http://schemas.microsoft.com/office/drawing/2014/main" val="2271480319"/>
-                    </a:ext>
-                  </a:extLst>
-                </a:gridCol>
-                <a:gridCol w="693836">
-                  <a:extLst>
-                    <a:ext uri="{9D8B030D-6E8A-4147-A177-3AD203B41FA5}">
-                      <a16:colId xmlns:a16="http://schemas.microsoft.com/office/drawing/2014/main" val="3504083037"/>
-                    </a:ext>
-                  </a:extLst>
-                </a:gridCol>
-                <a:gridCol w="693836">
-                  <a:extLst>
-                    <a:ext uri="{9D8B030D-6E8A-4147-A177-3AD203B41FA5}">
-                      <a16:colId xmlns:a16="http://schemas.microsoft.com/office/drawing/2014/main" val="295204535"/>
-                    </a:ext>
-                  </a:extLst>
-                </a:gridCol>
-                <a:gridCol w="693836">
-                  <a:extLst>
-                    <a:ext uri="{9D8B030D-6E8A-4147-A177-3AD203B41FA5}">
-                      <a16:colId xmlns:a16="http://schemas.microsoft.com/office/drawing/2014/main" val="420834283"/>
-                    </a:ext>
-                  </a:extLst>
-                </a:gridCol>
-                <a:gridCol w="627222">
-                  <a:extLst>
-                    <a:ext uri="{9D8B030D-6E8A-4147-A177-3AD203B41FA5}">
-                      <a16:colId xmlns:a16="http://schemas.microsoft.com/office/drawing/2014/main" val="4186120540"/>
-                    </a:ext>
-                  </a:extLst>
-                </a:gridCol>
-                <a:gridCol w="760450">
-                  <a:extLst>
-                    <a:ext uri="{9D8B030D-6E8A-4147-A177-3AD203B41FA5}">
-                      <a16:colId xmlns:a16="http://schemas.microsoft.com/office/drawing/2014/main" val="3484716283"/>
-                    </a:ext>
-                  </a:extLst>
-                </a:gridCol>
-                <a:gridCol w="693836">
-                  <a:extLst>
-                    <a:ext uri="{9D8B030D-6E8A-4147-A177-3AD203B41FA5}">
-                      <a16:colId xmlns:a16="http://schemas.microsoft.com/office/drawing/2014/main" val="3882757151"/>
-                    </a:ext>
-                  </a:extLst>
-                </a:gridCol>
-                <a:gridCol w="693836">
-                  <a:extLst>
-                    <a:ext uri="{9D8B030D-6E8A-4147-A177-3AD203B41FA5}">
-                      <a16:colId xmlns:a16="http://schemas.microsoft.com/office/drawing/2014/main" val="4187639300"/>
-                    </a:ext>
-                  </a:extLst>
-                </a:gridCol>
-                <a:gridCol w="693836">
-                  <a:extLst>
-                    <a:ext uri="{9D8B030D-6E8A-4147-A177-3AD203B41FA5}">
-                      <a16:colId xmlns:a16="http://schemas.microsoft.com/office/drawing/2014/main" val="1901181437"/>
-                    </a:ext>
-                  </a:extLst>
-                </a:gridCol>
-              </a:tblGrid>
-              <a:tr h="130645">
-                <a:tc>
-                  <a:txBody>
-                    <a:bodyPr/>
-                    <a:lstStyle/>
-                    <a:p>
-                      <a:r>
-                        <a:rPr lang="en-US" sz="1000" dirty="0"/>
-                        <a:t>House</a:t>
-                      </a:r>
-                    </a:p>
-                  </a:txBody>
-                  <a:tcPr/>
-                </a:tc>
-                <a:tc>
-                  <a:txBody>
-                    <a:bodyPr/>
-                    <a:lstStyle/>
-                    <a:p>
-                      <a:r>
-                        <a:rPr lang="en-US" sz="1000" dirty="0"/>
-                        <a:t>Rent</a:t>
-                      </a:r>
-                    </a:p>
-                  </a:txBody>
-                  <a:tcPr/>
-                </a:tc>
-                <a:tc>
-                  <a:txBody>
-                    <a:bodyPr/>
-                    <a:lstStyle/>
-                    <a:p>
-                      <a:r>
-                        <a:rPr lang="en-US" sz="1000" dirty="0"/>
-                        <a:t>Ed Attain</a:t>
-                      </a:r>
-                    </a:p>
-                  </a:txBody>
-                  <a:tcPr/>
-                </a:tc>
-                <a:tc>
-                  <a:txBody>
-                    <a:bodyPr/>
-                    <a:lstStyle/>
-                    <a:p>
-                      <a:r>
-                        <a:rPr lang="en-US" sz="1000" dirty="0"/>
-                        <a:t>School</a:t>
-                      </a:r>
-                    </a:p>
-                  </a:txBody>
-                  <a:tcPr/>
-                </a:tc>
-                <a:tc>
-                  <a:txBody>
-                    <a:bodyPr/>
-                    <a:lstStyle/>
-                    <a:p>
-                      <a:r>
-                        <a:rPr lang="en-US" sz="1000" dirty="0"/>
-                        <a:t>College</a:t>
-                      </a:r>
-                    </a:p>
-                  </a:txBody>
-                  <a:tcPr/>
-                </a:tc>
-                <a:tc>
-                  <a:txBody>
-                    <a:bodyPr/>
-                    <a:lstStyle/>
-                    <a:p>
-                      <a:r>
-                        <a:rPr lang="en-US" sz="1000" dirty="0"/>
-                        <a:t>Tec Pool</a:t>
-                      </a:r>
-                    </a:p>
-                  </a:txBody>
-                  <a:tcPr/>
-                </a:tc>
-                <a:tc>
-                  <a:txBody>
-                    <a:bodyPr/>
-                    <a:lstStyle/>
-                    <a:p>
-                      <a:r>
-                        <a:rPr lang="en-US" sz="1000" dirty="0"/>
-                        <a:t>Transit</a:t>
-                      </a:r>
-                    </a:p>
-                  </a:txBody>
-                  <a:tcPr/>
-                </a:tc>
-                <a:tc>
-                  <a:txBody>
-                    <a:bodyPr/>
-                    <a:lstStyle/>
-                    <a:p>
-                      <a:r>
-                        <a:rPr lang="en-US" sz="1000" dirty="0"/>
-                        <a:t>Airport</a:t>
-                      </a:r>
-                    </a:p>
-                  </a:txBody>
-                  <a:tcPr/>
-                </a:tc>
-                <a:tc>
-                  <a:txBody>
-                    <a:bodyPr/>
-                    <a:lstStyle/>
-                    <a:p>
-                      <a:pPr algn="ctr" fontAlgn="b"/>
-                      <a:r>
-                        <a:rPr lang="en-US" sz="1000" b="1" i="0" u="none" strike="noStrike" dirty="0">
-                          <a:solidFill>
-                            <a:schemeClr val="bg1"/>
-                          </a:solidFill>
-                          <a:effectLst/>
-                          <a:latin typeface="+mn-lt"/>
-                        </a:rPr>
-                        <a:t>Rest</a:t>
-                      </a:r>
-                    </a:p>
-                  </a:txBody>
-                  <a:tcPr marL="9525" marR="9525" marT="9525" marB="0" anchor="ctr"/>
-                </a:tc>
-                <a:tc>
-                  <a:txBody>
-                    <a:bodyPr/>
-                    <a:lstStyle/>
-                    <a:p>
-                      <a:pPr algn="ctr" fontAlgn="b"/>
-                      <a:r>
-                        <a:rPr lang="en-US" sz="1000" b="1" i="0" u="none" strike="noStrike" dirty="0">
-                          <a:solidFill>
-                            <a:schemeClr val="bg1"/>
-                          </a:solidFill>
-                          <a:effectLst/>
-                          <a:latin typeface="+mn-lt"/>
-                        </a:rPr>
-                        <a:t>Hotels</a:t>
-                      </a:r>
-                    </a:p>
-                  </a:txBody>
-                  <a:tcPr marL="9525" marR="9525" marT="9525" marB="0" anchor="ctr"/>
-                </a:tc>
-                <a:tc>
-                  <a:txBody>
-                    <a:bodyPr/>
-                    <a:lstStyle/>
-                    <a:p>
-                      <a:pPr algn="ctr" fontAlgn="b"/>
-                      <a:r>
-                        <a:rPr lang="en-US" sz="1000" b="1" i="0" u="none" strike="noStrike" dirty="0">
-                          <a:solidFill>
-                            <a:schemeClr val="bg1"/>
-                          </a:solidFill>
-                          <a:effectLst/>
-                          <a:latin typeface="+mn-lt"/>
-                        </a:rPr>
-                        <a:t>Hospitals</a:t>
-                      </a:r>
-                    </a:p>
-                  </a:txBody>
-                  <a:tcPr marL="9525" marR="9525" marT="9525" marB="0" anchor="ctr"/>
-                </a:tc>
-                <a:tc>
-                  <a:txBody>
-                    <a:bodyPr/>
-                    <a:lstStyle/>
-                    <a:p>
-                      <a:pPr algn="ctr" fontAlgn="b"/>
-                      <a:r>
-                        <a:rPr lang="en-US" sz="1000" b="1" i="0" u="none" strike="noStrike" dirty="0">
-                          <a:solidFill>
-                            <a:schemeClr val="bg1"/>
-                          </a:solidFill>
-                          <a:effectLst/>
-                          <a:latin typeface="+mn-lt"/>
-                        </a:rPr>
-                        <a:t>Shops</a:t>
-                      </a:r>
-                    </a:p>
-                  </a:txBody>
-                  <a:tcPr marL="9525" marR="9525" marT="9525" marB="0" anchor="ctr"/>
-                </a:tc>
-                <a:tc>
-                  <a:txBody>
-                    <a:bodyPr/>
-                    <a:lstStyle/>
-                    <a:p>
-                      <a:r>
-                        <a:rPr lang="en-US" sz="1000" dirty="0"/>
-                        <a:t>Fitness</a:t>
-                      </a:r>
-                    </a:p>
-                  </a:txBody>
-                  <a:tcPr/>
-                </a:tc>
-                <a:tc>
-                  <a:txBody>
-                    <a:bodyPr/>
-                    <a:lstStyle/>
-                    <a:p>
-                      <a:r>
-                        <a:rPr lang="en-US" sz="1000" dirty="0"/>
-                        <a:t>Crime</a:t>
-                      </a:r>
-                    </a:p>
-                  </a:txBody>
-                  <a:tcPr/>
-                </a:tc>
-                <a:tc>
-                  <a:txBody>
-                    <a:bodyPr/>
-                    <a:lstStyle/>
-                    <a:p>
-                      <a:r>
-                        <a:rPr lang="en-US" sz="1000" dirty="0"/>
-                        <a:t>Climate</a:t>
-                      </a:r>
-                    </a:p>
-                  </a:txBody>
-                  <a:tcPr/>
-                </a:tc>
-                <a:tc>
-                  <a:txBody>
-                    <a:bodyPr/>
-                    <a:lstStyle/>
-                    <a:p>
-                      <a:r>
-                        <a:rPr lang="en-US" sz="1000" dirty="0"/>
-                        <a:t>Pollution</a:t>
-                      </a:r>
-                    </a:p>
-                  </a:txBody>
-                  <a:tcPr/>
-                </a:tc>
-                <a:extLst>
-                  <a:ext uri="{0D108BD9-81ED-4DB2-BD59-A6C34878D82A}">
-                    <a16:rowId xmlns:a16="http://schemas.microsoft.com/office/drawing/2014/main" val="3296182698"/>
-                  </a:ext>
-                </a:extLst>
-              </a:tr>
-              <a:tr h="157618">
-                <a:tc>
-                  <a:txBody>
-                    <a:bodyPr/>
-                    <a:lstStyle/>
-                    <a:p>
-                      <a:r>
-                        <a:rPr lang="en-US" sz="1000" dirty="0"/>
-                        <a:t>3</a:t>
-                      </a:r>
-                    </a:p>
-                  </a:txBody>
-                  <a:tcPr/>
-                </a:tc>
-                <a:tc>
-                  <a:txBody>
-                    <a:bodyPr/>
-                    <a:lstStyle/>
-                    <a:p>
-                      <a:r>
-                        <a:rPr lang="en-US" sz="1000" dirty="0"/>
-                        <a:t>2</a:t>
-                      </a:r>
-                    </a:p>
-                  </a:txBody>
-                  <a:tcPr/>
-                </a:tc>
-                <a:tc>
-                  <a:txBody>
-                    <a:bodyPr/>
-                    <a:lstStyle/>
-                    <a:p>
-                      <a:r>
-                        <a:rPr lang="en-US" sz="1000" dirty="0"/>
-                        <a:t>2</a:t>
-                      </a:r>
-                    </a:p>
-                  </a:txBody>
-                  <a:tcPr/>
-                </a:tc>
-                <a:tc>
-                  <a:txBody>
-                    <a:bodyPr/>
-                    <a:lstStyle/>
-                    <a:p>
-                      <a:r>
-                        <a:rPr lang="en-US" sz="1000" dirty="0"/>
-                        <a:t>1</a:t>
-                      </a:r>
-                    </a:p>
-                  </a:txBody>
-                  <a:tcPr/>
-                </a:tc>
-                <a:tc>
-                  <a:txBody>
-                    <a:bodyPr/>
-                    <a:lstStyle/>
-                    <a:p>
-                      <a:r>
-                        <a:rPr lang="en-US" sz="1000" dirty="0"/>
-                        <a:t>2</a:t>
-                      </a:r>
-                    </a:p>
-                  </a:txBody>
-                  <a:tcPr/>
-                </a:tc>
-                <a:tc>
-                  <a:txBody>
-                    <a:bodyPr/>
-                    <a:lstStyle/>
-                    <a:p>
-                      <a:r>
-                        <a:rPr lang="en-US" sz="1000" dirty="0"/>
-                        <a:t>3</a:t>
-                      </a:r>
-                    </a:p>
-                  </a:txBody>
-                  <a:tcPr/>
-                </a:tc>
-                <a:tc>
-                  <a:txBody>
-                    <a:bodyPr/>
-                    <a:lstStyle/>
-                    <a:p>
-                      <a:r>
-                        <a:rPr lang="en-US" sz="1000" dirty="0"/>
-                        <a:t>2</a:t>
-                      </a:r>
-                    </a:p>
-                  </a:txBody>
-                  <a:tcPr/>
-                </a:tc>
-                <a:tc>
-                  <a:txBody>
-                    <a:bodyPr/>
-                    <a:lstStyle/>
-                    <a:p>
-                      <a:r>
-                        <a:rPr lang="en-US" sz="1000" dirty="0"/>
-                        <a:t>1</a:t>
-                      </a:r>
-                    </a:p>
-                  </a:txBody>
-                  <a:tcPr/>
-                </a:tc>
-                <a:tc>
-                  <a:txBody>
-                    <a:bodyPr/>
-                    <a:lstStyle/>
-                    <a:p>
-                      <a:pPr algn="l" fontAlgn="b"/>
-                      <a:r>
-                        <a:rPr lang="en-US" sz="1000" b="0" i="0" u="none" strike="noStrike" dirty="0">
-                          <a:solidFill>
-                            <a:srgbClr val="000000"/>
-                          </a:solidFill>
-                          <a:effectLst/>
-                          <a:latin typeface="+mn-lt"/>
-                        </a:rPr>
-                        <a:t> 0.25</a:t>
-                      </a:r>
-                    </a:p>
-                  </a:txBody>
-                  <a:tcPr marL="9525" marR="9525" marT="9525" marB="0" anchor="ctr"/>
-                </a:tc>
-                <a:tc>
-                  <a:txBody>
-                    <a:bodyPr/>
-                    <a:lstStyle/>
-                    <a:p>
-                      <a:pPr algn="l" fontAlgn="b"/>
-                      <a:r>
-                        <a:rPr lang="en-US" sz="1000" b="0" i="0" u="none" strike="noStrike" dirty="0">
-                          <a:solidFill>
-                            <a:srgbClr val="000000"/>
-                          </a:solidFill>
-                          <a:effectLst/>
-                          <a:latin typeface="+mn-lt"/>
-                        </a:rPr>
-                        <a:t> 0.75</a:t>
-                      </a:r>
-                    </a:p>
-                  </a:txBody>
-                  <a:tcPr marL="9525" marR="9525" marT="9525" marB="0" anchor="ctr"/>
-                </a:tc>
-                <a:tc>
-                  <a:txBody>
-                    <a:bodyPr/>
-                    <a:lstStyle/>
-                    <a:p>
-                      <a:pPr algn="l" fontAlgn="b"/>
-                      <a:r>
-                        <a:rPr lang="en-US" sz="1000" b="0" i="0" u="none" strike="noStrike" dirty="0">
-                          <a:solidFill>
-                            <a:srgbClr val="000000"/>
-                          </a:solidFill>
-                          <a:effectLst/>
-                          <a:latin typeface="+mn-lt"/>
-                        </a:rPr>
-                        <a:t> 0.5</a:t>
-                      </a:r>
-                    </a:p>
-                  </a:txBody>
-                  <a:tcPr marL="9525" marR="9525" marT="9525" marB="0" anchor="ctr"/>
-                </a:tc>
-                <a:tc>
-                  <a:txBody>
-                    <a:bodyPr/>
-                    <a:lstStyle/>
-                    <a:p>
-                      <a:pPr algn="l" fontAlgn="b"/>
-                      <a:r>
-                        <a:rPr lang="en-US" sz="1000" b="0" i="0" u="none" strike="noStrike" dirty="0">
-                          <a:solidFill>
-                            <a:srgbClr val="000000"/>
-                          </a:solidFill>
-                          <a:effectLst/>
-                          <a:latin typeface="+mn-lt"/>
-                        </a:rPr>
-                        <a:t> 0.25</a:t>
-                      </a:r>
-                    </a:p>
-                  </a:txBody>
-                  <a:tcPr marL="9525" marR="9525" marT="9525" marB="0" anchor="ctr"/>
-                </a:tc>
-                <a:tc>
-                  <a:txBody>
-                    <a:bodyPr/>
-                    <a:lstStyle/>
-                    <a:p>
-                      <a:r>
-                        <a:rPr lang="en-US" sz="1000" dirty="0"/>
-                        <a:t>2</a:t>
-                      </a:r>
-                    </a:p>
-                  </a:txBody>
-                  <a:tcPr/>
-                </a:tc>
-                <a:tc>
-                  <a:txBody>
-                    <a:bodyPr/>
-                    <a:lstStyle/>
-                    <a:p>
-                      <a:r>
-                        <a:rPr lang="en-US" sz="1000" dirty="0"/>
-                        <a:t>1</a:t>
-                      </a:r>
-                    </a:p>
-                  </a:txBody>
-                  <a:tcPr/>
-                </a:tc>
-                <a:tc>
-                  <a:txBody>
-                    <a:bodyPr/>
-                    <a:lstStyle/>
-                    <a:p>
-                      <a:r>
-                        <a:rPr lang="en-US" sz="1000" dirty="0"/>
-                        <a:t>1</a:t>
-                      </a:r>
-                    </a:p>
-                  </a:txBody>
-                  <a:tcPr/>
-                </a:tc>
-                <a:tc>
-                  <a:txBody>
-                    <a:bodyPr/>
-                    <a:lstStyle/>
-                    <a:p>
-                      <a:r>
-                        <a:rPr lang="en-US" sz="1000" dirty="0"/>
-                        <a:t>1</a:t>
-                      </a:r>
-                    </a:p>
-                  </a:txBody>
-                  <a:tcPr/>
-                </a:tc>
-                <a:extLst>
-                  <a:ext uri="{0D108BD9-81ED-4DB2-BD59-A6C34878D82A}">
-                    <a16:rowId xmlns:a16="http://schemas.microsoft.com/office/drawing/2014/main" val="3565520845"/>
-                  </a:ext>
-                </a:extLst>
-              </a:tr>
-            </a:tbl>
-          </a:graphicData>
-        </a:graphic>
-      </p:graphicFrame>
-      <p:pic>
-        <p:nvPicPr>
-          <p:cNvPr id="8" name="Picture 7">
-            <a:extLst>
-              <a:ext uri="{FF2B5EF4-FFF2-40B4-BE49-F238E27FC236}">
-                <a16:creationId xmlns:a16="http://schemas.microsoft.com/office/drawing/2014/main" id="{AA652E44-6AA1-CE46-8303-6860B8CBAB1F}"/>
-              </a:ext>
-            </a:extLst>
-          </p:cNvPr>
-          <p:cNvPicPr>
-            <a:picLocks noChangeAspect="1"/>
-          </p:cNvPicPr>
-          <p:nvPr/>
-        </p:nvPicPr>
-        <p:blipFill>
-          <a:blip r:embed="rId2">
-            <a:extLst>
-              <a:ext uri="{28A0092B-C50C-407E-A947-70E740481C1C}">
-                <a14:useLocalDpi xmlns:a14="http://schemas.microsoft.com/office/drawing/2010/main" val="0"/>
-              </a:ext>
-            </a:extLst>
-          </a:blip>
-          <a:stretch>
-            <a:fillRect/>
-          </a:stretch>
-        </p:blipFill>
-        <p:spPr>
-          <a:xfrm>
-            <a:off x="2449290" y="1472997"/>
-            <a:ext cx="6150076" cy="3635379"/>
-          </a:xfrm>
-          <a:prstGeom prst="rect">
-            <a:avLst/>
-          </a:prstGeom>
-        </p:spPr>
-      </p:pic>
-    </p:spTree>
-    <p:extLst>
-      <p:ext uri="{BB962C8B-B14F-4D97-AF65-F5344CB8AC3E}">
-        <p14:creationId xmlns:p14="http://schemas.microsoft.com/office/powerpoint/2010/main" val="3915737306"/>
-      </p:ext>
-    </p:extLst>
-  </p:cSld>
-  <p:clrMapOvr>
-    <a:masterClrMapping/>
-  </p:clrMapOvr>
-</p:sld>
-</file>
-
-<file path=ppt/slides/slide28.xml><?xml version="1.0" encoding="utf-8"?>
+<file path=ppt/slides/slide24.xml><?xml version="1.0" encoding="utf-8"?>
 <p:sld xmlns:a="http://schemas.openxmlformats.org/drawingml/2006/main" xmlns:r="http://schemas.openxmlformats.org/officeDocument/2006/relationships" xmlns:p="http://schemas.openxmlformats.org/presentationml/2006/main">
   <p:cSld>
     <p:spTree>
@@ -10514,7 +9414,7 @@
 </p:sld>
 </file>
 
-<file path=ppt/slides/slide29.xml><?xml version="1.0" encoding="utf-8"?>
+<file path=ppt/slides/slide25.xml><?xml version="1.0" encoding="utf-8"?>
 <p:sld xmlns:a="http://schemas.openxmlformats.org/drawingml/2006/main" xmlns:r="http://schemas.openxmlformats.org/officeDocument/2006/relationships" xmlns:p="http://schemas.openxmlformats.org/presentationml/2006/main">
   <p:cSld>
     <p:spTree>
@@ -10654,6 +9554,287 @@
     <p:extLst>
       <p:ext uri="{BB962C8B-B14F-4D97-AF65-F5344CB8AC3E}">
         <p14:creationId xmlns:p14="http://schemas.microsoft.com/office/powerpoint/2010/main" val="484830629"/>
+      </p:ext>
+    </p:extLst>
+  </p:cSld>
+  <p:clrMapOvr>
+    <a:masterClrMapping/>
+  </p:clrMapOvr>
+</p:sld>
+</file>
+
+<file path=ppt/slides/slide26.xml><?xml version="1.0" encoding="utf-8"?>
+<p:sld xmlns:a="http://schemas.openxmlformats.org/drawingml/2006/main" xmlns:r="http://schemas.openxmlformats.org/officeDocument/2006/relationships" xmlns:p="http://schemas.openxmlformats.org/presentationml/2006/main" show="0">
+  <p:cSld>
+    <p:spTree>
+      <p:nvGrpSpPr>
+        <p:cNvPr id="1" name=""/>
+        <p:cNvGrpSpPr/>
+        <p:nvPr/>
+      </p:nvGrpSpPr>
+      <p:grpSpPr>
+        <a:xfrm>
+          <a:off x="0" y="0"/>
+          <a:ext cx="0" cy="0"/>
+          <a:chOff x="0" y="0"/>
+          <a:chExt cx="0" cy="0"/>
+        </a:xfrm>
+      </p:grpSpPr>
+      <p:sp>
+        <p:nvSpPr>
+          <p:cNvPr id="2" name="Title 1">
+            <a:extLst>
+              <a:ext uri="{FF2B5EF4-FFF2-40B4-BE49-F238E27FC236}">
+                <a16:creationId xmlns:a16="http://schemas.microsoft.com/office/drawing/2014/main" id="{390EB264-3883-41F9-BACB-285D2229980C}"/>
+              </a:ext>
+            </a:extLst>
+          </p:cNvPr>
+          <p:cNvSpPr>
+            <a:spLocks noGrp="1"/>
+          </p:cNvSpPr>
+          <p:nvPr>
+            <p:ph type="title"/>
+          </p:nvPr>
+        </p:nvSpPr>
+        <p:spPr>
+          <a:xfrm>
+            <a:off x="1097280" y="286603"/>
+            <a:ext cx="10058400" cy="702303"/>
+          </a:xfrm>
+        </p:spPr>
+        <p:txBody>
+          <a:bodyPr>
+            <a:normAutofit fontScale="90000"/>
+          </a:bodyPr>
+          <a:lstStyle/>
+          <a:p>
+            <a:r>
+              <a:rPr lang="en-US" dirty="0"/>
+              <a:t>Lessons learnt </a:t>
+            </a:r>
+          </a:p>
+        </p:txBody>
+      </p:sp>
+      <p:sp>
+        <p:nvSpPr>
+          <p:cNvPr id="3" name="Content Placeholder 2">
+            <a:extLst>
+              <a:ext uri="{FF2B5EF4-FFF2-40B4-BE49-F238E27FC236}">
+                <a16:creationId xmlns:a16="http://schemas.microsoft.com/office/drawing/2014/main" id="{BEC8BDDB-FD44-4EB6-BE27-4A708B75BDAB}"/>
+              </a:ext>
+            </a:extLst>
+          </p:cNvPr>
+          <p:cNvSpPr>
+            <a:spLocks noGrp="1"/>
+          </p:cNvSpPr>
+          <p:nvPr>
+            <p:ph idx="1"/>
+          </p:nvPr>
+        </p:nvSpPr>
+        <p:spPr/>
+        <p:txBody>
+          <a:bodyPr/>
+          <a:lstStyle/>
+          <a:p>
+            <a:endParaRPr lang="en-US" dirty="0"/>
+          </a:p>
+        </p:txBody>
+      </p:sp>
+    </p:spTree>
+    <p:extLst>
+      <p:ext uri="{BB962C8B-B14F-4D97-AF65-F5344CB8AC3E}">
+        <p14:creationId xmlns:p14="http://schemas.microsoft.com/office/powerpoint/2010/main" val="1639100815"/>
+      </p:ext>
+    </p:extLst>
+  </p:cSld>
+  <p:clrMapOvr>
+    <a:masterClrMapping/>
+  </p:clrMapOvr>
+</p:sld>
+</file>
+
+<file path=ppt/slides/slide27.xml><?xml version="1.0" encoding="utf-8"?>
+<p:sld xmlns:a="http://schemas.openxmlformats.org/drawingml/2006/main" xmlns:r="http://schemas.openxmlformats.org/officeDocument/2006/relationships" xmlns:p="http://schemas.openxmlformats.org/presentationml/2006/main" show="0">
+  <p:cSld>
+    <p:spTree>
+      <p:nvGrpSpPr>
+        <p:cNvPr id="1" name=""/>
+        <p:cNvGrpSpPr/>
+        <p:nvPr/>
+      </p:nvGrpSpPr>
+      <p:grpSpPr>
+        <a:xfrm>
+          <a:off x="0" y="0"/>
+          <a:ext cx="0" cy="0"/>
+          <a:chOff x="0" y="0"/>
+          <a:chExt cx="0" cy="0"/>
+        </a:xfrm>
+      </p:grpSpPr>
+      <p:sp>
+        <p:nvSpPr>
+          <p:cNvPr id="2" name="Title 1">
+            <a:extLst>
+              <a:ext uri="{FF2B5EF4-FFF2-40B4-BE49-F238E27FC236}">
+                <a16:creationId xmlns:a16="http://schemas.microsoft.com/office/drawing/2014/main" id="{390EB264-3883-41F9-BACB-285D2229980C}"/>
+              </a:ext>
+            </a:extLst>
+          </p:cNvPr>
+          <p:cNvSpPr>
+            <a:spLocks noGrp="1"/>
+          </p:cNvSpPr>
+          <p:nvPr>
+            <p:ph type="title"/>
+          </p:nvPr>
+        </p:nvSpPr>
+        <p:spPr>
+          <a:xfrm>
+            <a:off x="1097280" y="286603"/>
+            <a:ext cx="10058400" cy="702409"/>
+          </a:xfrm>
+        </p:spPr>
+        <p:txBody>
+          <a:bodyPr>
+            <a:normAutofit fontScale="90000"/>
+          </a:bodyPr>
+          <a:lstStyle/>
+          <a:p>
+            <a:r>
+              <a:rPr lang="en-US" dirty="0"/>
+              <a:t>Overall City Ranking </a:t>
+            </a:r>
+          </a:p>
+        </p:txBody>
+      </p:sp>
+      <p:cxnSp>
+        <p:nvCxnSpPr>
+          <p:cNvPr id="4" name="Straight Connector 3">
+            <a:extLst>
+              <a:ext uri="{FF2B5EF4-FFF2-40B4-BE49-F238E27FC236}">
+                <a16:creationId xmlns:a16="http://schemas.microsoft.com/office/drawing/2014/main" id="{8FECCD07-FFA9-4129-95C2-D2F2CF8AD354}"/>
+              </a:ext>
+            </a:extLst>
+          </p:cNvPr>
+          <p:cNvCxnSpPr/>
+          <p:nvPr/>
+        </p:nvCxnSpPr>
+        <p:spPr>
+          <a:xfrm>
+            <a:off x="989398" y="989012"/>
+            <a:ext cx="9069860" cy="0"/>
+          </a:xfrm>
+          <a:prstGeom prst="line">
+            <a:avLst/>
+          </a:prstGeom>
+          <a:ln>
+            <a:solidFill>
+              <a:srgbClr val="7030A0"/>
+            </a:solidFill>
+          </a:ln>
+        </p:spPr>
+        <p:style>
+          <a:lnRef idx="1">
+            <a:schemeClr val="accent1"/>
+          </a:lnRef>
+          <a:fillRef idx="0">
+            <a:schemeClr val="accent1"/>
+          </a:fillRef>
+          <a:effectRef idx="0">
+            <a:schemeClr val="accent1"/>
+          </a:effectRef>
+          <a:fontRef idx="minor">
+            <a:schemeClr val="tx1"/>
+          </a:fontRef>
+        </p:style>
+      </p:cxnSp>
+      <p:pic>
+        <p:nvPicPr>
+          <p:cNvPr id="8" name="Picture 7">
+            <a:extLst>
+              <a:ext uri="{FF2B5EF4-FFF2-40B4-BE49-F238E27FC236}">
+                <a16:creationId xmlns:a16="http://schemas.microsoft.com/office/drawing/2014/main" id="{AFA33C52-019E-7142-ABA7-D1815F056185}"/>
+              </a:ext>
+            </a:extLst>
+          </p:cNvPr>
+          <p:cNvPicPr>
+            <a:picLocks noChangeAspect="1"/>
+          </p:cNvPicPr>
+          <p:nvPr/>
+        </p:nvPicPr>
+        <p:blipFill>
+          <a:blip r:embed="rId2">
+            <a:extLst>
+              <a:ext uri="{28A0092B-C50C-407E-A947-70E740481C1C}">
+                <a14:useLocalDpi xmlns:a14="http://schemas.microsoft.com/office/drawing/2010/main" val="0"/>
+              </a:ext>
+            </a:extLst>
+          </a:blip>
+          <a:stretch>
+            <a:fillRect/>
+          </a:stretch>
+        </p:blipFill>
+        <p:spPr>
+          <a:xfrm>
+            <a:off x="880912" y="1331220"/>
+            <a:ext cx="5711618" cy="4818332"/>
+          </a:xfrm>
+          <a:prstGeom prst="rect">
+            <a:avLst/>
+          </a:prstGeom>
+        </p:spPr>
+      </p:pic>
+      <p:sp>
+        <p:nvSpPr>
+          <p:cNvPr id="18" name="Content Placeholder 2">
+            <a:extLst>
+              <a:ext uri="{FF2B5EF4-FFF2-40B4-BE49-F238E27FC236}">
+                <a16:creationId xmlns:a16="http://schemas.microsoft.com/office/drawing/2014/main" id="{6695956D-51D4-814A-9CFB-3A8B5A4F2C90}"/>
+              </a:ext>
+            </a:extLst>
+          </p:cNvPr>
+          <p:cNvSpPr>
+            <a:spLocks noGrp="1"/>
+          </p:cNvSpPr>
+          <p:nvPr>
+            <p:ph idx="1"/>
+          </p:nvPr>
+        </p:nvSpPr>
+        <p:spPr>
+          <a:xfrm>
+            <a:off x="7089339" y="1974256"/>
+            <a:ext cx="3899263" cy="4010780"/>
+          </a:xfrm>
+        </p:spPr>
+        <p:txBody>
+          <a:bodyPr>
+            <a:normAutofit lnSpcReduction="10000"/>
+          </a:bodyPr>
+          <a:lstStyle/>
+          <a:p>
+            <a:pPr>
+              <a:buFont typeface="Arial" panose="020B0604020202020204" pitchFamily="34" charset="0"/>
+              <a:buChar char="•"/>
+            </a:pPr>
+            <a:r>
+              <a:rPr lang="en-US" sz="3200" dirty="0"/>
+              <a:t> From multiple sources we defined a score for  each city</a:t>
+            </a:r>
+          </a:p>
+          <a:p>
+            <a:pPr>
+              <a:buFont typeface="Arial" panose="020B0604020202020204" pitchFamily="34" charset="0"/>
+              <a:buChar char="•"/>
+            </a:pPr>
+            <a:r>
+              <a:rPr lang="en-US" sz="3200" dirty="0"/>
+              <a:t> We agree that all rankings do not weigh equally, so we defined a set of weights per category to calculate totals.</a:t>
+            </a:r>
+          </a:p>
+        </p:txBody>
+      </p:sp>
+    </p:spTree>
+    <p:extLst>
+      <p:ext uri="{BB962C8B-B14F-4D97-AF65-F5344CB8AC3E}">
+        <p14:creationId xmlns:p14="http://schemas.microsoft.com/office/powerpoint/2010/main" val="3630619199"/>
       </p:ext>
     </p:extLst>
   </p:cSld>
@@ -14013,8 +13194,12 @@
               <a:buChar char="§"/>
             </a:pPr>
             <a:r>
+              <a:rPr lang="en-US" sz="3200"/>
+              <a:t> Walk </a:t>
+            </a:r>
+            <a:r>
               <a:rPr lang="en-US" sz="3200" dirty="0"/>
-              <a:t>Walk Score API</a:t>
+              <a:t>Score API</a:t>
             </a:r>
           </a:p>
         </p:txBody>

--- a/Project1_Presentation.pptx
+++ b/Project1_Presentation.pptx
@@ -17,21 +17,20 @@
     <p:sldId id="270" r:id="rId11"/>
     <p:sldId id="271" r:id="rId12"/>
     <p:sldId id="266" r:id="rId13"/>
-    <p:sldId id="272" r:id="rId14"/>
-    <p:sldId id="265" r:id="rId15"/>
-    <p:sldId id="263" r:id="rId16"/>
-    <p:sldId id="285" r:id="rId17"/>
-    <p:sldId id="283" r:id="rId18"/>
-    <p:sldId id="280" r:id="rId19"/>
-    <p:sldId id="275" r:id="rId20"/>
-    <p:sldId id="261" r:id="rId21"/>
-    <p:sldId id="293" r:id="rId22"/>
-    <p:sldId id="289" r:id="rId23"/>
-    <p:sldId id="290" r:id="rId24"/>
-    <p:sldId id="295" r:id="rId25"/>
-    <p:sldId id="296" r:id="rId26"/>
-    <p:sldId id="264" r:id="rId27"/>
-    <p:sldId id="292" r:id="rId28"/>
+    <p:sldId id="265" r:id="rId14"/>
+    <p:sldId id="263" r:id="rId15"/>
+    <p:sldId id="285" r:id="rId16"/>
+    <p:sldId id="283" r:id="rId17"/>
+    <p:sldId id="280" r:id="rId18"/>
+    <p:sldId id="275" r:id="rId19"/>
+    <p:sldId id="261" r:id="rId20"/>
+    <p:sldId id="293" r:id="rId21"/>
+    <p:sldId id="289" r:id="rId22"/>
+    <p:sldId id="290" r:id="rId23"/>
+    <p:sldId id="295" r:id="rId24"/>
+    <p:sldId id="296" r:id="rId25"/>
+    <p:sldId id="264" r:id="rId26"/>
+    <p:sldId id="292" r:id="rId27"/>
   </p:sldIdLst>
   <p:sldSz cx="12192000" cy="6858000"/>
   <p:notesSz cx="6858000" cy="9144000"/>
@@ -4287,76 +4286,6 @@
           <a:chExt cx="0" cy="0"/>
         </a:xfrm>
       </p:grpSpPr>
-      <p:sp>
-        <p:nvSpPr>
-          <p:cNvPr id="2" name="Title 1">
-            <a:extLst>
-              <a:ext uri="{FF2B5EF4-FFF2-40B4-BE49-F238E27FC236}">
-                <a16:creationId xmlns:a16="http://schemas.microsoft.com/office/drawing/2014/main" id="{390EB264-3883-41F9-BACB-285D2229980C}"/>
-              </a:ext>
-            </a:extLst>
-          </p:cNvPr>
-          <p:cNvSpPr>
-            <a:spLocks noGrp="1"/>
-          </p:cNvSpPr>
-          <p:nvPr>
-            <p:ph type="title"/>
-          </p:nvPr>
-        </p:nvSpPr>
-        <p:spPr>
-          <a:xfrm>
-            <a:off x="1097280" y="286603"/>
-            <a:ext cx="10058400" cy="702409"/>
-          </a:xfrm>
-        </p:spPr>
-        <p:txBody>
-          <a:bodyPr>
-            <a:normAutofit fontScale="90000"/>
-          </a:bodyPr>
-          <a:lstStyle/>
-          <a:p>
-            <a:r>
-              <a:rPr lang="en-US" dirty="0"/>
-              <a:t>Diversity</a:t>
-            </a:r>
-          </a:p>
-        </p:txBody>
-      </p:sp>
-      <p:pic>
-        <p:nvPicPr>
-          <p:cNvPr id="5" name="Content Placeholder 4">
-            <a:extLst>
-              <a:ext uri="{FF2B5EF4-FFF2-40B4-BE49-F238E27FC236}">
-                <a16:creationId xmlns:a16="http://schemas.microsoft.com/office/drawing/2014/main" id="{32DB6B62-EE62-410C-87F8-AD994399B3A4}"/>
-              </a:ext>
-            </a:extLst>
-          </p:cNvPr>
-          <p:cNvPicPr>
-            <a:picLocks noGrp="1" noChangeAspect="1"/>
-          </p:cNvPicPr>
-          <p:nvPr>
-            <p:ph idx="1"/>
-          </p:nvPr>
-        </p:nvPicPr>
-        <p:blipFill>
-          <a:blip r:embed="rId2">
-            <a:extLst>
-              <a:ext uri="{28A0092B-C50C-407E-A947-70E740481C1C}">
-                <a14:useLocalDpi xmlns:a14="http://schemas.microsoft.com/office/drawing/2010/main" val="0"/>
-              </a:ext>
-            </a:extLst>
-          </a:blip>
-          <a:stretch>
-            <a:fillRect/>
-          </a:stretch>
-        </p:blipFill>
-        <p:spPr>
-          <a:xfrm>
-            <a:off x="2157800" y="1846263"/>
-            <a:ext cx="7936726" cy="4022725"/>
-          </a:xfrm>
-        </p:spPr>
-      </p:pic>
       <p:pic>
         <p:nvPicPr>
           <p:cNvPr id="7" name="Picture 6">
@@ -4372,7 +4301,7 @@
           <p:nvPr/>
         </p:nvPicPr>
         <p:blipFill>
-          <a:blip r:embed="rId3">
+          <a:blip r:embed="rId2">
             <a:extLst>
               <a:ext uri="{28A0092B-C50C-407E-A947-70E740481C1C}">
                 <a14:useLocalDpi xmlns:a14="http://schemas.microsoft.com/office/drawing/2010/main" val="0"/>
@@ -4385,14 +4314,49 @@
         </p:blipFill>
         <p:spPr>
           <a:xfrm>
-            <a:off x="30163" y="1371600"/>
-            <a:ext cx="12192000" cy="4557514"/>
+            <a:off x="309135" y="872159"/>
+            <a:ext cx="6289797" cy="3619465"/>
           </a:xfrm>
           <a:prstGeom prst="rect">
             <a:avLst/>
           </a:prstGeom>
         </p:spPr>
       </p:pic>
+      <p:sp>
+        <p:nvSpPr>
+          <p:cNvPr id="2" name="Title 1">
+            <a:extLst>
+              <a:ext uri="{FF2B5EF4-FFF2-40B4-BE49-F238E27FC236}">
+                <a16:creationId xmlns:a16="http://schemas.microsoft.com/office/drawing/2014/main" id="{390EB264-3883-41F9-BACB-285D2229980C}"/>
+              </a:ext>
+            </a:extLst>
+          </p:cNvPr>
+          <p:cNvSpPr>
+            <a:spLocks noGrp="1"/>
+          </p:cNvSpPr>
+          <p:nvPr>
+            <p:ph type="title"/>
+          </p:nvPr>
+        </p:nvSpPr>
+        <p:spPr>
+          <a:xfrm>
+            <a:off x="1066800" y="122702"/>
+            <a:ext cx="10058400" cy="702409"/>
+          </a:xfrm>
+        </p:spPr>
+        <p:txBody>
+          <a:bodyPr>
+            <a:normAutofit fontScale="90000"/>
+          </a:bodyPr>
+          <a:lstStyle/>
+          <a:p>
+            <a:r>
+              <a:rPr lang="en-US" dirty="0"/>
+              <a:t>Diversity</a:t>
+            </a:r>
+          </a:p>
+        </p:txBody>
+      </p:sp>
       <p:cxnSp>
         <p:nvCxnSpPr>
           <p:cNvPr id="8" name="Straight Connector 7">
@@ -4407,7 +4371,7 @@
         </p:nvCxnSpPr>
         <p:spPr>
           <a:xfrm>
-            <a:off x="1186248" y="963827"/>
+            <a:off x="1202013" y="695813"/>
             <a:ext cx="9069860" cy="0"/>
           </a:xfrm>
           <a:prstGeom prst="line">
@@ -4434,6 +4398,41 @@
           </a:fontRef>
         </p:style>
       </p:cxnSp>
+      <p:pic>
+        <p:nvPicPr>
+          <p:cNvPr id="9" name="Content Placeholder 12">
+            <a:extLst>
+              <a:ext uri="{FF2B5EF4-FFF2-40B4-BE49-F238E27FC236}">
+                <a16:creationId xmlns:a16="http://schemas.microsoft.com/office/drawing/2014/main" id="{7D1ADF85-8EAA-4674-BBDD-C1E062586077}"/>
+              </a:ext>
+            </a:extLst>
+          </p:cNvPr>
+          <p:cNvPicPr>
+            <a:picLocks noGrp="1" noChangeAspect="1"/>
+          </p:cNvPicPr>
+          <p:nvPr>
+            <p:ph idx="1"/>
+          </p:nvPr>
+        </p:nvPicPr>
+        <p:blipFill>
+          <a:blip r:embed="rId3">
+            <a:extLst>
+              <a:ext uri="{28A0092B-C50C-407E-A947-70E740481C1C}">
+                <a14:useLocalDpi xmlns:a14="http://schemas.microsoft.com/office/drawing/2010/main" val="0"/>
+              </a:ext>
+            </a:extLst>
+          </a:blip>
+          <a:stretch>
+            <a:fillRect/>
+          </a:stretch>
+        </p:blipFill>
+        <p:spPr>
+          <a:xfrm>
+            <a:off x="5623252" y="2394867"/>
+            <a:ext cx="6105365" cy="3917093"/>
+          </a:xfrm>
+        </p:spPr>
+      </p:pic>
     </p:spTree>
     <p:extLst>
       <p:ext uri="{BB962C8B-B14F-4D97-AF65-F5344CB8AC3E}">
@@ -4494,147 +4493,6 @@
           <a:p>
             <a:r>
               <a:rPr lang="en-US" dirty="0"/>
-              <a:t>Diversity Score</a:t>
-            </a:r>
-          </a:p>
-        </p:txBody>
-      </p:sp>
-      <p:cxnSp>
-        <p:nvCxnSpPr>
-          <p:cNvPr id="8" name="Straight Connector 7">
-            <a:extLst>
-              <a:ext uri="{FF2B5EF4-FFF2-40B4-BE49-F238E27FC236}">
-                <a16:creationId xmlns:a16="http://schemas.microsoft.com/office/drawing/2014/main" id="{6C869F70-ECD7-49B6-9EB0-C6173F280BD5}"/>
-              </a:ext>
-            </a:extLst>
-          </p:cNvPr>
-          <p:cNvCxnSpPr/>
-          <p:nvPr/>
-        </p:nvCxnSpPr>
-        <p:spPr>
-          <a:xfrm>
-            <a:off x="1186248" y="963827"/>
-            <a:ext cx="9069860" cy="0"/>
-          </a:xfrm>
-          <a:prstGeom prst="line">
-            <a:avLst/>
-          </a:prstGeom>
-          <a:ln>
-            <a:solidFill>
-              <a:srgbClr val="7030A0"/>
-            </a:solidFill>
-          </a:ln>
-        </p:spPr>
-        <p:style>
-          <a:lnRef idx="1">
-            <a:schemeClr val="accent1"/>
-          </a:lnRef>
-          <a:fillRef idx="0">
-            <a:schemeClr val="accent1"/>
-          </a:fillRef>
-          <a:effectRef idx="0">
-            <a:schemeClr val="accent1"/>
-          </a:effectRef>
-          <a:fontRef idx="minor">
-            <a:schemeClr val="tx1"/>
-          </a:fontRef>
-        </p:style>
-      </p:cxnSp>
-      <p:pic>
-        <p:nvPicPr>
-          <p:cNvPr id="13" name="Content Placeholder 12">
-            <a:extLst>
-              <a:ext uri="{FF2B5EF4-FFF2-40B4-BE49-F238E27FC236}">
-                <a16:creationId xmlns:a16="http://schemas.microsoft.com/office/drawing/2014/main" id="{00D15E7E-956C-499C-8AE8-ADF260FE0D20}"/>
-              </a:ext>
-            </a:extLst>
-          </p:cNvPr>
-          <p:cNvPicPr>
-            <a:picLocks noGrp="1" noChangeAspect="1"/>
-          </p:cNvPicPr>
-          <p:nvPr>
-            <p:ph idx="1"/>
-          </p:nvPr>
-        </p:nvPicPr>
-        <p:blipFill>
-          <a:blip r:embed="rId2">
-            <a:extLst>
-              <a:ext uri="{28A0092B-C50C-407E-A947-70E740481C1C}">
-                <a14:useLocalDpi xmlns:a14="http://schemas.microsoft.com/office/drawing/2010/main" val="0"/>
-              </a:ext>
-            </a:extLst>
-          </a:blip>
-          <a:stretch>
-            <a:fillRect/>
-          </a:stretch>
-        </p:blipFill>
-        <p:spPr>
-          <a:xfrm>
-            <a:off x="741405" y="1149777"/>
-            <a:ext cx="10565027" cy="4719212"/>
-          </a:xfrm>
-        </p:spPr>
-      </p:pic>
-    </p:spTree>
-    <p:extLst>
-      <p:ext uri="{BB962C8B-B14F-4D97-AF65-F5344CB8AC3E}">
-        <p14:creationId xmlns:p14="http://schemas.microsoft.com/office/powerpoint/2010/main" val="1689202985"/>
-      </p:ext>
-    </p:extLst>
-  </p:cSld>
-  <p:clrMapOvr>
-    <a:masterClrMapping/>
-  </p:clrMapOvr>
-</p:sld>
-</file>
-
-<file path=ppt/slides/slide14.xml><?xml version="1.0" encoding="utf-8"?>
-<p:sld xmlns:a="http://schemas.openxmlformats.org/drawingml/2006/main" xmlns:r="http://schemas.openxmlformats.org/officeDocument/2006/relationships" xmlns:p="http://schemas.openxmlformats.org/presentationml/2006/main">
-  <p:cSld>
-    <p:spTree>
-      <p:nvGrpSpPr>
-        <p:cNvPr id="1" name=""/>
-        <p:cNvGrpSpPr/>
-        <p:nvPr/>
-      </p:nvGrpSpPr>
-      <p:grpSpPr>
-        <a:xfrm>
-          <a:off x="0" y="0"/>
-          <a:ext cx="0" cy="0"/>
-          <a:chOff x="0" y="0"/>
-          <a:chExt cx="0" cy="0"/>
-        </a:xfrm>
-      </p:grpSpPr>
-      <p:sp>
-        <p:nvSpPr>
-          <p:cNvPr id="2" name="Title 1">
-            <a:extLst>
-              <a:ext uri="{FF2B5EF4-FFF2-40B4-BE49-F238E27FC236}">
-                <a16:creationId xmlns:a16="http://schemas.microsoft.com/office/drawing/2014/main" id="{390EB264-3883-41F9-BACB-285D2229980C}"/>
-              </a:ext>
-            </a:extLst>
-          </p:cNvPr>
-          <p:cNvSpPr>
-            <a:spLocks noGrp="1"/>
-          </p:cNvSpPr>
-          <p:nvPr>
-            <p:ph type="title"/>
-          </p:nvPr>
-        </p:nvSpPr>
-        <p:spPr>
-          <a:xfrm>
-            <a:off x="1097280" y="286603"/>
-            <a:ext cx="10058400" cy="702409"/>
-          </a:xfrm>
-        </p:spPr>
-        <p:txBody>
-          <a:bodyPr>
-            <a:normAutofit fontScale="90000"/>
-          </a:bodyPr>
-          <a:lstStyle/>
-          <a:p>
-            <a:r>
-              <a:rPr lang="en-US" dirty="0"/>
               <a:t>Crime Index  </a:t>
             </a:r>
           </a:p>
@@ -4729,7 +4587,7 @@
 </p:sld>
 </file>
 
-<file path=ppt/slides/slide15.xml><?xml version="1.0" encoding="utf-8"?>
+<file path=ppt/slides/slide14.xml><?xml version="1.0" encoding="utf-8"?>
 <p:sld xmlns:a="http://schemas.openxmlformats.org/drawingml/2006/main" xmlns:r="http://schemas.openxmlformats.org/officeDocument/2006/relationships" xmlns:p="http://schemas.openxmlformats.org/presentationml/2006/main" show="0">
   <p:cSld>
     <p:spTree>
@@ -4881,7 +4739,7 @@
 </p:sld>
 </file>
 
-<file path=ppt/slides/slide16.xml><?xml version="1.0" encoding="utf-8"?>
+<file path=ppt/slides/slide15.xml><?xml version="1.0" encoding="utf-8"?>
 <p:sld xmlns:a="http://schemas.openxmlformats.org/drawingml/2006/main" xmlns:r="http://schemas.openxmlformats.org/officeDocument/2006/relationships" xmlns:p="http://schemas.openxmlformats.org/presentationml/2006/main">
   <p:cSld>
     <p:spTree>
@@ -5047,7 +4905,7 @@
 </p:sld>
 </file>
 
-<file path=ppt/slides/slide17.xml><?xml version="1.0" encoding="utf-8"?>
+<file path=ppt/slides/slide16.xml><?xml version="1.0" encoding="utf-8"?>
 <p:sld xmlns:a="http://schemas.openxmlformats.org/drawingml/2006/main" xmlns:r="http://schemas.openxmlformats.org/officeDocument/2006/relationships" xmlns:p="http://schemas.openxmlformats.org/presentationml/2006/main">
   <p:cSld>
     <p:spTree>
@@ -5213,6 +5071,331 @@
 </p:sld>
 </file>
 
+<file path=ppt/slides/slide17.xml><?xml version="1.0" encoding="utf-8"?>
+<p:sld xmlns:a="http://schemas.openxmlformats.org/drawingml/2006/main" xmlns:r="http://schemas.openxmlformats.org/officeDocument/2006/relationships" xmlns:p="http://schemas.openxmlformats.org/presentationml/2006/main">
+  <p:cSld>
+    <p:spTree>
+      <p:nvGrpSpPr>
+        <p:cNvPr id="1" name=""/>
+        <p:cNvGrpSpPr/>
+        <p:nvPr/>
+      </p:nvGrpSpPr>
+      <p:grpSpPr>
+        <a:xfrm>
+          <a:off x="0" y="0"/>
+          <a:ext cx="0" cy="0"/>
+          <a:chOff x="0" y="0"/>
+          <a:chExt cx="0" cy="0"/>
+        </a:xfrm>
+      </p:grpSpPr>
+      <p:sp>
+        <p:nvSpPr>
+          <p:cNvPr id="2" name="Title 1">
+            <a:extLst>
+              <a:ext uri="{FF2B5EF4-FFF2-40B4-BE49-F238E27FC236}">
+                <a16:creationId xmlns:a16="http://schemas.microsoft.com/office/drawing/2014/main" id="{390EB264-3883-41F9-BACB-285D2229980C}"/>
+              </a:ext>
+            </a:extLst>
+          </p:cNvPr>
+          <p:cNvSpPr>
+            <a:spLocks noGrp="1"/>
+          </p:cNvSpPr>
+          <p:nvPr>
+            <p:ph type="title"/>
+          </p:nvPr>
+        </p:nvSpPr>
+        <p:spPr/>
+        <p:txBody>
+          <a:bodyPr/>
+          <a:lstStyle/>
+          <a:p>
+            <a:r>
+              <a:rPr lang="en-US" dirty="0"/>
+              <a:t>Findings </a:t>
+            </a:r>
+          </a:p>
+        </p:txBody>
+      </p:sp>
+      <p:sp>
+        <p:nvSpPr>
+          <p:cNvPr id="4" name="TextBox 3">
+            <a:extLst>
+              <a:ext uri="{FF2B5EF4-FFF2-40B4-BE49-F238E27FC236}">
+                <a16:creationId xmlns:a16="http://schemas.microsoft.com/office/drawing/2014/main" id="{8B6D276C-B2CA-BF4E-8EC8-2BE0DA1C262E}"/>
+              </a:ext>
+            </a:extLst>
+          </p:cNvPr>
+          <p:cNvSpPr txBox="1"/>
+          <p:nvPr/>
+        </p:nvSpPr>
+        <p:spPr>
+          <a:xfrm>
+            <a:off x="991114" y="1899260"/>
+            <a:ext cx="4527184" cy="4985980"/>
+          </a:xfrm>
+          <a:prstGeom prst="rect">
+            <a:avLst/>
+          </a:prstGeom>
+          <a:noFill/>
+        </p:spPr>
+        <p:txBody>
+          <a:bodyPr wrap="square" rtlCol="0">
+            <a:spAutoFit/>
+          </a:bodyPr>
+          <a:lstStyle/>
+          <a:p>
+            <a:r>
+              <a:rPr lang="en-US" b="1" dirty="0"/>
+              <a:t>Home ownership and rent</a:t>
+            </a:r>
+          </a:p>
+          <a:p>
+            <a:r>
+              <a:rPr lang="en-US" dirty="0"/>
+              <a:t>API: used Census 2016 data</a:t>
+            </a:r>
+          </a:p>
+          <a:p>
+            <a:r>
+              <a:rPr lang="en-US" dirty="0"/>
+              <a:t>Process: </a:t>
+            </a:r>
+          </a:p>
+          <a:p>
+            <a:pPr marL="285750" indent="-285750">
+              <a:buFont typeface="Arial" panose="020B0604020202020204" pitchFamily="34" charset="0"/>
+              <a:buChar char="•"/>
+            </a:pPr>
+            <a:r>
+              <a:rPr lang="en-US" dirty="0"/>
+              <a:t>Collected median data for housing cost and income by City (defined as Locations in the Census data)</a:t>
+            </a:r>
+          </a:p>
+          <a:p>
+            <a:pPr marL="285750" indent="-285750">
+              <a:buFont typeface="Arial" panose="020B0604020202020204" pitchFamily="34" charset="0"/>
+              <a:buChar char="•"/>
+            </a:pPr>
+            <a:r>
+              <a:rPr lang="en-US" dirty="0"/>
+              <a:t>Defined estimate for affordability as housing cost / income. The lower the value the better the location.</a:t>
+            </a:r>
+          </a:p>
+          <a:p>
+            <a:r>
+              <a:rPr lang="en-US" dirty="0"/>
+              <a:t>Results: Consistent trend of home ownership and rent costs. Raleigh, Austin, and Washington ranked top 3</a:t>
+            </a:r>
+          </a:p>
+          <a:p>
+            <a:endParaRPr lang="en-US" dirty="0"/>
+          </a:p>
+          <a:p>
+            <a:r>
+              <a:rPr lang="en-US" sz="1200" dirty="0"/>
+              <a:t>Notebook: </a:t>
+            </a:r>
+            <a:r>
+              <a:rPr lang="en-US" sz="1200" dirty="0">
+                <a:hlinkClick r:id="rId2"/>
+              </a:rPr>
+              <a:t>https://github.com/indranik/BC_Project1/blob/master/HousingSchools/housing_results.ipynb</a:t>
+            </a:r>
+            <a:endParaRPr lang="en-US" sz="1200" dirty="0"/>
+          </a:p>
+          <a:p>
+            <a:endParaRPr lang="en-US" dirty="0"/>
+          </a:p>
+          <a:p>
+            <a:endParaRPr lang="en-US" dirty="0"/>
+          </a:p>
+        </p:txBody>
+      </p:sp>
+      <p:sp>
+        <p:nvSpPr>
+          <p:cNvPr id="5" name="TextBox 4">
+            <a:extLst>
+              <a:ext uri="{FF2B5EF4-FFF2-40B4-BE49-F238E27FC236}">
+                <a16:creationId xmlns:a16="http://schemas.microsoft.com/office/drawing/2014/main" id="{3BA14653-B2B1-CD45-8B17-02CC1E3ABB40}"/>
+              </a:ext>
+            </a:extLst>
+          </p:cNvPr>
+          <p:cNvSpPr txBox="1"/>
+          <p:nvPr/>
+        </p:nvSpPr>
+        <p:spPr>
+          <a:xfrm>
+            <a:off x="6429043" y="1899260"/>
+            <a:ext cx="4604402" cy="2031325"/>
+          </a:xfrm>
+          <a:prstGeom prst="rect">
+            <a:avLst/>
+          </a:prstGeom>
+          <a:noFill/>
+        </p:spPr>
+        <p:txBody>
+          <a:bodyPr wrap="none" rtlCol="0">
+            <a:spAutoFit/>
+          </a:bodyPr>
+          <a:lstStyle/>
+          <a:p>
+            <a:r>
+              <a:rPr lang="en-US" b="1" dirty="0"/>
+              <a:t>Nearby K-12 schools for site location</a:t>
+            </a:r>
+          </a:p>
+          <a:p>
+            <a:r>
+              <a:rPr lang="en-US" dirty="0"/>
+              <a:t>API: Great Schools API</a:t>
+            </a:r>
+          </a:p>
+          <a:p>
+            <a:r>
+              <a:rPr lang="en-US" dirty="0"/>
+              <a:t>Using: State and zip code information</a:t>
+            </a:r>
+          </a:p>
+          <a:p>
+            <a:r>
+              <a:rPr lang="en-US" dirty="0"/>
+              <a:t>Process: Average school rating per city and sort</a:t>
+            </a:r>
+          </a:p>
+          <a:p>
+            <a:r>
+              <a:rPr lang="en-US" dirty="0"/>
+              <a:t>Results: Austin, LA, Atlanta ranked higher</a:t>
+            </a:r>
+          </a:p>
+          <a:p>
+            <a:endParaRPr lang="en-US" dirty="0"/>
+          </a:p>
+          <a:p>
+            <a:endParaRPr lang="en-US" dirty="0"/>
+          </a:p>
+        </p:txBody>
+      </p:sp>
+      <p:sp>
+        <p:nvSpPr>
+          <p:cNvPr id="6" name="TextBox 5">
+            <a:extLst>
+              <a:ext uri="{FF2B5EF4-FFF2-40B4-BE49-F238E27FC236}">
+                <a16:creationId xmlns:a16="http://schemas.microsoft.com/office/drawing/2014/main" id="{A9AC4C7E-AEF8-EB43-BBAF-9297C2872E05}"/>
+              </a:ext>
+            </a:extLst>
+          </p:cNvPr>
+          <p:cNvSpPr txBox="1"/>
+          <p:nvPr/>
+        </p:nvSpPr>
+        <p:spPr>
+          <a:xfrm>
+            <a:off x="6429043" y="3584560"/>
+            <a:ext cx="4420762" cy="1754326"/>
+          </a:xfrm>
+          <a:prstGeom prst="rect">
+            <a:avLst/>
+          </a:prstGeom>
+          <a:noFill/>
+        </p:spPr>
+        <p:txBody>
+          <a:bodyPr wrap="none" rtlCol="0">
+            <a:spAutoFit/>
+          </a:bodyPr>
+          <a:lstStyle/>
+          <a:p>
+            <a:r>
+              <a:rPr lang="en-US" b="1" dirty="0"/>
+              <a:t>Nearby Colleges for site location</a:t>
+            </a:r>
+          </a:p>
+          <a:p>
+            <a:r>
+              <a:rPr lang="en-US" dirty="0"/>
+              <a:t>API: Google Search</a:t>
+            </a:r>
+          </a:p>
+          <a:p>
+            <a:r>
+              <a:rPr lang="en-US" dirty="0"/>
+              <a:t>Using: Latitude and Longitude information</a:t>
+            </a:r>
+          </a:p>
+          <a:p>
+            <a:r>
+              <a:rPr lang="en-US" dirty="0"/>
+              <a:t>Process: Average site ratings per city and sort</a:t>
+            </a:r>
+          </a:p>
+          <a:p>
+            <a:r>
+              <a:rPr lang="en-US" dirty="0"/>
+              <a:t>Results: Raleigh, LA, Atlanta ranked higher</a:t>
+            </a:r>
+          </a:p>
+          <a:p>
+            <a:endParaRPr lang="en-US" dirty="0"/>
+          </a:p>
+        </p:txBody>
+      </p:sp>
+      <p:sp>
+        <p:nvSpPr>
+          <p:cNvPr id="8" name="TextBox 7">
+            <a:extLst>
+              <a:ext uri="{FF2B5EF4-FFF2-40B4-BE49-F238E27FC236}">
+                <a16:creationId xmlns:a16="http://schemas.microsoft.com/office/drawing/2014/main" id="{01D08F11-1D2E-1D45-85FC-54676BCAE248}"/>
+              </a:ext>
+            </a:extLst>
+          </p:cNvPr>
+          <p:cNvSpPr txBox="1"/>
+          <p:nvPr/>
+        </p:nvSpPr>
+        <p:spPr>
+          <a:xfrm>
+            <a:off x="6506392" y="5456994"/>
+            <a:ext cx="5008669" cy="923330"/>
+          </a:xfrm>
+          <a:prstGeom prst="rect">
+            <a:avLst/>
+          </a:prstGeom>
+          <a:noFill/>
+        </p:spPr>
+        <p:txBody>
+          <a:bodyPr wrap="square" rtlCol="0">
+            <a:spAutoFit/>
+          </a:bodyPr>
+          <a:lstStyle/>
+          <a:p>
+            <a:r>
+              <a:rPr lang="en-US" sz="1200" dirty="0"/>
+              <a:t>Notebook: </a:t>
+            </a:r>
+            <a:r>
+              <a:rPr lang="en-US" sz="1200" dirty="0">
+                <a:hlinkClick r:id="rId3"/>
+              </a:rPr>
+              <a:t>https://github.com/indranik/BC_Project1/blob/master/HousingSchools/schools_results.ipynb</a:t>
+            </a:r>
+            <a:endParaRPr lang="en-US" sz="1200" dirty="0"/>
+          </a:p>
+          <a:p>
+            <a:endParaRPr lang="en-US" dirty="0"/>
+          </a:p>
+        </p:txBody>
+      </p:sp>
+    </p:spTree>
+    <p:extLst>
+      <p:ext uri="{BB962C8B-B14F-4D97-AF65-F5344CB8AC3E}">
+        <p14:creationId xmlns:p14="http://schemas.microsoft.com/office/powerpoint/2010/main" val="4004922827"/>
+      </p:ext>
+    </p:extLst>
+  </p:cSld>
+  <p:clrMapOvr>
+    <a:masterClrMapping/>
+  </p:clrMapOvr>
+</p:sld>
+</file>
+
 <file path=ppt/slides/slide18.xml><?xml version="1.0" encoding="utf-8"?>
 <p:sld xmlns:a="http://schemas.openxmlformats.org/drawingml/2006/main" xmlns:r="http://schemas.openxmlformats.org/officeDocument/2006/relationships" xmlns:p="http://schemas.openxmlformats.org/presentationml/2006/main">
   <p:cSld>
@@ -5235,331 +5418,6 @@
           <p:cNvPr id="2" name="Title 1">
             <a:extLst>
               <a:ext uri="{FF2B5EF4-FFF2-40B4-BE49-F238E27FC236}">
-                <a16:creationId xmlns:a16="http://schemas.microsoft.com/office/drawing/2014/main" id="{390EB264-3883-41F9-BACB-285D2229980C}"/>
-              </a:ext>
-            </a:extLst>
-          </p:cNvPr>
-          <p:cNvSpPr>
-            <a:spLocks noGrp="1"/>
-          </p:cNvSpPr>
-          <p:nvPr>
-            <p:ph type="title"/>
-          </p:nvPr>
-        </p:nvSpPr>
-        <p:spPr/>
-        <p:txBody>
-          <a:bodyPr/>
-          <a:lstStyle/>
-          <a:p>
-            <a:r>
-              <a:rPr lang="en-US" dirty="0"/>
-              <a:t>Findings </a:t>
-            </a:r>
-          </a:p>
-        </p:txBody>
-      </p:sp>
-      <p:sp>
-        <p:nvSpPr>
-          <p:cNvPr id="4" name="TextBox 3">
-            <a:extLst>
-              <a:ext uri="{FF2B5EF4-FFF2-40B4-BE49-F238E27FC236}">
-                <a16:creationId xmlns:a16="http://schemas.microsoft.com/office/drawing/2014/main" id="{8B6D276C-B2CA-BF4E-8EC8-2BE0DA1C262E}"/>
-              </a:ext>
-            </a:extLst>
-          </p:cNvPr>
-          <p:cNvSpPr txBox="1"/>
-          <p:nvPr/>
-        </p:nvSpPr>
-        <p:spPr>
-          <a:xfrm>
-            <a:off x="991114" y="1899260"/>
-            <a:ext cx="4527184" cy="4985980"/>
-          </a:xfrm>
-          <a:prstGeom prst="rect">
-            <a:avLst/>
-          </a:prstGeom>
-          <a:noFill/>
-        </p:spPr>
-        <p:txBody>
-          <a:bodyPr wrap="square" rtlCol="0">
-            <a:spAutoFit/>
-          </a:bodyPr>
-          <a:lstStyle/>
-          <a:p>
-            <a:r>
-              <a:rPr lang="en-US" b="1" dirty="0"/>
-              <a:t>Home ownership and rent</a:t>
-            </a:r>
-          </a:p>
-          <a:p>
-            <a:r>
-              <a:rPr lang="en-US" dirty="0"/>
-              <a:t>API: used Census 2016 data</a:t>
-            </a:r>
-          </a:p>
-          <a:p>
-            <a:r>
-              <a:rPr lang="en-US" dirty="0"/>
-              <a:t>Process: </a:t>
-            </a:r>
-          </a:p>
-          <a:p>
-            <a:pPr marL="285750" indent="-285750">
-              <a:buFont typeface="Arial" panose="020B0604020202020204" pitchFamily="34" charset="0"/>
-              <a:buChar char="•"/>
-            </a:pPr>
-            <a:r>
-              <a:rPr lang="en-US" dirty="0"/>
-              <a:t>Collected median data for housing cost and income by City (defined as Locations in the Census data)</a:t>
-            </a:r>
-          </a:p>
-          <a:p>
-            <a:pPr marL="285750" indent="-285750">
-              <a:buFont typeface="Arial" panose="020B0604020202020204" pitchFamily="34" charset="0"/>
-              <a:buChar char="•"/>
-            </a:pPr>
-            <a:r>
-              <a:rPr lang="en-US" dirty="0"/>
-              <a:t>Defined estimate for affordability as housing cost / income. The lower the value the better the location.</a:t>
-            </a:r>
-          </a:p>
-          <a:p>
-            <a:r>
-              <a:rPr lang="en-US" dirty="0"/>
-              <a:t>Results: Consistent trend of home ownership and rent costs. Raleigh, Austin, and Washington ranked top 3</a:t>
-            </a:r>
-          </a:p>
-          <a:p>
-            <a:endParaRPr lang="en-US" dirty="0"/>
-          </a:p>
-          <a:p>
-            <a:r>
-              <a:rPr lang="en-US" sz="1200" dirty="0"/>
-              <a:t>Notebook: </a:t>
-            </a:r>
-            <a:r>
-              <a:rPr lang="en-US" sz="1200" dirty="0">
-                <a:hlinkClick r:id="rId2"/>
-              </a:rPr>
-              <a:t>https://github.com/indranik/BC_Project1/blob/master/HousingSchools/housing_results.ipynb</a:t>
-            </a:r>
-            <a:endParaRPr lang="en-US" sz="1200" dirty="0"/>
-          </a:p>
-          <a:p>
-            <a:endParaRPr lang="en-US" dirty="0"/>
-          </a:p>
-          <a:p>
-            <a:endParaRPr lang="en-US" dirty="0"/>
-          </a:p>
-        </p:txBody>
-      </p:sp>
-      <p:sp>
-        <p:nvSpPr>
-          <p:cNvPr id="5" name="TextBox 4">
-            <a:extLst>
-              <a:ext uri="{FF2B5EF4-FFF2-40B4-BE49-F238E27FC236}">
-                <a16:creationId xmlns:a16="http://schemas.microsoft.com/office/drawing/2014/main" id="{3BA14653-B2B1-CD45-8B17-02CC1E3ABB40}"/>
-              </a:ext>
-            </a:extLst>
-          </p:cNvPr>
-          <p:cNvSpPr txBox="1"/>
-          <p:nvPr/>
-        </p:nvSpPr>
-        <p:spPr>
-          <a:xfrm>
-            <a:off x="6429043" y="1899260"/>
-            <a:ext cx="4604402" cy="2031325"/>
-          </a:xfrm>
-          <a:prstGeom prst="rect">
-            <a:avLst/>
-          </a:prstGeom>
-          <a:noFill/>
-        </p:spPr>
-        <p:txBody>
-          <a:bodyPr wrap="none" rtlCol="0">
-            <a:spAutoFit/>
-          </a:bodyPr>
-          <a:lstStyle/>
-          <a:p>
-            <a:r>
-              <a:rPr lang="en-US" b="1" dirty="0"/>
-              <a:t>Nearby K-12 schools for site location</a:t>
-            </a:r>
-          </a:p>
-          <a:p>
-            <a:r>
-              <a:rPr lang="en-US" dirty="0"/>
-              <a:t>API: Great Schools API</a:t>
-            </a:r>
-          </a:p>
-          <a:p>
-            <a:r>
-              <a:rPr lang="en-US" dirty="0"/>
-              <a:t>Using: State and zip code information</a:t>
-            </a:r>
-          </a:p>
-          <a:p>
-            <a:r>
-              <a:rPr lang="en-US" dirty="0"/>
-              <a:t>Process: Average school rating per city and sort</a:t>
-            </a:r>
-          </a:p>
-          <a:p>
-            <a:r>
-              <a:rPr lang="en-US" dirty="0"/>
-              <a:t>Results: Austin, LA, Atlanta ranked higher</a:t>
-            </a:r>
-          </a:p>
-          <a:p>
-            <a:endParaRPr lang="en-US" dirty="0"/>
-          </a:p>
-          <a:p>
-            <a:endParaRPr lang="en-US" dirty="0"/>
-          </a:p>
-        </p:txBody>
-      </p:sp>
-      <p:sp>
-        <p:nvSpPr>
-          <p:cNvPr id="6" name="TextBox 5">
-            <a:extLst>
-              <a:ext uri="{FF2B5EF4-FFF2-40B4-BE49-F238E27FC236}">
-                <a16:creationId xmlns:a16="http://schemas.microsoft.com/office/drawing/2014/main" id="{A9AC4C7E-AEF8-EB43-BBAF-9297C2872E05}"/>
-              </a:ext>
-            </a:extLst>
-          </p:cNvPr>
-          <p:cNvSpPr txBox="1"/>
-          <p:nvPr/>
-        </p:nvSpPr>
-        <p:spPr>
-          <a:xfrm>
-            <a:off x="6429043" y="3584560"/>
-            <a:ext cx="4420762" cy="1754326"/>
-          </a:xfrm>
-          <a:prstGeom prst="rect">
-            <a:avLst/>
-          </a:prstGeom>
-          <a:noFill/>
-        </p:spPr>
-        <p:txBody>
-          <a:bodyPr wrap="none" rtlCol="0">
-            <a:spAutoFit/>
-          </a:bodyPr>
-          <a:lstStyle/>
-          <a:p>
-            <a:r>
-              <a:rPr lang="en-US" b="1" dirty="0"/>
-              <a:t>Nearby Colleges for site location</a:t>
-            </a:r>
-          </a:p>
-          <a:p>
-            <a:r>
-              <a:rPr lang="en-US" dirty="0"/>
-              <a:t>API: Google Search</a:t>
-            </a:r>
-          </a:p>
-          <a:p>
-            <a:r>
-              <a:rPr lang="en-US" dirty="0"/>
-              <a:t>Using: Latitude and Longitude information</a:t>
-            </a:r>
-          </a:p>
-          <a:p>
-            <a:r>
-              <a:rPr lang="en-US" dirty="0"/>
-              <a:t>Process: Average site ratings per city and sort</a:t>
-            </a:r>
-          </a:p>
-          <a:p>
-            <a:r>
-              <a:rPr lang="en-US" dirty="0"/>
-              <a:t>Results: Raleigh, LA, Atlanta ranked higher</a:t>
-            </a:r>
-          </a:p>
-          <a:p>
-            <a:endParaRPr lang="en-US" dirty="0"/>
-          </a:p>
-        </p:txBody>
-      </p:sp>
-      <p:sp>
-        <p:nvSpPr>
-          <p:cNvPr id="8" name="TextBox 7">
-            <a:extLst>
-              <a:ext uri="{FF2B5EF4-FFF2-40B4-BE49-F238E27FC236}">
-                <a16:creationId xmlns:a16="http://schemas.microsoft.com/office/drawing/2014/main" id="{01D08F11-1D2E-1D45-85FC-54676BCAE248}"/>
-              </a:ext>
-            </a:extLst>
-          </p:cNvPr>
-          <p:cNvSpPr txBox="1"/>
-          <p:nvPr/>
-        </p:nvSpPr>
-        <p:spPr>
-          <a:xfrm>
-            <a:off x="6506392" y="5456994"/>
-            <a:ext cx="5008669" cy="923330"/>
-          </a:xfrm>
-          <a:prstGeom prst="rect">
-            <a:avLst/>
-          </a:prstGeom>
-          <a:noFill/>
-        </p:spPr>
-        <p:txBody>
-          <a:bodyPr wrap="square" rtlCol="0">
-            <a:spAutoFit/>
-          </a:bodyPr>
-          <a:lstStyle/>
-          <a:p>
-            <a:r>
-              <a:rPr lang="en-US" sz="1200" dirty="0"/>
-              <a:t>Notebook: </a:t>
-            </a:r>
-            <a:r>
-              <a:rPr lang="en-US" sz="1200" dirty="0">
-                <a:hlinkClick r:id="rId3"/>
-              </a:rPr>
-              <a:t>https://github.com/indranik/BC_Project1/blob/master/HousingSchools/schools_results.ipynb</a:t>
-            </a:r>
-            <a:endParaRPr lang="en-US" sz="1200" dirty="0"/>
-          </a:p>
-          <a:p>
-            <a:endParaRPr lang="en-US" dirty="0"/>
-          </a:p>
-        </p:txBody>
-      </p:sp>
-    </p:spTree>
-    <p:extLst>
-      <p:ext uri="{BB962C8B-B14F-4D97-AF65-F5344CB8AC3E}">
-        <p14:creationId xmlns:p14="http://schemas.microsoft.com/office/powerpoint/2010/main" val="4004922827"/>
-      </p:ext>
-    </p:extLst>
-  </p:cSld>
-  <p:clrMapOvr>
-    <a:masterClrMapping/>
-  </p:clrMapOvr>
-</p:sld>
-</file>
-
-<file path=ppt/slides/slide19.xml><?xml version="1.0" encoding="utf-8"?>
-<p:sld xmlns:a="http://schemas.openxmlformats.org/drawingml/2006/main" xmlns:r="http://schemas.openxmlformats.org/officeDocument/2006/relationships" xmlns:p="http://schemas.openxmlformats.org/presentationml/2006/main">
-  <p:cSld>
-    <p:spTree>
-      <p:nvGrpSpPr>
-        <p:cNvPr id="1" name=""/>
-        <p:cNvGrpSpPr/>
-        <p:nvPr/>
-      </p:nvGrpSpPr>
-      <p:grpSpPr>
-        <a:xfrm>
-          <a:off x="0" y="0"/>
-          <a:ext cx="0" cy="0"/>
-          <a:chOff x="0" y="0"/>
-          <a:chExt cx="0" cy="0"/>
-        </a:xfrm>
-      </p:grpSpPr>
-      <p:sp>
-        <p:nvSpPr>
-          <p:cNvPr id="2" name="Title 1">
-            <a:extLst>
-              <a:ext uri="{FF2B5EF4-FFF2-40B4-BE49-F238E27FC236}">
                 <a16:creationId xmlns:a16="http://schemas.microsoft.com/office/drawing/2014/main" id="{BD461D94-0D0F-0348-95E5-2A357932C23B}"/>
               </a:ext>
             </a:extLst>
@@ -5722,161 +5580,7 @@
 </p:sld>
 </file>
 
-<file path=ppt/slides/slide2.xml><?xml version="1.0" encoding="utf-8"?>
-<p:sld xmlns:a="http://schemas.openxmlformats.org/drawingml/2006/main" xmlns:r="http://schemas.openxmlformats.org/officeDocument/2006/relationships" xmlns:p="http://schemas.openxmlformats.org/presentationml/2006/main">
-  <p:cSld>
-    <p:spTree>
-      <p:nvGrpSpPr>
-        <p:cNvPr id="1" name=""/>
-        <p:cNvGrpSpPr/>
-        <p:nvPr/>
-      </p:nvGrpSpPr>
-      <p:grpSpPr>
-        <a:xfrm>
-          <a:off x="0" y="0"/>
-          <a:ext cx="0" cy="0"/>
-          <a:chOff x="0" y="0"/>
-          <a:chExt cx="0" cy="0"/>
-        </a:xfrm>
-      </p:grpSpPr>
-      <p:sp>
-        <p:nvSpPr>
-          <p:cNvPr id="2" name="Title 1">
-            <a:extLst>
-              <a:ext uri="{FF2B5EF4-FFF2-40B4-BE49-F238E27FC236}">
-                <a16:creationId xmlns:a16="http://schemas.microsoft.com/office/drawing/2014/main" id="{390EB264-3883-41F9-BACB-285D2229980C}"/>
-              </a:ext>
-            </a:extLst>
-          </p:cNvPr>
-          <p:cNvSpPr>
-            <a:spLocks noGrp="1"/>
-          </p:cNvSpPr>
-          <p:nvPr>
-            <p:ph type="title"/>
-          </p:nvPr>
-        </p:nvSpPr>
-        <p:spPr/>
-        <p:txBody>
-          <a:bodyPr/>
-          <a:lstStyle/>
-          <a:p>
-            <a:r>
-              <a:rPr lang="en-US" dirty="0"/>
-              <a:t>The $5 Billion Question</a:t>
-            </a:r>
-          </a:p>
-        </p:txBody>
-      </p:sp>
-      <p:sp>
-        <p:nvSpPr>
-          <p:cNvPr id="3" name="Content Placeholder 2">
-            <a:extLst>
-              <a:ext uri="{FF2B5EF4-FFF2-40B4-BE49-F238E27FC236}">
-                <a16:creationId xmlns:a16="http://schemas.microsoft.com/office/drawing/2014/main" id="{BEC8BDDB-FD44-4EB6-BE27-4A708B75BDAB}"/>
-              </a:ext>
-            </a:extLst>
-          </p:cNvPr>
-          <p:cNvSpPr>
-            <a:spLocks noGrp="1"/>
-          </p:cNvSpPr>
-          <p:nvPr>
-            <p:ph idx="1"/>
-          </p:nvPr>
-        </p:nvSpPr>
-        <p:spPr>
-          <a:xfrm>
-            <a:off x="1084923" y="1845734"/>
-            <a:ext cx="10058400" cy="4023360"/>
-          </a:xfrm>
-        </p:spPr>
-        <p:txBody>
-          <a:bodyPr/>
-          <a:lstStyle/>
-          <a:p>
-            <a:pPr marL="0" indent="0">
-              <a:buNone/>
-            </a:pPr>
-            <a:r>
-              <a:rPr lang="en-US" sz="3200" dirty="0"/>
-              <a:t>Cities across the U.S are competing to attract Amazon’s second head quarters which would bring </a:t>
-            </a:r>
-            <a:r>
-              <a:rPr lang="en-US" sz="3200" b="1" dirty="0"/>
-              <a:t>50,000 jobs </a:t>
-            </a:r>
-            <a:r>
-              <a:rPr lang="en-US" sz="3200" dirty="0"/>
-              <a:t>and </a:t>
-            </a:r>
-            <a:r>
-              <a:rPr lang="en-US" sz="3200" b="1" dirty="0"/>
-              <a:t>$5 billion investment</a:t>
-            </a:r>
-            <a:r>
-              <a:rPr lang="en-US" sz="3200" dirty="0"/>
-              <a:t>. Out of the original 238 cities, 20 cities made it the final cut.</a:t>
-            </a:r>
-          </a:p>
-          <a:p>
-            <a:pPr marL="0" indent="0">
-              <a:buNone/>
-            </a:pPr>
-            <a:r>
-              <a:rPr lang="en-US" sz="3200" dirty="0"/>
-              <a:t>If Amazon were a person (</a:t>
-            </a:r>
-            <a:r>
-              <a:rPr lang="en-US" sz="3200" dirty="0">
-                <a:solidFill>
-                  <a:schemeClr val="accent1">
-                    <a:lumMod val="75000"/>
-                  </a:schemeClr>
-                </a:solidFill>
-              </a:rPr>
-              <a:t>Yes…corporations are people!) </a:t>
-            </a:r>
-            <a:r>
-              <a:rPr lang="en-US" sz="3200" dirty="0"/>
-              <a:t>which city should he choose? </a:t>
-            </a:r>
-          </a:p>
-          <a:p>
-            <a:pPr marL="0" indent="0">
-              <a:buNone/>
-            </a:pPr>
-            <a:r>
-              <a:rPr lang="en-US" sz="3200" dirty="0"/>
-              <a:t>We are here to help!</a:t>
-            </a:r>
-          </a:p>
-          <a:p>
-            <a:pPr marL="0" indent="0">
-              <a:buNone/>
-            </a:pPr>
-            <a:endParaRPr lang="en-US" dirty="0"/>
-          </a:p>
-          <a:p>
-            <a:endParaRPr lang="en-US" dirty="0"/>
-          </a:p>
-          <a:p>
-            <a:endParaRPr lang="en-US" dirty="0"/>
-          </a:p>
-        </p:txBody>
-      </p:sp>
-    </p:spTree>
-    <p:extLst>
-      <p:ext uri="{BB962C8B-B14F-4D97-AF65-F5344CB8AC3E}">
-        <p14:creationId xmlns:p14="http://schemas.microsoft.com/office/powerpoint/2010/main" val="71064535"/>
-      </p:ext>
-    </p:extLst>
-  </p:cSld>
-  <p:clrMapOvr>
-    <a:masterClrMapping/>
-  </p:clrMapOvr>
-</p:sld>
-</file>
-
-<file path=ppt/slides/slide20.xml><?xml version="1.0" encoding="utf-8"?>
+<file path=ppt/slides/slide19.xml><?xml version="1.0" encoding="utf-8"?>
 <p:sld xmlns:a="http://schemas.openxmlformats.org/drawingml/2006/main" xmlns:r="http://schemas.openxmlformats.org/officeDocument/2006/relationships" xmlns:p="http://schemas.openxmlformats.org/presentationml/2006/main">
   <p:cSld>
     <p:spTree>
@@ -6343,7 +6047,161 @@
 </p:sld>
 </file>
 
-<file path=ppt/slides/slide21.xml><?xml version="1.0" encoding="utf-8"?>
+<file path=ppt/slides/slide2.xml><?xml version="1.0" encoding="utf-8"?>
+<p:sld xmlns:a="http://schemas.openxmlformats.org/drawingml/2006/main" xmlns:r="http://schemas.openxmlformats.org/officeDocument/2006/relationships" xmlns:p="http://schemas.openxmlformats.org/presentationml/2006/main">
+  <p:cSld>
+    <p:spTree>
+      <p:nvGrpSpPr>
+        <p:cNvPr id="1" name=""/>
+        <p:cNvGrpSpPr/>
+        <p:nvPr/>
+      </p:nvGrpSpPr>
+      <p:grpSpPr>
+        <a:xfrm>
+          <a:off x="0" y="0"/>
+          <a:ext cx="0" cy="0"/>
+          <a:chOff x="0" y="0"/>
+          <a:chExt cx="0" cy="0"/>
+        </a:xfrm>
+      </p:grpSpPr>
+      <p:sp>
+        <p:nvSpPr>
+          <p:cNvPr id="2" name="Title 1">
+            <a:extLst>
+              <a:ext uri="{FF2B5EF4-FFF2-40B4-BE49-F238E27FC236}">
+                <a16:creationId xmlns:a16="http://schemas.microsoft.com/office/drawing/2014/main" id="{390EB264-3883-41F9-BACB-285D2229980C}"/>
+              </a:ext>
+            </a:extLst>
+          </p:cNvPr>
+          <p:cNvSpPr>
+            <a:spLocks noGrp="1"/>
+          </p:cNvSpPr>
+          <p:nvPr>
+            <p:ph type="title"/>
+          </p:nvPr>
+        </p:nvSpPr>
+        <p:spPr/>
+        <p:txBody>
+          <a:bodyPr/>
+          <a:lstStyle/>
+          <a:p>
+            <a:r>
+              <a:rPr lang="en-US" dirty="0"/>
+              <a:t>The $5 Billion Question</a:t>
+            </a:r>
+          </a:p>
+        </p:txBody>
+      </p:sp>
+      <p:sp>
+        <p:nvSpPr>
+          <p:cNvPr id="3" name="Content Placeholder 2">
+            <a:extLst>
+              <a:ext uri="{FF2B5EF4-FFF2-40B4-BE49-F238E27FC236}">
+                <a16:creationId xmlns:a16="http://schemas.microsoft.com/office/drawing/2014/main" id="{BEC8BDDB-FD44-4EB6-BE27-4A708B75BDAB}"/>
+              </a:ext>
+            </a:extLst>
+          </p:cNvPr>
+          <p:cNvSpPr>
+            <a:spLocks noGrp="1"/>
+          </p:cNvSpPr>
+          <p:nvPr>
+            <p:ph idx="1"/>
+          </p:nvPr>
+        </p:nvSpPr>
+        <p:spPr>
+          <a:xfrm>
+            <a:off x="1084923" y="1845734"/>
+            <a:ext cx="10058400" cy="4023360"/>
+          </a:xfrm>
+        </p:spPr>
+        <p:txBody>
+          <a:bodyPr/>
+          <a:lstStyle/>
+          <a:p>
+            <a:pPr marL="0" indent="0">
+              <a:buNone/>
+            </a:pPr>
+            <a:r>
+              <a:rPr lang="en-US" sz="3200" dirty="0"/>
+              <a:t>Cities across the U.S are competing to attract Amazon’s second head quarters which would bring </a:t>
+            </a:r>
+            <a:r>
+              <a:rPr lang="en-US" sz="3200" b="1" dirty="0"/>
+              <a:t>50,000 jobs </a:t>
+            </a:r>
+            <a:r>
+              <a:rPr lang="en-US" sz="3200" dirty="0"/>
+              <a:t>and </a:t>
+            </a:r>
+            <a:r>
+              <a:rPr lang="en-US" sz="3200" b="1" dirty="0"/>
+              <a:t>$5 billion investment</a:t>
+            </a:r>
+            <a:r>
+              <a:rPr lang="en-US" sz="3200" dirty="0"/>
+              <a:t>. Out of the original 238 cities, 20 cities made it the final cut.</a:t>
+            </a:r>
+          </a:p>
+          <a:p>
+            <a:pPr marL="0" indent="0">
+              <a:buNone/>
+            </a:pPr>
+            <a:r>
+              <a:rPr lang="en-US" sz="3200" dirty="0"/>
+              <a:t>If Amazon were a person (</a:t>
+            </a:r>
+            <a:r>
+              <a:rPr lang="en-US" sz="3200" dirty="0">
+                <a:solidFill>
+                  <a:schemeClr val="accent1">
+                    <a:lumMod val="75000"/>
+                  </a:schemeClr>
+                </a:solidFill>
+              </a:rPr>
+              <a:t>Yes…corporations are people!) </a:t>
+            </a:r>
+            <a:r>
+              <a:rPr lang="en-US" sz="3200" dirty="0"/>
+              <a:t>which city should he choose? </a:t>
+            </a:r>
+          </a:p>
+          <a:p>
+            <a:pPr marL="0" indent="0">
+              <a:buNone/>
+            </a:pPr>
+            <a:r>
+              <a:rPr lang="en-US" sz="3200" dirty="0"/>
+              <a:t>We are here to help!</a:t>
+            </a:r>
+          </a:p>
+          <a:p>
+            <a:pPr marL="0" indent="0">
+              <a:buNone/>
+            </a:pPr>
+            <a:endParaRPr lang="en-US" dirty="0"/>
+          </a:p>
+          <a:p>
+            <a:endParaRPr lang="en-US" dirty="0"/>
+          </a:p>
+          <a:p>
+            <a:endParaRPr lang="en-US" dirty="0"/>
+          </a:p>
+        </p:txBody>
+      </p:sp>
+    </p:spTree>
+    <p:extLst>
+      <p:ext uri="{BB962C8B-B14F-4D97-AF65-F5344CB8AC3E}">
+        <p14:creationId xmlns:p14="http://schemas.microsoft.com/office/powerpoint/2010/main" val="71064535"/>
+      </p:ext>
+    </p:extLst>
+  </p:cSld>
+  <p:clrMapOvr>
+    <a:masterClrMapping/>
+  </p:clrMapOvr>
+</p:sld>
+</file>
+
+<file path=ppt/slides/slide20.xml><?xml version="1.0" encoding="utf-8"?>
 <p:sld xmlns:a="http://schemas.openxmlformats.org/drawingml/2006/main" xmlns:r="http://schemas.openxmlformats.org/officeDocument/2006/relationships" xmlns:p="http://schemas.openxmlformats.org/presentationml/2006/main">
   <p:cSld>
     <p:spTree>
@@ -6898,7 +6756,7 @@
 </p:sld>
 </file>
 
-<file path=ppt/slides/slide22.xml><?xml version="1.0" encoding="utf-8"?>
+<file path=ppt/slides/slide21.xml><?xml version="1.0" encoding="utf-8"?>
 <p:sld xmlns:a="http://schemas.openxmlformats.org/drawingml/2006/main" xmlns:r="http://schemas.openxmlformats.org/officeDocument/2006/relationships" xmlns:p="http://schemas.openxmlformats.org/presentationml/2006/main">
   <p:cSld>
     <p:spTree>
@@ -7491,7 +7349,7 @@
 </p:sld>
 </file>
 
-<file path=ppt/slides/slide23.xml><?xml version="1.0" encoding="utf-8"?>
+<file path=ppt/slides/slide22.xml><?xml version="1.0" encoding="utf-8"?>
 <p:sld xmlns:a="http://schemas.openxmlformats.org/drawingml/2006/main" xmlns:r="http://schemas.openxmlformats.org/officeDocument/2006/relationships" xmlns:p="http://schemas.openxmlformats.org/presentationml/2006/main">
   <p:cSld>
     <p:spTree>
@@ -8502,7 +8360,7 @@
 </p:sld>
 </file>
 
-<file path=ppt/slides/slide24.xml><?xml version="1.0" encoding="utf-8"?>
+<file path=ppt/slides/slide23.xml><?xml version="1.0" encoding="utf-8"?>
 <p:sld xmlns:a="http://schemas.openxmlformats.org/drawingml/2006/main" xmlns:r="http://schemas.openxmlformats.org/officeDocument/2006/relationships" xmlns:p="http://schemas.openxmlformats.org/presentationml/2006/main">
   <p:cSld>
     <p:spTree>
@@ -9414,7 +9272,7 @@
 </p:sld>
 </file>
 
-<file path=ppt/slides/slide25.xml><?xml version="1.0" encoding="utf-8"?>
+<file path=ppt/slides/slide24.xml><?xml version="1.0" encoding="utf-8"?>
 <p:sld xmlns:a="http://schemas.openxmlformats.org/drawingml/2006/main" xmlns:r="http://schemas.openxmlformats.org/officeDocument/2006/relationships" xmlns:p="http://schemas.openxmlformats.org/presentationml/2006/main">
   <p:cSld>
     <p:spTree>
@@ -9563,7 +9421,7 @@
 </p:sld>
 </file>
 
-<file path=ppt/slides/slide26.xml><?xml version="1.0" encoding="utf-8"?>
+<file path=ppt/slides/slide25.xml><?xml version="1.0" encoding="utf-8"?>
 <p:sld xmlns:a="http://schemas.openxmlformats.org/drawingml/2006/main" xmlns:r="http://schemas.openxmlformats.org/officeDocument/2006/relationships" xmlns:p="http://schemas.openxmlformats.org/presentationml/2006/main" show="0">
   <p:cSld>
     <p:spTree>
@@ -9653,7 +9511,7 @@
 </p:sld>
 </file>
 
-<file path=ppt/slides/slide27.xml><?xml version="1.0" encoding="utf-8"?>
+<file path=ppt/slides/slide26.xml><?xml version="1.0" encoding="utf-8"?>
 <p:sld xmlns:a="http://schemas.openxmlformats.org/drawingml/2006/main" xmlns:r="http://schemas.openxmlformats.org/officeDocument/2006/relationships" xmlns:p="http://schemas.openxmlformats.org/presentationml/2006/main" show="0">
   <p:cSld>
     <p:spTree>
@@ -13194,12 +13052,8 @@
               <a:buChar char="§"/>
             </a:pPr>
             <a:r>
-              <a:rPr lang="en-US" sz="3200"/>
-              <a:t> Walk </a:t>
-            </a:r>
-            <a:r>
               <a:rPr lang="en-US" sz="3200" dirty="0"/>
-              <a:t>Score API</a:t>
+              <a:t> Walk Score API</a:t>
             </a:r>
           </a:p>
         </p:txBody>

--- a/Project1_Presentation.pptx
+++ b/Project1_Presentation.pptx
@@ -5072,7 +5072,7 @@
 </file>
 
 <file path=ppt/slides/slide17.xml><?xml version="1.0" encoding="utf-8"?>
-<p:sld xmlns:a="http://schemas.openxmlformats.org/drawingml/2006/main" xmlns:r="http://schemas.openxmlformats.org/officeDocument/2006/relationships" xmlns:p="http://schemas.openxmlformats.org/presentationml/2006/main">
+<p:sld xmlns:a="http://schemas.openxmlformats.org/drawingml/2006/main" xmlns:r="http://schemas.openxmlformats.org/officeDocument/2006/relationships" xmlns:p="http://schemas.openxmlformats.org/presentationml/2006/main" show="0">
   <p:cSld>
     <p:spTree>
       <p:nvGrpSpPr>

--- a/Project1_Presentation.pptx
+++ b/Project1_Presentation.pptx
@@ -29,8 +29,9 @@
     <p:sldId id="290" r:id="rId23"/>
     <p:sldId id="295" r:id="rId24"/>
     <p:sldId id="296" r:id="rId25"/>
-    <p:sldId id="264" r:id="rId26"/>
-    <p:sldId id="292" r:id="rId27"/>
+    <p:sldId id="297" r:id="rId26"/>
+    <p:sldId id="264" r:id="rId27"/>
+    <p:sldId id="292" r:id="rId28"/>
   </p:sldIdLst>
   <p:sldSz cx="12192000" cy="6858000"/>
   <p:notesSz cx="6858000" cy="9144000"/>
@@ -4736,6 +4737,14 @@
   <p:clrMapOvr>
     <a:masterClrMapping/>
   </p:clrMapOvr>
+  <mc:AlternateContent xmlns:mc="http://schemas.openxmlformats.org/markup-compatibility/2006">
+    <mc:Choice xmlns:p14="http://schemas.microsoft.com/office/powerpoint/2010/main" Requires="p14">
+      <p:transition spd="slow" p14:dur="2000"/>
+    </mc:Choice>
+    <mc:Fallback>
+      <p:transition spd="slow"/>
+    </mc:Fallback>
+  </mc:AlternateContent>
 </p:sld>
 </file>
 
@@ -5393,6 +5402,14 @@
   <p:clrMapOvr>
     <a:masterClrMapping/>
   </p:clrMapOvr>
+  <mc:AlternateContent xmlns:mc="http://schemas.openxmlformats.org/markup-compatibility/2006">
+    <mc:Choice xmlns:p14="http://schemas.microsoft.com/office/powerpoint/2010/main" Requires="p14">
+      <p:transition spd="slow" p14:dur="2000"/>
+    </mc:Choice>
+    <mc:Fallback>
+      <p:transition spd="slow"/>
+    </mc:Fallback>
+  </mc:AlternateContent>
 </p:sld>
 </file>
 
@@ -8607,11 +8624,17 @@
           <p:cNvGraphicFramePr>
             <a:graphicFrameLocks noGrp="1"/>
           </p:cNvGraphicFramePr>
-          <p:nvPr/>
+          <p:nvPr>
+            <p:extLst>
+              <p:ext uri="{D42A27DB-BD31-4B8C-83A1-F6EECF244321}">
+                <p14:modId xmlns:p14="http://schemas.microsoft.com/office/powerpoint/2010/main" val="2103037029"/>
+              </p:ext>
+            </p:extLst>
+          </p:nvPr>
         </p:nvGraphicFramePr>
         <p:xfrm>
           <a:off x="556591" y="5592362"/>
-          <a:ext cx="11101376" cy="487680"/>
+          <a:ext cx="11240235" cy="487680"/>
         </p:xfrm>
         <a:graphic>
           <a:graphicData uri="http://schemas.openxmlformats.org/drawingml/2006/table">
@@ -8620,115 +8643,115 @@
                 <a:tableStyleId>{5C22544A-7EE6-4342-B048-85BDC9FD1C3A}</a:tableStyleId>
               </a:tblPr>
               <a:tblGrid>
-                <a:gridCol w="693836">
+                <a:gridCol w="532499">
                   <a:extLst>
                     <a:ext uri="{9D8B030D-6E8A-4147-A177-3AD203B41FA5}">
                       <a16:colId xmlns:a16="http://schemas.microsoft.com/office/drawing/2014/main" val="2099015565"/>
                     </a:ext>
                   </a:extLst>
                 </a:gridCol>
-                <a:gridCol w="693836">
+                <a:gridCol w="755206">
+                  <a:extLst>
+                    <a:ext uri="{9D8B030D-6E8A-4147-A177-3AD203B41FA5}">
+                      <a16:colId xmlns:a16="http://schemas.microsoft.com/office/drawing/2014/main" val="217390384"/>
+                    </a:ext>
+                  </a:extLst>
+                </a:gridCol>
+                <a:gridCol w="651384">
                   <a:extLst>
                     <a:ext uri="{9D8B030D-6E8A-4147-A177-3AD203B41FA5}">
                       <a16:colId xmlns:a16="http://schemas.microsoft.com/office/drawing/2014/main" val="1131645849"/>
                     </a:ext>
                   </a:extLst>
                 </a:gridCol>
-                <a:gridCol w="693836">
+                <a:gridCol w="776064">
                   <a:extLst>
                     <a:ext uri="{9D8B030D-6E8A-4147-A177-3AD203B41FA5}">
                       <a16:colId xmlns:a16="http://schemas.microsoft.com/office/drawing/2014/main" val="2979348466"/>
                     </a:ext>
                   </a:extLst>
                 </a:gridCol>
-                <a:gridCol w="693836">
-                  <a:extLst>
-                    <a:ext uri="{9D8B030D-6E8A-4147-A177-3AD203B41FA5}">
-                      <a16:colId xmlns:a16="http://schemas.microsoft.com/office/drawing/2014/main" val="3871454820"/>
-                    </a:ext>
-                  </a:extLst>
-                </a:gridCol>
-                <a:gridCol w="693836">
+                <a:gridCol w="623375">
                   <a:extLst>
                     <a:ext uri="{9D8B030D-6E8A-4147-A177-3AD203B41FA5}">
                       <a16:colId xmlns:a16="http://schemas.microsoft.com/office/drawing/2014/main" val="1076730244"/>
                     </a:ext>
                   </a:extLst>
                 </a:gridCol>
-                <a:gridCol w="693836">
-                  <a:extLst>
-                    <a:ext uri="{9D8B030D-6E8A-4147-A177-3AD203B41FA5}">
-                      <a16:colId xmlns:a16="http://schemas.microsoft.com/office/drawing/2014/main" val="3173180166"/>
-                    </a:ext>
-                  </a:extLst>
-                </a:gridCol>
-                <a:gridCol w="693836">
+                <a:gridCol w="718337">
                   <a:extLst>
                     <a:ext uri="{9D8B030D-6E8A-4147-A177-3AD203B41FA5}">
                       <a16:colId xmlns:a16="http://schemas.microsoft.com/office/drawing/2014/main" val="205725656"/>
                     </a:ext>
                   </a:extLst>
                 </a:gridCol>
-                <a:gridCol w="693836">
+                <a:gridCol w="617763">
                   <a:extLst>
                     <a:ext uri="{9D8B030D-6E8A-4147-A177-3AD203B41FA5}">
                       <a16:colId xmlns:a16="http://schemas.microsoft.com/office/drawing/2014/main" val="2271480319"/>
                     </a:ext>
                   </a:extLst>
                 </a:gridCol>
-                <a:gridCol w="693836">
+                <a:gridCol w="818911">
+                  <a:extLst>
+                    <a:ext uri="{9D8B030D-6E8A-4147-A177-3AD203B41FA5}">
+                      <a16:colId xmlns:a16="http://schemas.microsoft.com/office/drawing/2014/main" val="1173683918"/>
+                    </a:ext>
+                  </a:extLst>
+                </a:gridCol>
+                <a:gridCol w="718337">
+                  <a:extLst>
+                    <a:ext uri="{9D8B030D-6E8A-4147-A177-3AD203B41FA5}">
+                      <a16:colId xmlns:a16="http://schemas.microsoft.com/office/drawing/2014/main" val="970753685"/>
+                    </a:ext>
+                  </a:extLst>
+                </a:gridCol>
+                <a:gridCol w="718337">
+                  <a:extLst>
+                    <a:ext uri="{9D8B030D-6E8A-4147-A177-3AD203B41FA5}">
+                      <a16:colId xmlns:a16="http://schemas.microsoft.com/office/drawing/2014/main" val="2519906615"/>
+                    </a:ext>
+                  </a:extLst>
+                </a:gridCol>
+                <a:gridCol w="718337">
+                  <a:extLst>
+                    <a:ext uri="{9D8B030D-6E8A-4147-A177-3AD203B41FA5}">
+                      <a16:colId xmlns:a16="http://schemas.microsoft.com/office/drawing/2014/main" val="3987029071"/>
+                    </a:ext>
+                  </a:extLst>
+                </a:gridCol>
+                <a:gridCol w="718337">
                   <a:extLst>
                     <a:ext uri="{9D8B030D-6E8A-4147-A177-3AD203B41FA5}">
                       <a16:colId xmlns:a16="http://schemas.microsoft.com/office/drawing/2014/main" val="3504083037"/>
                     </a:ext>
                   </a:extLst>
                 </a:gridCol>
-                <a:gridCol w="693836">
+                <a:gridCol w="718337">
                   <a:extLst>
                     <a:ext uri="{9D8B030D-6E8A-4147-A177-3AD203B41FA5}">
                       <a16:colId xmlns:a16="http://schemas.microsoft.com/office/drawing/2014/main" val="295204535"/>
                     </a:ext>
                   </a:extLst>
                 </a:gridCol>
-                <a:gridCol w="693836">
+                <a:gridCol w="718337">
                   <a:extLst>
                     <a:ext uri="{9D8B030D-6E8A-4147-A177-3AD203B41FA5}">
                       <a16:colId xmlns:a16="http://schemas.microsoft.com/office/drawing/2014/main" val="420834283"/>
                     </a:ext>
                   </a:extLst>
                 </a:gridCol>
-                <a:gridCol w="627222">
+                <a:gridCol w="649371">
                   <a:extLst>
                     <a:ext uri="{9D8B030D-6E8A-4147-A177-3AD203B41FA5}">
                       <a16:colId xmlns:a16="http://schemas.microsoft.com/office/drawing/2014/main" val="4186120540"/>
                     </a:ext>
                   </a:extLst>
                 </a:gridCol>
-                <a:gridCol w="760450">
+                <a:gridCol w="787303">
                   <a:extLst>
                     <a:ext uri="{9D8B030D-6E8A-4147-A177-3AD203B41FA5}">
                       <a16:colId xmlns:a16="http://schemas.microsoft.com/office/drawing/2014/main" val="3484716283"/>
-                    </a:ext>
-                  </a:extLst>
-                </a:gridCol>
-                <a:gridCol w="693836">
-                  <a:extLst>
-                    <a:ext uri="{9D8B030D-6E8A-4147-A177-3AD203B41FA5}">
-                      <a16:colId xmlns:a16="http://schemas.microsoft.com/office/drawing/2014/main" val="3882757151"/>
-                    </a:ext>
-                  </a:extLst>
-                </a:gridCol>
-                <a:gridCol w="693836">
-                  <a:extLst>
-                    <a:ext uri="{9D8B030D-6E8A-4147-A177-3AD203B41FA5}">
-                      <a16:colId xmlns:a16="http://schemas.microsoft.com/office/drawing/2014/main" val="4187639300"/>
-                    </a:ext>
-                  </a:extLst>
-                </a:gridCol>
-                <a:gridCol w="693836">
-                  <a:extLst>
-                    <a:ext uri="{9D8B030D-6E8A-4147-A177-3AD203B41FA5}">
-                      <a16:colId xmlns:a16="http://schemas.microsoft.com/office/drawing/2014/main" val="1901181437"/>
                     </a:ext>
                   </a:extLst>
                 </a:gridCol>
@@ -8742,6 +8765,23 @@
                       <a:r>
                         <a:rPr lang="en-US" sz="1000" dirty="0"/>
                         <a:t>House</a:t>
+                      </a:r>
+                    </a:p>
+                  </a:txBody>
+                  <a:tcPr/>
+                </a:tc>
+                <a:tc>
+                  <a:txBody>
+                    <a:bodyPr/>
+                    <a:lstStyle/>
+                    <a:p>
+                      <a:r>
+                        <a:rPr lang="en-US" sz="1000" dirty="0" smtClean="0"/>
+                        <a:t>Tech </a:t>
+                      </a:r>
+                      <a:r>
+                        <a:rPr lang="en-US" sz="1000" dirty="0"/>
+                        <a:t>Pool</a:t>
                       </a:r>
                     </a:p>
                   </a:txBody>
@@ -8780,33 +8820,7 @@
                     <a:p>
                       <a:r>
                         <a:rPr lang="en-US" sz="1000" dirty="0"/>
-                        <a:t>School</a:t>
-                      </a:r>
-                    </a:p>
-                  </a:txBody>
-                  <a:tcPr/>
-                </a:tc>
-                <a:tc>
-                  <a:txBody>
-                    <a:bodyPr/>
-                    <a:lstStyle/>
-                    <a:p>
-                      <a:r>
-                        <a:rPr lang="en-US" sz="1000" dirty="0"/>
                         <a:t>College</a:t>
-                      </a:r>
-                    </a:p>
-                  </a:txBody>
-                  <a:tcPr/>
-                </a:tc>
-                <a:tc>
-                  <a:txBody>
-                    <a:bodyPr/>
-                    <a:lstStyle/>
-                    <a:p>
-                      <a:r>
-                        <a:rPr lang="en-US" sz="1000" dirty="0"/>
-                        <a:t>Tec Pool</a:t>
                       </a:r>
                     </a:p>
                   </a:txBody>
@@ -8831,8 +8845,62 @@
                     <a:lstStyle/>
                     <a:p>
                       <a:r>
+                        <a:rPr lang="en-US" sz="1000" dirty="0" smtClean="0"/>
+                        <a:t>Airports</a:t>
+                      </a:r>
+                      <a:endParaRPr lang="en-US" sz="1000" dirty="0"/>
+                    </a:p>
+                  </a:txBody>
+                  <a:tcPr/>
+                </a:tc>
+                <a:tc>
+                  <a:txBody>
+                    <a:bodyPr/>
+                    <a:lstStyle/>
+                    <a:p>
+                      <a:r>
+                        <a:rPr lang="en-US" sz="1000" dirty="0" smtClean="0"/>
+                        <a:t>K-12 School</a:t>
+                      </a:r>
+                      <a:endParaRPr lang="en-US" sz="1000" dirty="0"/>
+                    </a:p>
+                  </a:txBody>
+                  <a:tcPr/>
+                </a:tc>
+                <a:tc>
+                  <a:txBody>
+                    <a:bodyPr/>
+                    <a:lstStyle/>
+                    <a:p>
+                      <a:r>
                         <a:rPr lang="en-US" sz="1000" dirty="0"/>
-                        <a:t>Airport</a:t>
+                        <a:t>Crime</a:t>
+                      </a:r>
+                    </a:p>
+                  </a:txBody>
+                  <a:tcPr/>
+                </a:tc>
+                <a:tc>
+                  <a:txBody>
+                    <a:bodyPr/>
+                    <a:lstStyle/>
+                    <a:p>
+                      <a:r>
+                        <a:rPr lang="en-US" sz="1000" dirty="0"/>
+                        <a:t>Climate</a:t>
+                      </a:r>
+                    </a:p>
+                  </a:txBody>
+                  <a:tcPr/>
+                </a:tc>
+                <a:tc>
+                  <a:txBody>
+                    <a:bodyPr/>
+                    <a:lstStyle/>
+                    <a:p>
+                      <a:r>
+                        <a:rPr lang="en-US" sz="1000" dirty="0"/>
+                        <a:t>Pollution</a:t>
                       </a:r>
                     </a:p>
                   </a:txBody>
@@ -8845,15 +8913,22 @@
                     <a:p>
                       <a:pPr algn="ctr" fontAlgn="b"/>
                       <a:r>
-                        <a:rPr lang="en-US" sz="1000" b="1" i="0" u="none" strike="noStrike" dirty="0">
+                        <a:rPr lang="en-US" sz="1000" b="1" i="0" u="none" strike="noStrike" dirty="0" smtClean="0">
                           <a:solidFill>
                             <a:schemeClr val="bg1"/>
                           </a:solidFill>
                           <a:effectLst/>
                           <a:latin typeface="+mn-lt"/>
                         </a:rPr>
-                        <a:t>Rest</a:t>
+                        <a:t>Restaurants</a:t>
                       </a:r>
+                      <a:endParaRPr lang="en-US" sz="1000" b="1" i="0" u="none" strike="noStrike" dirty="0">
+                        <a:solidFill>
+                          <a:schemeClr val="bg1"/>
+                        </a:solidFill>
+                        <a:effectLst/>
+                        <a:latin typeface="+mn-lt"/>
+                      </a:endParaRPr>
                     </a:p>
                   </a:txBody>
                   <a:tcPr marL="9525" marR="9525" marT="9525" marB="0" anchor="ctr"/>
@@ -8924,48 +8999,10 @@
                     <a:lstStyle/>
                     <a:p>
                       <a:r>
-                        <a:rPr lang="en-US" sz="1000" dirty="0"/>
-                        <a:t>Fitness</a:t>
+                        <a:rPr lang="en-US" sz="1000" dirty="0" smtClean="0"/>
+                        <a:t>Gyms</a:t>
                       </a:r>
-                    </a:p>
-                  </a:txBody>
-                  <a:tcPr/>
-                </a:tc>
-                <a:tc>
-                  <a:txBody>
-                    <a:bodyPr/>
-                    <a:lstStyle/>
-                    <a:p>
-                      <a:r>
-                        <a:rPr lang="en-US" sz="1000" dirty="0"/>
-                        <a:t>Crime</a:t>
-                      </a:r>
-                    </a:p>
-                  </a:txBody>
-                  <a:tcPr/>
-                </a:tc>
-                <a:tc>
-                  <a:txBody>
-                    <a:bodyPr/>
-                    <a:lstStyle/>
-                    <a:p>
-                      <a:r>
-                        <a:rPr lang="en-US" sz="1000" dirty="0"/>
-                        <a:t>Climate</a:t>
-                      </a:r>
-                    </a:p>
-                  </a:txBody>
-                  <a:tcPr/>
-                </a:tc>
-                <a:tc>
-                  <a:txBody>
-                    <a:bodyPr/>
-                    <a:lstStyle/>
-                    <a:p>
-                      <a:r>
-                        <a:rPr lang="en-US" sz="1000" dirty="0"/>
-                        <a:t>Pollution</a:t>
-                      </a:r>
+                      <a:endParaRPr lang="en-US" sz="1000" dirty="0"/>
                     </a:p>
                   </a:txBody>
                   <a:tcPr/>
@@ -8977,6 +9014,19 @@
                 </a:extLst>
               </a:tr>
               <a:tr h="157618">
+                <a:tc>
+                  <a:txBody>
+                    <a:bodyPr/>
+                    <a:lstStyle/>
+                    <a:p>
+                      <a:r>
+                        <a:rPr lang="en-US" sz="1000" dirty="0"/>
+                        <a:t>3</a:t>
+                      </a:r>
+                    </a:p>
+                  </a:txBody>
+                  <a:tcPr/>
+                </a:tc>
                 <a:tc>
                   <a:txBody>
                     <a:bodyPr/>
@@ -9023,143 +9073,11 @@
                     <a:p>
                       <a:r>
                         <a:rPr lang="en-US" sz="1000" dirty="0"/>
-                        <a:t>1</a:t>
-                      </a:r>
-                    </a:p>
-                  </a:txBody>
-                  <a:tcPr/>
-                </a:tc>
-                <a:tc>
-                  <a:txBody>
-                    <a:bodyPr/>
-                    <a:lstStyle/>
-                    <a:p>
-                      <a:r>
-                        <a:rPr lang="en-US" sz="1000" dirty="0"/>
                         <a:t>2</a:t>
                       </a:r>
                     </a:p>
                   </a:txBody>
                   <a:tcPr/>
-                </a:tc>
-                <a:tc>
-                  <a:txBody>
-                    <a:bodyPr/>
-                    <a:lstStyle/>
-                    <a:p>
-                      <a:r>
-                        <a:rPr lang="en-US" sz="1000" dirty="0"/>
-                        <a:t>3</a:t>
-                      </a:r>
-                    </a:p>
-                  </a:txBody>
-                  <a:tcPr/>
-                </a:tc>
-                <a:tc>
-                  <a:txBody>
-                    <a:bodyPr/>
-                    <a:lstStyle/>
-                    <a:p>
-                      <a:r>
-                        <a:rPr lang="en-US" sz="1000" dirty="0"/>
-                        <a:t>2</a:t>
-                      </a:r>
-                    </a:p>
-                  </a:txBody>
-                  <a:tcPr/>
-                </a:tc>
-                <a:tc>
-                  <a:txBody>
-                    <a:bodyPr/>
-                    <a:lstStyle/>
-                    <a:p>
-                      <a:r>
-                        <a:rPr lang="en-US" sz="1000" dirty="0"/>
-                        <a:t>1</a:t>
-                      </a:r>
-                    </a:p>
-                  </a:txBody>
-                  <a:tcPr/>
-                </a:tc>
-                <a:tc>
-                  <a:txBody>
-                    <a:bodyPr/>
-                    <a:lstStyle/>
-                    <a:p>
-                      <a:pPr algn="l" fontAlgn="b"/>
-                      <a:r>
-                        <a:rPr lang="en-US" sz="1000" b="0" i="0" u="none" strike="noStrike" dirty="0">
-                          <a:solidFill>
-                            <a:srgbClr val="000000"/>
-                          </a:solidFill>
-                          <a:effectLst/>
-                          <a:latin typeface="+mn-lt"/>
-                        </a:rPr>
-                        <a:t> 0.25</a:t>
-                      </a:r>
-                    </a:p>
-                  </a:txBody>
-                  <a:tcPr marL="9525" marR="9525" marT="9525" marB="0" anchor="ctr"/>
-                </a:tc>
-                <a:tc>
-                  <a:txBody>
-                    <a:bodyPr/>
-                    <a:lstStyle/>
-                    <a:p>
-                      <a:pPr algn="l" fontAlgn="b"/>
-                      <a:r>
-                        <a:rPr lang="en-US" sz="1000" b="0" i="0" u="none" strike="noStrike" dirty="0">
-                          <a:solidFill>
-                            <a:srgbClr val="000000"/>
-                          </a:solidFill>
-                          <a:effectLst/>
-                          <a:latin typeface="+mn-lt"/>
-                        </a:rPr>
-                        <a:t> 0.75</a:t>
-                      </a:r>
-                    </a:p>
-                  </a:txBody>
-                  <a:tcPr marL="9525" marR="9525" marT="9525" marB="0" anchor="ctr"/>
-                </a:tc>
-                <a:tc>
-                  <a:txBody>
-                    <a:bodyPr/>
-                    <a:lstStyle/>
-                    <a:p>
-                      <a:pPr algn="l" fontAlgn="b"/>
-                      <a:r>
-                        <a:rPr lang="en-US" sz="1000" b="0" i="0" u="none" strike="noStrike" dirty="0">
-                          <a:solidFill>
-                            <a:srgbClr val="000000"/>
-                          </a:solidFill>
-                          <a:effectLst/>
-                          <a:latin typeface="+mn-lt"/>
-                        </a:rPr>
-                        <a:t> 0.5</a:t>
-                      </a:r>
-                    </a:p>
-                  </a:txBody>
-                  <a:tcPr marL="9525" marR="9525" marT="9525" marB="0" anchor="ctr"/>
-                </a:tc>
-                <a:tc>
-                  <a:txBody>
-                    <a:bodyPr/>
-                    <a:lstStyle/>
-                    <a:p>
-                      <a:pPr algn="l" fontAlgn="b"/>
-                      <a:r>
-                        <a:rPr lang="en-US" sz="1000" b="0" i="0" u="none" strike="noStrike" dirty="0">
-                          <a:solidFill>
-                            <a:srgbClr val="000000"/>
-                          </a:solidFill>
-                          <a:effectLst/>
-                          <a:latin typeface="+mn-lt"/>
-                        </a:rPr>
-                        <a:t> 0.25</a:t>
-                      </a:r>
-                    </a:p>
-                  </a:txBody>
-                  <a:tcPr marL="9525" marR="9525" marT="9525" marB="0" anchor="ctr"/>
                 </a:tc>
                 <a:tc>
                   <a:txBody>
@@ -9213,6 +9131,160 @@
                   </a:txBody>
                   <a:tcPr/>
                 </a:tc>
+                <a:tc>
+                  <a:txBody>
+                    <a:bodyPr/>
+                    <a:lstStyle/>
+                    <a:p>
+                      <a:r>
+                        <a:rPr lang="en-US" sz="1000" dirty="0"/>
+                        <a:t>1</a:t>
+                      </a:r>
+                    </a:p>
+                  </a:txBody>
+                  <a:tcPr/>
+                </a:tc>
+                <a:tc>
+                  <a:txBody>
+                    <a:bodyPr/>
+                    <a:lstStyle/>
+                    <a:p>
+                      <a:r>
+                        <a:rPr lang="en-US" sz="1000" dirty="0"/>
+                        <a:t>1</a:t>
+                      </a:r>
+                    </a:p>
+                  </a:txBody>
+                  <a:tcPr/>
+                </a:tc>
+                <a:tc>
+                  <a:txBody>
+                    <a:bodyPr/>
+                    <a:lstStyle/>
+                    <a:p>
+                      <a:pPr algn="l" fontAlgn="b"/>
+                      <a:r>
+                        <a:rPr lang="en-US" sz="1000" b="0" i="0" u="none" strike="noStrike" dirty="0">
+                          <a:solidFill>
+                            <a:srgbClr val="000000"/>
+                          </a:solidFill>
+                          <a:effectLst/>
+                          <a:latin typeface="+mn-lt"/>
+                        </a:rPr>
+                        <a:t> 0.25</a:t>
+                      </a:r>
+                    </a:p>
+                  </a:txBody>
+                  <a:tcPr marL="9525" marR="9525" marT="9525" marB="0" anchor="ctr"/>
+                </a:tc>
+                <a:tc>
+                  <a:txBody>
+                    <a:bodyPr/>
+                    <a:lstStyle/>
+                    <a:p>
+                      <a:pPr algn="l" fontAlgn="b"/>
+                      <a:r>
+                        <a:rPr lang="en-US" sz="1000" b="0" i="0" u="none" strike="noStrike" dirty="0">
+                          <a:solidFill>
+                            <a:srgbClr val="000000"/>
+                          </a:solidFill>
+                          <a:effectLst/>
+                          <a:latin typeface="+mn-lt"/>
+                        </a:rPr>
+                        <a:t> </a:t>
+                      </a:r>
+                      <a:r>
+                        <a:rPr lang="en-US" sz="1000" b="0" i="0" u="none" strike="noStrike" dirty="0" smtClean="0">
+                          <a:solidFill>
+                            <a:srgbClr val="000000"/>
+                          </a:solidFill>
+                          <a:effectLst/>
+                          <a:latin typeface="+mn-lt"/>
+                        </a:rPr>
+                        <a:t>0.25</a:t>
+                      </a:r>
+                      <a:endParaRPr lang="en-US" sz="1000" b="0" i="0" u="none" strike="noStrike" dirty="0">
+                        <a:solidFill>
+                          <a:srgbClr val="000000"/>
+                        </a:solidFill>
+                        <a:effectLst/>
+                        <a:latin typeface="+mn-lt"/>
+                      </a:endParaRPr>
+                    </a:p>
+                  </a:txBody>
+                  <a:tcPr marL="9525" marR="9525" marT="9525" marB="0" anchor="ctr"/>
+                </a:tc>
+                <a:tc>
+                  <a:txBody>
+                    <a:bodyPr/>
+                    <a:lstStyle/>
+                    <a:p>
+                      <a:pPr algn="l" fontAlgn="b"/>
+                      <a:r>
+                        <a:rPr lang="en-US" sz="1000" b="0" i="0" u="none" strike="noStrike" dirty="0">
+                          <a:solidFill>
+                            <a:srgbClr val="000000"/>
+                          </a:solidFill>
+                          <a:effectLst/>
+                          <a:latin typeface="+mn-lt"/>
+                        </a:rPr>
+                        <a:t> </a:t>
+                      </a:r>
+                      <a:r>
+                        <a:rPr lang="en-US" sz="1000" b="0" i="0" u="none" strike="noStrike" dirty="0" smtClean="0">
+                          <a:solidFill>
+                            <a:srgbClr val="000000"/>
+                          </a:solidFill>
+                          <a:effectLst/>
+                          <a:latin typeface="+mn-lt"/>
+                        </a:rPr>
+                        <a:t>0.25</a:t>
+                      </a:r>
+                      <a:endParaRPr lang="en-US" sz="1000" b="0" i="0" u="none" strike="noStrike" dirty="0">
+                        <a:solidFill>
+                          <a:srgbClr val="000000"/>
+                        </a:solidFill>
+                        <a:effectLst/>
+                        <a:latin typeface="+mn-lt"/>
+                      </a:endParaRPr>
+                    </a:p>
+                  </a:txBody>
+                  <a:tcPr marL="9525" marR="9525" marT="9525" marB="0" anchor="ctr"/>
+                </a:tc>
+                <a:tc>
+                  <a:txBody>
+                    <a:bodyPr/>
+                    <a:lstStyle/>
+                    <a:p>
+                      <a:pPr algn="l" fontAlgn="b"/>
+                      <a:r>
+                        <a:rPr lang="en-US" sz="1000" b="0" i="0" u="none" strike="noStrike" dirty="0">
+                          <a:solidFill>
+                            <a:srgbClr val="000000"/>
+                          </a:solidFill>
+                          <a:effectLst/>
+                          <a:latin typeface="+mn-lt"/>
+                        </a:rPr>
+                        <a:t> 0.25</a:t>
+                      </a:r>
+                    </a:p>
+                  </a:txBody>
+                  <a:tcPr marL="9525" marR="9525" marT="9525" marB="0" anchor="ctr"/>
+                </a:tc>
+                <a:tc>
+                  <a:txBody>
+                    <a:bodyPr/>
+                    <a:lstStyle/>
+                    <a:p>
+                      <a:r>
+                        <a:rPr lang="en-US" sz="1000" dirty="0" smtClean="0"/>
+                        <a:t>0.25</a:t>
+                      </a:r>
+                      <a:endParaRPr lang="en-US" sz="1000" dirty="0"/>
+                    </a:p>
+                  </a:txBody>
+                  <a:tcPr/>
+                </a:tc>
                 <a:extLst>
                   <a:ext uri="{0D108BD9-81ED-4DB2-BD59-A6C34878D82A}">
                     <a16:rowId xmlns:a16="http://schemas.microsoft.com/office/drawing/2014/main" val="3565520845"/>
@@ -9422,6 +9494,112 @@
 </file>
 
 <file path=ppt/slides/slide25.xml><?xml version="1.0" encoding="utf-8"?>
+<p:sld xmlns:a="http://schemas.openxmlformats.org/drawingml/2006/main" xmlns:r="http://schemas.openxmlformats.org/officeDocument/2006/relationships" xmlns:p="http://schemas.openxmlformats.org/presentationml/2006/main">
+  <p:cSld>
+    <p:spTree>
+      <p:nvGrpSpPr>
+        <p:cNvPr id="1" name=""/>
+        <p:cNvGrpSpPr/>
+        <p:nvPr/>
+      </p:nvGrpSpPr>
+      <p:grpSpPr>
+        <a:xfrm>
+          <a:off x="0" y="0"/>
+          <a:ext cx="0" cy="0"/>
+          <a:chOff x="0" y="0"/>
+          <a:chExt cx="0" cy="0"/>
+        </a:xfrm>
+      </p:grpSpPr>
+      <p:sp>
+        <p:nvSpPr>
+          <p:cNvPr id="2" name="Title 1"/>
+          <p:cNvSpPr>
+            <a:spLocks noGrp="1"/>
+          </p:cNvSpPr>
+          <p:nvPr>
+            <p:ph type="title"/>
+          </p:nvPr>
+        </p:nvSpPr>
+        <p:spPr/>
+        <p:txBody>
+          <a:bodyPr/>
+          <a:lstStyle/>
+          <a:p>
+            <a:r>
+              <a:rPr lang="en-US" dirty="0" smtClean="0"/>
+              <a:t>Appendix</a:t>
+            </a:r>
+            <a:endParaRPr lang="en-US" dirty="0"/>
+          </a:p>
+        </p:txBody>
+      </p:sp>
+      <p:sp>
+        <p:nvSpPr>
+          <p:cNvPr id="3" name="Content Placeholder 2"/>
+          <p:cNvSpPr>
+            <a:spLocks noGrp="1"/>
+          </p:cNvSpPr>
+          <p:nvPr>
+            <p:ph idx="1"/>
+          </p:nvPr>
+        </p:nvSpPr>
+        <p:spPr/>
+        <p:txBody>
+          <a:bodyPr/>
+          <a:lstStyle/>
+          <a:p>
+            <a:r>
+              <a:rPr lang="en-US" dirty="0" smtClean="0"/>
+              <a:t>Given the limited time, we arbitrary assigned weights to the categories. If we had more time we would have done the following:</a:t>
+            </a:r>
+          </a:p>
+          <a:p>
+            <a:pPr marL="457200" indent="-457200">
+              <a:buFont typeface="+mj-lt"/>
+              <a:buAutoNum type="arabicPeriod"/>
+            </a:pPr>
+            <a:r>
+              <a:rPr lang="en-US" dirty="0" smtClean="0"/>
+              <a:t>Pull the list of rejected cities and site addresses</a:t>
+            </a:r>
+          </a:p>
+          <a:p>
+            <a:pPr marL="457200" indent="-457200">
+              <a:buFont typeface="+mj-lt"/>
+              <a:buAutoNum type="arabicPeriod"/>
+            </a:pPr>
+            <a:r>
+              <a:rPr lang="en-US" dirty="0" smtClean="0"/>
+              <a:t>Run the reject lists through the API used and create a data frame.</a:t>
+            </a:r>
+          </a:p>
+          <a:p>
+            <a:pPr marL="457200" indent="-457200">
+              <a:buFont typeface="+mj-lt"/>
+              <a:buAutoNum type="arabicPeriod"/>
+            </a:pPr>
+            <a:r>
+              <a:rPr lang="en-US" dirty="0" smtClean="0"/>
+              <a:t>Use the rejected data as the training data to determine the categories weights</a:t>
+            </a:r>
+            <a:endParaRPr lang="en-US" dirty="0"/>
+          </a:p>
+        </p:txBody>
+      </p:sp>
+    </p:spTree>
+    <p:extLst>
+      <p:ext uri="{BB962C8B-B14F-4D97-AF65-F5344CB8AC3E}">
+        <p14:creationId xmlns:p14="http://schemas.microsoft.com/office/powerpoint/2010/main" val="3493860751"/>
+      </p:ext>
+    </p:extLst>
+  </p:cSld>
+  <p:clrMapOvr>
+    <a:masterClrMapping/>
+  </p:clrMapOvr>
+</p:sld>
+</file>
+
+<file path=ppt/slides/slide26.xml><?xml version="1.0" encoding="utf-8"?>
 <p:sld xmlns:a="http://schemas.openxmlformats.org/drawingml/2006/main" xmlns:r="http://schemas.openxmlformats.org/officeDocument/2006/relationships" xmlns:p="http://schemas.openxmlformats.org/presentationml/2006/main" show="0">
   <p:cSld>
     <p:spTree>
@@ -9508,10 +9686,18 @@
   <p:clrMapOvr>
     <a:masterClrMapping/>
   </p:clrMapOvr>
+  <mc:AlternateContent xmlns:mc="http://schemas.openxmlformats.org/markup-compatibility/2006">
+    <mc:Choice xmlns:p14="http://schemas.microsoft.com/office/powerpoint/2010/main" Requires="p14">
+      <p:transition spd="slow" p14:dur="2000"/>
+    </mc:Choice>
+    <mc:Fallback>
+      <p:transition spd="slow"/>
+    </mc:Fallback>
+  </mc:AlternateContent>
 </p:sld>
 </file>
 
-<file path=ppt/slides/slide26.xml><?xml version="1.0" encoding="utf-8"?>
+<file path=ppt/slides/slide27.xml><?xml version="1.0" encoding="utf-8"?>
 <p:sld xmlns:a="http://schemas.openxmlformats.org/drawingml/2006/main" xmlns:r="http://schemas.openxmlformats.org/officeDocument/2006/relationships" xmlns:p="http://schemas.openxmlformats.org/presentationml/2006/main" show="0">
   <p:cSld>
     <p:spTree>
@@ -9699,6 +9885,14 @@
   <p:clrMapOvr>
     <a:masterClrMapping/>
   </p:clrMapOvr>
+  <mc:AlternateContent xmlns:mc="http://schemas.openxmlformats.org/markup-compatibility/2006">
+    <mc:Choice xmlns:p14="http://schemas.microsoft.com/office/powerpoint/2010/main" Requires="p14">
+      <p:transition spd="slow" p14:dur="2000"/>
+    </mc:Choice>
+    <mc:Fallback>
+      <p:transition spd="slow"/>
+    </mc:Fallback>
+  </mc:AlternateContent>
 </p:sld>
 </file>
 

--- a/Project1_Presentation.pptx
+++ b/Project1_Presentation.pptx
@@ -30,8 +30,9 @@
     <p:sldId id="295" r:id="rId24"/>
     <p:sldId id="296" r:id="rId25"/>
     <p:sldId id="297" r:id="rId26"/>
-    <p:sldId id="264" r:id="rId27"/>
-    <p:sldId id="292" r:id="rId28"/>
+    <p:sldId id="298" r:id="rId27"/>
+    <p:sldId id="264" r:id="rId28"/>
+    <p:sldId id="292" r:id="rId29"/>
   </p:sldIdLst>
   <p:sldSz cx="12192000" cy="6858000"/>
   <p:notesSz cx="6858000" cy="9144000"/>
@@ -364,7 +365,7 @@
           <a:p>
             <a:fld id="{F70A646C-22A8-4D69-ACFD-CD88A31D50DB}" type="datetimeFigureOut">
               <a:rPr lang="en-US" smtClean="0"/>
-              <a:t>4/4/2018</a:t>
+              <a:t>4/4/18</a:t>
             </a:fld>
             <a:endParaRPr lang="en-US"/>
           </a:p>
@@ -572,7 +573,7 @@
           <a:p>
             <a:fld id="{F70A646C-22A8-4D69-ACFD-CD88A31D50DB}" type="datetimeFigureOut">
               <a:rPr lang="en-US" smtClean="0"/>
-              <a:t>4/4/2018</a:t>
+              <a:t>4/4/18</a:t>
             </a:fld>
             <a:endParaRPr lang="en-US"/>
           </a:p>
@@ -828,7 +829,7 @@
           <a:p>
             <a:fld id="{F70A646C-22A8-4D69-ACFD-CD88A31D50DB}" type="datetimeFigureOut">
               <a:rPr lang="en-US" smtClean="0"/>
-              <a:t>4/4/2018</a:t>
+              <a:t>4/4/18</a:t>
             </a:fld>
             <a:endParaRPr lang="en-US"/>
           </a:p>
@@ -1002,7 +1003,7 @@
           <a:p>
             <a:fld id="{F70A646C-22A8-4D69-ACFD-CD88A31D50DB}" type="datetimeFigureOut">
               <a:rPr lang="en-US" smtClean="0"/>
-              <a:t>4/4/2018</a:t>
+              <a:t>4/4/18</a:t>
             </a:fld>
             <a:endParaRPr lang="en-US"/>
           </a:p>
@@ -1345,7 +1346,7 @@
           <a:p>
             <a:fld id="{F70A646C-22A8-4D69-ACFD-CD88A31D50DB}" type="datetimeFigureOut">
               <a:rPr lang="en-US" smtClean="0"/>
-              <a:t>4/4/2018</a:t>
+              <a:t>4/4/18</a:t>
             </a:fld>
             <a:endParaRPr lang="en-US"/>
           </a:p>
@@ -1620,7 +1621,7 @@
           <a:p>
             <a:fld id="{F70A646C-22A8-4D69-ACFD-CD88A31D50DB}" type="datetimeFigureOut">
               <a:rPr lang="en-US" smtClean="0"/>
-              <a:t>4/4/2018</a:t>
+              <a:t>4/4/18</a:t>
             </a:fld>
             <a:endParaRPr lang="en-US"/>
           </a:p>
@@ -1999,7 +2000,7 @@
           <a:p>
             <a:fld id="{F70A646C-22A8-4D69-ACFD-CD88A31D50DB}" type="datetimeFigureOut">
               <a:rPr lang="en-US" smtClean="0"/>
-              <a:t>4/4/2018</a:t>
+              <a:t>4/4/18</a:t>
             </a:fld>
             <a:endParaRPr lang="en-US"/>
           </a:p>
@@ -2117,7 +2118,7 @@
           <a:p>
             <a:fld id="{F70A646C-22A8-4D69-ACFD-CD88A31D50DB}" type="datetimeFigureOut">
               <a:rPr lang="en-US" smtClean="0"/>
-              <a:t>4/4/2018</a:t>
+              <a:t>4/4/18</a:t>
             </a:fld>
             <a:endParaRPr lang="en-US"/>
           </a:p>
@@ -2288,7 +2289,7 @@
           <a:p>
             <a:fld id="{F70A646C-22A8-4D69-ACFD-CD88A31D50DB}" type="datetimeFigureOut">
               <a:rPr lang="en-US" smtClean="0"/>
-              <a:t>4/4/2018</a:t>
+              <a:t>4/4/18</a:t>
             </a:fld>
             <a:endParaRPr lang="en-US"/>
           </a:p>
@@ -2642,7 +2643,7 @@
           <a:p>
             <a:fld id="{F70A646C-22A8-4D69-ACFD-CD88A31D50DB}" type="datetimeFigureOut">
               <a:rPr lang="en-US" smtClean="0"/>
-              <a:t>4/4/2018</a:t>
+              <a:t>4/4/18</a:t>
             </a:fld>
             <a:endParaRPr lang="en-US"/>
           </a:p>
@@ -3024,7 +3025,7 @@
           <a:p>
             <a:fld id="{F70A646C-22A8-4D69-ACFD-CD88A31D50DB}" type="datetimeFigureOut">
               <a:rPr lang="en-US" smtClean="0"/>
-              <a:t>4/4/2018</a:t>
+              <a:t>4/4/18</a:t>
             </a:fld>
             <a:endParaRPr lang="en-US"/>
           </a:p>
@@ -3311,7 +3312,7 @@
           <a:p>
             <a:fld id="{F70A646C-22A8-4D69-ACFD-CD88A31D50DB}" type="datetimeFigureOut">
               <a:rPr lang="en-US" smtClean="0"/>
-              <a:t>4/4/2018</a:t>
+              <a:t>4/4/18</a:t>
             </a:fld>
             <a:endParaRPr lang="en-US"/>
           </a:p>
@@ -4737,14 +4738,6 @@
   <p:clrMapOvr>
     <a:masterClrMapping/>
   </p:clrMapOvr>
-  <mc:AlternateContent xmlns:mc="http://schemas.openxmlformats.org/markup-compatibility/2006">
-    <mc:Choice xmlns:p14="http://schemas.microsoft.com/office/powerpoint/2010/main" Requires="p14">
-      <p:transition spd="slow" p14:dur="2000"/>
-    </mc:Choice>
-    <mc:Fallback>
-      <p:transition spd="slow"/>
-    </mc:Fallback>
-  </mc:AlternateContent>
 </p:sld>
 </file>
 
@@ -5402,14 +5395,6 @@
   <p:clrMapOvr>
     <a:masterClrMapping/>
   </p:clrMapOvr>
-  <mc:AlternateContent xmlns:mc="http://schemas.openxmlformats.org/markup-compatibility/2006">
-    <mc:Choice xmlns:p14="http://schemas.microsoft.com/office/powerpoint/2010/main" Requires="p14">
-      <p:transition spd="slow" p14:dur="2000"/>
-    </mc:Choice>
-    <mc:Fallback>
-      <p:transition spd="slow"/>
-    </mc:Fallback>
-  </mc:AlternateContent>
 </p:sld>
 </file>
 
@@ -8776,12 +8761,8 @@
                     <a:lstStyle/>
                     <a:p>
                       <a:r>
-                        <a:rPr lang="en-US" sz="1000" dirty="0" smtClean="0"/>
-                        <a:t>Tech </a:t>
-                      </a:r>
-                      <a:r>
                         <a:rPr lang="en-US" sz="1000" dirty="0"/>
-                        <a:t>Pool</a:t>
+                        <a:t>Tech Pool</a:t>
                       </a:r>
                     </a:p>
                   </a:txBody>
@@ -8845,10 +8826,9 @@
                     <a:lstStyle/>
                     <a:p>
                       <a:r>
-                        <a:rPr lang="en-US" sz="1000" dirty="0" smtClean="0"/>
+                        <a:rPr lang="en-US" sz="1000" dirty="0"/>
                         <a:t>Airports</a:t>
                       </a:r>
-                      <a:endParaRPr lang="en-US" sz="1000" dirty="0"/>
                     </a:p>
                   </a:txBody>
                   <a:tcPr/>
@@ -8859,10 +8839,9 @@
                     <a:lstStyle/>
                     <a:p>
                       <a:r>
-                        <a:rPr lang="en-US" sz="1000" dirty="0" smtClean="0"/>
+                        <a:rPr lang="en-US" sz="1000" dirty="0"/>
                         <a:t>K-12 School</a:t>
                       </a:r>
-                      <a:endParaRPr lang="en-US" sz="1000" dirty="0"/>
                     </a:p>
                   </a:txBody>
                   <a:tcPr/>
@@ -8913,7 +8892,7 @@
                     <a:p>
                       <a:pPr algn="ctr" fontAlgn="b"/>
                       <a:r>
-                        <a:rPr lang="en-US" sz="1000" b="1" i="0" u="none" strike="noStrike" dirty="0" smtClean="0">
+                        <a:rPr lang="en-US" sz="1000" b="1" i="0" u="none" strike="noStrike" dirty="0">
                           <a:solidFill>
                             <a:schemeClr val="bg1"/>
                           </a:solidFill>
@@ -8922,13 +8901,6 @@
                         </a:rPr>
                         <a:t>Restaurants</a:t>
                       </a:r>
-                      <a:endParaRPr lang="en-US" sz="1000" b="1" i="0" u="none" strike="noStrike" dirty="0">
-                        <a:solidFill>
-                          <a:schemeClr val="bg1"/>
-                        </a:solidFill>
-                        <a:effectLst/>
-                        <a:latin typeface="+mn-lt"/>
-                      </a:endParaRPr>
                     </a:p>
                   </a:txBody>
                   <a:tcPr marL="9525" marR="9525" marT="9525" marB="0" anchor="ctr"/>
@@ -8999,10 +8971,9 @@
                     <a:lstStyle/>
                     <a:p>
                       <a:r>
-                        <a:rPr lang="en-US" sz="1000" dirty="0" smtClean="0"/>
+                        <a:rPr lang="en-US" sz="1000" dirty="0"/>
                         <a:t>Gyms</a:t>
                       </a:r>
-                      <a:endParaRPr lang="en-US" sz="1000" dirty="0"/>
                     </a:p>
                   </a:txBody>
                   <a:tcPr/>
@@ -9191,25 +9162,8 @@
                           <a:effectLst/>
                           <a:latin typeface="+mn-lt"/>
                         </a:rPr>
-                        <a:t> </a:t>
+                        <a:t> 0.25</a:t>
                       </a:r>
-                      <a:r>
-                        <a:rPr lang="en-US" sz="1000" b="0" i="0" u="none" strike="noStrike" dirty="0" smtClean="0">
-                          <a:solidFill>
-                            <a:srgbClr val="000000"/>
-                          </a:solidFill>
-                          <a:effectLst/>
-                          <a:latin typeface="+mn-lt"/>
-                        </a:rPr>
-                        <a:t>0.25</a:t>
-                      </a:r>
-                      <a:endParaRPr lang="en-US" sz="1000" b="0" i="0" u="none" strike="noStrike" dirty="0">
-                        <a:solidFill>
-                          <a:srgbClr val="000000"/>
-                        </a:solidFill>
-                        <a:effectLst/>
-                        <a:latin typeface="+mn-lt"/>
-                      </a:endParaRPr>
                     </a:p>
                   </a:txBody>
                   <a:tcPr marL="9525" marR="9525" marT="9525" marB="0" anchor="ctr"/>
@@ -9228,25 +9182,8 @@
                           <a:effectLst/>
                           <a:latin typeface="+mn-lt"/>
                         </a:rPr>
-                        <a:t> </a:t>
+                        <a:t> 0.25</a:t>
                       </a:r>
-                      <a:r>
-                        <a:rPr lang="en-US" sz="1000" b="0" i="0" u="none" strike="noStrike" dirty="0" smtClean="0">
-                          <a:solidFill>
-                            <a:srgbClr val="000000"/>
-                          </a:solidFill>
-                          <a:effectLst/>
-                          <a:latin typeface="+mn-lt"/>
-                        </a:rPr>
-                        <a:t>0.25</a:t>
-                      </a:r>
-                      <a:endParaRPr lang="en-US" sz="1000" b="0" i="0" u="none" strike="noStrike" dirty="0">
-                        <a:solidFill>
-                          <a:srgbClr val="000000"/>
-                        </a:solidFill>
-                        <a:effectLst/>
-                        <a:latin typeface="+mn-lt"/>
-                      </a:endParaRPr>
                     </a:p>
                   </a:txBody>
                   <a:tcPr marL="9525" marR="9525" marT="9525" marB="0" anchor="ctr"/>
@@ -9277,10 +9214,9 @@
                     <a:lstStyle/>
                     <a:p>
                       <a:r>
-                        <a:rPr lang="en-US" sz="1000" dirty="0" smtClean="0"/>
+                        <a:rPr lang="en-US" sz="1000" dirty="0"/>
                         <a:t>0.25</a:t>
                       </a:r>
-                      <a:endParaRPr lang="en-US" sz="1000" dirty="0"/>
                     </a:p>
                   </a:txBody>
                   <a:tcPr/>
@@ -9526,10 +9462,9 @@
           <a:lstStyle/>
           <a:p>
             <a:r>
-              <a:rPr lang="en-US" dirty="0" smtClean="0"/>
+              <a:rPr lang="en-US" dirty="0"/>
               <a:t>Appendix</a:t>
             </a:r>
-            <a:endParaRPr lang="en-US" dirty="0"/>
           </a:p>
         </p:txBody>
       </p:sp>
@@ -9549,7 +9484,7 @@
           <a:lstStyle/>
           <a:p>
             <a:r>
-              <a:rPr lang="en-US" dirty="0" smtClean="0"/>
+              <a:rPr lang="en-US" dirty="0"/>
               <a:t>Given the limited time, we arbitrary assigned weights to the categories. If we had more time we would have done the following:</a:t>
             </a:r>
           </a:p>
@@ -9559,7 +9494,7 @@
               <a:buAutoNum type="arabicPeriod"/>
             </a:pPr>
             <a:r>
-              <a:rPr lang="en-US" dirty="0" smtClean="0"/>
+              <a:rPr lang="en-US" dirty="0"/>
               <a:t>Pull the list of rejected cities and site addresses</a:t>
             </a:r>
           </a:p>
@@ -9569,7 +9504,7 @@
               <a:buAutoNum type="arabicPeriod"/>
             </a:pPr>
             <a:r>
-              <a:rPr lang="en-US" dirty="0" smtClean="0"/>
+              <a:rPr lang="en-US" dirty="0"/>
               <a:t>Run the reject lists through the API used and create a data frame.</a:t>
             </a:r>
           </a:p>
@@ -9579,10 +9514,9 @@
               <a:buAutoNum type="arabicPeriod"/>
             </a:pPr>
             <a:r>
-              <a:rPr lang="en-US" dirty="0" smtClean="0"/>
+              <a:rPr lang="en-US" dirty="0"/>
               <a:t>Use the rejected data as the training data to determine the categories weights</a:t>
             </a:r>
-            <a:endParaRPr lang="en-US" dirty="0"/>
           </a:p>
         </p:txBody>
       </p:sp>
@@ -9600,6 +9534,201 @@
 </file>
 
 <file path=ppt/slides/slide26.xml><?xml version="1.0" encoding="utf-8"?>
+<p:sld xmlns:a="http://schemas.openxmlformats.org/drawingml/2006/main" xmlns:r="http://schemas.openxmlformats.org/officeDocument/2006/relationships" xmlns:p="http://schemas.openxmlformats.org/presentationml/2006/main">
+  <p:cSld>
+    <p:spTree>
+      <p:nvGrpSpPr>
+        <p:cNvPr id="1" name=""/>
+        <p:cNvGrpSpPr/>
+        <p:nvPr/>
+      </p:nvGrpSpPr>
+      <p:grpSpPr>
+        <a:xfrm>
+          <a:off x="0" y="0"/>
+          <a:ext cx="0" cy="0"/>
+          <a:chOff x="0" y="0"/>
+          <a:chExt cx="0" cy="0"/>
+        </a:xfrm>
+      </p:grpSpPr>
+      <p:sp>
+        <p:nvSpPr>
+          <p:cNvPr id="8" name="Rectangle 7">
+            <a:extLst>
+              <a:ext uri="{FF2B5EF4-FFF2-40B4-BE49-F238E27FC236}">
+                <a16:creationId xmlns:a16="http://schemas.microsoft.com/office/drawing/2014/main" id="{97E51B6C-1F69-F349-9418-AC436CDB88EB}"/>
+              </a:ext>
+            </a:extLst>
+          </p:cNvPr>
+          <p:cNvSpPr/>
+          <p:nvPr/>
+        </p:nvSpPr>
+        <p:spPr>
+          <a:xfrm>
+            <a:off x="1131570" y="1623060"/>
+            <a:ext cx="10126980" cy="194310"/>
+          </a:xfrm>
+          <a:prstGeom prst="rect">
+            <a:avLst/>
+          </a:prstGeom>
+          <a:solidFill>
+            <a:schemeClr val="bg1"/>
+          </a:solidFill>
+          <a:ln>
+            <a:solidFill>
+              <a:schemeClr val="bg1"/>
+            </a:solidFill>
+          </a:ln>
+        </p:spPr>
+        <p:style>
+          <a:lnRef idx="2">
+            <a:schemeClr val="accent1">
+              <a:shade val="50000"/>
+            </a:schemeClr>
+          </a:lnRef>
+          <a:fillRef idx="1">
+            <a:schemeClr val="accent1"/>
+          </a:fillRef>
+          <a:effectRef idx="0">
+            <a:schemeClr val="accent1"/>
+          </a:effectRef>
+          <a:fontRef idx="minor">
+            <a:schemeClr val="lt1"/>
+          </a:fontRef>
+        </p:style>
+        <p:txBody>
+          <a:bodyPr rtlCol="0" anchor="ctr"/>
+          <a:lstStyle/>
+          <a:p>
+            <a:pPr algn="ctr"/>
+            <a:endParaRPr lang="en-US"/>
+          </a:p>
+        </p:txBody>
+      </p:sp>
+      <p:pic>
+        <p:nvPicPr>
+          <p:cNvPr id="5" name="Picture 4">
+            <a:extLst>
+              <a:ext uri="{FF2B5EF4-FFF2-40B4-BE49-F238E27FC236}">
+                <a16:creationId xmlns:a16="http://schemas.microsoft.com/office/drawing/2014/main" id="{F5EF7189-5C08-984D-B897-693FDF3349BD}"/>
+              </a:ext>
+            </a:extLst>
+          </p:cNvPr>
+          <p:cNvPicPr>
+            <a:picLocks noChangeAspect="1"/>
+          </p:cNvPicPr>
+          <p:nvPr/>
+        </p:nvPicPr>
+        <p:blipFill>
+          <a:blip r:embed="rId2">
+            <a:extLst>
+              <a:ext uri="{28A0092B-C50C-407E-A947-70E740481C1C}">
+                <a14:useLocalDpi xmlns:a14="http://schemas.microsoft.com/office/drawing/2010/main" val="0"/>
+              </a:ext>
+            </a:extLst>
+          </a:blip>
+          <a:stretch>
+            <a:fillRect/>
+          </a:stretch>
+        </p:blipFill>
+        <p:spPr>
+          <a:xfrm>
+            <a:off x="1531620" y="2074545"/>
+            <a:ext cx="4823460" cy="3626943"/>
+          </a:xfrm>
+          <a:prstGeom prst="roundRect">
+            <a:avLst>
+              <a:gd name="adj" fmla="val 8594"/>
+            </a:avLst>
+          </a:prstGeom>
+          <a:solidFill>
+            <a:srgbClr val="FFFFFF">
+              <a:shade val="85000"/>
+            </a:srgbClr>
+          </a:solidFill>
+          <a:ln>
+            <a:noFill/>
+          </a:ln>
+          <a:effectLst>
+            <a:reflection blurRad="12700" stA="38000" endPos="28000" dist="5000" dir="5400000" sy="-100000" algn="bl" rotWithShape="0"/>
+          </a:effectLst>
+        </p:spPr>
+      </p:pic>
+      <p:sp>
+        <p:nvSpPr>
+          <p:cNvPr id="7" name="Cloud Callout 6">
+            <a:extLst>
+              <a:ext uri="{FF2B5EF4-FFF2-40B4-BE49-F238E27FC236}">
+                <a16:creationId xmlns:a16="http://schemas.microsoft.com/office/drawing/2014/main" id="{2DBB62DB-26D1-8947-BD87-FBFEB7C89BA7}"/>
+              </a:ext>
+            </a:extLst>
+          </p:cNvPr>
+          <p:cNvSpPr/>
+          <p:nvPr/>
+        </p:nvSpPr>
+        <p:spPr>
+          <a:xfrm>
+            <a:off x="6355080" y="85725"/>
+            <a:ext cx="4103370" cy="2068830"/>
+          </a:xfrm>
+          <a:prstGeom prst="cloudCallout">
+            <a:avLst>
+              <a:gd name="adj1" fmla="val -31595"/>
+              <a:gd name="adj2" fmla="val 82390"/>
+            </a:avLst>
+          </a:prstGeom>
+          <a:solidFill>
+            <a:schemeClr val="accent1">
+              <a:lumMod val="60000"/>
+              <a:lumOff val="40000"/>
+            </a:schemeClr>
+          </a:solidFill>
+        </p:spPr>
+        <p:style>
+          <a:lnRef idx="2">
+            <a:schemeClr val="accent1">
+              <a:shade val="50000"/>
+            </a:schemeClr>
+          </a:lnRef>
+          <a:fillRef idx="1">
+            <a:schemeClr val="accent1"/>
+          </a:fillRef>
+          <a:effectRef idx="0">
+            <a:schemeClr val="accent1"/>
+          </a:effectRef>
+          <a:fontRef idx="minor">
+            <a:schemeClr val="lt1"/>
+          </a:fontRef>
+        </p:style>
+        <p:txBody>
+          <a:bodyPr rtlCol="0" anchor="ctr"/>
+          <a:lstStyle/>
+          <a:p>
+            <a:pPr algn="ctr"/>
+            <a:r>
+              <a:rPr lang="en-US" sz="3500" b="1" dirty="0">
+                <a:solidFill>
+                  <a:schemeClr val="tx1"/>
+                </a:solidFill>
+              </a:rPr>
+              <a:t>Scranton????</a:t>
+            </a:r>
+          </a:p>
+        </p:txBody>
+      </p:sp>
+    </p:spTree>
+    <p:extLst>
+      <p:ext uri="{BB962C8B-B14F-4D97-AF65-F5344CB8AC3E}">
+        <p14:creationId xmlns:p14="http://schemas.microsoft.com/office/powerpoint/2010/main" val="839117238"/>
+      </p:ext>
+    </p:extLst>
+  </p:cSld>
+  <p:clrMapOvr>
+    <a:masterClrMapping/>
+  </p:clrMapOvr>
+</p:sld>
+</file>
+
+<file path=ppt/slides/slide27.xml><?xml version="1.0" encoding="utf-8"?>
 <p:sld xmlns:a="http://schemas.openxmlformats.org/drawingml/2006/main" xmlns:r="http://schemas.openxmlformats.org/officeDocument/2006/relationships" xmlns:p="http://schemas.openxmlformats.org/presentationml/2006/main" show="0">
   <p:cSld>
     <p:spTree>
@@ -9686,18 +9815,10 @@
   <p:clrMapOvr>
     <a:masterClrMapping/>
   </p:clrMapOvr>
-  <mc:AlternateContent xmlns:mc="http://schemas.openxmlformats.org/markup-compatibility/2006">
-    <mc:Choice xmlns:p14="http://schemas.microsoft.com/office/powerpoint/2010/main" Requires="p14">
-      <p:transition spd="slow" p14:dur="2000"/>
-    </mc:Choice>
-    <mc:Fallback>
-      <p:transition spd="slow"/>
-    </mc:Fallback>
-  </mc:AlternateContent>
 </p:sld>
 </file>
 
-<file path=ppt/slides/slide27.xml><?xml version="1.0" encoding="utf-8"?>
+<file path=ppt/slides/slide28.xml><?xml version="1.0" encoding="utf-8"?>
 <p:sld xmlns:a="http://schemas.openxmlformats.org/drawingml/2006/main" xmlns:r="http://schemas.openxmlformats.org/officeDocument/2006/relationships" xmlns:p="http://schemas.openxmlformats.org/presentationml/2006/main" show="0">
   <p:cSld>
     <p:spTree>
@@ -9885,14 +10006,6 @@
   <p:clrMapOvr>
     <a:masterClrMapping/>
   </p:clrMapOvr>
-  <mc:AlternateContent xmlns:mc="http://schemas.openxmlformats.org/markup-compatibility/2006">
-    <mc:Choice xmlns:p14="http://schemas.microsoft.com/office/powerpoint/2010/main" Requires="p14">
-      <p:transition spd="slow" p14:dur="2000"/>
-    </mc:Choice>
-    <mc:Fallback>
-      <p:transition spd="slow"/>
-    </mc:Fallback>
-  </mc:AlternateContent>
 </p:sld>
 </file>
 

--- a/Project1_Presentation.pptx
+++ b/Project1_Presentation.pptx
@@ -8525,42 +8525,6 @@
           </a:p>
         </p:txBody>
       </p:sp>
-      <p:pic>
-        <p:nvPicPr>
-          <p:cNvPr id="20" name="Picture 19">
-            <a:extLst>
-              <a:ext uri="{FF2B5EF4-FFF2-40B4-BE49-F238E27FC236}">
-                <a16:creationId xmlns:a16="http://schemas.microsoft.com/office/drawing/2014/main" id="{56FED822-01A1-C34D-B232-2F3BEEEAB583}"/>
-              </a:ext>
-            </a:extLst>
-          </p:cNvPr>
-          <p:cNvPicPr>
-            <a:picLocks noChangeAspect="1"/>
-          </p:cNvPicPr>
-          <p:nvPr/>
-        </p:nvPicPr>
-        <p:blipFill>
-          <a:blip r:embed="rId2">
-            <a:extLst>
-              <a:ext uri="{28A0092B-C50C-407E-A947-70E740481C1C}">
-                <a14:useLocalDpi xmlns:a14="http://schemas.microsoft.com/office/drawing/2010/main" val="0"/>
-              </a:ext>
-            </a:extLst>
-          </a:blip>
-          <a:stretch>
-            <a:fillRect/>
-          </a:stretch>
-        </p:blipFill>
-        <p:spPr>
-          <a:xfrm>
-            <a:off x="67946" y="1649528"/>
-            <a:ext cx="5715000" cy="3378200"/>
-          </a:xfrm>
-          <a:prstGeom prst="rect">
-            <a:avLst/>
-          </a:prstGeom>
-        </p:spPr>
-      </p:pic>
       <p:sp>
         <p:nvSpPr>
           <p:cNvPr id="3" name="TextBox 2">
@@ -9246,6 +9210,42 @@
           <p:nvPr/>
         </p:nvPicPr>
         <p:blipFill>
+          <a:blip r:embed="rId2">
+            <a:extLst>
+              <a:ext uri="{28A0092B-C50C-407E-A947-70E740481C1C}">
+                <a14:useLocalDpi xmlns:a14="http://schemas.microsoft.com/office/drawing/2010/main" val="0"/>
+              </a:ext>
+            </a:extLst>
+          </a:blip>
+          <a:stretch>
+            <a:fillRect/>
+          </a:stretch>
+        </p:blipFill>
+        <p:spPr>
+          <a:xfrm>
+            <a:off x="5942967" y="1642828"/>
+            <a:ext cx="5715000" cy="3378200"/>
+          </a:xfrm>
+          <a:prstGeom prst="rect">
+            <a:avLst/>
+          </a:prstGeom>
+        </p:spPr>
+      </p:pic>
+      <p:pic>
+        <p:nvPicPr>
+          <p:cNvPr id="8" name="Picture 7">
+            <a:extLst>
+              <a:ext uri="{FF2B5EF4-FFF2-40B4-BE49-F238E27FC236}">
+                <a16:creationId xmlns:a16="http://schemas.microsoft.com/office/drawing/2014/main" id="{A3D08F3B-DBCE-7246-8671-09AF4B9AA171}"/>
+              </a:ext>
+            </a:extLst>
+          </p:cNvPr>
+          <p:cNvPicPr>
+            <a:picLocks noChangeAspect="1"/>
+          </p:cNvPicPr>
+          <p:nvPr/>
+        </p:nvPicPr>
+        <p:blipFill>
           <a:blip r:embed="rId3">
             <a:extLst>
               <a:ext uri="{28A0092B-C50C-407E-A947-70E740481C1C}">
@@ -9259,7 +9259,7 @@
         </p:blipFill>
         <p:spPr>
           <a:xfrm>
-            <a:off x="5942967" y="1642828"/>
+            <a:off x="227967" y="1657849"/>
             <a:ext cx="5715000" cy="3378200"/>
           </a:xfrm>
           <a:prstGeom prst="rect">

--- a/Project1_Presentation.pptx
+++ b/Project1_Presentation.pptx
@@ -27,12 +27,12 @@
     <p:sldId id="293" r:id="rId21"/>
     <p:sldId id="289" r:id="rId22"/>
     <p:sldId id="290" r:id="rId23"/>
-    <p:sldId id="295" r:id="rId24"/>
-    <p:sldId id="296" r:id="rId25"/>
-    <p:sldId id="297" r:id="rId26"/>
-    <p:sldId id="298" r:id="rId27"/>
-    <p:sldId id="264" r:id="rId28"/>
-    <p:sldId id="292" r:id="rId29"/>
+    <p:sldId id="292" r:id="rId24"/>
+    <p:sldId id="295" r:id="rId25"/>
+    <p:sldId id="296" r:id="rId26"/>
+    <p:sldId id="297" r:id="rId27"/>
+    <p:sldId id="298" r:id="rId28"/>
+    <p:sldId id="264" r:id="rId29"/>
   </p:sldIdLst>
   <p:sldSz cx="12192000" cy="6858000"/>
   <p:notesSz cx="6858000" cy="9144000"/>
@@ -8363,6 +8363,197 @@
 </file>
 
 <file path=ppt/slides/slide23.xml><?xml version="1.0" encoding="utf-8"?>
+<p:sld xmlns:a="http://schemas.openxmlformats.org/drawingml/2006/main" xmlns:r="http://schemas.openxmlformats.org/officeDocument/2006/relationships" xmlns:p="http://schemas.openxmlformats.org/presentationml/2006/main">
+  <p:cSld>
+    <p:spTree>
+      <p:nvGrpSpPr>
+        <p:cNvPr id="1" name=""/>
+        <p:cNvGrpSpPr/>
+        <p:nvPr/>
+      </p:nvGrpSpPr>
+      <p:grpSpPr>
+        <a:xfrm>
+          <a:off x="0" y="0"/>
+          <a:ext cx="0" cy="0"/>
+          <a:chOff x="0" y="0"/>
+          <a:chExt cx="0" cy="0"/>
+        </a:xfrm>
+      </p:grpSpPr>
+      <p:sp>
+        <p:nvSpPr>
+          <p:cNvPr id="2" name="Title 1">
+            <a:extLst>
+              <a:ext uri="{FF2B5EF4-FFF2-40B4-BE49-F238E27FC236}">
+                <a16:creationId xmlns:a16="http://schemas.microsoft.com/office/drawing/2014/main" id="{390EB264-3883-41F9-BACB-285D2229980C}"/>
+              </a:ext>
+            </a:extLst>
+          </p:cNvPr>
+          <p:cNvSpPr>
+            <a:spLocks noGrp="1"/>
+          </p:cNvSpPr>
+          <p:nvPr>
+            <p:ph type="title"/>
+          </p:nvPr>
+        </p:nvSpPr>
+        <p:spPr>
+          <a:xfrm>
+            <a:off x="1097280" y="286603"/>
+            <a:ext cx="10058400" cy="702409"/>
+          </a:xfrm>
+        </p:spPr>
+        <p:txBody>
+          <a:bodyPr>
+            <a:normAutofit fontScale="90000"/>
+          </a:bodyPr>
+          <a:lstStyle/>
+          <a:p>
+            <a:r>
+              <a:rPr lang="en-US" dirty="0"/>
+              <a:t>Overall City Ranking </a:t>
+            </a:r>
+          </a:p>
+        </p:txBody>
+      </p:sp>
+      <p:cxnSp>
+        <p:nvCxnSpPr>
+          <p:cNvPr id="4" name="Straight Connector 3">
+            <a:extLst>
+              <a:ext uri="{FF2B5EF4-FFF2-40B4-BE49-F238E27FC236}">
+                <a16:creationId xmlns:a16="http://schemas.microsoft.com/office/drawing/2014/main" id="{8FECCD07-FFA9-4129-95C2-D2F2CF8AD354}"/>
+              </a:ext>
+            </a:extLst>
+          </p:cNvPr>
+          <p:cNvCxnSpPr/>
+          <p:nvPr/>
+        </p:nvCxnSpPr>
+        <p:spPr>
+          <a:xfrm>
+            <a:off x="989398" y="989012"/>
+            <a:ext cx="9069860" cy="0"/>
+          </a:xfrm>
+          <a:prstGeom prst="line">
+            <a:avLst/>
+          </a:prstGeom>
+          <a:ln>
+            <a:solidFill>
+              <a:srgbClr val="7030A0"/>
+            </a:solidFill>
+          </a:ln>
+        </p:spPr>
+        <p:style>
+          <a:lnRef idx="1">
+            <a:schemeClr val="accent1"/>
+          </a:lnRef>
+          <a:fillRef idx="0">
+            <a:schemeClr val="accent1"/>
+          </a:fillRef>
+          <a:effectRef idx="0">
+            <a:schemeClr val="accent1"/>
+          </a:effectRef>
+          <a:fontRef idx="minor">
+            <a:schemeClr val="tx1"/>
+          </a:fontRef>
+        </p:style>
+      </p:cxnSp>
+      <p:pic>
+        <p:nvPicPr>
+          <p:cNvPr id="8" name="Picture 7">
+            <a:extLst>
+              <a:ext uri="{FF2B5EF4-FFF2-40B4-BE49-F238E27FC236}">
+                <a16:creationId xmlns:a16="http://schemas.microsoft.com/office/drawing/2014/main" id="{AFA33C52-019E-7142-ABA7-D1815F056185}"/>
+              </a:ext>
+            </a:extLst>
+          </p:cNvPr>
+          <p:cNvPicPr>
+            <a:picLocks noChangeAspect="1"/>
+          </p:cNvPicPr>
+          <p:nvPr/>
+        </p:nvPicPr>
+        <p:blipFill>
+          <a:blip r:embed="rId2">
+            <a:extLst>
+              <a:ext uri="{28A0092B-C50C-407E-A947-70E740481C1C}">
+                <a14:useLocalDpi xmlns:a14="http://schemas.microsoft.com/office/drawing/2010/main" val="0"/>
+              </a:ext>
+            </a:extLst>
+          </a:blip>
+          <a:stretch>
+            <a:fillRect/>
+          </a:stretch>
+        </p:blipFill>
+        <p:spPr>
+          <a:xfrm>
+            <a:off x="880912" y="1331220"/>
+            <a:ext cx="5711618" cy="4818332"/>
+          </a:xfrm>
+          <a:prstGeom prst="rect">
+            <a:avLst/>
+          </a:prstGeom>
+        </p:spPr>
+      </p:pic>
+      <p:sp>
+        <p:nvSpPr>
+          <p:cNvPr id="18" name="Content Placeholder 2">
+            <a:extLst>
+              <a:ext uri="{FF2B5EF4-FFF2-40B4-BE49-F238E27FC236}">
+                <a16:creationId xmlns:a16="http://schemas.microsoft.com/office/drawing/2014/main" id="{6695956D-51D4-814A-9CFB-3A8B5A4F2C90}"/>
+              </a:ext>
+            </a:extLst>
+          </p:cNvPr>
+          <p:cNvSpPr>
+            <a:spLocks noGrp="1"/>
+          </p:cNvSpPr>
+          <p:nvPr>
+            <p:ph idx="1"/>
+          </p:nvPr>
+        </p:nvSpPr>
+        <p:spPr>
+          <a:xfrm>
+            <a:off x="7089339" y="1974256"/>
+            <a:ext cx="3899263" cy="4010780"/>
+          </a:xfrm>
+        </p:spPr>
+        <p:txBody>
+          <a:bodyPr>
+            <a:normAutofit/>
+          </a:bodyPr>
+          <a:lstStyle/>
+          <a:p>
+            <a:pPr>
+              <a:buFont typeface="Arial" panose="020B0604020202020204" pitchFamily="34" charset="0"/>
+              <a:buChar char="•"/>
+            </a:pPr>
+            <a:r>
+              <a:rPr lang="en-US" sz="3200" dirty="0"/>
+              <a:t> Multiple categories defined</a:t>
+            </a:r>
+          </a:p>
+          <a:p>
+            <a:pPr>
+              <a:buFont typeface="Arial" panose="020B0604020202020204" pitchFamily="34" charset="0"/>
+              <a:buChar char="•"/>
+            </a:pPr>
+            <a:r>
+              <a:rPr lang="en-US" sz="3200" dirty="0"/>
+              <a:t> Use of weights to calculate totals.</a:t>
+            </a:r>
+          </a:p>
+        </p:txBody>
+      </p:sp>
+    </p:spTree>
+    <p:extLst>
+      <p:ext uri="{BB962C8B-B14F-4D97-AF65-F5344CB8AC3E}">
+        <p14:creationId xmlns:p14="http://schemas.microsoft.com/office/powerpoint/2010/main" val="3630619199"/>
+      </p:ext>
+    </p:extLst>
+  </p:cSld>
+  <p:clrMapOvr>
+    <a:masterClrMapping/>
+  </p:clrMapOvr>
+</p:sld>
+</file>
+
+<file path=ppt/slides/slide24.xml><?xml version="1.0" encoding="utf-8"?>
 <p:sld xmlns:a="http://schemas.openxmlformats.org/drawingml/2006/main" xmlns:r="http://schemas.openxmlformats.org/officeDocument/2006/relationships" xmlns:p="http://schemas.openxmlformats.org/presentationml/2006/main">
   <p:cSld>
     <p:spTree>
@@ -9280,155 +9471,6 @@
 </p:sld>
 </file>
 
-<file path=ppt/slides/slide24.xml><?xml version="1.0" encoding="utf-8"?>
-<p:sld xmlns:a="http://schemas.openxmlformats.org/drawingml/2006/main" xmlns:r="http://schemas.openxmlformats.org/officeDocument/2006/relationships" xmlns:p="http://schemas.openxmlformats.org/presentationml/2006/main">
-  <p:cSld>
-    <p:spTree>
-      <p:nvGrpSpPr>
-        <p:cNvPr id="1" name=""/>
-        <p:cNvGrpSpPr/>
-        <p:nvPr/>
-      </p:nvGrpSpPr>
-      <p:grpSpPr>
-        <a:xfrm>
-          <a:off x="0" y="0"/>
-          <a:ext cx="0" cy="0"/>
-          <a:chOff x="0" y="0"/>
-          <a:chExt cx="0" cy="0"/>
-        </a:xfrm>
-      </p:grpSpPr>
-      <p:sp>
-        <p:nvSpPr>
-          <p:cNvPr id="2" name="Title 1">
-            <a:extLst>
-              <a:ext uri="{FF2B5EF4-FFF2-40B4-BE49-F238E27FC236}">
-                <a16:creationId xmlns:a16="http://schemas.microsoft.com/office/drawing/2014/main" id="{E090FCDC-D64D-45A8-ABA9-0A5CE41D052C}"/>
-              </a:ext>
-            </a:extLst>
-          </p:cNvPr>
-          <p:cNvSpPr>
-            <a:spLocks noGrp="1"/>
-          </p:cNvSpPr>
-          <p:nvPr>
-            <p:ph type="title"/>
-          </p:nvPr>
-        </p:nvSpPr>
-        <p:spPr/>
-        <p:txBody>
-          <a:bodyPr/>
-          <a:lstStyle/>
-          <a:p>
-            <a:r>
-              <a:rPr lang="en-US" dirty="0"/>
-              <a:t>Findings</a:t>
-            </a:r>
-          </a:p>
-        </p:txBody>
-      </p:sp>
-      <p:sp>
-        <p:nvSpPr>
-          <p:cNvPr id="3" name="Content Placeholder 2">
-            <a:extLst>
-              <a:ext uri="{FF2B5EF4-FFF2-40B4-BE49-F238E27FC236}">
-                <a16:creationId xmlns:a16="http://schemas.microsoft.com/office/drawing/2014/main" id="{37F86DDA-077B-4FC6-9B03-0B2275B9748E}"/>
-              </a:ext>
-            </a:extLst>
-          </p:cNvPr>
-          <p:cNvSpPr>
-            <a:spLocks noGrp="1"/>
-          </p:cNvSpPr>
-          <p:nvPr>
-            <p:ph idx="1"/>
-          </p:nvPr>
-        </p:nvSpPr>
-        <p:spPr/>
-        <p:txBody>
-          <a:bodyPr/>
-          <a:lstStyle/>
-          <a:p>
-            <a:r>
-              <a:rPr lang="en-US" dirty="0"/>
-              <a:t>The top three choices based on  un-weighted ranking : New York, Raleigh and Washington DC.</a:t>
-            </a:r>
-          </a:p>
-          <a:p>
-            <a:r>
-              <a:rPr lang="en-US" dirty="0"/>
-              <a:t>The top three choices based on weighted ranking : Raleigh, Washington DC and Austin.</a:t>
-            </a:r>
-          </a:p>
-          <a:p>
-            <a:r>
-              <a:rPr lang="en-US" dirty="0"/>
-              <a:t>While </a:t>
-            </a:r>
-            <a:r>
-              <a:rPr lang="en-US" b="1" dirty="0">
-                <a:solidFill>
-                  <a:schemeClr val="accent2">
-                    <a:lumMod val="75000"/>
-                  </a:schemeClr>
-                </a:solidFill>
-              </a:rPr>
-              <a:t>we</a:t>
-            </a:r>
-            <a:r>
-              <a:rPr lang="en-US" dirty="0"/>
-              <a:t> predict that one of these four cities will be Amazon’s second home, the final decision may be influenced by several other factors:</a:t>
-            </a:r>
-          </a:p>
-          <a:p>
-            <a:pPr>
-              <a:buFont typeface="Wingdings" panose="05000000000000000000" pitchFamily="2" charset="2"/>
-              <a:buChar char="v"/>
-            </a:pPr>
-            <a:r>
-              <a:rPr lang="en-US" dirty="0"/>
-              <a:t> Incentives offered by the local governments.</a:t>
-            </a:r>
-          </a:p>
-          <a:p>
-            <a:pPr>
-              <a:buFont typeface="Wingdings" panose="05000000000000000000" pitchFamily="2" charset="2"/>
-              <a:buChar char="v"/>
-            </a:pPr>
-            <a:r>
-              <a:rPr lang="en-US" dirty="0"/>
-              <a:t>The site characteristics.</a:t>
-            </a:r>
-          </a:p>
-          <a:p>
-            <a:pPr>
-              <a:buFont typeface="Wingdings" panose="05000000000000000000" pitchFamily="2" charset="2"/>
-              <a:buChar char="v"/>
-            </a:pPr>
-            <a:r>
-              <a:rPr lang="en-US" dirty="0"/>
-              <a:t> Amazon’s preference scale.  Our analysis is based on a subset of Metrics that we thought were important for deciding on the best location/city. There may be other metrics that Amazon might value more in its decision making. </a:t>
-            </a:r>
-          </a:p>
-          <a:p>
-            <a:pPr>
-              <a:buFont typeface="Wingdings" panose="05000000000000000000" pitchFamily="2" charset="2"/>
-              <a:buChar char="§"/>
-            </a:pPr>
-            <a:endParaRPr lang="en-US" dirty="0"/>
-          </a:p>
-        </p:txBody>
-      </p:sp>
-    </p:spTree>
-    <p:extLst>
-      <p:ext uri="{BB962C8B-B14F-4D97-AF65-F5344CB8AC3E}">
-        <p14:creationId xmlns:p14="http://schemas.microsoft.com/office/powerpoint/2010/main" val="484830629"/>
-      </p:ext>
-    </p:extLst>
-  </p:cSld>
-  <p:clrMapOvr>
-    <a:masterClrMapping/>
-  </p:clrMapOvr>
-</p:sld>
-</file>
-
 <file path=ppt/slides/slide25.xml><?xml version="1.0" encoding="utf-8"?>
 <p:sld xmlns:a="http://schemas.openxmlformats.org/drawingml/2006/main" xmlns:r="http://schemas.openxmlformats.org/officeDocument/2006/relationships" xmlns:p="http://schemas.openxmlformats.org/presentationml/2006/main">
   <p:cSld>
@@ -9448,7 +9490,13 @@
       </p:grpSpPr>
       <p:sp>
         <p:nvSpPr>
-          <p:cNvPr id="2" name="Title 1"/>
+          <p:cNvPr id="2" name="Title 1">
+            <a:extLst>
+              <a:ext uri="{FF2B5EF4-FFF2-40B4-BE49-F238E27FC236}">
+                <a16:creationId xmlns:a16="http://schemas.microsoft.com/office/drawing/2014/main" id="{E090FCDC-D64D-45A8-ABA9-0A5CE41D052C}"/>
+              </a:ext>
+            </a:extLst>
+          </p:cNvPr>
           <p:cNvSpPr>
             <a:spLocks noGrp="1"/>
           </p:cNvSpPr>
@@ -9463,14 +9511,20 @@
           <a:p>
             <a:r>
               <a:rPr lang="en-US" dirty="0"/>
-              <a:t>Appendix</a:t>
-            </a:r>
-          </a:p>
-        </p:txBody>
-      </p:sp>
-      <p:sp>
-        <p:nvSpPr>
-          <p:cNvPr id="3" name="Content Placeholder 2"/>
+              <a:t>Findings</a:t>
+            </a:r>
+          </a:p>
+        </p:txBody>
+      </p:sp>
+      <p:sp>
+        <p:nvSpPr>
+          <p:cNvPr id="3" name="Content Placeholder 2">
+            <a:extLst>
+              <a:ext uri="{FF2B5EF4-FFF2-40B4-BE49-F238E27FC236}">
+                <a16:creationId xmlns:a16="http://schemas.microsoft.com/office/drawing/2014/main" id="{37F86DDA-077B-4FC6-9B03-0B2275B9748E}"/>
+              </a:ext>
+            </a:extLst>
+          </p:cNvPr>
           <p:cNvSpPr>
             <a:spLocks noGrp="1"/>
           </p:cNvSpPr>
@@ -9485,45 +9539,78 @@
           <a:p>
             <a:r>
               <a:rPr lang="en-US" dirty="0"/>
-              <a:t>Given the limited time, we arbitrary assigned weights to the categories. If we had more time we would have done the following:</a:t>
-            </a:r>
-          </a:p>
-          <a:p>
-            <a:pPr marL="457200" indent="-457200">
-              <a:buFont typeface="+mj-lt"/>
-              <a:buAutoNum type="arabicPeriod"/>
+              <a:t>The top three choices based on  un-weighted ranking : New York, Raleigh and Washington DC.</a:t>
+            </a:r>
+          </a:p>
+          <a:p>
+            <a:r>
+              <a:rPr lang="en-US" dirty="0"/>
+              <a:t>The top three choices based on weighted ranking : Raleigh, Washington DC and Austin.</a:t>
+            </a:r>
+          </a:p>
+          <a:p>
+            <a:r>
+              <a:rPr lang="en-US" dirty="0"/>
+              <a:t>While </a:t>
+            </a:r>
+            <a:r>
+              <a:rPr lang="en-US" b="1" dirty="0">
+                <a:solidFill>
+                  <a:schemeClr val="accent2">
+                    <a:lumMod val="75000"/>
+                  </a:schemeClr>
+                </a:solidFill>
+              </a:rPr>
+              <a:t>we</a:t>
+            </a:r>
+            <a:r>
+              <a:rPr lang="en-US" dirty="0"/>
+              <a:t> predict that one of these four cities will be Amazon’s second home, the final decision may be influenced by several other factors:</a:t>
+            </a:r>
+          </a:p>
+          <a:p>
+            <a:pPr>
+              <a:buFont typeface="Wingdings" panose="05000000000000000000" pitchFamily="2" charset="2"/>
+              <a:buChar char="v"/>
             </a:pPr>
             <a:r>
               <a:rPr lang="en-US" dirty="0"/>
-              <a:t>Pull the list of rejected cities and site addresses</a:t>
-            </a:r>
-          </a:p>
-          <a:p>
-            <a:pPr marL="457200" indent="-457200">
-              <a:buFont typeface="+mj-lt"/>
-              <a:buAutoNum type="arabicPeriod"/>
+              <a:t> Incentives offered by the local governments.</a:t>
+            </a:r>
+          </a:p>
+          <a:p>
+            <a:pPr>
+              <a:buFont typeface="Wingdings" panose="05000000000000000000" pitchFamily="2" charset="2"/>
+              <a:buChar char="v"/>
             </a:pPr>
             <a:r>
               <a:rPr lang="en-US" dirty="0"/>
-              <a:t>Run the reject lists through the API used and create a data frame.</a:t>
-            </a:r>
-          </a:p>
-          <a:p>
-            <a:pPr marL="457200" indent="-457200">
-              <a:buFont typeface="+mj-lt"/>
-              <a:buAutoNum type="arabicPeriod"/>
+              <a:t>The site characteristics.</a:t>
+            </a:r>
+          </a:p>
+          <a:p>
+            <a:pPr>
+              <a:buFont typeface="Wingdings" panose="05000000000000000000" pitchFamily="2" charset="2"/>
+              <a:buChar char="v"/>
             </a:pPr>
             <a:r>
               <a:rPr lang="en-US" dirty="0"/>
-              <a:t>Use the rejected data as the training data to determine the categories weights</a:t>
-            </a:r>
+              <a:t> Amazon’s preference scale.  Our analysis is based on a subset of Metrics that we thought were important for deciding on the best location/city. There may be other metrics that Amazon might value more in its decision making. </a:t>
+            </a:r>
+          </a:p>
+          <a:p>
+            <a:pPr>
+              <a:buFont typeface="Wingdings" panose="05000000000000000000" pitchFamily="2" charset="2"/>
+              <a:buChar char="§"/>
+            </a:pPr>
+            <a:endParaRPr lang="en-US" dirty="0"/>
           </a:p>
         </p:txBody>
       </p:sp>
     </p:spTree>
     <p:extLst>
       <p:ext uri="{BB962C8B-B14F-4D97-AF65-F5344CB8AC3E}">
-        <p14:creationId xmlns:p14="http://schemas.microsoft.com/office/powerpoint/2010/main" val="3493860751"/>
+        <p14:creationId xmlns:p14="http://schemas.microsoft.com/office/powerpoint/2010/main" val="484830629"/>
       </p:ext>
     </p:extLst>
   </p:cSld>
@@ -9552,6 +9639,110 @@
       </p:grpSpPr>
       <p:sp>
         <p:nvSpPr>
+          <p:cNvPr id="2" name="Title 1"/>
+          <p:cNvSpPr>
+            <a:spLocks noGrp="1"/>
+          </p:cNvSpPr>
+          <p:nvPr>
+            <p:ph type="title"/>
+          </p:nvPr>
+        </p:nvSpPr>
+        <p:spPr/>
+        <p:txBody>
+          <a:bodyPr/>
+          <a:lstStyle/>
+          <a:p>
+            <a:r>
+              <a:rPr lang="en-US" dirty="0"/>
+              <a:t>Appendix</a:t>
+            </a:r>
+          </a:p>
+        </p:txBody>
+      </p:sp>
+      <p:sp>
+        <p:nvSpPr>
+          <p:cNvPr id="3" name="Content Placeholder 2"/>
+          <p:cNvSpPr>
+            <a:spLocks noGrp="1"/>
+          </p:cNvSpPr>
+          <p:nvPr>
+            <p:ph idx="1"/>
+          </p:nvPr>
+        </p:nvSpPr>
+        <p:spPr/>
+        <p:txBody>
+          <a:bodyPr/>
+          <a:lstStyle/>
+          <a:p>
+            <a:r>
+              <a:rPr lang="en-US" dirty="0"/>
+              <a:t>Given the limited time, we arbitrary assigned weights to the categories. If we had more time we would have done the following:</a:t>
+            </a:r>
+          </a:p>
+          <a:p>
+            <a:pPr marL="457200" indent="-457200">
+              <a:buFont typeface="+mj-lt"/>
+              <a:buAutoNum type="arabicPeriod"/>
+            </a:pPr>
+            <a:r>
+              <a:rPr lang="en-US" dirty="0"/>
+              <a:t>Pull the list of rejected cities and site addresses</a:t>
+            </a:r>
+          </a:p>
+          <a:p>
+            <a:pPr marL="457200" indent="-457200">
+              <a:buFont typeface="+mj-lt"/>
+              <a:buAutoNum type="arabicPeriod"/>
+            </a:pPr>
+            <a:r>
+              <a:rPr lang="en-US" dirty="0"/>
+              <a:t>Run the reject lists through the API used and create a data frame.</a:t>
+            </a:r>
+          </a:p>
+          <a:p>
+            <a:pPr marL="457200" indent="-457200">
+              <a:buFont typeface="+mj-lt"/>
+              <a:buAutoNum type="arabicPeriod"/>
+            </a:pPr>
+            <a:r>
+              <a:rPr lang="en-US" dirty="0"/>
+              <a:t>Use the rejected data as the training data to determine the categories weights</a:t>
+            </a:r>
+          </a:p>
+        </p:txBody>
+      </p:sp>
+    </p:spTree>
+    <p:extLst>
+      <p:ext uri="{BB962C8B-B14F-4D97-AF65-F5344CB8AC3E}">
+        <p14:creationId xmlns:p14="http://schemas.microsoft.com/office/powerpoint/2010/main" val="3493860751"/>
+      </p:ext>
+    </p:extLst>
+  </p:cSld>
+  <p:clrMapOvr>
+    <a:masterClrMapping/>
+  </p:clrMapOvr>
+</p:sld>
+</file>
+
+<file path=ppt/slides/slide27.xml><?xml version="1.0" encoding="utf-8"?>
+<p:sld xmlns:a="http://schemas.openxmlformats.org/drawingml/2006/main" xmlns:r="http://schemas.openxmlformats.org/officeDocument/2006/relationships" xmlns:p="http://schemas.openxmlformats.org/presentationml/2006/main">
+  <p:cSld>
+    <p:spTree>
+      <p:nvGrpSpPr>
+        <p:cNvPr id="1" name=""/>
+        <p:cNvGrpSpPr/>
+        <p:nvPr/>
+      </p:nvGrpSpPr>
+      <p:grpSpPr>
+        <a:xfrm>
+          <a:off x="0" y="0"/>
+          <a:ext cx="0" cy="0"/>
+          <a:chOff x="0" y="0"/>
+          <a:chExt cx="0" cy="0"/>
+        </a:xfrm>
+      </p:grpSpPr>
+      <p:sp>
+        <p:nvSpPr>
           <p:cNvPr id="8" name="Rectangle 7">
             <a:extLst>
               <a:ext uri="{FF2B5EF4-FFF2-40B4-BE49-F238E27FC236}">
@@ -9728,96 +9919,6 @@
 </p:sld>
 </file>
 
-<file path=ppt/slides/slide27.xml><?xml version="1.0" encoding="utf-8"?>
-<p:sld xmlns:a="http://schemas.openxmlformats.org/drawingml/2006/main" xmlns:r="http://schemas.openxmlformats.org/officeDocument/2006/relationships" xmlns:p="http://schemas.openxmlformats.org/presentationml/2006/main" show="0">
-  <p:cSld>
-    <p:spTree>
-      <p:nvGrpSpPr>
-        <p:cNvPr id="1" name=""/>
-        <p:cNvGrpSpPr/>
-        <p:nvPr/>
-      </p:nvGrpSpPr>
-      <p:grpSpPr>
-        <a:xfrm>
-          <a:off x="0" y="0"/>
-          <a:ext cx="0" cy="0"/>
-          <a:chOff x="0" y="0"/>
-          <a:chExt cx="0" cy="0"/>
-        </a:xfrm>
-      </p:grpSpPr>
-      <p:sp>
-        <p:nvSpPr>
-          <p:cNvPr id="2" name="Title 1">
-            <a:extLst>
-              <a:ext uri="{FF2B5EF4-FFF2-40B4-BE49-F238E27FC236}">
-                <a16:creationId xmlns:a16="http://schemas.microsoft.com/office/drawing/2014/main" id="{390EB264-3883-41F9-BACB-285D2229980C}"/>
-              </a:ext>
-            </a:extLst>
-          </p:cNvPr>
-          <p:cNvSpPr>
-            <a:spLocks noGrp="1"/>
-          </p:cNvSpPr>
-          <p:nvPr>
-            <p:ph type="title"/>
-          </p:nvPr>
-        </p:nvSpPr>
-        <p:spPr>
-          <a:xfrm>
-            <a:off x="1097280" y="286603"/>
-            <a:ext cx="10058400" cy="702303"/>
-          </a:xfrm>
-        </p:spPr>
-        <p:txBody>
-          <a:bodyPr>
-            <a:normAutofit fontScale="90000"/>
-          </a:bodyPr>
-          <a:lstStyle/>
-          <a:p>
-            <a:r>
-              <a:rPr lang="en-US" dirty="0"/>
-              <a:t>Lessons learnt </a:t>
-            </a:r>
-          </a:p>
-        </p:txBody>
-      </p:sp>
-      <p:sp>
-        <p:nvSpPr>
-          <p:cNvPr id="3" name="Content Placeholder 2">
-            <a:extLst>
-              <a:ext uri="{FF2B5EF4-FFF2-40B4-BE49-F238E27FC236}">
-                <a16:creationId xmlns:a16="http://schemas.microsoft.com/office/drawing/2014/main" id="{BEC8BDDB-FD44-4EB6-BE27-4A708B75BDAB}"/>
-              </a:ext>
-            </a:extLst>
-          </p:cNvPr>
-          <p:cNvSpPr>
-            <a:spLocks noGrp="1"/>
-          </p:cNvSpPr>
-          <p:nvPr>
-            <p:ph idx="1"/>
-          </p:nvPr>
-        </p:nvSpPr>
-        <p:spPr/>
-        <p:txBody>
-          <a:bodyPr/>
-          <a:lstStyle/>
-          <a:p>
-            <a:endParaRPr lang="en-US" dirty="0"/>
-          </a:p>
-        </p:txBody>
-      </p:sp>
-    </p:spTree>
-    <p:extLst>
-      <p:ext uri="{BB962C8B-B14F-4D97-AF65-F5344CB8AC3E}">
-        <p14:creationId xmlns:p14="http://schemas.microsoft.com/office/powerpoint/2010/main" val="1639100815"/>
-      </p:ext>
-    </p:extLst>
-  </p:cSld>
-  <p:clrMapOvr>
-    <a:masterClrMapping/>
-  </p:clrMapOvr>
-</p:sld>
-</file>
-
 <file path=ppt/slides/slide28.xml><?xml version="1.0" encoding="utf-8"?>
 <p:sld xmlns:a="http://schemas.openxmlformats.org/drawingml/2006/main" xmlns:r="http://schemas.openxmlformats.org/officeDocument/2006/relationships" xmlns:p="http://schemas.openxmlformats.org/presentationml/2006/main" show="0">
   <p:cSld>
@@ -9854,7 +9955,7 @@
         <p:spPr>
           <a:xfrm>
             <a:off x="1097280" y="286603"/>
-            <a:ext cx="10058400" cy="702409"/>
+            <a:ext cx="10058400" cy="702303"/>
           </a:xfrm>
         </p:spPr>
         <p:txBody>
@@ -9865,94 +9966,17 @@
           <a:p>
             <a:r>
               <a:rPr lang="en-US" dirty="0"/>
-              <a:t>Overall City Ranking </a:t>
-            </a:r>
-          </a:p>
-        </p:txBody>
-      </p:sp>
-      <p:cxnSp>
-        <p:nvCxnSpPr>
-          <p:cNvPr id="4" name="Straight Connector 3">
+              <a:t>Lessons learnt </a:t>
+            </a:r>
+          </a:p>
+        </p:txBody>
+      </p:sp>
+      <p:sp>
+        <p:nvSpPr>
+          <p:cNvPr id="3" name="Content Placeholder 2">
             <a:extLst>
               <a:ext uri="{FF2B5EF4-FFF2-40B4-BE49-F238E27FC236}">
-                <a16:creationId xmlns:a16="http://schemas.microsoft.com/office/drawing/2014/main" id="{8FECCD07-FFA9-4129-95C2-D2F2CF8AD354}"/>
-              </a:ext>
-            </a:extLst>
-          </p:cNvPr>
-          <p:cNvCxnSpPr/>
-          <p:nvPr/>
-        </p:nvCxnSpPr>
-        <p:spPr>
-          <a:xfrm>
-            <a:off x="989398" y="989012"/>
-            <a:ext cx="9069860" cy="0"/>
-          </a:xfrm>
-          <a:prstGeom prst="line">
-            <a:avLst/>
-          </a:prstGeom>
-          <a:ln>
-            <a:solidFill>
-              <a:srgbClr val="7030A0"/>
-            </a:solidFill>
-          </a:ln>
-        </p:spPr>
-        <p:style>
-          <a:lnRef idx="1">
-            <a:schemeClr val="accent1"/>
-          </a:lnRef>
-          <a:fillRef idx="0">
-            <a:schemeClr val="accent1"/>
-          </a:fillRef>
-          <a:effectRef idx="0">
-            <a:schemeClr val="accent1"/>
-          </a:effectRef>
-          <a:fontRef idx="minor">
-            <a:schemeClr val="tx1"/>
-          </a:fontRef>
-        </p:style>
-      </p:cxnSp>
-      <p:pic>
-        <p:nvPicPr>
-          <p:cNvPr id="8" name="Picture 7">
-            <a:extLst>
-              <a:ext uri="{FF2B5EF4-FFF2-40B4-BE49-F238E27FC236}">
-                <a16:creationId xmlns:a16="http://schemas.microsoft.com/office/drawing/2014/main" id="{AFA33C52-019E-7142-ABA7-D1815F056185}"/>
-              </a:ext>
-            </a:extLst>
-          </p:cNvPr>
-          <p:cNvPicPr>
-            <a:picLocks noChangeAspect="1"/>
-          </p:cNvPicPr>
-          <p:nvPr/>
-        </p:nvPicPr>
-        <p:blipFill>
-          <a:blip r:embed="rId2">
-            <a:extLst>
-              <a:ext uri="{28A0092B-C50C-407E-A947-70E740481C1C}">
-                <a14:useLocalDpi xmlns:a14="http://schemas.microsoft.com/office/drawing/2010/main" val="0"/>
-              </a:ext>
-            </a:extLst>
-          </a:blip>
-          <a:stretch>
-            <a:fillRect/>
-          </a:stretch>
-        </p:blipFill>
-        <p:spPr>
-          <a:xfrm>
-            <a:off x="880912" y="1331220"/>
-            <a:ext cx="5711618" cy="4818332"/>
-          </a:xfrm>
-          <a:prstGeom prst="rect">
-            <a:avLst/>
-          </a:prstGeom>
-        </p:spPr>
-      </p:pic>
-      <p:sp>
-        <p:nvSpPr>
-          <p:cNvPr id="18" name="Content Placeholder 2">
-            <a:extLst>
-              <a:ext uri="{FF2B5EF4-FFF2-40B4-BE49-F238E27FC236}">
-                <a16:creationId xmlns:a16="http://schemas.microsoft.com/office/drawing/2014/main" id="{6695956D-51D4-814A-9CFB-3A8B5A4F2C90}"/>
+                <a16:creationId xmlns:a16="http://schemas.microsoft.com/office/drawing/2014/main" id="{BEC8BDDB-FD44-4EB6-BE27-4A708B75BDAB}"/>
               </a:ext>
             </a:extLst>
           </p:cNvPr>
@@ -9963,43 +9987,19 @@
             <p:ph idx="1"/>
           </p:nvPr>
         </p:nvSpPr>
-        <p:spPr>
-          <a:xfrm>
-            <a:off x="7089339" y="1974256"/>
-            <a:ext cx="3899263" cy="4010780"/>
-          </a:xfrm>
-        </p:spPr>
-        <p:txBody>
-          <a:bodyPr>
-            <a:normAutofit lnSpcReduction="10000"/>
-          </a:bodyPr>
+        <p:spPr/>
+        <p:txBody>
+          <a:bodyPr/>
           <a:lstStyle/>
           <a:p>
-            <a:pPr>
-              <a:buFont typeface="Arial" panose="020B0604020202020204" pitchFamily="34" charset="0"/>
-              <a:buChar char="•"/>
-            </a:pPr>
-            <a:r>
-              <a:rPr lang="en-US" sz="3200" dirty="0"/>
-              <a:t> From multiple sources we defined a score for  each city</a:t>
-            </a:r>
-          </a:p>
-          <a:p>
-            <a:pPr>
-              <a:buFont typeface="Arial" panose="020B0604020202020204" pitchFamily="34" charset="0"/>
-              <a:buChar char="•"/>
-            </a:pPr>
-            <a:r>
-              <a:rPr lang="en-US" sz="3200" dirty="0"/>
-              <a:t> We agree that all rankings do not weigh equally, so we defined a set of weights per category to calculate totals.</a:t>
-            </a:r>
+            <a:endParaRPr lang="en-US" dirty="0"/>
           </a:p>
         </p:txBody>
       </p:sp>
     </p:spTree>
     <p:extLst>
       <p:ext uri="{BB962C8B-B14F-4D97-AF65-F5344CB8AC3E}">
-        <p14:creationId xmlns:p14="http://schemas.microsoft.com/office/powerpoint/2010/main" val="3630619199"/>
+        <p14:creationId xmlns:p14="http://schemas.microsoft.com/office/powerpoint/2010/main" val="1639100815"/>
       </p:ext>
     </p:extLst>
   </p:cSld>
